--- a/Movies.pptx
+++ b/Movies.pptx
@@ -1329,6 +1329,204 @@
 </p:notesMaster>
 </file>
 
+<file path=ppt/notesSlides/notesSlide1.xml><?xml version="1.0" encoding="utf-8"?>
+<p:notes xmlns:a="http://schemas.openxmlformats.org/drawingml/2006/main" xmlns:r="http://schemas.openxmlformats.org/officeDocument/2006/relationships" xmlns:p="http://schemas.openxmlformats.org/presentationml/2006/main">
+  <p:cSld>
+    <p:spTree>
+      <p:nvGrpSpPr>
+        <p:cNvPr id="1" name=""/>
+        <p:cNvGrpSpPr/>
+        <p:nvPr/>
+      </p:nvGrpSpPr>
+      <p:grpSpPr>
+        <a:xfrm>
+          <a:off x="0" y="0"/>
+          <a:ext cx="0" cy="0"/>
+          <a:chOff x="0" y="0"/>
+          <a:chExt cx="0" cy="0"/>
+        </a:xfrm>
+      </p:grpSpPr>
+      <p:sp>
+        <p:nvSpPr>
+          <p:cNvPr id="2" name="Slide Image Placeholder 1"/>
+          <p:cNvSpPr>
+            <a:spLocks noGrp="1" noRot="1" noChangeAspect="1"/>
+          </p:cNvSpPr>
+          <p:nvPr>
+            <p:ph type="sldImg"/>
+          </p:nvPr>
+        </p:nvSpPr>
+        <p:spPr>
+          <a:xfrm>
+            <a:off x="381000" y="685800"/>
+            <a:ext cx="6096000" cy="3429000"/>
+          </a:xfrm>
+        </p:spPr>
+      </p:sp>
+      <p:sp>
+        <p:nvSpPr>
+          <p:cNvPr id="3" name="Notes Placeholder 2"/>
+          <p:cNvSpPr>
+            <a:spLocks noGrp="1"/>
+          </p:cNvSpPr>
+          <p:nvPr>
+            <p:ph type="body" idx="1"/>
+          </p:nvPr>
+        </p:nvSpPr>
+        <p:spPr/>
+        <p:txBody>
+          <a:bodyPr/>
+          <a:lstStyle/>
+          <a:p>
+            <a:endParaRPr lang="en-US"/>
+          </a:p>
+        </p:txBody>
+      </p:sp>
+    </p:spTree>
+    <p:extLst>
+      <p:ext uri="{BB962C8B-B14F-4D97-AF65-F5344CB8AC3E}">
+        <p14:creationId xmlns:p14="http://schemas.microsoft.com/office/powerpoint/2010/main" val="690118361"/>
+      </p:ext>
+    </p:extLst>
+  </p:cSld>
+  <p:clrMapOvr>
+    <a:masterClrMapping/>
+  </p:clrMapOvr>
+</p:notes>
+</file>
+
+<file path=ppt/notesSlides/notesSlide2.xml><?xml version="1.0" encoding="utf-8"?>
+<p:notes xmlns:a="http://schemas.openxmlformats.org/drawingml/2006/main" xmlns:r="http://schemas.openxmlformats.org/officeDocument/2006/relationships" xmlns:p="http://schemas.openxmlformats.org/presentationml/2006/main">
+  <p:cSld>
+    <p:spTree>
+      <p:nvGrpSpPr>
+        <p:cNvPr id="1" name=""/>
+        <p:cNvGrpSpPr/>
+        <p:nvPr/>
+      </p:nvGrpSpPr>
+      <p:grpSpPr>
+        <a:xfrm>
+          <a:off x="0" y="0"/>
+          <a:ext cx="0" cy="0"/>
+          <a:chOff x="0" y="0"/>
+          <a:chExt cx="0" cy="0"/>
+        </a:xfrm>
+      </p:grpSpPr>
+      <p:sp>
+        <p:nvSpPr>
+          <p:cNvPr id="2" name="Slide Image Placeholder 1"/>
+          <p:cNvSpPr>
+            <a:spLocks noGrp="1" noRot="1" noChangeAspect="1"/>
+          </p:cNvSpPr>
+          <p:nvPr>
+            <p:ph type="sldImg"/>
+          </p:nvPr>
+        </p:nvSpPr>
+        <p:spPr>
+          <a:xfrm>
+            <a:off x="381000" y="685800"/>
+            <a:ext cx="6096000" cy="3429000"/>
+          </a:xfrm>
+        </p:spPr>
+      </p:sp>
+      <p:sp>
+        <p:nvSpPr>
+          <p:cNvPr id="3" name="Notes Placeholder 2"/>
+          <p:cNvSpPr>
+            <a:spLocks noGrp="1"/>
+          </p:cNvSpPr>
+          <p:nvPr>
+            <p:ph type="body" idx="1"/>
+          </p:nvPr>
+        </p:nvSpPr>
+        <p:spPr/>
+        <p:txBody>
+          <a:bodyPr/>
+          <a:lstStyle/>
+          <a:p>
+            <a:endParaRPr lang="en-US"/>
+          </a:p>
+        </p:txBody>
+      </p:sp>
+    </p:spTree>
+    <p:extLst>
+      <p:ext uri="{BB962C8B-B14F-4D97-AF65-F5344CB8AC3E}">
+        <p14:creationId xmlns:p14="http://schemas.microsoft.com/office/powerpoint/2010/main" val="1494832301"/>
+      </p:ext>
+    </p:extLst>
+  </p:cSld>
+  <p:clrMapOvr>
+    <a:masterClrMapping/>
+  </p:clrMapOvr>
+</p:notes>
+</file>
+
+<file path=ppt/notesSlides/notesSlide3.xml><?xml version="1.0" encoding="utf-8"?>
+<p:notes xmlns:a="http://schemas.openxmlformats.org/drawingml/2006/main" xmlns:r="http://schemas.openxmlformats.org/officeDocument/2006/relationships" xmlns:p="http://schemas.openxmlformats.org/presentationml/2006/main">
+  <p:cSld>
+    <p:spTree>
+      <p:nvGrpSpPr>
+        <p:cNvPr id="1" name=""/>
+        <p:cNvGrpSpPr/>
+        <p:nvPr/>
+      </p:nvGrpSpPr>
+      <p:grpSpPr>
+        <a:xfrm>
+          <a:off x="0" y="0"/>
+          <a:ext cx="0" cy="0"/>
+          <a:chOff x="0" y="0"/>
+          <a:chExt cx="0" cy="0"/>
+        </a:xfrm>
+      </p:grpSpPr>
+      <p:sp>
+        <p:nvSpPr>
+          <p:cNvPr id="2" name="Slide Image Placeholder 1"/>
+          <p:cNvSpPr>
+            <a:spLocks noGrp="1" noRot="1" noChangeAspect="1"/>
+          </p:cNvSpPr>
+          <p:nvPr>
+            <p:ph type="sldImg"/>
+          </p:nvPr>
+        </p:nvSpPr>
+        <p:spPr>
+          <a:xfrm>
+            <a:off x="381000" y="685800"/>
+            <a:ext cx="6096000" cy="3429000"/>
+          </a:xfrm>
+        </p:spPr>
+      </p:sp>
+      <p:sp>
+        <p:nvSpPr>
+          <p:cNvPr id="3" name="Notes Placeholder 2"/>
+          <p:cNvSpPr>
+            <a:spLocks noGrp="1"/>
+          </p:cNvSpPr>
+          <p:nvPr>
+            <p:ph type="body" idx="1"/>
+          </p:nvPr>
+        </p:nvSpPr>
+        <p:spPr/>
+        <p:txBody>
+          <a:bodyPr/>
+          <a:lstStyle/>
+          <a:p>
+            <a:endParaRPr lang="en-US"/>
+          </a:p>
+        </p:txBody>
+      </p:sp>
+    </p:spTree>
+    <p:extLst>
+      <p:ext uri="{BB962C8B-B14F-4D97-AF65-F5344CB8AC3E}">
+        <p14:creationId xmlns:p14="http://schemas.microsoft.com/office/powerpoint/2010/main" val="1232722225"/>
+      </p:ext>
+    </p:extLst>
+  </p:cSld>
+  <p:clrMapOvr>
+    <a:masterClrMapping/>
+  </p:clrMapOvr>
+</p:notes>
+</file>
+
 <file path=ppt/slideLayouts/slideLayout1.xml><?xml version="1.0" encoding="utf-8"?>
 <p:sldLayout xmlns:a="http://schemas.openxmlformats.org/drawingml/2006/main" xmlns:r="http://schemas.openxmlformats.org/officeDocument/2006/relationships" xmlns:p="http://schemas.openxmlformats.org/presentationml/2006/main" type="title">
   <p:cSld name="Title">
@@ -1378,9 +1576,9 @@
               <a:buSzTx/>
               <a:buNone/>
               <a:defRPr sz="3000" spc="-29">
-                <a:latin typeface="Graphik Medium"/>
-                <a:ea typeface="Graphik Medium"/>
-                <a:cs typeface="Graphik Medium"/>
+                <a:latin typeface="Graphik-Medium"/>
+                <a:ea typeface="Graphik-Medium"/>
+                <a:cs typeface="Graphik-Medium"/>
                 <a:sym typeface="Graphik Medium"/>
               </a:defRPr>
             </a:lvl1pPr>
@@ -1457,9 +1655,9 @@
               <a:buSzTx/>
               <a:buNone/>
               <a:defRPr sz="6000" spc="-59">
-                <a:latin typeface="Graphik Semibold"/>
-                <a:ea typeface="Graphik Semibold"/>
-                <a:cs typeface="Graphik Semibold"/>
+                <a:latin typeface="Graphik-SemiboldItalic"/>
+                <a:ea typeface="Graphik-SemiboldItalic"/>
+                <a:cs typeface="Graphik-SemiboldItalic"/>
                 <a:sym typeface="Graphik Semibold"/>
               </a:defRPr>
             </a:lvl1pPr>
@@ -1473,9 +1671,9 @@
               <a:buSzTx/>
               <a:buNone/>
               <a:defRPr sz="6000" spc="-59">
-                <a:latin typeface="Graphik Semibold"/>
-                <a:ea typeface="Graphik Semibold"/>
-                <a:cs typeface="Graphik Semibold"/>
+                <a:latin typeface="Graphik-SemiboldItalic"/>
+                <a:ea typeface="Graphik-SemiboldItalic"/>
+                <a:cs typeface="Graphik-SemiboldItalic"/>
                 <a:sym typeface="Graphik Semibold"/>
               </a:defRPr>
             </a:lvl2pPr>
@@ -1489,9 +1687,9 @@
               <a:buSzTx/>
               <a:buNone/>
               <a:defRPr sz="6000" spc="-59">
-                <a:latin typeface="Graphik Semibold"/>
-                <a:ea typeface="Graphik Semibold"/>
-                <a:cs typeface="Graphik Semibold"/>
+                <a:latin typeface="Graphik-SemiboldItalic"/>
+                <a:ea typeface="Graphik-SemiboldItalic"/>
+                <a:cs typeface="Graphik-SemiboldItalic"/>
                 <a:sym typeface="Graphik Semibold"/>
               </a:defRPr>
             </a:lvl3pPr>
@@ -1505,9 +1703,9 @@
               <a:buSzTx/>
               <a:buNone/>
               <a:defRPr sz="6000" spc="-59">
-                <a:latin typeface="Graphik Semibold"/>
-                <a:ea typeface="Graphik Semibold"/>
-                <a:cs typeface="Graphik Semibold"/>
+                <a:latin typeface="Graphik-SemiboldItalic"/>
+                <a:ea typeface="Graphik-SemiboldItalic"/>
+                <a:cs typeface="Graphik-SemiboldItalic"/>
                 <a:sym typeface="Graphik Semibold"/>
               </a:defRPr>
             </a:lvl4pPr>
@@ -1521,9 +1719,9 @@
               <a:buSzTx/>
               <a:buNone/>
               <a:defRPr sz="6000" spc="-59">
-                <a:latin typeface="Graphik Semibold"/>
-                <a:ea typeface="Graphik Semibold"/>
-                <a:cs typeface="Graphik Semibold"/>
+                <a:latin typeface="Graphik-SemiboldItalic"/>
+                <a:ea typeface="Graphik-SemiboldItalic"/>
+                <a:cs typeface="Graphik-SemiboldItalic"/>
                 <a:sym typeface="Graphik Semibold"/>
               </a:defRPr>
             </a:lvl5pPr>
@@ -1817,9 +2015,9 @@
               <a:buSzTx/>
               <a:buNone/>
               <a:defRPr spc="-44">
-                <a:latin typeface="Graphik Semibold"/>
-                <a:ea typeface="Graphik Semibold"/>
-                <a:cs typeface="Graphik Semibold"/>
+                <a:latin typeface="Graphik-SemiboldItalic"/>
+                <a:ea typeface="Graphik-SemiboldItalic"/>
+                <a:cs typeface="Graphik-SemiboldItalic"/>
                 <a:sym typeface="Graphik Semibold"/>
               </a:defRPr>
             </a:lvl1pPr>
@@ -2041,9 +2239,9 @@
               <a:buSzTx/>
               <a:buNone/>
               <a:defRPr spc="-44">
-                <a:latin typeface="Graphik Semibold"/>
-                <a:ea typeface="Graphik Semibold"/>
-                <a:cs typeface="Graphik Semibold"/>
+                <a:latin typeface="Graphik-SemiboldItalic"/>
+                <a:ea typeface="Graphik-SemiboldItalic"/>
+                <a:cs typeface="Graphik-SemiboldItalic"/>
                 <a:sym typeface="Graphik Semibold"/>
               </a:defRPr>
             </a:lvl1pPr>
@@ -2622,9 +2820,9 @@
                 <a:solidFill>
                   <a:srgbClr val="FFFFFF"/>
                 </a:solidFill>
-                <a:latin typeface="Graphik Semibold"/>
-                <a:ea typeface="Graphik Semibold"/>
-                <a:cs typeface="Graphik Semibold"/>
+                <a:latin typeface="Graphik-SemiboldItalic"/>
+                <a:ea typeface="Graphik-SemiboldItalic"/>
+                <a:cs typeface="Graphik-SemiboldItalic"/>
                 <a:sym typeface="Graphik Semibold"/>
               </a:defRPr>
             </a:lvl1pPr>
@@ -2641,9 +2839,9 @@
                 <a:solidFill>
                   <a:srgbClr val="FFFFFF"/>
                 </a:solidFill>
-                <a:latin typeface="Graphik Semibold"/>
-                <a:ea typeface="Graphik Semibold"/>
-                <a:cs typeface="Graphik Semibold"/>
+                <a:latin typeface="Graphik-SemiboldItalic"/>
+                <a:ea typeface="Graphik-SemiboldItalic"/>
+                <a:cs typeface="Graphik-SemiboldItalic"/>
                 <a:sym typeface="Graphik Semibold"/>
               </a:defRPr>
             </a:lvl2pPr>
@@ -2660,9 +2858,9 @@
                 <a:solidFill>
                   <a:srgbClr val="FFFFFF"/>
                 </a:solidFill>
-                <a:latin typeface="Graphik Semibold"/>
-                <a:ea typeface="Graphik Semibold"/>
-                <a:cs typeface="Graphik Semibold"/>
+                <a:latin typeface="Graphik-SemiboldItalic"/>
+                <a:ea typeface="Graphik-SemiboldItalic"/>
+                <a:cs typeface="Graphik-SemiboldItalic"/>
                 <a:sym typeface="Graphik Semibold"/>
               </a:defRPr>
             </a:lvl3pPr>
@@ -2679,9 +2877,9 @@
                 <a:solidFill>
                   <a:srgbClr val="FFFFFF"/>
                 </a:solidFill>
-                <a:latin typeface="Graphik Semibold"/>
-                <a:ea typeface="Graphik Semibold"/>
-                <a:cs typeface="Graphik Semibold"/>
+                <a:latin typeface="Graphik-SemiboldItalic"/>
+                <a:ea typeface="Graphik-SemiboldItalic"/>
+                <a:cs typeface="Graphik-SemiboldItalic"/>
                 <a:sym typeface="Graphik Semibold"/>
               </a:defRPr>
             </a:lvl4pPr>
@@ -2698,9 +2896,9 @@
                 <a:solidFill>
                   <a:srgbClr val="FFFFFF"/>
                 </a:solidFill>
-                <a:latin typeface="Graphik Semibold"/>
-                <a:ea typeface="Graphik Semibold"/>
-                <a:cs typeface="Graphik Semibold"/>
+                <a:latin typeface="Graphik-SemiboldItalic"/>
+                <a:ea typeface="Graphik-SemiboldItalic"/>
+                <a:cs typeface="Graphik-SemiboldItalic"/>
                 <a:sym typeface="Graphik Semibold"/>
               </a:defRPr>
             </a:lvl5pPr>
@@ -2763,9 +2961,9 @@
                 <a:solidFill>
                   <a:srgbClr val="FFFFFF"/>
                 </a:solidFill>
-                <a:latin typeface="Graphik Medium"/>
-                <a:ea typeface="Graphik Medium"/>
-                <a:cs typeface="Graphik Medium"/>
+                <a:latin typeface="Graphik-Medium"/>
+                <a:ea typeface="Graphik-Medium"/>
+                <a:cs typeface="Graphik-Medium"/>
                 <a:sym typeface="Graphik Medium"/>
               </a:defRPr>
             </a:lvl1pPr>
@@ -2927,9 +3125,9 @@
               <a:buSzTx/>
               <a:buNone/>
               <a:defRPr spc="-44">
-                <a:latin typeface="Graphik Semibold"/>
-                <a:ea typeface="Graphik Semibold"/>
-                <a:cs typeface="Graphik Semibold"/>
+                <a:latin typeface="Graphik-SemiboldItalic"/>
+                <a:ea typeface="Graphik-SemiboldItalic"/>
+                <a:cs typeface="Graphik-SemiboldItalic"/>
                 <a:sym typeface="Graphik Semibold"/>
               </a:defRPr>
             </a:lvl1pPr>
@@ -2943,9 +3141,9 @@
               <a:buSzTx/>
               <a:buNone/>
               <a:defRPr spc="-44">
-                <a:latin typeface="Graphik Semibold"/>
-                <a:ea typeface="Graphik Semibold"/>
-                <a:cs typeface="Graphik Semibold"/>
+                <a:latin typeface="Graphik-SemiboldItalic"/>
+                <a:ea typeface="Graphik-SemiboldItalic"/>
+                <a:cs typeface="Graphik-SemiboldItalic"/>
                 <a:sym typeface="Graphik Semibold"/>
               </a:defRPr>
             </a:lvl2pPr>
@@ -2959,9 +3157,9 @@
               <a:buSzTx/>
               <a:buNone/>
               <a:defRPr spc="-44">
-                <a:latin typeface="Graphik Semibold"/>
-                <a:ea typeface="Graphik Semibold"/>
-                <a:cs typeface="Graphik Semibold"/>
+                <a:latin typeface="Graphik-SemiboldItalic"/>
+                <a:ea typeface="Graphik-SemiboldItalic"/>
+                <a:cs typeface="Graphik-SemiboldItalic"/>
                 <a:sym typeface="Graphik Semibold"/>
               </a:defRPr>
             </a:lvl3pPr>
@@ -2975,9 +3173,9 @@
               <a:buSzTx/>
               <a:buNone/>
               <a:defRPr spc="-44">
-                <a:latin typeface="Graphik Semibold"/>
-                <a:ea typeface="Graphik Semibold"/>
-                <a:cs typeface="Graphik Semibold"/>
+                <a:latin typeface="Graphik-SemiboldItalic"/>
+                <a:ea typeface="Graphik-SemiboldItalic"/>
+                <a:cs typeface="Graphik-SemiboldItalic"/>
                 <a:sym typeface="Graphik Semibold"/>
               </a:defRPr>
             </a:lvl4pPr>
@@ -2991,9 +3189,9 @@
               <a:buSzTx/>
               <a:buNone/>
               <a:defRPr spc="-44">
-                <a:latin typeface="Graphik Semibold"/>
-                <a:ea typeface="Graphik Semibold"/>
-                <a:cs typeface="Graphik Semibold"/>
+                <a:latin typeface="Graphik-SemiboldItalic"/>
+                <a:ea typeface="Graphik-SemiboldItalic"/>
+                <a:cs typeface="Graphik-SemiboldItalic"/>
                 <a:sym typeface="Graphik Semibold"/>
               </a:defRPr>
             </a:lvl5pPr>
@@ -3171,9 +3369,9 @@
               <a:buSzTx/>
               <a:buNone/>
               <a:defRPr spc="-44">
-                <a:latin typeface="Graphik Semibold"/>
-                <a:ea typeface="Graphik Semibold"/>
-                <a:cs typeface="Graphik Semibold"/>
+                <a:latin typeface="Graphik-SemiboldItalic"/>
+                <a:ea typeface="Graphik-SemiboldItalic"/>
+                <a:cs typeface="Graphik-SemiboldItalic"/>
                 <a:sym typeface="Graphik Semibold"/>
               </a:defRPr>
             </a:lvl1pPr>
@@ -3428,9 +3626,9 @@
               <a:buSzTx/>
               <a:buNone/>
               <a:defRPr spc="-44">
-                <a:latin typeface="Graphik Semibold"/>
-                <a:ea typeface="Graphik Semibold"/>
-                <a:cs typeface="Graphik Semibold"/>
+                <a:latin typeface="Graphik-SemiboldItalic"/>
+                <a:ea typeface="Graphik-SemiboldItalic"/>
+                <a:cs typeface="Graphik-SemiboldItalic"/>
                 <a:sym typeface="Graphik Semibold"/>
               </a:defRPr>
             </a:lvl1pPr>
@@ -3689,9 +3887,9 @@
               <a:buSzTx/>
               <a:buNone/>
               <a:defRPr spc="-44">
-                <a:latin typeface="Graphik Semibold"/>
-                <a:ea typeface="Graphik Semibold"/>
-                <a:cs typeface="Graphik Semibold"/>
+                <a:latin typeface="Graphik-SemiboldItalic"/>
+                <a:ea typeface="Graphik-SemiboldItalic"/>
+                <a:cs typeface="Graphik-SemiboldItalic"/>
                 <a:sym typeface="Graphik Semibold"/>
               </a:defRPr>
             </a:lvl1pPr>
@@ -3927,9 +4125,9 @@
               <a:buSzTx/>
               <a:buNone/>
               <a:defRPr spc="-44">
-                <a:latin typeface="Graphik Semibold"/>
-                <a:ea typeface="Graphik Semibold"/>
-                <a:cs typeface="Graphik Semibold"/>
+                <a:latin typeface="Graphik-SemiboldItalic"/>
+                <a:ea typeface="Graphik-SemiboldItalic"/>
+                <a:cs typeface="Graphik-SemiboldItalic"/>
                 <a:sym typeface="Graphik Semibold"/>
               </a:defRPr>
             </a:lvl1pPr>
@@ -4028,7 +4226,7 @@
           </a:ln>
           <a:extLst>
             <a:ext uri="{C572A759-6A51-4108-AA02-DFA0A04FC94B}">
-              <ma14:wrappingTextBoxFlag xmlns:ma14="http://schemas.microsoft.com/office/mac/drawingml/2011/main" xmlns:a14="http://schemas.microsoft.com/office/drawing/2010/main" xmlns:m="http://schemas.openxmlformats.org/officeDocument/2006/math" xmlns="" val="1"/>
+              <ma14:wrappingTextBoxFlag xmlns="" xmlns:m="http://schemas.openxmlformats.org/officeDocument/2006/math" xmlns:a14="http://schemas.microsoft.com/office/drawing/2010/main" xmlns:ma14="http://schemas.microsoft.com/office/mac/drawingml/2011/main" val="1"/>
             </a:ext>
           </a:extLst>
         </p:spPr>
@@ -4067,7 +4265,7 @@
           </a:ln>
           <a:extLst>
             <a:ext uri="{C572A759-6A51-4108-AA02-DFA0A04FC94B}">
-              <ma14:wrappingTextBoxFlag xmlns:ma14="http://schemas.microsoft.com/office/mac/drawingml/2011/main" xmlns:a14="http://schemas.microsoft.com/office/drawing/2010/main" xmlns:m="http://schemas.openxmlformats.org/officeDocument/2006/math" xmlns="" val="1"/>
+              <ma14:wrappingTextBoxFlag xmlns="" xmlns:m="http://schemas.openxmlformats.org/officeDocument/2006/math" xmlns:a14="http://schemas.microsoft.com/office/drawing/2010/main" xmlns:ma14="http://schemas.microsoft.com/office/mac/drawingml/2011/main" val="1"/>
             </a:ext>
           </a:extLst>
         </p:spPr>
@@ -4920,6 +5118,7 @@
           <a:lstStyle/>
           <a:p>
             <a:r>
+              <a:rPr dirty="0"/>
               <a:t>AMC vs Cinemark</a:t>
             </a:r>
           </a:p>
@@ -4996,6 +5195,7 @@
           <a:lstStyle/>
           <a:p>
             <a:r>
+              <a:rPr dirty="0"/>
               <a:t>Admissions</a:t>
             </a:r>
           </a:p>
@@ -5013,8 +5213,8 @@
         </p:nvSpPr>
         <p:spPr>
           <a:xfrm>
-            <a:off x="14090284" y="4013200"/>
-            <a:ext cx="9077493" cy="8483600"/>
+            <a:off x="20205290" y="4013200"/>
+            <a:ext cx="2962487" cy="8483600"/>
           </a:xfrm>
           <a:prstGeom prst="rect">
             <a:avLst/>
@@ -5022,7 +5222,7 @@
         </p:spPr>
         <p:txBody>
           <a:bodyPr>
-            <a:normAutofit fontScale="92500"/>
+            <a:normAutofit fontScale="47500" lnSpcReduction="20000"/>
           </a:bodyPr>
           <a:lstStyle>
             <a:lvl1pPr marL="609600" indent="-609600" defTabSz="825500">
@@ -5084,18 +5284,18 @@
           <p:nvPr>
             <p:extLst>
               <p:ext uri="{D42A27DB-BD31-4B8C-83A1-F6EECF244321}">
-                <p14:modId xmlns:p14="http://schemas.microsoft.com/office/powerpoint/2010/main" val="2524415723"/>
+                <p14:modId xmlns:p14="http://schemas.microsoft.com/office/powerpoint/2010/main" val="963719763"/>
               </p:ext>
             </p:extLst>
           </p:nvPr>
         </p:nvGraphicFramePr>
         <p:xfrm>
-          <a:off x="550539" y="4715518"/>
+          <a:off x="6418513" y="4369273"/>
           <a:ext cx="11288879" cy="7078964"/>
         </p:xfrm>
         <a:graphic>
           <a:graphicData uri="http://schemas.openxmlformats.org/drawingml/2006/chart">
-            <c:chart xmlns:c="http://schemas.openxmlformats.org/drawingml/2006/chart" xmlns:r="http://schemas.openxmlformats.org/officeDocument/2006/relationships" r:id="rId2"/>
+            <c:chart xmlns:c="http://schemas.openxmlformats.org/drawingml/2006/chart" xmlns:r="http://schemas.openxmlformats.org/officeDocument/2006/relationships" r:id="rId3"/>
           </a:graphicData>
         </a:graphic>
       </p:graphicFrame>
@@ -5114,14 +5314,14 @@
           <p:nvPr>
             <p:extLst>
               <p:ext uri="{D42A27DB-BD31-4B8C-83A1-F6EECF244321}">
-                <p14:modId xmlns:p14="http://schemas.microsoft.com/office/powerpoint/2010/main" val="3770362254"/>
+                <p14:modId xmlns:p14="http://schemas.microsoft.com/office/powerpoint/2010/main" val="723290170"/>
               </p:ext>
             </p:extLst>
           </p:nvPr>
         </p:nvGraphicFramePr>
         <p:xfrm>
-          <a:off x="2725854" y="4715518"/>
-          <a:ext cx="731024" cy="396240"/>
+          <a:off x="8273657" y="4517398"/>
+          <a:ext cx="2288598" cy="396240"/>
         </p:xfrm>
         <a:graphic>
           <a:graphicData uri="http://schemas.openxmlformats.org/drawingml/2006/table">
@@ -5130,7 +5330,7 @@
                 <a:tableStyleId>{5940675A-B579-460E-94D1-54222C63F5DA}</a:tableStyleId>
               </a:tblPr>
               <a:tblGrid>
-                <a:gridCol w="731024">
+                <a:gridCol w="2288598">
                   <a:extLst>
                     <a:ext uri="{9D8B030D-6E8A-4147-A177-3AD203B41FA5}">
                       <a16:colId xmlns:a16="http://schemas.microsoft.com/office/drawing/2014/main" val="3744446855"/>
@@ -5202,14 +5402,14 @@
           <p:nvPr>
             <p:extLst>
               <p:ext uri="{D42A27DB-BD31-4B8C-83A1-F6EECF244321}">
-                <p14:modId xmlns:p14="http://schemas.microsoft.com/office/powerpoint/2010/main" val="3356074074"/>
+                <p14:modId xmlns:p14="http://schemas.microsoft.com/office/powerpoint/2010/main" val="3276732043"/>
               </p:ext>
             </p:extLst>
           </p:nvPr>
         </p:nvGraphicFramePr>
         <p:xfrm>
-          <a:off x="7721650" y="4715518"/>
-          <a:ext cx="731024" cy="396240"/>
+          <a:off x="12849753" y="4517398"/>
+          <a:ext cx="2153332" cy="396240"/>
         </p:xfrm>
         <a:graphic>
           <a:graphicData uri="http://schemas.openxmlformats.org/drawingml/2006/table">
@@ -5218,7 +5418,7 @@
                 <a:tableStyleId>{5940675A-B579-460E-94D1-54222C63F5DA}</a:tableStyleId>
               </a:tblPr>
               <a:tblGrid>
-                <a:gridCol w="731024">
+                <a:gridCol w="2153332">
                   <a:extLst>
                     <a:ext uri="{9D8B030D-6E8A-4147-A177-3AD203B41FA5}">
                       <a16:colId xmlns:a16="http://schemas.microsoft.com/office/drawing/2014/main" val="3744446855"/>
@@ -5226,7 +5426,7 @@
                   </a:extLst>
                 </a:gridCol>
               </a:tblGrid>
-              <a:tr h="246102">
+              <a:tr h="301455">
                 <a:tc>
                   <a:txBody>
                     <a:bodyPr/>
@@ -5286,14 +5486,14 @@
           <p:nvPr>
             <p:extLst>
               <p:ext uri="{D42A27DB-BD31-4B8C-83A1-F6EECF244321}">
-                <p14:modId xmlns:p14="http://schemas.microsoft.com/office/powerpoint/2010/main" val="1588247053"/>
+                <p14:modId xmlns:p14="http://schemas.microsoft.com/office/powerpoint/2010/main" val="1853308675"/>
               </p:ext>
             </p:extLst>
           </p:nvPr>
         </p:nvGraphicFramePr>
         <p:xfrm>
-          <a:off x="5223752" y="4715518"/>
-          <a:ext cx="731024" cy="396240"/>
+          <a:off x="10771555" y="4517398"/>
+          <a:ext cx="1194761" cy="396240"/>
         </p:xfrm>
         <a:graphic>
           <a:graphicData uri="http://schemas.openxmlformats.org/drawingml/2006/table">
@@ -5302,7 +5502,7 @@
                 <a:tableStyleId>{5940675A-B579-460E-94D1-54222C63F5DA}</a:tableStyleId>
               </a:tblPr>
               <a:tblGrid>
-                <a:gridCol w="731024">
+                <a:gridCol w="1194761">
                   <a:extLst>
                     <a:ext uri="{9D8B030D-6E8A-4147-A177-3AD203B41FA5}">
                       <a16:colId xmlns:a16="http://schemas.microsoft.com/office/drawing/2014/main" val="3744446855"/>
@@ -5370,14 +5570,14 @@
           <p:nvPr>
             <p:extLst>
               <p:ext uri="{D42A27DB-BD31-4B8C-83A1-F6EECF244321}">
-                <p14:modId xmlns:p14="http://schemas.microsoft.com/office/powerpoint/2010/main" val="3723008860"/>
+                <p14:modId xmlns:p14="http://schemas.microsoft.com/office/powerpoint/2010/main" val="937213841"/>
               </p:ext>
             </p:extLst>
           </p:nvPr>
         </p:nvGraphicFramePr>
         <p:xfrm>
-          <a:off x="0" y="7207715"/>
-          <a:ext cx="1789295" cy="701040"/>
+          <a:off x="4561453" y="6341807"/>
+          <a:ext cx="1857060" cy="2979174"/>
         </p:xfrm>
         <a:graphic>
           <a:graphicData uri="http://schemas.openxmlformats.org/drawingml/2006/table">
@@ -5386,7 +5586,7 @@
                 <a:tableStyleId>{5940675A-B579-460E-94D1-54222C63F5DA}</a:tableStyleId>
               </a:tblPr>
               <a:tblGrid>
-                <a:gridCol w="1789295">
+                <a:gridCol w="1857060">
                   <a:extLst>
                     <a:ext uri="{9D8B030D-6E8A-4147-A177-3AD203B41FA5}">
                       <a16:colId xmlns:a16="http://schemas.microsoft.com/office/drawing/2014/main" val="3744446855"/>
@@ -5394,14 +5594,14 @@
                   </a:extLst>
                 </a:gridCol>
               </a:tblGrid>
-              <a:tr h="0">
+              <a:tr h="2979174">
                 <a:tc>
                   <a:txBody>
                     <a:bodyPr/>
                     <a:lstStyle/>
                     <a:p>
                       <a:r>
-                        <a:rPr lang="en-US" dirty="0"/>
+                        <a:rPr lang="en-US" sz="2400" dirty="0"/>
                         <a:t>Numbers in millions</a:t>
                       </a:r>
                     </a:p>
@@ -5454,14 +5654,14 @@
           <p:nvPr>
             <p:extLst>
               <p:ext uri="{D42A27DB-BD31-4B8C-83A1-F6EECF244321}">
-                <p14:modId xmlns:p14="http://schemas.microsoft.com/office/powerpoint/2010/main" val="1627976916"/>
+                <p14:modId xmlns:p14="http://schemas.microsoft.com/office/powerpoint/2010/main" val="1446361552"/>
               </p:ext>
             </p:extLst>
           </p:nvPr>
         </p:nvGraphicFramePr>
         <p:xfrm>
-          <a:off x="10174943" y="4743807"/>
-          <a:ext cx="731024" cy="396240"/>
+          <a:off x="15543355" y="4517398"/>
+          <a:ext cx="1623767" cy="396240"/>
         </p:xfrm>
         <a:graphic>
           <a:graphicData uri="http://schemas.openxmlformats.org/drawingml/2006/table">
@@ -5470,7 +5670,7 @@
                 <a:tableStyleId>{5940675A-B579-460E-94D1-54222C63F5DA}</a:tableStyleId>
               </a:tblPr>
               <a:tblGrid>
-                <a:gridCol w="731024">
+                <a:gridCol w="1623767">
                   <a:extLst>
                     <a:ext uri="{9D8B030D-6E8A-4147-A177-3AD203B41FA5}">
                       <a16:colId xmlns:a16="http://schemas.microsoft.com/office/drawing/2014/main" val="3744446855"/>
@@ -5569,6 +5769,7 @@
           <a:lstStyle/>
           <a:p>
             <a:r>
+              <a:rPr dirty="0"/>
               <a:t>Concessions</a:t>
             </a:r>
           </a:p>
@@ -5672,7 +5873,7 @@
         </p:xfrm>
         <a:graphic>
           <a:graphicData uri="http://schemas.openxmlformats.org/drawingml/2006/chart">
-            <c:chart xmlns:c="http://schemas.openxmlformats.org/drawingml/2006/chart" xmlns:r="http://schemas.openxmlformats.org/officeDocument/2006/relationships" r:id="rId2"/>
+            <c:chart xmlns:c="http://schemas.openxmlformats.org/drawingml/2006/chart" xmlns:r="http://schemas.openxmlformats.org/officeDocument/2006/relationships" r:id="rId3"/>
           </a:graphicData>
         </a:graphic>
       </p:graphicFrame>
@@ -5722,6 +5923,7 @@
           <a:lstStyle/>
           <a:p>
             <a:r>
+              <a:rPr dirty="0"/>
               <a:t>Other</a:t>
             </a:r>
           </a:p>
@@ -5739,8 +5941,8 @@
         </p:nvSpPr>
         <p:spPr>
           <a:xfrm>
-            <a:off x="12822356" y="4013200"/>
-            <a:ext cx="10345421" cy="8483600"/>
+            <a:off x="19948358" y="4013200"/>
+            <a:ext cx="3219419" cy="8483600"/>
           </a:xfrm>
           <a:prstGeom prst="rect">
             <a:avLst/>
@@ -5748,7 +5950,7 @@
         </p:spPr>
         <p:txBody>
           <a:bodyPr>
-            <a:normAutofit fontScale="92500"/>
+            <a:normAutofit fontScale="47500" lnSpcReduction="20000"/>
           </a:bodyPr>
           <a:lstStyle>
             <a:lvl1pPr marL="609600" indent="-609600" defTabSz="825500">
@@ -5774,15 +5976,7 @@
             </a:r>
             <a:r>
               <a:rPr lang="en-US" dirty="0"/>
-              <a:t>Cinemark did not just have revenue </a:t>
-            </a:r>
-            <a:r>
-              <a:rPr lang="en-US"/>
-              <a:t>based on the </a:t>
-            </a:r>
-            <a:r>
-              <a:rPr lang="en-US" dirty="0"/>
-              <a:t>food, drinks and ticket sales. This chart shows how much money both companies made, in millions, from other things the companies sold</a:t>
+              <a:t>Cinemark did not just have revenue based on the food, drinks and ticket sales. This chart shows how much money both companies made, in millions, from other things the companies sold</a:t>
             </a:r>
             <a:r>
               <a:rPr dirty="0"/>
@@ -5795,15 +5989,21 @@
         <p:nvGraphicFramePr>
           <p:cNvPr id="164" name="2D Column Chart"/>
           <p:cNvGraphicFramePr/>
-          <p:nvPr/>
+          <p:nvPr>
+            <p:extLst>
+              <p:ext uri="{D42A27DB-BD31-4B8C-83A1-F6EECF244321}">
+                <p14:modId xmlns:p14="http://schemas.microsoft.com/office/powerpoint/2010/main" val="3852842087"/>
+              </p:ext>
+            </p:extLst>
+          </p:nvPr>
         </p:nvGraphicFramePr>
         <p:xfrm>
-          <a:off x="750900" y="4715518"/>
+          <a:off x="7486267" y="4715518"/>
           <a:ext cx="11064775" cy="7078964"/>
         </p:xfrm>
         <a:graphic>
           <a:graphicData uri="http://schemas.openxmlformats.org/drawingml/2006/chart">
-            <c:chart xmlns:c="http://schemas.openxmlformats.org/drawingml/2006/chart" xmlns:r="http://schemas.openxmlformats.org/officeDocument/2006/relationships" r:id="rId2"/>
+            <c:chart xmlns:c="http://schemas.openxmlformats.org/drawingml/2006/chart" xmlns:r="http://schemas.openxmlformats.org/officeDocument/2006/relationships" r:id="rId3"/>
           </a:graphicData>
         </a:graphic>
       </p:graphicFrame>
@@ -5815,8 +6015,8 @@
         </p:nvSpPr>
         <p:spPr>
           <a:xfrm>
-            <a:off x="410431" y="7699247"/>
-            <a:ext cx="1537717" cy="555753"/>
+            <a:off x="5832958" y="7171655"/>
+            <a:ext cx="1302334" cy="767390"/>
           </a:xfrm>
           <a:prstGeom prst="rect">
             <a:avLst/>
@@ -5826,12 +6026,12 @@
           </a:ln>
           <a:extLst>
             <a:ext uri="{C572A759-6A51-4108-AA02-DFA0A04FC94B}">
-              <ma14:wrappingTextBoxFlag xmlns:ma14="http://schemas.microsoft.com/office/mac/drawingml/2011/main" xmlns:a14="http://schemas.microsoft.com/office/drawing/2010/main" xmlns:m="http://schemas.openxmlformats.org/officeDocument/2006/math" xmlns="" val="1"/>
+              <ma14:wrappingTextBoxFlag xmlns="" xmlns:m="http://schemas.openxmlformats.org/officeDocument/2006/math" xmlns:a14="http://schemas.microsoft.com/office/drawing/2010/main" xmlns:ma14="http://schemas.microsoft.com/office/mac/drawingml/2011/main" val="1"/>
             </a:ext>
           </a:extLst>
         </p:spPr>
         <p:txBody>
-          <a:bodyPr wrap="none" lIns="50800" tIns="50800" rIns="50800" bIns="50800" anchor="ctr">
+          <a:bodyPr wrap="square" lIns="50800" tIns="50800" rIns="50800" bIns="50800" anchor="ctr">
             <a:spAutoFit/>
           </a:bodyPr>
           <a:lstStyle/>
@@ -5851,7 +6051,7 @@
         </p:nvSpPr>
         <p:spPr>
           <a:xfrm>
-            <a:off x="2969575" y="4437641"/>
+            <a:off x="9558820" y="4565765"/>
             <a:ext cx="673913" cy="555753"/>
           </a:xfrm>
           <a:prstGeom prst="rect">
@@ -5862,7 +6062,7 @@
           </a:ln>
           <a:extLst>
             <a:ext uri="{C572A759-6A51-4108-AA02-DFA0A04FC94B}">
-              <ma14:wrappingTextBoxFlag xmlns:ma14="http://schemas.microsoft.com/office/mac/drawingml/2011/main" xmlns:a14="http://schemas.microsoft.com/office/drawing/2010/main" xmlns:m="http://schemas.openxmlformats.org/officeDocument/2006/math" xmlns="" val="1"/>
+              <ma14:wrappingTextBoxFlag xmlns="" xmlns:m="http://schemas.openxmlformats.org/officeDocument/2006/math" xmlns:a14="http://schemas.microsoft.com/office/drawing/2010/main" xmlns:ma14="http://schemas.microsoft.com/office/mac/drawingml/2011/main" val="1"/>
             </a:ext>
           </a:extLst>
         </p:spPr>
@@ -5873,6 +6073,7 @@
           <a:lstStyle/>
           <a:p>
             <a:r>
+              <a:rPr dirty="0"/>
               <a:t>2021</a:t>
             </a:r>
           </a:p>
@@ -5886,7 +6087,7 @@
         </p:nvSpPr>
         <p:spPr>
           <a:xfrm>
-            <a:off x="7934417" y="4497422"/>
+            <a:off x="14622326" y="4565766"/>
             <a:ext cx="673914" cy="555753"/>
           </a:xfrm>
           <a:prstGeom prst="rect">
@@ -5897,7 +6098,7 @@
           </a:ln>
           <a:extLst>
             <a:ext uri="{C572A759-6A51-4108-AA02-DFA0A04FC94B}">
-              <ma14:wrappingTextBoxFlag xmlns:ma14="http://schemas.microsoft.com/office/mac/drawingml/2011/main" xmlns:a14="http://schemas.microsoft.com/office/drawing/2010/main" xmlns:m="http://schemas.openxmlformats.org/officeDocument/2006/math" xmlns="" val="1"/>
+              <ma14:wrappingTextBoxFlag xmlns="" xmlns:m="http://schemas.openxmlformats.org/officeDocument/2006/math" xmlns:a14="http://schemas.microsoft.com/office/drawing/2010/main" xmlns:ma14="http://schemas.microsoft.com/office/mac/drawingml/2011/main" val="1"/>
             </a:ext>
           </a:extLst>
         </p:spPr>
@@ -5908,6 +6109,7 @@
           <a:lstStyle/>
           <a:p>
             <a:r>
+              <a:rPr dirty="0"/>
               <a:t>2021</a:t>
             </a:r>
           </a:p>
@@ -5921,7 +6123,43 @@
         </p:nvSpPr>
         <p:spPr>
           <a:xfrm>
-            <a:off x="5105027" y="4497421"/>
+            <a:off x="11978559" y="4565766"/>
+            <a:ext cx="722377" cy="434991"/>
+          </a:xfrm>
+          <a:prstGeom prst="rect">
+            <a:avLst/>
+          </a:prstGeom>
+          <a:ln w="12700">
+            <a:miter lim="400000"/>
+          </a:ln>
+          <a:extLst>
+            <a:ext uri="{C572A759-6A51-4108-AA02-DFA0A04FC94B}">
+              <ma14:wrappingTextBoxFlag xmlns="" xmlns:m="http://schemas.openxmlformats.org/officeDocument/2006/math" xmlns:a14="http://schemas.microsoft.com/office/drawing/2010/main" xmlns:ma14="http://schemas.microsoft.com/office/mac/drawingml/2011/main" val="1"/>
+            </a:ext>
+          </a:extLst>
+        </p:spPr>
+        <p:txBody>
+          <a:bodyPr wrap="square" lIns="50800" tIns="50800" rIns="50800" bIns="50800" anchor="ctr">
+            <a:spAutoFit/>
+          </a:bodyPr>
+          <a:lstStyle/>
+          <a:p>
+            <a:r>
+              <a:rPr dirty="0"/>
+              <a:t>2022</a:t>
+            </a:r>
+          </a:p>
+        </p:txBody>
+      </p:sp>
+      <p:sp>
+        <p:nvSpPr>
+          <p:cNvPr id="169" name="2022"/>
+          <p:cNvSpPr txBox="1"/>
+          <p:nvPr/>
+        </p:nvSpPr>
+        <p:spPr>
+          <a:xfrm>
+            <a:off x="16806242" y="4544820"/>
             <a:ext cx="722377" cy="555753"/>
           </a:xfrm>
           <a:prstGeom prst="rect">
@@ -5932,7 +6170,7 @@
           </a:ln>
           <a:extLst>
             <a:ext uri="{C572A759-6A51-4108-AA02-DFA0A04FC94B}">
-              <ma14:wrappingTextBoxFlag xmlns:ma14="http://schemas.microsoft.com/office/mac/drawingml/2011/main" xmlns:a14="http://schemas.microsoft.com/office/drawing/2010/main" xmlns:m="http://schemas.openxmlformats.org/officeDocument/2006/math" xmlns="" val="1"/>
+              <ma14:wrappingTextBoxFlag xmlns="" xmlns:m="http://schemas.openxmlformats.org/officeDocument/2006/math" xmlns:a14="http://schemas.microsoft.com/office/drawing/2010/main" xmlns:ma14="http://schemas.microsoft.com/office/mac/drawingml/2011/main" val="1"/>
             </a:ext>
           </a:extLst>
         </p:spPr>
@@ -5944,41 +6182,6 @@
           <a:p>
             <a:r>
               <a:rPr dirty="0"/>
-              <a:t>2022</a:t>
-            </a:r>
-          </a:p>
-        </p:txBody>
-      </p:sp>
-      <p:sp>
-        <p:nvSpPr>
-          <p:cNvPr id="169" name="2022"/>
-          <p:cNvSpPr txBox="1"/>
-          <p:nvPr/>
-        </p:nvSpPr>
-        <p:spPr>
-          <a:xfrm>
-            <a:off x="9850814" y="4511191"/>
-            <a:ext cx="722377" cy="555753"/>
-          </a:xfrm>
-          <a:prstGeom prst="rect">
-            <a:avLst/>
-          </a:prstGeom>
-          <a:ln w="12700">
-            <a:miter lim="400000"/>
-          </a:ln>
-          <a:extLst>
-            <a:ext uri="{C572A759-6A51-4108-AA02-DFA0A04FC94B}">
-              <ma14:wrappingTextBoxFlag xmlns:ma14="http://schemas.microsoft.com/office/mac/drawingml/2011/main" xmlns:a14="http://schemas.microsoft.com/office/drawing/2010/main" xmlns:m="http://schemas.openxmlformats.org/officeDocument/2006/math" xmlns="" val="1"/>
-            </a:ext>
-          </a:extLst>
-        </p:spPr>
-        <p:txBody>
-          <a:bodyPr wrap="none" lIns="50800" tIns="50800" rIns="50800" bIns="50800" anchor="ctr">
-            <a:spAutoFit/>
-          </a:bodyPr>
-          <a:lstStyle/>
-          <a:p>
-            <a:r>
               <a:t>2022</a:t>
             </a:r>
           </a:p>

--- a/Movies.pptx
+++ b/Movies.pptx
@@ -4226,7 +4226,7 @@
           </a:ln>
           <a:extLst>
             <a:ext uri="{C572A759-6A51-4108-AA02-DFA0A04FC94B}">
-              <ma14:wrappingTextBoxFlag xmlns="" xmlns:m="http://schemas.openxmlformats.org/officeDocument/2006/math" xmlns:a14="http://schemas.microsoft.com/office/drawing/2010/main" xmlns:ma14="http://schemas.microsoft.com/office/mac/drawingml/2011/main" val="1"/>
+              <ma14:wrappingTextBoxFlag xmlns:ma14="http://schemas.microsoft.com/office/mac/drawingml/2011/main" xmlns:a14="http://schemas.microsoft.com/office/drawing/2010/main" xmlns:m="http://schemas.openxmlformats.org/officeDocument/2006/math" xmlns="" val="1"/>
             </a:ext>
           </a:extLst>
         </p:spPr>
@@ -4265,7 +4265,7 @@
           </a:ln>
           <a:extLst>
             <a:ext uri="{C572A759-6A51-4108-AA02-DFA0A04FC94B}">
-              <ma14:wrappingTextBoxFlag xmlns="" xmlns:m="http://schemas.openxmlformats.org/officeDocument/2006/math" xmlns:a14="http://schemas.microsoft.com/office/drawing/2010/main" xmlns:ma14="http://schemas.microsoft.com/office/mac/drawingml/2011/main" val="1"/>
+              <ma14:wrappingTextBoxFlag xmlns:ma14="http://schemas.microsoft.com/office/mac/drawingml/2011/main" xmlns:a14="http://schemas.microsoft.com/office/drawing/2010/main" xmlns:m="http://schemas.openxmlformats.org/officeDocument/2006/math" xmlns="" val="1"/>
             </a:ext>
           </a:extLst>
         </p:spPr>
@@ -5723,6 +5723,90 @@
           </a:graphicData>
         </a:graphic>
       </p:graphicFrame>
+      <p:graphicFrame>
+        <p:nvGraphicFramePr>
+          <p:cNvPr id="6" name="Table 7">
+            <a:extLst>
+              <a:ext uri="{FF2B5EF4-FFF2-40B4-BE49-F238E27FC236}">
+                <a16:creationId xmlns:a16="http://schemas.microsoft.com/office/drawing/2014/main" id="{2B21904E-1730-1D14-C156-81BE47FED81D}"/>
+              </a:ext>
+            </a:extLst>
+          </p:cNvPr>
+          <p:cNvGraphicFramePr>
+            <a:graphicFrameLocks noGrp="1"/>
+          </p:cNvGraphicFramePr>
+          <p:nvPr>
+            <p:extLst>
+              <p:ext uri="{D42A27DB-BD31-4B8C-83A1-F6EECF244321}">
+                <p14:modId xmlns:p14="http://schemas.microsoft.com/office/powerpoint/2010/main" val="590414733"/>
+              </p:ext>
+            </p:extLst>
+          </p:nvPr>
+        </p:nvGraphicFramePr>
+        <p:xfrm>
+          <a:off x="4064000" y="3951551"/>
+          <a:ext cx="16256000" cy="470302"/>
+        </p:xfrm>
+        <a:graphic>
+          <a:graphicData uri="http://schemas.openxmlformats.org/drawingml/2006/table">
+            <a:tbl>
+              <a:tblPr firstRow="1" bandRow="1">
+                <a:tableStyleId>{5940675A-B579-460E-94D1-54222C63F5DA}</a:tableStyleId>
+              </a:tblPr>
+              <a:tblGrid>
+                <a:gridCol w="16256000">
+                  <a:extLst>
+                    <a:ext uri="{9D8B030D-6E8A-4147-A177-3AD203B41FA5}">
+                      <a16:colId xmlns:a16="http://schemas.microsoft.com/office/drawing/2014/main" val="3109325396"/>
+                    </a:ext>
+                  </a:extLst>
+                </a:gridCol>
+              </a:tblGrid>
+              <a:tr h="470302">
+                <a:tc>
+                  <a:txBody>
+                    <a:bodyPr/>
+                    <a:lstStyle/>
+                    <a:p>
+                      <a:r>
+                        <a:rPr lang="en-US" dirty="0"/>
+                        <a:t>Admissions</a:t>
+                      </a:r>
+                    </a:p>
+                  </a:txBody>
+                  <a:tcPr>
+                    <a:lnL w="12700" cmpd="sng">
+                      <a:noFill/>
+                    </a:lnL>
+                    <a:lnR w="12700" cmpd="sng">
+                      <a:noFill/>
+                    </a:lnR>
+                    <a:lnT w="12700" cmpd="sng">
+                      <a:noFill/>
+                    </a:lnT>
+                    <a:lnB w="12700" cmpd="sng">
+                      <a:noFill/>
+                    </a:lnB>
+                    <a:lnTlToBr w="12700" cmpd="sng">
+                      <a:noFill/>
+                      <a:prstDash val="solid"/>
+                    </a:lnTlToBr>
+                    <a:lnBlToTr w="12700" cmpd="sng">
+                      <a:noFill/>
+                      <a:prstDash val="solid"/>
+                    </a:lnBlToTr>
+                  </a:tcPr>
+                </a:tc>
+                <a:extLst>
+                  <a:ext uri="{0D108BD9-81ED-4DB2-BD59-A6C34878D82A}">
+                    <a16:rowId xmlns:a16="http://schemas.microsoft.com/office/drawing/2014/main" val="1450907459"/>
+                  </a:ext>
+                </a:extLst>
+              </a:tr>
+            </a:tbl>
+          </a:graphicData>
+        </a:graphic>
+      </p:graphicFrame>
     </p:spTree>
   </p:cSld>
   <p:clrMapOvr>
@@ -6026,7 +6110,7 @@
           </a:ln>
           <a:extLst>
             <a:ext uri="{C572A759-6A51-4108-AA02-DFA0A04FC94B}">
-              <ma14:wrappingTextBoxFlag xmlns="" xmlns:m="http://schemas.openxmlformats.org/officeDocument/2006/math" xmlns:a14="http://schemas.microsoft.com/office/drawing/2010/main" xmlns:ma14="http://schemas.microsoft.com/office/mac/drawingml/2011/main" val="1"/>
+              <ma14:wrappingTextBoxFlag xmlns:ma14="http://schemas.microsoft.com/office/mac/drawingml/2011/main" xmlns:a14="http://schemas.microsoft.com/office/drawing/2010/main" xmlns:m="http://schemas.openxmlformats.org/officeDocument/2006/math" xmlns="" val="1"/>
             </a:ext>
           </a:extLst>
         </p:spPr>
@@ -6062,7 +6146,7 @@
           </a:ln>
           <a:extLst>
             <a:ext uri="{C572A759-6A51-4108-AA02-DFA0A04FC94B}">
-              <ma14:wrappingTextBoxFlag xmlns="" xmlns:m="http://schemas.openxmlformats.org/officeDocument/2006/math" xmlns:a14="http://schemas.microsoft.com/office/drawing/2010/main" xmlns:ma14="http://schemas.microsoft.com/office/mac/drawingml/2011/main" val="1"/>
+              <ma14:wrappingTextBoxFlag xmlns:ma14="http://schemas.microsoft.com/office/mac/drawingml/2011/main" xmlns:a14="http://schemas.microsoft.com/office/drawing/2010/main" xmlns:m="http://schemas.openxmlformats.org/officeDocument/2006/math" xmlns="" val="1"/>
             </a:ext>
           </a:extLst>
         </p:spPr>
@@ -6098,7 +6182,7 @@
           </a:ln>
           <a:extLst>
             <a:ext uri="{C572A759-6A51-4108-AA02-DFA0A04FC94B}">
-              <ma14:wrappingTextBoxFlag xmlns="" xmlns:m="http://schemas.openxmlformats.org/officeDocument/2006/math" xmlns:a14="http://schemas.microsoft.com/office/drawing/2010/main" xmlns:ma14="http://schemas.microsoft.com/office/mac/drawingml/2011/main" val="1"/>
+              <ma14:wrappingTextBoxFlag xmlns:ma14="http://schemas.microsoft.com/office/mac/drawingml/2011/main" xmlns:a14="http://schemas.microsoft.com/office/drawing/2010/main" xmlns:m="http://schemas.openxmlformats.org/officeDocument/2006/math" xmlns="" val="1"/>
             </a:ext>
           </a:extLst>
         </p:spPr>
@@ -6134,7 +6218,7 @@
           </a:ln>
           <a:extLst>
             <a:ext uri="{C572A759-6A51-4108-AA02-DFA0A04FC94B}">
-              <ma14:wrappingTextBoxFlag xmlns="" xmlns:m="http://schemas.openxmlformats.org/officeDocument/2006/math" xmlns:a14="http://schemas.microsoft.com/office/drawing/2010/main" xmlns:ma14="http://schemas.microsoft.com/office/mac/drawingml/2011/main" val="1"/>
+              <ma14:wrappingTextBoxFlag xmlns:ma14="http://schemas.microsoft.com/office/mac/drawingml/2011/main" xmlns:a14="http://schemas.microsoft.com/office/drawing/2010/main" xmlns:m="http://schemas.openxmlformats.org/officeDocument/2006/math" xmlns="" val="1"/>
             </a:ext>
           </a:extLst>
         </p:spPr>
@@ -6170,7 +6254,7 @@
           </a:ln>
           <a:extLst>
             <a:ext uri="{C572A759-6A51-4108-AA02-DFA0A04FC94B}">
-              <ma14:wrappingTextBoxFlag xmlns="" xmlns:m="http://schemas.openxmlformats.org/officeDocument/2006/math" xmlns:a14="http://schemas.microsoft.com/office/drawing/2010/main" xmlns:ma14="http://schemas.microsoft.com/office/mac/drawingml/2011/main" val="1"/>
+              <ma14:wrappingTextBoxFlag xmlns:ma14="http://schemas.microsoft.com/office/mac/drawingml/2011/main" xmlns:a14="http://schemas.microsoft.com/office/drawing/2010/main" xmlns:m="http://schemas.openxmlformats.org/officeDocument/2006/math" xmlns="" val="1"/>
             </a:ext>
           </a:extLst>
         </p:spPr>
@@ -6187,6 +6271,90 @@
           </a:p>
         </p:txBody>
       </p:sp>
+      <p:graphicFrame>
+        <p:nvGraphicFramePr>
+          <p:cNvPr id="2" name="Table 7">
+            <a:extLst>
+              <a:ext uri="{FF2B5EF4-FFF2-40B4-BE49-F238E27FC236}">
+                <a16:creationId xmlns:a16="http://schemas.microsoft.com/office/drawing/2014/main" id="{B1BB4318-F94D-B931-69CA-729296B802CF}"/>
+              </a:ext>
+            </a:extLst>
+          </p:cNvPr>
+          <p:cNvGraphicFramePr>
+            <a:graphicFrameLocks noGrp="1"/>
+          </p:cNvGraphicFramePr>
+          <p:nvPr>
+            <p:extLst>
+              <p:ext uri="{D42A27DB-BD31-4B8C-83A1-F6EECF244321}">
+                <p14:modId xmlns:p14="http://schemas.microsoft.com/office/powerpoint/2010/main" val="647970926"/>
+              </p:ext>
+            </p:extLst>
+          </p:nvPr>
+        </p:nvGraphicFramePr>
+        <p:xfrm>
+          <a:off x="5297656" y="3935189"/>
+          <a:ext cx="16256000" cy="470302"/>
+        </p:xfrm>
+        <a:graphic>
+          <a:graphicData uri="http://schemas.openxmlformats.org/drawingml/2006/table">
+            <a:tbl>
+              <a:tblPr firstRow="1" bandRow="1">
+                <a:tableStyleId>{5940675A-B579-460E-94D1-54222C63F5DA}</a:tableStyleId>
+              </a:tblPr>
+              <a:tblGrid>
+                <a:gridCol w="16256000">
+                  <a:extLst>
+                    <a:ext uri="{9D8B030D-6E8A-4147-A177-3AD203B41FA5}">
+                      <a16:colId xmlns:a16="http://schemas.microsoft.com/office/drawing/2014/main" val="3109325396"/>
+                    </a:ext>
+                  </a:extLst>
+                </a:gridCol>
+              </a:tblGrid>
+              <a:tr h="470302">
+                <a:tc>
+                  <a:txBody>
+                    <a:bodyPr/>
+                    <a:lstStyle/>
+                    <a:p>
+                      <a:r>
+                        <a:rPr lang="en-US" dirty="0"/>
+                        <a:t>Other</a:t>
+                      </a:r>
+                    </a:p>
+                  </a:txBody>
+                  <a:tcPr>
+                    <a:lnL w="12700" cmpd="sng">
+                      <a:noFill/>
+                    </a:lnL>
+                    <a:lnR w="12700" cmpd="sng">
+                      <a:noFill/>
+                    </a:lnR>
+                    <a:lnT w="12700" cmpd="sng">
+                      <a:noFill/>
+                    </a:lnT>
+                    <a:lnB w="12700" cmpd="sng">
+                      <a:noFill/>
+                    </a:lnB>
+                    <a:lnTlToBr w="12700" cmpd="sng">
+                      <a:noFill/>
+                      <a:prstDash val="solid"/>
+                    </a:lnTlToBr>
+                    <a:lnBlToTr w="12700" cmpd="sng">
+                      <a:noFill/>
+                      <a:prstDash val="solid"/>
+                    </a:lnBlToTr>
+                  </a:tcPr>
+                </a:tc>
+                <a:extLst>
+                  <a:ext uri="{0D108BD9-81ED-4DB2-BD59-A6C34878D82A}">
+                    <a16:rowId xmlns:a16="http://schemas.microsoft.com/office/drawing/2014/main" val="1450907459"/>
+                  </a:ext>
+                </a:extLst>
+              </a:tr>
+            </a:tbl>
+          </a:graphicData>
+        </a:graphic>
+      </p:graphicFrame>
     </p:spTree>
   </p:cSld>
   <p:clrMapOvr>

--- a/Movies.pptx
+++ b/Movies.pptx
@@ -1,17 +1,17 @@
 
 <file path=ppt/presentation.xml><?xml version="1.0" encoding="utf-8"?>
-<p:presentation xmlns:a="http://schemas.openxmlformats.org/drawingml/2006/main" xmlns:r="http://schemas.openxmlformats.org/officeDocument/2006/relationships" xmlns:p="http://schemas.openxmlformats.org/presentationml/2006/main">
+<p:presentation xmlns:a="http://schemas.openxmlformats.org/drawingml/2006/main" xmlns:r="http://schemas.openxmlformats.org/officeDocument/2006/relationships" xmlns:p="http://schemas.openxmlformats.org/presentationml/2006/main" xmlns:m="http://schemas.openxmlformats.org/officeDocument/2006/math" xmlns:a14="http://schemas.microsoft.com/office/drawing/2010/main">
   <p:sldMasterIdLst>
-    <p:sldMasterId id="2147483648" r:id="rId1"/>
+    <p:sldMasterId id="2147483648" r:id="rId5"/>
   </p:sldMasterIdLst>
   <p:notesMasterIdLst>
-    <p:notesMasterId r:id="rId6"/>
+    <p:notesMasterId r:id="rId7"/>
   </p:notesMasterIdLst>
   <p:sldIdLst>
-    <p:sldId id="256" r:id="rId2"/>
-    <p:sldId id="257" r:id="rId3"/>
-    <p:sldId id="258" r:id="rId4"/>
-    <p:sldId id="259" r:id="rId5"/>
+    <p:sldId id="256" r:id="rId8"/>
+    <p:sldId id="257" r:id="rId9"/>
+    <p:sldId id="258" r:id="rId10"/>
+    <p:sldId id="259" r:id="rId11"/>
   </p:sldIdLst>
   <p:sldSz cx="24384000" cy="13716000"/>
   <p:notesSz cx="6858000" cy="9144000"/>
@@ -31,7 +31,7 @@
       <a:buFontTx/>
       <a:buNone/>
       <a:tabLst/>
-      <a:defRPr kumimoji="0" sz="1800" b="0" i="0" u="none" strike="noStrike" cap="none" spc="0" normalizeH="0" baseline="0">
+      <a:defRPr b="0" baseline="0" cap="none" i="0" spc="0" strike="noStrike" sz="1800" u="none" kumimoji="0" normalizeH="0">
         <a:ln>
           <a:noFill/>
         </a:ln>
@@ -57,7 +57,7 @@
       <a:buFontTx/>
       <a:buNone/>
       <a:tabLst/>
-      <a:defRPr kumimoji="0" sz="2400" b="0" i="0" u="none" strike="noStrike" cap="none" spc="0" normalizeH="0" baseline="0">
+      <a:defRPr b="0" baseline="0" cap="none" i="0" spc="0" strike="noStrike" sz="2400" u="none" kumimoji="0" normalizeH="0">
         <a:ln>
           <a:noFill/>
         </a:ln>
@@ -87,7 +87,7 @@
       <a:buFontTx/>
       <a:buNone/>
       <a:tabLst/>
-      <a:defRPr kumimoji="0" sz="2400" b="0" i="0" u="none" strike="noStrike" cap="none" spc="0" normalizeH="0" baseline="0">
+      <a:defRPr b="0" baseline="0" cap="none" i="0" spc="0" strike="noStrike" sz="2400" u="none" kumimoji="0" normalizeH="0">
         <a:ln>
           <a:noFill/>
         </a:ln>
@@ -117,7 +117,7 @@
       <a:buFontTx/>
       <a:buNone/>
       <a:tabLst/>
-      <a:defRPr kumimoji="0" sz="2400" b="0" i="0" u="none" strike="noStrike" cap="none" spc="0" normalizeH="0" baseline="0">
+      <a:defRPr b="0" baseline="0" cap="none" i="0" spc="0" strike="noStrike" sz="2400" u="none" kumimoji="0" normalizeH="0">
         <a:ln>
           <a:noFill/>
         </a:ln>
@@ -147,7 +147,7 @@
       <a:buFontTx/>
       <a:buNone/>
       <a:tabLst/>
-      <a:defRPr kumimoji="0" sz="2400" b="0" i="0" u="none" strike="noStrike" cap="none" spc="0" normalizeH="0" baseline="0">
+      <a:defRPr b="0" baseline="0" cap="none" i="0" spc="0" strike="noStrike" sz="2400" u="none" kumimoji="0" normalizeH="0">
         <a:ln>
           <a:noFill/>
         </a:ln>
@@ -177,7 +177,7 @@
       <a:buFontTx/>
       <a:buNone/>
       <a:tabLst/>
-      <a:defRPr kumimoji="0" sz="2400" b="0" i="0" u="none" strike="noStrike" cap="none" spc="0" normalizeH="0" baseline="0">
+      <a:defRPr b="0" baseline="0" cap="none" i="0" spc="0" strike="noStrike" sz="2400" u="none" kumimoji="0" normalizeH="0">
         <a:ln>
           <a:noFill/>
         </a:ln>
@@ -207,7 +207,7 @@
       <a:buFontTx/>
       <a:buNone/>
       <a:tabLst/>
-      <a:defRPr kumimoji="0" sz="2400" b="0" i="0" u="none" strike="noStrike" cap="none" spc="0" normalizeH="0" baseline="0">
+      <a:defRPr b="0" baseline="0" cap="none" i="0" spc="0" strike="noStrike" sz="2400" u="none" kumimoji="0" normalizeH="0">
         <a:ln>
           <a:noFill/>
         </a:ln>
@@ -237,7 +237,7 @@
       <a:buFontTx/>
       <a:buNone/>
       <a:tabLst/>
-      <a:defRPr kumimoji="0" sz="2400" b="0" i="0" u="none" strike="noStrike" cap="none" spc="0" normalizeH="0" baseline="0">
+      <a:defRPr b="0" baseline="0" cap="none" i="0" spc="0" strike="noStrike" sz="2400" u="none" kumimoji="0" normalizeH="0">
         <a:ln>
           <a:noFill/>
         </a:ln>
@@ -267,7 +267,7 @@
       <a:buFontTx/>
       <a:buNone/>
       <a:tabLst/>
-      <a:defRPr kumimoji="0" sz="2400" b="0" i="0" u="none" strike="noStrike" cap="none" spc="0" normalizeH="0" baseline="0">
+      <a:defRPr b="0" baseline="0" cap="none" i="0" spc="0" strike="noStrike" sz="2400" u="none" kumimoji="0" normalizeH="0">
         <a:ln>
           <a:noFill/>
         </a:ln>
@@ -297,7 +297,7 @@
       <a:buFontTx/>
       <a:buNone/>
       <a:tabLst/>
-      <a:defRPr kumimoji="0" sz="2400" b="0" i="0" u="none" strike="noStrike" cap="none" spc="0" normalizeH="0" baseline="0">
+      <a:defRPr b="0" baseline="0" cap="none" i="0" spc="0" strike="noStrike" sz="2400" u="none" kumimoji="0" normalizeH="0">
         <a:ln>
           <a:noFill/>
         </a:ln>
@@ -313,20 +313,17 @@
       </a:defRPr>
     </a:lvl9pPr>
   </p:defaultTextStyle>
-  <p:extLst>
-    <p:ext uri="{EFAFB233-063F-42B5-8137-9DF3F51BA10A}">
-      <p15:sldGuideLst xmlns:p15="http://schemas.microsoft.com/office/powerpoint/2012/main"/>
-    </p:ext>
-  </p:extLst>
 </p:presentation>
 </file>
 
+<file path=ppt/commentAuthors.xml><?xml version="1.0" encoding="utf-8"?>
+<p:cmAuthorLst xmlns:a="http://schemas.openxmlformats.org/drawingml/2006/main" xmlns:r="http://schemas.openxmlformats.org/officeDocument/2006/relationships" xmlns:p="http://schemas.openxmlformats.org/presentationml/2006/main" xmlns:m="http://schemas.openxmlformats.org/officeDocument/2006/math" xmlns:a14="http://schemas.microsoft.com/office/drawing/2010/main"/>
+</file>
+
 <file path=ppt/charts/chart1.xml><?xml version="1.0" encoding="utf-8"?>
-<c:chartSpace xmlns:c="http://schemas.openxmlformats.org/drawingml/2006/chart" xmlns:a="http://schemas.openxmlformats.org/drawingml/2006/main" xmlns:r="http://schemas.openxmlformats.org/officeDocument/2006/relationships" xmlns:c16r2="http://schemas.microsoft.com/office/drawing/2015/06/chart">
+<c:chartSpace xmlns:c="http://schemas.openxmlformats.org/drawingml/2006/chart" xmlns:a="http://schemas.openxmlformats.org/drawingml/2006/main" xmlns:r="http://schemas.openxmlformats.org/officeDocument/2006/relationships">
   <c:date1904 val="1"/>
-  <c:lang val="en-US"/>
   <c:roundedCorners val="0"/>
-  <c:style val="2"/>
   <c:chart>
     <c:autoTitleDeleted val="1"/>
     <c:plotArea>
@@ -335,10 +332,10 @@
           <c:layoutTarget val="inner"/>
           <c:xMode val="edge"/>
           <c:yMode val="edge"/>
-          <c:x val="0.12735199999999999"/>
-          <c:y val="7.8328099999999998E-2"/>
-          <c:w val="0.86764799999999997"/>
-          <c:h val="0.79327599999999998"/>
+          <c:x val="0.187234"/>
+          <c:y val="0.0700928"/>
+          <c:w val="0.807766"/>
+          <c:h val="0.708558"/>
         </c:manualLayout>
       </c:layout>
       <c:barChart>
@@ -370,6 +367,31 @@
             <a:effectLst/>
           </c:spPr>
           <c:invertIfNegative val="0"/>
+          <c:dLbls>
+            <c:numFmt formatCode="#,##0" sourceLinked="0"/>
+            <c:txPr>
+              <a:bodyPr/>
+              <a:lstStyle/>
+              <a:p>
+                <a:pPr>
+                  <a:defRPr b="0" i="0" strike="noStrike" sz="5000" u="none">
+                    <a:solidFill>
+                      <a:srgbClr val="FFFFFF"/>
+                    </a:solidFill>
+                    <a:latin typeface="Graphik"/>
+                  </a:defRPr>
+                </a:pPr>
+              </a:p>
+            </c:txPr>
+            <c:dLblPos val="inEnd"/>
+            <c:showLegendKey val="0"/>
+            <c:showVal val="0"/>
+            <c:showCatName val="0"/>
+            <c:showSerName val="0"/>
+            <c:showPercent val="0"/>
+            <c:showBubbleSize val="0"/>
+            <c:showLeaderLines val="0"/>
+          </c:dLbls>
           <c:cat>
             <c:strRef>
               <c:f>Sheet1!$B$1:$C$1</c:f>
@@ -388,22 +410,16 @@
             <c:numRef>
               <c:f>Sheet1!$B$2:$C$2</c:f>
               <c:numCache>
-                <c:formatCode>General</c:formatCode>
                 <c:ptCount val="2"/>
                 <c:pt idx="0">
-                  <c:v>1394.2</c:v>
+                  <c:v>1394.200000</c:v>
                 </c:pt>
                 <c:pt idx="1">
-                  <c:v>780</c:v>
+                  <c:v>780.000000</c:v>
                 </c:pt>
               </c:numCache>
             </c:numRef>
           </c:val>
-          <c:extLst>
-            <c:ext xmlns:c16="http://schemas.microsoft.com/office/drawing/2014/chart" uri="{C3380CC4-5D6E-409C-BE32-E72D297353CC}">
-              <c16:uniqueId val="{00000000-763A-694E-8A97-937D1DEE8558}"/>
-            </c:ext>
-          </c:extLst>
         </c:ser>
         <c:ser>
           <c:idx val="1"/>
@@ -430,6 +446,31 @@
             <a:effectLst/>
           </c:spPr>
           <c:invertIfNegative val="0"/>
+          <c:dLbls>
+            <c:numFmt formatCode="#,##0" sourceLinked="0"/>
+            <c:txPr>
+              <a:bodyPr/>
+              <a:lstStyle/>
+              <a:p>
+                <a:pPr>
+                  <a:defRPr b="0" i="0" strike="noStrike" sz="5000" u="none">
+                    <a:solidFill>
+                      <a:srgbClr val="FFFFFF"/>
+                    </a:solidFill>
+                    <a:latin typeface="Graphik"/>
+                  </a:defRPr>
+                </a:pPr>
+              </a:p>
+            </c:txPr>
+            <c:dLblPos val="inEnd"/>
+            <c:showLegendKey val="0"/>
+            <c:showVal val="0"/>
+            <c:showCatName val="0"/>
+            <c:showSerName val="0"/>
+            <c:showPercent val="0"/>
+            <c:showBubbleSize val="0"/>
+            <c:showLeaderLines val="0"/>
+          </c:dLbls>
           <c:cat>
             <c:strRef>
               <c:f>Sheet1!$B$1:$C$1</c:f>
@@ -448,31 +489,17 @@
             <c:numRef>
               <c:f>Sheet1!$B$3:$C$3</c:f>
               <c:numCache>
-                <c:formatCode>General</c:formatCode>
                 <c:ptCount val="2"/>
                 <c:pt idx="0">
-                  <c:v>2201.4</c:v>
+                  <c:v>2201.400000</c:v>
                 </c:pt>
                 <c:pt idx="1">
-                  <c:v>1246.9000000000001</c:v>
+                  <c:v>1246.900000</c:v>
                 </c:pt>
               </c:numCache>
             </c:numRef>
           </c:val>
-          <c:extLst>
-            <c:ext xmlns:c16="http://schemas.microsoft.com/office/drawing/2014/chart" uri="{C3380CC4-5D6E-409C-BE32-E72D297353CC}">
-              <c16:uniqueId val="{00000001-763A-694E-8A97-937D1DEE8558}"/>
-            </c:ext>
-          </c:extLst>
         </c:ser>
-        <c:dLbls>
-          <c:showLegendKey val="0"/>
-          <c:showVal val="0"/>
-          <c:showCatName val="0"/>
-          <c:showSerName val="0"/>
-          <c:showPercent val="0"/>
-          <c:showBubbleSize val="0"/>
-        </c:dLbls>
         <c:gapWidth val="40"/>
         <c:overlap val="-10"/>
         <c:axId val="2094734552"/>
@@ -485,6 +512,35 @@
         </c:scaling>
         <c:delete val="0"/>
         <c:axPos val="b"/>
+        <c:title>
+          <c:tx>
+            <c:rich>
+              <a:bodyPr rot="0"/>
+              <a:lstStyle/>
+              <a:p>
+                <a:pPr>
+                  <a:defRPr b="0" i="0" strike="noStrike" sz="3400" u="none">
+                    <a:solidFill>
+                      <a:srgbClr val="000000"/>
+                    </a:solidFill>
+                    <a:latin typeface="Graphik"/>
+                  </a:defRPr>
+                </a:pPr>
+                <a:r>
+                  <a:rPr b="0" i="0" strike="noStrike" sz="3400" u="none">
+                    <a:solidFill>
+                      <a:srgbClr val="000000"/>
+                    </a:solidFill>
+                    <a:latin typeface="Graphik"/>
+                  </a:rPr>
+                  <a:t>Admissions</a:t>
+                </a:r>
+              </a:p>
+            </c:rich>
+          </c:tx>
+          <c:layout/>
+          <c:overlay val="1"/>
+        </c:title>
         <c:numFmt formatCode="General" sourceLinked="0"/>
         <c:majorTickMark val="none"/>
         <c:minorTickMark val="none"/>
@@ -503,21 +559,19 @@
           <a:lstStyle/>
           <a:p>
             <a:pPr>
-              <a:defRPr sz="3400" b="0" i="0" u="none" strike="noStrike">
+              <a:defRPr b="0" i="0" strike="noStrike" sz="3400" u="none">
                 <a:solidFill>
                   <a:srgbClr val="000000"/>
                 </a:solidFill>
                 <a:latin typeface="Graphik"/>
               </a:defRPr>
             </a:pPr>
-            <a:endParaRPr lang="en-US"/>
           </a:p>
         </c:txPr>
         <c:crossAx val="2094734553"/>
         <c:crosses val="autoZero"/>
         <c:auto val="1"/>
         <c:lblAlgn val="ctr"/>
-        <c:lblOffset val="100"/>
         <c:noMultiLvlLbl val="1"/>
       </c:catAx>
       <c:valAx>
@@ -538,6 +592,35 @@
             </a:ln>
           </c:spPr>
         </c:majorGridlines>
+        <c:title>
+          <c:tx>
+            <c:rich>
+              <a:bodyPr rot="-5400000"/>
+              <a:lstStyle/>
+              <a:p>
+                <a:pPr>
+                  <a:defRPr b="0" i="0" strike="noStrike" sz="3400" u="none">
+                    <a:solidFill>
+                      <a:srgbClr val="000000"/>
+                    </a:solidFill>
+                    <a:latin typeface="Graphik"/>
+                  </a:defRPr>
+                </a:pPr>
+                <a:r>
+                  <a:rPr b="0" i="0" strike="noStrike" sz="3400" u="none">
+                    <a:solidFill>
+                      <a:srgbClr val="000000"/>
+                    </a:solidFill>
+                    <a:latin typeface="Graphik"/>
+                  </a:rPr>
+                  <a:t>Number in Millions</a:t>
+                </a:r>
+              </a:p>
+            </c:rich>
+          </c:tx>
+          <c:layout/>
+          <c:overlay val="1"/>
+        </c:title>
         <c:numFmt formatCode="General" sourceLinked="0"/>
         <c:majorTickMark val="none"/>
         <c:minorTickMark val="none"/>
@@ -554,14 +637,13 @@
           <a:lstStyle/>
           <a:p>
             <a:pPr>
-              <a:defRPr sz="3400" b="0" i="0" u="none" strike="noStrike">
+              <a:defRPr b="0" i="0" strike="noStrike" sz="3400" u="none">
                 <a:solidFill>
                   <a:srgbClr val="000000"/>
                 </a:solidFill>
                 <a:latin typeface="Graphik"/>
               </a:defRPr>
             </a:pPr>
-            <a:endParaRPr lang="en-US"/>
           </a:p>
         </c:txPr>
         <c:crossAx val="2094734552"/>
@@ -581,7 +663,6 @@
     </c:plotArea>
     <c:plotVisOnly val="1"/>
     <c:dispBlanksAs val="gap"/>
-    <c:showDLblsOverMax val="1"/>
   </c:chart>
   <c:spPr>
     <a:noFill/>
@@ -597,11 +678,9 @@
 </file>
 
 <file path=ppt/charts/chart2.xml><?xml version="1.0" encoding="utf-8"?>
-<c:chartSpace xmlns:c="http://schemas.openxmlformats.org/drawingml/2006/chart" xmlns:a="http://schemas.openxmlformats.org/drawingml/2006/main" xmlns:r="http://schemas.openxmlformats.org/officeDocument/2006/relationships" xmlns:c16r2="http://schemas.microsoft.com/office/drawing/2015/06/chart">
+<c:chartSpace xmlns:c="http://schemas.openxmlformats.org/drawingml/2006/chart" xmlns:a="http://schemas.openxmlformats.org/drawingml/2006/main" xmlns:r="http://schemas.openxmlformats.org/officeDocument/2006/relationships">
   <c:date1904 val="1"/>
-  <c:lang val="en-US"/>
   <c:roundedCorners val="0"/>
-  <c:style val="2"/>
   <c:chart>
     <c:autoTitleDeleted val="1"/>
     <c:plotArea>
@@ -610,10 +689,10 @@
           <c:layoutTarget val="inner"/>
           <c:xMode val="edge"/>
           <c:yMode val="edge"/>
-          <c:x val="0.16542000000000001"/>
-          <c:y val="7.8328099999999998E-2"/>
-          <c:w val="0.82957999999999998"/>
-          <c:h val="0.79327599999999998"/>
+          <c:x val="0.241222"/>
+          <c:y val="0.0700928"/>
+          <c:w val="0.753778"/>
+          <c:h val="0.708558"/>
         </c:manualLayout>
       </c:layout>
       <c:barChart>
@@ -645,6 +724,31 @@
             <a:effectLst/>
           </c:spPr>
           <c:invertIfNegative val="0"/>
+          <c:dLbls>
+            <c:numFmt formatCode="#,##0" sourceLinked="0"/>
+            <c:txPr>
+              <a:bodyPr/>
+              <a:lstStyle/>
+              <a:p>
+                <a:pPr>
+                  <a:defRPr b="0" i="0" strike="noStrike" sz="5000" u="none">
+                    <a:solidFill>
+                      <a:srgbClr val="FFFFFF"/>
+                    </a:solidFill>
+                    <a:latin typeface="Graphik"/>
+                  </a:defRPr>
+                </a:pPr>
+              </a:p>
+            </c:txPr>
+            <c:dLblPos val="inEnd"/>
+            <c:showLegendKey val="0"/>
+            <c:showVal val="0"/>
+            <c:showCatName val="0"/>
+            <c:showSerName val="0"/>
+            <c:showPercent val="0"/>
+            <c:showBubbleSize val="0"/>
+            <c:showLeaderLines val="0"/>
+          </c:dLbls>
           <c:cat>
             <c:strRef>
               <c:f>Sheet1!$B$1:$C$1</c:f>
@@ -654,7 +758,7 @@
                   <c:v>AMC</c:v>
                 </c:pt>
                 <c:pt idx="1">
-                  <c:v>Cinemar</c:v>
+                  <c:v>Cinemark</c:v>
                 </c:pt>
               </c:strCache>
             </c:strRef>
@@ -663,22 +767,16 @@
             <c:numRef>
               <c:f>Sheet1!$B$2:$C$2</c:f>
               <c:numCache>
-                <c:formatCode>General</c:formatCode>
                 <c:ptCount val="2"/>
                 <c:pt idx="0">
-                  <c:v>857.3</c:v>
+                  <c:v>857.300000</c:v>
                 </c:pt>
                 <c:pt idx="1">
-                  <c:v>561.70000000000005</c:v>
+                  <c:v>561.700000</c:v>
                 </c:pt>
               </c:numCache>
             </c:numRef>
           </c:val>
-          <c:extLst>
-            <c:ext xmlns:c16="http://schemas.microsoft.com/office/drawing/2014/chart" uri="{C3380CC4-5D6E-409C-BE32-E72D297353CC}">
-              <c16:uniqueId val="{00000000-2785-6D4A-8C43-F819604A81A5}"/>
-            </c:ext>
-          </c:extLst>
         </c:ser>
         <c:ser>
           <c:idx val="1"/>
@@ -705,6 +803,31 @@
             <a:effectLst/>
           </c:spPr>
           <c:invertIfNegative val="0"/>
+          <c:dLbls>
+            <c:numFmt formatCode="#,##0" sourceLinked="0"/>
+            <c:txPr>
+              <a:bodyPr/>
+              <a:lstStyle/>
+              <a:p>
+                <a:pPr>
+                  <a:defRPr b="0" i="0" strike="noStrike" sz="5000" u="none">
+                    <a:solidFill>
+                      <a:srgbClr val="FFFFFF"/>
+                    </a:solidFill>
+                    <a:latin typeface="Graphik"/>
+                  </a:defRPr>
+                </a:pPr>
+              </a:p>
+            </c:txPr>
+            <c:dLblPos val="inEnd"/>
+            <c:showLegendKey val="0"/>
+            <c:showVal val="0"/>
+            <c:showCatName val="0"/>
+            <c:showSerName val="0"/>
+            <c:showPercent val="0"/>
+            <c:showBubbleSize val="0"/>
+            <c:showLeaderLines val="0"/>
+          </c:dLbls>
           <c:cat>
             <c:strRef>
               <c:f>Sheet1!$B$1:$C$1</c:f>
@@ -714,7 +837,7 @@
                   <c:v>AMC</c:v>
                 </c:pt>
                 <c:pt idx="1">
-                  <c:v>Cinemar</c:v>
+                  <c:v>Cinemark</c:v>
                 </c:pt>
               </c:strCache>
             </c:strRef>
@@ -723,31 +846,17 @@
             <c:numRef>
               <c:f>Sheet1!$B$3:$C$3</c:f>
               <c:numCache>
-                <c:formatCode>General</c:formatCode>
                 <c:ptCount val="2"/>
                 <c:pt idx="0">
-                  <c:v>1313.7</c:v>
+                  <c:v>1313.700000</c:v>
                 </c:pt>
                 <c:pt idx="1">
-                  <c:v>938.3</c:v>
+                  <c:v>938.300000</c:v>
                 </c:pt>
               </c:numCache>
             </c:numRef>
           </c:val>
-          <c:extLst>
-            <c:ext xmlns:c16="http://schemas.microsoft.com/office/drawing/2014/chart" uri="{C3380CC4-5D6E-409C-BE32-E72D297353CC}">
-              <c16:uniqueId val="{00000001-2785-6D4A-8C43-F819604A81A5}"/>
-            </c:ext>
-          </c:extLst>
         </c:ser>
-        <c:dLbls>
-          <c:showLegendKey val="0"/>
-          <c:showVal val="0"/>
-          <c:showCatName val="0"/>
-          <c:showSerName val="0"/>
-          <c:showPercent val="0"/>
-          <c:showBubbleSize val="0"/>
-        </c:dLbls>
         <c:gapWidth val="40"/>
         <c:overlap val="-10"/>
         <c:axId val="2094734552"/>
@@ -760,6 +869,35 @@
         </c:scaling>
         <c:delete val="0"/>
         <c:axPos val="b"/>
+        <c:title>
+          <c:tx>
+            <c:rich>
+              <a:bodyPr rot="0"/>
+              <a:lstStyle/>
+              <a:p>
+                <a:pPr>
+                  <a:defRPr b="0" i="0" strike="noStrike" sz="3400" u="none">
+                    <a:solidFill>
+                      <a:srgbClr val="000000"/>
+                    </a:solidFill>
+                    <a:latin typeface="Graphik"/>
+                  </a:defRPr>
+                </a:pPr>
+                <a:r>
+                  <a:rPr b="0" i="0" strike="noStrike" sz="3400" u="none">
+                    <a:solidFill>
+                      <a:srgbClr val="000000"/>
+                    </a:solidFill>
+                    <a:latin typeface="Graphik"/>
+                  </a:rPr>
+                  <a:t>Concessions</a:t>
+                </a:r>
+              </a:p>
+            </c:rich>
+          </c:tx>
+          <c:layout/>
+          <c:overlay val="1"/>
+        </c:title>
         <c:numFmt formatCode="General" sourceLinked="0"/>
         <c:majorTickMark val="none"/>
         <c:minorTickMark val="none"/>
@@ -778,21 +916,19 @@
           <a:lstStyle/>
           <a:p>
             <a:pPr>
-              <a:defRPr sz="3400" b="0" i="0" u="none" strike="noStrike">
+              <a:defRPr b="0" i="0" strike="noStrike" sz="3400" u="none">
                 <a:solidFill>
                   <a:srgbClr val="000000"/>
                 </a:solidFill>
                 <a:latin typeface="Graphik"/>
               </a:defRPr>
             </a:pPr>
-            <a:endParaRPr lang="en-US"/>
           </a:p>
         </c:txPr>
         <c:crossAx val="2094734553"/>
         <c:crosses val="autoZero"/>
         <c:auto val="1"/>
         <c:lblAlgn val="ctr"/>
-        <c:lblOffset val="100"/>
         <c:noMultiLvlLbl val="1"/>
       </c:catAx>
       <c:valAx>
@@ -813,6 +949,35 @@
             </a:ln>
           </c:spPr>
         </c:majorGridlines>
+        <c:title>
+          <c:tx>
+            <c:rich>
+              <a:bodyPr rot="-5400000"/>
+              <a:lstStyle/>
+              <a:p>
+                <a:pPr>
+                  <a:defRPr b="0" i="0" strike="noStrike" sz="3400" u="none">
+                    <a:solidFill>
+                      <a:srgbClr val="000000"/>
+                    </a:solidFill>
+                    <a:latin typeface="Graphik"/>
+                  </a:defRPr>
+                </a:pPr>
+                <a:r>
+                  <a:rPr b="0" i="0" strike="noStrike" sz="3400" u="none">
+                    <a:solidFill>
+                      <a:srgbClr val="000000"/>
+                    </a:solidFill>
+                    <a:latin typeface="Graphik"/>
+                  </a:rPr>
+                  <a:t>In Millions</a:t>
+                </a:r>
+              </a:p>
+            </c:rich>
+          </c:tx>
+          <c:layout/>
+          <c:overlay val="1"/>
+        </c:title>
         <c:numFmt formatCode="General" sourceLinked="0"/>
         <c:majorTickMark val="none"/>
         <c:minorTickMark val="none"/>
@@ -829,14 +994,13 @@
           <a:lstStyle/>
           <a:p>
             <a:pPr>
-              <a:defRPr sz="3400" b="0" i="0" u="none" strike="noStrike">
+              <a:defRPr b="0" i="0" strike="noStrike" sz="3400" u="none">
                 <a:solidFill>
                   <a:srgbClr val="000000"/>
                 </a:solidFill>
                 <a:latin typeface="Graphik"/>
               </a:defRPr>
             </a:pPr>
-            <a:endParaRPr lang="en-US"/>
           </a:p>
         </c:txPr>
         <c:crossAx val="2094734552"/>
@@ -856,7 +1020,6 @@
     </c:plotArea>
     <c:plotVisOnly val="1"/>
     <c:dispBlanksAs val="gap"/>
-    <c:showDLblsOverMax val="1"/>
   </c:chart>
   <c:spPr>
     <a:noFill/>
@@ -872,11 +1035,9 @@
 </file>
 
 <file path=ppt/charts/chart3.xml><?xml version="1.0" encoding="utf-8"?>
-<c:chartSpace xmlns:c="http://schemas.openxmlformats.org/drawingml/2006/chart" xmlns:a="http://schemas.openxmlformats.org/drawingml/2006/main" xmlns:r="http://schemas.openxmlformats.org/officeDocument/2006/relationships" xmlns:c16r2="http://schemas.microsoft.com/office/drawing/2015/06/chart">
+<c:chartSpace xmlns:c="http://schemas.openxmlformats.org/drawingml/2006/chart" xmlns:a="http://schemas.openxmlformats.org/drawingml/2006/main" xmlns:r="http://schemas.openxmlformats.org/officeDocument/2006/relationships">
   <c:date1904 val="1"/>
-  <c:lang val="en-US"/>
   <c:roundedCorners val="0"/>
-  <c:style val="2"/>
   <c:chart>
     <c:autoTitleDeleted val="1"/>
     <c:plotArea>
@@ -885,10 +1046,10 @@
           <c:layoutTarget val="inner"/>
           <c:xMode val="edge"/>
           <c:yMode val="edge"/>
-          <c:x val="0.109678"/>
-          <c:y val="7.8328099999999998E-2"/>
-          <c:w val="0.88532200000000005"/>
-          <c:h val="0.79327599999999998"/>
+          <c:x val="0.171923"/>
+          <c:y val="0.0700928"/>
+          <c:w val="0.823077"/>
+          <c:h val="0.708558"/>
         </c:manualLayout>
       </c:layout>
       <c:barChart>
@@ -920,6 +1081,31 @@
             <a:effectLst/>
           </c:spPr>
           <c:invertIfNegative val="0"/>
+          <c:dLbls>
+            <c:numFmt formatCode="#,##0" sourceLinked="0"/>
+            <c:txPr>
+              <a:bodyPr/>
+              <a:lstStyle/>
+              <a:p>
+                <a:pPr>
+                  <a:defRPr b="0" i="0" strike="noStrike" sz="5000" u="none">
+                    <a:solidFill>
+                      <a:srgbClr val="FFFFFF"/>
+                    </a:solidFill>
+                    <a:latin typeface="Graphik"/>
+                  </a:defRPr>
+                </a:pPr>
+              </a:p>
+            </c:txPr>
+            <c:dLblPos val="inEnd"/>
+            <c:showLegendKey val="0"/>
+            <c:showVal val="0"/>
+            <c:showCatName val="0"/>
+            <c:showSerName val="0"/>
+            <c:showPercent val="0"/>
+            <c:showBubbleSize val="0"/>
+            <c:showLeaderLines val="0"/>
+          </c:dLbls>
           <c:cat>
             <c:strRef>
               <c:f>Sheet1!$B$1:$C$1</c:f>
@@ -938,22 +1124,16 @@
             <c:numRef>
               <c:f>Sheet1!$B$2:$C$2</c:f>
               <c:numCache>
-                <c:formatCode>General</c:formatCode>
                 <c:ptCount val="2"/>
                 <c:pt idx="0">
-                  <c:v>276.39999999999998</c:v>
+                  <c:v>276.400000</c:v>
                 </c:pt>
                 <c:pt idx="1">
-                  <c:v>73.599999999999994</c:v>
+                  <c:v>73.600000</c:v>
                 </c:pt>
               </c:numCache>
             </c:numRef>
           </c:val>
-          <c:extLst>
-            <c:ext xmlns:c16="http://schemas.microsoft.com/office/drawing/2014/chart" uri="{C3380CC4-5D6E-409C-BE32-E72D297353CC}">
-              <c16:uniqueId val="{00000000-56DB-1B4C-97B9-2AE2D8488DC0}"/>
-            </c:ext>
-          </c:extLst>
         </c:ser>
         <c:ser>
           <c:idx val="1"/>
@@ -980,6 +1160,31 @@
             <a:effectLst/>
           </c:spPr>
           <c:invertIfNegative val="0"/>
+          <c:dLbls>
+            <c:numFmt formatCode="#,##0" sourceLinked="0"/>
+            <c:txPr>
+              <a:bodyPr/>
+              <a:lstStyle/>
+              <a:p>
+                <a:pPr>
+                  <a:defRPr b="0" i="0" strike="noStrike" sz="5000" u="none">
+                    <a:solidFill>
+                      <a:srgbClr val="FFFFFF"/>
+                    </a:solidFill>
+                    <a:latin typeface="Graphik"/>
+                  </a:defRPr>
+                </a:pPr>
+              </a:p>
+            </c:txPr>
+            <c:dLblPos val="inEnd"/>
+            <c:showLegendKey val="0"/>
+            <c:showVal val="0"/>
+            <c:showCatName val="0"/>
+            <c:showSerName val="0"/>
+            <c:showPercent val="0"/>
+            <c:showBubbleSize val="0"/>
+            <c:showLeaderLines val="0"/>
+          </c:dLbls>
           <c:cat>
             <c:strRef>
               <c:f>Sheet1!$B$1:$C$1</c:f>
@@ -998,31 +1203,17 @@
             <c:numRef>
               <c:f>Sheet1!$B$3:$C$3</c:f>
               <c:numCache>
-                <c:formatCode>General</c:formatCode>
                 <c:ptCount val="2"/>
                 <c:pt idx="0">
-                  <c:v>396.3</c:v>
+                  <c:v>396.300000</c:v>
                 </c:pt>
                 <c:pt idx="1">
-                  <c:v>69.400000000000006</c:v>
+                  <c:v>69.400000</c:v>
                 </c:pt>
               </c:numCache>
             </c:numRef>
           </c:val>
-          <c:extLst>
-            <c:ext xmlns:c16="http://schemas.microsoft.com/office/drawing/2014/chart" uri="{C3380CC4-5D6E-409C-BE32-E72D297353CC}">
-              <c16:uniqueId val="{00000001-56DB-1B4C-97B9-2AE2D8488DC0}"/>
-            </c:ext>
-          </c:extLst>
         </c:ser>
-        <c:dLbls>
-          <c:showLegendKey val="0"/>
-          <c:showVal val="0"/>
-          <c:showCatName val="0"/>
-          <c:showSerName val="0"/>
-          <c:showPercent val="0"/>
-          <c:showBubbleSize val="0"/>
-        </c:dLbls>
         <c:gapWidth val="40"/>
         <c:overlap val="-10"/>
         <c:axId val="2094734552"/>
@@ -1035,6 +1226,35 @@
         </c:scaling>
         <c:delete val="0"/>
         <c:axPos val="b"/>
+        <c:title>
+          <c:tx>
+            <c:rich>
+              <a:bodyPr rot="0"/>
+              <a:lstStyle/>
+              <a:p>
+                <a:pPr>
+                  <a:defRPr b="0" i="0" strike="noStrike" sz="3400" u="none">
+                    <a:solidFill>
+                      <a:srgbClr val="000000"/>
+                    </a:solidFill>
+                    <a:latin typeface="Graphik"/>
+                  </a:defRPr>
+                </a:pPr>
+                <a:r>
+                  <a:rPr b="0" i="0" strike="noStrike" sz="3400" u="none">
+                    <a:solidFill>
+                      <a:srgbClr val="000000"/>
+                    </a:solidFill>
+                    <a:latin typeface="Graphik"/>
+                  </a:rPr>
+                  <a:t>Other</a:t>
+                </a:r>
+              </a:p>
+            </c:rich>
+          </c:tx>
+          <c:layout/>
+          <c:overlay val="1"/>
+        </c:title>
         <c:numFmt formatCode="General" sourceLinked="0"/>
         <c:majorTickMark val="none"/>
         <c:minorTickMark val="none"/>
@@ -1053,21 +1273,19 @@
           <a:lstStyle/>
           <a:p>
             <a:pPr>
-              <a:defRPr sz="3400" b="0" i="0" u="none" strike="noStrike">
+              <a:defRPr b="0" i="0" strike="noStrike" sz="3400" u="none">
                 <a:solidFill>
                   <a:srgbClr val="000000"/>
                 </a:solidFill>
                 <a:latin typeface="Graphik"/>
               </a:defRPr>
             </a:pPr>
-            <a:endParaRPr lang="en-US"/>
           </a:p>
         </c:txPr>
         <c:crossAx val="2094734553"/>
         <c:crosses val="autoZero"/>
         <c:auto val="1"/>
         <c:lblAlgn val="ctr"/>
-        <c:lblOffset val="100"/>
         <c:noMultiLvlLbl val="1"/>
       </c:catAx>
       <c:valAx>
@@ -1088,6 +1306,35 @@
             </a:ln>
           </c:spPr>
         </c:majorGridlines>
+        <c:title>
+          <c:tx>
+            <c:rich>
+              <a:bodyPr rot="-5400000"/>
+              <a:lstStyle/>
+              <a:p>
+                <a:pPr>
+                  <a:defRPr b="0" i="0" strike="noStrike" sz="3400" u="none">
+                    <a:solidFill>
+                      <a:srgbClr val="000000"/>
+                    </a:solidFill>
+                    <a:latin typeface="Graphik"/>
+                  </a:defRPr>
+                </a:pPr>
+                <a:r>
+                  <a:rPr b="0" i="0" strike="noStrike" sz="3400" u="none">
+                    <a:solidFill>
+                      <a:srgbClr val="000000"/>
+                    </a:solidFill>
+                    <a:latin typeface="Graphik"/>
+                  </a:rPr>
+                  <a:t>In Millions</a:t>
+                </a:r>
+              </a:p>
+            </c:rich>
+          </c:tx>
+          <c:layout/>
+          <c:overlay val="1"/>
+        </c:title>
         <c:numFmt formatCode="General" sourceLinked="0"/>
         <c:majorTickMark val="none"/>
         <c:minorTickMark val="none"/>
@@ -1104,14 +1351,13 @@
           <a:lstStyle/>
           <a:p>
             <a:pPr>
-              <a:defRPr sz="3400" b="0" i="0" u="none" strike="noStrike">
+              <a:defRPr b="0" i="0" strike="noStrike" sz="3400" u="none">
                 <a:solidFill>
                   <a:srgbClr val="000000"/>
                 </a:solidFill>
                 <a:latin typeface="Graphik"/>
               </a:defRPr>
             </a:pPr>
-            <a:endParaRPr lang="en-US"/>
           </a:p>
         </c:txPr>
         <c:crossAx val="2094734552"/>
@@ -1131,7 +1377,6 @@
     </c:plotArea>
     <c:plotVisOnly val="1"/>
     <c:dispBlanksAs val="gap"/>
-    <c:showDLblsOverMax val="1"/>
   </c:chart>
   <c:spPr>
     <a:noFill/>
@@ -1147,13 +1392,8 @@
 </file>
 
 <file path=ppt/notesMasters/notesMaster1.xml><?xml version="1.0" encoding="utf-8"?>
-<p:notesMaster xmlns:a="http://schemas.openxmlformats.org/drawingml/2006/main" xmlns:r="http://schemas.openxmlformats.org/officeDocument/2006/relationships" xmlns:p="http://schemas.openxmlformats.org/presentationml/2006/main">
+<p:notesMaster xmlns:a="http://schemas.openxmlformats.org/drawingml/2006/main" xmlns:r="http://schemas.openxmlformats.org/officeDocument/2006/relationships" xmlns:p="http://schemas.openxmlformats.org/presentationml/2006/main" xmlns:m="http://schemas.openxmlformats.org/officeDocument/2006/math" xmlns:a14="http://schemas.microsoft.com/office/drawing/2010/main">
   <p:cSld>
-    <p:bg>
-      <p:bgRef idx="1001">
-        <a:schemeClr val="bg1"/>
-      </p:bgRef>
-    </p:bg>
     <p:spTree>
       <p:nvGrpSpPr>
         <p:cNvPr id="1" name=""/>
@@ -1171,9 +1411,7 @@
       <p:sp>
         <p:nvSpPr>
           <p:cNvPr id="148" name="Shape 148"/>
-          <p:cNvSpPr>
-            <a:spLocks noGrp="1" noRot="1" noChangeAspect="1"/>
-          </p:cNvSpPr>
+          <p:cNvSpPr/>
           <p:nvPr>
             <p:ph type="sldImg"/>
           </p:nvPr>
@@ -1191,16 +1429,14 @@
           <a:bodyPr/>
           <a:lstStyle/>
           <a:p>
-            <a:endParaRPr/>
+            <a:pPr/>
           </a:p>
         </p:txBody>
       </p:sp>
       <p:sp>
         <p:nvSpPr>
           <p:cNvPr id="149" name="Shape 149"/>
-          <p:cNvSpPr>
-            <a:spLocks noGrp="1"/>
-          </p:cNvSpPr>
+          <p:cNvSpPr/>
           <p:nvPr>
             <p:ph type="body" sz="quarter" idx="1"/>
           </p:nvPr>
@@ -1218,7 +1454,7 @@
           <a:bodyPr/>
           <a:lstStyle/>
           <a:p>
-            <a:endParaRPr/>
+            <a:pPr/>
           </a:p>
         </p:txBody>
       </p:sp>
@@ -1329,206 +1565,8 @@
 </p:notesMaster>
 </file>
 
-<file path=ppt/notesSlides/notesSlide1.xml><?xml version="1.0" encoding="utf-8"?>
-<p:notes xmlns:a="http://schemas.openxmlformats.org/drawingml/2006/main" xmlns:r="http://schemas.openxmlformats.org/officeDocument/2006/relationships" xmlns:p="http://schemas.openxmlformats.org/presentationml/2006/main">
-  <p:cSld>
-    <p:spTree>
-      <p:nvGrpSpPr>
-        <p:cNvPr id="1" name=""/>
-        <p:cNvGrpSpPr/>
-        <p:nvPr/>
-      </p:nvGrpSpPr>
-      <p:grpSpPr>
-        <a:xfrm>
-          <a:off x="0" y="0"/>
-          <a:ext cx="0" cy="0"/>
-          <a:chOff x="0" y="0"/>
-          <a:chExt cx="0" cy="0"/>
-        </a:xfrm>
-      </p:grpSpPr>
-      <p:sp>
-        <p:nvSpPr>
-          <p:cNvPr id="2" name="Slide Image Placeholder 1"/>
-          <p:cNvSpPr>
-            <a:spLocks noGrp="1" noRot="1" noChangeAspect="1"/>
-          </p:cNvSpPr>
-          <p:nvPr>
-            <p:ph type="sldImg"/>
-          </p:nvPr>
-        </p:nvSpPr>
-        <p:spPr>
-          <a:xfrm>
-            <a:off x="381000" y="685800"/>
-            <a:ext cx="6096000" cy="3429000"/>
-          </a:xfrm>
-        </p:spPr>
-      </p:sp>
-      <p:sp>
-        <p:nvSpPr>
-          <p:cNvPr id="3" name="Notes Placeholder 2"/>
-          <p:cNvSpPr>
-            <a:spLocks noGrp="1"/>
-          </p:cNvSpPr>
-          <p:nvPr>
-            <p:ph type="body" idx="1"/>
-          </p:nvPr>
-        </p:nvSpPr>
-        <p:spPr/>
-        <p:txBody>
-          <a:bodyPr/>
-          <a:lstStyle/>
-          <a:p>
-            <a:endParaRPr lang="en-US"/>
-          </a:p>
-        </p:txBody>
-      </p:sp>
-    </p:spTree>
-    <p:extLst>
-      <p:ext uri="{BB962C8B-B14F-4D97-AF65-F5344CB8AC3E}">
-        <p14:creationId xmlns:p14="http://schemas.microsoft.com/office/powerpoint/2010/main" val="690118361"/>
-      </p:ext>
-    </p:extLst>
-  </p:cSld>
-  <p:clrMapOvr>
-    <a:masterClrMapping/>
-  </p:clrMapOvr>
-</p:notes>
-</file>
-
-<file path=ppt/notesSlides/notesSlide2.xml><?xml version="1.0" encoding="utf-8"?>
-<p:notes xmlns:a="http://schemas.openxmlformats.org/drawingml/2006/main" xmlns:r="http://schemas.openxmlformats.org/officeDocument/2006/relationships" xmlns:p="http://schemas.openxmlformats.org/presentationml/2006/main">
-  <p:cSld>
-    <p:spTree>
-      <p:nvGrpSpPr>
-        <p:cNvPr id="1" name=""/>
-        <p:cNvGrpSpPr/>
-        <p:nvPr/>
-      </p:nvGrpSpPr>
-      <p:grpSpPr>
-        <a:xfrm>
-          <a:off x="0" y="0"/>
-          <a:ext cx="0" cy="0"/>
-          <a:chOff x="0" y="0"/>
-          <a:chExt cx="0" cy="0"/>
-        </a:xfrm>
-      </p:grpSpPr>
-      <p:sp>
-        <p:nvSpPr>
-          <p:cNvPr id="2" name="Slide Image Placeholder 1"/>
-          <p:cNvSpPr>
-            <a:spLocks noGrp="1" noRot="1" noChangeAspect="1"/>
-          </p:cNvSpPr>
-          <p:nvPr>
-            <p:ph type="sldImg"/>
-          </p:nvPr>
-        </p:nvSpPr>
-        <p:spPr>
-          <a:xfrm>
-            <a:off x="381000" y="685800"/>
-            <a:ext cx="6096000" cy="3429000"/>
-          </a:xfrm>
-        </p:spPr>
-      </p:sp>
-      <p:sp>
-        <p:nvSpPr>
-          <p:cNvPr id="3" name="Notes Placeholder 2"/>
-          <p:cNvSpPr>
-            <a:spLocks noGrp="1"/>
-          </p:cNvSpPr>
-          <p:nvPr>
-            <p:ph type="body" idx="1"/>
-          </p:nvPr>
-        </p:nvSpPr>
-        <p:spPr/>
-        <p:txBody>
-          <a:bodyPr/>
-          <a:lstStyle/>
-          <a:p>
-            <a:endParaRPr lang="en-US"/>
-          </a:p>
-        </p:txBody>
-      </p:sp>
-    </p:spTree>
-    <p:extLst>
-      <p:ext uri="{BB962C8B-B14F-4D97-AF65-F5344CB8AC3E}">
-        <p14:creationId xmlns:p14="http://schemas.microsoft.com/office/powerpoint/2010/main" val="1494832301"/>
-      </p:ext>
-    </p:extLst>
-  </p:cSld>
-  <p:clrMapOvr>
-    <a:masterClrMapping/>
-  </p:clrMapOvr>
-</p:notes>
-</file>
-
-<file path=ppt/notesSlides/notesSlide3.xml><?xml version="1.0" encoding="utf-8"?>
-<p:notes xmlns:a="http://schemas.openxmlformats.org/drawingml/2006/main" xmlns:r="http://schemas.openxmlformats.org/officeDocument/2006/relationships" xmlns:p="http://schemas.openxmlformats.org/presentationml/2006/main">
-  <p:cSld>
-    <p:spTree>
-      <p:nvGrpSpPr>
-        <p:cNvPr id="1" name=""/>
-        <p:cNvGrpSpPr/>
-        <p:nvPr/>
-      </p:nvGrpSpPr>
-      <p:grpSpPr>
-        <a:xfrm>
-          <a:off x="0" y="0"/>
-          <a:ext cx="0" cy="0"/>
-          <a:chOff x="0" y="0"/>
-          <a:chExt cx="0" cy="0"/>
-        </a:xfrm>
-      </p:grpSpPr>
-      <p:sp>
-        <p:nvSpPr>
-          <p:cNvPr id="2" name="Slide Image Placeholder 1"/>
-          <p:cNvSpPr>
-            <a:spLocks noGrp="1" noRot="1" noChangeAspect="1"/>
-          </p:cNvSpPr>
-          <p:nvPr>
-            <p:ph type="sldImg"/>
-          </p:nvPr>
-        </p:nvSpPr>
-        <p:spPr>
-          <a:xfrm>
-            <a:off x="381000" y="685800"/>
-            <a:ext cx="6096000" cy="3429000"/>
-          </a:xfrm>
-        </p:spPr>
-      </p:sp>
-      <p:sp>
-        <p:nvSpPr>
-          <p:cNvPr id="3" name="Notes Placeholder 2"/>
-          <p:cNvSpPr>
-            <a:spLocks noGrp="1"/>
-          </p:cNvSpPr>
-          <p:nvPr>
-            <p:ph type="body" idx="1"/>
-          </p:nvPr>
-        </p:nvSpPr>
-        <p:spPr/>
-        <p:txBody>
-          <a:bodyPr/>
-          <a:lstStyle/>
-          <a:p>
-            <a:endParaRPr lang="en-US"/>
-          </a:p>
-        </p:txBody>
-      </p:sp>
-    </p:spTree>
-    <p:extLst>
-      <p:ext uri="{BB962C8B-B14F-4D97-AF65-F5344CB8AC3E}">
-        <p14:creationId xmlns:p14="http://schemas.microsoft.com/office/powerpoint/2010/main" val="1232722225"/>
-      </p:ext>
-    </p:extLst>
-  </p:cSld>
-  <p:clrMapOvr>
-    <a:masterClrMapping/>
-  </p:clrMapOvr>
-</p:notes>
-</file>
-
 <file path=ppt/slideLayouts/slideLayout1.xml><?xml version="1.0" encoding="utf-8"?>
-<p:sldLayout xmlns:a="http://schemas.openxmlformats.org/drawingml/2006/main" xmlns:r="http://schemas.openxmlformats.org/officeDocument/2006/relationships" xmlns:p="http://schemas.openxmlformats.org/presentationml/2006/main" type="title">
+<p:sldLayout xmlns:a="http://schemas.openxmlformats.org/drawingml/2006/main" xmlns:r="http://schemas.openxmlformats.org/officeDocument/2006/relationships" xmlns:p="http://schemas.openxmlformats.org/presentationml/2006/main" xmlns:m="http://schemas.openxmlformats.org/officeDocument/2006/math" xmlns:a14="http://schemas.microsoft.com/office/drawing/2010/main" type="title" showMasterSp="1" showMasterPhAnim="1">
   <p:cSld name="Title">
     <p:spTree>
       <p:nvGrpSpPr>
@@ -1547,9 +1585,7 @@
       <p:sp>
         <p:nvSpPr>
           <p:cNvPr id="11" name="Author and Date"/>
-          <p:cNvSpPr txBox="1">
-            <a:spLocks noGrp="1"/>
-          </p:cNvSpPr>
+          <p:cNvSpPr txBox="1"/>
           <p:nvPr>
             <p:ph type="body" sz="quarter" idx="21" hasCustomPrompt="1"/>
           </p:nvPr>
@@ -1575,15 +1611,16 @@
               </a:spcBef>
               <a:buSzTx/>
               <a:buNone/>
-              <a:defRPr sz="3000" spc="-29">
-                <a:latin typeface="Graphik-Medium"/>
-                <a:ea typeface="Graphik-Medium"/>
-                <a:cs typeface="Graphik-Medium"/>
+              <a:defRPr spc="-29" sz="3000">
+                <a:latin typeface="Graphik Medium"/>
+                <a:ea typeface="Graphik Medium"/>
+                <a:cs typeface="Graphik Medium"/>
                 <a:sym typeface="Graphik Medium"/>
               </a:defRPr>
             </a:lvl1pPr>
           </a:lstStyle>
           <a:p>
+            <a:pPr/>
             <a:r>
               <a:t>Author and Date</a:t>
             </a:r>
@@ -1593,9 +1630,7 @@
       <p:sp>
         <p:nvSpPr>
           <p:cNvPr id="12" name="Presentation Title"/>
-          <p:cNvSpPr txBox="1">
-            <a:spLocks noGrp="1"/>
-          </p:cNvSpPr>
+          <p:cNvSpPr txBox="1"/>
           <p:nvPr>
             <p:ph type="title" hasCustomPrompt="1"/>
           </p:nvPr>
@@ -1613,10 +1648,11 @@
           <a:bodyPr anchor="b"/>
           <a:lstStyle>
             <a:lvl1pPr>
-              <a:defRPr sz="12800" spc="-128"/>
+              <a:defRPr spc="-128" sz="12800"/>
             </a:lvl1pPr>
           </a:lstStyle>
           <a:p>
+            <a:pPr/>
             <a:r>
               <a:t>Presentation Title</a:t>
             </a:r>
@@ -1626,9 +1662,7 @@
       <p:sp>
         <p:nvSpPr>
           <p:cNvPr id="13" name="Body Level One…"/>
-          <p:cNvSpPr txBox="1">
-            <a:spLocks noGrp="1"/>
-          </p:cNvSpPr>
+          <p:cNvSpPr txBox="1"/>
           <p:nvPr>
             <p:ph type="body" sz="quarter" idx="1" hasCustomPrompt="1"/>
           </p:nvPr>
@@ -1654,10 +1688,10 @@
               </a:spcBef>
               <a:buSzTx/>
               <a:buNone/>
-              <a:defRPr sz="6000" spc="-59">
-                <a:latin typeface="Graphik-SemiboldItalic"/>
-                <a:ea typeface="Graphik-SemiboldItalic"/>
-                <a:cs typeface="Graphik-SemiboldItalic"/>
+              <a:defRPr spc="-59" sz="6000">
+                <a:latin typeface="Graphik Semibold"/>
+                <a:ea typeface="Graphik Semibold"/>
+                <a:cs typeface="Graphik Semibold"/>
                 <a:sym typeface="Graphik Semibold"/>
               </a:defRPr>
             </a:lvl1pPr>
@@ -1670,10 +1704,10 @@
               </a:spcBef>
               <a:buSzTx/>
               <a:buNone/>
-              <a:defRPr sz="6000" spc="-59">
-                <a:latin typeface="Graphik-SemiboldItalic"/>
-                <a:ea typeface="Graphik-SemiboldItalic"/>
-                <a:cs typeface="Graphik-SemiboldItalic"/>
+              <a:defRPr spc="-59" sz="6000">
+                <a:latin typeface="Graphik Semibold"/>
+                <a:ea typeface="Graphik Semibold"/>
+                <a:cs typeface="Graphik Semibold"/>
                 <a:sym typeface="Graphik Semibold"/>
               </a:defRPr>
             </a:lvl2pPr>
@@ -1686,10 +1720,10 @@
               </a:spcBef>
               <a:buSzTx/>
               <a:buNone/>
-              <a:defRPr sz="6000" spc="-59">
-                <a:latin typeface="Graphik-SemiboldItalic"/>
-                <a:ea typeface="Graphik-SemiboldItalic"/>
-                <a:cs typeface="Graphik-SemiboldItalic"/>
+              <a:defRPr spc="-59" sz="6000">
+                <a:latin typeface="Graphik Semibold"/>
+                <a:ea typeface="Graphik Semibold"/>
+                <a:cs typeface="Graphik Semibold"/>
                 <a:sym typeface="Graphik Semibold"/>
               </a:defRPr>
             </a:lvl3pPr>
@@ -1702,10 +1736,10 @@
               </a:spcBef>
               <a:buSzTx/>
               <a:buNone/>
-              <a:defRPr sz="6000" spc="-59">
-                <a:latin typeface="Graphik-SemiboldItalic"/>
-                <a:ea typeface="Graphik-SemiboldItalic"/>
-                <a:cs typeface="Graphik-SemiboldItalic"/>
+              <a:defRPr spc="-59" sz="6000">
+                <a:latin typeface="Graphik Semibold"/>
+                <a:ea typeface="Graphik Semibold"/>
+                <a:cs typeface="Graphik Semibold"/>
                 <a:sym typeface="Graphik Semibold"/>
               </a:defRPr>
             </a:lvl4pPr>
@@ -1718,43 +1752,50 @@
               </a:spcBef>
               <a:buSzTx/>
               <a:buNone/>
-              <a:defRPr sz="6000" spc="-59">
-                <a:latin typeface="Graphik-SemiboldItalic"/>
-                <a:ea typeface="Graphik-SemiboldItalic"/>
-                <a:cs typeface="Graphik-SemiboldItalic"/>
+              <a:defRPr spc="-59" sz="6000">
+                <a:latin typeface="Graphik Semibold"/>
+                <a:ea typeface="Graphik Semibold"/>
+                <a:cs typeface="Graphik Semibold"/>
                 <a:sym typeface="Graphik Semibold"/>
               </a:defRPr>
             </a:lvl5pPr>
           </a:lstStyle>
           <a:p>
+            <a:pPr/>
             <a:r>
               <a:t>Presentation Subtitle</a:t>
             </a:r>
           </a:p>
           <a:p>
             <a:pPr lvl="1"/>
-            <a:endParaRPr/>
+            <a:r>
+              <a:t/>
+            </a:r>
           </a:p>
           <a:p>
             <a:pPr lvl="2"/>
-            <a:endParaRPr/>
+            <a:r>
+              <a:t/>
+            </a:r>
           </a:p>
           <a:p>
             <a:pPr lvl="3"/>
-            <a:endParaRPr/>
+            <a:r>
+              <a:t/>
+            </a:r>
           </a:p>
           <a:p>
             <a:pPr lvl="4"/>
-            <a:endParaRPr/>
+            <a:r>
+              <a:t/>
+            </a:r>
           </a:p>
         </p:txBody>
       </p:sp>
       <p:sp>
         <p:nvSpPr>
           <p:cNvPr id="14" name="Slide Number"/>
-          <p:cNvSpPr txBox="1">
-            <a:spLocks noGrp="1"/>
-          </p:cNvSpPr>
+          <p:cNvSpPr txBox="1"/>
           <p:nvPr>
             <p:ph type="sldNum" sz="quarter" idx="2"/>
           </p:nvPr>
@@ -1772,10 +1813,8 @@
           <a:bodyPr/>
           <a:lstStyle/>
           <a:p>
-            <a:fld id="{86CB4B4D-7CA3-9044-876B-883B54F8677D}" type="slidenum">
-              <a:t>‹#›</a:t>
-            </a:fld>
-            <a:endParaRPr/>
+            <a:pPr/>
+            <a:fld id="{86CB4B4D-7CA3-9044-876B-883B54F8677D}" type="slidenum"/>
           </a:p>
         </p:txBody>
       </p:sp>
@@ -1784,12 +1823,12 @@
   <p:clrMapOvr>
     <a:masterClrMapping/>
   </p:clrMapOvr>
-  <p:transition spd="med"/>
+  <p:transition xmlns:p14="http://schemas.microsoft.com/office/powerpoint/2010/main" spd="med" advClick="1"/>
 </p:sldLayout>
 </file>
 
 <file path=ppt/slideLayouts/slideLayout10.xml><?xml version="1.0" encoding="utf-8"?>
-<p:sldLayout xmlns:a="http://schemas.openxmlformats.org/drawingml/2006/main" xmlns:r="http://schemas.openxmlformats.org/officeDocument/2006/relationships" xmlns:p="http://schemas.openxmlformats.org/presentationml/2006/main" type="tx">
+<p:sldLayout xmlns:a="http://schemas.openxmlformats.org/drawingml/2006/main" xmlns:r="http://schemas.openxmlformats.org/officeDocument/2006/relationships" xmlns:p="http://schemas.openxmlformats.org/presentationml/2006/main" xmlns:m="http://schemas.openxmlformats.org/officeDocument/2006/math" xmlns:a14="http://schemas.microsoft.com/office/drawing/2010/main" type="tx" showMasterSp="1" showMasterPhAnim="1">
   <p:cSld name="Statement">
     <p:spTree>
       <p:nvGrpSpPr>
@@ -1808,9 +1847,7 @@
       <p:sp>
         <p:nvSpPr>
           <p:cNvPr id="98" name="Body Level One…"/>
-          <p:cNvSpPr txBox="1">
-            <a:spLocks noGrp="1"/>
-          </p:cNvSpPr>
+          <p:cNvSpPr txBox="1"/>
           <p:nvPr>
             <p:ph type="body" idx="1" hasCustomPrompt="1"/>
           </p:nvPr>
@@ -1909,34 +1946,41 @@
             </a:lvl5pPr>
           </a:lstStyle>
           <a:p>
+            <a:pPr/>
             <a:r>
               <a:t>Statement</a:t>
             </a:r>
           </a:p>
           <a:p>
             <a:pPr lvl="1"/>
-            <a:endParaRPr/>
+            <a:r>
+              <a:t/>
+            </a:r>
           </a:p>
           <a:p>
             <a:pPr lvl="2"/>
-            <a:endParaRPr/>
+            <a:r>
+              <a:t/>
+            </a:r>
           </a:p>
           <a:p>
             <a:pPr lvl="3"/>
-            <a:endParaRPr/>
+            <a:r>
+              <a:t/>
+            </a:r>
           </a:p>
           <a:p>
             <a:pPr lvl="4"/>
-            <a:endParaRPr/>
+            <a:r>
+              <a:t/>
+            </a:r>
           </a:p>
         </p:txBody>
       </p:sp>
       <p:sp>
         <p:nvSpPr>
           <p:cNvPr id="99" name="Slide Number"/>
-          <p:cNvSpPr txBox="1">
-            <a:spLocks noGrp="1"/>
-          </p:cNvSpPr>
+          <p:cNvSpPr txBox="1"/>
           <p:nvPr>
             <p:ph type="sldNum" sz="quarter" idx="2"/>
           </p:nvPr>
@@ -1950,10 +1994,8 @@
           <a:bodyPr/>
           <a:lstStyle/>
           <a:p>
-            <a:fld id="{86CB4B4D-7CA3-9044-876B-883B54F8677D}" type="slidenum">
-              <a:t>‹#›</a:t>
-            </a:fld>
-            <a:endParaRPr/>
+            <a:pPr/>
+            <a:fld id="{86CB4B4D-7CA3-9044-876B-883B54F8677D}" type="slidenum"/>
           </a:p>
         </p:txBody>
       </p:sp>
@@ -1962,12 +2004,12 @@
   <p:clrMapOvr>
     <a:masterClrMapping/>
   </p:clrMapOvr>
-  <p:transition spd="med"/>
+  <p:transition xmlns:p14="http://schemas.microsoft.com/office/powerpoint/2010/main" spd="med" advClick="1"/>
 </p:sldLayout>
 </file>
 
 <file path=ppt/slideLayouts/slideLayout11.xml><?xml version="1.0" encoding="utf-8"?>
-<p:sldLayout xmlns:a="http://schemas.openxmlformats.org/drawingml/2006/main" xmlns:r="http://schemas.openxmlformats.org/officeDocument/2006/relationships" xmlns:p="http://schemas.openxmlformats.org/presentationml/2006/main" type="tx">
+<p:sldLayout xmlns:a="http://schemas.openxmlformats.org/drawingml/2006/main" xmlns:r="http://schemas.openxmlformats.org/officeDocument/2006/relationships" xmlns:p="http://schemas.openxmlformats.org/presentationml/2006/main" xmlns:m="http://schemas.openxmlformats.org/officeDocument/2006/math" xmlns:a14="http://schemas.microsoft.com/office/drawing/2010/main" type="tx" showMasterSp="1" showMasterPhAnim="1">
   <p:cSld name="Big Fact">
     <p:spTree>
       <p:nvGrpSpPr>
@@ -1986,9 +2028,7 @@
       <p:sp>
         <p:nvSpPr>
           <p:cNvPr id="106" name="Fact information"/>
-          <p:cNvSpPr txBox="1">
-            <a:spLocks noGrp="1"/>
-          </p:cNvSpPr>
+          <p:cNvSpPr txBox="1"/>
           <p:nvPr>
             <p:ph type="body" sz="quarter" idx="21" hasCustomPrompt="1"/>
           </p:nvPr>
@@ -2015,14 +2055,15 @@
               <a:buSzTx/>
               <a:buNone/>
               <a:defRPr spc="-44">
-                <a:latin typeface="Graphik-SemiboldItalic"/>
-                <a:ea typeface="Graphik-SemiboldItalic"/>
-                <a:cs typeface="Graphik-SemiboldItalic"/>
+                <a:latin typeface="Graphik Semibold"/>
+                <a:ea typeface="Graphik Semibold"/>
+                <a:cs typeface="Graphik Semibold"/>
                 <a:sym typeface="Graphik Semibold"/>
               </a:defRPr>
             </a:lvl1pPr>
           </a:lstStyle>
           <a:p>
+            <a:pPr/>
             <a:r>
               <a:t>Fact information</a:t>
             </a:r>
@@ -2032,9 +2073,7 @@
       <p:sp>
         <p:nvSpPr>
           <p:cNvPr id="107" name="Body Level One…"/>
-          <p:cNvSpPr txBox="1">
-            <a:spLocks noGrp="1"/>
-          </p:cNvSpPr>
+          <p:cNvSpPr txBox="1"/>
           <p:nvPr>
             <p:ph type="body" sz="half" idx="1" hasCustomPrompt="1"/>
           </p:nvPr>
@@ -2133,34 +2172,41 @@
             </a:lvl5pPr>
           </a:lstStyle>
           <a:p>
+            <a:pPr/>
             <a:r>
               <a:t>100%</a:t>
             </a:r>
           </a:p>
           <a:p>
             <a:pPr lvl="1"/>
-            <a:endParaRPr/>
+            <a:r>
+              <a:t/>
+            </a:r>
           </a:p>
           <a:p>
             <a:pPr lvl="2"/>
-            <a:endParaRPr/>
+            <a:r>
+              <a:t/>
+            </a:r>
           </a:p>
           <a:p>
             <a:pPr lvl="3"/>
-            <a:endParaRPr/>
+            <a:r>
+              <a:t/>
+            </a:r>
           </a:p>
           <a:p>
             <a:pPr lvl="4"/>
-            <a:endParaRPr/>
+            <a:r>
+              <a:t/>
+            </a:r>
           </a:p>
         </p:txBody>
       </p:sp>
       <p:sp>
         <p:nvSpPr>
           <p:cNvPr id="108" name="Slide Number"/>
-          <p:cNvSpPr txBox="1">
-            <a:spLocks noGrp="1"/>
-          </p:cNvSpPr>
+          <p:cNvSpPr txBox="1"/>
           <p:nvPr>
             <p:ph type="sldNum" sz="quarter" idx="2"/>
           </p:nvPr>
@@ -2174,10 +2220,8 @@
           <a:bodyPr/>
           <a:lstStyle/>
           <a:p>
-            <a:fld id="{86CB4B4D-7CA3-9044-876B-883B54F8677D}" type="slidenum">
-              <a:t>‹#›</a:t>
-            </a:fld>
-            <a:endParaRPr/>
+            <a:pPr/>
+            <a:fld id="{86CB4B4D-7CA3-9044-876B-883B54F8677D}" type="slidenum"/>
           </a:p>
         </p:txBody>
       </p:sp>
@@ -2186,12 +2230,12 @@
   <p:clrMapOvr>
     <a:masterClrMapping/>
   </p:clrMapOvr>
-  <p:transition spd="med"/>
+  <p:transition xmlns:p14="http://schemas.microsoft.com/office/powerpoint/2010/main" spd="med" advClick="1"/>
 </p:sldLayout>
 </file>
 
 <file path=ppt/slideLayouts/slideLayout12.xml><?xml version="1.0" encoding="utf-8"?>
-<p:sldLayout xmlns:a="http://schemas.openxmlformats.org/drawingml/2006/main" xmlns:r="http://schemas.openxmlformats.org/officeDocument/2006/relationships" xmlns:p="http://schemas.openxmlformats.org/presentationml/2006/main" type="tx">
+<p:sldLayout xmlns:a="http://schemas.openxmlformats.org/drawingml/2006/main" xmlns:r="http://schemas.openxmlformats.org/officeDocument/2006/relationships" xmlns:p="http://schemas.openxmlformats.org/presentationml/2006/main" xmlns:m="http://schemas.openxmlformats.org/officeDocument/2006/math" xmlns:a14="http://schemas.microsoft.com/office/drawing/2010/main" type="tx" showMasterSp="1" showMasterPhAnim="1">
   <p:cSld name="Quote">
     <p:spTree>
       <p:nvGrpSpPr>
@@ -2210,9 +2254,7 @@
       <p:sp>
         <p:nvSpPr>
           <p:cNvPr id="115" name="Attribution"/>
-          <p:cNvSpPr txBox="1">
-            <a:spLocks noGrp="1"/>
-          </p:cNvSpPr>
+          <p:cNvSpPr txBox="1"/>
           <p:nvPr>
             <p:ph type="body" sz="quarter" idx="21" hasCustomPrompt="1"/>
           </p:nvPr>
@@ -2239,14 +2281,15 @@
               <a:buSzTx/>
               <a:buNone/>
               <a:defRPr spc="-44">
-                <a:latin typeface="Graphik-SemiboldItalic"/>
-                <a:ea typeface="Graphik-SemiboldItalic"/>
-                <a:cs typeface="Graphik-SemiboldItalic"/>
+                <a:latin typeface="Graphik Semibold"/>
+                <a:ea typeface="Graphik Semibold"/>
+                <a:cs typeface="Graphik Semibold"/>
                 <a:sym typeface="Graphik Semibold"/>
               </a:defRPr>
             </a:lvl1pPr>
           </a:lstStyle>
           <a:p>
+            <a:pPr/>
             <a:r>
               <a:t>Attribution</a:t>
             </a:r>
@@ -2256,9 +2299,7 @@
       <p:sp>
         <p:nvSpPr>
           <p:cNvPr id="116" name="Body Level One…"/>
-          <p:cNvSpPr txBox="1">
-            <a:spLocks noGrp="1"/>
-          </p:cNvSpPr>
+          <p:cNvSpPr txBox="1"/>
           <p:nvPr>
             <p:ph type="body" sz="half" idx="1" hasCustomPrompt="1"/>
           </p:nvPr>
@@ -2357,34 +2398,41 @@
             </a:lvl5pPr>
           </a:lstStyle>
           <a:p>
+            <a:pPr/>
             <a:r>
               <a:t>“Notable Quote”</a:t>
             </a:r>
           </a:p>
           <a:p>
             <a:pPr lvl="1"/>
-            <a:endParaRPr/>
+            <a:r>
+              <a:t/>
+            </a:r>
           </a:p>
           <a:p>
             <a:pPr lvl="2"/>
-            <a:endParaRPr/>
+            <a:r>
+              <a:t/>
+            </a:r>
           </a:p>
           <a:p>
             <a:pPr lvl="3"/>
-            <a:endParaRPr/>
+            <a:r>
+              <a:t/>
+            </a:r>
           </a:p>
           <a:p>
             <a:pPr lvl="4"/>
-            <a:endParaRPr/>
+            <a:r>
+              <a:t/>
+            </a:r>
           </a:p>
         </p:txBody>
       </p:sp>
       <p:sp>
         <p:nvSpPr>
           <p:cNvPr id="117" name="Slide Number"/>
-          <p:cNvSpPr txBox="1">
-            <a:spLocks noGrp="1"/>
-          </p:cNvSpPr>
+          <p:cNvSpPr txBox="1"/>
           <p:nvPr>
             <p:ph type="sldNum" sz="quarter" idx="2"/>
           </p:nvPr>
@@ -2402,10 +2450,8 @@
           <a:bodyPr/>
           <a:lstStyle/>
           <a:p>
-            <a:fld id="{86CB4B4D-7CA3-9044-876B-883B54F8677D}" type="slidenum">
-              <a:t>‹#›</a:t>
-            </a:fld>
-            <a:endParaRPr/>
+            <a:pPr/>
+            <a:fld id="{86CB4B4D-7CA3-9044-876B-883B54F8677D}" type="slidenum"/>
           </a:p>
         </p:txBody>
       </p:sp>
@@ -2414,12 +2460,12 @@
   <p:clrMapOvr>
     <a:masterClrMapping/>
   </p:clrMapOvr>
-  <p:transition spd="med"/>
+  <p:transition xmlns:p14="http://schemas.microsoft.com/office/powerpoint/2010/main" spd="med" advClick="1"/>
 </p:sldLayout>
 </file>
 
 <file path=ppt/slideLayouts/slideLayout13.xml><?xml version="1.0" encoding="utf-8"?>
-<p:sldLayout xmlns:a="http://schemas.openxmlformats.org/drawingml/2006/main" xmlns:r="http://schemas.openxmlformats.org/officeDocument/2006/relationships" xmlns:p="http://schemas.openxmlformats.org/presentationml/2006/main" type="tx">
+<p:sldLayout xmlns:a="http://schemas.openxmlformats.org/drawingml/2006/main" xmlns:r="http://schemas.openxmlformats.org/officeDocument/2006/relationships" xmlns:p="http://schemas.openxmlformats.org/presentationml/2006/main" xmlns:m="http://schemas.openxmlformats.org/officeDocument/2006/math" xmlns:a14="http://schemas.microsoft.com/office/drawing/2010/main" type="tx" showMasterSp="1" showMasterPhAnim="1">
   <p:cSld name="Photo - 3 Up">
     <p:spTree>
       <p:nvGrpSpPr>
@@ -2438,9 +2484,7 @@
       <p:sp>
         <p:nvSpPr>
           <p:cNvPr id="124" name="941297804_1296x1457.jpg"/>
-          <p:cNvSpPr>
-            <a:spLocks noGrp="1"/>
-          </p:cNvSpPr>
+          <p:cNvSpPr/>
           <p:nvPr>
             <p:ph type="pic" sz="quarter" idx="21"/>
           </p:nvPr>
@@ -2460,16 +2504,14 @@
           </a:bodyPr>
           <a:lstStyle/>
           <a:p>
-            <a:endParaRPr/>
+            <a:pPr/>
           </a:p>
         </p:txBody>
       </p:sp>
       <p:sp>
         <p:nvSpPr>
           <p:cNvPr id="125" name="915009552_2264x1509.jpg"/>
-          <p:cNvSpPr>
-            <a:spLocks noGrp="1"/>
-          </p:cNvSpPr>
+          <p:cNvSpPr/>
           <p:nvPr>
             <p:ph type="pic" sz="quarter" idx="22"/>
           </p:nvPr>
@@ -2489,16 +2531,14 @@
           </a:bodyPr>
           <a:lstStyle/>
           <a:p>
-            <a:endParaRPr/>
+            <a:pPr/>
           </a:p>
         </p:txBody>
       </p:sp>
       <p:sp>
         <p:nvSpPr>
           <p:cNvPr id="126" name="740519873_3318x2212.jpg"/>
-          <p:cNvSpPr>
-            <a:spLocks noGrp="1"/>
-          </p:cNvSpPr>
+          <p:cNvSpPr/>
           <p:nvPr>
             <p:ph type="pic" idx="23"/>
           </p:nvPr>
@@ -2518,16 +2558,14 @@
           </a:bodyPr>
           <a:lstStyle/>
           <a:p>
-            <a:endParaRPr/>
+            <a:pPr/>
           </a:p>
         </p:txBody>
       </p:sp>
       <p:sp>
         <p:nvSpPr>
           <p:cNvPr id="127" name="Slide Number"/>
-          <p:cNvSpPr txBox="1">
-            <a:spLocks noGrp="1"/>
-          </p:cNvSpPr>
+          <p:cNvSpPr txBox="1"/>
           <p:nvPr>
             <p:ph type="sldNum" sz="quarter" idx="2"/>
           </p:nvPr>
@@ -2545,10 +2583,8 @@
           <a:bodyPr/>
           <a:lstStyle/>
           <a:p>
-            <a:fld id="{86CB4B4D-7CA3-9044-876B-883B54F8677D}" type="slidenum">
-              <a:t>‹#›</a:t>
-            </a:fld>
-            <a:endParaRPr/>
+            <a:pPr/>
+            <a:fld id="{86CB4B4D-7CA3-9044-876B-883B54F8677D}" type="slidenum"/>
           </a:p>
         </p:txBody>
       </p:sp>
@@ -2557,12 +2593,12 @@
   <p:clrMapOvr>
     <a:masterClrMapping/>
   </p:clrMapOvr>
-  <p:transition spd="med"/>
+  <p:transition xmlns:p14="http://schemas.microsoft.com/office/powerpoint/2010/main" spd="med" advClick="1"/>
 </p:sldLayout>
 </file>
 
 <file path=ppt/slideLayouts/slideLayout14.xml><?xml version="1.0" encoding="utf-8"?>
-<p:sldLayout xmlns:a="http://schemas.openxmlformats.org/drawingml/2006/main" xmlns:r="http://schemas.openxmlformats.org/officeDocument/2006/relationships" xmlns:p="http://schemas.openxmlformats.org/presentationml/2006/main" type="tx">
+<p:sldLayout xmlns:a="http://schemas.openxmlformats.org/drawingml/2006/main" xmlns:r="http://schemas.openxmlformats.org/officeDocument/2006/relationships" xmlns:p="http://schemas.openxmlformats.org/presentationml/2006/main" xmlns:m="http://schemas.openxmlformats.org/officeDocument/2006/math" xmlns:a14="http://schemas.microsoft.com/office/drawing/2010/main" type="tx" showMasterSp="1" showMasterPhAnim="1">
   <p:cSld name="Photo">
     <p:spTree>
       <p:nvGrpSpPr>
@@ -2581,9 +2617,7 @@
       <p:sp>
         <p:nvSpPr>
           <p:cNvPr id="134" name="740519873_3318x2212.jpg"/>
-          <p:cNvSpPr>
-            <a:spLocks noGrp="1"/>
-          </p:cNvSpPr>
+          <p:cNvSpPr/>
           <p:nvPr>
             <p:ph type="pic" idx="21"/>
           </p:nvPr>
@@ -2603,16 +2637,14 @@
           </a:bodyPr>
           <a:lstStyle/>
           <a:p>
-            <a:endParaRPr/>
+            <a:pPr/>
           </a:p>
         </p:txBody>
       </p:sp>
       <p:sp>
         <p:nvSpPr>
           <p:cNvPr id="135" name="Slide Number"/>
-          <p:cNvSpPr txBox="1">
-            <a:spLocks noGrp="1"/>
-          </p:cNvSpPr>
+          <p:cNvSpPr txBox="1"/>
           <p:nvPr>
             <p:ph type="sldNum" sz="quarter" idx="2"/>
           </p:nvPr>
@@ -2630,10 +2662,8 @@
           <a:bodyPr/>
           <a:lstStyle/>
           <a:p>
-            <a:fld id="{86CB4B4D-7CA3-9044-876B-883B54F8677D}" type="slidenum">
-              <a:t>‹#›</a:t>
-            </a:fld>
-            <a:endParaRPr/>
+            <a:pPr/>
+            <a:fld id="{86CB4B4D-7CA3-9044-876B-883B54F8677D}" type="slidenum"/>
           </a:p>
         </p:txBody>
       </p:sp>
@@ -2642,12 +2672,12 @@
   <p:clrMapOvr>
     <a:masterClrMapping/>
   </p:clrMapOvr>
-  <p:transition spd="med"/>
+  <p:transition xmlns:p14="http://schemas.microsoft.com/office/powerpoint/2010/main" spd="med" advClick="1"/>
 </p:sldLayout>
 </file>
 
 <file path=ppt/slideLayouts/slideLayout15.xml><?xml version="1.0" encoding="utf-8"?>
-<p:sldLayout xmlns:a="http://schemas.openxmlformats.org/drawingml/2006/main" xmlns:r="http://schemas.openxmlformats.org/officeDocument/2006/relationships" xmlns:p="http://schemas.openxmlformats.org/presentationml/2006/main" type="tx">
+<p:sldLayout xmlns:a="http://schemas.openxmlformats.org/drawingml/2006/main" xmlns:r="http://schemas.openxmlformats.org/officeDocument/2006/relationships" xmlns:p="http://schemas.openxmlformats.org/presentationml/2006/main" xmlns:m="http://schemas.openxmlformats.org/officeDocument/2006/math" xmlns:a14="http://schemas.microsoft.com/office/drawing/2010/main" type="tx" showMasterSp="1" showMasterPhAnim="1">
   <p:cSld name="Blank">
     <p:spTree>
       <p:nvGrpSpPr>
@@ -2666,9 +2696,7 @@
       <p:sp>
         <p:nvSpPr>
           <p:cNvPr id="142" name="Slide Number"/>
-          <p:cNvSpPr txBox="1">
-            <a:spLocks noGrp="1"/>
-          </p:cNvSpPr>
+          <p:cNvSpPr txBox="1"/>
           <p:nvPr>
             <p:ph type="sldNum" sz="quarter" idx="2"/>
           </p:nvPr>
@@ -2686,10 +2714,8 @@
           <a:bodyPr/>
           <a:lstStyle/>
           <a:p>
-            <a:fld id="{86CB4B4D-7CA3-9044-876B-883B54F8677D}" type="slidenum">
-              <a:t>‹#›</a:t>
-            </a:fld>
-            <a:endParaRPr/>
+            <a:pPr/>
+            <a:fld id="{86CB4B4D-7CA3-9044-876B-883B54F8677D}" type="slidenum"/>
           </a:p>
         </p:txBody>
       </p:sp>
@@ -2698,12 +2724,12 @@
   <p:clrMapOvr>
     <a:masterClrMapping/>
   </p:clrMapOvr>
-  <p:transition spd="med"/>
+  <p:transition xmlns:p14="http://schemas.microsoft.com/office/powerpoint/2010/main" spd="med" advClick="1"/>
 </p:sldLayout>
 </file>
 
 <file path=ppt/slideLayouts/slideLayout2.xml><?xml version="1.0" encoding="utf-8"?>
-<p:sldLayout xmlns:a="http://schemas.openxmlformats.org/drawingml/2006/main" xmlns:r="http://schemas.openxmlformats.org/officeDocument/2006/relationships" xmlns:p="http://schemas.openxmlformats.org/presentationml/2006/main" type="tx">
+<p:sldLayout xmlns:a="http://schemas.openxmlformats.org/drawingml/2006/main" xmlns:r="http://schemas.openxmlformats.org/officeDocument/2006/relationships" xmlns:p="http://schemas.openxmlformats.org/presentationml/2006/main" xmlns:m="http://schemas.openxmlformats.org/officeDocument/2006/math" xmlns:a14="http://schemas.microsoft.com/office/drawing/2010/main" type="tx" showMasterSp="1" showMasterPhAnim="1">
   <p:cSld name="Title &amp; Photo">
     <p:spTree>
       <p:nvGrpSpPr>
@@ -2722,9 +2748,7 @@
       <p:sp>
         <p:nvSpPr>
           <p:cNvPr id="21" name="740519873_3318x2212.jpg"/>
-          <p:cNvSpPr>
-            <a:spLocks noGrp="1"/>
-          </p:cNvSpPr>
+          <p:cNvSpPr/>
           <p:nvPr>
             <p:ph type="pic" idx="21"/>
           </p:nvPr>
@@ -2744,16 +2768,14 @@
           </a:bodyPr>
           <a:lstStyle/>
           <a:p>
-            <a:endParaRPr/>
+            <a:pPr/>
           </a:p>
         </p:txBody>
       </p:sp>
       <p:sp>
         <p:nvSpPr>
           <p:cNvPr id="22" name="Presentation Title"/>
-          <p:cNvSpPr txBox="1">
-            <a:spLocks noGrp="1"/>
-          </p:cNvSpPr>
+          <p:cNvSpPr txBox="1"/>
           <p:nvPr>
             <p:ph type="title" hasCustomPrompt="1"/>
           </p:nvPr>
@@ -2771,7 +2793,7 @@
           <a:bodyPr anchor="b"/>
           <a:lstStyle>
             <a:lvl1pPr>
-              <a:defRPr sz="12800" spc="-128">
+              <a:defRPr spc="-128" sz="12800">
                 <a:solidFill>
                   <a:srgbClr val="FFFFFF"/>
                 </a:solidFill>
@@ -2779,6 +2801,7 @@
             </a:lvl1pPr>
           </a:lstStyle>
           <a:p>
+            <a:pPr/>
             <a:r>
               <a:t>Presentation Title</a:t>
             </a:r>
@@ -2788,9 +2811,7 @@
       <p:sp>
         <p:nvSpPr>
           <p:cNvPr id="23" name="Body Level One…"/>
-          <p:cNvSpPr txBox="1">
-            <a:spLocks noGrp="1"/>
-          </p:cNvSpPr>
+          <p:cNvSpPr txBox="1"/>
           <p:nvPr>
             <p:ph type="body" sz="quarter" idx="1" hasCustomPrompt="1"/>
           </p:nvPr>
@@ -2816,13 +2837,13 @@
               </a:spcBef>
               <a:buSzTx/>
               <a:buNone/>
-              <a:defRPr sz="6000" spc="-59">
+              <a:defRPr spc="-59" sz="6000">
                 <a:solidFill>
                   <a:srgbClr val="FFFFFF"/>
                 </a:solidFill>
-                <a:latin typeface="Graphik-SemiboldItalic"/>
-                <a:ea typeface="Graphik-SemiboldItalic"/>
-                <a:cs typeface="Graphik-SemiboldItalic"/>
+                <a:latin typeface="Graphik Semibold"/>
+                <a:ea typeface="Graphik Semibold"/>
+                <a:cs typeface="Graphik Semibold"/>
                 <a:sym typeface="Graphik Semibold"/>
               </a:defRPr>
             </a:lvl1pPr>
@@ -2835,13 +2856,13 @@
               </a:spcBef>
               <a:buSzTx/>
               <a:buNone/>
-              <a:defRPr sz="6000" spc="-59">
+              <a:defRPr spc="-59" sz="6000">
                 <a:solidFill>
                   <a:srgbClr val="FFFFFF"/>
                 </a:solidFill>
-                <a:latin typeface="Graphik-SemiboldItalic"/>
-                <a:ea typeface="Graphik-SemiboldItalic"/>
-                <a:cs typeface="Graphik-SemiboldItalic"/>
+                <a:latin typeface="Graphik Semibold"/>
+                <a:ea typeface="Graphik Semibold"/>
+                <a:cs typeface="Graphik Semibold"/>
                 <a:sym typeface="Graphik Semibold"/>
               </a:defRPr>
             </a:lvl2pPr>
@@ -2854,13 +2875,13 @@
               </a:spcBef>
               <a:buSzTx/>
               <a:buNone/>
-              <a:defRPr sz="6000" spc="-59">
+              <a:defRPr spc="-59" sz="6000">
                 <a:solidFill>
                   <a:srgbClr val="FFFFFF"/>
                 </a:solidFill>
-                <a:latin typeface="Graphik-SemiboldItalic"/>
-                <a:ea typeface="Graphik-SemiboldItalic"/>
-                <a:cs typeface="Graphik-SemiboldItalic"/>
+                <a:latin typeface="Graphik Semibold"/>
+                <a:ea typeface="Graphik Semibold"/>
+                <a:cs typeface="Graphik Semibold"/>
                 <a:sym typeface="Graphik Semibold"/>
               </a:defRPr>
             </a:lvl3pPr>
@@ -2873,13 +2894,13 @@
               </a:spcBef>
               <a:buSzTx/>
               <a:buNone/>
-              <a:defRPr sz="6000" spc="-59">
+              <a:defRPr spc="-59" sz="6000">
                 <a:solidFill>
                   <a:srgbClr val="FFFFFF"/>
                 </a:solidFill>
-                <a:latin typeface="Graphik-SemiboldItalic"/>
-                <a:ea typeface="Graphik-SemiboldItalic"/>
-                <a:cs typeface="Graphik-SemiboldItalic"/>
+                <a:latin typeface="Graphik Semibold"/>
+                <a:ea typeface="Graphik Semibold"/>
+                <a:cs typeface="Graphik Semibold"/>
                 <a:sym typeface="Graphik Semibold"/>
               </a:defRPr>
             </a:lvl4pPr>
@@ -2892,46 +2913,53 @@
               </a:spcBef>
               <a:buSzTx/>
               <a:buNone/>
-              <a:defRPr sz="6000" spc="-59">
+              <a:defRPr spc="-59" sz="6000">
                 <a:solidFill>
                   <a:srgbClr val="FFFFFF"/>
                 </a:solidFill>
-                <a:latin typeface="Graphik-SemiboldItalic"/>
-                <a:ea typeface="Graphik-SemiboldItalic"/>
-                <a:cs typeface="Graphik-SemiboldItalic"/>
+                <a:latin typeface="Graphik Semibold"/>
+                <a:ea typeface="Graphik Semibold"/>
+                <a:cs typeface="Graphik Semibold"/>
                 <a:sym typeface="Graphik Semibold"/>
               </a:defRPr>
             </a:lvl5pPr>
           </a:lstStyle>
           <a:p>
+            <a:pPr/>
             <a:r>
               <a:t>Presentation Subtitle</a:t>
             </a:r>
           </a:p>
           <a:p>
             <a:pPr lvl="1"/>
-            <a:endParaRPr/>
+            <a:r>
+              <a:t/>
+            </a:r>
           </a:p>
           <a:p>
             <a:pPr lvl="2"/>
-            <a:endParaRPr/>
+            <a:r>
+              <a:t/>
+            </a:r>
           </a:p>
           <a:p>
             <a:pPr lvl="3"/>
-            <a:endParaRPr/>
+            <a:r>
+              <a:t/>
+            </a:r>
           </a:p>
           <a:p>
             <a:pPr lvl="4"/>
-            <a:endParaRPr/>
+            <a:r>
+              <a:t/>
+            </a:r>
           </a:p>
         </p:txBody>
       </p:sp>
       <p:sp>
         <p:nvSpPr>
           <p:cNvPr id="24" name="Author and Date"/>
-          <p:cNvSpPr txBox="1">
-            <a:spLocks noGrp="1"/>
-          </p:cNvSpPr>
+          <p:cNvSpPr txBox="1"/>
           <p:nvPr>
             <p:ph type="body" sz="quarter" idx="22" hasCustomPrompt="1"/>
           </p:nvPr>
@@ -2957,18 +2985,19 @@
               </a:spcBef>
               <a:buSzTx/>
               <a:buNone/>
-              <a:defRPr sz="3000" spc="-29">
+              <a:defRPr spc="-29" sz="3000">
                 <a:solidFill>
                   <a:srgbClr val="FFFFFF"/>
                 </a:solidFill>
-                <a:latin typeface="Graphik-Medium"/>
-                <a:ea typeface="Graphik-Medium"/>
-                <a:cs typeface="Graphik-Medium"/>
+                <a:latin typeface="Graphik Medium"/>
+                <a:ea typeface="Graphik Medium"/>
+                <a:cs typeface="Graphik Medium"/>
                 <a:sym typeface="Graphik Medium"/>
               </a:defRPr>
             </a:lvl1pPr>
           </a:lstStyle>
           <a:p>
+            <a:pPr/>
             <a:r>
               <a:t>Author and Date</a:t>
             </a:r>
@@ -2978,9 +3007,7 @@
       <p:sp>
         <p:nvSpPr>
           <p:cNvPr id="25" name="Slide Number"/>
-          <p:cNvSpPr txBox="1">
-            <a:spLocks noGrp="1"/>
-          </p:cNvSpPr>
+          <p:cNvSpPr txBox="1"/>
           <p:nvPr>
             <p:ph type="sldNum" sz="quarter" idx="2"/>
           </p:nvPr>
@@ -3002,10 +3029,8 @@
             </a:lvl1pPr>
           </a:lstStyle>
           <a:p>
-            <a:fld id="{86CB4B4D-7CA3-9044-876B-883B54F8677D}" type="slidenum">
-              <a:t>‹#›</a:t>
-            </a:fld>
-            <a:endParaRPr/>
+            <a:pPr/>
+            <a:fld id="{86CB4B4D-7CA3-9044-876B-883B54F8677D}" type="slidenum"/>
           </a:p>
         </p:txBody>
       </p:sp>
@@ -3014,12 +3039,12 @@
   <p:clrMapOvr>
     <a:masterClrMapping/>
   </p:clrMapOvr>
-  <p:transition spd="med"/>
+  <p:transition xmlns:p14="http://schemas.microsoft.com/office/powerpoint/2010/main" spd="med" advClick="1"/>
 </p:sldLayout>
 </file>
 
 <file path=ppt/slideLayouts/slideLayout3.xml><?xml version="1.0" encoding="utf-8"?>
-<p:sldLayout xmlns:a="http://schemas.openxmlformats.org/drawingml/2006/main" xmlns:r="http://schemas.openxmlformats.org/officeDocument/2006/relationships" xmlns:p="http://schemas.openxmlformats.org/presentationml/2006/main" type="tx">
+<p:sldLayout xmlns:a="http://schemas.openxmlformats.org/drawingml/2006/main" xmlns:r="http://schemas.openxmlformats.org/officeDocument/2006/relationships" xmlns:p="http://schemas.openxmlformats.org/presentationml/2006/main" xmlns:m="http://schemas.openxmlformats.org/officeDocument/2006/math" xmlns:a14="http://schemas.microsoft.com/office/drawing/2010/main" type="tx" showMasterSp="1" showMasterPhAnim="1">
   <p:cSld name="Title &amp; Photo Alt">
     <p:spTree>
       <p:nvGrpSpPr>
@@ -3038,9 +3063,7 @@
       <p:sp>
         <p:nvSpPr>
           <p:cNvPr id="32" name="Slide Title"/>
-          <p:cNvSpPr txBox="1">
-            <a:spLocks noGrp="1"/>
-          </p:cNvSpPr>
+          <p:cNvSpPr txBox="1"/>
           <p:nvPr>
             <p:ph type="title" hasCustomPrompt="1"/>
           </p:nvPr>
@@ -3058,6 +3081,7 @@
           <a:bodyPr anchor="b"/>
           <a:lstStyle/>
           <a:p>
+            <a:pPr/>
             <a:r>
               <a:t>Slide Title</a:t>
             </a:r>
@@ -3067,9 +3091,7 @@
       <p:sp>
         <p:nvSpPr>
           <p:cNvPr id="33" name="Image"/>
-          <p:cNvSpPr>
-            <a:spLocks noGrp="1"/>
-          </p:cNvSpPr>
+          <p:cNvSpPr/>
           <p:nvPr>
             <p:ph type="pic" idx="21"/>
           </p:nvPr>
@@ -3089,16 +3111,14 @@
           </a:bodyPr>
           <a:lstStyle/>
           <a:p>
-            <a:endParaRPr/>
+            <a:pPr/>
           </a:p>
         </p:txBody>
       </p:sp>
       <p:sp>
         <p:nvSpPr>
           <p:cNvPr id="34" name="Body Level One…"/>
-          <p:cNvSpPr txBox="1">
-            <a:spLocks noGrp="1"/>
-          </p:cNvSpPr>
+          <p:cNvSpPr txBox="1"/>
           <p:nvPr>
             <p:ph type="body" sz="quarter" idx="1" hasCustomPrompt="1"/>
           </p:nvPr>
@@ -3125,9 +3145,9 @@
               <a:buSzTx/>
               <a:buNone/>
               <a:defRPr spc="-44">
-                <a:latin typeface="Graphik-SemiboldItalic"/>
-                <a:ea typeface="Graphik-SemiboldItalic"/>
-                <a:cs typeface="Graphik-SemiboldItalic"/>
+                <a:latin typeface="Graphik Semibold"/>
+                <a:ea typeface="Graphik Semibold"/>
+                <a:cs typeface="Graphik Semibold"/>
                 <a:sym typeface="Graphik Semibold"/>
               </a:defRPr>
             </a:lvl1pPr>
@@ -3141,9 +3161,9 @@
               <a:buSzTx/>
               <a:buNone/>
               <a:defRPr spc="-44">
-                <a:latin typeface="Graphik-SemiboldItalic"/>
-                <a:ea typeface="Graphik-SemiboldItalic"/>
-                <a:cs typeface="Graphik-SemiboldItalic"/>
+                <a:latin typeface="Graphik Semibold"/>
+                <a:ea typeface="Graphik Semibold"/>
+                <a:cs typeface="Graphik Semibold"/>
                 <a:sym typeface="Graphik Semibold"/>
               </a:defRPr>
             </a:lvl2pPr>
@@ -3157,9 +3177,9 @@
               <a:buSzTx/>
               <a:buNone/>
               <a:defRPr spc="-44">
-                <a:latin typeface="Graphik-SemiboldItalic"/>
-                <a:ea typeface="Graphik-SemiboldItalic"/>
-                <a:cs typeface="Graphik-SemiboldItalic"/>
+                <a:latin typeface="Graphik Semibold"/>
+                <a:ea typeface="Graphik Semibold"/>
+                <a:cs typeface="Graphik Semibold"/>
                 <a:sym typeface="Graphik Semibold"/>
               </a:defRPr>
             </a:lvl3pPr>
@@ -3173,9 +3193,9 @@
               <a:buSzTx/>
               <a:buNone/>
               <a:defRPr spc="-44">
-                <a:latin typeface="Graphik-SemiboldItalic"/>
-                <a:ea typeface="Graphik-SemiboldItalic"/>
-                <a:cs typeface="Graphik-SemiboldItalic"/>
+                <a:latin typeface="Graphik Semibold"/>
+                <a:ea typeface="Graphik Semibold"/>
+                <a:cs typeface="Graphik Semibold"/>
                 <a:sym typeface="Graphik Semibold"/>
               </a:defRPr>
             </a:lvl4pPr>
@@ -3189,42 +3209,49 @@
               <a:buSzTx/>
               <a:buNone/>
               <a:defRPr spc="-44">
-                <a:latin typeface="Graphik-SemiboldItalic"/>
-                <a:ea typeface="Graphik-SemiboldItalic"/>
-                <a:cs typeface="Graphik-SemiboldItalic"/>
+                <a:latin typeface="Graphik Semibold"/>
+                <a:ea typeface="Graphik Semibold"/>
+                <a:cs typeface="Graphik Semibold"/>
                 <a:sym typeface="Graphik Semibold"/>
               </a:defRPr>
             </a:lvl5pPr>
           </a:lstStyle>
           <a:p>
+            <a:pPr/>
             <a:r>
               <a:t>Slide Subtitle</a:t>
             </a:r>
           </a:p>
           <a:p>
             <a:pPr lvl="1"/>
-            <a:endParaRPr/>
+            <a:r>
+              <a:t/>
+            </a:r>
           </a:p>
           <a:p>
             <a:pPr lvl="2"/>
-            <a:endParaRPr/>
+            <a:r>
+              <a:t/>
+            </a:r>
           </a:p>
           <a:p>
             <a:pPr lvl="3"/>
-            <a:endParaRPr/>
+            <a:r>
+              <a:t/>
+            </a:r>
           </a:p>
           <a:p>
             <a:pPr lvl="4"/>
-            <a:endParaRPr/>
+            <a:r>
+              <a:t/>
+            </a:r>
           </a:p>
         </p:txBody>
       </p:sp>
       <p:sp>
         <p:nvSpPr>
           <p:cNvPr id="35" name="Slide Number"/>
-          <p:cNvSpPr txBox="1">
-            <a:spLocks noGrp="1"/>
-          </p:cNvSpPr>
+          <p:cNvSpPr txBox="1"/>
           <p:nvPr>
             <p:ph type="sldNum" sz="quarter" idx="2"/>
           </p:nvPr>
@@ -3238,10 +3265,8 @@
           <a:bodyPr/>
           <a:lstStyle/>
           <a:p>
-            <a:fld id="{86CB4B4D-7CA3-9044-876B-883B54F8677D}" type="slidenum">
-              <a:t>‹#›</a:t>
-            </a:fld>
-            <a:endParaRPr/>
+            <a:pPr/>
+            <a:fld id="{86CB4B4D-7CA3-9044-876B-883B54F8677D}" type="slidenum"/>
           </a:p>
         </p:txBody>
       </p:sp>
@@ -3250,12 +3275,12 @@
   <p:clrMapOvr>
     <a:masterClrMapping/>
   </p:clrMapOvr>
-  <p:transition spd="med"/>
+  <p:transition xmlns:p14="http://schemas.microsoft.com/office/powerpoint/2010/main" spd="med" advClick="1"/>
 </p:sldLayout>
 </file>
 
 <file path=ppt/slideLayouts/slideLayout4.xml><?xml version="1.0" encoding="utf-8"?>
-<p:sldLayout xmlns:a="http://schemas.openxmlformats.org/drawingml/2006/main" xmlns:r="http://schemas.openxmlformats.org/officeDocument/2006/relationships" xmlns:p="http://schemas.openxmlformats.org/presentationml/2006/main" type="tx">
+<p:sldLayout xmlns:a="http://schemas.openxmlformats.org/drawingml/2006/main" xmlns:r="http://schemas.openxmlformats.org/officeDocument/2006/relationships" xmlns:p="http://schemas.openxmlformats.org/presentationml/2006/main" xmlns:m="http://schemas.openxmlformats.org/officeDocument/2006/math" xmlns:a14="http://schemas.microsoft.com/office/drawing/2010/main" type="tx" showMasterSp="1" showMasterPhAnim="1">
   <p:cSld name="Title &amp; Bullets">
     <p:spTree>
       <p:nvGrpSpPr>
@@ -3274,9 +3299,7 @@
       <p:sp>
         <p:nvSpPr>
           <p:cNvPr id="42" name="Slide Title"/>
-          <p:cNvSpPr txBox="1">
-            <a:spLocks noGrp="1"/>
-          </p:cNvSpPr>
+          <p:cNvSpPr txBox="1"/>
           <p:nvPr>
             <p:ph type="title" hasCustomPrompt="1"/>
           </p:nvPr>
@@ -3290,6 +3313,7 @@
           <a:bodyPr/>
           <a:lstStyle/>
           <a:p>
+            <a:pPr/>
             <a:r>
               <a:t>Slide Title</a:t>
             </a:r>
@@ -3299,9 +3323,7 @@
       <p:sp>
         <p:nvSpPr>
           <p:cNvPr id="43" name="Body Level One…"/>
-          <p:cNvSpPr txBox="1">
-            <a:spLocks noGrp="1"/>
-          </p:cNvSpPr>
+          <p:cNvSpPr txBox="1"/>
           <p:nvPr>
             <p:ph type="body" idx="1" hasCustomPrompt="1"/>
           </p:nvPr>
@@ -3315,34 +3337,41 @@
           <a:bodyPr/>
           <a:lstStyle/>
           <a:p>
+            <a:pPr/>
             <a:r>
               <a:t>Slide bullet text</a:t>
             </a:r>
           </a:p>
           <a:p>
             <a:pPr lvl="1"/>
-            <a:endParaRPr/>
+            <a:r>
+              <a:t/>
+            </a:r>
           </a:p>
           <a:p>
             <a:pPr lvl="2"/>
-            <a:endParaRPr/>
+            <a:r>
+              <a:t/>
+            </a:r>
           </a:p>
           <a:p>
             <a:pPr lvl="3"/>
-            <a:endParaRPr/>
+            <a:r>
+              <a:t/>
+            </a:r>
           </a:p>
           <a:p>
             <a:pPr lvl="4"/>
-            <a:endParaRPr/>
+            <a:r>
+              <a:t/>
+            </a:r>
           </a:p>
         </p:txBody>
       </p:sp>
       <p:sp>
         <p:nvSpPr>
           <p:cNvPr id="44" name="Slide Subtitle"/>
-          <p:cNvSpPr txBox="1">
-            <a:spLocks noGrp="1"/>
-          </p:cNvSpPr>
+          <p:cNvSpPr txBox="1"/>
           <p:nvPr>
             <p:ph type="body" sz="quarter" idx="21" hasCustomPrompt="1"/>
           </p:nvPr>
@@ -3369,14 +3398,15 @@
               <a:buSzTx/>
               <a:buNone/>
               <a:defRPr spc="-44">
-                <a:latin typeface="Graphik-SemiboldItalic"/>
-                <a:ea typeface="Graphik-SemiboldItalic"/>
-                <a:cs typeface="Graphik-SemiboldItalic"/>
+                <a:latin typeface="Graphik Semibold"/>
+                <a:ea typeface="Graphik Semibold"/>
+                <a:cs typeface="Graphik Semibold"/>
                 <a:sym typeface="Graphik Semibold"/>
               </a:defRPr>
             </a:lvl1pPr>
           </a:lstStyle>
           <a:p>
+            <a:pPr/>
             <a:r>
               <a:t>Slide Subtitle</a:t>
             </a:r>
@@ -3386,9 +3416,7 @@
       <p:sp>
         <p:nvSpPr>
           <p:cNvPr id="45" name="Slide Number"/>
-          <p:cNvSpPr txBox="1">
-            <a:spLocks noGrp="1"/>
-          </p:cNvSpPr>
+          <p:cNvSpPr txBox="1"/>
           <p:nvPr>
             <p:ph type="sldNum" sz="quarter" idx="2"/>
           </p:nvPr>
@@ -3402,10 +3430,8 @@
           <a:bodyPr/>
           <a:lstStyle/>
           <a:p>
-            <a:fld id="{86CB4B4D-7CA3-9044-876B-883B54F8677D}" type="slidenum">
-              <a:t>‹#›</a:t>
-            </a:fld>
-            <a:endParaRPr/>
+            <a:pPr/>
+            <a:fld id="{86CB4B4D-7CA3-9044-876B-883B54F8677D}" type="slidenum"/>
           </a:p>
         </p:txBody>
       </p:sp>
@@ -3414,12 +3440,12 @@
   <p:clrMapOvr>
     <a:masterClrMapping/>
   </p:clrMapOvr>
-  <p:transition spd="med"/>
+  <p:transition xmlns:p14="http://schemas.microsoft.com/office/powerpoint/2010/main" spd="med" advClick="1"/>
 </p:sldLayout>
 </file>
 
 <file path=ppt/slideLayouts/slideLayout5.xml><?xml version="1.0" encoding="utf-8"?>
-<p:sldLayout xmlns:a="http://schemas.openxmlformats.org/drawingml/2006/main" xmlns:r="http://schemas.openxmlformats.org/officeDocument/2006/relationships" xmlns:p="http://schemas.openxmlformats.org/presentationml/2006/main" type="tx">
+<p:sldLayout xmlns:a="http://schemas.openxmlformats.org/drawingml/2006/main" xmlns:r="http://schemas.openxmlformats.org/officeDocument/2006/relationships" xmlns:p="http://schemas.openxmlformats.org/presentationml/2006/main" xmlns:m="http://schemas.openxmlformats.org/officeDocument/2006/math" xmlns:a14="http://schemas.microsoft.com/office/drawing/2010/main" type="tx" showMasterSp="1" showMasterPhAnim="1">
   <p:cSld name="Bullets">
     <p:spTree>
       <p:nvGrpSpPr>
@@ -3438,9 +3464,7 @@
       <p:sp>
         <p:nvSpPr>
           <p:cNvPr id="52" name="Body Level One…"/>
-          <p:cNvSpPr txBox="1">
-            <a:spLocks noGrp="1"/>
-          </p:cNvSpPr>
+          <p:cNvSpPr txBox="1"/>
           <p:nvPr>
             <p:ph type="body" idx="1" hasCustomPrompt="1"/>
           </p:nvPr>
@@ -3458,34 +3482,41 @@
           <a:bodyPr numCol="2" spcCol="2558384"/>
           <a:lstStyle/>
           <a:p>
+            <a:pPr/>
             <a:r>
               <a:t>Slide bullet text</a:t>
             </a:r>
           </a:p>
           <a:p>
             <a:pPr lvl="1"/>
-            <a:endParaRPr/>
+            <a:r>
+              <a:t/>
+            </a:r>
           </a:p>
           <a:p>
             <a:pPr lvl="2"/>
-            <a:endParaRPr/>
+            <a:r>
+              <a:t/>
+            </a:r>
           </a:p>
           <a:p>
             <a:pPr lvl="3"/>
-            <a:endParaRPr/>
+            <a:r>
+              <a:t/>
+            </a:r>
           </a:p>
           <a:p>
             <a:pPr lvl="4"/>
-            <a:endParaRPr/>
+            <a:r>
+              <a:t/>
+            </a:r>
           </a:p>
         </p:txBody>
       </p:sp>
       <p:sp>
         <p:nvSpPr>
           <p:cNvPr id="53" name="Slide Number"/>
-          <p:cNvSpPr txBox="1">
-            <a:spLocks noGrp="1"/>
-          </p:cNvSpPr>
+          <p:cNvSpPr txBox="1"/>
           <p:nvPr>
             <p:ph type="sldNum" sz="quarter" idx="2"/>
           </p:nvPr>
@@ -3503,10 +3534,8 @@
           <a:bodyPr/>
           <a:lstStyle/>
           <a:p>
-            <a:fld id="{86CB4B4D-7CA3-9044-876B-883B54F8677D}" type="slidenum">
-              <a:t>‹#›</a:t>
-            </a:fld>
-            <a:endParaRPr/>
+            <a:pPr/>
+            <a:fld id="{86CB4B4D-7CA3-9044-876B-883B54F8677D}" type="slidenum"/>
           </a:p>
         </p:txBody>
       </p:sp>
@@ -3515,12 +3544,12 @@
   <p:clrMapOvr>
     <a:masterClrMapping/>
   </p:clrMapOvr>
-  <p:transition spd="med"/>
+  <p:transition xmlns:p14="http://schemas.microsoft.com/office/powerpoint/2010/main" spd="med" advClick="1"/>
 </p:sldLayout>
 </file>
 
 <file path=ppt/slideLayouts/slideLayout6.xml><?xml version="1.0" encoding="utf-8"?>
-<p:sldLayout xmlns:a="http://schemas.openxmlformats.org/drawingml/2006/main" xmlns:r="http://schemas.openxmlformats.org/officeDocument/2006/relationships" xmlns:p="http://schemas.openxmlformats.org/presentationml/2006/main" type="tx">
+<p:sldLayout xmlns:a="http://schemas.openxmlformats.org/drawingml/2006/main" xmlns:r="http://schemas.openxmlformats.org/officeDocument/2006/relationships" xmlns:p="http://schemas.openxmlformats.org/presentationml/2006/main" xmlns:m="http://schemas.openxmlformats.org/officeDocument/2006/math" xmlns:a14="http://schemas.microsoft.com/office/drawing/2010/main" type="tx" showMasterSp="1" showMasterPhAnim="1">
   <p:cSld name="Title, Bullets &amp; Photo">
     <p:spTree>
       <p:nvGrpSpPr>
@@ -3539,9 +3568,7 @@
       <p:sp>
         <p:nvSpPr>
           <p:cNvPr id="60" name="Slide Title"/>
-          <p:cNvSpPr txBox="1">
-            <a:spLocks noGrp="1"/>
-          </p:cNvSpPr>
+          <p:cNvSpPr txBox="1"/>
           <p:nvPr>
             <p:ph type="title" hasCustomPrompt="1"/>
           </p:nvPr>
@@ -3559,6 +3586,7 @@
           <a:bodyPr/>
           <a:lstStyle/>
           <a:p>
+            <a:pPr/>
             <a:r>
               <a:t>Slide Title</a:t>
             </a:r>
@@ -3568,9 +3596,7 @@
       <p:sp>
         <p:nvSpPr>
           <p:cNvPr id="61" name="Image"/>
-          <p:cNvSpPr>
-            <a:spLocks noGrp="1"/>
-          </p:cNvSpPr>
+          <p:cNvSpPr/>
           <p:nvPr>
             <p:ph type="pic" idx="21"/>
           </p:nvPr>
@@ -3590,16 +3616,14 @@
           </a:bodyPr>
           <a:lstStyle/>
           <a:p>
-            <a:endParaRPr/>
+            <a:pPr/>
           </a:p>
         </p:txBody>
       </p:sp>
       <p:sp>
         <p:nvSpPr>
           <p:cNvPr id="62" name="Slide Subtitle"/>
-          <p:cNvSpPr txBox="1">
-            <a:spLocks noGrp="1"/>
-          </p:cNvSpPr>
+          <p:cNvSpPr txBox="1"/>
           <p:nvPr>
             <p:ph type="body" sz="quarter" idx="22" hasCustomPrompt="1"/>
           </p:nvPr>
@@ -3626,14 +3650,15 @@
               <a:buSzTx/>
               <a:buNone/>
               <a:defRPr spc="-44">
-                <a:latin typeface="Graphik-SemiboldItalic"/>
-                <a:ea typeface="Graphik-SemiboldItalic"/>
-                <a:cs typeface="Graphik-SemiboldItalic"/>
+                <a:latin typeface="Graphik Semibold"/>
+                <a:ea typeface="Graphik Semibold"/>
+                <a:cs typeface="Graphik Semibold"/>
                 <a:sym typeface="Graphik Semibold"/>
               </a:defRPr>
             </a:lvl1pPr>
           </a:lstStyle>
           <a:p>
+            <a:pPr/>
             <a:r>
               <a:t>Slide Subtitle</a:t>
             </a:r>
@@ -3643,9 +3668,7 @@
       <p:sp>
         <p:nvSpPr>
           <p:cNvPr id="63" name="Body Level One…"/>
-          <p:cNvSpPr txBox="1">
-            <a:spLocks noGrp="1"/>
-          </p:cNvSpPr>
+          <p:cNvSpPr txBox="1"/>
           <p:nvPr>
             <p:ph type="body" sz="half" idx="1" hasCustomPrompt="1"/>
           </p:nvPr>
@@ -3663,34 +3686,41 @@
           <a:bodyPr/>
           <a:lstStyle/>
           <a:p>
+            <a:pPr/>
             <a:r>
               <a:t>Slide bullet text</a:t>
             </a:r>
           </a:p>
           <a:p>
             <a:pPr lvl="1"/>
-            <a:endParaRPr/>
+            <a:r>
+              <a:t/>
+            </a:r>
           </a:p>
           <a:p>
             <a:pPr lvl="2"/>
-            <a:endParaRPr/>
+            <a:r>
+              <a:t/>
+            </a:r>
           </a:p>
           <a:p>
             <a:pPr lvl="3"/>
-            <a:endParaRPr/>
+            <a:r>
+              <a:t/>
+            </a:r>
           </a:p>
           <a:p>
             <a:pPr lvl="4"/>
-            <a:endParaRPr/>
+            <a:r>
+              <a:t/>
+            </a:r>
           </a:p>
         </p:txBody>
       </p:sp>
       <p:sp>
         <p:nvSpPr>
           <p:cNvPr id="64" name="Slide Number"/>
-          <p:cNvSpPr txBox="1">
-            <a:spLocks noGrp="1"/>
-          </p:cNvSpPr>
+          <p:cNvSpPr txBox="1"/>
           <p:nvPr>
             <p:ph type="sldNum" sz="quarter" idx="2"/>
           </p:nvPr>
@@ -3708,10 +3738,8 @@
           <a:bodyPr/>
           <a:lstStyle/>
           <a:p>
-            <a:fld id="{86CB4B4D-7CA3-9044-876B-883B54F8677D}" type="slidenum">
-              <a:t>‹#›</a:t>
-            </a:fld>
-            <a:endParaRPr/>
+            <a:pPr/>
+            <a:fld id="{86CB4B4D-7CA3-9044-876B-883B54F8677D}" type="slidenum"/>
           </a:p>
         </p:txBody>
       </p:sp>
@@ -3720,12 +3748,12 @@
   <p:clrMapOvr>
     <a:masterClrMapping/>
   </p:clrMapOvr>
-  <p:transition spd="med"/>
+  <p:transition xmlns:p14="http://schemas.microsoft.com/office/powerpoint/2010/main" spd="med" advClick="1"/>
 </p:sldLayout>
 </file>
 
 <file path=ppt/slideLayouts/slideLayout7.xml><?xml version="1.0" encoding="utf-8"?>
-<p:sldLayout xmlns:a="http://schemas.openxmlformats.org/drawingml/2006/main" xmlns:r="http://schemas.openxmlformats.org/officeDocument/2006/relationships" xmlns:p="http://schemas.openxmlformats.org/presentationml/2006/main" type="tx">
+<p:sldLayout xmlns:a="http://schemas.openxmlformats.org/drawingml/2006/main" xmlns:r="http://schemas.openxmlformats.org/officeDocument/2006/relationships" xmlns:p="http://schemas.openxmlformats.org/presentationml/2006/main" xmlns:m="http://schemas.openxmlformats.org/officeDocument/2006/math" xmlns:a14="http://schemas.microsoft.com/office/drawing/2010/main" type="tx" showMasterSp="1" showMasterPhAnim="1">
   <p:cSld name="Section">
     <p:spTree>
       <p:nvGrpSpPr>
@@ -3744,9 +3772,7 @@
       <p:sp>
         <p:nvSpPr>
           <p:cNvPr id="71" name="Section Title"/>
-          <p:cNvSpPr txBox="1">
-            <a:spLocks noGrp="1"/>
-          </p:cNvSpPr>
+          <p:cNvSpPr txBox="1"/>
           <p:nvPr>
             <p:ph type="title" hasCustomPrompt="1"/>
           </p:nvPr>
@@ -3764,10 +3790,11 @@
           <a:bodyPr anchor="ctr"/>
           <a:lstStyle>
             <a:lvl1pPr>
-              <a:defRPr sz="12800" spc="0"/>
+              <a:defRPr spc="0" sz="12800"/>
             </a:lvl1pPr>
           </a:lstStyle>
           <a:p>
+            <a:pPr/>
             <a:r>
               <a:t>Section Title</a:t>
             </a:r>
@@ -3777,9 +3804,7 @@
       <p:sp>
         <p:nvSpPr>
           <p:cNvPr id="72" name="Slide Number"/>
-          <p:cNvSpPr txBox="1">
-            <a:spLocks noGrp="1"/>
-          </p:cNvSpPr>
+          <p:cNvSpPr txBox="1"/>
           <p:nvPr>
             <p:ph type="sldNum" sz="quarter" idx="2"/>
           </p:nvPr>
@@ -3797,10 +3822,8 @@
           <a:bodyPr/>
           <a:lstStyle/>
           <a:p>
-            <a:fld id="{86CB4B4D-7CA3-9044-876B-883B54F8677D}" type="slidenum">
-              <a:t>‹#›</a:t>
-            </a:fld>
-            <a:endParaRPr/>
+            <a:pPr/>
+            <a:fld id="{86CB4B4D-7CA3-9044-876B-883B54F8677D}" type="slidenum"/>
           </a:p>
         </p:txBody>
       </p:sp>
@@ -3809,12 +3832,12 @@
   <p:clrMapOvr>
     <a:masterClrMapping/>
   </p:clrMapOvr>
-  <p:transition spd="med"/>
+  <p:transition xmlns:p14="http://schemas.microsoft.com/office/powerpoint/2010/main" spd="med" advClick="1"/>
 </p:sldLayout>
 </file>
 
 <file path=ppt/slideLayouts/slideLayout8.xml><?xml version="1.0" encoding="utf-8"?>
-<p:sldLayout xmlns:a="http://schemas.openxmlformats.org/drawingml/2006/main" xmlns:r="http://schemas.openxmlformats.org/officeDocument/2006/relationships" xmlns:p="http://schemas.openxmlformats.org/presentationml/2006/main" type="tx">
+<p:sldLayout xmlns:a="http://schemas.openxmlformats.org/drawingml/2006/main" xmlns:r="http://schemas.openxmlformats.org/officeDocument/2006/relationships" xmlns:p="http://schemas.openxmlformats.org/presentationml/2006/main" xmlns:m="http://schemas.openxmlformats.org/officeDocument/2006/math" xmlns:a14="http://schemas.microsoft.com/office/drawing/2010/main" type="tx" showMasterSp="1" showMasterPhAnim="1">
   <p:cSld name="Title Only">
     <p:spTree>
       <p:nvGrpSpPr>
@@ -3833,9 +3856,7 @@
       <p:sp>
         <p:nvSpPr>
           <p:cNvPr id="79" name="Slide Title"/>
-          <p:cNvSpPr txBox="1">
-            <a:spLocks noGrp="1"/>
-          </p:cNvSpPr>
+          <p:cNvSpPr txBox="1"/>
           <p:nvPr>
             <p:ph type="title" hasCustomPrompt="1"/>
           </p:nvPr>
@@ -3849,6 +3870,7 @@
           <a:bodyPr/>
           <a:lstStyle/>
           <a:p>
+            <a:pPr/>
             <a:r>
               <a:t>Slide Title</a:t>
             </a:r>
@@ -3858,9 +3880,7 @@
       <p:sp>
         <p:nvSpPr>
           <p:cNvPr id="80" name="Slide Subtitle"/>
-          <p:cNvSpPr txBox="1">
-            <a:spLocks noGrp="1"/>
-          </p:cNvSpPr>
+          <p:cNvSpPr txBox="1"/>
           <p:nvPr>
             <p:ph type="body" sz="quarter" idx="21" hasCustomPrompt="1"/>
           </p:nvPr>
@@ -3887,14 +3907,15 @@
               <a:buSzTx/>
               <a:buNone/>
               <a:defRPr spc="-44">
-                <a:latin typeface="Graphik-SemiboldItalic"/>
-                <a:ea typeface="Graphik-SemiboldItalic"/>
-                <a:cs typeface="Graphik-SemiboldItalic"/>
+                <a:latin typeface="Graphik Semibold"/>
+                <a:ea typeface="Graphik Semibold"/>
+                <a:cs typeface="Graphik Semibold"/>
                 <a:sym typeface="Graphik Semibold"/>
               </a:defRPr>
             </a:lvl1pPr>
           </a:lstStyle>
           <a:p>
+            <a:pPr/>
             <a:r>
               <a:t>Slide Subtitle</a:t>
             </a:r>
@@ -3904,9 +3925,7 @@
       <p:sp>
         <p:nvSpPr>
           <p:cNvPr id="81" name="Slide Number"/>
-          <p:cNvSpPr txBox="1">
-            <a:spLocks noGrp="1"/>
-          </p:cNvSpPr>
+          <p:cNvSpPr txBox="1"/>
           <p:nvPr>
             <p:ph type="sldNum" sz="quarter" idx="2"/>
           </p:nvPr>
@@ -3924,10 +3943,8 @@
           <a:bodyPr/>
           <a:lstStyle/>
           <a:p>
-            <a:fld id="{86CB4B4D-7CA3-9044-876B-883B54F8677D}" type="slidenum">
-              <a:t>‹#›</a:t>
-            </a:fld>
-            <a:endParaRPr/>
+            <a:pPr/>
+            <a:fld id="{86CB4B4D-7CA3-9044-876B-883B54F8677D}" type="slidenum"/>
           </a:p>
         </p:txBody>
       </p:sp>
@@ -3936,12 +3953,12 @@
   <p:clrMapOvr>
     <a:masterClrMapping/>
   </p:clrMapOvr>
-  <p:transition spd="med"/>
+  <p:transition xmlns:p14="http://schemas.microsoft.com/office/powerpoint/2010/main" spd="med" advClick="1"/>
 </p:sldLayout>
 </file>
 
 <file path=ppt/slideLayouts/slideLayout9.xml><?xml version="1.0" encoding="utf-8"?>
-<p:sldLayout xmlns:a="http://schemas.openxmlformats.org/drawingml/2006/main" xmlns:r="http://schemas.openxmlformats.org/officeDocument/2006/relationships" xmlns:p="http://schemas.openxmlformats.org/presentationml/2006/main" type="tx">
+<p:sldLayout xmlns:a="http://schemas.openxmlformats.org/drawingml/2006/main" xmlns:r="http://schemas.openxmlformats.org/officeDocument/2006/relationships" xmlns:p="http://schemas.openxmlformats.org/presentationml/2006/main" xmlns:m="http://schemas.openxmlformats.org/officeDocument/2006/math" xmlns:a14="http://schemas.microsoft.com/office/drawing/2010/main" type="tx" showMasterSp="1" showMasterPhAnim="1">
   <p:cSld name="Agenda">
     <p:spTree>
       <p:nvGrpSpPr>
@@ -3960,9 +3977,7 @@
       <p:sp>
         <p:nvSpPr>
           <p:cNvPr id="88" name="Agenda Title"/>
-          <p:cNvSpPr txBox="1">
-            <a:spLocks noGrp="1"/>
-          </p:cNvSpPr>
+          <p:cNvSpPr txBox="1"/>
           <p:nvPr>
             <p:ph type="title" hasCustomPrompt="1"/>
           </p:nvPr>
@@ -3976,6 +3991,7 @@
           <a:bodyPr/>
           <a:lstStyle/>
           <a:p>
+            <a:pPr/>
             <a:r>
               <a:t>Agenda Title</a:t>
             </a:r>
@@ -3985,9 +4001,7 @@
       <p:sp>
         <p:nvSpPr>
           <p:cNvPr id="89" name="Body Level One…"/>
-          <p:cNvSpPr txBox="1">
-            <a:spLocks noGrp="1"/>
-          </p:cNvSpPr>
+          <p:cNvSpPr txBox="1"/>
           <p:nvPr>
             <p:ph type="body" idx="1" hasCustomPrompt="1"/>
           </p:nvPr>
@@ -4010,7 +4024,7 @@
               </a:lnSpc>
               <a:buSzTx/>
               <a:buNone/>
-              <a:defRPr sz="6800" spc="-136">
+              <a:defRPr spc="-136" sz="6800">
                 <a:latin typeface="Canela Deck Regular"/>
                 <a:ea typeface="Canela Deck Regular"/>
                 <a:cs typeface="Canela Deck Regular"/>
@@ -4023,7 +4037,7 @@
               </a:lnSpc>
               <a:buSzTx/>
               <a:buNone/>
-              <a:defRPr sz="6800" spc="-136">
+              <a:defRPr spc="-136" sz="6800">
                 <a:latin typeface="Canela Deck Regular"/>
                 <a:ea typeface="Canela Deck Regular"/>
                 <a:cs typeface="Canela Deck Regular"/>
@@ -4036,7 +4050,7 @@
               </a:lnSpc>
               <a:buSzTx/>
               <a:buNone/>
-              <a:defRPr sz="6800" spc="-136">
+              <a:defRPr spc="-136" sz="6800">
                 <a:latin typeface="Canela Deck Regular"/>
                 <a:ea typeface="Canela Deck Regular"/>
                 <a:cs typeface="Canela Deck Regular"/>
@@ -4049,7 +4063,7 @@
               </a:lnSpc>
               <a:buSzTx/>
               <a:buNone/>
-              <a:defRPr sz="6800" spc="-136">
+              <a:defRPr spc="-136" sz="6800">
                 <a:latin typeface="Canela Deck Regular"/>
                 <a:ea typeface="Canela Deck Regular"/>
                 <a:cs typeface="Canela Deck Regular"/>
@@ -4062,7 +4076,7 @@
               </a:lnSpc>
               <a:buSzTx/>
               <a:buNone/>
-              <a:defRPr sz="6800" spc="-136">
+              <a:defRPr spc="-136" sz="6800">
                 <a:latin typeface="Canela Deck Regular"/>
                 <a:ea typeface="Canela Deck Regular"/>
                 <a:cs typeface="Canela Deck Regular"/>
@@ -4071,34 +4085,41 @@
             </a:lvl5pPr>
           </a:lstStyle>
           <a:p>
+            <a:pPr/>
             <a:r>
               <a:t>Agenda Topics</a:t>
             </a:r>
           </a:p>
           <a:p>
             <a:pPr lvl="1"/>
-            <a:endParaRPr/>
+            <a:r>
+              <a:t/>
+            </a:r>
           </a:p>
           <a:p>
             <a:pPr lvl="2"/>
-            <a:endParaRPr/>
+            <a:r>
+              <a:t/>
+            </a:r>
           </a:p>
           <a:p>
             <a:pPr lvl="3"/>
-            <a:endParaRPr/>
+            <a:r>
+              <a:t/>
+            </a:r>
           </a:p>
           <a:p>
             <a:pPr lvl="4"/>
-            <a:endParaRPr/>
+            <a:r>
+              <a:t/>
+            </a:r>
           </a:p>
         </p:txBody>
       </p:sp>
       <p:sp>
         <p:nvSpPr>
           <p:cNvPr id="90" name="Agenda Subtitle"/>
-          <p:cNvSpPr txBox="1">
-            <a:spLocks noGrp="1"/>
-          </p:cNvSpPr>
+          <p:cNvSpPr txBox="1"/>
           <p:nvPr>
             <p:ph type="body" sz="quarter" idx="21" hasCustomPrompt="1"/>
           </p:nvPr>
@@ -4125,14 +4146,15 @@
               <a:buSzTx/>
               <a:buNone/>
               <a:defRPr spc="-44">
-                <a:latin typeface="Graphik-SemiboldItalic"/>
-                <a:ea typeface="Graphik-SemiboldItalic"/>
-                <a:cs typeface="Graphik-SemiboldItalic"/>
+                <a:latin typeface="Graphik Semibold"/>
+                <a:ea typeface="Graphik Semibold"/>
+                <a:cs typeface="Graphik Semibold"/>
                 <a:sym typeface="Graphik Semibold"/>
               </a:defRPr>
             </a:lvl1pPr>
           </a:lstStyle>
           <a:p>
+            <a:pPr/>
             <a:r>
               <a:t>Agenda Subtitle</a:t>
             </a:r>
@@ -4142,9 +4164,7 @@
       <p:sp>
         <p:nvSpPr>
           <p:cNvPr id="91" name="Slide Number"/>
-          <p:cNvSpPr txBox="1">
-            <a:spLocks noGrp="1"/>
-          </p:cNvSpPr>
+          <p:cNvSpPr txBox="1"/>
           <p:nvPr>
             <p:ph type="sldNum" sz="quarter" idx="2"/>
           </p:nvPr>
@@ -4162,10 +4182,8 @@
           <a:bodyPr/>
           <a:lstStyle/>
           <a:p>
-            <a:fld id="{86CB4B4D-7CA3-9044-876B-883B54F8677D}" type="slidenum">
-              <a:t>‹#›</a:t>
-            </a:fld>
-            <a:endParaRPr/>
+            <a:pPr/>
+            <a:fld id="{86CB4B4D-7CA3-9044-876B-883B54F8677D}" type="slidenum"/>
           </a:p>
         </p:txBody>
       </p:sp>
@@ -4174,19 +4192,18 @@
   <p:clrMapOvr>
     <a:masterClrMapping/>
   </p:clrMapOvr>
-  <p:transition spd="med"/>
+  <p:transition xmlns:p14="http://schemas.microsoft.com/office/powerpoint/2010/main" spd="med" advClick="1"/>
 </p:sldLayout>
 </file>
 
 <file path=ppt/slideMasters/slideMaster1.xml><?xml version="1.0" encoding="utf-8"?>
-<p:sldMaster xmlns:a="http://schemas.openxmlformats.org/drawingml/2006/main" xmlns:r="http://schemas.openxmlformats.org/officeDocument/2006/relationships" xmlns:p="http://schemas.openxmlformats.org/presentationml/2006/main">
+<p:sldMaster xmlns:a="http://schemas.openxmlformats.org/drawingml/2006/main" xmlns:r="http://schemas.openxmlformats.org/officeDocument/2006/relationships" xmlns:p="http://schemas.openxmlformats.org/presentationml/2006/main" xmlns:m="http://schemas.openxmlformats.org/officeDocument/2006/math" xmlns:a14="http://schemas.microsoft.com/office/drawing/2010/main">
   <p:cSld>
     <p:bg>
       <p:bgPr>
         <a:solidFill>
           <a:srgbClr val="FFFFFF"/>
         </a:solidFill>
-        <a:effectLst/>
       </p:bgPr>
     </p:bg>
     <p:spTree>
@@ -4206,9 +4223,7 @@
       <p:sp>
         <p:nvSpPr>
           <p:cNvPr id="2" name="Slide Title"/>
-          <p:cNvSpPr txBox="1">
-            <a:spLocks noGrp="1"/>
-          </p:cNvSpPr>
+          <p:cNvSpPr txBox="1"/>
           <p:nvPr>
             <p:ph type="title" hasCustomPrompt="1"/>
           </p:nvPr>
@@ -4226,16 +4241,17 @@
           </a:ln>
           <a:extLst>
             <a:ext uri="{C572A759-6A51-4108-AA02-DFA0A04FC94B}">
-              <ma14:wrappingTextBoxFlag xmlns:ma14="http://schemas.microsoft.com/office/mac/drawingml/2011/main" xmlns:a14="http://schemas.microsoft.com/office/drawing/2010/main" xmlns:m="http://schemas.openxmlformats.org/officeDocument/2006/math" xmlns="" val="1"/>
+              <ma14:wrappingTextBoxFlag xmlns:ma14="http://schemas.microsoft.com/office/mac/drawingml/2011/main" val="1"/>
             </a:ext>
           </a:extLst>
         </p:spPr>
         <p:txBody>
           <a:bodyPr lIns="50800" tIns="50800" rIns="50800" bIns="50800">
-            <a:normAutofit/>
+            <a:normAutofit fontScale="100000" lnSpcReduction="0"/>
           </a:bodyPr>
           <a:lstStyle/>
           <a:p>
+            <a:pPr/>
             <a:r>
               <a:t>Slide Title</a:t>
             </a:r>
@@ -4245,9 +4261,7 @@
       <p:sp>
         <p:nvSpPr>
           <p:cNvPr id="3" name="Body Level One…"/>
-          <p:cNvSpPr txBox="1">
-            <a:spLocks noGrp="1"/>
-          </p:cNvSpPr>
+          <p:cNvSpPr txBox="1"/>
           <p:nvPr>
             <p:ph type="body" idx="1" hasCustomPrompt="1"/>
           </p:nvPr>
@@ -4265,44 +4279,51 @@
           </a:ln>
           <a:extLst>
             <a:ext uri="{C572A759-6A51-4108-AA02-DFA0A04FC94B}">
-              <ma14:wrappingTextBoxFlag xmlns:ma14="http://schemas.microsoft.com/office/mac/drawingml/2011/main" xmlns:a14="http://schemas.microsoft.com/office/drawing/2010/main" xmlns:m="http://schemas.openxmlformats.org/officeDocument/2006/math" xmlns="" val="1"/>
+              <ma14:wrappingTextBoxFlag xmlns:ma14="http://schemas.microsoft.com/office/mac/drawingml/2011/main" val="1"/>
             </a:ext>
           </a:extLst>
         </p:spPr>
         <p:txBody>
           <a:bodyPr lIns="50800" tIns="50800" rIns="50800" bIns="50800">
-            <a:normAutofit/>
+            <a:normAutofit fontScale="100000" lnSpcReduction="0"/>
           </a:bodyPr>
           <a:lstStyle/>
           <a:p>
+            <a:pPr/>
             <a:r>
               <a:t>Slide bullet text</a:t>
             </a:r>
           </a:p>
           <a:p>
             <a:pPr lvl="1"/>
-            <a:endParaRPr/>
+            <a:r>
+              <a:t/>
+            </a:r>
           </a:p>
           <a:p>
             <a:pPr lvl="2"/>
-            <a:endParaRPr/>
+            <a:r>
+              <a:t/>
+            </a:r>
           </a:p>
           <a:p>
             <a:pPr lvl="3"/>
-            <a:endParaRPr/>
+            <a:r>
+              <a:t/>
+            </a:r>
           </a:p>
           <a:p>
             <a:pPr lvl="4"/>
-            <a:endParaRPr/>
+            <a:r>
+              <a:t/>
+            </a:r>
           </a:p>
         </p:txBody>
       </p:sp>
       <p:sp>
         <p:nvSpPr>
           <p:cNvPr id="4" name="Slide Number"/>
-          <p:cNvSpPr txBox="1">
-            <a:spLocks noGrp="1"/>
-          </p:cNvSpPr>
+          <p:cNvSpPr txBox="1"/>
           <p:nvPr>
             <p:ph type="sldNum" sz="quarter" idx="2"/>
           </p:nvPr>
@@ -4340,10 +4361,8 @@
             </a:lvl1pPr>
           </a:lstStyle>
           <a:p>
-            <a:fld id="{86CB4B4D-7CA3-9044-876B-883B54F8677D}" type="slidenum">
-              <a:t>‹#›</a:t>
-            </a:fld>
-            <a:endParaRPr/>
+            <a:pPr/>
+            <a:fld id="{86CB4B4D-7CA3-9044-876B-883B54F8677D}" type="slidenum"/>
           </a:p>
         </p:txBody>
       </p:sp>
@@ -4351,23 +4370,23 @@
   </p:cSld>
   <p:clrMap bg1="lt1" tx1="dk1" bg2="lt2" tx2="dk2" accent1="accent1" accent2="accent2" accent3="accent3" accent4="accent4" accent5="accent5" accent6="accent6" hlink="hlink" folHlink="folHlink"/>
   <p:sldLayoutIdLst>
-    <p:sldLayoutId id="2147483649" r:id="rId1"/>
-    <p:sldLayoutId id="2147483650" r:id="rId2"/>
-    <p:sldLayoutId id="2147483651" r:id="rId3"/>
-    <p:sldLayoutId id="2147483652" r:id="rId4"/>
-    <p:sldLayoutId id="2147483653" r:id="rId5"/>
-    <p:sldLayoutId id="2147483654" r:id="rId6"/>
-    <p:sldLayoutId id="2147483655" r:id="rId7"/>
-    <p:sldLayoutId id="2147483656" r:id="rId8"/>
-    <p:sldLayoutId id="2147483657" r:id="rId9"/>
-    <p:sldLayoutId id="2147483658" r:id="rId10"/>
-    <p:sldLayoutId id="2147483659" r:id="rId11"/>
-    <p:sldLayoutId id="2147483660" r:id="rId12"/>
-    <p:sldLayoutId id="2147483661" r:id="rId13"/>
-    <p:sldLayoutId id="2147483662" r:id="rId14"/>
-    <p:sldLayoutId id="2147483663" r:id="rId15"/>
+    <p:sldLayoutId id="2147483649" r:id="rId2"/>
+    <p:sldLayoutId id="2147483650" r:id="rId3"/>
+    <p:sldLayoutId id="2147483651" r:id="rId4"/>
+    <p:sldLayoutId id="2147483652" r:id="rId5"/>
+    <p:sldLayoutId id="2147483653" r:id="rId6"/>
+    <p:sldLayoutId id="2147483654" r:id="rId7"/>
+    <p:sldLayoutId id="2147483655" r:id="rId8"/>
+    <p:sldLayoutId id="2147483656" r:id="rId9"/>
+    <p:sldLayoutId id="2147483657" r:id="rId10"/>
+    <p:sldLayoutId id="2147483658" r:id="rId11"/>
+    <p:sldLayoutId id="2147483659" r:id="rId12"/>
+    <p:sldLayoutId id="2147483660" r:id="rId13"/>
+    <p:sldLayoutId id="2147483661" r:id="rId14"/>
+    <p:sldLayoutId id="2147483662" r:id="rId15"/>
+    <p:sldLayoutId id="2147483663" r:id="rId16"/>
   </p:sldLayoutIdLst>
-  <p:transition spd="med"/>
+  <p:transition xmlns:p14="http://schemas.microsoft.com/office/powerpoint/2010/main" spd="med" advClick="1"/>
   <p:txStyles>
     <p:titleStyle>
       <a:lvl1pPr marL="0" marR="0" indent="0" algn="ctr" defTabSz="2438400" rtl="0" latinLnBrk="0">
@@ -4385,7 +4404,7 @@
         <a:buFontTx/>
         <a:buNone/>
         <a:tabLst/>
-        <a:defRPr sz="8400" b="0" i="0" u="none" strike="noStrike" cap="none" spc="-84" baseline="0">
+        <a:defRPr b="0" baseline="0" cap="none" i="0" spc="-84" strike="noStrike" sz="8400" u="none">
           <a:solidFill>
             <a:srgbClr val="000000"/>
           </a:solidFill>
@@ -4411,7 +4430,7 @@
         <a:buFontTx/>
         <a:buNone/>
         <a:tabLst/>
-        <a:defRPr sz="8400" b="0" i="0" u="none" strike="noStrike" cap="none" spc="-84" baseline="0">
+        <a:defRPr b="0" baseline="0" cap="none" i="0" spc="-84" strike="noStrike" sz="8400" u="none">
           <a:solidFill>
             <a:srgbClr val="000000"/>
           </a:solidFill>
@@ -4437,7 +4456,7 @@
         <a:buFontTx/>
         <a:buNone/>
         <a:tabLst/>
-        <a:defRPr sz="8400" b="0" i="0" u="none" strike="noStrike" cap="none" spc="-84" baseline="0">
+        <a:defRPr b="0" baseline="0" cap="none" i="0" spc="-84" strike="noStrike" sz="8400" u="none">
           <a:solidFill>
             <a:srgbClr val="000000"/>
           </a:solidFill>
@@ -4463,7 +4482,7 @@
         <a:buFontTx/>
         <a:buNone/>
         <a:tabLst/>
-        <a:defRPr sz="8400" b="0" i="0" u="none" strike="noStrike" cap="none" spc="-84" baseline="0">
+        <a:defRPr b="0" baseline="0" cap="none" i="0" spc="-84" strike="noStrike" sz="8400" u="none">
           <a:solidFill>
             <a:srgbClr val="000000"/>
           </a:solidFill>
@@ -4489,7 +4508,7 @@
         <a:buFontTx/>
         <a:buNone/>
         <a:tabLst/>
-        <a:defRPr sz="8400" b="0" i="0" u="none" strike="noStrike" cap="none" spc="-84" baseline="0">
+        <a:defRPr b="0" baseline="0" cap="none" i="0" spc="-84" strike="noStrike" sz="8400" u="none">
           <a:solidFill>
             <a:srgbClr val="000000"/>
           </a:solidFill>
@@ -4515,7 +4534,7 @@
         <a:buFontTx/>
         <a:buNone/>
         <a:tabLst/>
-        <a:defRPr sz="8400" b="0" i="0" u="none" strike="noStrike" cap="none" spc="-84" baseline="0">
+        <a:defRPr b="0" baseline="0" cap="none" i="0" spc="-84" strike="noStrike" sz="8400" u="none">
           <a:solidFill>
             <a:srgbClr val="000000"/>
           </a:solidFill>
@@ -4541,7 +4560,7 @@
         <a:buFontTx/>
         <a:buNone/>
         <a:tabLst/>
-        <a:defRPr sz="8400" b="0" i="0" u="none" strike="noStrike" cap="none" spc="-84" baseline="0">
+        <a:defRPr b="0" baseline="0" cap="none" i="0" spc="-84" strike="noStrike" sz="8400" u="none">
           <a:solidFill>
             <a:srgbClr val="000000"/>
           </a:solidFill>
@@ -4567,7 +4586,7 @@
         <a:buFontTx/>
         <a:buNone/>
         <a:tabLst/>
-        <a:defRPr sz="8400" b="0" i="0" u="none" strike="noStrike" cap="none" spc="-84" baseline="0">
+        <a:defRPr b="0" baseline="0" cap="none" i="0" spc="-84" strike="noStrike" sz="8400" u="none">
           <a:solidFill>
             <a:srgbClr val="000000"/>
           </a:solidFill>
@@ -4593,7 +4612,7 @@
         <a:buFontTx/>
         <a:buNone/>
         <a:tabLst/>
-        <a:defRPr sz="8400" b="0" i="0" u="none" strike="noStrike" cap="none" spc="-84" baseline="0">
+        <a:defRPr b="0" baseline="0" cap="none" i="0" spc="-84" strike="noStrike" sz="8400" u="none">
           <a:solidFill>
             <a:srgbClr val="000000"/>
           </a:solidFill>
@@ -4621,7 +4640,7 @@
         <a:buFontTx/>
         <a:buChar char="•"/>
         <a:tabLst/>
-        <a:defRPr sz="4400" b="0" i="0" u="none" strike="noStrike" cap="none" spc="0" baseline="0">
+        <a:defRPr b="0" baseline="0" cap="none" i="0" spc="0" strike="noStrike" sz="4400" u="none">
           <a:solidFill>
             <a:srgbClr val="000000"/>
           </a:solidFill>
@@ -4647,7 +4666,7 @@
         <a:buFontTx/>
         <a:buChar char="•"/>
         <a:tabLst/>
-        <a:defRPr sz="4400" b="0" i="0" u="none" strike="noStrike" cap="none" spc="0" baseline="0">
+        <a:defRPr b="0" baseline="0" cap="none" i="0" spc="0" strike="noStrike" sz="4400" u="none">
           <a:solidFill>
             <a:srgbClr val="000000"/>
           </a:solidFill>
@@ -4673,7 +4692,7 @@
         <a:buFontTx/>
         <a:buChar char="•"/>
         <a:tabLst/>
-        <a:defRPr sz="4400" b="0" i="0" u="none" strike="noStrike" cap="none" spc="0" baseline="0">
+        <a:defRPr b="0" baseline="0" cap="none" i="0" spc="0" strike="noStrike" sz="4400" u="none">
           <a:solidFill>
             <a:srgbClr val="000000"/>
           </a:solidFill>
@@ -4699,7 +4718,7 @@
         <a:buFontTx/>
         <a:buChar char="•"/>
         <a:tabLst/>
-        <a:defRPr sz="4400" b="0" i="0" u="none" strike="noStrike" cap="none" spc="0" baseline="0">
+        <a:defRPr b="0" baseline="0" cap="none" i="0" spc="0" strike="noStrike" sz="4400" u="none">
           <a:solidFill>
             <a:srgbClr val="000000"/>
           </a:solidFill>
@@ -4725,7 +4744,7 @@
         <a:buFontTx/>
         <a:buChar char="•"/>
         <a:tabLst/>
-        <a:defRPr sz="4400" b="0" i="0" u="none" strike="noStrike" cap="none" spc="0" baseline="0">
+        <a:defRPr b="0" baseline="0" cap="none" i="0" spc="0" strike="noStrike" sz="4400" u="none">
           <a:solidFill>
             <a:srgbClr val="000000"/>
           </a:solidFill>
@@ -4751,7 +4770,7 @@
         <a:buFontTx/>
         <a:buChar char="•"/>
         <a:tabLst/>
-        <a:defRPr sz="4400" b="0" i="0" u="none" strike="noStrike" cap="none" spc="0" baseline="0">
+        <a:defRPr b="0" baseline="0" cap="none" i="0" spc="0" strike="noStrike" sz="4400" u="none">
           <a:solidFill>
             <a:srgbClr val="000000"/>
           </a:solidFill>
@@ -4777,7 +4796,7 @@
         <a:buFontTx/>
         <a:buChar char="•"/>
         <a:tabLst/>
-        <a:defRPr sz="4400" b="0" i="0" u="none" strike="noStrike" cap="none" spc="0" baseline="0">
+        <a:defRPr b="0" baseline="0" cap="none" i="0" spc="0" strike="noStrike" sz="4400" u="none">
           <a:solidFill>
             <a:srgbClr val="000000"/>
           </a:solidFill>
@@ -4803,7 +4822,7 @@
         <a:buFontTx/>
         <a:buChar char="•"/>
         <a:tabLst/>
-        <a:defRPr sz="4400" b="0" i="0" u="none" strike="noStrike" cap="none" spc="0" baseline="0">
+        <a:defRPr b="0" baseline="0" cap="none" i="0" spc="0" strike="noStrike" sz="4400" u="none">
           <a:solidFill>
             <a:srgbClr val="000000"/>
           </a:solidFill>
@@ -4829,7 +4848,7 @@
         <a:buFontTx/>
         <a:buChar char="•"/>
         <a:tabLst/>
-        <a:defRPr sz="4400" b="0" i="0" u="none" strike="noStrike" cap="none" spc="0" baseline="0">
+        <a:defRPr b="0" baseline="0" cap="none" i="0" spc="0" strike="noStrike" sz="4400" u="none">
           <a:solidFill>
             <a:srgbClr val="000000"/>
           </a:solidFill>
@@ -4857,7 +4876,7 @@
         <a:buFontTx/>
         <a:buNone/>
         <a:tabLst/>
-        <a:defRPr sz="2000" b="0" i="0" u="none" strike="noStrike" cap="none" spc="0" baseline="0">
+        <a:defRPr b="0" baseline="0" cap="none" i="0" spc="0" strike="noStrike" sz="2000" u="none">
           <a:solidFill>
             <a:schemeClr val="tx1"/>
           </a:solidFill>
@@ -4883,7 +4902,7 @@
         <a:buFontTx/>
         <a:buNone/>
         <a:tabLst/>
-        <a:defRPr sz="2000" b="0" i="0" u="none" strike="noStrike" cap="none" spc="0" baseline="0">
+        <a:defRPr b="0" baseline="0" cap="none" i="0" spc="0" strike="noStrike" sz="2000" u="none">
           <a:solidFill>
             <a:schemeClr val="tx1"/>
           </a:solidFill>
@@ -4909,7 +4928,7 @@
         <a:buFontTx/>
         <a:buNone/>
         <a:tabLst/>
-        <a:defRPr sz="2000" b="0" i="0" u="none" strike="noStrike" cap="none" spc="0" baseline="0">
+        <a:defRPr b="0" baseline="0" cap="none" i="0" spc="0" strike="noStrike" sz="2000" u="none">
           <a:solidFill>
             <a:schemeClr val="tx1"/>
           </a:solidFill>
@@ -4935,7 +4954,7 @@
         <a:buFontTx/>
         <a:buNone/>
         <a:tabLst/>
-        <a:defRPr sz="2000" b="0" i="0" u="none" strike="noStrike" cap="none" spc="0" baseline="0">
+        <a:defRPr b="0" baseline="0" cap="none" i="0" spc="0" strike="noStrike" sz="2000" u="none">
           <a:solidFill>
             <a:schemeClr val="tx1"/>
           </a:solidFill>
@@ -4961,7 +4980,7 @@
         <a:buFontTx/>
         <a:buNone/>
         <a:tabLst/>
-        <a:defRPr sz="2000" b="0" i="0" u="none" strike="noStrike" cap="none" spc="0" baseline="0">
+        <a:defRPr b="0" baseline="0" cap="none" i="0" spc="0" strike="noStrike" sz="2000" u="none">
           <a:solidFill>
             <a:schemeClr val="tx1"/>
           </a:solidFill>
@@ -4987,7 +5006,7 @@
         <a:buFontTx/>
         <a:buNone/>
         <a:tabLst/>
-        <a:defRPr sz="2000" b="0" i="0" u="none" strike="noStrike" cap="none" spc="0" baseline="0">
+        <a:defRPr b="0" baseline="0" cap="none" i="0" spc="0" strike="noStrike" sz="2000" u="none">
           <a:solidFill>
             <a:schemeClr val="tx1"/>
           </a:solidFill>
@@ -5013,7 +5032,7 @@
         <a:buFontTx/>
         <a:buNone/>
         <a:tabLst/>
-        <a:defRPr sz="2000" b="0" i="0" u="none" strike="noStrike" cap="none" spc="0" baseline="0">
+        <a:defRPr b="0" baseline="0" cap="none" i="0" spc="0" strike="noStrike" sz="2000" u="none">
           <a:solidFill>
             <a:schemeClr val="tx1"/>
           </a:solidFill>
@@ -5039,7 +5058,7 @@
         <a:buFontTx/>
         <a:buNone/>
         <a:tabLst/>
-        <a:defRPr sz="2000" b="0" i="0" u="none" strike="noStrike" cap="none" spc="0" baseline="0">
+        <a:defRPr b="0" baseline="0" cap="none" i="0" spc="0" strike="noStrike" sz="2000" u="none">
           <a:solidFill>
             <a:schemeClr val="tx1"/>
           </a:solidFill>
@@ -5065,7 +5084,7 @@
         <a:buFontTx/>
         <a:buNone/>
         <a:tabLst/>
-        <a:defRPr sz="2000" b="0" i="0" u="none" strike="noStrike" cap="none" spc="0" baseline="0">
+        <a:defRPr b="0" baseline="0" cap="none" i="0" spc="0" strike="noStrike" sz="2000" u="none">
           <a:solidFill>
             <a:schemeClr val="tx1"/>
           </a:solidFill>
@@ -5082,7 +5101,7 @@
 </file>
 
 <file path=ppt/slides/slide1.xml><?xml version="1.0" encoding="utf-8"?>
-<p:sld xmlns:a="http://schemas.openxmlformats.org/drawingml/2006/main" xmlns:r="http://schemas.openxmlformats.org/officeDocument/2006/relationships" xmlns:p="http://schemas.openxmlformats.org/presentationml/2006/main">
+<p:sld xmlns:a="http://schemas.openxmlformats.org/drawingml/2006/main" xmlns:r="http://schemas.openxmlformats.org/officeDocument/2006/relationships" xmlns:p="http://schemas.openxmlformats.org/presentationml/2006/main" xmlns:m="http://schemas.openxmlformats.org/officeDocument/2006/math" xmlns:a14="http://schemas.microsoft.com/office/drawing/2010/main" showMasterSp="1" showMasterPhAnim="1">
   <p:cSld>
     <p:spTree>
       <p:nvGrpSpPr>
@@ -5101,9 +5120,7 @@
       <p:sp>
         <p:nvSpPr>
           <p:cNvPr id="151" name="AMC vs Cinemark"/>
-          <p:cNvSpPr txBox="1">
-            <a:spLocks noGrp="1"/>
-          </p:cNvSpPr>
+          <p:cNvSpPr txBox="1"/>
           <p:nvPr>
             <p:ph type="ctrTitle"/>
           </p:nvPr>
@@ -5117,8 +5134,8 @@
           <a:bodyPr/>
           <a:lstStyle/>
           <a:p>
-            <a:r>
-              <a:rPr dirty="0"/>
+            <a:pPr/>
+            <a:r>
               <a:t>AMC vs Cinemark</a:t>
             </a:r>
           </a:p>
@@ -5127,9 +5144,7 @@
       <p:sp>
         <p:nvSpPr>
           <p:cNvPr id="152" name="By Jake Guerrero"/>
-          <p:cNvSpPr txBox="1">
-            <a:spLocks noGrp="1"/>
-          </p:cNvSpPr>
+          <p:cNvSpPr txBox="1"/>
           <p:nvPr>
             <p:ph type="subTitle" sz="quarter" idx="1"/>
           </p:nvPr>
@@ -5143,6 +5158,7 @@
           <a:bodyPr/>
           <a:lstStyle/>
           <a:p>
+            <a:pPr/>
             <a:r>
               <a:t>By Jake Guerrero</a:t>
             </a:r>
@@ -5154,12 +5170,12 @@
   <p:clrMapOvr>
     <a:masterClrMapping/>
   </p:clrMapOvr>
-  <p:transition spd="med"/>
+  <p:transition xmlns:p14="http://schemas.microsoft.com/office/powerpoint/2010/main" spd="med" advClick="1"/>
 </p:sld>
 </file>
 
 <file path=ppt/slides/slide2.xml><?xml version="1.0" encoding="utf-8"?>
-<p:sld xmlns:a="http://schemas.openxmlformats.org/drawingml/2006/main" xmlns:r="http://schemas.openxmlformats.org/officeDocument/2006/relationships" xmlns:p="http://schemas.openxmlformats.org/presentationml/2006/main">
+<p:sld xmlns:a="http://schemas.openxmlformats.org/drawingml/2006/main" xmlns:r="http://schemas.openxmlformats.org/officeDocument/2006/relationships" xmlns:p="http://schemas.openxmlformats.org/presentationml/2006/main" xmlns:m="http://schemas.openxmlformats.org/officeDocument/2006/math" xmlns:a14="http://schemas.microsoft.com/office/drawing/2010/main" showMasterSp="1" showMasterPhAnim="1">
   <p:cSld>
     <p:spTree>
       <p:nvGrpSpPr>
@@ -5178,9 +5194,7 @@
       <p:sp>
         <p:nvSpPr>
           <p:cNvPr id="154" name="Admissions"/>
-          <p:cNvSpPr txBox="1">
-            <a:spLocks noGrp="1"/>
-          </p:cNvSpPr>
+          <p:cNvSpPr txBox="1"/>
           <p:nvPr>
             <p:ph type="title"/>
           </p:nvPr>
@@ -5194,8 +5208,8 @@
           <a:bodyPr/>
           <a:lstStyle/>
           <a:p>
-            <a:r>
-              <a:rPr dirty="0"/>
+            <a:pPr/>
+            <a:r>
               <a:t>Admissions</a:t>
             </a:r>
           </a:p>
@@ -5204,26 +5218,22 @@
       <p:sp>
         <p:nvSpPr>
           <p:cNvPr id="155" name="Admissions for Amc for the physical year of 2021 were set in 1394.2 million us dollars while, in 2022, 2201.4 million. Cinemark had 780 million in the end of the 2021 physical year, ending with 1246.9 million the next year."/>
-          <p:cNvSpPr txBox="1">
-            <a:spLocks noGrp="1"/>
-          </p:cNvSpPr>
+          <p:cNvSpPr txBox="1"/>
           <p:nvPr>
             <p:ph type="body" sz="half" idx="1"/>
           </p:nvPr>
         </p:nvSpPr>
         <p:spPr>
           <a:xfrm>
-            <a:off x="20205290" y="4013200"/>
-            <a:ext cx="2962487" cy="8483600"/>
+            <a:off x="14090285" y="4013200"/>
+            <a:ext cx="9077493" cy="8483600"/>
           </a:xfrm>
           <a:prstGeom prst="rect">
             <a:avLst/>
           </a:prstGeom>
         </p:spPr>
         <p:txBody>
-          <a:bodyPr>
-            <a:normAutofit fontScale="47500" lnSpcReduction="20000"/>
-          </a:bodyPr>
+          <a:bodyPr/>
           <a:lstStyle>
             <a:lvl1pPr marL="609600" indent="-609600" defTabSz="825500">
               <a:lnSpc>
@@ -5242,37 +5252,9 @@
             </a:lvl1pPr>
           </a:lstStyle>
           <a:p>
-            <a:r>
-              <a:rPr lang="en-US" dirty="0"/>
-              <a:t>Admissions is a part of the movie industry. AMC brought their ticket sales </a:t>
-            </a:r>
-            <a:r>
-              <a:rPr dirty="0"/>
-              <a:t>for  2021 were set in 1394.2 million </a:t>
-            </a:r>
-            <a:r>
-              <a:rPr lang="en-US" dirty="0"/>
-              <a:t>dollars </a:t>
-            </a:r>
-            <a:r>
-              <a:rPr dirty="0"/>
-              <a:t>while, in 2022, </a:t>
-            </a:r>
-            <a:r>
-              <a:rPr lang="en-US" dirty="0"/>
-              <a:t>they increased to </a:t>
-            </a:r>
-            <a:r>
-              <a:rPr dirty="0"/>
-              <a:t>2201.4 million. </a:t>
-            </a:r>
-            <a:r>
-              <a:rPr lang="en-US" dirty="0"/>
-              <a:t>On the other hand, </a:t>
-            </a:r>
-            <a:r>
-              <a:rPr dirty="0"/>
-              <a:t>Cinemark had 780 million in the end of the 2021 physical year, ending with 1246.9 million the next year.</a:t>
+            <a:pPr/>
+            <a:r>
+              <a:t>Admissions for Amc for the physical year of 2021 were set in 1394.2 million us dollars while, in 2022, 2201.4 million. Cinemark had 780 million in the end of the 2021 physical year, ending with 1246.9 million the next year.</a:t>
             </a:r>
           </a:p>
         </p:txBody>
@@ -5281,529 +5263,15 @@
         <p:nvGraphicFramePr>
           <p:cNvPr id="156" name="2D Column Chart"/>
           <p:cNvGraphicFramePr/>
-          <p:nvPr>
-            <p:extLst>
-              <p:ext uri="{D42A27DB-BD31-4B8C-83A1-F6EECF244321}">
-                <p14:modId xmlns:p14="http://schemas.microsoft.com/office/powerpoint/2010/main" val="963719763"/>
-              </p:ext>
-            </p:extLst>
-          </p:nvPr>
+          <p:nvPr/>
         </p:nvGraphicFramePr>
         <p:xfrm>
-          <a:off x="6418513" y="4369273"/>
-          <a:ext cx="11288879" cy="7078964"/>
+          <a:off x="490594" y="4527789"/>
+          <a:ext cx="12120602" cy="7910686"/>
         </p:xfrm>
-        <a:graphic>
+        <a:graphic xmlns:a="http://schemas.openxmlformats.org/drawingml/2006/main">
           <a:graphicData uri="http://schemas.openxmlformats.org/drawingml/2006/chart">
-            <c:chart xmlns:c="http://schemas.openxmlformats.org/drawingml/2006/chart" xmlns:r="http://schemas.openxmlformats.org/officeDocument/2006/relationships" r:id="rId3"/>
-          </a:graphicData>
-        </a:graphic>
-      </p:graphicFrame>
-      <p:graphicFrame>
-        <p:nvGraphicFramePr>
-          <p:cNvPr id="2" name="Table 2">
-            <a:extLst>
-              <a:ext uri="{FF2B5EF4-FFF2-40B4-BE49-F238E27FC236}">
-                <a16:creationId xmlns:a16="http://schemas.microsoft.com/office/drawing/2014/main" id="{689E179D-2E74-E227-315B-1B8E769C336A}"/>
-              </a:ext>
-            </a:extLst>
-          </p:cNvPr>
-          <p:cNvGraphicFramePr>
-            <a:graphicFrameLocks noGrp="1"/>
-          </p:cNvGraphicFramePr>
-          <p:nvPr>
-            <p:extLst>
-              <p:ext uri="{D42A27DB-BD31-4B8C-83A1-F6EECF244321}">
-                <p14:modId xmlns:p14="http://schemas.microsoft.com/office/powerpoint/2010/main" val="723290170"/>
-              </p:ext>
-            </p:extLst>
-          </p:nvPr>
-        </p:nvGraphicFramePr>
-        <p:xfrm>
-          <a:off x="8273657" y="4517398"/>
-          <a:ext cx="2288598" cy="396240"/>
-        </p:xfrm>
-        <a:graphic>
-          <a:graphicData uri="http://schemas.openxmlformats.org/drawingml/2006/table">
-            <a:tbl>
-              <a:tblPr firstRow="1" bandRow="1">
-                <a:tableStyleId>{5940675A-B579-460E-94D1-54222C63F5DA}</a:tableStyleId>
-              </a:tblPr>
-              <a:tblGrid>
-                <a:gridCol w="2288598">
-                  <a:extLst>
-                    <a:ext uri="{9D8B030D-6E8A-4147-A177-3AD203B41FA5}">
-                      <a16:colId xmlns:a16="http://schemas.microsoft.com/office/drawing/2014/main" val="3744446855"/>
-                    </a:ext>
-                  </a:extLst>
-                </a:gridCol>
-              </a:tblGrid>
-              <a:tr h="246102">
-                <a:tc>
-                  <a:txBody>
-                    <a:bodyPr/>
-                    <a:lstStyle/>
-                    <a:p>
-                      <a:r>
-                        <a:rPr lang="en-US" dirty="0">
-                          <a:solidFill>
-                            <a:schemeClr val="tx1"/>
-                          </a:solidFill>
-                        </a:rPr>
-                        <a:t>2021</a:t>
-                      </a:r>
-                    </a:p>
-                  </a:txBody>
-                  <a:tcPr>
-                    <a:lnL w="12700" cmpd="sng">
-                      <a:noFill/>
-                    </a:lnL>
-                    <a:lnR w="12700" cmpd="sng">
-                      <a:noFill/>
-                    </a:lnR>
-                    <a:lnT w="12700" cmpd="sng">
-                      <a:noFill/>
-                    </a:lnT>
-                    <a:lnB w="12700" cmpd="sng">
-                      <a:noFill/>
-                    </a:lnB>
-                    <a:lnTlToBr w="12700" cmpd="sng">
-                      <a:noFill/>
-                      <a:prstDash val="solid"/>
-                    </a:lnTlToBr>
-                    <a:lnBlToTr w="12700" cmpd="sng">
-                      <a:noFill/>
-                      <a:prstDash val="solid"/>
-                    </a:lnBlToTr>
-                  </a:tcPr>
-                </a:tc>
-                <a:extLst>
-                  <a:ext uri="{0D108BD9-81ED-4DB2-BD59-A6C34878D82A}">
-                    <a16:rowId xmlns:a16="http://schemas.microsoft.com/office/drawing/2014/main" val="4277426285"/>
-                  </a:ext>
-                </a:extLst>
-              </a:tr>
-            </a:tbl>
-          </a:graphicData>
-        </a:graphic>
-      </p:graphicFrame>
-      <p:graphicFrame>
-        <p:nvGraphicFramePr>
-          <p:cNvPr id="3" name="Table 2">
-            <a:extLst>
-              <a:ext uri="{FF2B5EF4-FFF2-40B4-BE49-F238E27FC236}">
-                <a16:creationId xmlns:a16="http://schemas.microsoft.com/office/drawing/2014/main" id="{EAE974B0-FF18-C8EE-845D-093E70D3AE76}"/>
-              </a:ext>
-            </a:extLst>
-          </p:cNvPr>
-          <p:cNvGraphicFramePr>
-            <a:graphicFrameLocks noGrp="1"/>
-          </p:cNvGraphicFramePr>
-          <p:nvPr>
-            <p:extLst>
-              <p:ext uri="{D42A27DB-BD31-4B8C-83A1-F6EECF244321}">
-                <p14:modId xmlns:p14="http://schemas.microsoft.com/office/powerpoint/2010/main" val="3276732043"/>
-              </p:ext>
-            </p:extLst>
-          </p:nvPr>
-        </p:nvGraphicFramePr>
-        <p:xfrm>
-          <a:off x="12849753" y="4517398"/>
-          <a:ext cx="2153332" cy="396240"/>
-        </p:xfrm>
-        <a:graphic>
-          <a:graphicData uri="http://schemas.openxmlformats.org/drawingml/2006/table">
-            <a:tbl>
-              <a:tblPr firstRow="1" bandRow="1">
-                <a:tableStyleId>{5940675A-B579-460E-94D1-54222C63F5DA}</a:tableStyleId>
-              </a:tblPr>
-              <a:tblGrid>
-                <a:gridCol w="2153332">
-                  <a:extLst>
-                    <a:ext uri="{9D8B030D-6E8A-4147-A177-3AD203B41FA5}">
-                      <a16:colId xmlns:a16="http://schemas.microsoft.com/office/drawing/2014/main" val="3744446855"/>
-                    </a:ext>
-                  </a:extLst>
-                </a:gridCol>
-              </a:tblGrid>
-              <a:tr h="301455">
-                <a:tc>
-                  <a:txBody>
-                    <a:bodyPr/>
-                    <a:lstStyle/>
-                    <a:p>
-                      <a:r>
-                        <a:rPr lang="en-US" dirty="0"/>
-                        <a:t>2021</a:t>
-                      </a:r>
-                    </a:p>
-                  </a:txBody>
-                  <a:tcPr>
-                    <a:lnL w="12700" cmpd="sng">
-                      <a:noFill/>
-                    </a:lnL>
-                    <a:lnR w="12700" cmpd="sng">
-                      <a:noFill/>
-                    </a:lnR>
-                    <a:lnT w="12700" cmpd="sng">
-                      <a:noFill/>
-                    </a:lnT>
-                    <a:lnB w="12700" cmpd="sng">
-                      <a:noFill/>
-                    </a:lnB>
-                    <a:lnTlToBr w="12700" cmpd="sng">
-                      <a:noFill/>
-                      <a:prstDash val="solid"/>
-                    </a:lnTlToBr>
-                    <a:lnBlToTr w="12700" cmpd="sng">
-                      <a:noFill/>
-                      <a:prstDash val="solid"/>
-                    </a:lnBlToTr>
-                  </a:tcPr>
-                </a:tc>
-                <a:extLst>
-                  <a:ext uri="{0D108BD9-81ED-4DB2-BD59-A6C34878D82A}">
-                    <a16:rowId xmlns:a16="http://schemas.microsoft.com/office/drawing/2014/main" val="4277426285"/>
-                  </a:ext>
-                </a:extLst>
-              </a:tr>
-            </a:tbl>
-          </a:graphicData>
-        </a:graphic>
-      </p:graphicFrame>
-      <p:graphicFrame>
-        <p:nvGraphicFramePr>
-          <p:cNvPr id="4" name="Table 2">
-            <a:extLst>
-              <a:ext uri="{FF2B5EF4-FFF2-40B4-BE49-F238E27FC236}">
-                <a16:creationId xmlns:a16="http://schemas.microsoft.com/office/drawing/2014/main" id="{10E24168-BB48-4E19-97C2-76C25C7AAB92}"/>
-              </a:ext>
-            </a:extLst>
-          </p:cNvPr>
-          <p:cNvGraphicFramePr>
-            <a:graphicFrameLocks noGrp="1"/>
-          </p:cNvGraphicFramePr>
-          <p:nvPr>
-            <p:extLst>
-              <p:ext uri="{D42A27DB-BD31-4B8C-83A1-F6EECF244321}">
-                <p14:modId xmlns:p14="http://schemas.microsoft.com/office/powerpoint/2010/main" val="1853308675"/>
-              </p:ext>
-            </p:extLst>
-          </p:nvPr>
-        </p:nvGraphicFramePr>
-        <p:xfrm>
-          <a:off x="10771555" y="4517398"/>
-          <a:ext cx="1194761" cy="396240"/>
-        </p:xfrm>
-        <a:graphic>
-          <a:graphicData uri="http://schemas.openxmlformats.org/drawingml/2006/table">
-            <a:tbl>
-              <a:tblPr firstRow="1" bandRow="1">
-                <a:tableStyleId>{5940675A-B579-460E-94D1-54222C63F5DA}</a:tableStyleId>
-              </a:tblPr>
-              <a:tblGrid>
-                <a:gridCol w="1194761">
-                  <a:extLst>
-                    <a:ext uri="{9D8B030D-6E8A-4147-A177-3AD203B41FA5}">
-                      <a16:colId xmlns:a16="http://schemas.microsoft.com/office/drawing/2014/main" val="3744446855"/>
-                    </a:ext>
-                  </a:extLst>
-                </a:gridCol>
-              </a:tblGrid>
-              <a:tr h="246102">
-                <a:tc>
-                  <a:txBody>
-                    <a:bodyPr/>
-                    <a:lstStyle/>
-                    <a:p>
-                      <a:r>
-                        <a:rPr lang="en-US" dirty="0"/>
-                        <a:t>2022</a:t>
-                      </a:r>
-                    </a:p>
-                  </a:txBody>
-                  <a:tcPr>
-                    <a:lnL w="12700" cmpd="sng">
-                      <a:noFill/>
-                    </a:lnL>
-                    <a:lnR w="12700" cmpd="sng">
-                      <a:noFill/>
-                    </a:lnR>
-                    <a:lnT w="12700" cmpd="sng">
-                      <a:noFill/>
-                    </a:lnT>
-                    <a:lnB w="12700" cmpd="sng">
-                      <a:noFill/>
-                    </a:lnB>
-                    <a:lnTlToBr w="12700" cmpd="sng">
-                      <a:noFill/>
-                      <a:prstDash val="solid"/>
-                    </a:lnTlToBr>
-                    <a:lnBlToTr w="12700" cmpd="sng">
-                      <a:noFill/>
-                      <a:prstDash val="solid"/>
-                    </a:lnBlToTr>
-                  </a:tcPr>
-                </a:tc>
-                <a:extLst>
-                  <a:ext uri="{0D108BD9-81ED-4DB2-BD59-A6C34878D82A}">
-                    <a16:rowId xmlns:a16="http://schemas.microsoft.com/office/drawing/2014/main" val="4277426285"/>
-                  </a:ext>
-                </a:extLst>
-              </a:tr>
-            </a:tbl>
-          </a:graphicData>
-        </a:graphic>
-      </p:graphicFrame>
-      <p:graphicFrame>
-        <p:nvGraphicFramePr>
-          <p:cNvPr id="5" name="Table 2">
-            <a:extLst>
-              <a:ext uri="{FF2B5EF4-FFF2-40B4-BE49-F238E27FC236}">
-                <a16:creationId xmlns:a16="http://schemas.microsoft.com/office/drawing/2014/main" id="{0E66E39D-2A99-92EA-A87B-FE0EE26CDE22}"/>
-              </a:ext>
-            </a:extLst>
-          </p:cNvPr>
-          <p:cNvGraphicFramePr>
-            <a:graphicFrameLocks noGrp="1"/>
-          </p:cNvGraphicFramePr>
-          <p:nvPr>
-            <p:extLst>
-              <p:ext uri="{D42A27DB-BD31-4B8C-83A1-F6EECF244321}">
-                <p14:modId xmlns:p14="http://schemas.microsoft.com/office/powerpoint/2010/main" val="937213841"/>
-              </p:ext>
-            </p:extLst>
-          </p:nvPr>
-        </p:nvGraphicFramePr>
-        <p:xfrm>
-          <a:off x="4561453" y="6341807"/>
-          <a:ext cx="1857060" cy="2979174"/>
-        </p:xfrm>
-        <a:graphic>
-          <a:graphicData uri="http://schemas.openxmlformats.org/drawingml/2006/table">
-            <a:tbl>
-              <a:tblPr firstRow="1" bandRow="1">
-                <a:tableStyleId>{5940675A-B579-460E-94D1-54222C63F5DA}</a:tableStyleId>
-              </a:tblPr>
-              <a:tblGrid>
-                <a:gridCol w="1857060">
-                  <a:extLst>
-                    <a:ext uri="{9D8B030D-6E8A-4147-A177-3AD203B41FA5}">
-                      <a16:colId xmlns:a16="http://schemas.microsoft.com/office/drawing/2014/main" val="3744446855"/>
-                    </a:ext>
-                  </a:extLst>
-                </a:gridCol>
-              </a:tblGrid>
-              <a:tr h="2979174">
-                <a:tc>
-                  <a:txBody>
-                    <a:bodyPr/>
-                    <a:lstStyle/>
-                    <a:p>
-                      <a:r>
-                        <a:rPr lang="en-US" sz="2400" dirty="0"/>
-                        <a:t>Numbers in millions</a:t>
-                      </a:r>
-                    </a:p>
-                  </a:txBody>
-                  <a:tcPr>
-                    <a:lnL w="12700" cmpd="sng">
-                      <a:noFill/>
-                    </a:lnL>
-                    <a:lnR w="12700" cmpd="sng">
-                      <a:noFill/>
-                    </a:lnR>
-                    <a:lnT w="12700" cmpd="sng">
-                      <a:noFill/>
-                    </a:lnT>
-                    <a:lnB w="12700" cmpd="sng">
-                      <a:noFill/>
-                    </a:lnB>
-                    <a:lnTlToBr w="12700" cmpd="sng">
-                      <a:noFill/>
-                      <a:prstDash val="solid"/>
-                    </a:lnTlToBr>
-                    <a:lnBlToTr w="12700" cmpd="sng">
-                      <a:noFill/>
-                      <a:prstDash val="solid"/>
-                    </a:lnBlToTr>
-                  </a:tcPr>
-                </a:tc>
-                <a:extLst>
-                  <a:ext uri="{0D108BD9-81ED-4DB2-BD59-A6C34878D82A}">
-                    <a16:rowId xmlns:a16="http://schemas.microsoft.com/office/drawing/2014/main" val="4277426285"/>
-                  </a:ext>
-                </a:extLst>
-              </a:tr>
-            </a:tbl>
-          </a:graphicData>
-        </a:graphic>
-      </p:graphicFrame>
-      <p:graphicFrame>
-        <p:nvGraphicFramePr>
-          <p:cNvPr id="7" name="Table 2">
-            <a:extLst>
-              <a:ext uri="{FF2B5EF4-FFF2-40B4-BE49-F238E27FC236}">
-                <a16:creationId xmlns:a16="http://schemas.microsoft.com/office/drawing/2014/main" id="{DBE386C6-E4F4-7260-5534-3A16CCEDB3AC}"/>
-              </a:ext>
-            </a:extLst>
-          </p:cNvPr>
-          <p:cNvGraphicFramePr>
-            <a:graphicFrameLocks noGrp="1"/>
-          </p:cNvGraphicFramePr>
-          <p:nvPr>
-            <p:extLst>
-              <p:ext uri="{D42A27DB-BD31-4B8C-83A1-F6EECF244321}">
-                <p14:modId xmlns:p14="http://schemas.microsoft.com/office/powerpoint/2010/main" val="1446361552"/>
-              </p:ext>
-            </p:extLst>
-          </p:nvPr>
-        </p:nvGraphicFramePr>
-        <p:xfrm>
-          <a:off x="15543355" y="4517398"/>
-          <a:ext cx="1623767" cy="396240"/>
-        </p:xfrm>
-        <a:graphic>
-          <a:graphicData uri="http://schemas.openxmlformats.org/drawingml/2006/table">
-            <a:tbl>
-              <a:tblPr firstRow="1" bandRow="1">
-                <a:tableStyleId>{5940675A-B579-460E-94D1-54222C63F5DA}</a:tableStyleId>
-              </a:tblPr>
-              <a:tblGrid>
-                <a:gridCol w="1623767">
-                  <a:extLst>
-                    <a:ext uri="{9D8B030D-6E8A-4147-A177-3AD203B41FA5}">
-                      <a16:colId xmlns:a16="http://schemas.microsoft.com/office/drawing/2014/main" val="3744446855"/>
-                    </a:ext>
-                  </a:extLst>
-                </a:gridCol>
-              </a:tblGrid>
-              <a:tr h="246102">
-                <a:tc>
-                  <a:txBody>
-                    <a:bodyPr/>
-                    <a:lstStyle/>
-                    <a:p>
-                      <a:r>
-                        <a:rPr lang="en-US" dirty="0"/>
-                        <a:t>2022</a:t>
-                      </a:r>
-                    </a:p>
-                  </a:txBody>
-                  <a:tcPr>
-                    <a:lnL w="12700" cmpd="sng">
-                      <a:noFill/>
-                    </a:lnL>
-                    <a:lnR w="12700" cmpd="sng">
-                      <a:noFill/>
-                    </a:lnR>
-                    <a:lnT w="12700" cmpd="sng">
-                      <a:noFill/>
-                    </a:lnT>
-                    <a:lnB w="12700" cmpd="sng">
-                      <a:noFill/>
-                    </a:lnB>
-                    <a:lnTlToBr w="12700" cmpd="sng">
-                      <a:noFill/>
-                      <a:prstDash val="solid"/>
-                    </a:lnTlToBr>
-                    <a:lnBlToTr w="12700" cmpd="sng">
-                      <a:noFill/>
-                      <a:prstDash val="solid"/>
-                    </a:lnBlToTr>
-                  </a:tcPr>
-                </a:tc>
-                <a:extLst>
-                  <a:ext uri="{0D108BD9-81ED-4DB2-BD59-A6C34878D82A}">
-                    <a16:rowId xmlns:a16="http://schemas.microsoft.com/office/drawing/2014/main" val="4277426285"/>
-                  </a:ext>
-                </a:extLst>
-              </a:tr>
-            </a:tbl>
-          </a:graphicData>
-        </a:graphic>
-      </p:graphicFrame>
-      <p:graphicFrame>
-        <p:nvGraphicFramePr>
-          <p:cNvPr id="6" name="Table 7">
-            <a:extLst>
-              <a:ext uri="{FF2B5EF4-FFF2-40B4-BE49-F238E27FC236}">
-                <a16:creationId xmlns:a16="http://schemas.microsoft.com/office/drawing/2014/main" id="{2B21904E-1730-1D14-C156-81BE47FED81D}"/>
-              </a:ext>
-            </a:extLst>
-          </p:cNvPr>
-          <p:cNvGraphicFramePr>
-            <a:graphicFrameLocks noGrp="1"/>
-          </p:cNvGraphicFramePr>
-          <p:nvPr>
-            <p:extLst>
-              <p:ext uri="{D42A27DB-BD31-4B8C-83A1-F6EECF244321}">
-                <p14:modId xmlns:p14="http://schemas.microsoft.com/office/powerpoint/2010/main" val="590414733"/>
-              </p:ext>
-            </p:extLst>
-          </p:nvPr>
-        </p:nvGraphicFramePr>
-        <p:xfrm>
-          <a:off x="4064000" y="3951551"/>
-          <a:ext cx="16256000" cy="470302"/>
-        </p:xfrm>
-        <a:graphic>
-          <a:graphicData uri="http://schemas.openxmlformats.org/drawingml/2006/table">
-            <a:tbl>
-              <a:tblPr firstRow="1" bandRow="1">
-                <a:tableStyleId>{5940675A-B579-460E-94D1-54222C63F5DA}</a:tableStyleId>
-              </a:tblPr>
-              <a:tblGrid>
-                <a:gridCol w="16256000">
-                  <a:extLst>
-                    <a:ext uri="{9D8B030D-6E8A-4147-A177-3AD203B41FA5}">
-                      <a16:colId xmlns:a16="http://schemas.microsoft.com/office/drawing/2014/main" val="3109325396"/>
-                    </a:ext>
-                  </a:extLst>
-                </a:gridCol>
-              </a:tblGrid>
-              <a:tr h="470302">
-                <a:tc>
-                  <a:txBody>
-                    <a:bodyPr/>
-                    <a:lstStyle/>
-                    <a:p>
-                      <a:r>
-                        <a:rPr lang="en-US" dirty="0"/>
-                        <a:t>Admissions</a:t>
-                      </a:r>
-                    </a:p>
-                  </a:txBody>
-                  <a:tcPr>
-                    <a:lnL w="12700" cmpd="sng">
-                      <a:noFill/>
-                    </a:lnL>
-                    <a:lnR w="12700" cmpd="sng">
-                      <a:noFill/>
-                    </a:lnR>
-                    <a:lnT w="12700" cmpd="sng">
-                      <a:noFill/>
-                    </a:lnT>
-                    <a:lnB w="12700" cmpd="sng">
-                      <a:noFill/>
-                    </a:lnB>
-                    <a:lnTlToBr w="12700" cmpd="sng">
-                      <a:noFill/>
-                      <a:prstDash val="solid"/>
-                    </a:lnTlToBr>
-                    <a:lnBlToTr w="12700" cmpd="sng">
-                      <a:noFill/>
-                      <a:prstDash val="solid"/>
-                    </a:lnBlToTr>
-                  </a:tcPr>
-                </a:tc>
-                <a:extLst>
-                  <a:ext uri="{0D108BD9-81ED-4DB2-BD59-A6C34878D82A}">
-                    <a16:rowId xmlns:a16="http://schemas.microsoft.com/office/drawing/2014/main" val="1450907459"/>
-                  </a:ext>
-                </a:extLst>
-              </a:tr>
-            </a:tbl>
+            <c:chart xmlns:c="http://schemas.openxmlformats.org/drawingml/2006/chart" r:id="rId2"/>
           </a:graphicData>
         </a:graphic>
       </p:graphicFrame>
@@ -5812,12 +5280,12 @@
   <p:clrMapOvr>
     <a:masterClrMapping/>
   </p:clrMapOvr>
-  <p:transition spd="med"/>
+  <p:transition xmlns:p14="http://schemas.microsoft.com/office/powerpoint/2010/main" spd="med" advClick="1"/>
 </p:sld>
 </file>
 
 <file path=ppt/slides/slide3.xml><?xml version="1.0" encoding="utf-8"?>
-<p:sld xmlns:a="http://schemas.openxmlformats.org/drawingml/2006/main" xmlns:r="http://schemas.openxmlformats.org/officeDocument/2006/relationships" xmlns:p="http://schemas.openxmlformats.org/presentationml/2006/main">
+<p:sld xmlns:a="http://schemas.openxmlformats.org/drawingml/2006/main" xmlns:r="http://schemas.openxmlformats.org/officeDocument/2006/relationships" xmlns:p="http://schemas.openxmlformats.org/presentationml/2006/main" xmlns:m="http://schemas.openxmlformats.org/officeDocument/2006/math" xmlns:a14="http://schemas.microsoft.com/office/drawing/2010/main" showMasterSp="1" showMasterPhAnim="1">
   <p:cSld>
     <p:spTree>
       <p:nvGrpSpPr>
@@ -5836,9 +5304,7 @@
       <p:sp>
         <p:nvSpPr>
           <p:cNvPr id="158" name="Concessions"/>
-          <p:cNvSpPr txBox="1">
-            <a:spLocks noGrp="1"/>
-          </p:cNvSpPr>
+          <p:cNvSpPr txBox="1"/>
           <p:nvPr>
             <p:ph type="title"/>
           </p:nvPr>
@@ -5852,8 +5318,8 @@
           <a:bodyPr/>
           <a:lstStyle/>
           <a:p>
-            <a:r>
-              <a:rPr dirty="0"/>
+            <a:pPr/>
+            <a:r>
               <a:t>Concessions</a:t>
             </a:r>
           </a:p>
@@ -5862,9 +5328,7 @@
       <p:sp>
         <p:nvSpPr>
           <p:cNvPr id="159" name="When we looked into the concession stands of both theaters, we that AMC had 857.3 million in 2021, while in 2022, it increased to 1,313 million. In Cinemark theaters, they brought up 561.7 million in 2021 while the next year was 938.3 million."/>
-          <p:cNvSpPr txBox="1">
-            <a:spLocks noGrp="1"/>
-          </p:cNvSpPr>
+          <p:cNvSpPr txBox="1"/>
           <p:nvPr>
             <p:ph type="body" sz="half" idx="1"/>
           </p:nvPr>
@@ -5898,49 +5362,9 @@
             </a:lvl1pPr>
           </a:lstStyle>
           <a:p>
-            <a:r>
-              <a:rPr dirty="0"/>
-              <a:t>When </a:t>
-            </a:r>
-            <a:r>
-              <a:rPr lang="en-US" dirty="0"/>
-              <a:t>investigating</a:t>
-            </a:r>
-            <a:r>
-              <a:rPr dirty="0"/>
-              <a:t> the concession stand</a:t>
-            </a:r>
-            <a:r>
-              <a:rPr lang="en-US" dirty="0"/>
-              <a:t> pricing</a:t>
-            </a:r>
-            <a:r>
-              <a:rPr dirty="0"/>
-              <a:t> </a:t>
-            </a:r>
-            <a:r>
-              <a:rPr lang="en-US" dirty="0"/>
-              <a:t>for</a:t>
-            </a:r>
-            <a:r>
-              <a:rPr dirty="0"/>
-              <a:t> both theaters, </a:t>
-            </a:r>
-            <a:r>
-              <a:rPr lang="en-US" dirty="0"/>
-              <a:t>it showed</a:t>
-            </a:r>
-            <a:r>
-              <a:rPr dirty="0"/>
-              <a:t> that AMC had 857.3 million in 2021, while in 2022, </a:t>
-            </a:r>
-            <a:r>
-              <a:rPr lang="en-US" dirty="0"/>
-              <a:t>increasing </a:t>
-            </a:r>
-            <a:r>
-              <a:rPr dirty="0"/>
-              <a:t>to 1,313 million. In Cinemark theaters, they brought up 561.7 million in 2021 while the next year was 938.3 million.</a:t>
+            <a:pPr/>
+            <a:r>
+              <a:t>When we looked into the concession stands of both theaters, we that AMC had 857.3 million in 2021, while in 2022, it increased to 1,313 million. In Cinemark theaters, they brought up 561.7 million in 2021 while the next year was 938.3 million.</a:t>
             </a:r>
           </a:p>
         </p:txBody>
@@ -5952,12 +5376,12 @@
           <p:nvPr/>
         </p:nvGraphicFramePr>
         <p:xfrm>
-          <a:off x="349819" y="5218741"/>
-          <a:ext cx="8325574" cy="7078963"/>
+          <a:off x="2600233" y="5043176"/>
+          <a:ext cx="9157297" cy="7910686"/>
         </p:xfrm>
-        <a:graphic>
+        <a:graphic xmlns:a="http://schemas.openxmlformats.org/drawingml/2006/main">
           <a:graphicData uri="http://schemas.openxmlformats.org/drawingml/2006/chart">
-            <c:chart xmlns:c="http://schemas.openxmlformats.org/drawingml/2006/chart" xmlns:r="http://schemas.openxmlformats.org/officeDocument/2006/relationships" r:id="rId3"/>
+            <c:chart xmlns:c="http://schemas.openxmlformats.org/drawingml/2006/chart" r:id="rId2"/>
           </a:graphicData>
         </a:graphic>
       </p:graphicFrame>
@@ -5966,12 +5390,12 @@
   <p:clrMapOvr>
     <a:masterClrMapping/>
   </p:clrMapOvr>
-  <p:transition spd="med"/>
+  <p:transition xmlns:p14="http://schemas.microsoft.com/office/powerpoint/2010/main" spd="med" advClick="1"/>
 </p:sld>
 </file>
 
 <file path=ppt/slides/slide4.xml><?xml version="1.0" encoding="utf-8"?>
-<p:sld xmlns:a="http://schemas.openxmlformats.org/drawingml/2006/main" xmlns:r="http://schemas.openxmlformats.org/officeDocument/2006/relationships" xmlns:p="http://schemas.openxmlformats.org/presentationml/2006/main">
+<p:sld xmlns:a="http://schemas.openxmlformats.org/drawingml/2006/main" xmlns:r="http://schemas.openxmlformats.org/officeDocument/2006/relationships" xmlns:p="http://schemas.openxmlformats.org/presentationml/2006/main" xmlns:m="http://schemas.openxmlformats.org/officeDocument/2006/math" xmlns:a14="http://schemas.microsoft.com/office/drawing/2010/main" showMasterSp="1" showMasterPhAnim="1">
   <p:cSld>
     <p:spTree>
       <p:nvGrpSpPr>
@@ -5990,9 +5414,7 @@
       <p:sp>
         <p:nvSpPr>
           <p:cNvPr id="162" name="Other"/>
-          <p:cNvSpPr txBox="1">
-            <a:spLocks noGrp="1"/>
-          </p:cNvSpPr>
+          <p:cNvSpPr txBox="1"/>
           <p:nvPr>
             <p:ph type="title"/>
           </p:nvPr>
@@ -6006,8 +5428,8 @@
           <a:bodyPr/>
           <a:lstStyle/>
           <a:p>
-            <a:r>
-              <a:rPr dirty="0"/>
+            <a:pPr/>
+            <a:r>
               <a:t>Other</a:t>
             </a:r>
           </a:p>
@@ -6016,26 +5438,22 @@
       <p:sp>
         <p:nvSpPr>
           <p:cNvPr id="163" name="AMC and . AMC brought 276.4 million in 2021 and brought 396.3 million the following year. Cinemark had 73.6 million in 2021 and had 69.4 million the following year."/>
-          <p:cNvSpPr txBox="1">
-            <a:spLocks noGrp="1"/>
-          </p:cNvSpPr>
+          <p:cNvSpPr txBox="1"/>
           <p:nvPr>
             <p:ph type="body" sz="half" idx="1"/>
           </p:nvPr>
         </p:nvSpPr>
         <p:spPr>
           <a:xfrm>
-            <a:off x="19948358" y="4013200"/>
-            <a:ext cx="3219419" cy="8483600"/>
+            <a:off x="12822356" y="4013200"/>
+            <a:ext cx="10345421" cy="8483600"/>
           </a:xfrm>
           <a:prstGeom prst="rect">
             <a:avLst/>
           </a:prstGeom>
         </p:spPr>
         <p:txBody>
-          <a:bodyPr>
-            <a:normAutofit fontScale="47500" lnSpcReduction="20000"/>
-          </a:bodyPr>
+          <a:bodyPr/>
           <a:lstStyle>
             <a:lvl1pPr marL="609600" indent="-609600" defTabSz="825500">
               <a:lnSpc>
@@ -6054,17 +5472,9 @@
             </a:lvl1pPr>
           </a:lstStyle>
           <a:p>
-            <a:r>
-              <a:rPr dirty="0"/>
-              <a:t>AMC and </a:t>
-            </a:r>
-            <a:r>
-              <a:rPr lang="en-US" dirty="0"/>
-              <a:t>Cinemark did not just have revenue based on the food, drinks and ticket sales. This chart shows how much money both companies made, in millions, from other things the companies sold</a:t>
-            </a:r>
-            <a:r>
-              <a:rPr dirty="0"/>
-              <a:t>. AMC brought 276.4 million in 2021 and brought 396.3 million the following year. Cinemark had 73.6 million in 2021 and had 69.4 million the following year.</a:t>
+            <a:pPr/>
+            <a:r>
+              <a:t>AMC and . AMC brought 276.4 million in 2021 and brought 396.3 million the following year. Cinemark had 73.6 million in 2021 and had 69.4 million the following year.</a:t>
             </a:r>
           </a:p>
         </p:txBody>
@@ -6073,34 +5483,28 @@
         <p:nvGraphicFramePr>
           <p:cNvPr id="164" name="2D Column Chart"/>
           <p:cNvGraphicFramePr/>
-          <p:nvPr>
-            <p:extLst>
-              <p:ext uri="{D42A27DB-BD31-4B8C-83A1-F6EECF244321}">
-                <p14:modId xmlns:p14="http://schemas.microsoft.com/office/powerpoint/2010/main" val="3852842087"/>
-              </p:ext>
-            </p:extLst>
-          </p:nvPr>
+          <p:nvPr/>
         </p:nvGraphicFramePr>
         <p:xfrm>
-          <a:off x="7486267" y="4715518"/>
-          <a:ext cx="11064775" cy="7078964"/>
+          <a:off x="-80822" y="4715518"/>
+          <a:ext cx="11896497" cy="7910686"/>
         </p:xfrm>
-        <a:graphic>
+        <a:graphic xmlns:a="http://schemas.openxmlformats.org/drawingml/2006/main">
           <a:graphicData uri="http://schemas.openxmlformats.org/drawingml/2006/chart">
-            <c:chart xmlns:c="http://schemas.openxmlformats.org/drawingml/2006/chart" xmlns:r="http://schemas.openxmlformats.org/officeDocument/2006/relationships" r:id="rId3"/>
+            <c:chart xmlns:c="http://schemas.openxmlformats.org/drawingml/2006/chart" r:id="rId2"/>
           </a:graphicData>
         </a:graphic>
       </p:graphicFrame>
       <p:sp>
         <p:nvSpPr>
-          <p:cNvPr id="165" name="In millions"/>
+          <p:cNvPr id="165" name="2021"/>
           <p:cNvSpPr txBox="1"/>
           <p:nvPr/>
         </p:nvSpPr>
         <p:spPr>
           <a:xfrm>
-            <a:off x="5832958" y="7171655"/>
-            <a:ext cx="1302334" cy="767390"/>
+            <a:off x="2025466" y="4395773"/>
+            <a:ext cx="673914" cy="555753"/>
           </a:xfrm>
           <a:prstGeom prst="rect">
             <a:avLst/>
@@ -6110,19 +5514,19 @@
           </a:ln>
           <a:extLst>
             <a:ext uri="{C572A759-6A51-4108-AA02-DFA0A04FC94B}">
-              <ma14:wrappingTextBoxFlag xmlns:ma14="http://schemas.microsoft.com/office/mac/drawingml/2011/main" xmlns:a14="http://schemas.microsoft.com/office/drawing/2010/main" xmlns:m="http://schemas.openxmlformats.org/officeDocument/2006/math" xmlns="" val="1"/>
+              <ma14:wrappingTextBoxFlag xmlns:ma14="http://schemas.microsoft.com/office/mac/drawingml/2011/main" val="1"/>
             </a:ext>
           </a:extLst>
         </p:spPr>
         <p:txBody>
-          <a:bodyPr wrap="square" lIns="50800" tIns="50800" rIns="50800" bIns="50800" anchor="ctr">
+          <a:bodyPr wrap="none" lIns="50800" tIns="50800" rIns="50800" bIns="50800" anchor="ctr">
             <a:spAutoFit/>
           </a:bodyPr>
           <a:lstStyle/>
           <a:p>
-            <a:r>
-              <a:rPr dirty="0"/>
-              <a:t>In millions</a:t>
+            <a:pPr/>
+            <a:r>
+              <a:t>2021</a:t>
             </a:r>
           </a:p>
         </p:txBody>
@@ -6135,43 +5539,7 @@
         </p:nvSpPr>
         <p:spPr>
           <a:xfrm>
-            <a:off x="9558820" y="4565765"/>
-            <a:ext cx="673913" cy="555753"/>
-          </a:xfrm>
-          <a:prstGeom prst="rect">
-            <a:avLst/>
-          </a:prstGeom>
-          <a:ln w="12700">
-            <a:miter lim="400000"/>
-          </a:ln>
-          <a:extLst>
-            <a:ext uri="{C572A759-6A51-4108-AA02-DFA0A04FC94B}">
-              <ma14:wrappingTextBoxFlag xmlns:ma14="http://schemas.microsoft.com/office/mac/drawingml/2011/main" xmlns:a14="http://schemas.microsoft.com/office/drawing/2010/main" xmlns:m="http://schemas.openxmlformats.org/officeDocument/2006/math" xmlns="" val="1"/>
-            </a:ext>
-          </a:extLst>
-        </p:spPr>
-        <p:txBody>
-          <a:bodyPr wrap="none" lIns="50800" tIns="50800" rIns="50800" bIns="50800" anchor="ctr">
-            <a:spAutoFit/>
-          </a:bodyPr>
-          <a:lstStyle/>
-          <a:p>
-            <a:r>
-              <a:rPr dirty="0"/>
-              <a:t>2021</a:t>
-            </a:r>
-          </a:p>
-        </p:txBody>
-      </p:sp>
-      <p:sp>
-        <p:nvSpPr>
-          <p:cNvPr id="167" name="2021"/>
-          <p:cNvSpPr txBox="1"/>
-          <p:nvPr/>
-        </p:nvSpPr>
-        <p:spPr>
-          <a:xfrm>
-            <a:off x="14622326" y="4565766"/>
+            <a:off x="4835418" y="4395773"/>
             <a:ext cx="673914" cy="555753"/>
           </a:xfrm>
           <a:prstGeom prst="rect">
@@ -6182,7 +5550,7 @@
           </a:ln>
           <a:extLst>
             <a:ext uri="{C572A759-6A51-4108-AA02-DFA0A04FC94B}">
-              <ma14:wrappingTextBoxFlag xmlns:ma14="http://schemas.microsoft.com/office/mac/drawingml/2011/main" xmlns:a14="http://schemas.microsoft.com/office/drawing/2010/main" xmlns:m="http://schemas.openxmlformats.org/officeDocument/2006/math" xmlns="" val="1"/>
+              <ma14:wrappingTextBoxFlag xmlns:ma14="http://schemas.microsoft.com/office/mac/drawingml/2011/main" val="1"/>
             </a:ext>
           </a:extLst>
         </p:spPr>
@@ -6192,9 +5560,45 @@
           </a:bodyPr>
           <a:lstStyle/>
           <a:p>
-            <a:r>
-              <a:rPr dirty="0"/>
+            <a:pPr/>
+            <a:r>
               <a:t>2021</a:t>
+            </a:r>
+          </a:p>
+        </p:txBody>
+      </p:sp>
+      <p:sp>
+        <p:nvSpPr>
+          <p:cNvPr id="167" name="2022"/>
+          <p:cNvSpPr txBox="1"/>
+          <p:nvPr/>
+        </p:nvSpPr>
+        <p:spPr>
+          <a:xfrm>
+            <a:off x="3235867" y="4395773"/>
+            <a:ext cx="722377" cy="555753"/>
+          </a:xfrm>
+          <a:prstGeom prst="rect">
+            <a:avLst/>
+          </a:prstGeom>
+          <a:ln w="12700">
+            <a:miter lim="400000"/>
+          </a:ln>
+          <a:extLst>
+            <a:ext uri="{C572A759-6A51-4108-AA02-DFA0A04FC94B}">
+              <ma14:wrappingTextBoxFlag xmlns:ma14="http://schemas.microsoft.com/office/mac/drawingml/2011/main" val="1"/>
+            </a:ext>
+          </a:extLst>
+        </p:spPr>
+        <p:txBody>
+          <a:bodyPr wrap="none" lIns="50800" tIns="50800" rIns="50800" bIns="50800" anchor="ctr">
+            <a:spAutoFit/>
+          </a:bodyPr>
+          <a:lstStyle/>
+          <a:p>
+            <a:pPr/>
+            <a:r>
+              <a:t>2022</a:t>
             </a:r>
           </a:p>
         </p:txBody>
@@ -6207,43 +5611,7 @@
         </p:nvSpPr>
         <p:spPr>
           <a:xfrm>
-            <a:off x="11978559" y="4565766"/>
-            <a:ext cx="722377" cy="434991"/>
-          </a:xfrm>
-          <a:prstGeom prst="rect">
-            <a:avLst/>
-          </a:prstGeom>
-          <a:ln w="12700">
-            <a:miter lim="400000"/>
-          </a:ln>
-          <a:extLst>
-            <a:ext uri="{C572A759-6A51-4108-AA02-DFA0A04FC94B}">
-              <ma14:wrappingTextBoxFlag xmlns:ma14="http://schemas.microsoft.com/office/mac/drawingml/2011/main" xmlns:a14="http://schemas.microsoft.com/office/drawing/2010/main" xmlns:m="http://schemas.openxmlformats.org/officeDocument/2006/math" xmlns="" val="1"/>
-            </a:ext>
-          </a:extLst>
-        </p:spPr>
-        <p:txBody>
-          <a:bodyPr wrap="square" lIns="50800" tIns="50800" rIns="50800" bIns="50800" anchor="ctr">
-            <a:spAutoFit/>
-          </a:bodyPr>
-          <a:lstStyle/>
-          <a:p>
-            <a:r>
-              <a:rPr dirty="0"/>
-              <a:t>2022</a:t>
-            </a:r>
-          </a:p>
-        </p:txBody>
-      </p:sp>
-      <p:sp>
-        <p:nvSpPr>
-          <p:cNvPr id="169" name="2022"/>
-          <p:cNvSpPr txBox="1"/>
-          <p:nvPr/>
-        </p:nvSpPr>
-        <p:spPr>
-          <a:xfrm>
-            <a:off x="16806242" y="4544820"/>
+            <a:off x="5922099" y="4395773"/>
             <a:ext cx="722377" cy="555753"/>
           </a:xfrm>
           <a:prstGeom prst="rect">
@@ -6254,7 +5622,7 @@
           </a:ln>
           <a:extLst>
             <a:ext uri="{C572A759-6A51-4108-AA02-DFA0A04FC94B}">
-              <ma14:wrappingTextBoxFlag xmlns:ma14="http://schemas.microsoft.com/office/mac/drawingml/2011/main" xmlns:a14="http://schemas.microsoft.com/office/drawing/2010/main" xmlns:m="http://schemas.openxmlformats.org/officeDocument/2006/math" xmlns="" val="1"/>
+              <ma14:wrappingTextBoxFlag xmlns:ma14="http://schemas.microsoft.com/office/mac/drawingml/2011/main" val="1"/>
             </a:ext>
           </a:extLst>
         </p:spPr>
@@ -6264,108 +5632,24 @@
           </a:bodyPr>
           <a:lstStyle/>
           <a:p>
-            <a:r>
-              <a:rPr dirty="0"/>
+            <a:pPr/>
+            <a:r>
               <a:t>2022</a:t>
             </a:r>
           </a:p>
         </p:txBody>
       </p:sp>
-      <p:graphicFrame>
-        <p:nvGraphicFramePr>
-          <p:cNvPr id="2" name="Table 7">
-            <a:extLst>
-              <a:ext uri="{FF2B5EF4-FFF2-40B4-BE49-F238E27FC236}">
-                <a16:creationId xmlns:a16="http://schemas.microsoft.com/office/drawing/2014/main" id="{B1BB4318-F94D-B931-69CA-729296B802CF}"/>
-              </a:ext>
-            </a:extLst>
-          </p:cNvPr>
-          <p:cNvGraphicFramePr>
-            <a:graphicFrameLocks noGrp="1"/>
-          </p:cNvGraphicFramePr>
-          <p:nvPr>
-            <p:extLst>
-              <p:ext uri="{D42A27DB-BD31-4B8C-83A1-F6EECF244321}">
-                <p14:modId xmlns:p14="http://schemas.microsoft.com/office/powerpoint/2010/main" val="647970926"/>
-              </p:ext>
-            </p:extLst>
-          </p:nvPr>
-        </p:nvGraphicFramePr>
-        <p:xfrm>
-          <a:off x="5297656" y="3935189"/>
-          <a:ext cx="16256000" cy="470302"/>
-        </p:xfrm>
-        <a:graphic>
-          <a:graphicData uri="http://schemas.openxmlformats.org/drawingml/2006/table">
-            <a:tbl>
-              <a:tblPr firstRow="1" bandRow="1">
-                <a:tableStyleId>{5940675A-B579-460E-94D1-54222C63F5DA}</a:tableStyleId>
-              </a:tblPr>
-              <a:tblGrid>
-                <a:gridCol w="16256000">
-                  <a:extLst>
-                    <a:ext uri="{9D8B030D-6E8A-4147-A177-3AD203B41FA5}">
-                      <a16:colId xmlns:a16="http://schemas.microsoft.com/office/drawing/2014/main" val="3109325396"/>
-                    </a:ext>
-                  </a:extLst>
-                </a:gridCol>
-              </a:tblGrid>
-              <a:tr h="470302">
-                <a:tc>
-                  <a:txBody>
-                    <a:bodyPr/>
-                    <a:lstStyle/>
-                    <a:p>
-                      <a:r>
-                        <a:rPr lang="en-US" dirty="0"/>
-                        <a:t>Other</a:t>
-                      </a:r>
-                    </a:p>
-                  </a:txBody>
-                  <a:tcPr>
-                    <a:lnL w="12700" cmpd="sng">
-                      <a:noFill/>
-                    </a:lnL>
-                    <a:lnR w="12700" cmpd="sng">
-                      <a:noFill/>
-                    </a:lnR>
-                    <a:lnT w="12700" cmpd="sng">
-                      <a:noFill/>
-                    </a:lnT>
-                    <a:lnB w="12700" cmpd="sng">
-                      <a:noFill/>
-                    </a:lnB>
-                    <a:lnTlToBr w="12700" cmpd="sng">
-                      <a:noFill/>
-                      <a:prstDash val="solid"/>
-                    </a:lnTlToBr>
-                    <a:lnBlToTr w="12700" cmpd="sng">
-                      <a:noFill/>
-                      <a:prstDash val="solid"/>
-                    </a:lnBlToTr>
-                  </a:tcPr>
-                </a:tc>
-                <a:extLst>
-                  <a:ext uri="{0D108BD9-81ED-4DB2-BD59-A6C34878D82A}">
-                    <a16:rowId xmlns:a16="http://schemas.microsoft.com/office/drawing/2014/main" val="1450907459"/>
-                  </a:ext>
-                </a:extLst>
-              </a:tr>
-            </a:tbl>
-          </a:graphicData>
-        </a:graphic>
-      </p:graphicFrame>
     </p:spTree>
   </p:cSld>
   <p:clrMapOvr>
     <a:masterClrMapping/>
   </p:clrMapOvr>
-  <p:transition spd="med"/>
+  <p:transition xmlns:p14="http://schemas.microsoft.com/office/powerpoint/2010/main" spd="med" advClick="1"/>
 </p:sld>
 </file>
 
 <file path=ppt/theme/theme1.xml><?xml version="1.0" encoding="utf-8"?>
-<a:theme xmlns:a="http://schemas.openxmlformats.org/drawingml/2006/main" name="23_ClassicWhite">
+<a:theme xmlns:a="http://schemas.openxmlformats.org/drawingml/2006/main" xmlns:r="http://schemas.openxmlformats.org/officeDocument/2006/relationships" name="23_ClassicWhite">
   <a:themeElements>
     <a:clrScheme name="23_ClassicWhite">
       <a:dk1>
@@ -6564,7 +5848,7 @@
         <a:effectLst/>
         <a:sp3d/>
       </a:spPr>
-      <a:bodyPr rot="0" spcFirstLastPara="1" vertOverflow="overflow" horzOverflow="overflow" vert="horz" wrap="square" lIns="50800" tIns="50800" rIns="50800" bIns="50800" numCol="1" spcCol="38100" rtlCol="0" anchor="ctr">
+      <a:bodyPr rot="0" spcFirstLastPara="1" vertOverflow="overflow" horzOverflow="overflow" vert="horz" wrap="square" lIns="50800" tIns="50800" rIns="50800" bIns="50800" numCol="1" spcCol="38100" rtlCol="0" anchor="ctr" upright="0">
         <a:spAutoFit/>
       </a:bodyPr>
       <a:lstStyle>
@@ -6583,7 +5867,7 @@
           <a:buFontTx/>
           <a:buNone/>
           <a:tabLst/>
-          <a:defRPr kumimoji="0" sz="3200" b="0" i="0" u="none" strike="noStrike" cap="none" spc="0" normalizeH="0" baseline="0">
+          <a:defRPr b="0" baseline="0" cap="none" i="0" spc="0" strike="noStrike" sz="3200" u="none" kumimoji="0" normalizeH="0">
             <a:ln>
               <a:noFill/>
             </a:ln>
@@ -6613,7 +5897,7 @@
           <a:buFontTx/>
           <a:buNone/>
           <a:tabLst/>
-          <a:defRPr kumimoji="0" sz="1800" b="0" i="0" u="none" strike="noStrike" cap="none" spc="0" normalizeH="0" baseline="0">
+          <a:defRPr b="0" baseline="0" cap="none" i="0" spc="0" strike="noStrike" sz="1800" u="none" kumimoji="0" normalizeH="0">
             <a:ln>
               <a:noFill/>
             </a:ln>
@@ -6639,7 +5923,7 @@
           <a:buFontTx/>
           <a:buNone/>
           <a:tabLst/>
-          <a:defRPr kumimoji="0" sz="1800" b="0" i="0" u="none" strike="noStrike" cap="none" spc="0" normalizeH="0" baseline="0">
+          <a:defRPr b="0" baseline="0" cap="none" i="0" spc="0" strike="noStrike" sz="1800" u="none" kumimoji="0" normalizeH="0">
             <a:ln>
               <a:noFill/>
             </a:ln>
@@ -6665,7 +5949,7 @@
           <a:buFontTx/>
           <a:buNone/>
           <a:tabLst/>
-          <a:defRPr kumimoji="0" sz="1800" b="0" i="0" u="none" strike="noStrike" cap="none" spc="0" normalizeH="0" baseline="0">
+          <a:defRPr b="0" baseline="0" cap="none" i="0" spc="0" strike="noStrike" sz="1800" u="none" kumimoji="0" normalizeH="0">
             <a:ln>
               <a:noFill/>
             </a:ln>
@@ -6691,7 +5975,7 @@
           <a:buFontTx/>
           <a:buNone/>
           <a:tabLst/>
-          <a:defRPr kumimoji="0" sz="1800" b="0" i="0" u="none" strike="noStrike" cap="none" spc="0" normalizeH="0" baseline="0">
+          <a:defRPr b="0" baseline="0" cap="none" i="0" spc="0" strike="noStrike" sz="1800" u="none" kumimoji="0" normalizeH="0">
             <a:ln>
               <a:noFill/>
             </a:ln>
@@ -6717,7 +6001,7 @@
           <a:buFontTx/>
           <a:buNone/>
           <a:tabLst/>
-          <a:defRPr kumimoji="0" sz="1800" b="0" i="0" u="none" strike="noStrike" cap="none" spc="0" normalizeH="0" baseline="0">
+          <a:defRPr b="0" baseline="0" cap="none" i="0" spc="0" strike="noStrike" sz="1800" u="none" kumimoji="0" normalizeH="0">
             <a:ln>
               <a:noFill/>
             </a:ln>
@@ -6743,7 +6027,7 @@
           <a:buFontTx/>
           <a:buNone/>
           <a:tabLst/>
-          <a:defRPr kumimoji="0" sz="1800" b="0" i="0" u="none" strike="noStrike" cap="none" spc="0" normalizeH="0" baseline="0">
+          <a:defRPr b="0" baseline="0" cap="none" i="0" spc="0" strike="noStrike" sz="1800" u="none" kumimoji="0" normalizeH="0">
             <a:ln>
               <a:noFill/>
             </a:ln>
@@ -6769,7 +6053,7 @@
           <a:buFontTx/>
           <a:buNone/>
           <a:tabLst/>
-          <a:defRPr kumimoji="0" sz="1800" b="0" i="0" u="none" strike="noStrike" cap="none" spc="0" normalizeH="0" baseline="0">
+          <a:defRPr b="0" baseline="0" cap="none" i="0" spc="0" strike="noStrike" sz="1800" u="none" kumimoji="0" normalizeH="0">
             <a:ln>
               <a:noFill/>
             </a:ln>
@@ -6795,7 +6079,7 @@
           <a:buFontTx/>
           <a:buNone/>
           <a:tabLst/>
-          <a:defRPr kumimoji="0" sz="1800" b="0" i="0" u="none" strike="noStrike" cap="none" spc="0" normalizeH="0" baseline="0">
+          <a:defRPr b="0" baseline="0" cap="none" i="0" spc="0" strike="noStrike" sz="1800" u="none" kumimoji="0" normalizeH="0">
             <a:ln>
               <a:noFill/>
             </a:ln>
@@ -6821,7 +6105,7 @@
           <a:buFontTx/>
           <a:buNone/>
           <a:tabLst/>
-          <a:defRPr kumimoji="0" sz="1800" b="0" i="0" u="none" strike="noStrike" cap="none" spc="0" normalizeH="0" baseline="0">
+          <a:defRPr b="0" baseline="0" cap="none" i="0" spc="0" strike="noStrike" sz="1800" u="none" kumimoji="0" normalizeH="0">
             <a:ln>
               <a:noFill/>
             </a:ln>
@@ -6834,15 +6118,9 @@
         </a:lvl9pPr>
       </a:lstStyle>
       <a:style>
-        <a:lnRef idx="0">
-          <a:scrgbClr r="0" g="0" b="0"/>
-        </a:lnRef>
-        <a:fillRef idx="0">
-          <a:scrgbClr r="0" g="0" b="0"/>
-        </a:fillRef>
-        <a:effectRef idx="0">
-          <a:scrgbClr r="0" g="0" b="0"/>
-        </a:effectRef>
+        <a:lnRef idx="0"/>
+        <a:fillRef idx="0"/>
+        <a:effectRef idx="0"/>
         <a:fontRef idx="none"/>
       </a:style>
     </a:spDef>
@@ -6859,7 +6137,7 @@
         <a:effectLst/>
         <a:sp3d/>
       </a:spPr>
-      <a:bodyPr rot="0" spcFirstLastPara="1" vertOverflow="overflow" horzOverflow="overflow" vert="horz" wrap="square" lIns="91439" tIns="45719" rIns="91439" bIns="45719" numCol="1" spcCol="38100" rtlCol="0" anchor="t">
+      <a:bodyPr rot="0" spcFirstLastPara="1" vertOverflow="overflow" horzOverflow="overflow" vert="horz" wrap="square" lIns="91439" tIns="45719" rIns="91439" bIns="45719" numCol="1" spcCol="38100" rtlCol="0" anchor="t" upright="0">
         <a:noAutofit/>
       </a:bodyPr>
       <a:lstStyle>
@@ -6878,7 +6156,7 @@
           <a:buFontTx/>
           <a:buNone/>
           <a:tabLst/>
-          <a:defRPr kumimoji="0" sz="1800" b="0" i="0" u="none" strike="noStrike" cap="none" spc="0" normalizeH="0" baseline="0">
+          <a:defRPr b="0" baseline="0" cap="none" i="0" spc="0" strike="noStrike" sz="1800" u="none" kumimoji="0" normalizeH="0">
             <a:ln>
               <a:noFill/>
             </a:ln>
@@ -6904,7 +6182,7 @@
           <a:buFontTx/>
           <a:buNone/>
           <a:tabLst/>
-          <a:defRPr kumimoji="0" sz="1800" b="0" i="0" u="none" strike="noStrike" cap="none" spc="0" normalizeH="0" baseline="0">
+          <a:defRPr b="0" baseline="0" cap="none" i="0" spc="0" strike="noStrike" sz="1800" u="none" kumimoji="0" normalizeH="0">
             <a:ln>
               <a:noFill/>
             </a:ln>
@@ -6930,7 +6208,7 @@
           <a:buFontTx/>
           <a:buNone/>
           <a:tabLst/>
-          <a:defRPr kumimoji="0" sz="1800" b="0" i="0" u="none" strike="noStrike" cap="none" spc="0" normalizeH="0" baseline="0">
+          <a:defRPr b="0" baseline="0" cap="none" i="0" spc="0" strike="noStrike" sz="1800" u="none" kumimoji="0" normalizeH="0">
             <a:ln>
               <a:noFill/>
             </a:ln>
@@ -6956,7 +6234,7 @@
           <a:buFontTx/>
           <a:buNone/>
           <a:tabLst/>
-          <a:defRPr kumimoji="0" sz="1800" b="0" i="0" u="none" strike="noStrike" cap="none" spc="0" normalizeH="0" baseline="0">
+          <a:defRPr b="0" baseline="0" cap="none" i="0" spc="0" strike="noStrike" sz="1800" u="none" kumimoji="0" normalizeH="0">
             <a:ln>
               <a:noFill/>
             </a:ln>
@@ -6982,7 +6260,7 @@
           <a:buFontTx/>
           <a:buNone/>
           <a:tabLst/>
-          <a:defRPr kumimoji="0" sz="1800" b="0" i="0" u="none" strike="noStrike" cap="none" spc="0" normalizeH="0" baseline="0">
+          <a:defRPr b="0" baseline="0" cap="none" i="0" spc="0" strike="noStrike" sz="1800" u="none" kumimoji="0" normalizeH="0">
             <a:ln>
               <a:noFill/>
             </a:ln>
@@ -7008,7 +6286,7 @@
           <a:buFontTx/>
           <a:buNone/>
           <a:tabLst/>
-          <a:defRPr kumimoji="0" sz="1800" b="0" i="0" u="none" strike="noStrike" cap="none" spc="0" normalizeH="0" baseline="0">
+          <a:defRPr b="0" baseline="0" cap="none" i="0" spc="0" strike="noStrike" sz="1800" u="none" kumimoji="0" normalizeH="0">
             <a:ln>
               <a:noFill/>
             </a:ln>
@@ -7034,7 +6312,7 @@
           <a:buFontTx/>
           <a:buNone/>
           <a:tabLst/>
-          <a:defRPr kumimoji="0" sz="1800" b="0" i="0" u="none" strike="noStrike" cap="none" spc="0" normalizeH="0" baseline="0">
+          <a:defRPr b="0" baseline="0" cap="none" i="0" spc="0" strike="noStrike" sz="1800" u="none" kumimoji="0" normalizeH="0">
             <a:ln>
               <a:noFill/>
             </a:ln>
@@ -7060,7 +6338,7 @@
           <a:buFontTx/>
           <a:buNone/>
           <a:tabLst/>
-          <a:defRPr kumimoji="0" sz="1800" b="0" i="0" u="none" strike="noStrike" cap="none" spc="0" normalizeH="0" baseline="0">
+          <a:defRPr b="0" baseline="0" cap="none" i="0" spc="0" strike="noStrike" sz="1800" u="none" kumimoji="0" normalizeH="0">
             <a:ln>
               <a:noFill/>
             </a:ln>
@@ -7086,7 +6364,7 @@
           <a:buFontTx/>
           <a:buNone/>
           <a:tabLst/>
-          <a:defRPr kumimoji="0" sz="1800" b="0" i="0" u="none" strike="noStrike" cap="none" spc="0" normalizeH="0" baseline="0">
+          <a:defRPr b="0" baseline="0" cap="none" i="0" spc="0" strike="noStrike" sz="1800" u="none" kumimoji="0" normalizeH="0">
             <a:ln>
               <a:noFill/>
             </a:ln>
@@ -7112,7 +6390,7 @@
           <a:buFontTx/>
           <a:buNone/>
           <a:tabLst/>
-          <a:defRPr kumimoji="0" sz="1800" b="0" i="0" u="none" strike="noStrike" cap="none" spc="0" normalizeH="0" baseline="0">
+          <a:defRPr b="0" baseline="0" cap="none" i="0" spc="0" strike="noStrike" sz="1800" u="none" kumimoji="0" normalizeH="0">
             <a:ln>
               <a:noFill/>
             </a:ln>
@@ -7125,15 +6403,9 @@
         </a:lvl9pPr>
       </a:lstStyle>
       <a:style>
-        <a:lnRef idx="0">
-          <a:scrgbClr r="0" g="0" b="0"/>
-        </a:lnRef>
-        <a:fillRef idx="0">
-          <a:scrgbClr r="0" g="0" b="0"/>
-        </a:fillRef>
-        <a:effectRef idx="0">
-          <a:scrgbClr r="0" g="0" b="0"/>
-        </a:effectRef>
+        <a:lnRef idx="0"/>
+        <a:fillRef idx="0"/>
+        <a:effectRef idx="0"/>
         <a:fontRef idx="none"/>
       </a:style>
     </a:lnDef>
@@ -7147,7 +6419,7 @@
         <a:effectLst/>
         <a:sp3d/>
       </a:spPr>
-      <a:bodyPr rot="0" spcFirstLastPara="1" vertOverflow="overflow" horzOverflow="overflow" vert="horz" wrap="square" lIns="50800" tIns="50800" rIns="50800" bIns="50800" numCol="1" spcCol="38100" rtlCol="0" anchor="ctr">
+      <a:bodyPr rot="0" spcFirstLastPara="1" vertOverflow="overflow" horzOverflow="overflow" vert="horz" wrap="square" lIns="50800" tIns="50800" rIns="50800" bIns="50800" numCol="1" spcCol="38100" rtlCol="0" anchor="ctr" upright="0">
         <a:spAutoFit/>
       </a:bodyPr>
       <a:lstStyle>
@@ -7166,7 +6438,7 @@
           <a:buFontTx/>
           <a:buNone/>
           <a:tabLst/>
-          <a:defRPr kumimoji="0" sz="2400" b="0" i="0" u="none" strike="noStrike" cap="none" spc="0" normalizeH="0" baseline="0">
+          <a:defRPr b="0" baseline="0" cap="none" i="0" spc="0" strike="noStrike" sz="2400" u="none" kumimoji="0" normalizeH="0">
             <a:ln>
               <a:noFill/>
             </a:ln>
@@ -7196,7 +6468,7 @@
           <a:buFontTx/>
           <a:buNone/>
           <a:tabLst/>
-          <a:defRPr kumimoji="0" sz="1800" b="0" i="0" u="none" strike="noStrike" cap="none" spc="0" normalizeH="0" baseline="0">
+          <a:defRPr b="0" baseline="0" cap="none" i="0" spc="0" strike="noStrike" sz="1800" u="none" kumimoji="0" normalizeH="0">
             <a:ln>
               <a:noFill/>
             </a:ln>
@@ -7222,7 +6494,7 @@
           <a:buFontTx/>
           <a:buNone/>
           <a:tabLst/>
-          <a:defRPr kumimoji="0" sz="1800" b="0" i="0" u="none" strike="noStrike" cap="none" spc="0" normalizeH="0" baseline="0">
+          <a:defRPr b="0" baseline="0" cap="none" i="0" spc="0" strike="noStrike" sz="1800" u="none" kumimoji="0" normalizeH="0">
             <a:ln>
               <a:noFill/>
             </a:ln>
@@ -7248,7 +6520,7 @@
           <a:buFontTx/>
           <a:buNone/>
           <a:tabLst/>
-          <a:defRPr kumimoji="0" sz="1800" b="0" i="0" u="none" strike="noStrike" cap="none" spc="0" normalizeH="0" baseline="0">
+          <a:defRPr b="0" baseline="0" cap="none" i="0" spc="0" strike="noStrike" sz="1800" u="none" kumimoji="0" normalizeH="0">
             <a:ln>
               <a:noFill/>
             </a:ln>
@@ -7274,7 +6546,7 @@
           <a:buFontTx/>
           <a:buNone/>
           <a:tabLst/>
-          <a:defRPr kumimoji="0" sz="1800" b="0" i="0" u="none" strike="noStrike" cap="none" spc="0" normalizeH="0" baseline="0">
+          <a:defRPr b="0" baseline="0" cap="none" i="0" spc="0" strike="noStrike" sz="1800" u="none" kumimoji="0" normalizeH="0">
             <a:ln>
               <a:noFill/>
             </a:ln>
@@ -7300,7 +6572,7 @@
           <a:buFontTx/>
           <a:buNone/>
           <a:tabLst/>
-          <a:defRPr kumimoji="0" sz="1800" b="0" i="0" u="none" strike="noStrike" cap="none" spc="0" normalizeH="0" baseline="0">
+          <a:defRPr b="0" baseline="0" cap="none" i="0" spc="0" strike="noStrike" sz="1800" u="none" kumimoji="0" normalizeH="0">
             <a:ln>
               <a:noFill/>
             </a:ln>
@@ -7326,7 +6598,7 @@
           <a:buFontTx/>
           <a:buNone/>
           <a:tabLst/>
-          <a:defRPr kumimoji="0" sz="1800" b="0" i="0" u="none" strike="noStrike" cap="none" spc="0" normalizeH="0" baseline="0">
+          <a:defRPr b="0" baseline="0" cap="none" i="0" spc="0" strike="noStrike" sz="1800" u="none" kumimoji="0" normalizeH="0">
             <a:ln>
               <a:noFill/>
             </a:ln>
@@ -7352,7 +6624,7 @@
           <a:buFontTx/>
           <a:buNone/>
           <a:tabLst/>
-          <a:defRPr kumimoji="0" sz="1800" b="0" i="0" u="none" strike="noStrike" cap="none" spc="0" normalizeH="0" baseline="0">
+          <a:defRPr b="0" baseline="0" cap="none" i="0" spc="0" strike="noStrike" sz="1800" u="none" kumimoji="0" normalizeH="0">
             <a:ln>
               <a:noFill/>
             </a:ln>
@@ -7378,7 +6650,7 @@
           <a:buFontTx/>
           <a:buNone/>
           <a:tabLst/>
-          <a:defRPr kumimoji="0" sz="1800" b="0" i="0" u="none" strike="noStrike" cap="none" spc="0" normalizeH="0" baseline="0">
+          <a:defRPr b="0" baseline="0" cap="none" i="0" spc="0" strike="noStrike" sz="1800" u="none" kumimoji="0" normalizeH="0">
             <a:ln>
               <a:noFill/>
             </a:ln>
@@ -7404,7 +6676,7 @@
           <a:buFontTx/>
           <a:buNone/>
           <a:tabLst/>
-          <a:defRPr kumimoji="0" sz="1800" b="0" i="0" u="none" strike="noStrike" cap="none" spc="0" normalizeH="0" baseline="0">
+          <a:defRPr b="0" baseline="0" cap="none" i="0" spc="0" strike="noStrike" sz="1800" u="none" kumimoji="0" normalizeH="0">
             <a:ln>
               <a:noFill/>
             </a:ln>
@@ -7417,25 +6689,18 @@
         </a:lvl9pPr>
       </a:lstStyle>
       <a:style>
-        <a:lnRef idx="0">
-          <a:scrgbClr r="0" g="0" b="0"/>
-        </a:lnRef>
-        <a:fillRef idx="0">
-          <a:scrgbClr r="0" g="0" b="0"/>
-        </a:fillRef>
-        <a:effectRef idx="0">
-          <a:scrgbClr r="0" g="0" b="0"/>
-        </a:effectRef>
+        <a:lnRef idx="0"/>
+        <a:fillRef idx="0"/>
+        <a:effectRef idx="0"/>
         <a:fontRef idx="none"/>
       </a:style>
     </a:txDef>
   </a:objectDefaults>
-  <a:extraClrSchemeLst/>
 </a:theme>
 </file>
 
 <file path=ppt/theme/theme2.xml><?xml version="1.0" encoding="utf-8"?>
-<a:theme xmlns:a="http://schemas.openxmlformats.org/drawingml/2006/main" name="23_ClassicWhite">
+<a:theme xmlns:a="http://schemas.openxmlformats.org/drawingml/2006/main" xmlns:r="http://schemas.openxmlformats.org/officeDocument/2006/relationships" name="23_ClassicWhite">
   <a:themeElements>
     <a:clrScheme name="23_ClassicWhite">
       <a:dk1>
@@ -7634,7 +6899,7 @@
         <a:effectLst/>
         <a:sp3d/>
       </a:spPr>
-      <a:bodyPr rot="0" spcFirstLastPara="1" vertOverflow="overflow" horzOverflow="overflow" vert="horz" wrap="square" lIns="50800" tIns="50800" rIns="50800" bIns="50800" numCol="1" spcCol="38100" rtlCol="0" anchor="ctr">
+      <a:bodyPr rot="0" spcFirstLastPara="1" vertOverflow="overflow" horzOverflow="overflow" vert="horz" wrap="square" lIns="50800" tIns="50800" rIns="50800" bIns="50800" numCol="1" spcCol="38100" rtlCol="0" anchor="ctr" upright="0">
         <a:spAutoFit/>
       </a:bodyPr>
       <a:lstStyle>
@@ -7653,7 +6918,7 @@
           <a:buFontTx/>
           <a:buNone/>
           <a:tabLst/>
-          <a:defRPr kumimoji="0" sz="3200" b="0" i="0" u="none" strike="noStrike" cap="none" spc="0" normalizeH="0" baseline="0">
+          <a:defRPr b="0" baseline="0" cap="none" i="0" spc="0" strike="noStrike" sz="3200" u="none" kumimoji="0" normalizeH="0">
             <a:ln>
               <a:noFill/>
             </a:ln>
@@ -7683,7 +6948,7 @@
           <a:buFontTx/>
           <a:buNone/>
           <a:tabLst/>
-          <a:defRPr kumimoji="0" sz="1800" b="0" i="0" u="none" strike="noStrike" cap="none" spc="0" normalizeH="0" baseline="0">
+          <a:defRPr b="0" baseline="0" cap="none" i="0" spc="0" strike="noStrike" sz="1800" u="none" kumimoji="0" normalizeH="0">
             <a:ln>
               <a:noFill/>
             </a:ln>
@@ -7709,7 +6974,7 @@
           <a:buFontTx/>
           <a:buNone/>
           <a:tabLst/>
-          <a:defRPr kumimoji="0" sz="1800" b="0" i="0" u="none" strike="noStrike" cap="none" spc="0" normalizeH="0" baseline="0">
+          <a:defRPr b="0" baseline="0" cap="none" i="0" spc="0" strike="noStrike" sz="1800" u="none" kumimoji="0" normalizeH="0">
             <a:ln>
               <a:noFill/>
             </a:ln>
@@ -7735,7 +7000,7 @@
           <a:buFontTx/>
           <a:buNone/>
           <a:tabLst/>
-          <a:defRPr kumimoji="0" sz="1800" b="0" i="0" u="none" strike="noStrike" cap="none" spc="0" normalizeH="0" baseline="0">
+          <a:defRPr b="0" baseline="0" cap="none" i="0" spc="0" strike="noStrike" sz="1800" u="none" kumimoji="0" normalizeH="0">
             <a:ln>
               <a:noFill/>
             </a:ln>
@@ -7761,7 +7026,7 @@
           <a:buFontTx/>
           <a:buNone/>
           <a:tabLst/>
-          <a:defRPr kumimoji="0" sz="1800" b="0" i="0" u="none" strike="noStrike" cap="none" spc="0" normalizeH="0" baseline="0">
+          <a:defRPr b="0" baseline="0" cap="none" i="0" spc="0" strike="noStrike" sz="1800" u="none" kumimoji="0" normalizeH="0">
             <a:ln>
               <a:noFill/>
             </a:ln>
@@ -7787,7 +7052,7 @@
           <a:buFontTx/>
           <a:buNone/>
           <a:tabLst/>
-          <a:defRPr kumimoji="0" sz="1800" b="0" i="0" u="none" strike="noStrike" cap="none" spc="0" normalizeH="0" baseline="0">
+          <a:defRPr b="0" baseline="0" cap="none" i="0" spc="0" strike="noStrike" sz="1800" u="none" kumimoji="0" normalizeH="0">
             <a:ln>
               <a:noFill/>
             </a:ln>
@@ -7813,7 +7078,7 @@
           <a:buFontTx/>
           <a:buNone/>
           <a:tabLst/>
-          <a:defRPr kumimoji="0" sz="1800" b="0" i="0" u="none" strike="noStrike" cap="none" spc="0" normalizeH="0" baseline="0">
+          <a:defRPr b="0" baseline="0" cap="none" i="0" spc="0" strike="noStrike" sz="1800" u="none" kumimoji="0" normalizeH="0">
             <a:ln>
               <a:noFill/>
             </a:ln>
@@ -7839,7 +7104,7 @@
           <a:buFontTx/>
           <a:buNone/>
           <a:tabLst/>
-          <a:defRPr kumimoji="0" sz="1800" b="0" i="0" u="none" strike="noStrike" cap="none" spc="0" normalizeH="0" baseline="0">
+          <a:defRPr b="0" baseline="0" cap="none" i="0" spc="0" strike="noStrike" sz="1800" u="none" kumimoji="0" normalizeH="0">
             <a:ln>
               <a:noFill/>
             </a:ln>
@@ -7865,7 +7130,7 @@
           <a:buFontTx/>
           <a:buNone/>
           <a:tabLst/>
-          <a:defRPr kumimoji="0" sz="1800" b="0" i="0" u="none" strike="noStrike" cap="none" spc="0" normalizeH="0" baseline="0">
+          <a:defRPr b="0" baseline="0" cap="none" i="0" spc="0" strike="noStrike" sz="1800" u="none" kumimoji="0" normalizeH="0">
             <a:ln>
               <a:noFill/>
             </a:ln>
@@ -7891,7 +7156,7 @@
           <a:buFontTx/>
           <a:buNone/>
           <a:tabLst/>
-          <a:defRPr kumimoji="0" sz="1800" b="0" i="0" u="none" strike="noStrike" cap="none" spc="0" normalizeH="0" baseline="0">
+          <a:defRPr b="0" baseline="0" cap="none" i="0" spc="0" strike="noStrike" sz="1800" u="none" kumimoji="0" normalizeH="0">
             <a:ln>
               <a:noFill/>
             </a:ln>
@@ -7904,15 +7169,9 @@
         </a:lvl9pPr>
       </a:lstStyle>
       <a:style>
-        <a:lnRef idx="0">
-          <a:scrgbClr r="0" g="0" b="0"/>
-        </a:lnRef>
-        <a:fillRef idx="0">
-          <a:scrgbClr r="0" g="0" b="0"/>
-        </a:fillRef>
-        <a:effectRef idx="0">
-          <a:scrgbClr r="0" g="0" b="0"/>
-        </a:effectRef>
+        <a:lnRef idx="0"/>
+        <a:fillRef idx="0"/>
+        <a:effectRef idx="0"/>
         <a:fontRef idx="none"/>
       </a:style>
     </a:spDef>
@@ -7929,7 +7188,7 @@
         <a:effectLst/>
         <a:sp3d/>
       </a:spPr>
-      <a:bodyPr rot="0" spcFirstLastPara="1" vertOverflow="overflow" horzOverflow="overflow" vert="horz" wrap="square" lIns="91439" tIns="45719" rIns="91439" bIns="45719" numCol="1" spcCol="38100" rtlCol="0" anchor="t">
+      <a:bodyPr rot="0" spcFirstLastPara="1" vertOverflow="overflow" horzOverflow="overflow" vert="horz" wrap="square" lIns="91439" tIns="45719" rIns="91439" bIns="45719" numCol="1" spcCol="38100" rtlCol="0" anchor="t" upright="0">
         <a:noAutofit/>
       </a:bodyPr>
       <a:lstStyle>
@@ -7948,7 +7207,7 @@
           <a:buFontTx/>
           <a:buNone/>
           <a:tabLst/>
-          <a:defRPr kumimoji="0" sz="1800" b="0" i="0" u="none" strike="noStrike" cap="none" spc="0" normalizeH="0" baseline="0">
+          <a:defRPr b="0" baseline="0" cap="none" i="0" spc="0" strike="noStrike" sz="1800" u="none" kumimoji="0" normalizeH="0">
             <a:ln>
               <a:noFill/>
             </a:ln>
@@ -7974,7 +7233,7 @@
           <a:buFontTx/>
           <a:buNone/>
           <a:tabLst/>
-          <a:defRPr kumimoji="0" sz="1800" b="0" i="0" u="none" strike="noStrike" cap="none" spc="0" normalizeH="0" baseline="0">
+          <a:defRPr b="0" baseline="0" cap="none" i="0" spc="0" strike="noStrike" sz="1800" u="none" kumimoji="0" normalizeH="0">
             <a:ln>
               <a:noFill/>
             </a:ln>
@@ -8000,7 +7259,7 @@
           <a:buFontTx/>
           <a:buNone/>
           <a:tabLst/>
-          <a:defRPr kumimoji="0" sz="1800" b="0" i="0" u="none" strike="noStrike" cap="none" spc="0" normalizeH="0" baseline="0">
+          <a:defRPr b="0" baseline="0" cap="none" i="0" spc="0" strike="noStrike" sz="1800" u="none" kumimoji="0" normalizeH="0">
             <a:ln>
               <a:noFill/>
             </a:ln>
@@ -8026,7 +7285,7 @@
           <a:buFontTx/>
           <a:buNone/>
           <a:tabLst/>
-          <a:defRPr kumimoji="0" sz="1800" b="0" i="0" u="none" strike="noStrike" cap="none" spc="0" normalizeH="0" baseline="0">
+          <a:defRPr b="0" baseline="0" cap="none" i="0" spc="0" strike="noStrike" sz="1800" u="none" kumimoji="0" normalizeH="0">
             <a:ln>
               <a:noFill/>
             </a:ln>
@@ -8052,7 +7311,7 @@
           <a:buFontTx/>
           <a:buNone/>
           <a:tabLst/>
-          <a:defRPr kumimoji="0" sz="1800" b="0" i="0" u="none" strike="noStrike" cap="none" spc="0" normalizeH="0" baseline="0">
+          <a:defRPr b="0" baseline="0" cap="none" i="0" spc="0" strike="noStrike" sz="1800" u="none" kumimoji="0" normalizeH="0">
             <a:ln>
               <a:noFill/>
             </a:ln>
@@ -8078,7 +7337,7 @@
           <a:buFontTx/>
           <a:buNone/>
           <a:tabLst/>
-          <a:defRPr kumimoji="0" sz="1800" b="0" i="0" u="none" strike="noStrike" cap="none" spc="0" normalizeH="0" baseline="0">
+          <a:defRPr b="0" baseline="0" cap="none" i="0" spc="0" strike="noStrike" sz="1800" u="none" kumimoji="0" normalizeH="0">
             <a:ln>
               <a:noFill/>
             </a:ln>
@@ -8104,7 +7363,7 @@
           <a:buFontTx/>
           <a:buNone/>
           <a:tabLst/>
-          <a:defRPr kumimoji="0" sz="1800" b="0" i="0" u="none" strike="noStrike" cap="none" spc="0" normalizeH="0" baseline="0">
+          <a:defRPr b="0" baseline="0" cap="none" i="0" spc="0" strike="noStrike" sz="1800" u="none" kumimoji="0" normalizeH="0">
             <a:ln>
               <a:noFill/>
             </a:ln>
@@ -8130,7 +7389,7 @@
           <a:buFontTx/>
           <a:buNone/>
           <a:tabLst/>
-          <a:defRPr kumimoji="0" sz="1800" b="0" i="0" u="none" strike="noStrike" cap="none" spc="0" normalizeH="0" baseline="0">
+          <a:defRPr b="0" baseline="0" cap="none" i="0" spc="0" strike="noStrike" sz="1800" u="none" kumimoji="0" normalizeH="0">
             <a:ln>
               <a:noFill/>
             </a:ln>
@@ -8156,7 +7415,7 @@
           <a:buFontTx/>
           <a:buNone/>
           <a:tabLst/>
-          <a:defRPr kumimoji="0" sz="1800" b="0" i="0" u="none" strike="noStrike" cap="none" spc="0" normalizeH="0" baseline="0">
+          <a:defRPr b="0" baseline="0" cap="none" i="0" spc="0" strike="noStrike" sz="1800" u="none" kumimoji="0" normalizeH="0">
             <a:ln>
               <a:noFill/>
             </a:ln>
@@ -8182,7 +7441,7 @@
           <a:buFontTx/>
           <a:buNone/>
           <a:tabLst/>
-          <a:defRPr kumimoji="0" sz="1800" b="0" i="0" u="none" strike="noStrike" cap="none" spc="0" normalizeH="0" baseline="0">
+          <a:defRPr b="0" baseline="0" cap="none" i="0" spc="0" strike="noStrike" sz="1800" u="none" kumimoji="0" normalizeH="0">
             <a:ln>
               <a:noFill/>
             </a:ln>
@@ -8195,15 +7454,9 @@
         </a:lvl9pPr>
       </a:lstStyle>
       <a:style>
-        <a:lnRef idx="0">
-          <a:scrgbClr r="0" g="0" b="0"/>
-        </a:lnRef>
-        <a:fillRef idx="0">
-          <a:scrgbClr r="0" g="0" b="0"/>
-        </a:fillRef>
-        <a:effectRef idx="0">
-          <a:scrgbClr r="0" g="0" b="0"/>
-        </a:effectRef>
+        <a:lnRef idx="0"/>
+        <a:fillRef idx="0"/>
+        <a:effectRef idx="0"/>
         <a:fontRef idx="none"/>
       </a:style>
     </a:lnDef>
@@ -8217,7 +7470,7 @@
         <a:effectLst/>
         <a:sp3d/>
       </a:spPr>
-      <a:bodyPr rot="0" spcFirstLastPara="1" vertOverflow="overflow" horzOverflow="overflow" vert="horz" wrap="square" lIns="50800" tIns="50800" rIns="50800" bIns="50800" numCol="1" spcCol="38100" rtlCol="0" anchor="ctr">
+      <a:bodyPr rot="0" spcFirstLastPara="1" vertOverflow="overflow" horzOverflow="overflow" vert="horz" wrap="square" lIns="50800" tIns="50800" rIns="50800" bIns="50800" numCol="1" spcCol="38100" rtlCol="0" anchor="ctr" upright="0">
         <a:spAutoFit/>
       </a:bodyPr>
       <a:lstStyle>
@@ -8236,7 +7489,7 @@
           <a:buFontTx/>
           <a:buNone/>
           <a:tabLst/>
-          <a:defRPr kumimoji="0" sz="2400" b="0" i="0" u="none" strike="noStrike" cap="none" spc="0" normalizeH="0" baseline="0">
+          <a:defRPr b="0" baseline="0" cap="none" i="0" spc="0" strike="noStrike" sz="2400" u="none" kumimoji="0" normalizeH="0">
             <a:ln>
               <a:noFill/>
             </a:ln>
@@ -8266,7 +7519,7 @@
           <a:buFontTx/>
           <a:buNone/>
           <a:tabLst/>
-          <a:defRPr kumimoji="0" sz="1800" b="0" i="0" u="none" strike="noStrike" cap="none" spc="0" normalizeH="0" baseline="0">
+          <a:defRPr b="0" baseline="0" cap="none" i="0" spc="0" strike="noStrike" sz="1800" u="none" kumimoji="0" normalizeH="0">
             <a:ln>
               <a:noFill/>
             </a:ln>
@@ -8292,7 +7545,7 @@
           <a:buFontTx/>
           <a:buNone/>
           <a:tabLst/>
-          <a:defRPr kumimoji="0" sz="1800" b="0" i="0" u="none" strike="noStrike" cap="none" spc="0" normalizeH="0" baseline="0">
+          <a:defRPr b="0" baseline="0" cap="none" i="0" spc="0" strike="noStrike" sz="1800" u="none" kumimoji="0" normalizeH="0">
             <a:ln>
               <a:noFill/>
             </a:ln>
@@ -8318,7 +7571,7 @@
           <a:buFontTx/>
           <a:buNone/>
           <a:tabLst/>
-          <a:defRPr kumimoji="0" sz="1800" b="0" i="0" u="none" strike="noStrike" cap="none" spc="0" normalizeH="0" baseline="0">
+          <a:defRPr b="0" baseline="0" cap="none" i="0" spc="0" strike="noStrike" sz="1800" u="none" kumimoji="0" normalizeH="0">
             <a:ln>
               <a:noFill/>
             </a:ln>
@@ -8344,7 +7597,7 @@
           <a:buFontTx/>
           <a:buNone/>
           <a:tabLst/>
-          <a:defRPr kumimoji="0" sz="1800" b="0" i="0" u="none" strike="noStrike" cap="none" spc="0" normalizeH="0" baseline="0">
+          <a:defRPr b="0" baseline="0" cap="none" i="0" spc="0" strike="noStrike" sz="1800" u="none" kumimoji="0" normalizeH="0">
             <a:ln>
               <a:noFill/>
             </a:ln>
@@ -8370,7 +7623,7 @@
           <a:buFontTx/>
           <a:buNone/>
           <a:tabLst/>
-          <a:defRPr kumimoji="0" sz="1800" b="0" i="0" u="none" strike="noStrike" cap="none" spc="0" normalizeH="0" baseline="0">
+          <a:defRPr b="0" baseline="0" cap="none" i="0" spc="0" strike="noStrike" sz="1800" u="none" kumimoji="0" normalizeH="0">
             <a:ln>
               <a:noFill/>
             </a:ln>
@@ -8396,7 +7649,7 @@
           <a:buFontTx/>
           <a:buNone/>
           <a:tabLst/>
-          <a:defRPr kumimoji="0" sz="1800" b="0" i="0" u="none" strike="noStrike" cap="none" spc="0" normalizeH="0" baseline="0">
+          <a:defRPr b="0" baseline="0" cap="none" i="0" spc="0" strike="noStrike" sz="1800" u="none" kumimoji="0" normalizeH="0">
             <a:ln>
               <a:noFill/>
             </a:ln>
@@ -8422,7 +7675,7 @@
           <a:buFontTx/>
           <a:buNone/>
           <a:tabLst/>
-          <a:defRPr kumimoji="0" sz="1800" b="0" i="0" u="none" strike="noStrike" cap="none" spc="0" normalizeH="0" baseline="0">
+          <a:defRPr b="0" baseline="0" cap="none" i="0" spc="0" strike="noStrike" sz="1800" u="none" kumimoji="0" normalizeH="0">
             <a:ln>
               <a:noFill/>
             </a:ln>
@@ -8448,7 +7701,7 @@
           <a:buFontTx/>
           <a:buNone/>
           <a:tabLst/>
-          <a:defRPr kumimoji="0" sz="1800" b="0" i="0" u="none" strike="noStrike" cap="none" spc="0" normalizeH="0" baseline="0">
+          <a:defRPr b="0" baseline="0" cap="none" i="0" spc="0" strike="noStrike" sz="1800" u="none" kumimoji="0" normalizeH="0">
             <a:ln>
               <a:noFill/>
             </a:ln>
@@ -8474,7 +7727,7 @@
           <a:buFontTx/>
           <a:buNone/>
           <a:tabLst/>
-          <a:defRPr kumimoji="0" sz="1800" b="0" i="0" u="none" strike="noStrike" cap="none" spc="0" normalizeH="0" baseline="0">
+          <a:defRPr b="0" baseline="0" cap="none" i="0" spc="0" strike="noStrike" sz="1800" u="none" kumimoji="0" normalizeH="0">
             <a:ln>
               <a:noFill/>
             </a:ln>
@@ -8487,19 +7740,12 @@
         </a:lvl9pPr>
       </a:lstStyle>
       <a:style>
-        <a:lnRef idx="0">
-          <a:scrgbClr r="0" g="0" b="0"/>
-        </a:lnRef>
-        <a:fillRef idx="0">
-          <a:scrgbClr r="0" g="0" b="0"/>
-        </a:fillRef>
-        <a:effectRef idx="0">
-          <a:scrgbClr r="0" g="0" b="0"/>
-        </a:effectRef>
+        <a:lnRef idx="0"/>
+        <a:fillRef idx="0"/>
+        <a:effectRef idx="0"/>
         <a:fontRef idx="none"/>
       </a:style>
     </a:txDef>
   </a:objectDefaults>
-  <a:extraClrSchemeLst/>
 </a:theme>
 </file>
--- a/Movies.pptx
+++ b/Movies.pptx
@@ -333,9 +333,9 @@
           <c:xMode val="edge"/>
           <c:yMode val="edge"/>
           <c:x val="0.187234"/>
-          <c:y val="0.0700928"/>
+          <c:y val="0.139712"/>
           <c:w val="0.807766"/>
-          <c:h val="0.708558"/>
+          <c:h val="0.654574"/>
         </c:manualLayout>
       </c:layout>
       <c:barChart>
@@ -351,7 +351,7 @@
               <c:strCache>
                 <c:ptCount val="1"/>
                 <c:pt idx="0">
-                  <c:v>Region 1</c:v>
+                  <c:v>2021</c:v>
                 </c:pt>
               </c:strCache>
             </c:strRef>
@@ -430,7 +430,7 @@
               <c:strCache>
                 <c:ptCount val="1"/>
                 <c:pt idx="0">
-                  <c:v>Region 2</c:v>
+                  <c:v>2022</c:v>
                 </c:pt>
               </c:strCache>
             </c:strRef>
@@ -661,6 +661,42 @@
         <a:effectLst/>
       </c:spPr>
     </c:plotArea>
+    <c:legend>
+      <c:legendPos val="t"/>
+      <c:layout>
+        <c:manualLayout>
+          <c:xMode val="edge"/>
+          <c:yMode val="edge"/>
+          <c:x val="0.195857"/>
+          <c:y val="0"/>
+          <c:w val="0.765107"/>
+          <c:h val="0.0898451"/>
+        </c:manualLayout>
+      </c:layout>
+      <c:overlay val="1"/>
+      <c:spPr>
+        <a:noFill/>
+        <a:ln w="12700" cap="flat">
+          <a:noFill/>
+          <a:miter lim="400000"/>
+        </a:ln>
+        <a:effectLst/>
+      </c:spPr>
+      <c:txPr>
+        <a:bodyPr rot="0"/>
+        <a:lstStyle/>
+        <a:p>
+          <a:pPr>
+            <a:defRPr b="0" i="0" strike="noStrike" sz="3400" u="none">
+              <a:solidFill>
+                <a:srgbClr val="000000"/>
+              </a:solidFill>
+              <a:latin typeface="Graphik"/>
+            </a:defRPr>
+          </a:pPr>
+        </a:p>
+      </c:txPr>
+    </c:legend>
     <c:plotVisOnly val="1"/>
     <c:dispBlanksAs val="gap"/>
   </c:chart>
@@ -690,9 +726,9 @@
           <c:xMode val="edge"/>
           <c:yMode val="edge"/>
           <c:x val="0.241222"/>
-          <c:y val="0.0700928"/>
+          <c:y val="0.119241"/>
           <c:w val="0.753778"/>
-          <c:h val="0.708558"/>
+          <c:h val="0.670447"/>
         </c:manualLayout>
       </c:layout>
       <c:barChart>
@@ -708,7 +744,7 @@
               <c:strCache>
                 <c:ptCount val="1"/>
                 <c:pt idx="0">
-                  <c:v>Region 1</c:v>
+                  <c:v>2021</c:v>
                 </c:pt>
               </c:strCache>
             </c:strRef>
@@ -787,7 +823,7 @@
               <c:strCache>
                 <c:ptCount val="1"/>
                 <c:pt idx="0">
-                  <c:v>Region 2</c:v>
+                  <c:v>2022</c:v>
                 </c:pt>
               </c:strCache>
             </c:strRef>
@@ -1018,6 +1054,42 @@
         <a:effectLst/>
       </c:spPr>
     </c:plotArea>
+    <c:legend>
+      <c:legendPos val="t"/>
+      <c:layout>
+        <c:manualLayout>
+          <c:xMode val="edge"/>
+          <c:yMode val="edge"/>
+          <c:x val="0.235876"/>
+          <c:y val="0"/>
+          <c:w val="0.727031"/>
+          <c:h val="0.0913882"/>
+        </c:manualLayout>
+      </c:layout>
+      <c:overlay val="1"/>
+      <c:spPr>
+        <a:noFill/>
+        <a:ln w="12700" cap="flat">
+          <a:noFill/>
+          <a:miter lim="400000"/>
+        </a:ln>
+        <a:effectLst/>
+      </c:spPr>
+      <c:txPr>
+        <a:bodyPr rot="0"/>
+        <a:lstStyle/>
+        <a:p>
+          <a:pPr>
+            <a:defRPr b="0" i="0" strike="noStrike" sz="3400" u="none">
+              <a:solidFill>
+                <a:srgbClr val="000000"/>
+              </a:solidFill>
+              <a:latin typeface="Graphik"/>
+            </a:defRPr>
+          </a:pPr>
+        </a:p>
+      </c:txPr>
+    </c:legend>
     <c:plotVisOnly val="1"/>
     <c:dispBlanksAs val="gap"/>
   </c:chart>
@@ -1047,9 +1119,9 @@
           <c:xMode val="edge"/>
           <c:yMode val="edge"/>
           <c:x val="0.171923"/>
-          <c:y val="0.0700928"/>
+          <c:y val="0.180612"/>
           <c:w val="0.823077"/>
-          <c:h val="0.708558"/>
+          <c:h val="0.62286"/>
         </c:manualLayout>
       </c:layout>
       <c:barChart>
@@ -1065,7 +1137,7 @@
               <c:strCache>
                 <c:ptCount val="1"/>
                 <c:pt idx="0">
-                  <c:v>Region 1</c:v>
+                  <c:v>2021</c:v>
                 </c:pt>
               </c:strCache>
             </c:strRef>
@@ -1144,7 +1216,7 @@
               <c:strCache>
                 <c:ptCount val="1"/>
                 <c:pt idx="0">
-                  <c:v>Region 2</c:v>
+                  <c:v>2022</c:v>
                 </c:pt>
               </c:strCache>
             </c:strRef>
@@ -1375,6 +1447,42 @@
         <a:effectLst/>
       </c:spPr>
     </c:plotArea>
+    <c:legend>
+      <c:legendPos val="t"/>
+      <c:layout>
+        <c:manualLayout>
+          <c:xMode val="edge"/>
+          <c:yMode val="edge"/>
+          <c:x val="0.120346"/>
+          <c:y val="0"/>
+          <c:w val="0.836952"/>
+          <c:h val="0.0867623"/>
+        </c:manualLayout>
+      </c:layout>
+      <c:overlay val="1"/>
+      <c:spPr>
+        <a:noFill/>
+        <a:ln w="12700" cap="flat">
+          <a:noFill/>
+          <a:miter lim="400000"/>
+        </a:ln>
+        <a:effectLst/>
+      </c:spPr>
+      <c:txPr>
+        <a:bodyPr rot="0"/>
+        <a:lstStyle/>
+        <a:p>
+          <a:pPr>
+            <a:defRPr b="0" i="0" strike="noStrike" sz="3400" u="none">
+              <a:solidFill>
+                <a:srgbClr val="000000"/>
+              </a:solidFill>
+              <a:latin typeface="Graphik"/>
+            </a:defRPr>
+          </a:pPr>
+        </a:p>
+      </c:txPr>
+    </c:legend>
     <c:plotVisOnly val="1"/>
     <c:dispBlanksAs val="gap"/>
   </c:chart>
@@ -5266,8 +5374,8 @@
           <p:nvPr/>
         </p:nvGraphicFramePr>
         <p:xfrm>
-          <a:off x="490594" y="4527789"/>
-          <a:ext cx="12120602" cy="7910686"/>
+          <a:off x="490594" y="3887608"/>
+          <a:ext cx="12120602" cy="8550867"/>
         </p:xfrm>
         <a:graphic xmlns:a="http://schemas.openxmlformats.org/drawingml/2006/main">
           <a:graphicData uri="http://schemas.openxmlformats.org/drawingml/2006/chart">
@@ -5327,7 +5435,7 @@
       </p:sp>
       <p:sp>
         <p:nvSpPr>
-          <p:cNvPr id="159" name="When we looked into the concession stands of both theaters, we that AMC had 857.3 million in 2021, while in 2022, it increased to 1,313 million. In Cinemark theaters, they brought up 561.7 million in 2021 while the next year was 938.3 million."/>
+          <p:cNvPr id="159" name="When we looked into the concession stands of both theaters, we saw that AMC had 857.3 million in 2021, while in 2022, it increased to 1,313 million. In Cinemark theaters, they brought up 561.7 million in 2021 while the next year was 938.3 million."/>
           <p:cNvSpPr txBox="1"/>
           <p:nvPr>
             <p:ph type="body" sz="half" idx="1"/>
@@ -5364,7 +5472,7 @@
           <a:p>
             <a:pPr/>
             <a:r>
-              <a:t>When we looked into the concession stands of both theaters, we that AMC had 857.3 million in 2021, while in 2022, it increased to 1,313 million. In Cinemark theaters, they brought up 561.7 million in 2021 while the next year was 938.3 million.</a:t>
+              <a:t>When we looked into the concession stands of both theaters, we saw that AMC had 857.3 million in 2021, while in 2022, it increased to 1,313 million. In Cinemark theaters, they brought up 561.7 million in 2021 while the next year was 938.3 million.</a:t>
             </a:r>
           </a:p>
         </p:txBody>
@@ -5376,8 +5484,8 @@
           <p:nvPr/>
         </p:nvGraphicFramePr>
         <p:xfrm>
-          <a:off x="2600233" y="5043176"/>
-          <a:ext cx="9157297" cy="7910686"/>
+          <a:off x="2600233" y="4601740"/>
+          <a:ext cx="9157297" cy="8352122"/>
         </p:xfrm>
         <a:graphic xmlns:a="http://schemas.openxmlformats.org/drawingml/2006/main">
           <a:graphicData uri="http://schemas.openxmlformats.org/drawingml/2006/chart">
@@ -5437,7 +5545,7 @@
       </p:sp>
       <p:sp>
         <p:nvSpPr>
-          <p:cNvPr id="163" name="AMC and . AMC brought 276.4 million in 2021 and brought 396.3 million the following year. Cinemark had 73.6 million in 2021 and had 69.4 million the following year."/>
+          <p:cNvPr id="163" name="This chart is more of the other things both companies use for their revenue. AMC brought 276.4 million US dollars in 2021 and brought 396.3 million US dollars the following year. Cinemark brought 73.6 million US dollars in 2021 while the company had 69.4"/>
           <p:cNvSpPr txBox="1"/>
           <p:nvPr>
             <p:ph type="body" sz="half" idx="1"/>
@@ -5474,7 +5582,7 @@
           <a:p>
             <a:pPr/>
             <a:r>
-              <a:t>AMC and . AMC brought 276.4 million in 2021 and brought 396.3 million the following year. Cinemark had 73.6 million in 2021 and had 69.4 million the following year.</a:t>
+              <a:t>This chart is more of the other things both companies use for their revenue. AMC brought 276.4 million US dollars in 2021 and brought 396.3 million US dollars the following year. Cinemark brought 73.6 million US dollars in 2021 while the company had 69.4 million US dollars the following year.</a:t>
             </a:r>
           </a:p>
         </p:txBody>
@@ -5486,8 +5594,8 @@
           <p:nvPr/>
         </p:nvGraphicFramePr>
         <p:xfrm>
-          <a:off x="-80822" y="4715518"/>
-          <a:ext cx="11896497" cy="7910686"/>
+          <a:off x="-80822" y="3648519"/>
+          <a:ext cx="11896497" cy="8977685"/>
         </p:xfrm>
         <a:graphic xmlns:a="http://schemas.openxmlformats.org/drawingml/2006/main">
           <a:graphicData uri="http://schemas.openxmlformats.org/drawingml/2006/chart">

--- a/Movies.pptx
+++ b/Movies.pptx
@@ -1,17 +1,17 @@
 
 <file path=ppt/presentation.xml><?xml version="1.0" encoding="utf-8"?>
-<p:presentation xmlns:a="http://schemas.openxmlformats.org/drawingml/2006/main" xmlns:r="http://schemas.openxmlformats.org/officeDocument/2006/relationships" xmlns:p="http://schemas.openxmlformats.org/presentationml/2006/main" xmlns:m="http://schemas.openxmlformats.org/officeDocument/2006/math" xmlns:a14="http://schemas.microsoft.com/office/drawing/2010/main">
+<p:presentation xmlns:a="http://schemas.openxmlformats.org/drawingml/2006/main" xmlns:r="http://schemas.openxmlformats.org/officeDocument/2006/relationships" xmlns:p="http://schemas.openxmlformats.org/presentationml/2006/main">
   <p:sldMasterIdLst>
-    <p:sldMasterId id="2147483648" r:id="rId5"/>
+    <p:sldMasterId id="2147483648" r:id="rId1"/>
   </p:sldMasterIdLst>
   <p:notesMasterIdLst>
-    <p:notesMasterId r:id="rId7"/>
+    <p:notesMasterId r:id="rId6"/>
   </p:notesMasterIdLst>
   <p:sldIdLst>
-    <p:sldId id="256" r:id="rId8"/>
-    <p:sldId id="257" r:id="rId9"/>
-    <p:sldId id="258" r:id="rId10"/>
-    <p:sldId id="259" r:id="rId11"/>
+    <p:sldId id="256" r:id="rId2"/>
+    <p:sldId id="257" r:id="rId3"/>
+    <p:sldId id="258" r:id="rId4"/>
+    <p:sldId id="259" r:id="rId5"/>
   </p:sldIdLst>
   <p:sldSz cx="24384000" cy="13716000"/>
   <p:notesSz cx="6858000" cy="9144000"/>
@@ -31,7 +31,7 @@
       <a:buFontTx/>
       <a:buNone/>
       <a:tabLst/>
-      <a:defRPr b="0" baseline="0" cap="none" i="0" spc="0" strike="noStrike" sz="1800" u="none" kumimoji="0" normalizeH="0">
+      <a:defRPr kumimoji="0" sz="1800" b="0" i="0" u="none" strike="noStrike" cap="none" spc="0" normalizeH="0" baseline="0">
         <a:ln>
           <a:noFill/>
         </a:ln>
@@ -57,7 +57,7 @@
       <a:buFontTx/>
       <a:buNone/>
       <a:tabLst/>
-      <a:defRPr b="0" baseline="0" cap="none" i="0" spc="0" strike="noStrike" sz="2400" u="none" kumimoji="0" normalizeH="0">
+      <a:defRPr kumimoji="0" sz="2400" b="0" i="0" u="none" strike="noStrike" cap="none" spc="0" normalizeH="0" baseline="0">
         <a:ln>
           <a:noFill/>
         </a:ln>
@@ -87,7 +87,7 @@
       <a:buFontTx/>
       <a:buNone/>
       <a:tabLst/>
-      <a:defRPr b="0" baseline="0" cap="none" i="0" spc="0" strike="noStrike" sz="2400" u="none" kumimoji="0" normalizeH="0">
+      <a:defRPr kumimoji="0" sz="2400" b="0" i="0" u="none" strike="noStrike" cap="none" spc="0" normalizeH="0" baseline="0">
         <a:ln>
           <a:noFill/>
         </a:ln>
@@ -117,7 +117,7 @@
       <a:buFontTx/>
       <a:buNone/>
       <a:tabLst/>
-      <a:defRPr b="0" baseline="0" cap="none" i="0" spc="0" strike="noStrike" sz="2400" u="none" kumimoji="0" normalizeH="0">
+      <a:defRPr kumimoji="0" sz="2400" b="0" i="0" u="none" strike="noStrike" cap="none" spc="0" normalizeH="0" baseline="0">
         <a:ln>
           <a:noFill/>
         </a:ln>
@@ -147,7 +147,7 @@
       <a:buFontTx/>
       <a:buNone/>
       <a:tabLst/>
-      <a:defRPr b="0" baseline="0" cap="none" i="0" spc="0" strike="noStrike" sz="2400" u="none" kumimoji="0" normalizeH="0">
+      <a:defRPr kumimoji="0" sz="2400" b="0" i="0" u="none" strike="noStrike" cap="none" spc="0" normalizeH="0" baseline="0">
         <a:ln>
           <a:noFill/>
         </a:ln>
@@ -177,7 +177,7 @@
       <a:buFontTx/>
       <a:buNone/>
       <a:tabLst/>
-      <a:defRPr b="0" baseline="0" cap="none" i="0" spc="0" strike="noStrike" sz="2400" u="none" kumimoji="0" normalizeH="0">
+      <a:defRPr kumimoji="0" sz="2400" b="0" i="0" u="none" strike="noStrike" cap="none" spc="0" normalizeH="0" baseline="0">
         <a:ln>
           <a:noFill/>
         </a:ln>
@@ -207,7 +207,7 @@
       <a:buFontTx/>
       <a:buNone/>
       <a:tabLst/>
-      <a:defRPr b="0" baseline="0" cap="none" i="0" spc="0" strike="noStrike" sz="2400" u="none" kumimoji="0" normalizeH="0">
+      <a:defRPr kumimoji="0" sz="2400" b="0" i="0" u="none" strike="noStrike" cap="none" spc="0" normalizeH="0" baseline="0">
         <a:ln>
           <a:noFill/>
         </a:ln>
@@ -237,7 +237,7 @@
       <a:buFontTx/>
       <a:buNone/>
       <a:tabLst/>
-      <a:defRPr b="0" baseline="0" cap="none" i="0" spc="0" strike="noStrike" sz="2400" u="none" kumimoji="0" normalizeH="0">
+      <a:defRPr kumimoji="0" sz="2400" b="0" i="0" u="none" strike="noStrike" cap="none" spc="0" normalizeH="0" baseline="0">
         <a:ln>
           <a:noFill/>
         </a:ln>
@@ -267,7 +267,7 @@
       <a:buFontTx/>
       <a:buNone/>
       <a:tabLst/>
-      <a:defRPr b="0" baseline="0" cap="none" i="0" spc="0" strike="noStrike" sz="2400" u="none" kumimoji="0" normalizeH="0">
+      <a:defRPr kumimoji="0" sz="2400" b="0" i="0" u="none" strike="noStrike" cap="none" spc="0" normalizeH="0" baseline="0">
         <a:ln>
           <a:noFill/>
         </a:ln>
@@ -297,7 +297,7 @@
       <a:buFontTx/>
       <a:buNone/>
       <a:tabLst/>
-      <a:defRPr b="0" baseline="0" cap="none" i="0" spc="0" strike="noStrike" sz="2400" u="none" kumimoji="0" normalizeH="0">
+      <a:defRPr kumimoji="0" sz="2400" b="0" i="0" u="none" strike="noStrike" cap="none" spc="0" normalizeH="0" baseline="0">
         <a:ln>
           <a:noFill/>
         </a:ln>
@@ -316,14 +316,12 @@
 </p:presentation>
 </file>
 
-<file path=ppt/commentAuthors.xml><?xml version="1.0" encoding="utf-8"?>
-<p:cmAuthorLst xmlns:a="http://schemas.openxmlformats.org/drawingml/2006/main" xmlns:r="http://schemas.openxmlformats.org/officeDocument/2006/relationships" xmlns:p="http://schemas.openxmlformats.org/presentationml/2006/main" xmlns:m="http://schemas.openxmlformats.org/officeDocument/2006/math" xmlns:a14="http://schemas.microsoft.com/office/drawing/2010/main"/>
-</file>
-
 <file path=ppt/charts/chart1.xml><?xml version="1.0" encoding="utf-8"?>
-<c:chartSpace xmlns:c="http://schemas.openxmlformats.org/drawingml/2006/chart" xmlns:a="http://schemas.openxmlformats.org/drawingml/2006/main" xmlns:r="http://schemas.openxmlformats.org/officeDocument/2006/relationships">
+<c:chartSpace xmlns:c="http://schemas.openxmlformats.org/drawingml/2006/chart" xmlns:a="http://schemas.openxmlformats.org/drawingml/2006/main" xmlns:r="http://schemas.openxmlformats.org/officeDocument/2006/relationships" xmlns:c16r2="http://schemas.microsoft.com/office/drawing/2015/06/chart">
   <c:date1904 val="1"/>
+  <c:lang val="en-US"/>
   <c:roundedCorners val="0"/>
+  <c:style val="2"/>
   <c:chart>
     <c:autoTitleDeleted val="1"/>
     <c:plotArea>
@@ -332,10 +330,10 @@
           <c:layoutTarget val="inner"/>
           <c:xMode val="edge"/>
           <c:yMode val="edge"/>
-          <c:x val="0.187234"/>
+          <c:x val="0.18723400000000001"/>
           <c:y val="0.139712"/>
-          <c:w val="0.807766"/>
-          <c:h val="0.654574"/>
+          <c:w val="0.80776599999999998"/>
+          <c:h val="0.65457399999999999"/>
         </c:manualLayout>
       </c:layout>
       <c:barChart>
@@ -367,31 +365,6 @@
             <a:effectLst/>
           </c:spPr>
           <c:invertIfNegative val="0"/>
-          <c:dLbls>
-            <c:numFmt formatCode="#,##0" sourceLinked="0"/>
-            <c:txPr>
-              <a:bodyPr/>
-              <a:lstStyle/>
-              <a:p>
-                <a:pPr>
-                  <a:defRPr b="0" i="0" strike="noStrike" sz="5000" u="none">
-                    <a:solidFill>
-                      <a:srgbClr val="FFFFFF"/>
-                    </a:solidFill>
-                    <a:latin typeface="Graphik"/>
-                  </a:defRPr>
-                </a:pPr>
-              </a:p>
-            </c:txPr>
-            <c:dLblPos val="inEnd"/>
-            <c:showLegendKey val="0"/>
-            <c:showVal val="0"/>
-            <c:showCatName val="0"/>
-            <c:showSerName val="0"/>
-            <c:showPercent val="0"/>
-            <c:showBubbleSize val="0"/>
-            <c:showLeaderLines val="0"/>
-          </c:dLbls>
           <c:cat>
             <c:strRef>
               <c:f>Sheet1!$B$1:$C$1</c:f>
@@ -410,16 +383,22 @@
             <c:numRef>
               <c:f>Sheet1!$B$2:$C$2</c:f>
               <c:numCache>
+                <c:formatCode>General</c:formatCode>
                 <c:ptCount val="2"/>
                 <c:pt idx="0">
-                  <c:v>1394.200000</c:v>
+                  <c:v>1394.2</c:v>
                 </c:pt>
                 <c:pt idx="1">
-                  <c:v>780.000000</c:v>
+                  <c:v>780</c:v>
                 </c:pt>
               </c:numCache>
             </c:numRef>
           </c:val>
+          <c:extLst>
+            <c:ext xmlns:c16="http://schemas.microsoft.com/office/drawing/2014/chart" uri="{C3380CC4-5D6E-409C-BE32-E72D297353CC}">
+              <c16:uniqueId val="{00000000-C59F-4243-A938-8F6CEF860909}"/>
+            </c:ext>
+          </c:extLst>
         </c:ser>
         <c:ser>
           <c:idx val="1"/>
@@ -446,31 +425,6 @@
             <a:effectLst/>
           </c:spPr>
           <c:invertIfNegative val="0"/>
-          <c:dLbls>
-            <c:numFmt formatCode="#,##0" sourceLinked="0"/>
-            <c:txPr>
-              <a:bodyPr/>
-              <a:lstStyle/>
-              <a:p>
-                <a:pPr>
-                  <a:defRPr b="0" i="0" strike="noStrike" sz="5000" u="none">
-                    <a:solidFill>
-                      <a:srgbClr val="FFFFFF"/>
-                    </a:solidFill>
-                    <a:latin typeface="Graphik"/>
-                  </a:defRPr>
-                </a:pPr>
-              </a:p>
-            </c:txPr>
-            <c:dLblPos val="inEnd"/>
-            <c:showLegendKey val="0"/>
-            <c:showVal val="0"/>
-            <c:showCatName val="0"/>
-            <c:showSerName val="0"/>
-            <c:showPercent val="0"/>
-            <c:showBubbleSize val="0"/>
-            <c:showLeaderLines val="0"/>
-          </c:dLbls>
           <c:cat>
             <c:strRef>
               <c:f>Sheet1!$B$1:$C$1</c:f>
@@ -489,17 +443,31 @@
             <c:numRef>
               <c:f>Sheet1!$B$3:$C$3</c:f>
               <c:numCache>
+                <c:formatCode>General</c:formatCode>
                 <c:ptCount val="2"/>
                 <c:pt idx="0">
-                  <c:v>2201.400000</c:v>
+                  <c:v>2201.4</c:v>
                 </c:pt>
                 <c:pt idx="1">
-                  <c:v>1246.900000</c:v>
+                  <c:v>1246.9000000000001</c:v>
                 </c:pt>
               </c:numCache>
             </c:numRef>
           </c:val>
+          <c:extLst>
+            <c:ext xmlns:c16="http://schemas.microsoft.com/office/drawing/2014/chart" uri="{C3380CC4-5D6E-409C-BE32-E72D297353CC}">
+              <c16:uniqueId val="{00000001-C59F-4243-A938-8F6CEF860909}"/>
+            </c:ext>
+          </c:extLst>
         </c:ser>
+        <c:dLbls>
+          <c:showLegendKey val="0"/>
+          <c:showVal val="0"/>
+          <c:showCatName val="0"/>
+          <c:showSerName val="0"/>
+          <c:showPercent val="0"/>
+          <c:showBubbleSize val="0"/>
+        </c:dLbls>
         <c:gapWidth val="40"/>
         <c:overlap val="-10"/>
         <c:axId val="2094734552"/>
@@ -519,7 +487,7 @@
               <a:lstStyle/>
               <a:p>
                 <a:pPr>
-                  <a:defRPr b="0" i="0" strike="noStrike" sz="3400" u="none">
+                  <a:defRPr sz="3400" b="0" i="0" u="none" strike="noStrike">
                     <a:solidFill>
                       <a:srgbClr val="000000"/>
                     </a:solidFill>
@@ -527,7 +495,7 @@
                   </a:defRPr>
                 </a:pPr>
                 <a:r>
-                  <a:rPr b="0" i="0" strike="noStrike" sz="3400" u="none">
+                  <a:rPr lang="en-US" sz="3400" b="0" i="0" u="none" strike="noStrike">
                     <a:solidFill>
                       <a:srgbClr val="000000"/>
                     </a:solidFill>
@@ -538,7 +506,6 @@
               </a:p>
             </c:rich>
           </c:tx>
-          <c:layout/>
           <c:overlay val="1"/>
         </c:title>
         <c:numFmt formatCode="General" sourceLinked="0"/>
@@ -559,19 +526,21 @@
           <a:lstStyle/>
           <a:p>
             <a:pPr>
-              <a:defRPr b="0" i="0" strike="noStrike" sz="3400" u="none">
+              <a:defRPr sz="3400" b="0" i="0" u="none" strike="noStrike">
                 <a:solidFill>
                   <a:srgbClr val="000000"/>
                 </a:solidFill>
                 <a:latin typeface="Graphik"/>
               </a:defRPr>
             </a:pPr>
+            <a:endParaRPr lang="en-US"/>
           </a:p>
         </c:txPr>
         <c:crossAx val="2094734553"/>
         <c:crosses val="autoZero"/>
         <c:auto val="1"/>
         <c:lblAlgn val="ctr"/>
+        <c:lblOffset val="100"/>
         <c:noMultiLvlLbl val="1"/>
       </c:catAx>
       <c:valAx>
@@ -599,7 +568,7 @@
               <a:lstStyle/>
               <a:p>
                 <a:pPr>
-                  <a:defRPr b="0" i="0" strike="noStrike" sz="3400" u="none">
+                  <a:defRPr sz="3400" b="0" i="0" u="none" strike="noStrike">
                     <a:solidFill>
                       <a:srgbClr val="000000"/>
                     </a:solidFill>
@@ -607,7 +576,7 @@
                   </a:defRPr>
                 </a:pPr>
                 <a:r>
-                  <a:rPr b="0" i="0" strike="noStrike" sz="3400" u="none">
+                  <a:rPr lang="en-US" sz="3400" b="0" i="0" u="none" strike="noStrike">
                     <a:solidFill>
                       <a:srgbClr val="000000"/>
                     </a:solidFill>
@@ -618,7 +587,6 @@
               </a:p>
             </c:rich>
           </c:tx>
-          <c:layout/>
           <c:overlay val="1"/>
         </c:title>
         <c:numFmt formatCode="General" sourceLinked="0"/>
@@ -637,13 +605,14 @@
           <a:lstStyle/>
           <a:p>
             <a:pPr>
-              <a:defRPr b="0" i="0" strike="noStrike" sz="3400" u="none">
+              <a:defRPr sz="3400" b="0" i="0" u="none" strike="noStrike">
                 <a:solidFill>
                   <a:srgbClr val="000000"/>
                 </a:solidFill>
                 <a:latin typeface="Graphik"/>
               </a:defRPr>
             </a:pPr>
+            <a:endParaRPr lang="en-US"/>
           </a:p>
         </c:txPr>
         <c:crossAx val="2094734552"/>
@@ -669,8 +638,8 @@
           <c:yMode val="edge"/>
           <c:x val="0.195857"/>
           <c:y val="0"/>
-          <c:w val="0.765107"/>
-          <c:h val="0.0898451"/>
+          <c:w val="0.76510699999999998"/>
+          <c:h val="8.9845099999999997E-2"/>
         </c:manualLayout>
       </c:layout>
       <c:overlay val="1"/>
@@ -687,18 +656,20 @@
         <a:lstStyle/>
         <a:p>
           <a:pPr>
-            <a:defRPr b="0" i="0" strike="noStrike" sz="3400" u="none">
+            <a:defRPr sz="3400" b="0" i="0" u="none" strike="noStrike">
               <a:solidFill>
                 <a:srgbClr val="000000"/>
               </a:solidFill>
               <a:latin typeface="Graphik"/>
             </a:defRPr>
           </a:pPr>
+          <a:endParaRPr lang="en-US"/>
         </a:p>
       </c:txPr>
     </c:legend>
     <c:plotVisOnly val="1"/>
     <c:dispBlanksAs val="gap"/>
+    <c:showDLblsOverMax val="1"/>
   </c:chart>
   <c:spPr>
     <a:noFill/>
@@ -714,9 +685,11 @@
 </file>
 
 <file path=ppt/charts/chart2.xml><?xml version="1.0" encoding="utf-8"?>
-<c:chartSpace xmlns:c="http://schemas.openxmlformats.org/drawingml/2006/chart" xmlns:a="http://schemas.openxmlformats.org/drawingml/2006/main" xmlns:r="http://schemas.openxmlformats.org/officeDocument/2006/relationships">
+<c:chartSpace xmlns:c="http://schemas.openxmlformats.org/drawingml/2006/chart" xmlns:a="http://schemas.openxmlformats.org/drawingml/2006/main" xmlns:r="http://schemas.openxmlformats.org/officeDocument/2006/relationships" xmlns:c16r2="http://schemas.microsoft.com/office/drawing/2015/06/chart">
   <c:date1904 val="1"/>
+  <c:lang val="en-US"/>
   <c:roundedCorners val="0"/>
+  <c:style val="2"/>
   <c:chart>
     <c:autoTitleDeleted val="1"/>
     <c:plotArea>
@@ -725,10 +698,10 @@
           <c:layoutTarget val="inner"/>
           <c:xMode val="edge"/>
           <c:yMode val="edge"/>
-          <c:x val="0.241222"/>
+          <c:x val="0.24122199999999999"/>
           <c:y val="0.119241"/>
-          <c:w val="0.753778"/>
-          <c:h val="0.670447"/>
+          <c:w val="0.75377799999999995"/>
+          <c:h val="0.67044700000000002"/>
         </c:manualLayout>
       </c:layout>
       <c:barChart>
@@ -760,31 +733,6 @@
             <a:effectLst/>
           </c:spPr>
           <c:invertIfNegative val="0"/>
-          <c:dLbls>
-            <c:numFmt formatCode="#,##0" sourceLinked="0"/>
-            <c:txPr>
-              <a:bodyPr/>
-              <a:lstStyle/>
-              <a:p>
-                <a:pPr>
-                  <a:defRPr b="0" i="0" strike="noStrike" sz="5000" u="none">
-                    <a:solidFill>
-                      <a:srgbClr val="FFFFFF"/>
-                    </a:solidFill>
-                    <a:latin typeface="Graphik"/>
-                  </a:defRPr>
-                </a:pPr>
-              </a:p>
-            </c:txPr>
-            <c:dLblPos val="inEnd"/>
-            <c:showLegendKey val="0"/>
-            <c:showVal val="0"/>
-            <c:showCatName val="0"/>
-            <c:showSerName val="0"/>
-            <c:showPercent val="0"/>
-            <c:showBubbleSize val="0"/>
-            <c:showLeaderLines val="0"/>
-          </c:dLbls>
           <c:cat>
             <c:strRef>
               <c:f>Sheet1!$B$1:$C$1</c:f>
@@ -803,16 +751,22 @@
             <c:numRef>
               <c:f>Sheet1!$B$2:$C$2</c:f>
               <c:numCache>
+                <c:formatCode>General</c:formatCode>
                 <c:ptCount val="2"/>
                 <c:pt idx="0">
-                  <c:v>857.300000</c:v>
+                  <c:v>857.3</c:v>
                 </c:pt>
                 <c:pt idx="1">
-                  <c:v>561.700000</c:v>
+                  <c:v>561.70000000000005</c:v>
                 </c:pt>
               </c:numCache>
             </c:numRef>
           </c:val>
+          <c:extLst>
+            <c:ext xmlns:c16="http://schemas.microsoft.com/office/drawing/2014/chart" uri="{C3380CC4-5D6E-409C-BE32-E72D297353CC}">
+              <c16:uniqueId val="{00000000-F3FE-BF41-B39C-20918F27C626}"/>
+            </c:ext>
+          </c:extLst>
         </c:ser>
         <c:ser>
           <c:idx val="1"/>
@@ -839,31 +793,6 @@
             <a:effectLst/>
           </c:spPr>
           <c:invertIfNegative val="0"/>
-          <c:dLbls>
-            <c:numFmt formatCode="#,##0" sourceLinked="0"/>
-            <c:txPr>
-              <a:bodyPr/>
-              <a:lstStyle/>
-              <a:p>
-                <a:pPr>
-                  <a:defRPr b="0" i="0" strike="noStrike" sz="5000" u="none">
-                    <a:solidFill>
-                      <a:srgbClr val="FFFFFF"/>
-                    </a:solidFill>
-                    <a:latin typeface="Graphik"/>
-                  </a:defRPr>
-                </a:pPr>
-              </a:p>
-            </c:txPr>
-            <c:dLblPos val="inEnd"/>
-            <c:showLegendKey val="0"/>
-            <c:showVal val="0"/>
-            <c:showCatName val="0"/>
-            <c:showSerName val="0"/>
-            <c:showPercent val="0"/>
-            <c:showBubbleSize val="0"/>
-            <c:showLeaderLines val="0"/>
-          </c:dLbls>
           <c:cat>
             <c:strRef>
               <c:f>Sheet1!$B$1:$C$1</c:f>
@@ -882,17 +811,31 @@
             <c:numRef>
               <c:f>Sheet1!$B$3:$C$3</c:f>
               <c:numCache>
+                <c:formatCode>General</c:formatCode>
                 <c:ptCount val="2"/>
                 <c:pt idx="0">
-                  <c:v>1313.700000</c:v>
+                  <c:v>1313.7</c:v>
                 </c:pt>
                 <c:pt idx="1">
-                  <c:v>938.300000</c:v>
+                  <c:v>938.3</c:v>
                 </c:pt>
               </c:numCache>
             </c:numRef>
           </c:val>
+          <c:extLst>
+            <c:ext xmlns:c16="http://schemas.microsoft.com/office/drawing/2014/chart" uri="{C3380CC4-5D6E-409C-BE32-E72D297353CC}">
+              <c16:uniqueId val="{00000001-F3FE-BF41-B39C-20918F27C626}"/>
+            </c:ext>
+          </c:extLst>
         </c:ser>
+        <c:dLbls>
+          <c:showLegendKey val="0"/>
+          <c:showVal val="0"/>
+          <c:showCatName val="0"/>
+          <c:showSerName val="0"/>
+          <c:showPercent val="0"/>
+          <c:showBubbleSize val="0"/>
+        </c:dLbls>
         <c:gapWidth val="40"/>
         <c:overlap val="-10"/>
         <c:axId val="2094734552"/>
@@ -912,7 +855,7 @@
               <a:lstStyle/>
               <a:p>
                 <a:pPr>
-                  <a:defRPr b="0" i="0" strike="noStrike" sz="3400" u="none">
+                  <a:defRPr sz="3400" b="0" i="0" u="none" strike="noStrike">
                     <a:solidFill>
                       <a:srgbClr val="000000"/>
                     </a:solidFill>
@@ -920,7 +863,7 @@
                   </a:defRPr>
                 </a:pPr>
                 <a:r>
-                  <a:rPr b="0" i="0" strike="noStrike" sz="3400" u="none">
+                  <a:rPr lang="en-US" sz="3400" b="0" i="0" u="none" strike="noStrike">
                     <a:solidFill>
                       <a:srgbClr val="000000"/>
                     </a:solidFill>
@@ -931,7 +874,6 @@
               </a:p>
             </c:rich>
           </c:tx>
-          <c:layout/>
           <c:overlay val="1"/>
         </c:title>
         <c:numFmt formatCode="General" sourceLinked="0"/>
@@ -952,19 +894,21 @@
           <a:lstStyle/>
           <a:p>
             <a:pPr>
-              <a:defRPr b="0" i="0" strike="noStrike" sz="3400" u="none">
+              <a:defRPr sz="3400" b="0" i="0" u="none" strike="noStrike">
                 <a:solidFill>
                   <a:srgbClr val="000000"/>
                 </a:solidFill>
                 <a:latin typeface="Graphik"/>
               </a:defRPr>
             </a:pPr>
+            <a:endParaRPr lang="en-US"/>
           </a:p>
         </c:txPr>
         <c:crossAx val="2094734553"/>
         <c:crosses val="autoZero"/>
         <c:auto val="1"/>
         <c:lblAlgn val="ctr"/>
+        <c:lblOffset val="100"/>
         <c:noMultiLvlLbl val="1"/>
       </c:catAx>
       <c:valAx>
@@ -992,7 +936,7 @@
               <a:lstStyle/>
               <a:p>
                 <a:pPr>
-                  <a:defRPr b="0" i="0" strike="noStrike" sz="3400" u="none">
+                  <a:defRPr sz="3400" b="0" i="0" u="none" strike="noStrike">
                     <a:solidFill>
                       <a:srgbClr val="000000"/>
                     </a:solidFill>
@@ -1000,7 +944,7 @@
                   </a:defRPr>
                 </a:pPr>
                 <a:r>
-                  <a:rPr b="0" i="0" strike="noStrike" sz="3400" u="none">
+                  <a:rPr lang="en-US" sz="3400" b="0" i="0" u="none" strike="noStrike">
                     <a:solidFill>
                       <a:srgbClr val="000000"/>
                     </a:solidFill>
@@ -1011,7 +955,6 @@
               </a:p>
             </c:rich>
           </c:tx>
-          <c:layout/>
           <c:overlay val="1"/>
         </c:title>
         <c:numFmt formatCode="General" sourceLinked="0"/>
@@ -1030,13 +973,14 @@
           <a:lstStyle/>
           <a:p>
             <a:pPr>
-              <a:defRPr b="0" i="0" strike="noStrike" sz="3400" u="none">
+              <a:defRPr sz="3400" b="0" i="0" u="none" strike="noStrike">
                 <a:solidFill>
                   <a:srgbClr val="000000"/>
                 </a:solidFill>
                 <a:latin typeface="Graphik"/>
               </a:defRPr>
             </a:pPr>
+            <a:endParaRPr lang="en-US"/>
           </a:p>
         </c:txPr>
         <c:crossAx val="2094734552"/>
@@ -1062,8 +1006,8 @@
           <c:yMode val="edge"/>
           <c:x val="0.235876"/>
           <c:y val="0"/>
-          <c:w val="0.727031"/>
-          <c:h val="0.0913882"/>
+          <c:w val="0.72703099999999998"/>
+          <c:h val="9.1388200000000003E-2"/>
         </c:manualLayout>
       </c:layout>
       <c:overlay val="1"/>
@@ -1080,18 +1024,20 @@
         <a:lstStyle/>
         <a:p>
           <a:pPr>
-            <a:defRPr b="0" i="0" strike="noStrike" sz="3400" u="none">
+            <a:defRPr sz="3400" b="0" i="0" u="none" strike="noStrike">
               <a:solidFill>
                 <a:srgbClr val="000000"/>
               </a:solidFill>
               <a:latin typeface="Graphik"/>
             </a:defRPr>
           </a:pPr>
+          <a:endParaRPr lang="en-US"/>
         </a:p>
       </c:txPr>
     </c:legend>
     <c:plotVisOnly val="1"/>
     <c:dispBlanksAs val="gap"/>
+    <c:showDLblsOverMax val="1"/>
   </c:chart>
   <c:spPr>
     <a:noFill/>
@@ -1107,9 +1053,11 @@
 </file>
 
 <file path=ppt/charts/chart3.xml><?xml version="1.0" encoding="utf-8"?>
-<c:chartSpace xmlns:c="http://schemas.openxmlformats.org/drawingml/2006/chart" xmlns:a="http://schemas.openxmlformats.org/drawingml/2006/main" xmlns:r="http://schemas.openxmlformats.org/officeDocument/2006/relationships">
+<c:chartSpace xmlns:c="http://schemas.openxmlformats.org/drawingml/2006/chart" xmlns:a="http://schemas.openxmlformats.org/drawingml/2006/main" xmlns:r="http://schemas.openxmlformats.org/officeDocument/2006/relationships" xmlns:c16r2="http://schemas.microsoft.com/office/drawing/2015/06/chart">
   <c:date1904 val="1"/>
+  <c:lang val="en-US"/>
   <c:roundedCorners val="0"/>
+  <c:style val="2"/>
   <c:chart>
     <c:autoTitleDeleted val="1"/>
     <c:plotArea>
@@ -1118,10 +1066,10 @@
           <c:layoutTarget val="inner"/>
           <c:xMode val="edge"/>
           <c:yMode val="edge"/>
-          <c:x val="0.171923"/>
-          <c:y val="0.180612"/>
-          <c:w val="0.823077"/>
-          <c:h val="0.62286"/>
+          <c:x val="0.17192299999999999"/>
+          <c:y val="0.18061199999999999"/>
+          <c:w val="0.82307699999999995"/>
+          <c:h val="0.62285999999999997"/>
         </c:manualLayout>
       </c:layout>
       <c:barChart>
@@ -1153,31 +1101,6 @@
             <a:effectLst/>
           </c:spPr>
           <c:invertIfNegative val="0"/>
-          <c:dLbls>
-            <c:numFmt formatCode="#,##0" sourceLinked="0"/>
-            <c:txPr>
-              <a:bodyPr/>
-              <a:lstStyle/>
-              <a:p>
-                <a:pPr>
-                  <a:defRPr b="0" i="0" strike="noStrike" sz="5000" u="none">
-                    <a:solidFill>
-                      <a:srgbClr val="FFFFFF"/>
-                    </a:solidFill>
-                    <a:latin typeface="Graphik"/>
-                  </a:defRPr>
-                </a:pPr>
-              </a:p>
-            </c:txPr>
-            <c:dLblPos val="inEnd"/>
-            <c:showLegendKey val="0"/>
-            <c:showVal val="0"/>
-            <c:showCatName val="0"/>
-            <c:showSerName val="0"/>
-            <c:showPercent val="0"/>
-            <c:showBubbleSize val="0"/>
-            <c:showLeaderLines val="0"/>
-          </c:dLbls>
           <c:cat>
             <c:strRef>
               <c:f>Sheet1!$B$1:$C$1</c:f>
@@ -1196,16 +1119,22 @@
             <c:numRef>
               <c:f>Sheet1!$B$2:$C$2</c:f>
               <c:numCache>
+                <c:formatCode>General</c:formatCode>
                 <c:ptCount val="2"/>
                 <c:pt idx="0">
-                  <c:v>276.400000</c:v>
+                  <c:v>276.39999999999998</c:v>
                 </c:pt>
                 <c:pt idx="1">
-                  <c:v>73.600000</c:v>
+                  <c:v>73.599999999999994</c:v>
                 </c:pt>
               </c:numCache>
             </c:numRef>
           </c:val>
+          <c:extLst>
+            <c:ext xmlns:c16="http://schemas.microsoft.com/office/drawing/2014/chart" uri="{C3380CC4-5D6E-409C-BE32-E72D297353CC}">
+              <c16:uniqueId val="{00000000-C7D8-BC47-9FA9-6A55A462A2D6}"/>
+            </c:ext>
+          </c:extLst>
         </c:ser>
         <c:ser>
           <c:idx val="1"/>
@@ -1232,31 +1161,6 @@
             <a:effectLst/>
           </c:spPr>
           <c:invertIfNegative val="0"/>
-          <c:dLbls>
-            <c:numFmt formatCode="#,##0" sourceLinked="0"/>
-            <c:txPr>
-              <a:bodyPr/>
-              <a:lstStyle/>
-              <a:p>
-                <a:pPr>
-                  <a:defRPr b="0" i="0" strike="noStrike" sz="5000" u="none">
-                    <a:solidFill>
-                      <a:srgbClr val="FFFFFF"/>
-                    </a:solidFill>
-                    <a:latin typeface="Graphik"/>
-                  </a:defRPr>
-                </a:pPr>
-              </a:p>
-            </c:txPr>
-            <c:dLblPos val="inEnd"/>
-            <c:showLegendKey val="0"/>
-            <c:showVal val="0"/>
-            <c:showCatName val="0"/>
-            <c:showSerName val="0"/>
-            <c:showPercent val="0"/>
-            <c:showBubbleSize val="0"/>
-            <c:showLeaderLines val="0"/>
-          </c:dLbls>
           <c:cat>
             <c:strRef>
               <c:f>Sheet1!$B$1:$C$1</c:f>
@@ -1275,17 +1179,31 @@
             <c:numRef>
               <c:f>Sheet1!$B$3:$C$3</c:f>
               <c:numCache>
+                <c:formatCode>General</c:formatCode>
                 <c:ptCount val="2"/>
                 <c:pt idx="0">
-                  <c:v>396.300000</c:v>
+                  <c:v>396.3</c:v>
                 </c:pt>
                 <c:pt idx="1">
-                  <c:v>69.400000</c:v>
+                  <c:v>69.400000000000006</c:v>
                 </c:pt>
               </c:numCache>
             </c:numRef>
           </c:val>
+          <c:extLst>
+            <c:ext xmlns:c16="http://schemas.microsoft.com/office/drawing/2014/chart" uri="{C3380CC4-5D6E-409C-BE32-E72D297353CC}">
+              <c16:uniqueId val="{00000001-C7D8-BC47-9FA9-6A55A462A2D6}"/>
+            </c:ext>
+          </c:extLst>
         </c:ser>
+        <c:dLbls>
+          <c:showLegendKey val="0"/>
+          <c:showVal val="0"/>
+          <c:showCatName val="0"/>
+          <c:showSerName val="0"/>
+          <c:showPercent val="0"/>
+          <c:showBubbleSize val="0"/>
+        </c:dLbls>
         <c:gapWidth val="40"/>
         <c:overlap val="-10"/>
         <c:axId val="2094734552"/>
@@ -1305,7 +1223,7 @@
               <a:lstStyle/>
               <a:p>
                 <a:pPr>
-                  <a:defRPr b="0" i="0" strike="noStrike" sz="3400" u="none">
+                  <a:defRPr sz="3400" b="0" i="0" u="none" strike="noStrike">
                     <a:solidFill>
                       <a:srgbClr val="000000"/>
                     </a:solidFill>
@@ -1313,7 +1231,7 @@
                   </a:defRPr>
                 </a:pPr>
                 <a:r>
-                  <a:rPr b="0" i="0" strike="noStrike" sz="3400" u="none">
+                  <a:rPr lang="en-US" sz="3400" b="0" i="0" u="none" strike="noStrike">
                     <a:solidFill>
                       <a:srgbClr val="000000"/>
                     </a:solidFill>
@@ -1324,7 +1242,6 @@
               </a:p>
             </c:rich>
           </c:tx>
-          <c:layout/>
           <c:overlay val="1"/>
         </c:title>
         <c:numFmt formatCode="General" sourceLinked="0"/>
@@ -1345,19 +1262,21 @@
           <a:lstStyle/>
           <a:p>
             <a:pPr>
-              <a:defRPr b="0" i="0" strike="noStrike" sz="3400" u="none">
+              <a:defRPr sz="3400" b="0" i="0" u="none" strike="noStrike">
                 <a:solidFill>
                   <a:srgbClr val="000000"/>
                 </a:solidFill>
                 <a:latin typeface="Graphik"/>
               </a:defRPr>
             </a:pPr>
+            <a:endParaRPr lang="en-US"/>
           </a:p>
         </c:txPr>
         <c:crossAx val="2094734553"/>
         <c:crosses val="autoZero"/>
         <c:auto val="1"/>
         <c:lblAlgn val="ctr"/>
+        <c:lblOffset val="100"/>
         <c:noMultiLvlLbl val="1"/>
       </c:catAx>
       <c:valAx>
@@ -1385,7 +1304,7 @@
               <a:lstStyle/>
               <a:p>
                 <a:pPr>
-                  <a:defRPr b="0" i="0" strike="noStrike" sz="3400" u="none">
+                  <a:defRPr sz="3400" b="0" i="0" u="none" strike="noStrike">
                     <a:solidFill>
                       <a:srgbClr val="000000"/>
                     </a:solidFill>
@@ -1393,7 +1312,7 @@
                   </a:defRPr>
                 </a:pPr>
                 <a:r>
-                  <a:rPr b="0" i="0" strike="noStrike" sz="3400" u="none">
+                  <a:rPr lang="en-US" sz="3400" b="0" i="0" u="none" strike="noStrike">
                     <a:solidFill>
                       <a:srgbClr val="000000"/>
                     </a:solidFill>
@@ -1404,7 +1323,6 @@
               </a:p>
             </c:rich>
           </c:tx>
-          <c:layout/>
           <c:overlay val="1"/>
         </c:title>
         <c:numFmt formatCode="General" sourceLinked="0"/>
@@ -1423,13 +1341,14 @@
           <a:lstStyle/>
           <a:p>
             <a:pPr>
-              <a:defRPr b="0" i="0" strike="noStrike" sz="3400" u="none">
+              <a:defRPr sz="3400" b="0" i="0" u="none" strike="noStrike">
                 <a:solidFill>
                   <a:srgbClr val="000000"/>
                 </a:solidFill>
                 <a:latin typeface="Graphik"/>
               </a:defRPr>
             </a:pPr>
+            <a:endParaRPr lang="en-US"/>
           </a:p>
         </c:txPr>
         <c:crossAx val="2094734552"/>
@@ -1453,10 +1372,10 @@
         <c:manualLayout>
           <c:xMode val="edge"/>
           <c:yMode val="edge"/>
-          <c:x val="0.120346"/>
+          <c:x val="0.12034599999999999"/>
           <c:y val="0"/>
-          <c:w val="0.836952"/>
-          <c:h val="0.0867623"/>
+          <c:w val="0.83695200000000003"/>
+          <c:h val="8.6762300000000001E-2"/>
         </c:manualLayout>
       </c:layout>
       <c:overlay val="1"/>
@@ -1473,18 +1392,20 @@
         <a:lstStyle/>
         <a:p>
           <a:pPr>
-            <a:defRPr b="0" i="0" strike="noStrike" sz="3400" u="none">
+            <a:defRPr sz="3400" b="0" i="0" u="none" strike="noStrike">
               <a:solidFill>
                 <a:srgbClr val="000000"/>
               </a:solidFill>
               <a:latin typeface="Graphik"/>
             </a:defRPr>
           </a:pPr>
+          <a:endParaRPr lang="en-US"/>
         </a:p>
       </c:txPr>
     </c:legend>
     <c:plotVisOnly val="1"/>
     <c:dispBlanksAs val="gap"/>
+    <c:showDLblsOverMax val="1"/>
   </c:chart>
   <c:spPr>
     <a:noFill/>
@@ -1500,8 +1421,13 @@
 </file>
 
 <file path=ppt/notesMasters/notesMaster1.xml><?xml version="1.0" encoding="utf-8"?>
-<p:notesMaster xmlns:a="http://schemas.openxmlformats.org/drawingml/2006/main" xmlns:r="http://schemas.openxmlformats.org/officeDocument/2006/relationships" xmlns:p="http://schemas.openxmlformats.org/presentationml/2006/main" xmlns:m="http://schemas.openxmlformats.org/officeDocument/2006/math" xmlns:a14="http://schemas.microsoft.com/office/drawing/2010/main">
+<p:notesMaster xmlns:a="http://schemas.openxmlformats.org/drawingml/2006/main" xmlns:r="http://schemas.openxmlformats.org/officeDocument/2006/relationships" xmlns:p="http://schemas.openxmlformats.org/presentationml/2006/main">
   <p:cSld>
+    <p:bg>
+      <p:bgRef idx="1001">
+        <a:schemeClr val="bg1"/>
+      </p:bgRef>
+    </p:bg>
     <p:spTree>
       <p:nvGrpSpPr>
         <p:cNvPr id="1" name=""/>
@@ -1519,7 +1445,9 @@
       <p:sp>
         <p:nvSpPr>
           <p:cNvPr id="148" name="Shape 148"/>
-          <p:cNvSpPr/>
+          <p:cNvSpPr>
+            <a:spLocks noGrp="1" noRot="1" noChangeAspect="1"/>
+          </p:cNvSpPr>
           <p:nvPr>
             <p:ph type="sldImg"/>
           </p:nvPr>
@@ -1537,14 +1465,16 @@
           <a:bodyPr/>
           <a:lstStyle/>
           <a:p>
-            <a:pPr/>
+            <a:endParaRPr/>
           </a:p>
         </p:txBody>
       </p:sp>
       <p:sp>
         <p:nvSpPr>
           <p:cNvPr id="149" name="Shape 149"/>
-          <p:cNvSpPr/>
+          <p:cNvSpPr>
+            <a:spLocks noGrp="1"/>
+          </p:cNvSpPr>
           <p:nvPr>
             <p:ph type="body" sz="quarter" idx="1"/>
           </p:nvPr>
@@ -1562,7 +1492,7 @@
           <a:bodyPr/>
           <a:lstStyle/>
           <a:p>
-            <a:pPr/>
+            <a:endParaRPr/>
           </a:p>
         </p:txBody>
       </p:sp>
@@ -1674,7 +1604,7 @@
 </file>
 
 <file path=ppt/slideLayouts/slideLayout1.xml><?xml version="1.0" encoding="utf-8"?>
-<p:sldLayout xmlns:a="http://schemas.openxmlformats.org/drawingml/2006/main" xmlns:r="http://schemas.openxmlformats.org/officeDocument/2006/relationships" xmlns:p="http://schemas.openxmlformats.org/presentationml/2006/main" xmlns:m="http://schemas.openxmlformats.org/officeDocument/2006/math" xmlns:a14="http://schemas.microsoft.com/office/drawing/2010/main" type="title" showMasterSp="1" showMasterPhAnim="1">
+<p:sldLayout xmlns:a="http://schemas.openxmlformats.org/drawingml/2006/main" xmlns:r="http://schemas.openxmlformats.org/officeDocument/2006/relationships" xmlns:p="http://schemas.openxmlformats.org/presentationml/2006/main" type="title">
   <p:cSld name="Title">
     <p:spTree>
       <p:nvGrpSpPr>
@@ -1693,7 +1623,9 @@
       <p:sp>
         <p:nvSpPr>
           <p:cNvPr id="11" name="Author and Date"/>
-          <p:cNvSpPr txBox="1"/>
+          <p:cNvSpPr txBox="1">
+            <a:spLocks noGrp="1"/>
+          </p:cNvSpPr>
           <p:nvPr>
             <p:ph type="body" sz="quarter" idx="21" hasCustomPrompt="1"/>
           </p:nvPr>
@@ -1719,16 +1651,15 @@
               </a:spcBef>
               <a:buSzTx/>
               <a:buNone/>
-              <a:defRPr spc="-29" sz="3000">
-                <a:latin typeface="Graphik Medium"/>
-                <a:ea typeface="Graphik Medium"/>
-                <a:cs typeface="Graphik Medium"/>
+              <a:defRPr sz="3000" spc="-29">
+                <a:latin typeface="Graphik-Medium"/>
+                <a:ea typeface="Graphik-Medium"/>
+                <a:cs typeface="Graphik-Medium"/>
                 <a:sym typeface="Graphik Medium"/>
               </a:defRPr>
             </a:lvl1pPr>
           </a:lstStyle>
           <a:p>
-            <a:pPr/>
             <a:r>
               <a:t>Author and Date</a:t>
             </a:r>
@@ -1738,7 +1669,9 @@
       <p:sp>
         <p:nvSpPr>
           <p:cNvPr id="12" name="Presentation Title"/>
-          <p:cNvSpPr txBox="1"/>
+          <p:cNvSpPr txBox="1">
+            <a:spLocks noGrp="1"/>
+          </p:cNvSpPr>
           <p:nvPr>
             <p:ph type="title" hasCustomPrompt="1"/>
           </p:nvPr>
@@ -1756,11 +1689,10 @@
           <a:bodyPr anchor="b"/>
           <a:lstStyle>
             <a:lvl1pPr>
-              <a:defRPr spc="-128" sz="12800"/>
+              <a:defRPr sz="12800" spc="-128"/>
             </a:lvl1pPr>
           </a:lstStyle>
           <a:p>
-            <a:pPr/>
             <a:r>
               <a:t>Presentation Title</a:t>
             </a:r>
@@ -1770,7 +1702,9 @@
       <p:sp>
         <p:nvSpPr>
           <p:cNvPr id="13" name="Body Level One…"/>
-          <p:cNvSpPr txBox="1"/>
+          <p:cNvSpPr txBox="1">
+            <a:spLocks noGrp="1"/>
+          </p:cNvSpPr>
           <p:nvPr>
             <p:ph type="body" sz="quarter" idx="1" hasCustomPrompt="1"/>
           </p:nvPr>
@@ -1796,10 +1730,10 @@
               </a:spcBef>
               <a:buSzTx/>
               <a:buNone/>
-              <a:defRPr spc="-59" sz="6000">
-                <a:latin typeface="Graphik Semibold"/>
-                <a:ea typeface="Graphik Semibold"/>
-                <a:cs typeface="Graphik Semibold"/>
+              <a:defRPr sz="6000" spc="-59">
+                <a:latin typeface="Graphik-SemiboldItalic"/>
+                <a:ea typeface="Graphik-SemiboldItalic"/>
+                <a:cs typeface="Graphik-SemiboldItalic"/>
                 <a:sym typeface="Graphik Semibold"/>
               </a:defRPr>
             </a:lvl1pPr>
@@ -1812,10 +1746,10 @@
               </a:spcBef>
               <a:buSzTx/>
               <a:buNone/>
-              <a:defRPr spc="-59" sz="6000">
-                <a:latin typeface="Graphik Semibold"/>
-                <a:ea typeface="Graphik Semibold"/>
-                <a:cs typeface="Graphik Semibold"/>
+              <a:defRPr sz="6000" spc="-59">
+                <a:latin typeface="Graphik-SemiboldItalic"/>
+                <a:ea typeface="Graphik-SemiboldItalic"/>
+                <a:cs typeface="Graphik-SemiboldItalic"/>
                 <a:sym typeface="Graphik Semibold"/>
               </a:defRPr>
             </a:lvl2pPr>
@@ -1828,10 +1762,10 @@
               </a:spcBef>
               <a:buSzTx/>
               <a:buNone/>
-              <a:defRPr spc="-59" sz="6000">
-                <a:latin typeface="Graphik Semibold"/>
-                <a:ea typeface="Graphik Semibold"/>
-                <a:cs typeface="Graphik Semibold"/>
+              <a:defRPr sz="6000" spc="-59">
+                <a:latin typeface="Graphik-SemiboldItalic"/>
+                <a:ea typeface="Graphik-SemiboldItalic"/>
+                <a:cs typeface="Graphik-SemiboldItalic"/>
                 <a:sym typeface="Graphik Semibold"/>
               </a:defRPr>
             </a:lvl3pPr>
@@ -1844,10 +1778,10 @@
               </a:spcBef>
               <a:buSzTx/>
               <a:buNone/>
-              <a:defRPr spc="-59" sz="6000">
-                <a:latin typeface="Graphik Semibold"/>
-                <a:ea typeface="Graphik Semibold"/>
-                <a:cs typeface="Graphik Semibold"/>
+              <a:defRPr sz="6000" spc="-59">
+                <a:latin typeface="Graphik-SemiboldItalic"/>
+                <a:ea typeface="Graphik-SemiboldItalic"/>
+                <a:cs typeface="Graphik-SemiboldItalic"/>
                 <a:sym typeface="Graphik Semibold"/>
               </a:defRPr>
             </a:lvl4pPr>
@@ -1860,50 +1794,43 @@
               </a:spcBef>
               <a:buSzTx/>
               <a:buNone/>
-              <a:defRPr spc="-59" sz="6000">
-                <a:latin typeface="Graphik Semibold"/>
-                <a:ea typeface="Graphik Semibold"/>
-                <a:cs typeface="Graphik Semibold"/>
+              <a:defRPr sz="6000" spc="-59">
+                <a:latin typeface="Graphik-SemiboldItalic"/>
+                <a:ea typeface="Graphik-SemiboldItalic"/>
+                <a:cs typeface="Graphik-SemiboldItalic"/>
                 <a:sym typeface="Graphik Semibold"/>
               </a:defRPr>
             </a:lvl5pPr>
           </a:lstStyle>
           <a:p>
-            <a:pPr/>
             <a:r>
               <a:t>Presentation Subtitle</a:t>
             </a:r>
           </a:p>
           <a:p>
             <a:pPr lvl="1"/>
-            <a:r>
-              <a:t/>
-            </a:r>
+            <a:endParaRPr/>
           </a:p>
           <a:p>
             <a:pPr lvl="2"/>
-            <a:r>
-              <a:t/>
-            </a:r>
+            <a:endParaRPr/>
           </a:p>
           <a:p>
             <a:pPr lvl="3"/>
-            <a:r>
-              <a:t/>
-            </a:r>
+            <a:endParaRPr/>
           </a:p>
           <a:p>
             <a:pPr lvl="4"/>
-            <a:r>
-              <a:t/>
-            </a:r>
+            <a:endParaRPr/>
           </a:p>
         </p:txBody>
       </p:sp>
       <p:sp>
         <p:nvSpPr>
           <p:cNvPr id="14" name="Slide Number"/>
-          <p:cNvSpPr txBox="1"/>
+          <p:cNvSpPr txBox="1">
+            <a:spLocks noGrp="1"/>
+          </p:cNvSpPr>
           <p:nvPr>
             <p:ph type="sldNum" sz="quarter" idx="2"/>
           </p:nvPr>
@@ -1921,8 +1848,10 @@
           <a:bodyPr/>
           <a:lstStyle/>
           <a:p>
-            <a:pPr/>
-            <a:fld id="{86CB4B4D-7CA3-9044-876B-883B54F8677D}" type="slidenum"/>
+            <a:fld id="{86CB4B4D-7CA3-9044-876B-883B54F8677D}" type="slidenum">
+              <a:t>‹#›</a:t>
+            </a:fld>
+            <a:endParaRPr/>
           </a:p>
         </p:txBody>
       </p:sp>
@@ -1931,12 +1860,12 @@
   <p:clrMapOvr>
     <a:masterClrMapping/>
   </p:clrMapOvr>
-  <p:transition xmlns:p14="http://schemas.microsoft.com/office/powerpoint/2010/main" spd="med" advClick="1"/>
+  <p:transition spd="med"/>
 </p:sldLayout>
 </file>
 
 <file path=ppt/slideLayouts/slideLayout10.xml><?xml version="1.0" encoding="utf-8"?>
-<p:sldLayout xmlns:a="http://schemas.openxmlformats.org/drawingml/2006/main" xmlns:r="http://schemas.openxmlformats.org/officeDocument/2006/relationships" xmlns:p="http://schemas.openxmlformats.org/presentationml/2006/main" xmlns:m="http://schemas.openxmlformats.org/officeDocument/2006/math" xmlns:a14="http://schemas.microsoft.com/office/drawing/2010/main" type="tx" showMasterSp="1" showMasterPhAnim="1">
+<p:sldLayout xmlns:a="http://schemas.openxmlformats.org/drawingml/2006/main" xmlns:r="http://schemas.openxmlformats.org/officeDocument/2006/relationships" xmlns:p="http://schemas.openxmlformats.org/presentationml/2006/main" type="tx">
   <p:cSld name="Statement">
     <p:spTree>
       <p:nvGrpSpPr>
@@ -1955,7 +1884,9 @@
       <p:sp>
         <p:nvSpPr>
           <p:cNvPr id="98" name="Body Level One…"/>
-          <p:cNvSpPr txBox="1"/>
+          <p:cNvSpPr txBox="1">
+            <a:spLocks noGrp="1"/>
+          </p:cNvSpPr>
           <p:nvPr>
             <p:ph type="body" idx="1" hasCustomPrompt="1"/>
           </p:nvPr>
@@ -2054,41 +1985,34 @@
             </a:lvl5pPr>
           </a:lstStyle>
           <a:p>
-            <a:pPr/>
             <a:r>
               <a:t>Statement</a:t>
             </a:r>
           </a:p>
           <a:p>
             <a:pPr lvl="1"/>
-            <a:r>
-              <a:t/>
-            </a:r>
+            <a:endParaRPr/>
           </a:p>
           <a:p>
             <a:pPr lvl="2"/>
-            <a:r>
-              <a:t/>
-            </a:r>
+            <a:endParaRPr/>
           </a:p>
           <a:p>
             <a:pPr lvl="3"/>
-            <a:r>
-              <a:t/>
-            </a:r>
+            <a:endParaRPr/>
           </a:p>
           <a:p>
             <a:pPr lvl="4"/>
-            <a:r>
-              <a:t/>
-            </a:r>
+            <a:endParaRPr/>
           </a:p>
         </p:txBody>
       </p:sp>
       <p:sp>
         <p:nvSpPr>
           <p:cNvPr id="99" name="Slide Number"/>
-          <p:cNvSpPr txBox="1"/>
+          <p:cNvSpPr txBox="1">
+            <a:spLocks noGrp="1"/>
+          </p:cNvSpPr>
           <p:nvPr>
             <p:ph type="sldNum" sz="quarter" idx="2"/>
           </p:nvPr>
@@ -2102,8 +2026,10 @@
           <a:bodyPr/>
           <a:lstStyle/>
           <a:p>
-            <a:pPr/>
-            <a:fld id="{86CB4B4D-7CA3-9044-876B-883B54F8677D}" type="slidenum"/>
+            <a:fld id="{86CB4B4D-7CA3-9044-876B-883B54F8677D}" type="slidenum">
+              <a:t>‹#›</a:t>
+            </a:fld>
+            <a:endParaRPr/>
           </a:p>
         </p:txBody>
       </p:sp>
@@ -2112,12 +2038,12 @@
   <p:clrMapOvr>
     <a:masterClrMapping/>
   </p:clrMapOvr>
-  <p:transition xmlns:p14="http://schemas.microsoft.com/office/powerpoint/2010/main" spd="med" advClick="1"/>
+  <p:transition spd="med"/>
 </p:sldLayout>
 </file>
 
 <file path=ppt/slideLayouts/slideLayout11.xml><?xml version="1.0" encoding="utf-8"?>
-<p:sldLayout xmlns:a="http://schemas.openxmlformats.org/drawingml/2006/main" xmlns:r="http://schemas.openxmlformats.org/officeDocument/2006/relationships" xmlns:p="http://schemas.openxmlformats.org/presentationml/2006/main" xmlns:m="http://schemas.openxmlformats.org/officeDocument/2006/math" xmlns:a14="http://schemas.microsoft.com/office/drawing/2010/main" type="tx" showMasterSp="1" showMasterPhAnim="1">
+<p:sldLayout xmlns:a="http://schemas.openxmlformats.org/drawingml/2006/main" xmlns:r="http://schemas.openxmlformats.org/officeDocument/2006/relationships" xmlns:p="http://schemas.openxmlformats.org/presentationml/2006/main" type="tx">
   <p:cSld name="Big Fact">
     <p:spTree>
       <p:nvGrpSpPr>
@@ -2136,7 +2062,9 @@
       <p:sp>
         <p:nvSpPr>
           <p:cNvPr id="106" name="Fact information"/>
-          <p:cNvSpPr txBox="1"/>
+          <p:cNvSpPr txBox="1">
+            <a:spLocks noGrp="1"/>
+          </p:cNvSpPr>
           <p:nvPr>
             <p:ph type="body" sz="quarter" idx="21" hasCustomPrompt="1"/>
           </p:nvPr>
@@ -2163,15 +2091,14 @@
               <a:buSzTx/>
               <a:buNone/>
               <a:defRPr spc="-44">
-                <a:latin typeface="Graphik Semibold"/>
-                <a:ea typeface="Graphik Semibold"/>
-                <a:cs typeface="Graphik Semibold"/>
+                <a:latin typeface="Graphik-SemiboldItalic"/>
+                <a:ea typeface="Graphik-SemiboldItalic"/>
+                <a:cs typeface="Graphik-SemiboldItalic"/>
                 <a:sym typeface="Graphik Semibold"/>
               </a:defRPr>
             </a:lvl1pPr>
           </a:lstStyle>
           <a:p>
-            <a:pPr/>
             <a:r>
               <a:t>Fact information</a:t>
             </a:r>
@@ -2181,7 +2108,9 @@
       <p:sp>
         <p:nvSpPr>
           <p:cNvPr id="107" name="Body Level One…"/>
-          <p:cNvSpPr txBox="1"/>
+          <p:cNvSpPr txBox="1">
+            <a:spLocks noGrp="1"/>
+          </p:cNvSpPr>
           <p:nvPr>
             <p:ph type="body" sz="half" idx="1" hasCustomPrompt="1"/>
           </p:nvPr>
@@ -2280,41 +2209,34 @@
             </a:lvl5pPr>
           </a:lstStyle>
           <a:p>
-            <a:pPr/>
             <a:r>
               <a:t>100%</a:t>
             </a:r>
           </a:p>
           <a:p>
             <a:pPr lvl="1"/>
-            <a:r>
-              <a:t/>
-            </a:r>
+            <a:endParaRPr/>
           </a:p>
           <a:p>
             <a:pPr lvl="2"/>
-            <a:r>
-              <a:t/>
-            </a:r>
+            <a:endParaRPr/>
           </a:p>
           <a:p>
             <a:pPr lvl="3"/>
-            <a:r>
-              <a:t/>
-            </a:r>
+            <a:endParaRPr/>
           </a:p>
           <a:p>
             <a:pPr lvl="4"/>
-            <a:r>
-              <a:t/>
-            </a:r>
+            <a:endParaRPr/>
           </a:p>
         </p:txBody>
       </p:sp>
       <p:sp>
         <p:nvSpPr>
           <p:cNvPr id="108" name="Slide Number"/>
-          <p:cNvSpPr txBox="1"/>
+          <p:cNvSpPr txBox="1">
+            <a:spLocks noGrp="1"/>
+          </p:cNvSpPr>
           <p:nvPr>
             <p:ph type="sldNum" sz="quarter" idx="2"/>
           </p:nvPr>
@@ -2328,8 +2250,10 @@
           <a:bodyPr/>
           <a:lstStyle/>
           <a:p>
-            <a:pPr/>
-            <a:fld id="{86CB4B4D-7CA3-9044-876B-883B54F8677D}" type="slidenum"/>
+            <a:fld id="{86CB4B4D-7CA3-9044-876B-883B54F8677D}" type="slidenum">
+              <a:t>‹#›</a:t>
+            </a:fld>
+            <a:endParaRPr/>
           </a:p>
         </p:txBody>
       </p:sp>
@@ -2338,12 +2262,12 @@
   <p:clrMapOvr>
     <a:masterClrMapping/>
   </p:clrMapOvr>
-  <p:transition xmlns:p14="http://schemas.microsoft.com/office/powerpoint/2010/main" spd="med" advClick="1"/>
+  <p:transition spd="med"/>
 </p:sldLayout>
 </file>
 
 <file path=ppt/slideLayouts/slideLayout12.xml><?xml version="1.0" encoding="utf-8"?>
-<p:sldLayout xmlns:a="http://schemas.openxmlformats.org/drawingml/2006/main" xmlns:r="http://schemas.openxmlformats.org/officeDocument/2006/relationships" xmlns:p="http://schemas.openxmlformats.org/presentationml/2006/main" xmlns:m="http://schemas.openxmlformats.org/officeDocument/2006/math" xmlns:a14="http://schemas.microsoft.com/office/drawing/2010/main" type="tx" showMasterSp="1" showMasterPhAnim="1">
+<p:sldLayout xmlns:a="http://schemas.openxmlformats.org/drawingml/2006/main" xmlns:r="http://schemas.openxmlformats.org/officeDocument/2006/relationships" xmlns:p="http://schemas.openxmlformats.org/presentationml/2006/main" type="tx">
   <p:cSld name="Quote">
     <p:spTree>
       <p:nvGrpSpPr>
@@ -2362,7 +2286,9 @@
       <p:sp>
         <p:nvSpPr>
           <p:cNvPr id="115" name="Attribution"/>
-          <p:cNvSpPr txBox="1"/>
+          <p:cNvSpPr txBox="1">
+            <a:spLocks noGrp="1"/>
+          </p:cNvSpPr>
           <p:nvPr>
             <p:ph type="body" sz="quarter" idx="21" hasCustomPrompt="1"/>
           </p:nvPr>
@@ -2389,15 +2315,14 @@
               <a:buSzTx/>
               <a:buNone/>
               <a:defRPr spc="-44">
-                <a:latin typeface="Graphik Semibold"/>
-                <a:ea typeface="Graphik Semibold"/>
-                <a:cs typeface="Graphik Semibold"/>
+                <a:latin typeface="Graphik-SemiboldItalic"/>
+                <a:ea typeface="Graphik-SemiboldItalic"/>
+                <a:cs typeface="Graphik-SemiboldItalic"/>
                 <a:sym typeface="Graphik Semibold"/>
               </a:defRPr>
             </a:lvl1pPr>
           </a:lstStyle>
           <a:p>
-            <a:pPr/>
             <a:r>
               <a:t>Attribution</a:t>
             </a:r>
@@ -2407,7 +2332,9 @@
       <p:sp>
         <p:nvSpPr>
           <p:cNvPr id="116" name="Body Level One…"/>
-          <p:cNvSpPr txBox="1"/>
+          <p:cNvSpPr txBox="1">
+            <a:spLocks noGrp="1"/>
+          </p:cNvSpPr>
           <p:nvPr>
             <p:ph type="body" sz="half" idx="1" hasCustomPrompt="1"/>
           </p:nvPr>
@@ -2506,41 +2433,34 @@
             </a:lvl5pPr>
           </a:lstStyle>
           <a:p>
-            <a:pPr/>
             <a:r>
               <a:t>“Notable Quote”</a:t>
             </a:r>
           </a:p>
           <a:p>
             <a:pPr lvl="1"/>
-            <a:r>
-              <a:t/>
-            </a:r>
+            <a:endParaRPr/>
           </a:p>
           <a:p>
             <a:pPr lvl="2"/>
-            <a:r>
-              <a:t/>
-            </a:r>
+            <a:endParaRPr/>
           </a:p>
           <a:p>
             <a:pPr lvl="3"/>
-            <a:r>
-              <a:t/>
-            </a:r>
+            <a:endParaRPr/>
           </a:p>
           <a:p>
             <a:pPr lvl="4"/>
-            <a:r>
-              <a:t/>
-            </a:r>
+            <a:endParaRPr/>
           </a:p>
         </p:txBody>
       </p:sp>
       <p:sp>
         <p:nvSpPr>
           <p:cNvPr id="117" name="Slide Number"/>
-          <p:cNvSpPr txBox="1"/>
+          <p:cNvSpPr txBox="1">
+            <a:spLocks noGrp="1"/>
+          </p:cNvSpPr>
           <p:nvPr>
             <p:ph type="sldNum" sz="quarter" idx="2"/>
           </p:nvPr>
@@ -2558,8 +2478,10 @@
           <a:bodyPr/>
           <a:lstStyle/>
           <a:p>
-            <a:pPr/>
-            <a:fld id="{86CB4B4D-7CA3-9044-876B-883B54F8677D}" type="slidenum"/>
+            <a:fld id="{86CB4B4D-7CA3-9044-876B-883B54F8677D}" type="slidenum">
+              <a:t>‹#›</a:t>
+            </a:fld>
+            <a:endParaRPr/>
           </a:p>
         </p:txBody>
       </p:sp>
@@ -2568,12 +2490,12 @@
   <p:clrMapOvr>
     <a:masterClrMapping/>
   </p:clrMapOvr>
-  <p:transition xmlns:p14="http://schemas.microsoft.com/office/powerpoint/2010/main" spd="med" advClick="1"/>
+  <p:transition spd="med"/>
 </p:sldLayout>
 </file>
 
 <file path=ppt/slideLayouts/slideLayout13.xml><?xml version="1.0" encoding="utf-8"?>
-<p:sldLayout xmlns:a="http://schemas.openxmlformats.org/drawingml/2006/main" xmlns:r="http://schemas.openxmlformats.org/officeDocument/2006/relationships" xmlns:p="http://schemas.openxmlformats.org/presentationml/2006/main" xmlns:m="http://schemas.openxmlformats.org/officeDocument/2006/math" xmlns:a14="http://schemas.microsoft.com/office/drawing/2010/main" type="tx" showMasterSp="1" showMasterPhAnim="1">
+<p:sldLayout xmlns:a="http://schemas.openxmlformats.org/drawingml/2006/main" xmlns:r="http://schemas.openxmlformats.org/officeDocument/2006/relationships" xmlns:p="http://schemas.openxmlformats.org/presentationml/2006/main" type="tx">
   <p:cSld name="Photo - 3 Up">
     <p:spTree>
       <p:nvGrpSpPr>
@@ -2592,7 +2514,9 @@
       <p:sp>
         <p:nvSpPr>
           <p:cNvPr id="124" name="941297804_1296x1457.jpg"/>
-          <p:cNvSpPr/>
+          <p:cNvSpPr>
+            <a:spLocks noGrp="1"/>
+          </p:cNvSpPr>
           <p:nvPr>
             <p:ph type="pic" sz="quarter" idx="21"/>
           </p:nvPr>
@@ -2612,14 +2536,16 @@
           </a:bodyPr>
           <a:lstStyle/>
           <a:p>
-            <a:pPr/>
+            <a:endParaRPr/>
           </a:p>
         </p:txBody>
       </p:sp>
       <p:sp>
         <p:nvSpPr>
           <p:cNvPr id="125" name="915009552_2264x1509.jpg"/>
-          <p:cNvSpPr/>
+          <p:cNvSpPr>
+            <a:spLocks noGrp="1"/>
+          </p:cNvSpPr>
           <p:nvPr>
             <p:ph type="pic" sz="quarter" idx="22"/>
           </p:nvPr>
@@ -2639,14 +2565,16 @@
           </a:bodyPr>
           <a:lstStyle/>
           <a:p>
-            <a:pPr/>
+            <a:endParaRPr/>
           </a:p>
         </p:txBody>
       </p:sp>
       <p:sp>
         <p:nvSpPr>
           <p:cNvPr id="126" name="740519873_3318x2212.jpg"/>
-          <p:cNvSpPr/>
+          <p:cNvSpPr>
+            <a:spLocks noGrp="1"/>
+          </p:cNvSpPr>
           <p:nvPr>
             <p:ph type="pic" idx="23"/>
           </p:nvPr>
@@ -2666,14 +2594,16 @@
           </a:bodyPr>
           <a:lstStyle/>
           <a:p>
-            <a:pPr/>
+            <a:endParaRPr/>
           </a:p>
         </p:txBody>
       </p:sp>
       <p:sp>
         <p:nvSpPr>
           <p:cNvPr id="127" name="Slide Number"/>
-          <p:cNvSpPr txBox="1"/>
+          <p:cNvSpPr txBox="1">
+            <a:spLocks noGrp="1"/>
+          </p:cNvSpPr>
           <p:nvPr>
             <p:ph type="sldNum" sz="quarter" idx="2"/>
           </p:nvPr>
@@ -2691,8 +2621,10 @@
           <a:bodyPr/>
           <a:lstStyle/>
           <a:p>
-            <a:pPr/>
-            <a:fld id="{86CB4B4D-7CA3-9044-876B-883B54F8677D}" type="slidenum"/>
+            <a:fld id="{86CB4B4D-7CA3-9044-876B-883B54F8677D}" type="slidenum">
+              <a:t>‹#›</a:t>
+            </a:fld>
+            <a:endParaRPr/>
           </a:p>
         </p:txBody>
       </p:sp>
@@ -2701,12 +2633,12 @@
   <p:clrMapOvr>
     <a:masterClrMapping/>
   </p:clrMapOvr>
-  <p:transition xmlns:p14="http://schemas.microsoft.com/office/powerpoint/2010/main" spd="med" advClick="1"/>
+  <p:transition spd="med"/>
 </p:sldLayout>
 </file>
 
 <file path=ppt/slideLayouts/slideLayout14.xml><?xml version="1.0" encoding="utf-8"?>
-<p:sldLayout xmlns:a="http://schemas.openxmlformats.org/drawingml/2006/main" xmlns:r="http://schemas.openxmlformats.org/officeDocument/2006/relationships" xmlns:p="http://schemas.openxmlformats.org/presentationml/2006/main" xmlns:m="http://schemas.openxmlformats.org/officeDocument/2006/math" xmlns:a14="http://schemas.microsoft.com/office/drawing/2010/main" type="tx" showMasterSp="1" showMasterPhAnim="1">
+<p:sldLayout xmlns:a="http://schemas.openxmlformats.org/drawingml/2006/main" xmlns:r="http://schemas.openxmlformats.org/officeDocument/2006/relationships" xmlns:p="http://schemas.openxmlformats.org/presentationml/2006/main" type="tx">
   <p:cSld name="Photo">
     <p:spTree>
       <p:nvGrpSpPr>
@@ -2725,7 +2657,9 @@
       <p:sp>
         <p:nvSpPr>
           <p:cNvPr id="134" name="740519873_3318x2212.jpg"/>
-          <p:cNvSpPr/>
+          <p:cNvSpPr>
+            <a:spLocks noGrp="1"/>
+          </p:cNvSpPr>
           <p:nvPr>
             <p:ph type="pic" idx="21"/>
           </p:nvPr>
@@ -2745,14 +2679,16 @@
           </a:bodyPr>
           <a:lstStyle/>
           <a:p>
-            <a:pPr/>
+            <a:endParaRPr/>
           </a:p>
         </p:txBody>
       </p:sp>
       <p:sp>
         <p:nvSpPr>
           <p:cNvPr id="135" name="Slide Number"/>
-          <p:cNvSpPr txBox="1"/>
+          <p:cNvSpPr txBox="1">
+            <a:spLocks noGrp="1"/>
+          </p:cNvSpPr>
           <p:nvPr>
             <p:ph type="sldNum" sz="quarter" idx="2"/>
           </p:nvPr>
@@ -2770,8 +2706,10 @@
           <a:bodyPr/>
           <a:lstStyle/>
           <a:p>
-            <a:pPr/>
-            <a:fld id="{86CB4B4D-7CA3-9044-876B-883B54F8677D}" type="slidenum"/>
+            <a:fld id="{86CB4B4D-7CA3-9044-876B-883B54F8677D}" type="slidenum">
+              <a:t>‹#›</a:t>
+            </a:fld>
+            <a:endParaRPr/>
           </a:p>
         </p:txBody>
       </p:sp>
@@ -2780,12 +2718,12 @@
   <p:clrMapOvr>
     <a:masterClrMapping/>
   </p:clrMapOvr>
-  <p:transition xmlns:p14="http://schemas.microsoft.com/office/powerpoint/2010/main" spd="med" advClick="1"/>
+  <p:transition spd="med"/>
 </p:sldLayout>
 </file>
 
 <file path=ppt/slideLayouts/slideLayout15.xml><?xml version="1.0" encoding="utf-8"?>
-<p:sldLayout xmlns:a="http://schemas.openxmlformats.org/drawingml/2006/main" xmlns:r="http://schemas.openxmlformats.org/officeDocument/2006/relationships" xmlns:p="http://schemas.openxmlformats.org/presentationml/2006/main" xmlns:m="http://schemas.openxmlformats.org/officeDocument/2006/math" xmlns:a14="http://schemas.microsoft.com/office/drawing/2010/main" type="tx" showMasterSp="1" showMasterPhAnim="1">
+<p:sldLayout xmlns:a="http://schemas.openxmlformats.org/drawingml/2006/main" xmlns:r="http://schemas.openxmlformats.org/officeDocument/2006/relationships" xmlns:p="http://schemas.openxmlformats.org/presentationml/2006/main" type="tx">
   <p:cSld name="Blank">
     <p:spTree>
       <p:nvGrpSpPr>
@@ -2804,7 +2742,9 @@
       <p:sp>
         <p:nvSpPr>
           <p:cNvPr id="142" name="Slide Number"/>
-          <p:cNvSpPr txBox="1"/>
+          <p:cNvSpPr txBox="1">
+            <a:spLocks noGrp="1"/>
+          </p:cNvSpPr>
           <p:nvPr>
             <p:ph type="sldNum" sz="quarter" idx="2"/>
           </p:nvPr>
@@ -2822,8 +2762,10 @@
           <a:bodyPr/>
           <a:lstStyle/>
           <a:p>
-            <a:pPr/>
-            <a:fld id="{86CB4B4D-7CA3-9044-876B-883B54F8677D}" type="slidenum"/>
+            <a:fld id="{86CB4B4D-7CA3-9044-876B-883B54F8677D}" type="slidenum">
+              <a:t>‹#›</a:t>
+            </a:fld>
+            <a:endParaRPr/>
           </a:p>
         </p:txBody>
       </p:sp>
@@ -2832,12 +2774,12 @@
   <p:clrMapOvr>
     <a:masterClrMapping/>
   </p:clrMapOvr>
-  <p:transition xmlns:p14="http://schemas.microsoft.com/office/powerpoint/2010/main" spd="med" advClick="1"/>
+  <p:transition spd="med"/>
 </p:sldLayout>
 </file>
 
 <file path=ppt/slideLayouts/slideLayout2.xml><?xml version="1.0" encoding="utf-8"?>
-<p:sldLayout xmlns:a="http://schemas.openxmlformats.org/drawingml/2006/main" xmlns:r="http://schemas.openxmlformats.org/officeDocument/2006/relationships" xmlns:p="http://schemas.openxmlformats.org/presentationml/2006/main" xmlns:m="http://schemas.openxmlformats.org/officeDocument/2006/math" xmlns:a14="http://schemas.microsoft.com/office/drawing/2010/main" type="tx" showMasterSp="1" showMasterPhAnim="1">
+<p:sldLayout xmlns:a="http://schemas.openxmlformats.org/drawingml/2006/main" xmlns:r="http://schemas.openxmlformats.org/officeDocument/2006/relationships" xmlns:p="http://schemas.openxmlformats.org/presentationml/2006/main" type="tx">
   <p:cSld name="Title &amp; Photo">
     <p:spTree>
       <p:nvGrpSpPr>
@@ -2856,7 +2798,9 @@
       <p:sp>
         <p:nvSpPr>
           <p:cNvPr id="21" name="740519873_3318x2212.jpg"/>
-          <p:cNvSpPr/>
+          <p:cNvSpPr>
+            <a:spLocks noGrp="1"/>
+          </p:cNvSpPr>
           <p:nvPr>
             <p:ph type="pic" idx="21"/>
           </p:nvPr>
@@ -2876,14 +2820,16 @@
           </a:bodyPr>
           <a:lstStyle/>
           <a:p>
-            <a:pPr/>
+            <a:endParaRPr/>
           </a:p>
         </p:txBody>
       </p:sp>
       <p:sp>
         <p:nvSpPr>
           <p:cNvPr id="22" name="Presentation Title"/>
-          <p:cNvSpPr txBox="1"/>
+          <p:cNvSpPr txBox="1">
+            <a:spLocks noGrp="1"/>
+          </p:cNvSpPr>
           <p:nvPr>
             <p:ph type="title" hasCustomPrompt="1"/>
           </p:nvPr>
@@ -2901,7 +2847,7 @@
           <a:bodyPr anchor="b"/>
           <a:lstStyle>
             <a:lvl1pPr>
-              <a:defRPr spc="-128" sz="12800">
+              <a:defRPr sz="12800" spc="-128">
                 <a:solidFill>
                   <a:srgbClr val="FFFFFF"/>
                 </a:solidFill>
@@ -2909,7 +2855,6 @@
             </a:lvl1pPr>
           </a:lstStyle>
           <a:p>
-            <a:pPr/>
             <a:r>
               <a:t>Presentation Title</a:t>
             </a:r>
@@ -2919,7 +2864,9 @@
       <p:sp>
         <p:nvSpPr>
           <p:cNvPr id="23" name="Body Level One…"/>
-          <p:cNvSpPr txBox="1"/>
+          <p:cNvSpPr txBox="1">
+            <a:spLocks noGrp="1"/>
+          </p:cNvSpPr>
           <p:nvPr>
             <p:ph type="body" sz="quarter" idx="1" hasCustomPrompt="1"/>
           </p:nvPr>
@@ -2945,13 +2892,13 @@
               </a:spcBef>
               <a:buSzTx/>
               <a:buNone/>
-              <a:defRPr spc="-59" sz="6000">
+              <a:defRPr sz="6000" spc="-59">
                 <a:solidFill>
                   <a:srgbClr val="FFFFFF"/>
                 </a:solidFill>
-                <a:latin typeface="Graphik Semibold"/>
-                <a:ea typeface="Graphik Semibold"/>
-                <a:cs typeface="Graphik Semibold"/>
+                <a:latin typeface="Graphik-SemiboldItalic"/>
+                <a:ea typeface="Graphik-SemiboldItalic"/>
+                <a:cs typeface="Graphik-SemiboldItalic"/>
                 <a:sym typeface="Graphik Semibold"/>
               </a:defRPr>
             </a:lvl1pPr>
@@ -2964,13 +2911,13 @@
               </a:spcBef>
               <a:buSzTx/>
               <a:buNone/>
-              <a:defRPr spc="-59" sz="6000">
+              <a:defRPr sz="6000" spc="-59">
                 <a:solidFill>
                   <a:srgbClr val="FFFFFF"/>
                 </a:solidFill>
-                <a:latin typeface="Graphik Semibold"/>
-                <a:ea typeface="Graphik Semibold"/>
-                <a:cs typeface="Graphik Semibold"/>
+                <a:latin typeface="Graphik-SemiboldItalic"/>
+                <a:ea typeface="Graphik-SemiboldItalic"/>
+                <a:cs typeface="Graphik-SemiboldItalic"/>
                 <a:sym typeface="Graphik Semibold"/>
               </a:defRPr>
             </a:lvl2pPr>
@@ -2983,13 +2930,13 @@
               </a:spcBef>
               <a:buSzTx/>
               <a:buNone/>
-              <a:defRPr spc="-59" sz="6000">
+              <a:defRPr sz="6000" spc="-59">
                 <a:solidFill>
                   <a:srgbClr val="FFFFFF"/>
                 </a:solidFill>
-                <a:latin typeface="Graphik Semibold"/>
-                <a:ea typeface="Graphik Semibold"/>
-                <a:cs typeface="Graphik Semibold"/>
+                <a:latin typeface="Graphik-SemiboldItalic"/>
+                <a:ea typeface="Graphik-SemiboldItalic"/>
+                <a:cs typeface="Graphik-SemiboldItalic"/>
                 <a:sym typeface="Graphik Semibold"/>
               </a:defRPr>
             </a:lvl3pPr>
@@ -3002,13 +2949,13 @@
               </a:spcBef>
               <a:buSzTx/>
               <a:buNone/>
-              <a:defRPr spc="-59" sz="6000">
+              <a:defRPr sz="6000" spc="-59">
                 <a:solidFill>
                   <a:srgbClr val="FFFFFF"/>
                 </a:solidFill>
-                <a:latin typeface="Graphik Semibold"/>
-                <a:ea typeface="Graphik Semibold"/>
-                <a:cs typeface="Graphik Semibold"/>
+                <a:latin typeface="Graphik-SemiboldItalic"/>
+                <a:ea typeface="Graphik-SemiboldItalic"/>
+                <a:cs typeface="Graphik-SemiboldItalic"/>
                 <a:sym typeface="Graphik Semibold"/>
               </a:defRPr>
             </a:lvl4pPr>
@@ -3021,53 +2968,46 @@
               </a:spcBef>
               <a:buSzTx/>
               <a:buNone/>
-              <a:defRPr spc="-59" sz="6000">
+              <a:defRPr sz="6000" spc="-59">
                 <a:solidFill>
                   <a:srgbClr val="FFFFFF"/>
                 </a:solidFill>
-                <a:latin typeface="Graphik Semibold"/>
-                <a:ea typeface="Graphik Semibold"/>
-                <a:cs typeface="Graphik Semibold"/>
+                <a:latin typeface="Graphik-SemiboldItalic"/>
+                <a:ea typeface="Graphik-SemiboldItalic"/>
+                <a:cs typeface="Graphik-SemiboldItalic"/>
                 <a:sym typeface="Graphik Semibold"/>
               </a:defRPr>
             </a:lvl5pPr>
           </a:lstStyle>
           <a:p>
-            <a:pPr/>
             <a:r>
               <a:t>Presentation Subtitle</a:t>
             </a:r>
           </a:p>
           <a:p>
             <a:pPr lvl="1"/>
-            <a:r>
-              <a:t/>
-            </a:r>
+            <a:endParaRPr/>
           </a:p>
           <a:p>
             <a:pPr lvl="2"/>
-            <a:r>
-              <a:t/>
-            </a:r>
+            <a:endParaRPr/>
           </a:p>
           <a:p>
             <a:pPr lvl="3"/>
-            <a:r>
-              <a:t/>
-            </a:r>
+            <a:endParaRPr/>
           </a:p>
           <a:p>
             <a:pPr lvl="4"/>
-            <a:r>
-              <a:t/>
-            </a:r>
+            <a:endParaRPr/>
           </a:p>
         </p:txBody>
       </p:sp>
       <p:sp>
         <p:nvSpPr>
           <p:cNvPr id="24" name="Author and Date"/>
-          <p:cNvSpPr txBox="1"/>
+          <p:cNvSpPr txBox="1">
+            <a:spLocks noGrp="1"/>
+          </p:cNvSpPr>
           <p:nvPr>
             <p:ph type="body" sz="quarter" idx="22" hasCustomPrompt="1"/>
           </p:nvPr>
@@ -3093,19 +3033,18 @@
               </a:spcBef>
               <a:buSzTx/>
               <a:buNone/>
-              <a:defRPr spc="-29" sz="3000">
+              <a:defRPr sz="3000" spc="-29">
                 <a:solidFill>
                   <a:srgbClr val="FFFFFF"/>
                 </a:solidFill>
-                <a:latin typeface="Graphik Medium"/>
-                <a:ea typeface="Graphik Medium"/>
-                <a:cs typeface="Graphik Medium"/>
+                <a:latin typeface="Graphik-Medium"/>
+                <a:ea typeface="Graphik-Medium"/>
+                <a:cs typeface="Graphik-Medium"/>
                 <a:sym typeface="Graphik Medium"/>
               </a:defRPr>
             </a:lvl1pPr>
           </a:lstStyle>
           <a:p>
-            <a:pPr/>
             <a:r>
               <a:t>Author and Date</a:t>
             </a:r>
@@ -3115,7 +3054,9 @@
       <p:sp>
         <p:nvSpPr>
           <p:cNvPr id="25" name="Slide Number"/>
-          <p:cNvSpPr txBox="1"/>
+          <p:cNvSpPr txBox="1">
+            <a:spLocks noGrp="1"/>
+          </p:cNvSpPr>
           <p:nvPr>
             <p:ph type="sldNum" sz="quarter" idx="2"/>
           </p:nvPr>
@@ -3137,8 +3078,10 @@
             </a:lvl1pPr>
           </a:lstStyle>
           <a:p>
-            <a:pPr/>
-            <a:fld id="{86CB4B4D-7CA3-9044-876B-883B54F8677D}" type="slidenum"/>
+            <a:fld id="{86CB4B4D-7CA3-9044-876B-883B54F8677D}" type="slidenum">
+              <a:t>‹#›</a:t>
+            </a:fld>
+            <a:endParaRPr/>
           </a:p>
         </p:txBody>
       </p:sp>
@@ -3147,12 +3090,12 @@
   <p:clrMapOvr>
     <a:masterClrMapping/>
   </p:clrMapOvr>
-  <p:transition xmlns:p14="http://schemas.microsoft.com/office/powerpoint/2010/main" spd="med" advClick="1"/>
+  <p:transition spd="med"/>
 </p:sldLayout>
 </file>
 
 <file path=ppt/slideLayouts/slideLayout3.xml><?xml version="1.0" encoding="utf-8"?>
-<p:sldLayout xmlns:a="http://schemas.openxmlformats.org/drawingml/2006/main" xmlns:r="http://schemas.openxmlformats.org/officeDocument/2006/relationships" xmlns:p="http://schemas.openxmlformats.org/presentationml/2006/main" xmlns:m="http://schemas.openxmlformats.org/officeDocument/2006/math" xmlns:a14="http://schemas.microsoft.com/office/drawing/2010/main" type="tx" showMasterSp="1" showMasterPhAnim="1">
+<p:sldLayout xmlns:a="http://schemas.openxmlformats.org/drawingml/2006/main" xmlns:r="http://schemas.openxmlformats.org/officeDocument/2006/relationships" xmlns:p="http://schemas.openxmlformats.org/presentationml/2006/main" type="tx">
   <p:cSld name="Title &amp; Photo Alt">
     <p:spTree>
       <p:nvGrpSpPr>
@@ -3171,7 +3114,9 @@
       <p:sp>
         <p:nvSpPr>
           <p:cNvPr id="32" name="Slide Title"/>
-          <p:cNvSpPr txBox="1"/>
+          <p:cNvSpPr txBox="1">
+            <a:spLocks noGrp="1"/>
+          </p:cNvSpPr>
           <p:nvPr>
             <p:ph type="title" hasCustomPrompt="1"/>
           </p:nvPr>
@@ -3189,7 +3134,6 @@
           <a:bodyPr anchor="b"/>
           <a:lstStyle/>
           <a:p>
-            <a:pPr/>
             <a:r>
               <a:t>Slide Title</a:t>
             </a:r>
@@ -3199,7 +3143,9 @@
       <p:sp>
         <p:nvSpPr>
           <p:cNvPr id="33" name="Image"/>
-          <p:cNvSpPr/>
+          <p:cNvSpPr>
+            <a:spLocks noGrp="1"/>
+          </p:cNvSpPr>
           <p:nvPr>
             <p:ph type="pic" idx="21"/>
           </p:nvPr>
@@ -3219,14 +3165,16 @@
           </a:bodyPr>
           <a:lstStyle/>
           <a:p>
-            <a:pPr/>
+            <a:endParaRPr/>
           </a:p>
         </p:txBody>
       </p:sp>
       <p:sp>
         <p:nvSpPr>
           <p:cNvPr id="34" name="Body Level One…"/>
-          <p:cNvSpPr txBox="1"/>
+          <p:cNvSpPr txBox="1">
+            <a:spLocks noGrp="1"/>
+          </p:cNvSpPr>
           <p:nvPr>
             <p:ph type="body" sz="quarter" idx="1" hasCustomPrompt="1"/>
           </p:nvPr>
@@ -3253,9 +3201,9 @@
               <a:buSzTx/>
               <a:buNone/>
               <a:defRPr spc="-44">
-                <a:latin typeface="Graphik Semibold"/>
-                <a:ea typeface="Graphik Semibold"/>
-                <a:cs typeface="Graphik Semibold"/>
+                <a:latin typeface="Graphik-SemiboldItalic"/>
+                <a:ea typeface="Graphik-SemiboldItalic"/>
+                <a:cs typeface="Graphik-SemiboldItalic"/>
                 <a:sym typeface="Graphik Semibold"/>
               </a:defRPr>
             </a:lvl1pPr>
@@ -3269,9 +3217,9 @@
               <a:buSzTx/>
               <a:buNone/>
               <a:defRPr spc="-44">
-                <a:latin typeface="Graphik Semibold"/>
-                <a:ea typeface="Graphik Semibold"/>
-                <a:cs typeface="Graphik Semibold"/>
+                <a:latin typeface="Graphik-SemiboldItalic"/>
+                <a:ea typeface="Graphik-SemiboldItalic"/>
+                <a:cs typeface="Graphik-SemiboldItalic"/>
                 <a:sym typeface="Graphik Semibold"/>
               </a:defRPr>
             </a:lvl2pPr>
@@ -3285,9 +3233,9 @@
               <a:buSzTx/>
               <a:buNone/>
               <a:defRPr spc="-44">
-                <a:latin typeface="Graphik Semibold"/>
-                <a:ea typeface="Graphik Semibold"/>
-                <a:cs typeface="Graphik Semibold"/>
+                <a:latin typeface="Graphik-SemiboldItalic"/>
+                <a:ea typeface="Graphik-SemiboldItalic"/>
+                <a:cs typeface="Graphik-SemiboldItalic"/>
                 <a:sym typeface="Graphik Semibold"/>
               </a:defRPr>
             </a:lvl3pPr>
@@ -3301,9 +3249,9 @@
               <a:buSzTx/>
               <a:buNone/>
               <a:defRPr spc="-44">
-                <a:latin typeface="Graphik Semibold"/>
-                <a:ea typeface="Graphik Semibold"/>
-                <a:cs typeface="Graphik Semibold"/>
+                <a:latin typeface="Graphik-SemiboldItalic"/>
+                <a:ea typeface="Graphik-SemiboldItalic"/>
+                <a:cs typeface="Graphik-SemiboldItalic"/>
                 <a:sym typeface="Graphik Semibold"/>
               </a:defRPr>
             </a:lvl4pPr>
@@ -3317,49 +3265,42 @@
               <a:buSzTx/>
               <a:buNone/>
               <a:defRPr spc="-44">
-                <a:latin typeface="Graphik Semibold"/>
-                <a:ea typeface="Graphik Semibold"/>
-                <a:cs typeface="Graphik Semibold"/>
+                <a:latin typeface="Graphik-SemiboldItalic"/>
+                <a:ea typeface="Graphik-SemiboldItalic"/>
+                <a:cs typeface="Graphik-SemiboldItalic"/>
                 <a:sym typeface="Graphik Semibold"/>
               </a:defRPr>
             </a:lvl5pPr>
           </a:lstStyle>
           <a:p>
-            <a:pPr/>
             <a:r>
               <a:t>Slide Subtitle</a:t>
             </a:r>
           </a:p>
           <a:p>
             <a:pPr lvl="1"/>
-            <a:r>
-              <a:t/>
-            </a:r>
+            <a:endParaRPr/>
           </a:p>
           <a:p>
             <a:pPr lvl="2"/>
-            <a:r>
-              <a:t/>
-            </a:r>
+            <a:endParaRPr/>
           </a:p>
           <a:p>
             <a:pPr lvl="3"/>
-            <a:r>
-              <a:t/>
-            </a:r>
+            <a:endParaRPr/>
           </a:p>
           <a:p>
             <a:pPr lvl="4"/>
-            <a:r>
-              <a:t/>
-            </a:r>
+            <a:endParaRPr/>
           </a:p>
         </p:txBody>
       </p:sp>
       <p:sp>
         <p:nvSpPr>
           <p:cNvPr id="35" name="Slide Number"/>
-          <p:cNvSpPr txBox="1"/>
+          <p:cNvSpPr txBox="1">
+            <a:spLocks noGrp="1"/>
+          </p:cNvSpPr>
           <p:nvPr>
             <p:ph type="sldNum" sz="quarter" idx="2"/>
           </p:nvPr>
@@ -3373,8 +3314,10 @@
           <a:bodyPr/>
           <a:lstStyle/>
           <a:p>
-            <a:pPr/>
-            <a:fld id="{86CB4B4D-7CA3-9044-876B-883B54F8677D}" type="slidenum"/>
+            <a:fld id="{86CB4B4D-7CA3-9044-876B-883B54F8677D}" type="slidenum">
+              <a:t>‹#›</a:t>
+            </a:fld>
+            <a:endParaRPr/>
           </a:p>
         </p:txBody>
       </p:sp>
@@ -3383,12 +3326,12 @@
   <p:clrMapOvr>
     <a:masterClrMapping/>
   </p:clrMapOvr>
-  <p:transition xmlns:p14="http://schemas.microsoft.com/office/powerpoint/2010/main" spd="med" advClick="1"/>
+  <p:transition spd="med"/>
 </p:sldLayout>
 </file>
 
 <file path=ppt/slideLayouts/slideLayout4.xml><?xml version="1.0" encoding="utf-8"?>
-<p:sldLayout xmlns:a="http://schemas.openxmlformats.org/drawingml/2006/main" xmlns:r="http://schemas.openxmlformats.org/officeDocument/2006/relationships" xmlns:p="http://schemas.openxmlformats.org/presentationml/2006/main" xmlns:m="http://schemas.openxmlformats.org/officeDocument/2006/math" xmlns:a14="http://schemas.microsoft.com/office/drawing/2010/main" type="tx" showMasterSp="1" showMasterPhAnim="1">
+<p:sldLayout xmlns:a="http://schemas.openxmlformats.org/drawingml/2006/main" xmlns:r="http://schemas.openxmlformats.org/officeDocument/2006/relationships" xmlns:p="http://schemas.openxmlformats.org/presentationml/2006/main" type="tx">
   <p:cSld name="Title &amp; Bullets">
     <p:spTree>
       <p:nvGrpSpPr>
@@ -3407,7 +3350,9 @@
       <p:sp>
         <p:nvSpPr>
           <p:cNvPr id="42" name="Slide Title"/>
-          <p:cNvSpPr txBox="1"/>
+          <p:cNvSpPr txBox="1">
+            <a:spLocks noGrp="1"/>
+          </p:cNvSpPr>
           <p:nvPr>
             <p:ph type="title" hasCustomPrompt="1"/>
           </p:nvPr>
@@ -3421,7 +3366,6 @@
           <a:bodyPr/>
           <a:lstStyle/>
           <a:p>
-            <a:pPr/>
             <a:r>
               <a:t>Slide Title</a:t>
             </a:r>
@@ -3431,7 +3375,9 @@
       <p:sp>
         <p:nvSpPr>
           <p:cNvPr id="43" name="Body Level One…"/>
-          <p:cNvSpPr txBox="1"/>
+          <p:cNvSpPr txBox="1">
+            <a:spLocks noGrp="1"/>
+          </p:cNvSpPr>
           <p:nvPr>
             <p:ph type="body" idx="1" hasCustomPrompt="1"/>
           </p:nvPr>
@@ -3445,41 +3391,34 @@
           <a:bodyPr/>
           <a:lstStyle/>
           <a:p>
-            <a:pPr/>
             <a:r>
               <a:t>Slide bullet text</a:t>
             </a:r>
           </a:p>
           <a:p>
             <a:pPr lvl="1"/>
-            <a:r>
-              <a:t/>
-            </a:r>
+            <a:endParaRPr/>
           </a:p>
           <a:p>
             <a:pPr lvl="2"/>
-            <a:r>
-              <a:t/>
-            </a:r>
+            <a:endParaRPr/>
           </a:p>
           <a:p>
             <a:pPr lvl="3"/>
-            <a:r>
-              <a:t/>
-            </a:r>
+            <a:endParaRPr/>
           </a:p>
           <a:p>
             <a:pPr lvl="4"/>
-            <a:r>
-              <a:t/>
-            </a:r>
+            <a:endParaRPr/>
           </a:p>
         </p:txBody>
       </p:sp>
       <p:sp>
         <p:nvSpPr>
           <p:cNvPr id="44" name="Slide Subtitle"/>
-          <p:cNvSpPr txBox="1"/>
+          <p:cNvSpPr txBox="1">
+            <a:spLocks noGrp="1"/>
+          </p:cNvSpPr>
           <p:nvPr>
             <p:ph type="body" sz="quarter" idx="21" hasCustomPrompt="1"/>
           </p:nvPr>
@@ -3506,15 +3445,14 @@
               <a:buSzTx/>
               <a:buNone/>
               <a:defRPr spc="-44">
-                <a:latin typeface="Graphik Semibold"/>
-                <a:ea typeface="Graphik Semibold"/>
-                <a:cs typeface="Graphik Semibold"/>
+                <a:latin typeface="Graphik-SemiboldItalic"/>
+                <a:ea typeface="Graphik-SemiboldItalic"/>
+                <a:cs typeface="Graphik-SemiboldItalic"/>
                 <a:sym typeface="Graphik Semibold"/>
               </a:defRPr>
             </a:lvl1pPr>
           </a:lstStyle>
           <a:p>
-            <a:pPr/>
             <a:r>
               <a:t>Slide Subtitle</a:t>
             </a:r>
@@ -3524,7 +3462,9 @@
       <p:sp>
         <p:nvSpPr>
           <p:cNvPr id="45" name="Slide Number"/>
-          <p:cNvSpPr txBox="1"/>
+          <p:cNvSpPr txBox="1">
+            <a:spLocks noGrp="1"/>
+          </p:cNvSpPr>
           <p:nvPr>
             <p:ph type="sldNum" sz="quarter" idx="2"/>
           </p:nvPr>
@@ -3538,8 +3478,10 @@
           <a:bodyPr/>
           <a:lstStyle/>
           <a:p>
-            <a:pPr/>
-            <a:fld id="{86CB4B4D-7CA3-9044-876B-883B54F8677D}" type="slidenum"/>
+            <a:fld id="{86CB4B4D-7CA3-9044-876B-883B54F8677D}" type="slidenum">
+              <a:t>‹#›</a:t>
+            </a:fld>
+            <a:endParaRPr/>
           </a:p>
         </p:txBody>
       </p:sp>
@@ -3548,12 +3490,12 @@
   <p:clrMapOvr>
     <a:masterClrMapping/>
   </p:clrMapOvr>
-  <p:transition xmlns:p14="http://schemas.microsoft.com/office/powerpoint/2010/main" spd="med" advClick="1"/>
+  <p:transition spd="med"/>
 </p:sldLayout>
 </file>
 
 <file path=ppt/slideLayouts/slideLayout5.xml><?xml version="1.0" encoding="utf-8"?>
-<p:sldLayout xmlns:a="http://schemas.openxmlformats.org/drawingml/2006/main" xmlns:r="http://schemas.openxmlformats.org/officeDocument/2006/relationships" xmlns:p="http://schemas.openxmlformats.org/presentationml/2006/main" xmlns:m="http://schemas.openxmlformats.org/officeDocument/2006/math" xmlns:a14="http://schemas.microsoft.com/office/drawing/2010/main" type="tx" showMasterSp="1" showMasterPhAnim="1">
+<p:sldLayout xmlns:a="http://schemas.openxmlformats.org/drawingml/2006/main" xmlns:r="http://schemas.openxmlformats.org/officeDocument/2006/relationships" xmlns:p="http://schemas.openxmlformats.org/presentationml/2006/main" type="tx">
   <p:cSld name="Bullets">
     <p:spTree>
       <p:nvGrpSpPr>
@@ -3572,7 +3514,9 @@
       <p:sp>
         <p:nvSpPr>
           <p:cNvPr id="52" name="Body Level One…"/>
-          <p:cNvSpPr txBox="1"/>
+          <p:cNvSpPr txBox="1">
+            <a:spLocks noGrp="1"/>
+          </p:cNvSpPr>
           <p:nvPr>
             <p:ph type="body" idx="1" hasCustomPrompt="1"/>
           </p:nvPr>
@@ -3590,41 +3534,34 @@
           <a:bodyPr numCol="2" spcCol="2558384"/>
           <a:lstStyle/>
           <a:p>
-            <a:pPr/>
             <a:r>
               <a:t>Slide bullet text</a:t>
             </a:r>
           </a:p>
           <a:p>
             <a:pPr lvl="1"/>
-            <a:r>
-              <a:t/>
-            </a:r>
+            <a:endParaRPr/>
           </a:p>
           <a:p>
             <a:pPr lvl="2"/>
-            <a:r>
-              <a:t/>
-            </a:r>
+            <a:endParaRPr/>
           </a:p>
           <a:p>
             <a:pPr lvl="3"/>
-            <a:r>
-              <a:t/>
-            </a:r>
+            <a:endParaRPr/>
           </a:p>
           <a:p>
             <a:pPr lvl="4"/>
-            <a:r>
-              <a:t/>
-            </a:r>
+            <a:endParaRPr/>
           </a:p>
         </p:txBody>
       </p:sp>
       <p:sp>
         <p:nvSpPr>
           <p:cNvPr id="53" name="Slide Number"/>
-          <p:cNvSpPr txBox="1"/>
+          <p:cNvSpPr txBox="1">
+            <a:spLocks noGrp="1"/>
+          </p:cNvSpPr>
           <p:nvPr>
             <p:ph type="sldNum" sz="quarter" idx="2"/>
           </p:nvPr>
@@ -3642,8 +3579,10 @@
           <a:bodyPr/>
           <a:lstStyle/>
           <a:p>
-            <a:pPr/>
-            <a:fld id="{86CB4B4D-7CA3-9044-876B-883B54F8677D}" type="slidenum"/>
+            <a:fld id="{86CB4B4D-7CA3-9044-876B-883B54F8677D}" type="slidenum">
+              <a:t>‹#›</a:t>
+            </a:fld>
+            <a:endParaRPr/>
           </a:p>
         </p:txBody>
       </p:sp>
@@ -3652,12 +3591,12 @@
   <p:clrMapOvr>
     <a:masterClrMapping/>
   </p:clrMapOvr>
-  <p:transition xmlns:p14="http://schemas.microsoft.com/office/powerpoint/2010/main" spd="med" advClick="1"/>
+  <p:transition spd="med"/>
 </p:sldLayout>
 </file>
 
 <file path=ppt/slideLayouts/slideLayout6.xml><?xml version="1.0" encoding="utf-8"?>
-<p:sldLayout xmlns:a="http://schemas.openxmlformats.org/drawingml/2006/main" xmlns:r="http://schemas.openxmlformats.org/officeDocument/2006/relationships" xmlns:p="http://schemas.openxmlformats.org/presentationml/2006/main" xmlns:m="http://schemas.openxmlformats.org/officeDocument/2006/math" xmlns:a14="http://schemas.microsoft.com/office/drawing/2010/main" type="tx" showMasterSp="1" showMasterPhAnim="1">
+<p:sldLayout xmlns:a="http://schemas.openxmlformats.org/drawingml/2006/main" xmlns:r="http://schemas.openxmlformats.org/officeDocument/2006/relationships" xmlns:p="http://schemas.openxmlformats.org/presentationml/2006/main" type="tx">
   <p:cSld name="Title, Bullets &amp; Photo">
     <p:spTree>
       <p:nvGrpSpPr>
@@ -3676,7 +3615,9 @@
       <p:sp>
         <p:nvSpPr>
           <p:cNvPr id="60" name="Slide Title"/>
-          <p:cNvSpPr txBox="1"/>
+          <p:cNvSpPr txBox="1">
+            <a:spLocks noGrp="1"/>
+          </p:cNvSpPr>
           <p:nvPr>
             <p:ph type="title" hasCustomPrompt="1"/>
           </p:nvPr>
@@ -3694,7 +3635,6 @@
           <a:bodyPr/>
           <a:lstStyle/>
           <a:p>
-            <a:pPr/>
             <a:r>
               <a:t>Slide Title</a:t>
             </a:r>
@@ -3704,7 +3644,9 @@
       <p:sp>
         <p:nvSpPr>
           <p:cNvPr id="61" name="Image"/>
-          <p:cNvSpPr/>
+          <p:cNvSpPr>
+            <a:spLocks noGrp="1"/>
+          </p:cNvSpPr>
           <p:nvPr>
             <p:ph type="pic" idx="21"/>
           </p:nvPr>
@@ -3724,14 +3666,16 @@
           </a:bodyPr>
           <a:lstStyle/>
           <a:p>
-            <a:pPr/>
+            <a:endParaRPr/>
           </a:p>
         </p:txBody>
       </p:sp>
       <p:sp>
         <p:nvSpPr>
           <p:cNvPr id="62" name="Slide Subtitle"/>
-          <p:cNvSpPr txBox="1"/>
+          <p:cNvSpPr txBox="1">
+            <a:spLocks noGrp="1"/>
+          </p:cNvSpPr>
           <p:nvPr>
             <p:ph type="body" sz="quarter" idx="22" hasCustomPrompt="1"/>
           </p:nvPr>
@@ -3758,15 +3702,14 @@
               <a:buSzTx/>
               <a:buNone/>
               <a:defRPr spc="-44">
-                <a:latin typeface="Graphik Semibold"/>
-                <a:ea typeface="Graphik Semibold"/>
-                <a:cs typeface="Graphik Semibold"/>
+                <a:latin typeface="Graphik-SemiboldItalic"/>
+                <a:ea typeface="Graphik-SemiboldItalic"/>
+                <a:cs typeface="Graphik-SemiboldItalic"/>
                 <a:sym typeface="Graphik Semibold"/>
               </a:defRPr>
             </a:lvl1pPr>
           </a:lstStyle>
           <a:p>
-            <a:pPr/>
             <a:r>
               <a:t>Slide Subtitle</a:t>
             </a:r>
@@ -3776,7 +3719,9 @@
       <p:sp>
         <p:nvSpPr>
           <p:cNvPr id="63" name="Body Level One…"/>
-          <p:cNvSpPr txBox="1"/>
+          <p:cNvSpPr txBox="1">
+            <a:spLocks noGrp="1"/>
+          </p:cNvSpPr>
           <p:nvPr>
             <p:ph type="body" sz="half" idx="1" hasCustomPrompt="1"/>
           </p:nvPr>
@@ -3794,41 +3739,34 @@
           <a:bodyPr/>
           <a:lstStyle/>
           <a:p>
-            <a:pPr/>
             <a:r>
               <a:t>Slide bullet text</a:t>
             </a:r>
           </a:p>
           <a:p>
             <a:pPr lvl="1"/>
-            <a:r>
-              <a:t/>
-            </a:r>
+            <a:endParaRPr/>
           </a:p>
           <a:p>
             <a:pPr lvl="2"/>
-            <a:r>
-              <a:t/>
-            </a:r>
+            <a:endParaRPr/>
           </a:p>
           <a:p>
             <a:pPr lvl="3"/>
-            <a:r>
-              <a:t/>
-            </a:r>
+            <a:endParaRPr/>
           </a:p>
           <a:p>
             <a:pPr lvl="4"/>
-            <a:r>
-              <a:t/>
-            </a:r>
+            <a:endParaRPr/>
           </a:p>
         </p:txBody>
       </p:sp>
       <p:sp>
         <p:nvSpPr>
           <p:cNvPr id="64" name="Slide Number"/>
-          <p:cNvSpPr txBox="1"/>
+          <p:cNvSpPr txBox="1">
+            <a:spLocks noGrp="1"/>
+          </p:cNvSpPr>
           <p:nvPr>
             <p:ph type="sldNum" sz="quarter" idx="2"/>
           </p:nvPr>
@@ -3846,8 +3784,10 @@
           <a:bodyPr/>
           <a:lstStyle/>
           <a:p>
-            <a:pPr/>
-            <a:fld id="{86CB4B4D-7CA3-9044-876B-883B54F8677D}" type="slidenum"/>
+            <a:fld id="{86CB4B4D-7CA3-9044-876B-883B54F8677D}" type="slidenum">
+              <a:t>‹#›</a:t>
+            </a:fld>
+            <a:endParaRPr/>
           </a:p>
         </p:txBody>
       </p:sp>
@@ -3856,12 +3796,12 @@
   <p:clrMapOvr>
     <a:masterClrMapping/>
   </p:clrMapOvr>
-  <p:transition xmlns:p14="http://schemas.microsoft.com/office/powerpoint/2010/main" spd="med" advClick="1"/>
+  <p:transition spd="med"/>
 </p:sldLayout>
 </file>
 
 <file path=ppt/slideLayouts/slideLayout7.xml><?xml version="1.0" encoding="utf-8"?>
-<p:sldLayout xmlns:a="http://schemas.openxmlformats.org/drawingml/2006/main" xmlns:r="http://schemas.openxmlformats.org/officeDocument/2006/relationships" xmlns:p="http://schemas.openxmlformats.org/presentationml/2006/main" xmlns:m="http://schemas.openxmlformats.org/officeDocument/2006/math" xmlns:a14="http://schemas.microsoft.com/office/drawing/2010/main" type="tx" showMasterSp="1" showMasterPhAnim="1">
+<p:sldLayout xmlns:a="http://schemas.openxmlformats.org/drawingml/2006/main" xmlns:r="http://schemas.openxmlformats.org/officeDocument/2006/relationships" xmlns:p="http://schemas.openxmlformats.org/presentationml/2006/main" type="tx">
   <p:cSld name="Section">
     <p:spTree>
       <p:nvGrpSpPr>
@@ -3880,7 +3820,9 @@
       <p:sp>
         <p:nvSpPr>
           <p:cNvPr id="71" name="Section Title"/>
-          <p:cNvSpPr txBox="1"/>
+          <p:cNvSpPr txBox="1">
+            <a:spLocks noGrp="1"/>
+          </p:cNvSpPr>
           <p:nvPr>
             <p:ph type="title" hasCustomPrompt="1"/>
           </p:nvPr>
@@ -3898,11 +3840,10 @@
           <a:bodyPr anchor="ctr"/>
           <a:lstStyle>
             <a:lvl1pPr>
-              <a:defRPr spc="0" sz="12800"/>
+              <a:defRPr sz="12800" spc="0"/>
             </a:lvl1pPr>
           </a:lstStyle>
           <a:p>
-            <a:pPr/>
             <a:r>
               <a:t>Section Title</a:t>
             </a:r>
@@ -3912,7 +3853,9 @@
       <p:sp>
         <p:nvSpPr>
           <p:cNvPr id="72" name="Slide Number"/>
-          <p:cNvSpPr txBox="1"/>
+          <p:cNvSpPr txBox="1">
+            <a:spLocks noGrp="1"/>
+          </p:cNvSpPr>
           <p:nvPr>
             <p:ph type="sldNum" sz="quarter" idx="2"/>
           </p:nvPr>
@@ -3930,8 +3873,10 @@
           <a:bodyPr/>
           <a:lstStyle/>
           <a:p>
-            <a:pPr/>
-            <a:fld id="{86CB4B4D-7CA3-9044-876B-883B54F8677D}" type="slidenum"/>
+            <a:fld id="{86CB4B4D-7CA3-9044-876B-883B54F8677D}" type="slidenum">
+              <a:t>‹#›</a:t>
+            </a:fld>
+            <a:endParaRPr/>
           </a:p>
         </p:txBody>
       </p:sp>
@@ -3940,12 +3885,12 @@
   <p:clrMapOvr>
     <a:masterClrMapping/>
   </p:clrMapOvr>
-  <p:transition xmlns:p14="http://schemas.microsoft.com/office/powerpoint/2010/main" spd="med" advClick="1"/>
+  <p:transition spd="med"/>
 </p:sldLayout>
 </file>
 
 <file path=ppt/slideLayouts/slideLayout8.xml><?xml version="1.0" encoding="utf-8"?>
-<p:sldLayout xmlns:a="http://schemas.openxmlformats.org/drawingml/2006/main" xmlns:r="http://schemas.openxmlformats.org/officeDocument/2006/relationships" xmlns:p="http://schemas.openxmlformats.org/presentationml/2006/main" xmlns:m="http://schemas.openxmlformats.org/officeDocument/2006/math" xmlns:a14="http://schemas.microsoft.com/office/drawing/2010/main" type="tx" showMasterSp="1" showMasterPhAnim="1">
+<p:sldLayout xmlns:a="http://schemas.openxmlformats.org/drawingml/2006/main" xmlns:r="http://schemas.openxmlformats.org/officeDocument/2006/relationships" xmlns:p="http://schemas.openxmlformats.org/presentationml/2006/main" type="tx">
   <p:cSld name="Title Only">
     <p:spTree>
       <p:nvGrpSpPr>
@@ -3964,7 +3909,9 @@
       <p:sp>
         <p:nvSpPr>
           <p:cNvPr id="79" name="Slide Title"/>
-          <p:cNvSpPr txBox="1"/>
+          <p:cNvSpPr txBox="1">
+            <a:spLocks noGrp="1"/>
+          </p:cNvSpPr>
           <p:nvPr>
             <p:ph type="title" hasCustomPrompt="1"/>
           </p:nvPr>
@@ -3978,7 +3925,6 @@
           <a:bodyPr/>
           <a:lstStyle/>
           <a:p>
-            <a:pPr/>
             <a:r>
               <a:t>Slide Title</a:t>
             </a:r>
@@ -3988,7 +3934,9 @@
       <p:sp>
         <p:nvSpPr>
           <p:cNvPr id="80" name="Slide Subtitle"/>
-          <p:cNvSpPr txBox="1"/>
+          <p:cNvSpPr txBox="1">
+            <a:spLocks noGrp="1"/>
+          </p:cNvSpPr>
           <p:nvPr>
             <p:ph type="body" sz="quarter" idx="21" hasCustomPrompt="1"/>
           </p:nvPr>
@@ -4015,15 +3963,14 @@
               <a:buSzTx/>
               <a:buNone/>
               <a:defRPr spc="-44">
-                <a:latin typeface="Graphik Semibold"/>
-                <a:ea typeface="Graphik Semibold"/>
-                <a:cs typeface="Graphik Semibold"/>
+                <a:latin typeface="Graphik-SemiboldItalic"/>
+                <a:ea typeface="Graphik-SemiboldItalic"/>
+                <a:cs typeface="Graphik-SemiboldItalic"/>
                 <a:sym typeface="Graphik Semibold"/>
               </a:defRPr>
             </a:lvl1pPr>
           </a:lstStyle>
           <a:p>
-            <a:pPr/>
             <a:r>
               <a:t>Slide Subtitle</a:t>
             </a:r>
@@ -4033,7 +3980,9 @@
       <p:sp>
         <p:nvSpPr>
           <p:cNvPr id="81" name="Slide Number"/>
-          <p:cNvSpPr txBox="1"/>
+          <p:cNvSpPr txBox="1">
+            <a:spLocks noGrp="1"/>
+          </p:cNvSpPr>
           <p:nvPr>
             <p:ph type="sldNum" sz="quarter" idx="2"/>
           </p:nvPr>
@@ -4051,8 +4000,10 @@
           <a:bodyPr/>
           <a:lstStyle/>
           <a:p>
-            <a:pPr/>
-            <a:fld id="{86CB4B4D-7CA3-9044-876B-883B54F8677D}" type="slidenum"/>
+            <a:fld id="{86CB4B4D-7CA3-9044-876B-883B54F8677D}" type="slidenum">
+              <a:t>‹#›</a:t>
+            </a:fld>
+            <a:endParaRPr/>
           </a:p>
         </p:txBody>
       </p:sp>
@@ -4061,12 +4012,12 @@
   <p:clrMapOvr>
     <a:masterClrMapping/>
   </p:clrMapOvr>
-  <p:transition xmlns:p14="http://schemas.microsoft.com/office/powerpoint/2010/main" spd="med" advClick="1"/>
+  <p:transition spd="med"/>
 </p:sldLayout>
 </file>
 
 <file path=ppt/slideLayouts/slideLayout9.xml><?xml version="1.0" encoding="utf-8"?>
-<p:sldLayout xmlns:a="http://schemas.openxmlformats.org/drawingml/2006/main" xmlns:r="http://schemas.openxmlformats.org/officeDocument/2006/relationships" xmlns:p="http://schemas.openxmlformats.org/presentationml/2006/main" xmlns:m="http://schemas.openxmlformats.org/officeDocument/2006/math" xmlns:a14="http://schemas.microsoft.com/office/drawing/2010/main" type="tx" showMasterSp="1" showMasterPhAnim="1">
+<p:sldLayout xmlns:a="http://schemas.openxmlformats.org/drawingml/2006/main" xmlns:r="http://schemas.openxmlformats.org/officeDocument/2006/relationships" xmlns:p="http://schemas.openxmlformats.org/presentationml/2006/main" type="tx">
   <p:cSld name="Agenda">
     <p:spTree>
       <p:nvGrpSpPr>
@@ -4085,7 +4036,9 @@
       <p:sp>
         <p:nvSpPr>
           <p:cNvPr id="88" name="Agenda Title"/>
-          <p:cNvSpPr txBox="1"/>
+          <p:cNvSpPr txBox="1">
+            <a:spLocks noGrp="1"/>
+          </p:cNvSpPr>
           <p:nvPr>
             <p:ph type="title" hasCustomPrompt="1"/>
           </p:nvPr>
@@ -4099,7 +4052,6 @@
           <a:bodyPr/>
           <a:lstStyle/>
           <a:p>
-            <a:pPr/>
             <a:r>
               <a:t>Agenda Title</a:t>
             </a:r>
@@ -4109,7 +4061,9 @@
       <p:sp>
         <p:nvSpPr>
           <p:cNvPr id="89" name="Body Level One…"/>
-          <p:cNvSpPr txBox="1"/>
+          <p:cNvSpPr txBox="1">
+            <a:spLocks noGrp="1"/>
+          </p:cNvSpPr>
           <p:nvPr>
             <p:ph type="body" idx="1" hasCustomPrompt="1"/>
           </p:nvPr>
@@ -4132,7 +4086,7 @@
               </a:lnSpc>
               <a:buSzTx/>
               <a:buNone/>
-              <a:defRPr spc="-136" sz="6800">
+              <a:defRPr sz="6800" spc="-136">
                 <a:latin typeface="Canela Deck Regular"/>
                 <a:ea typeface="Canela Deck Regular"/>
                 <a:cs typeface="Canela Deck Regular"/>
@@ -4145,7 +4099,7 @@
               </a:lnSpc>
               <a:buSzTx/>
               <a:buNone/>
-              <a:defRPr spc="-136" sz="6800">
+              <a:defRPr sz="6800" spc="-136">
                 <a:latin typeface="Canela Deck Regular"/>
                 <a:ea typeface="Canela Deck Regular"/>
                 <a:cs typeface="Canela Deck Regular"/>
@@ -4158,7 +4112,7 @@
               </a:lnSpc>
               <a:buSzTx/>
               <a:buNone/>
-              <a:defRPr spc="-136" sz="6800">
+              <a:defRPr sz="6800" spc="-136">
                 <a:latin typeface="Canela Deck Regular"/>
                 <a:ea typeface="Canela Deck Regular"/>
                 <a:cs typeface="Canela Deck Regular"/>
@@ -4171,7 +4125,7 @@
               </a:lnSpc>
               <a:buSzTx/>
               <a:buNone/>
-              <a:defRPr spc="-136" sz="6800">
+              <a:defRPr sz="6800" spc="-136">
                 <a:latin typeface="Canela Deck Regular"/>
                 <a:ea typeface="Canela Deck Regular"/>
                 <a:cs typeface="Canela Deck Regular"/>
@@ -4184,7 +4138,7 @@
               </a:lnSpc>
               <a:buSzTx/>
               <a:buNone/>
-              <a:defRPr spc="-136" sz="6800">
+              <a:defRPr sz="6800" spc="-136">
                 <a:latin typeface="Canela Deck Regular"/>
                 <a:ea typeface="Canela Deck Regular"/>
                 <a:cs typeface="Canela Deck Regular"/>
@@ -4193,41 +4147,34 @@
             </a:lvl5pPr>
           </a:lstStyle>
           <a:p>
-            <a:pPr/>
             <a:r>
               <a:t>Agenda Topics</a:t>
             </a:r>
           </a:p>
           <a:p>
             <a:pPr lvl="1"/>
-            <a:r>
-              <a:t/>
-            </a:r>
+            <a:endParaRPr/>
           </a:p>
           <a:p>
             <a:pPr lvl="2"/>
-            <a:r>
-              <a:t/>
-            </a:r>
+            <a:endParaRPr/>
           </a:p>
           <a:p>
             <a:pPr lvl="3"/>
-            <a:r>
-              <a:t/>
-            </a:r>
+            <a:endParaRPr/>
           </a:p>
           <a:p>
             <a:pPr lvl="4"/>
-            <a:r>
-              <a:t/>
-            </a:r>
+            <a:endParaRPr/>
           </a:p>
         </p:txBody>
       </p:sp>
       <p:sp>
         <p:nvSpPr>
           <p:cNvPr id="90" name="Agenda Subtitle"/>
-          <p:cNvSpPr txBox="1"/>
+          <p:cNvSpPr txBox="1">
+            <a:spLocks noGrp="1"/>
+          </p:cNvSpPr>
           <p:nvPr>
             <p:ph type="body" sz="quarter" idx="21" hasCustomPrompt="1"/>
           </p:nvPr>
@@ -4254,15 +4201,14 @@
               <a:buSzTx/>
               <a:buNone/>
               <a:defRPr spc="-44">
-                <a:latin typeface="Graphik Semibold"/>
-                <a:ea typeface="Graphik Semibold"/>
-                <a:cs typeface="Graphik Semibold"/>
+                <a:latin typeface="Graphik-SemiboldItalic"/>
+                <a:ea typeface="Graphik-SemiboldItalic"/>
+                <a:cs typeface="Graphik-SemiboldItalic"/>
                 <a:sym typeface="Graphik Semibold"/>
               </a:defRPr>
             </a:lvl1pPr>
           </a:lstStyle>
           <a:p>
-            <a:pPr/>
             <a:r>
               <a:t>Agenda Subtitle</a:t>
             </a:r>
@@ -4272,7 +4218,9 @@
       <p:sp>
         <p:nvSpPr>
           <p:cNvPr id="91" name="Slide Number"/>
-          <p:cNvSpPr txBox="1"/>
+          <p:cNvSpPr txBox="1">
+            <a:spLocks noGrp="1"/>
+          </p:cNvSpPr>
           <p:nvPr>
             <p:ph type="sldNum" sz="quarter" idx="2"/>
           </p:nvPr>
@@ -4290,8 +4238,10 @@
           <a:bodyPr/>
           <a:lstStyle/>
           <a:p>
-            <a:pPr/>
-            <a:fld id="{86CB4B4D-7CA3-9044-876B-883B54F8677D}" type="slidenum"/>
+            <a:fld id="{86CB4B4D-7CA3-9044-876B-883B54F8677D}" type="slidenum">
+              <a:t>‹#›</a:t>
+            </a:fld>
+            <a:endParaRPr/>
           </a:p>
         </p:txBody>
       </p:sp>
@@ -4300,18 +4250,19 @@
   <p:clrMapOvr>
     <a:masterClrMapping/>
   </p:clrMapOvr>
-  <p:transition xmlns:p14="http://schemas.microsoft.com/office/powerpoint/2010/main" spd="med" advClick="1"/>
+  <p:transition spd="med"/>
 </p:sldLayout>
 </file>
 
 <file path=ppt/slideMasters/slideMaster1.xml><?xml version="1.0" encoding="utf-8"?>
-<p:sldMaster xmlns:a="http://schemas.openxmlformats.org/drawingml/2006/main" xmlns:r="http://schemas.openxmlformats.org/officeDocument/2006/relationships" xmlns:p="http://schemas.openxmlformats.org/presentationml/2006/main" xmlns:m="http://schemas.openxmlformats.org/officeDocument/2006/math" xmlns:a14="http://schemas.microsoft.com/office/drawing/2010/main">
+<p:sldMaster xmlns:a="http://schemas.openxmlformats.org/drawingml/2006/main" xmlns:r="http://schemas.openxmlformats.org/officeDocument/2006/relationships" xmlns:p="http://schemas.openxmlformats.org/presentationml/2006/main">
   <p:cSld>
     <p:bg>
       <p:bgPr>
         <a:solidFill>
           <a:srgbClr val="FFFFFF"/>
         </a:solidFill>
+        <a:effectLst/>
       </p:bgPr>
     </p:bg>
     <p:spTree>
@@ -4331,7 +4282,9 @@
       <p:sp>
         <p:nvSpPr>
           <p:cNvPr id="2" name="Slide Title"/>
-          <p:cNvSpPr txBox="1"/>
+          <p:cNvSpPr txBox="1">
+            <a:spLocks noGrp="1"/>
+          </p:cNvSpPr>
           <p:nvPr>
             <p:ph type="title" hasCustomPrompt="1"/>
           </p:nvPr>
@@ -4349,17 +4302,16 @@
           </a:ln>
           <a:extLst>
             <a:ext uri="{C572A759-6A51-4108-AA02-DFA0A04FC94B}">
-              <ma14:wrappingTextBoxFlag xmlns:ma14="http://schemas.microsoft.com/office/mac/drawingml/2011/main" val="1"/>
+              <ma14:wrappingTextBoxFlag xmlns:ma14="http://schemas.microsoft.com/office/mac/drawingml/2011/main" xmlns:a14="http://schemas.microsoft.com/office/drawing/2010/main" xmlns:m="http://schemas.openxmlformats.org/officeDocument/2006/math" xmlns="" val="1"/>
             </a:ext>
           </a:extLst>
         </p:spPr>
         <p:txBody>
           <a:bodyPr lIns="50800" tIns="50800" rIns="50800" bIns="50800">
-            <a:normAutofit fontScale="100000" lnSpcReduction="0"/>
+            <a:normAutofit/>
           </a:bodyPr>
           <a:lstStyle/>
           <a:p>
-            <a:pPr/>
             <a:r>
               <a:t>Slide Title</a:t>
             </a:r>
@@ -4369,7 +4321,9 @@
       <p:sp>
         <p:nvSpPr>
           <p:cNvPr id="3" name="Body Level One…"/>
-          <p:cNvSpPr txBox="1"/>
+          <p:cNvSpPr txBox="1">
+            <a:spLocks noGrp="1"/>
+          </p:cNvSpPr>
           <p:nvPr>
             <p:ph type="body" idx="1" hasCustomPrompt="1"/>
           </p:nvPr>
@@ -4387,51 +4341,44 @@
           </a:ln>
           <a:extLst>
             <a:ext uri="{C572A759-6A51-4108-AA02-DFA0A04FC94B}">
-              <ma14:wrappingTextBoxFlag xmlns:ma14="http://schemas.microsoft.com/office/mac/drawingml/2011/main" val="1"/>
+              <ma14:wrappingTextBoxFlag xmlns:ma14="http://schemas.microsoft.com/office/mac/drawingml/2011/main" xmlns:a14="http://schemas.microsoft.com/office/drawing/2010/main" xmlns:m="http://schemas.openxmlformats.org/officeDocument/2006/math" xmlns="" val="1"/>
             </a:ext>
           </a:extLst>
         </p:spPr>
         <p:txBody>
           <a:bodyPr lIns="50800" tIns="50800" rIns="50800" bIns="50800">
-            <a:normAutofit fontScale="100000" lnSpcReduction="0"/>
+            <a:normAutofit/>
           </a:bodyPr>
           <a:lstStyle/>
           <a:p>
-            <a:pPr/>
             <a:r>
               <a:t>Slide bullet text</a:t>
             </a:r>
           </a:p>
           <a:p>
             <a:pPr lvl="1"/>
-            <a:r>
-              <a:t/>
-            </a:r>
+            <a:endParaRPr/>
           </a:p>
           <a:p>
             <a:pPr lvl="2"/>
-            <a:r>
-              <a:t/>
-            </a:r>
+            <a:endParaRPr/>
           </a:p>
           <a:p>
             <a:pPr lvl="3"/>
-            <a:r>
-              <a:t/>
-            </a:r>
+            <a:endParaRPr/>
           </a:p>
           <a:p>
             <a:pPr lvl="4"/>
-            <a:r>
-              <a:t/>
-            </a:r>
+            <a:endParaRPr/>
           </a:p>
         </p:txBody>
       </p:sp>
       <p:sp>
         <p:nvSpPr>
           <p:cNvPr id="4" name="Slide Number"/>
-          <p:cNvSpPr txBox="1"/>
+          <p:cNvSpPr txBox="1">
+            <a:spLocks noGrp="1"/>
+          </p:cNvSpPr>
           <p:nvPr>
             <p:ph type="sldNum" sz="quarter" idx="2"/>
           </p:nvPr>
@@ -4469,8 +4416,10 @@
             </a:lvl1pPr>
           </a:lstStyle>
           <a:p>
-            <a:pPr/>
-            <a:fld id="{86CB4B4D-7CA3-9044-876B-883B54F8677D}" type="slidenum"/>
+            <a:fld id="{86CB4B4D-7CA3-9044-876B-883B54F8677D}" type="slidenum">
+              <a:t>‹#›</a:t>
+            </a:fld>
+            <a:endParaRPr/>
           </a:p>
         </p:txBody>
       </p:sp>
@@ -4478,23 +4427,23 @@
   </p:cSld>
   <p:clrMap bg1="lt1" tx1="dk1" bg2="lt2" tx2="dk2" accent1="accent1" accent2="accent2" accent3="accent3" accent4="accent4" accent5="accent5" accent6="accent6" hlink="hlink" folHlink="folHlink"/>
   <p:sldLayoutIdLst>
-    <p:sldLayoutId id="2147483649" r:id="rId2"/>
-    <p:sldLayoutId id="2147483650" r:id="rId3"/>
-    <p:sldLayoutId id="2147483651" r:id="rId4"/>
-    <p:sldLayoutId id="2147483652" r:id="rId5"/>
-    <p:sldLayoutId id="2147483653" r:id="rId6"/>
-    <p:sldLayoutId id="2147483654" r:id="rId7"/>
-    <p:sldLayoutId id="2147483655" r:id="rId8"/>
-    <p:sldLayoutId id="2147483656" r:id="rId9"/>
-    <p:sldLayoutId id="2147483657" r:id="rId10"/>
-    <p:sldLayoutId id="2147483658" r:id="rId11"/>
-    <p:sldLayoutId id="2147483659" r:id="rId12"/>
-    <p:sldLayoutId id="2147483660" r:id="rId13"/>
-    <p:sldLayoutId id="2147483661" r:id="rId14"/>
-    <p:sldLayoutId id="2147483662" r:id="rId15"/>
-    <p:sldLayoutId id="2147483663" r:id="rId16"/>
+    <p:sldLayoutId id="2147483649" r:id="rId1"/>
+    <p:sldLayoutId id="2147483650" r:id="rId2"/>
+    <p:sldLayoutId id="2147483651" r:id="rId3"/>
+    <p:sldLayoutId id="2147483652" r:id="rId4"/>
+    <p:sldLayoutId id="2147483653" r:id="rId5"/>
+    <p:sldLayoutId id="2147483654" r:id="rId6"/>
+    <p:sldLayoutId id="2147483655" r:id="rId7"/>
+    <p:sldLayoutId id="2147483656" r:id="rId8"/>
+    <p:sldLayoutId id="2147483657" r:id="rId9"/>
+    <p:sldLayoutId id="2147483658" r:id="rId10"/>
+    <p:sldLayoutId id="2147483659" r:id="rId11"/>
+    <p:sldLayoutId id="2147483660" r:id="rId12"/>
+    <p:sldLayoutId id="2147483661" r:id="rId13"/>
+    <p:sldLayoutId id="2147483662" r:id="rId14"/>
+    <p:sldLayoutId id="2147483663" r:id="rId15"/>
   </p:sldLayoutIdLst>
-  <p:transition xmlns:p14="http://schemas.microsoft.com/office/powerpoint/2010/main" spd="med" advClick="1"/>
+  <p:transition spd="med"/>
   <p:txStyles>
     <p:titleStyle>
       <a:lvl1pPr marL="0" marR="0" indent="0" algn="ctr" defTabSz="2438400" rtl="0" latinLnBrk="0">
@@ -4512,7 +4461,7 @@
         <a:buFontTx/>
         <a:buNone/>
         <a:tabLst/>
-        <a:defRPr b="0" baseline="0" cap="none" i="0" spc="-84" strike="noStrike" sz="8400" u="none">
+        <a:defRPr sz="8400" b="0" i="0" u="none" strike="noStrike" cap="none" spc="-84" baseline="0">
           <a:solidFill>
             <a:srgbClr val="000000"/>
           </a:solidFill>
@@ -4538,7 +4487,7 @@
         <a:buFontTx/>
         <a:buNone/>
         <a:tabLst/>
-        <a:defRPr b="0" baseline="0" cap="none" i="0" spc="-84" strike="noStrike" sz="8400" u="none">
+        <a:defRPr sz="8400" b="0" i="0" u="none" strike="noStrike" cap="none" spc="-84" baseline="0">
           <a:solidFill>
             <a:srgbClr val="000000"/>
           </a:solidFill>
@@ -4564,7 +4513,7 @@
         <a:buFontTx/>
         <a:buNone/>
         <a:tabLst/>
-        <a:defRPr b="0" baseline="0" cap="none" i="0" spc="-84" strike="noStrike" sz="8400" u="none">
+        <a:defRPr sz="8400" b="0" i="0" u="none" strike="noStrike" cap="none" spc="-84" baseline="0">
           <a:solidFill>
             <a:srgbClr val="000000"/>
           </a:solidFill>
@@ -4590,7 +4539,7 @@
         <a:buFontTx/>
         <a:buNone/>
         <a:tabLst/>
-        <a:defRPr b="0" baseline="0" cap="none" i="0" spc="-84" strike="noStrike" sz="8400" u="none">
+        <a:defRPr sz="8400" b="0" i="0" u="none" strike="noStrike" cap="none" spc="-84" baseline="0">
           <a:solidFill>
             <a:srgbClr val="000000"/>
           </a:solidFill>
@@ -4616,7 +4565,7 @@
         <a:buFontTx/>
         <a:buNone/>
         <a:tabLst/>
-        <a:defRPr b="0" baseline="0" cap="none" i="0" spc="-84" strike="noStrike" sz="8400" u="none">
+        <a:defRPr sz="8400" b="0" i="0" u="none" strike="noStrike" cap="none" spc="-84" baseline="0">
           <a:solidFill>
             <a:srgbClr val="000000"/>
           </a:solidFill>
@@ -4642,7 +4591,7 @@
         <a:buFontTx/>
         <a:buNone/>
         <a:tabLst/>
-        <a:defRPr b="0" baseline="0" cap="none" i="0" spc="-84" strike="noStrike" sz="8400" u="none">
+        <a:defRPr sz="8400" b="0" i="0" u="none" strike="noStrike" cap="none" spc="-84" baseline="0">
           <a:solidFill>
             <a:srgbClr val="000000"/>
           </a:solidFill>
@@ -4668,7 +4617,7 @@
         <a:buFontTx/>
         <a:buNone/>
         <a:tabLst/>
-        <a:defRPr b="0" baseline="0" cap="none" i="0" spc="-84" strike="noStrike" sz="8400" u="none">
+        <a:defRPr sz="8400" b="0" i="0" u="none" strike="noStrike" cap="none" spc="-84" baseline="0">
           <a:solidFill>
             <a:srgbClr val="000000"/>
           </a:solidFill>
@@ -4694,7 +4643,7 @@
         <a:buFontTx/>
         <a:buNone/>
         <a:tabLst/>
-        <a:defRPr b="0" baseline="0" cap="none" i="0" spc="-84" strike="noStrike" sz="8400" u="none">
+        <a:defRPr sz="8400" b="0" i="0" u="none" strike="noStrike" cap="none" spc="-84" baseline="0">
           <a:solidFill>
             <a:srgbClr val="000000"/>
           </a:solidFill>
@@ -4720,7 +4669,7 @@
         <a:buFontTx/>
         <a:buNone/>
         <a:tabLst/>
-        <a:defRPr b="0" baseline="0" cap="none" i="0" spc="-84" strike="noStrike" sz="8400" u="none">
+        <a:defRPr sz="8400" b="0" i="0" u="none" strike="noStrike" cap="none" spc="-84" baseline="0">
           <a:solidFill>
             <a:srgbClr val="000000"/>
           </a:solidFill>
@@ -4748,7 +4697,7 @@
         <a:buFontTx/>
         <a:buChar char="•"/>
         <a:tabLst/>
-        <a:defRPr b="0" baseline="0" cap="none" i="0" spc="0" strike="noStrike" sz="4400" u="none">
+        <a:defRPr sz="4400" b="0" i="0" u="none" strike="noStrike" cap="none" spc="0" baseline="0">
           <a:solidFill>
             <a:srgbClr val="000000"/>
           </a:solidFill>
@@ -4774,7 +4723,7 @@
         <a:buFontTx/>
         <a:buChar char="•"/>
         <a:tabLst/>
-        <a:defRPr b="0" baseline="0" cap="none" i="0" spc="0" strike="noStrike" sz="4400" u="none">
+        <a:defRPr sz="4400" b="0" i="0" u="none" strike="noStrike" cap="none" spc="0" baseline="0">
           <a:solidFill>
             <a:srgbClr val="000000"/>
           </a:solidFill>
@@ -4800,7 +4749,7 @@
         <a:buFontTx/>
         <a:buChar char="•"/>
         <a:tabLst/>
-        <a:defRPr b="0" baseline="0" cap="none" i="0" spc="0" strike="noStrike" sz="4400" u="none">
+        <a:defRPr sz="4400" b="0" i="0" u="none" strike="noStrike" cap="none" spc="0" baseline="0">
           <a:solidFill>
             <a:srgbClr val="000000"/>
           </a:solidFill>
@@ -4826,7 +4775,7 @@
         <a:buFontTx/>
         <a:buChar char="•"/>
         <a:tabLst/>
-        <a:defRPr b="0" baseline="0" cap="none" i="0" spc="0" strike="noStrike" sz="4400" u="none">
+        <a:defRPr sz="4400" b="0" i="0" u="none" strike="noStrike" cap="none" spc="0" baseline="0">
           <a:solidFill>
             <a:srgbClr val="000000"/>
           </a:solidFill>
@@ -4852,7 +4801,7 @@
         <a:buFontTx/>
         <a:buChar char="•"/>
         <a:tabLst/>
-        <a:defRPr b="0" baseline="0" cap="none" i="0" spc="0" strike="noStrike" sz="4400" u="none">
+        <a:defRPr sz="4400" b="0" i="0" u="none" strike="noStrike" cap="none" spc="0" baseline="0">
           <a:solidFill>
             <a:srgbClr val="000000"/>
           </a:solidFill>
@@ -4878,7 +4827,7 @@
         <a:buFontTx/>
         <a:buChar char="•"/>
         <a:tabLst/>
-        <a:defRPr b="0" baseline="0" cap="none" i="0" spc="0" strike="noStrike" sz="4400" u="none">
+        <a:defRPr sz="4400" b="0" i="0" u="none" strike="noStrike" cap="none" spc="0" baseline="0">
           <a:solidFill>
             <a:srgbClr val="000000"/>
           </a:solidFill>
@@ -4904,7 +4853,7 @@
         <a:buFontTx/>
         <a:buChar char="•"/>
         <a:tabLst/>
-        <a:defRPr b="0" baseline="0" cap="none" i="0" spc="0" strike="noStrike" sz="4400" u="none">
+        <a:defRPr sz="4400" b="0" i="0" u="none" strike="noStrike" cap="none" spc="0" baseline="0">
           <a:solidFill>
             <a:srgbClr val="000000"/>
           </a:solidFill>
@@ -4930,7 +4879,7 @@
         <a:buFontTx/>
         <a:buChar char="•"/>
         <a:tabLst/>
-        <a:defRPr b="0" baseline="0" cap="none" i="0" spc="0" strike="noStrike" sz="4400" u="none">
+        <a:defRPr sz="4400" b="0" i="0" u="none" strike="noStrike" cap="none" spc="0" baseline="0">
           <a:solidFill>
             <a:srgbClr val="000000"/>
           </a:solidFill>
@@ -4956,7 +4905,7 @@
         <a:buFontTx/>
         <a:buChar char="•"/>
         <a:tabLst/>
-        <a:defRPr b="0" baseline="0" cap="none" i="0" spc="0" strike="noStrike" sz="4400" u="none">
+        <a:defRPr sz="4400" b="0" i="0" u="none" strike="noStrike" cap="none" spc="0" baseline="0">
           <a:solidFill>
             <a:srgbClr val="000000"/>
           </a:solidFill>
@@ -4984,7 +4933,7 @@
         <a:buFontTx/>
         <a:buNone/>
         <a:tabLst/>
-        <a:defRPr b="0" baseline="0" cap="none" i="0" spc="0" strike="noStrike" sz="2000" u="none">
+        <a:defRPr sz="2000" b="0" i="0" u="none" strike="noStrike" cap="none" spc="0" baseline="0">
           <a:solidFill>
             <a:schemeClr val="tx1"/>
           </a:solidFill>
@@ -5010,7 +4959,7 @@
         <a:buFontTx/>
         <a:buNone/>
         <a:tabLst/>
-        <a:defRPr b="0" baseline="0" cap="none" i="0" spc="0" strike="noStrike" sz="2000" u="none">
+        <a:defRPr sz="2000" b="0" i="0" u="none" strike="noStrike" cap="none" spc="0" baseline="0">
           <a:solidFill>
             <a:schemeClr val="tx1"/>
           </a:solidFill>
@@ -5036,7 +4985,7 @@
         <a:buFontTx/>
         <a:buNone/>
         <a:tabLst/>
-        <a:defRPr b="0" baseline="0" cap="none" i="0" spc="0" strike="noStrike" sz="2000" u="none">
+        <a:defRPr sz="2000" b="0" i="0" u="none" strike="noStrike" cap="none" spc="0" baseline="0">
           <a:solidFill>
             <a:schemeClr val="tx1"/>
           </a:solidFill>
@@ -5062,7 +5011,7 @@
         <a:buFontTx/>
         <a:buNone/>
         <a:tabLst/>
-        <a:defRPr b="0" baseline="0" cap="none" i="0" spc="0" strike="noStrike" sz="2000" u="none">
+        <a:defRPr sz="2000" b="0" i="0" u="none" strike="noStrike" cap="none" spc="0" baseline="0">
           <a:solidFill>
             <a:schemeClr val="tx1"/>
           </a:solidFill>
@@ -5088,7 +5037,7 @@
         <a:buFontTx/>
         <a:buNone/>
         <a:tabLst/>
-        <a:defRPr b="0" baseline="0" cap="none" i="0" spc="0" strike="noStrike" sz="2000" u="none">
+        <a:defRPr sz="2000" b="0" i="0" u="none" strike="noStrike" cap="none" spc="0" baseline="0">
           <a:solidFill>
             <a:schemeClr val="tx1"/>
           </a:solidFill>
@@ -5114,7 +5063,7 @@
         <a:buFontTx/>
         <a:buNone/>
         <a:tabLst/>
-        <a:defRPr b="0" baseline="0" cap="none" i="0" spc="0" strike="noStrike" sz="2000" u="none">
+        <a:defRPr sz="2000" b="0" i="0" u="none" strike="noStrike" cap="none" spc="0" baseline="0">
           <a:solidFill>
             <a:schemeClr val="tx1"/>
           </a:solidFill>
@@ -5140,7 +5089,7 @@
         <a:buFontTx/>
         <a:buNone/>
         <a:tabLst/>
-        <a:defRPr b="0" baseline="0" cap="none" i="0" spc="0" strike="noStrike" sz="2000" u="none">
+        <a:defRPr sz="2000" b="0" i="0" u="none" strike="noStrike" cap="none" spc="0" baseline="0">
           <a:solidFill>
             <a:schemeClr val="tx1"/>
           </a:solidFill>
@@ -5166,7 +5115,7 @@
         <a:buFontTx/>
         <a:buNone/>
         <a:tabLst/>
-        <a:defRPr b="0" baseline="0" cap="none" i="0" spc="0" strike="noStrike" sz="2000" u="none">
+        <a:defRPr sz="2000" b="0" i="0" u="none" strike="noStrike" cap="none" spc="0" baseline="0">
           <a:solidFill>
             <a:schemeClr val="tx1"/>
           </a:solidFill>
@@ -5192,7 +5141,7 @@
         <a:buFontTx/>
         <a:buNone/>
         <a:tabLst/>
-        <a:defRPr b="0" baseline="0" cap="none" i="0" spc="0" strike="noStrike" sz="2000" u="none">
+        <a:defRPr sz="2000" b="0" i="0" u="none" strike="noStrike" cap="none" spc="0" baseline="0">
           <a:solidFill>
             <a:schemeClr val="tx1"/>
           </a:solidFill>
@@ -5209,7 +5158,7 @@
 </file>
 
 <file path=ppt/slides/slide1.xml><?xml version="1.0" encoding="utf-8"?>
-<p:sld xmlns:a="http://schemas.openxmlformats.org/drawingml/2006/main" xmlns:r="http://schemas.openxmlformats.org/officeDocument/2006/relationships" xmlns:p="http://schemas.openxmlformats.org/presentationml/2006/main" xmlns:m="http://schemas.openxmlformats.org/officeDocument/2006/math" xmlns:a14="http://schemas.microsoft.com/office/drawing/2010/main" showMasterSp="1" showMasterPhAnim="1">
+<p:sld xmlns:a="http://schemas.openxmlformats.org/drawingml/2006/main" xmlns:r="http://schemas.openxmlformats.org/officeDocument/2006/relationships" xmlns:p="http://schemas.openxmlformats.org/presentationml/2006/main">
   <p:cSld>
     <p:spTree>
       <p:nvGrpSpPr>
@@ -5228,7 +5177,9 @@
       <p:sp>
         <p:nvSpPr>
           <p:cNvPr id="151" name="AMC vs Cinemark"/>
-          <p:cNvSpPr txBox="1"/>
+          <p:cNvSpPr txBox="1">
+            <a:spLocks noGrp="1"/>
+          </p:cNvSpPr>
           <p:nvPr>
             <p:ph type="ctrTitle"/>
           </p:nvPr>
@@ -5242,7 +5193,6 @@
           <a:bodyPr/>
           <a:lstStyle/>
           <a:p>
-            <a:pPr/>
             <a:r>
               <a:t>AMC vs Cinemark</a:t>
             </a:r>
@@ -5252,7 +5202,9 @@
       <p:sp>
         <p:nvSpPr>
           <p:cNvPr id="152" name="By Jake Guerrero"/>
-          <p:cNvSpPr txBox="1"/>
+          <p:cNvSpPr txBox="1">
+            <a:spLocks noGrp="1"/>
+          </p:cNvSpPr>
           <p:nvPr>
             <p:ph type="subTitle" sz="quarter" idx="1"/>
           </p:nvPr>
@@ -5266,7 +5218,6 @@
           <a:bodyPr/>
           <a:lstStyle/>
           <a:p>
-            <a:pPr/>
             <a:r>
               <a:t>By Jake Guerrero</a:t>
             </a:r>
@@ -5278,12 +5229,12 @@
   <p:clrMapOvr>
     <a:masterClrMapping/>
   </p:clrMapOvr>
-  <p:transition xmlns:p14="http://schemas.microsoft.com/office/powerpoint/2010/main" spd="med" advClick="1"/>
+  <p:transition spd="med"/>
 </p:sld>
 </file>
 
 <file path=ppt/slides/slide2.xml><?xml version="1.0" encoding="utf-8"?>
-<p:sld xmlns:a="http://schemas.openxmlformats.org/drawingml/2006/main" xmlns:r="http://schemas.openxmlformats.org/officeDocument/2006/relationships" xmlns:p="http://schemas.openxmlformats.org/presentationml/2006/main" xmlns:m="http://schemas.openxmlformats.org/officeDocument/2006/math" xmlns:a14="http://schemas.microsoft.com/office/drawing/2010/main" showMasterSp="1" showMasterPhAnim="1">
+<p:sld xmlns:a="http://schemas.openxmlformats.org/drawingml/2006/main" xmlns:r="http://schemas.openxmlformats.org/officeDocument/2006/relationships" xmlns:p="http://schemas.openxmlformats.org/presentationml/2006/main">
   <p:cSld>
     <p:spTree>
       <p:nvGrpSpPr>
@@ -5302,7 +5253,9 @@
       <p:sp>
         <p:nvSpPr>
           <p:cNvPr id="154" name="Admissions"/>
-          <p:cNvSpPr txBox="1"/>
+          <p:cNvSpPr txBox="1">
+            <a:spLocks noGrp="1"/>
+          </p:cNvSpPr>
           <p:nvPr>
             <p:ph type="title"/>
           </p:nvPr>
@@ -5316,7 +5269,6 @@
           <a:bodyPr/>
           <a:lstStyle/>
           <a:p>
-            <a:pPr/>
             <a:r>
               <a:t>Admissions</a:t>
             </a:r>
@@ -5326,15 +5278,17 @@
       <p:sp>
         <p:nvSpPr>
           <p:cNvPr id="155" name="Admissions for Amc for the physical year of 2021 were set in 1394.2 million us dollars while, in 2022, 2201.4 million. Cinemark had 780 million in the end of the 2021 physical year, ending with 1246.9 million the next year."/>
-          <p:cNvSpPr txBox="1"/>
+          <p:cNvSpPr txBox="1">
+            <a:spLocks noGrp="1"/>
+          </p:cNvSpPr>
           <p:nvPr>
             <p:ph type="body" sz="half" idx="1"/>
           </p:nvPr>
         </p:nvSpPr>
         <p:spPr>
           <a:xfrm>
-            <a:off x="14090285" y="4013200"/>
-            <a:ext cx="9077493" cy="8483600"/>
+            <a:off x="13992447" y="4013200"/>
+            <a:ext cx="9175331" cy="8483600"/>
           </a:xfrm>
           <a:prstGeom prst="rect">
             <a:avLst/>
@@ -5360,9 +5314,49 @@
             </a:lvl1pPr>
           </a:lstStyle>
           <a:p>
-            <a:pPr/>
             <a:r>
-              <a:t>Admissions for Amc for the physical year of 2021 were set in 1394.2 million us dollars while, in 2022, 2201.4 million. Cinemark had 780 million in the end of the 2021 physical year, ending with 1246.9 million the next year.</a:t>
+              <a:rPr dirty="0"/>
+              <a:t>Admissions for </a:t>
+            </a:r>
+            <a:r>
+              <a:rPr lang="en-US" dirty="0"/>
+              <a:t>AMC</a:t>
+            </a:r>
+            <a:r>
+              <a:rPr dirty="0"/>
+              <a:t> for the physical year of 2021 were set in 1394.2 million </a:t>
+            </a:r>
+            <a:r>
+              <a:rPr lang="en-US" dirty="0"/>
+              <a:t>USD</a:t>
+            </a:r>
+            <a:r>
+              <a:rPr dirty="0"/>
+              <a:t> while, in 2022, 2201.4 million</a:t>
+            </a:r>
+            <a:r>
+              <a:rPr lang="en-US" dirty="0"/>
+              <a:t> USD</a:t>
+            </a:r>
+            <a:r>
+              <a:rPr dirty="0"/>
+              <a:t>. Cinemark had 780 million</a:t>
+            </a:r>
+            <a:r>
+              <a:rPr lang="en-US" dirty="0"/>
+              <a:t> USD</a:t>
+            </a:r>
+            <a:r>
+              <a:rPr dirty="0"/>
+              <a:t> in the end of the 2021 physical year, ending with 1246.9 million </a:t>
+            </a:r>
+            <a:r>
+              <a:rPr lang="en-US" dirty="0"/>
+              <a:t>USD </a:t>
+            </a:r>
+            <a:r>
+              <a:rPr dirty="0"/>
+              <a:t>the next year.</a:t>
             </a:r>
           </a:p>
         </p:txBody>
@@ -5377,9 +5371,9 @@
           <a:off x="490594" y="3887608"/>
           <a:ext cx="12120602" cy="8550867"/>
         </p:xfrm>
-        <a:graphic xmlns:a="http://schemas.openxmlformats.org/drawingml/2006/main">
+        <a:graphic>
           <a:graphicData uri="http://schemas.openxmlformats.org/drawingml/2006/chart">
-            <c:chart xmlns:c="http://schemas.openxmlformats.org/drawingml/2006/chart" r:id="rId2"/>
+            <c:chart xmlns:c="http://schemas.openxmlformats.org/drawingml/2006/chart" xmlns:r="http://schemas.openxmlformats.org/officeDocument/2006/relationships" r:id="rId2"/>
           </a:graphicData>
         </a:graphic>
       </p:graphicFrame>
@@ -5388,12 +5382,12 @@
   <p:clrMapOvr>
     <a:masterClrMapping/>
   </p:clrMapOvr>
-  <p:transition xmlns:p14="http://schemas.microsoft.com/office/powerpoint/2010/main" spd="med" advClick="1"/>
+  <p:transition spd="med"/>
 </p:sld>
 </file>
 
 <file path=ppt/slides/slide3.xml><?xml version="1.0" encoding="utf-8"?>
-<p:sld xmlns:a="http://schemas.openxmlformats.org/drawingml/2006/main" xmlns:r="http://schemas.openxmlformats.org/officeDocument/2006/relationships" xmlns:p="http://schemas.openxmlformats.org/presentationml/2006/main" xmlns:m="http://schemas.openxmlformats.org/officeDocument/2006/math" xmlns:a14="http://schemas.microsoft.com/office/drawing/2010/main" showMasterSp="1" showMasterPhAnim="1">
+<p:sld xmlns:a="http://schemas.openxmlformats.org/drawingml/2006/main" xmlns:r="http://schemas.openxmlformats.org/officeDocument/2006/relationships" xmlns:p="http://schemas.openxmlformats.org/presentationml/2006/main">
   <p:cSld>
     <p:spTree>
       <p:nvGrpSpPr>
@@ -5412,7 +5406,9 @@
       <p:sp>
         <p:nvSpPr>
           <p:cNvPr id="158" name="Concessions"/>
-          <p:cNvSpPr txBox="1"/>
+          <p:cNvSpPr txBox="1">
+            <a:spLocks noGrp="1"/>
+          </p:cNvSpPr>
           <p:nvPr>
             <p:ph type="title"/>
           </p:nvPr>
@@ -5426,7 +5422,6 @@
           <a:bodyPr/>
           <a:lstStyle/>
           <a:p>
-            <a:pPr/>
             <a:r>
               <a:t>Concessions</a:t>
             </a:r>
@@ -5436,15 +5431,17 @@
       <p:sp>
         <p:nvSpPr>
           <p:cNvPr id="159" name="When we looked into the concession stands of both theaters, we saw that AMC had 857.3 million in 2021, while in 2022, it increased to 1,313 million. In Cinemark theaters, they brought up 561.7 million in 2021 while the next year was 938.3 million."/>
-          <p:cNvSpPr txBox="1"/>
+          <p:cNvSpPr txBox="1">
+            <a:spLocks noGrp="1"/>
+          </p:cNvSpPr>
           <p:nvPr>
             <p:ph type="body" sz="half" idx="1"/>
           </p:nvPr>
         </p:nvSpPr>
         <p:spPr>
           <a:xfrm>
-            <a:off x="13139639" y="4013200"/>
-            <a:ext cx="10028138" cy="8483600"/>
+            <a:off x="12192000" y="4013200"/>
+            <a:ext cx="10975777" cy="8483600"/>
           </a:xfrm>
           <a:prstGeom prst="rect">
             <a:avLst/>
@@ -5470,9 +5467,49 @@
             </a:lvl1pPr>
           </a:lstStyle>
           <a:p>
-            <a:pPr/>
             <a:r>
-              <a:t>When we looked into the concession stands of both theaters, we saw that AMC had 857.3 million in 2021, while in 2022, it increased to 1,313 million. In Cinemark theaters, they brought up 561.7 million in 2021 while the next year was 938.3 million.</a:t>
+              <a:rPr dirty="0"/>
+              <a:t>When we looked into the concession stands of both theaters, we saw that AMC had 857.3 million</a:t>
+            </a:r>
+            <a:r>
+              <a:rPr lang="en-US" dirty="0"/>
+              <a:t> USD</a:t>
+            </a:r>
+            <a:r>
+              <a:rPr dirty="0"/>
+              <a:t> in 2021, while in 2022, it increased to 1,313 million</a:t>
+            </a:r>
+            <a:r>
+              <a:rPr lang="en-US" dirty="0"/>
+              <a:t> USD</a:t>
+            </a:r>
+            <a:r>
+              <a:rPr dirty="0"/>
+              <a:t>. In Cinemark theaters, they brought </a:t>
+            </a:r>
+            <a:r>
+              <a:rPr lang="en-US" dirty="0"/>
+              <a:t>in</a:t>
+            </a:r>
+            <a:r>
+              <a:rPr dirty="0"/>
+              <a:t> 561.7 million</a:t>
+            </a:r>
+            <a:r>
+              <a:rPr lang="en-US" dirty="0"/>
+              <a:t> USD</a:t>
+            </a:r>
+            <a:r>
+              <a:rPr dirty="0"/>
+              <a:t> in 2021 while the next year was 938.3 million</a:t>
+            </a:r>
+            <a:r>
+              <a:rPr lang="en-US" dirty="0"/>
+              <a:t> USD</a:t>
+            </a:r>
+            <a:r>
+              <a:rPr dirty="0"/>
+              <a:t>.</a:t>
             </a:r>
           </a:p>
         </p:txBody>
@@ -5481,15 +5518,21 @@
         <p:nvGraphicFramePr>
           <p:cNvPr id="160" name="2D Column Chart"/>
           <p:cNvGraphicFramePr/>
-          <p:nvPr/>
+          <p:nvPr>
+            <p:extLst>
+              <p:ext uri="{D42A27DB-BD31-4B8C-83A1-F6EECF244321}">
+                <p14:modId xmlns:p14="http://schemas.microsoft.com/office/powerpoint/2010/main" val="308989521"/>
+              </p:ext>
+            </p:extLst>
+          </p:nvPr>
         </p:nvGraphicFramePr>
         <p:xfrm>
-          <a:off x="2600233" y="4601740"/>
+          <a:off x="835228" y="4589178"/>
           <a:ext cx="9157297" cy="8352122"/>
         </p:xfrm>
-        <a:graphic xmlns:a="http://schemas.openxmlformats.org/drawingml/2006/main">
+        <a:graphic>
           <a:graphicData uri="http://schemas.openxmlformats.org/drawingml/2006/chart">
-            <c:chart xmlns:c="http://schemas.openxmlformats.org/drawingml/2006/chart" r:id="rId2"/>
+            <c:chart xmlns:c="http://schemas.openxmlformats.org/drawingml/2006/chart" xmlns:r="http://schemas.openxmlformats.org/officeDocument/2006/relationships" r:id="rId2"/>
           </a:graphicData>
         </a:graphic>
       </p:graphicFrame>
@@ -5498,12 +5541,12 @@
   <p:clrMapOvr>
     <a:masterClrMapping/>
   </p:clrMapOvr>
-  <p:transition xmlns:p14="http://schemas.microsoft.com/office/powerpoint/2010/main" spd="med" advClick="1"/>
+  <p:transition spd="med"/>
 </p:sld>
 </file>
 
 <file path=ppt/slides/slide4.xml><?xml version="1.0" encoding="utf-8"?>
-<p:sld xmlns:a="http://schemas.openxmlformats.org/drawingml/2006/main" xmlns:r="http://schemas.openxmlformats.org/officeDocument/2006/relationships" xmlns:p="http://schemas.openxmlformats.org/presentationml/2006/main" xmlns:m="http://schemas.openxmlformats.org/officeDocument/2006/math" xmlns:a14="http://schemas.microsoft.com/office/drawing/2010/main" showMasterSp="1" showMasterPhAnim="1">
+<p:sld xmlns:a="http://schemas.openxmlformats.org/drawingml/2006/main" xmlns:r="http://schemas.openxmlformats.org/officeDocument/2006/relationships" xmlns:p="http://schemas.openxmlformats.org/presentationml/2006/main">
   <p:cSld>
     <p:spTree>
       <p:nvGrpSpPr>
@@ -5522,7 +5565,9 @@
       <p:sp>
         <p:nvSpPr>
           <p:cNvPr id="162" name="Other"/>
-          <p:cNvSpPr txBox="1"/>
+          <p:cNvSpPr txBox="1">
+            <a:spLocks noGrp="1"/>
+          </p:cNvSpPr>
           <p:nvPr>
             <p:ph type="title"/>
           </p:nvPr>
@@ -5536,7 +5581,6 @@
           <a:bodyPr/>
           <a:lstStyle/>
           <a:p>
-            <a:pPr/>
             <a:r>
               <a:t>Other</a:t>
             </a:r>
@@ -5546,7 +5590,9 @@
       <p:sp>
         <p:nvSpPr>
           <p:cNvPr id="163" name="This chart is more of the other things both companies use for their revenue. AMC brought 276.4 million US dollars in 2021 and brought 396.3 million US dollars the following year. Cinemark brought 73.6 million US dollars in 2021 while the company had 69.4"/>
-          <p:cNvSpPr txBox="1"/>
+          <p:cNvSpPr txBox="1">
+            <a:spLocks noGrp="1"/>
+          </p:cNvSpPr>
           <p:nvPr>
             <p:ph type="body" sz="half" idx="1"/>
           </p:nvPr>
@@ -5580,9 +5626,97 @@
             </a:lvl1pPr>
           </a:lstStyle>
           <a:p>
-            <a:pPr/>
             <a:r>
-              <a:t>This chart is more of the other things both companies use for their revenue. AMC brought 276.4 million US dollars in 2021 and brought 396.3 million US dollars the following year. Cinemark brought 73.6 million US dollars in 2021 while the company had 69.4 million US dollars the following year.</a:t>
+              <a:rPr dirty="0"/>
+              <a:t>This chart </a:t>
+            </a:r>
+            <a:r>
+              <a:rPr lang="en-US" dirty="0"/>
+              <a:t>summarizes </a:t>
+            </a:r>
+            <a:r>
+              <a:rPr dirty="0"/>
+              <a:t>other </a:t>
+            </a:r>
+            <a:r>
+              <a:rPr lang="en-US" dirty="0"/>
+              <a:t>revenue for both</a:t>
+            </a:r>
+            <a:r>
+              <a:rPr dirty="0"/>
+              <a:t> companies. AMC brought</a:t>
+            </a:r>
+            <a:r>
+              <a:rPr lang="en-US" dirty="0"/>
+              <a:t> in</a:t>
+            </a:r>
+            <a:r>
+              <a:rPr dirty="0"/>
+              <a:t> 276.4 million US</a:t>
+            </a:r>
+            <a:r>
+              <a:rPr lang="en-US" dirty="0"/>
+              <a:t>D</a:t>
+            </a:r>
+            <a:r>
+              <a:rPr dirty="0"/>
+              <a:t> in 2021 and brought</a:t>
+            </a:r>
+            <a:r>
+              <a:rPr lang="en-US" dirty="0"/>
+              <a:t> in</a:t>
+            </a:r>
+            <a:r>
+              <a:rPr dirty="0"/>
+              <a:t> 396.3 million US</a:t>
+            </a:r>
+            <a:r>
+              <a:rPr lang="en-US" dirty="0"/>
+              <a:t>D </a:t>
+            </a:r>
+            <a:r>
+              <a:rPr dirty="0"/>
+              <a:t>the following year. Cinemark brought </a:t>
+            </a:r>
+            <a:r>
+              <a:rPr lang="en-US" dirty="0"/>
+              <a:t>in </a:t>
+            </a:r>
+            <a:r>
+              <a:rPr dirty="0"/>
+              <a:t>73.6 million US</a:t>
+            </a:r>
+            <a:r>
+              <a:rPr lang="en-US" dirty="0"/>
+              <a:t>D </a:t>
+            </a:r>
+            <a:r>
+              <a:rPr dirty="0"/>
+              <a:t>in 2021 </a:t>
+            </a:r>
+            <a:r>
+              <a:rPr lang="en-US" dirty="0"/>
+              <a:t>and</a:t>
+            </a:r>
+            <a:r>
+              <a:rPr dirty="0"/>
+              <a:t> </a:t>
+            </a:r>
+            <a:r>
+              <a:rPr lang="en-US" dirty="0"/>
+              <a:t>brought in</a:t>
+            </a:r>
+            <a:r>
+              <a:rPr dirty="0"/>
+              <a:t> 69.4 million US</a:t>
+            </a:r>
+            <a:r>
+              <a:rPr lang="en-US" dirty="0"/>
+              <a:t>D</a:t>
+            </a:r>
+            <a:r>
+              <a:rPr dirty="0"/>
+              <a:t> the following year.</a:t>
             </a:r>
           </a:p>
         </p:txBody>
@@ -5597,167 +5731,23 @@
           <a:off x="-80822" y="3648519"/>
           <a:ext cx="11896497" cy="8977685"/>
         </p:xfrm>
-        <a:graphic xmlns:a="http://schemas.openxmlformats.org/drawingml/2006/main">
+        <a:graphic>
           <a:graphicData uri="http://schemas.openxmlformats.org/drawingml/2006/chart">
-            <c:chart xmlns:c="http://schemas.openxmlformats.org/drawingml/2006/chart" r:id="rId2"/>
+            <c:chart xmlns:c="http://schemas.openxmlformats.org/drawingml/2006/chart" xmlns:r="http://schemas.openxmlformats.org/officeDocument/2006/relationships" r:id="rId2"/>
           </a:graphicData>
         </a:graphic>
       </p:graphicFrame>
-      <p:sp>
-        <p:nvSpPr>
-          <p:cNvPr id="165" name="2021"/>
-          <p:cNvSpPr txBox="1"/>
-          <p:nvPr/>
-        </p:nvSpPr>
-        <p:spPr>
-          <a:xfrm>
-            <a:off x="2025466" y="4395773"/>
-            <a:ext cx="673914" cy="555753"/>
-          </a:xfrm>
-          <a:prstGeom prst="rect">
-            <a:avLst/>
-          </a:prstGeom>
-          <a:ln w="12700">
-            <a:miter lim="400000"/>
-          </a:ln>
-          <a:extLst>
-            <a:ext uri="{C572A759-6A51-4108-AA02-DFA0A04FC94B}">
-              <ma14:wrappingTextBoxFlag xmlns:ma14="http://schemas.microsoft.com/office/mac/drawingml/2011/main" val="1"/>
-            </a:ext>
-          </a:extLst>
-        </p:spPr>
-        <p:txBody>
-          <a:bodyPr wrap="none" lIns="50800" tIns="50800" rIns="50800" bIns="50800" anchor="ctr">
-            <a:spAutoFit/>
-          </a:bodyPr>
-          <a:lstStyle/>
-          <a:p>
-            <a:pPr/>
-            <a:r>
-              <a:t>2021</a:t>
-            </a:r>
-          </a:p>
-        </p:txBody>
-      </p:sp>
-      <p:sp>
-        <p:nvSpPr>
-          <p:cNvPr id="166" name="2021"/>
-          <p:cNvSpPr txBox="1"/>
-          <p:nvPr/>
-        </p:nvSpPr>
-        <p:spPr>
-          <a:xfrm>
-            <a:off x="4835418" y="4395773"/>
-            <a:ext cx="673914" cy="555753"/>
-          </a:xfrm>
-          <a:prstGeom prst="rect">
-            <a:avLst/>
-          </a:prstGeom>
-          <a:ln w="12700">
-            <a:miter lim="400000"/>
-          </a:ln>
-          <a:extLst>
-            <a:ext uri="{C572A759-6A51-4108-AA02-DFA0A04FC94B}">
-              <ma14:wrappingTextBoxFlag xmlns:ma14="http://schemas.microsoft.com/office/mac/drawingml/2011/main" val="1"/>
-            </a:ext>
-          </a:extLst>
-        </p:spPr>
-        <p:txBody>
-          <a:bodyPr wrap="none" lIns="50800" tIns="50800" rIns="50800" bIns="50800" anchor="ctr">
-            <a:spAutoFit/>
-          </a:bodyPr>
-          <a:lstStyle/>
-          <a:p>
-            <a:pPr/>
-            <a:r>
-              <a:t>2021</a:t>
-            </a:r>
-          </a:p>
-        </p:txBody>
-      </p:sp>
-      <p:sp>
-        <p:nvSpPr>
-          <p:cNvPr id="167" name="2022"/>
-          <p:cNvSpPr txBox="1"/>
-          <p:nvPr/>
-        </p:nvSpPr>
-        <p:spPr>
-          <a:xfrm>
-            <a:off x="3235867" y="4395773"/>
-            <a:ext cx="722377" cy="555753"/>
-          </a:xfrm>
-          <a:prstGeom prst="rect">
-            <a:avLst/>
-          </a:prstGeom>
-          <a:ln w="12700">
-            <a:miter lim="400000"/>
-          </a:ln>
-          <a:extLst>
-            <a:ext uri="{C572A759-6A51-4108-AA02-DFA0A04FC94B}">
-              <ma14:wrappingTextBoxFlag xmlns:ma14="http://schemas.microsoft.com/office/mac/drawingml/2011/main" val="1"/>
-            </a:ext>
-          </a:extLst>
-        </p:spPr>
-        <p:txBody>
-          <a:bodyPr wrap="none" lIns="50800" tIns="50800" rIns="50800" bIns="50800" anchor="ctr">
-            <a:spAutoFit/>
-          </a:bodyPr>
-          <a:lstStyle/>
-          <a:p>
-            <a:pPr/>
-            <a:r>
-              <a:t>2022</a:t>
-            </a:r>
-          </a:p>
-        </p:txBody>
-      </p:sp>
-      <p:sp>
-        <p:nvSpPr>
-          <p:cNvPr id="168" name="2022"/>
-          <p:cNvSpPr txBox="1"/>
-          <p:nvPr/>
-        </p:nvSpPr>
-        <p:spPr>
-          <a:xfrm>
-            <a:off x="5922099" y="4395773"/>
-            <a:ext cx="722377" cy="555753"/>
-          </a:xfrm>
-          <a:prstGeom prst="rect">
-            <a:avLst/>
-          </a:prstGeom>
-          <a:ln w="12700">
-            <a:miter lim="400000"/>
-          </a:ln>
-          <a:extLst>
-            <a:ext uri="{C572A759-6A51-4108-AA02-DFA0A04FC94B}">
-              <ma14:wrappingTextBoxFlag xmlns:ma14="http://schemas.microsoft.com/office/mac/drawingml/2011/main" val="1"/>
-            </a:ext>
-          </a:extLst>
-        </p:spPr>
-        <p:txBody>
-          <a:bodyPr wrap="none" lIns="50800" tIns="50800" rIns="50800" bIns="50800" anchor="ctr">
-            <a:spAutoFit/>
-          </a:bodyPr>
-          <a:lstStyle/>
-          <a:p>
-            <a:pPr/>
-            <a:r>
-              <a:t>2022</a:t>
-            </a:r>
-          </a:p>
-        </p:txBody>
-      </p:sp>
     </p:spTree>
   </p:cSld>
   <p:clrMapOvr>
     <a:masterClrMapping/>
   </p:clrMapOvr>
-  <p:transition xmlns:p14="http://schemas.microsoft.com/office/powerpoint/2010/main" spd="med" advClick="1"/>
+  <p:transition spd="med"/>
 </p:sld>
 </file>
 
 <file path=ppt/theme/theme1.xml><?xml version="1.0" encoding="utf-8"?>
-<a:theme xmlns:a="http://schemas.openxmlformats.org/drawingml/2006/main" xmlns:r="http://schemas.openxmlformats.org/officeDocument/2006/relationships" name="23_ClassicWhite">
+<a:theme xmlns:a="http://schemas.openxmlformats.org/drawingml/2006/main" name="23_ClassicWhite">
   <a:themeElements>
     <a:clrScheme name="23_ClassicWhite">
       <a:dk1>
@@ -5956,7 +5946,7 @@
         <a:effectLst/>
         <a:sp3d/>
       </a:spPr>
-      <a:bodyPr rot="0" spcFirstLastPara="1" vertOverflow="overflow" horzOverflow="overflow" vert="horz" wrap="square" lIns="50800" tIns="50800" rIns="50800" bIns="50800" numCol="1" spcCol="38100" rtlCol="0" anchor="ctr" upright="0">
+      <a:bodyPr rot="0" spcFirstLastPara="1" vertOverflow="overflow" horzOverflow="overflow" vert="horz" wrap="square" lIns="50800" tIns="50800" rIns="50800" bIns="50800" numCol="1" spcCol="38100" rtlCol="0" anchor="ctr">
         <a:spAutoFit/>
       </a:bodyPr>
       <a:lstStyle>
@@ -5975,7 +5965,7 @@
           <a:buFontTx/>
           <a:buNone/>
           <a:tabLst/>
-          <a:defRPr b="0" baseline="0" cap="none" i="0" spc="0" strike="noStrike" sz="3200" u="none" kumimoji="0" normalizeH="0">
+          <a:defRPr kumimoji="0" sz="3200" b="0" i="0" u="none" strike="noStrike" cap="none" spc="0" normalizeH="0" baseline="0">
             <a:ln>
               <a:noFill/>
             </a:ln>
@@ -6005,7 +5995,7 @@
           <a:buFontTx/>
           <a:buNone/>
           <a:tabLst/>
-          <a:defRPr b="0" baseline="0" cap="none" i="0" spc="0" strike="noStrike" sz="1800" u="none" kumimoji="0" normalizeH="0">
+          <a:defRPr kumimoji="0" sz="1800" b="0" i="0" u="none" strike="noStrike" cap="none" spc="0" normalizeH="0" baseline="0">
             <a:ln>
               <a:noFill/>
             </a:ln>
@@ -6031,7 +6021,7 @@
           <a:buFontTx/>
           <a:buNone/>
           <a:tabLst/>
-          <a:defRPr b="0" baseline="0" cap="none" i="0" spc="0" strike="noStrike" sz="1800" u="none" kumimoji="0" normalizeH="0">
+          <a:defRPr kumimoji="0" sz="1800" b="0" i="0" u="none" strike="noStrike" cap="none" spc="0" normalizeH="0" baseline="0">
             <a:ln>
               <a:noFill/>
             </a:ln>
@@ -6057,7 +6047,7 @@
           <a:buFontTx/>
           <a:buNone/>
           <a:tabLst/>
-          <a:defRPr b="0" baseline="0" cap="none" i="0" spc="0" strike="noStrike" sz="1800" u="none" kumimoji="0" normalizeH="0">
+          <a:defRPr kumimoji="0" sz="1800" b="0" i="0" u="none" strike="noStrike" cap="none" spc="0" normalizeH="0" baseline="0">
             <a:ln>
               <a:noFill/>
             </a:ln>
@@ -6083,7 +6073,7 @@
           <a:buFontTx/>
           <a:buNone/>
           <a:tabLst/>
-          <a:defRPr b="0" baseline="0" cap="none" i="0" spc="0" strike="noStrike" sz="1800" u="none" kumimoji="0" normalizeH="0">
+          <a:defRPr kumimoji="0" sz="1800" b="0" i="0" u="none" strike="noStrike" cap="none" spc="0" normalizeH="0" baseline="0">
             <a:ln>
               <a:noFill/>
             </a:ln>
@@ -6109,7 +6099,7 @@
           <a:buFontTx/>
           <a:buNone/>
           <a:tabLst/>
-          <a:defRPr b="0" baseline="0" cap="none" i="0" spc="0" strike="noStrike" sz="1800" u="none" kumimoji="0" normalizeH="0">
+          <a:defRPr kumimoji="0" sz="1800" b="0" i="0" u="none" strike="noStrike" cap="none" spc="0" normalizeH="0" baseline="0">
             <a:ln>
               <a:noFill/>
             </a:ln>
@@ -6135,7 +6125,7 @@
           <a:buFontTx/>
           <a:buNone/>
           <a:tabLst/>
-          <a:defRPr b="0" baseline="0" cap="none" i="0" spc="0" strike="noStrike" sz="1800" u="none" kumimoji="0" normalizeH="0">
+          <a:defRPr kumimoji="0" sz="1800" b="0" i="0" u="none" strike="noStrike" cap="none" spc="0" normalizeH="0" baseline="0">
             <a:ln>
               <a:noFill/>
             </a:ln>
@@ -6161,7 +6151,7 @@
           <a:buFontTx/>
           <a:buNone/>
           <a:tabLst/>
-          <a:defRPr b="0" baseline="0" cap="none" i="0" spc="0" strike="noStrike" sz="1800" u="none" kumimoji="0" normalizeH="0">
+          <a:defRPr kumimoji="0" sz="1800" b="0" i="0" u="none" strike="noStrike" cap="none" spc="0" normalizeH="0" baseline="0">
             <a:ln>
               <a:noFill/>
             </a:ln>
@@ -6187,7 +6177,7 @@
           <a:buFontTx/>
           <a:buNone/>
           <a:tabLst/>
-          <a:defRPr b="0" baseline="0" cap="none" i="0" spc="0" strike="noStrike" sz="1800" u="none" kumimoji="0" normalizeH="0">
+          <a:defRPr kumimoji="0" sz="1800" b="0" i="0" u="none" strike="noStrike" cap="none" spc="0" normalizeH="0" baseline="0">
             <a:ln>
               <a:noFill/>
             </a:ln>
@@ -6213,7 +6203,7 @@
           <a:buFontTx/>
           <a:buNone/>
           <a:tabLst/>
-          <a:defRPr b="0" baseline="0" cap="none" i="0" spc="0" strike="noStrike" sz="1800" u="none" kumimoji="0" normalizeH="0">
+          <a:defRPr kumimoji="0" sz="1800" b="0" i="0" u="none" strike="noStrike" cap="none" spc="0" normalizeH="0" baseline="0">
             <a:ln>
               <a:noFill/>
             </a:ln>
@@ -6226,9 +6216,15 @@
         </a:lvl9pPr>
       </a:lstStyle>
       <a:style>
-        <a:lnRef idx="0"/>
-        <a:fillRef idx="0"/>
-        <a:effectRef idx="0"/>
+        <a:lnRef idx="0">
+          <a:scrgbClr r="0" g="0" b="0"/>
+        </a:lnRef>
+        <a:fillRef idx="0">
+          <a:scrgbClr r="0" g="0" b="0"/>
+        </a:fillRef>
+        <a:effectRef idx="0">
+          <a:scrgbClr r="0" g="0" b="0"/>
+        </a:effectRef>
         <a:fontRef idx="none"/>
       </a:style>
     </a:spDef>
@@ -6245,7 +6241,7 @@
         <a:effectLst/>
         <a:sp3d/>
       </a:spPr>
-      <a:bodyPr rot="0" spcFirstLastPara="1" vertOverflow="overflow" horzOverflow="overflow" vert="horz" wrap="square" lIns="91439" tIns="45719" rIns="91439" bIns="45719" numCol="1" spcCol="38100" rtlCol="0" anchor="t" upright="0">
+      <a:bodyPr rot="0" spcFirstLastPara="1" vertOverflow="overflow" horzOverflow="overflow" vert="horz" wrap="square" lIns="91439" tIns="45719" rIns="91439" bIns="45719" numCol="1" spcCol="38100" rtlCol="0" anchor="t">
         <a:noAutofit/>
       </a:bodyPr>
       <a:lstStyle>
@@ -6264,7 +6260,7 @@
           <a:buFontTx/>
           <a:buNone/>
           <a:tabLst/>
-          <a:defRPr b="0" baseline="0" cap="none" i="0" spc="0" strike="noStrike" sz="1800" u="none" kumimoji="0" normalizeH="0">
+          <a:defRPr kumimoji="0" sz="1800" b="0" i="0" u="none" strike="noStrike" cap="none" spc="0" normalizeH="0" baseline="0">
             <a:ln>
               <a:noFill/>
             </a:ln>
@@ -6290,7 +6286,7 @@
           <a:buFontTx/>
           <a:buNone/>
           <a:tabLst/>
-          <a:defRPr b="0" baseline="0" cap="none" i="0" spc="0" strike="noStrike" sz="1800" u="none" kumimoji="0" normalizeH="0">
+          <a:defRPr kumimoji="0" sz="1800" b="0" i="0" u="none" strike="noStrike" cap="none" spc="0" normalizeH="0" baseline="0">
             <a:ln>
               <a:noFill/>
             </a:ln>
@@ -6316,7 +6312,7 @@
           <a:buFontTx/>
           <a:buNone/>
           <a:tabLst/>
-          <a:defRPr b="0" baseline="0" cap="none" i="0" spc="0" strike="noStrike" sz="1800" u="none" kumimoji="0" normalizeH="0">
+          <a:defRPr kumimoji="0" sz="1800" b="0" i="0" u="none" strike="noStrike" cap="none" spc="0" normalizeH="0" baseline="0">
             <a:ln>
               <a:noFill/>
             </a:ln>
@@ -6342,7 +6338,7 @@
           <a:buFontTx/>
           <a:buNone/>
           <a:tabLst/>
-          <a:defRPr b="0" baseline="0" cap="none" i="0" spc="0" strike="noStrike" sz="1800" u="none" kumimoji="0" normalizeH="0">
+          <a:defRPr kumimoji="0" sz="1800" b="0" i="0" u="none" strike="noStrike" cap="none" spc="0" normalizeH="0" baseline="0">
             <a:ln>
               <a:noFill/>
             </a:ln>
@@ -6368,7 +6364,7 @@
           <a:buFontTx/>
           <a:buNone/>
           <a:tabLst/>
-          <a:defRPr b="0" baseline="0" cap="none" i="0" spc="0" strike="noStrike" sz="1800" u="none" kumimoji="0" normalizeH="0">
+          <a:defRPr kumimoji="0" sz="1800" b="0" i="0" u="none" strike="noStrike" cap="none" spc="0" normalizeH="0" baseline="0">
             <a:ln>
               <a:noFill/>
             </a:ln>
@@ -6394,7 +6390,7 @@
           <a:buFontTx/>
           <a:buNone/>
           <a:tabLst/>
-          <a:defRPr b="0" baseline="0" cap="none" i="0" spc="0" strike="noStrike" sz="1800" u="none" kumimoji="0" normalizeH="0">
+          <a:defRPr kumimoji="0" sz="1800" b="0" i="0" u="none" strike="noStrike" cap="none" spc="0" normalizeH="0" baseline="0">
             <a:ln>
               <a:noFill/>
             </a:ln>
@@ -6420,7 +6416,7 @@
           <a:buFontTx/>
           <a:buNone/>
           <a:tabLst/>
-          <a:defRPr b="0" baseline="0" cap="none" i="0" spc="0" strike="noStrike" sz="1800" u="none" kumimoji="0" normalizeH="0">
+          <a:defRPr kumimoji="0" sz="1800" b="0" i="0" u="none" strike="noStrike" cap="none" spc="0" normalizeH="0" baseline="0">
             <a:ln>
               <a:noFill/>
             </a:ln>
@@ -6446,7 +6442,7 @@
           <a:buFontTx/>
           <a:buNone/>
           <a:tabLst/>
-          <a:defRPr b="0" baseline="0" cap="none" i="0" spc="0" strike="noStrike" sz="1800" u="none" kumimoji="0" normalizeH="0">
+          <a:defRPr kumimoji="0" sz="1800" b="0" i="0" u="none" strike="noStrike" cap="none" spc="0" normalizeH="0" baseline="0">
             <a:ln>
               <a:noFill/>
             </a:ln>
@@ -6472,7 +6468,7 @@
           <a:buFontTx/>
           <a:buNone/>
           <a:tabLst/>
-          <a:defRPr b="0" baseline="0" cap="none" i="0" spc="0" strike="noStrike" sz="1800" u="none" kumimoji="0" normalizeH="0">
+          <a:defRPr kumimoji="0" sz="1800" b="0" i="0" u="none" strike="noStrike" cap="none" spc="0" normalizeH="0" baseline="0">
             <a:ln>
               <a:noFill/>
             </a:ln>
@@ -6498,7 +6494,7 @@
           <a:buFontTx/>
           <a:buNone/>
           <a:tabLst/>
-          <a:defRPr b="0" baseline="0" cap="none" i="0" spc="0" strike="noStrike" sz="1800" u="none" kumimoji="0" normalizeH="0">
+          <a:defRPr kumimoji="0" sz="1800" b="0" i="0" u="none" strike="noStrike" cap="none" spc="0" normalizeH="0" baseline="0">
             <a:ln>
               <a:noFill/>
             </a:ln>
@@ -6511,9 +6507,15 @@
         </a:lvl9pPr>
       </a:lstStyle>
       <a:style>
-        <a:lnRef idx="0"/>
-        <a:fillRef idx="0"/>
-        <a:effectRef idx="0"/>
+        <a:lnRef idx="0">
+          <a:scrgbClr r="0" g="0" b="0"/>
+        </a:lnRef>
+        <a:fillRef idx="0">
+          <a:scrgbClr r="0" g="0" b="0"/>
+        </a:fillRef>
+        <a:effectRef idx="0">
+          <a:scrgbClr r="0" g="0" b="0"/>
+        </a:effectRef>
         <a:fontRef idx="none"/>
       </a:style>
     </a:lnDef>
@@ -6527,7 +6529,7 @@
         <a:effectLst/>
         <a:sp3d/>
       </a:spPr>
-      <a:bodyPr rot="0" spcFirstLastPara="1" vertOverflow="overflow" horzOverflow="overflow" vert="horz" wrap="square" lIns="50800" tIns="50800" rIns="50800" bIns="50800" numCol="1" spcCol="38100" rtlCol="0" anchor="ctr" upright="0">
+      <a:bodyPr rot="0" spcFirstLastPara="1" vertOverflow="overflow" horzOverflow="overflow" vert="horz" wrap="square" lIns="50800" tIns="50800" rIns="50800" bIns="50800" numCol="1" spcCol="38100" rtlCol="0" anchor="ctr">
         <a:spAutoFit/>
       </a:bodyPr>
       <a:lstStyle>
@@ -6546,7 +6548,7 @@
           <a:buFontTx/>
           <a:buNone/>
           <a:tabLst/>
-          <a:defRPr b="0" baseline="0" cap="none" i="0" spc="0" strike="noStrike" sz="2400" u="none" kumimoji="0" normalizeH="0">
+          <a:defRPr kumimoji="0" sz="2400" b="0" i="0" u="none" strike="noStrike" cap="none" spc="0" normalizeH="0" baseline="0">
             <a:ln>
               <a:noFill/>
             </a:ln>
@@ -6576,7 +6578,7 @@
           <a:buFontTx/>
           <a:buNone/>
           <a:tabLst/>
-          <a:defRPr b="0" baseline="0" cap="none" i="0" spc="0" strike="noStrike" sz="1800" u="none" kumimoji="0" normalizeH="0">
+          <a:defRPr kumimoji="0" sz="1800" b="0" i="0" u="none" strike="noStrike" cap="none" spc="0" normalizeH="0" baseline="0">
             <a:ln>
               <a:noFill/>
             </a:ln>
@@ -6602,7 +6604,7 @@
           <a:buFontTx/>
           <a:buNone/>
           <a:tabLst/>
-          <a:defRPr b="0" baseline="0" cap="none" i="0" spc="0" strike="noStrike" sz="1800" u="none" kumimoji="0" normalizeH="0">
+          <a:defRPr kumimoji="0" sz="1800" b="0" i="0" u="none" strike="noStrike" cap="none" spc="0" normalizeH="0" baseline="0">
             <a:ln>
               <a:noFill/>
             </a:ln>
@@ -6628,7 +6630,7 @@
           <a:buFontTx/>
           <a:buNone/>
           <a:tabLst/>
-          <a:defRPr b="0" baseline="0" cap="none" i="0" spc="0" strike="noStrike" sz="1800" u="none" kumimoji="0" normalizeH="0">
+          <a:defRPr kumimoji="0" sz="1800" b="0" i="0" u="none" strike="noStrike" cap="none" spc="0" normalizeH="0" baseline="0">
             <a:ln>
               <a:noFill/>
             </a:ln>
@@ -6654,7 +6656,7 @@
           <a:buFontTx/>
           <a:buNone/>
           <a:tabLst/>
-          <a:defRPr b="0" baseline="0" cap="none" i="0" spc="0" strike="noStrike" sz="1800" u="none" kumimoji="0" normalizeH="0">
+          <a:defRPr kumimoji="0" sz="1800" b="0" i="0" u="none" strike="noStrike" cap="none" spc="0" normalizeH="0" baseline="0">
             <a:ln>
               <a:noFill/>
             </a:ln>
@@ -6680,7 +6682,7 @@
           <a:buFontTx/>
           <a:buNone/>
           <a:tabLst/>
-          <a:defRPr b="0" baseline="0" cap="none" i="0" spc="0" strike="noStrike" sz="1800" u="none" kumimoji="0" normalizeH="0">
+          <a:defRPr kumimoji="0" sz="1800" b="0" i="0" u="none" strike="noStrike" cap="none" spc="0" normalizeH="0" baseline="0">
             <a:ln>
               <a:noFill/>
             </a:ln>
@@ -6706,7 +6708,7 @@
           <a:buFontTx/>
           <a:buNone/>
           <a:tabLst/>
-          <a:defRPr b="0" baseline="0" cap="none" i="0" spc="0" strike="noStrike" sz="1800" u="none" kumimoji="0" normalizeH="0">
+          <a:defRPr kumimoji="0" sz="1800" b="0" i="0" u="none" strike="noStrike" cap="none" spc="0" normalizeH="0" baseline="0">
             <a:ln>
               <a:noFill/>
             </a:ln>
@@ -6732,7 +6734,7 @@
           <a:buFontTx/>
           <a:buNone/>
           <a:tabLst/>
-          <a:defRPr b="0" baseline="0" cap="none" i="0" spc="0" strike="noStrike" sz="1800" u="none" kumimoji="0" normalizeH="0">
+          <a:defRPr kumimoji="0" sz="1800" b="0" i="0" u="none" strike="noStrike" cap="none" spc="0" normalizeH="0" baseline="0">
             <a:ln>
               <a:noFill/>
             </a:ln>
@@ -6758,7 +6760,7 @@
           <a:buFontTx/>
           <a:buNone/>
           <a:tabLst/>
-          <a:defRPr b="0" baseline="0" cap="none" i="0" spc="0" strike="noStrike" sz="1800" u="none" kumimoji="0" normalizeH="0">
+          <a:defRPr kumimoji="0" sz="1800" b="0" i="0" u="none" strike="noStrike" cap="none" spc="0" normalizeH="0" baseline="0">
             <a:ln>
               <a:noFill/>
             </a:ln>
@@ -6784,7 +6786,7 @@
           <a:buFontTx/>
           <a:buNone/>
           <a:tabLst/>
-          <a:defRPr b="0" baseline="0" cap="none" i="0" spc="0" strike="noStrike" sz="1800" u="none" kumimoji="0" normalizeH="0">
+          <a:defRPr kumimoji="0" sz="1800" b="0" i="0" u="none" strike="noStrike" cap="none" spc="0" normalizeH="0" baseline="0">
             <a:ln>
               <a:noFill/>
             </a:ln>
@@ -6797,18 +6799,25 @@
         </a:lvl9pPr>
       </a:lstStyle>
       <a:style>
-        <a:lnRef idx="0"/>
-        <a:fillRef idx="0"/>
-        <a:effectRef idx="0"/>
+        <a:lnRef idx="0">
+          <a:scrgbClr r="0" g="0" b="0"/>
+        </a:lnRef>
+        <a:fillRef idx="0">
+          <a:scrgbClr r="0" g="0" b="0"/>
+        </a:fillRef>
+        <a:effectRef idx="0">
+          <a:scrgbClr r="0" g="0" b="0"/>
+        </a:effectRef>
         <a:fontRef idx="none"/>
       </a:style>
     </a:txDef>
   </a:objectDefaults>
+  <a:extraClrSchemeLst/>
 </a:theme>
 </file>
 
 <file path=ppt/theme/theme2.xml><?xml version="1.0" encoding="utf-8"?>
-<a:theme xmlns:a="http://schemas.openxmlformats.org/drawingml/2006/main" xmlns:r="http://schemas.openxmlformats.org/officeDocument/2006/relationships" name="23_ClassicWhite">
+<a:theme xmlns:a="http://schemas.openxmlformats.org/drawingml/2006/main" name="23_ClassicWhite">
   <a:themeElements>
     <a:clrScheme name="23_ClassicWhite">
       <a:dk1>
@@ -7007,7 +7016,7 @@
         <a:effectLst/>
         <a:sp3d/>
       </a:spPr>
-      <a:bodyPr rot="0" spcFirstLastPara="1" vertOverflow="overflow" horzOverflow="overflow" vert="horz" wrap="square" lIns="50800" tIns="50800" rIns="50800" bIns="50800" numCol="1" spcCol="38100" rtlCol="0" anchor="ctr" upright="0">
+      <a:bodyPr rot="0" spcFirstLastPara="1" vertOverflow="overflow" horzOverflow="overflow" vert="horz" wrap="square" lIns="50800" tIns="50800" rIns="50800" bIns="50800" numCol="1" spcCol="38100" rtlCol="0" anchor="ctr">
         <a:spAutoFit/>
       </a:bodyPr>
       <a:lstStyle>
@@ -7026,7 +7035,7 @@
           <a:buFontTx/>
           <a:buNone/>
           <a:tabLst/>
-          <a:defRPr b="0" baseline="0" cap="none" i="0" spc="0" strike="noStrike" sz="3200" u="none" kumimoji="0" normalizeH="0">
+          <a:defRPr kumimoji="0" sz="3200" b="0" i="0" u="none" strike="noStrike" cap="none" spc="0" normalizeH="0" baseline="0">
             <a:ln>
               <a:noFill/>
             </a:ln>
@@ -7056,7 +7065,7 @@
           <a:buFontTx/>
           <a:buNone/>
           <a:tabLst/>
-          <a:defRPr b="0" baseline="0" cap="none" i="0" spc="0" strike="noStrike" sz="1800" u="none" kumimoji="0" normalizeH="0">
+          <a:defRPr kumimoji="0" sz="1800" b="0" i="0" u="none" strike="noStrike" cap="none" spc="0" normalizeH="0" baseline="0">
             <a:ln>
               <a:noFill/>
             </a:ln>
@@ -7082,7 +7091,7 @@
           <a:buFontTx/>
           <a:buNone/>
           <a:tabLst/>
-          <a:defRPr b="0" baseline="0" cap="none" i="0" spc="0" strike="noStrike" sz="1800" u="none" kumimoji="0" normalizeH="0">
+          <a:defRPr kumimoji="0" sz="1800" b="0" i="0" u="none" strike="noStrike" cap="none" spc="0" normalizeH="0" baseline="0">
             <a:ln>
               <a:noFill/>
             </a:ln>
@@ -7108,7 +7117,7 @@
           <a:buFontTx/>
           <a:buNone/>
           <a:tabLst/>
-          <a:defRPr b="0" baseline="0" cap="none" i="0" spc="0" strike="noStrike" sz="1800" u="none" kumimoji="0" normalizeH="0">
+          <a:defRPr kumimoji="0" sz="1800" b="0" i="0" u="none" strike="noStrike" cap="none" spc="0" normalizeH="0" baseline="0">
             <a:ln>
               <a:noFill/>
             </a:ln>
@@ -7134,7 +7143,7 @@
           <a:buFontTx/>
           <a:buNone/>
           <a:tabLst/>
-          <a:defRPr b="0" baseline="0" cap="none" i="0" spc="0" strike="noStrike" sz="1800" u="none" kumimoji="0" normalizeH="0">
+          <a:defRPr kumimoji="0" sz="1800" b="0" i="0" u="none" strike="noStrike" cap="none" spc="0" normalizeH="0" baseline="0">
             <a:ln>
               <a:noFill/>
             </a:ln>
@@ -7160,7 +7169,7 @@
           <a:buFontTx/>
           <a:buNone/>
           <a:tabLst/>
-          <a:defRPr b="0" baseline="0" cap="none" i="0" spc="0" strike="noStrike" sz="1800" u="none" kumimoji="0" normalizeH="0">
+          <a:defRPr kumimoji="0" sz="1800" b="0" i="0" u="none" strike="noStrike" cap="none" spc="0" normalizeH="0" baseline="0">
             <a:ln>
               <a:noFill/>
             </a:ln>
@@ -7186,7 +7195,7 @@
           <a:buFontTx/>
           <a:buNone/>
           <a:tabLst/>
-          <a:defRPr b="0" baseline="0" cap="none" i="0" spc="0" strike="noStrike" sz="1800" u="none" kumimoji="0" normalizeH="0">
+          <a:defRPr kumimoji="0" sz="1800" b="0" i="0" u="none" strike="noStrike" cap="none" spc="0" normalizeH="0" baseline="0">
             <a:ln>
               <a:noFill/>
             </a:ln>
@@ -7212,7 +7221,7 @@
           <a:buFontTx/>
           <a:buNone/>
           <a:tabLst/>
-          <a:defRPr b="0" baseline="0" cap="none" i="0" spc="0" strike="noStrike" sz="1800" u="none" kumimoji="0" normalizeH="0">
+          <a:defRPr kumimoji="0" sz="1800" b="0" i="0" u="none" strike="noStrike" cap="none" spc="0" normalizeH="0" baseline="0">
             <a:ln>
               <a:noFill/>
             </a:ln>
@@ -7238,7 +7247,7 @@
           <a:buFontTx/>
           <a:buNone/>
           <a:tabLst/>
-          <a:defRPr b="0" baseline="0" cap="none" i="0" spc="0" strike="noStrike" sz="1800" u="none" kumimoji="0" normalizeH="0">
+          <a:defRPr kumimoji="0" sz="1800" b="0" i="0" u="none" strike="noStrike" cap="none" spc="0" normalizeH="0" baseline="0">
             <a:ln>
               <a:noFill/>
             </a:ln>
@@ -7264,7 +7273,7 @@
           <a:buFontTx/>
           <a:buNone/>
           <a:tabLst/>
-          <a:defRPr b="0" baseline="0" cap="none" i="0" spc="0" strike="noStrike" sz="1800" u="none" kumimoji="0" normalizeH="0">
+          <a:defRPr kumimoji="0" sz="1800" b="0" i="0" u="none" strike="noStrike" cap="none" spc="0" normalizeH="0" baseline="0">
             <a:ln>
               <a:noFill/>
             </a:ln>
@@ -7277,9 +7286,15 @@
         </a:lvl9pPr>
       </a:lstStyle>
       <a:style>
-        <a:lnRef idx="0"/>
-        <a:fillRef idx="0"/>
-        <a:effectRef idx="0"/>
+        <a:lnRef idx="0">
+          <a:scrgbClr r="0" g="0" b="0"/>
+        </a:lnRef>
+        <a:fillRef idx="0">
+          <a:scrgbClr r="0" g="0" b="0"/>
+        </a:fillRef>
+        <a:effectRef idx="0">
+          <a:scrgbClr r="0" g="0" b="0"/>
+        </a:effectRef>
         <a:fontRef idx="none"/>
       </a:style>
     </a:spDef>
@@ -7296,7 +7311,7 @@
         <a:effectLst/>
         <a:sp3d/>
       </a:spPr>
-      <a:bodyPr rot="0" spcFirstLastPara="1" vertOverflow="overflow" horzOverflow="overflow" vert="horz" wrap="square" lIns="91439" tIns="45719" rIns="91439" bIns="45719" numCol="1" spcCol="38100" rtlCol="0" anchor="t" upright="0">
+      <a:bodyPr rot="0" spcFirstLastPara="1" vertOverflow="overflow" horzOverflow="overflow" vert="horz" wrap="square" lIns="91439" tIns="45719" rIns="91439" bIns="45719" numCol="1" spcCol="38100" rtlCol="0" anchor="t">
         <a:noAutofit/>
       </a:bodyPr>
       <a:lstStyle>
@@ -7315,7 +7330,7 @@
           <a:buFontTx/>
           <a:buNone/>
           <a:tabLst/>
-          <a:defRPr b="0" baseline="0" cap="none" i="0" spc="0" strike="noStrike" sz="1800" u="none" kumimoji="0" normalizeH="0">
+          <a:defRPr kumimoji="0" sz="1800" b="0" i="0" u="none" strike="noStrike" cap="none" spc="0" normalizeH="0" baseline="0">
             <a:ln>
               <a:noFill/>
             </a:ln>
@@ -7341,7 +7356,7 @@
           <a:buFontTx/>
           <a:buNone/>
           <a:tabLst/>
-          <a:defRPr b="0" baseline="0" cap="none" i="0" spc="0" strike="noStrike" sz="1800" u="none" kumimoji="0" normalizeH="0">
+          <a:defRPr kumimoji="0" sz="1800" b="0" i="0" u="none" strike="noStrike" cap="none" spc="0" normalizeH="0" baseline="0">
             <a:ln>
               <a:noFill/>
             </a:ln>
@@ -7367,7 +7382,7 @@
           <a:buFontTx/>
           <a:buNone/>
           <a:tabLst/>
-          <a:defRPr b="0" baseline="0" cap="none" i="0" spc="0" strike="noStrike" sz="1800" u="none" kumimoji="0" normalizeH="0">
+          <a:defRPr kumimoji="0" sz="1800" b="0" i="0" u="none" strike="noStrike" cap="none" spc="0" normalizeH="0" baseline="0">
             <a:ln>
               <a:noFill/>
             </a:ln>
@@ -7393,7 +7408,7 @@
           <a:buFontTx/>
           <a:buNone/>
           <a:tabLst/>
-          <a:defRPr b="0" baseline="0" cap="none" i="0" spc="0" strike="noStrike" sz="1800" u="none" kumimoji="0" normalizeH="0">
+          <a:defRPr kumimoji="0" sz="1800" b="0" i="0" u="none" strike="noStrike" cap="none" spc="0" normalizeH="0" baseline="0">
             <a:ln>
               <a:noFill/>
             </a:ln>
@@ -7419,7 +7434,7 @@
           <a:buFontTx/>
           <a:buNone/>
           <a:tabLst/>
-          <a:defRPr b="0" baseline="0" cap="none" i="0" spc="0" strike="noStrike" sz="1800" u="none" kumimoji="0" normalizeH="0">
+          <a:defRPr kumimoji="0" sz="1800" b="0" i="0" u="none" strike="noStrike" cap="none" spc="0" normalizeH="0" baseline="0">
             <a:ln>
               <a:noFill/>
             </a:ln>
@@ -7445,7 +7460,7 @@
           <a:buFontTx/>
           <a:buNone/>
           <a:tabLst/>
-          <a:defRPr b="0" baseline="0" cap="none" i="0" spc="0" strike="noStrike" sz="1800" u="none" kumimoji="0" normalizeH="0">
+          <a:defRPr kumimoji="0" sz="1800" b="0" i="0" u="none" strike="noStrike" cap="none" spc="0" normalizeH="0" baseline="0">
             <a:ln>
               <a:noFill/>
             </a:ln>
@@ -7471,7 +7486,7 @@
           <a:buFontTx/>
           <a:buNone/>
           <a:tabLst/>
-          <a:defRPr b="0" baseline="0" cap="none" i="0" spc="0" strike="noStrike" sz="1800" u="none" kumimoji="0" normalizeH="0">
+          <a:defRPr kumimoji="0" sz="1800" b="0" i="0" u="none" strike="noStrike" cap="none" spc="0" normalizeH="0" baseline="0">
             <a:ln>
               <a:noFill/>
             </a:ln>
@@ -7497,7 +7512,7 @@
           <a:buFontTx/>
           <a:buNone/>
           <a:tabLst/>
-          <a:defRPr b="0" baseline="0" cap="none" i="0" spc="0" strike="noStrike" sz="1800" u="none" kumimoji="0" normalizeH="0">
+          <a:defRPr kumimoji="0" sz="1800" b="0" i="0" u="none" strike="noStrike" cap="none" spc="0" normalizeH="0" baseline="0">
             <a:ln>
               <a:noFill/>
             </a:ln>
@@ -7523,7 +7538,7 @@
           <a:buFontTx/>
           <a:buNone/>
           <a:tabLst/>
-          <a:defRPr b="0" baseline="0" cap="none" i="0" spc="0" strike="noStrike" sz="1800" u="none" kumimoji="0" normalizeH="0">
+          <a:defRPr kumimoji="0" sz="1800" b="0" i="0" u="none" strike="noStrike" cap="none" spc="0" normalizeH="0" baseline="0">
             <a:ln>
               <a:noFill/>
             </a:ln>
@@ -7549,7 +7564,7 @@
           <a:buFontTx/>
           <a:buNone/>
           <a:tabLst/>
-          <a:defRPr b="0" baseline="0" cap="none" i="0" spc="0" strike="noStrike" sz="1800" u="none" kumimoji="0" normalizeH="0">
+          <a:defRPr kumimoji="0" sz="1800" b="0" i="0" u="none" strike="noStrike" cap="none" spc="0" normalizeH="0" baseline="0">
             <a:ln>
               <a:noFill/>
             </a:ln>
@@ -7562,9 +7577,15 @@
         </a:lvl9pPr>
       </a:lstStyle>
       <a:style>
-        <a:lnRef idx="0"/>
-        <a:fillRef idx="0"/>
-        <a:effectRef idx="0"/>
+        <a:lnRef idx="0">
+          <a:scrgbClr r="0" g="0" b="0"/>
+        </a:lnRef>
+        <a:fillRef idx="0">
+          <a:scrgbClr r="0" g="0" b="0"/>
+        </a:fillRef>
+        <a:effectRef idx="0">
+          <a:scrgbClr r="0" g="0" b="0"/>
+        </a:effectRef>
         <a:fontRef idx="none"/>
       </a:style>
     </a:lnDef>
@@ -7578,7 +7599,7 @@
         <a:effectLst/>
         <a:sp3d/>
       </a:spPr>
-      <a:bodyPr rot="0" spcFirstLastPara="1" vertOverflow="overflow" horzOverflow="overflow" vert="horz" wrap="square" lIns="50800" tIns="50800" rIns="50800" bIns="50800" numCol="1" spcCol="38100" rtlCol="0" anchor="ctr" upright="0">
+      <a:bodyPr rot="0" spcFirstLastPara="1" vertOverflow="overflow" horzOverflow="overflow" vert="horz" wrap="square" lIns="50800" tIns="50800" rIns="50800" bIns="50800" numCol="1" spcCol="38100" rtlCol="0" anchor="ctr">
         <a:spAutoFit/>
       </a:bodyPr>
       <a:lstStyle>
@@ -7597,7 +7618,7 @@
           <a:buFontTx/>
           <a:buNone/>
           <a:tabLst/>
-          <a:defRPr b="0" baseline="0" cap="none" i="0" spc="0" strike="noStrike" sz="2400" u="none" kumimoji="0" normalizeH="0">
+          <a:defRPr kumimoji="0" sz="2400" b="0" i="0" u="none" strike="noStrike" cap="none" spc="0" normalizeH="0" baseline="0">
             <a:ln>
               <a:noFill/>
             </a:ln>
@@ -7627,7 +7648,7 @@
           <a:buFontTx/>
           <a:buNone/>
           <a:tabLst/>
-          <a:defRPr b="0" baseline="0" cap="none" i="0" spc="0" strike="noStrike" sz="1800" u="none" kumimoji="0" normalizeH="0">
+          <a:defRPr kumimoji="0" sz="1800" b="0" i="0" u="none" strike="noStrike" cap="none" spc="0" normalizeH="0" baseline="0">
             <a:ln>
               <a:noFill/>
             </a:ln>
@@ -7653,7 +7674,7 @@
           <a:buFontTx/>
           <a:buNone/>
           <a:tabLst/>
-          <a:defRPr b="0" baseline="0" cap="none" i="0" spc="0" strike="noStrike" sz="1800" u="none" kumimoji="0" normalizeH="0">
+          <a:defRPr kumimoji="0" sz="1800" b="0" i="0" u="none" strike="noStrike" cap="none" spc="0" normalizeH="0" baseline="0">
             <a:ln>
               <a:noFill/>
             </a:ln>
@@ -7679,7 +7700,7 @@
           <a:buFontTx/>
           <a:buNone/>
           <a:tabLst/>
-          <a:defRPr b="0" baseline="0" cap="none" i="0" spc="0" strike="noStrike" sz="1800" u="none" kumimoji="0" normalizeH="0">
+          <a:defRPr kumimoji="0" sz="1800" b="0" i="0" u="none" strike="noStrike" cap="none" spc="0" normalizeH="0" baseline="0">
             <a:ln>
               <a:noFill/>
             </a:ln>
@@ -7705,7 +7726,7 @@
           <a:buFontTx/>
           <a:buNone/>
           <a:tabLst/>
-          <a:defRPr b="0" baseline="0" cap="none" i="0" spc="0" strike="noStrike" sz="1800" u="none" kumimoji="0" normalizeH="0">
+          <a:defRPr kumimoji="0" sz="1800" b="0" i="0" u="none" strike="noStrike" cap="none" spc="0" normalizeH="0" baseline="0">
             <a:ln>
               <a:noFill/>
             </a:ln>
@@ -7731,7 +7752,7 @@
           <a:buFontTx/>
           <a:buNone/>
           <a:tabLst/>
-          <a:defRPr b="0" baseline="0" cap="none" i="0" spc="0" strike="noStrike" sz="1800" u="none" kumimoji="0" normalizeH="0">
+          <a:defRPr kumimoji="0" sz="1800" b="0" i="0" u="none" strike="noStrike" cap="none" spc="0" normalizeH="0" baseline="0">
             <a:ln>
               <a:noFill/>
             </a:ln>
@@ -7757,7 +7778,7 @@
           <a:buFontTx/>
           <a:buNone/>
           <a:tabLst/>
-          <a:defRPr b="0" baseline="0" cap="none" i="0" spc="0" strike="noStrike" sz="1800" u="none" kumimoji="0" normalizeH="0">
+          <a:defRPr kumimoji="0" sz="1800" b="0" i="0" u="none" strike="noStrike" cap="none" spc="0" normalizeH="0" baseline="0">
             <a:ln>
               <a:noFill/>
             </a:ln>
@@ -7783,7 +7804,7 @@
           <a:buFontTx/>
           <a:buNone/>
           <a:tabLst/>
-          <a:defRPr b="0" baseline="0" cap="none" i="0" spc="0" strike="noStrike" sz="1800" u="none" kumimoji="0" normalizeH="0">
+          <a:defRPr kumimoji="0" sz="1800" b="0" i="0" u="none" strike="noStrike" cap="none" spc="0" normalizeH="0" baseline="0">
             <a:ln>
               <a:noFill/>
             </a:ln>
@@ -7809,7 +7830,7 @@
           <a:buFontTx/>
           <a:buNone/>
           <a:tabLst/>
-          <a:defRPr b="0" baseline="0" cap="none" i="0" spc="0" strike="noStrike" sz="1800" u="none" kumimoji="0" normalizeH="0">
+          <a:defRPr kumimoji="0" sz="1800" b="0" i="0" u="none" strike="noStrike" cap="none" spc="0" normalizeH="0" baseline="0">
             <a:ln>
               <a:noFill/>
             </a:ln>
@@ -7835,7 +7856,7 @@
           <a:buFontTx/>
           <a:buNone/>
           <a:tabLst/>
-          <a:defRPr b="0" baseline="0" cap="none" i="0" spc="0" strike="noStrike" sz="1800" u="none" kumimoji="0" normalizeH="0">
+          <a:defRPr kumimoji="0" sz="1800" b="0" i="0" u="none" strike="noStrike" cap="none" spc="0" normalizeH="0" baseline="0">
             <a:ln>
               <a:noFill/>
             </a:ln>
@@ -7848,12 +7869,19 @@
         </a:lvl9pPr>
       </a:lstStyle>
       <a:style>
-        <a:lnRef idx="0"/>
-        <a:fillRef idx="0"/>
-        <a:effectRef idx="0"/>
+        <a:lnRef idx="0">
+          <a:scrgbClr r="0" g="0" b="0"/>
+        </a:lnRef>
+        <a:fillRef idx="0">
+          <a:scrgbClr r="0" g="0" b="0"/>
+        </a:fillRef>
+        <a:effectRef idx="0">
+          <a:scrgbClr r="0" g="0" b="0"/>
+        </a:effectRef>
         <a:fontRef idx="none"/>
       </a:style>
     </a:txDef>
   </a:objectDefaults>
+  <a:extraClrSchemeLst/>
 </a:theme>
 </file>
--- a/Movies.pptx
+++ b/Movies.pptx
@@ -1,17 +1,17 @@
 
 <file path=ppt/presentation.xml><?xml version="1.0" encoding="utf-8"?>
-<p:presentation xmlns:a="http://schemas.openxmlformats.org/drawingml/2006/main" xmlns:r="http://schemas.openxmlformats.org/officeDocument/2006/relationships" xmlns:p="http://schemas.openxmlformats.org/presentationml/2006/main">
+<p:presentation xmlns:a="http://schemas.openxmlformats.org/drawingml/2006/main" xmlns:r="http://schemas.openxmlformats.org/officeDocument/2006/relationships" xmlns:p="http://schemas.openxmlformats.org/presentationml/2006/main" xmlns:m="http://schemas.openxmlformats.org/officeDocument/2006/math" xmlns:a14="http://schemas.microsoft.com/office/drawing/2010/main">
   <p:sldMasterIdLst>
-    <p:sldMasterId id="2147483648" r:id="rId1"/>
+    <p:sldMasterId id="2147483648" r:id="rId5"/>
   </p:sldMasterIdLst>
   <p:notesMasterIdLst>
-    <p:notesMasterId r:id="rId6"/>
+    <p:notesMasterId r:id="rId7"/>
   </p:notesMasterIdLst>
   <p:sldIdLst>
-    <p:sldId id="256" r:id="rId2"/>
-    <p:sldId id="257" r:id="rId3"/>
-    <p:sldId id="258" r:id="rId4"/>
-    <p:sldId id="259" r:id="rId5"/>
+    <p:sldId id="256" r:id="rId8"/>
+    <p:sldId id="257" r:id="rId9"/>
+    <p:sldId id="258" r:id="rId10"/>
+    <p:sldId id="259" r:id="rId11"/>
   </p:sldIdLst>
   <p:sldSz cx="24384000" cy="13716000"/>
   <p:notesSz cx="6858000" cy="9144000"/>
@@ -31,7 +31,7 @@
       <a:buFontTx/>
       <a:buNone/>
       <a:tabLst/>
-      <a:defRPr kumimoji="0" sz="1800" b="0" i="0" u="none" strike="noStrike" cap="none" spc="0" normalizeH="0" baseline="0">
+      <a:defRPr b="0" baseline="0" cap="none" i="0" spc="0" strike="noStrike" sz="1800" u="none" kumimoji="0" normalizeH="0">
         <a:ln>
           <a:noFill/>
         </a:ln>
@@ -57,7 +57,7 @@
       <a:buFontTx/>
       <a:buNone/>
       <a:tabLst/>
-      <a:defRPr kumimoji="0" sz="2400" b="0" i="0" u="none" strike="noStrike" cap="none" spc="0" normalizeH="0" baseline="0">
+      <a:defRPr b="0" baseline="0" cap="none" i="0" spc="0" strike="noStrike" sz="2400" u="none" kumimoji="0" normalizeH="0">
         <a:ln>
           <a:noFill/>
         </a:ln>
@@ -87,7 +87,7 @@
       <a:buFontTx/>
       <a:buNone/>
       <a:tabLst/>
-      <a:defRPr kumimoji="0" sz="2400" b="0" i="0" u="none" strike="noStrike" cap="none" spc="0" normalizeH="0" baseline="0">
+      <a:defRPr b="0" baseline="0" cap="none" i="0" spc="0" strike="noStrike" sz="2400" u="none" kumimoji="0" normalizeH="0">
         <a:ln>
           <a:noFill/>
         </a:ln>
@@ -117,7 +117,7 @@
       <a:buFontTx/>
       <a:buNone/>
       <a:tabLst/>
-      <a:defRPr kumimoji="0" sz="2400" b="0" i="0" u="none" strike="noStrike" cap="none" spc="0" normalizeH="0" baseline="0">
+      <a:defRPr b="0" baseline="0" cap="none" i="0" spc="0" strike="noStrike" sz="2400" u="none" kumimoji="0" normalizeH="0">
         <a:ln>
           <a:noFill/>
         </a:ln>
@@ -147,7 +147,7 @@
       <a:buFontTx/>
       <a:buNone/>
       <a:tabLst/>
-      <a:defRPr kumimoji="0" sz="2400" b="0" i="0" u="none" strike="noStrike" cap="none" spc="0" normalizeH="0" baseline="0">
+      <a:defRPr b="0" baseline="0" cap="none" i="0" spc="0" strike="noStrike" sz="2400" u="none" kumimoji="0" normalizeH="0">
         <a:ln>
           <a:noFill/>
         </a:ln>
@@ -177,7 +177,7 @@
       <a:buFontTx/>
       <a:buNone/>
       <a:tabLst/>
-      <a:defRPr kumimoji="0" sz="2400" b="0" i="0" u="none" strike="noStrike" cap="none" spc="0" normalizeH="0" baseline="0">
+      <a:defRPr b="0" baseline="0" cap="none" i="0" spc="0" strike="noStrike" sz="2400" u="none" kumimoji="0" normalizeH="0">
         <a:ln>
           <a:noFill/>
         </a:ln>
@@ -207,7 +207,7 @@
       <a:buFontTx/>
       <a:buNone/>
       <a:tabLst/>
-      <a:defRPr kumimoji="0" sz="2400" b="0" i="0" u="none" strike="noStrike" cap="none" spc="0" normalizeH="0" baseline="0">
+      <a:defRPr b="0" baseline="0" cap="none" i="0" spc="0" strike="noStrike" sz="2400" u="none" kumimoji="0" normalizeH="0">
         <a:ln>
           <a:noFill/>
         </a:ln>
@@ -237,7 +237,7 @@
       <a:buFontTx/>
       <a:buNone/>
       <a:tabLst/>
-      <a:defRPr kumimoji="0" sz="2400" b="0" i="0" u="none" strike="noStrike" cap="none" spc="0" normalizeH="0" baseline="0">
+      <a:defRPr b="0" baseline="0" cap="none" i="0" spc="0" strike="noStrike" sz="2400" u="none" kumimoji="0" normalizeH="0">
         <a:ln>
           <a:noFill/>
         </a:ln>
@@ -267,7 +267,7 @@
       <a:buFontTx/>
       <a:buNone/>
       <a:tabLst/>
-      <a:defRPr kumimoji="0" sz="2400" b="0" i="0" u="none" strike="noStrike" cap="none" spc="0" normalizeH="0" baseline="0">
+      <a:defRPr b="0" baseline="0" cap="none" i="0" spc="0" strike="noStrike" sz="2400" u="none" kumimoji="0" normalizeH="0">
         <a:ln>
           <a:noFill/>
         </a:ln>
@@ -297,7 +297,7 @@
       <a:buFontTx/>
       <a:buNone/>
       <a:tabLst/>
-      <a:defRPr kumimoji="0" sz="2400" b="0" i="0" u="none" strike="noStrike" cap="none" spc="0" normalizeH="0" baseline="0">
+      <a:defRPr b="0" baseline="0" cap="none" i="0" spc="0" strike="noStrike" sz="2400" u="none" kumimoji="0" normalizeH="0">
         <a:ln>
           <a:noFill/>
         </a:ln>
@@ -316,12 +316,14 @@
 </p:presentation>
 </file>
 
+<file path=ppt/commentAuthors.xml><?xml version="1.0" encoding="utf-8"?>
+<p:cmAuthorLst xmlns:a="http://schemas.openxmlformats.org/drawingml/2006/main" xmlns:r="http://schemas.openxmlformats.org/officeDocument/2006/relationships" xmlns:p="http://schemas.openxmlformats.org/presentationml/2006/main" xmlns:m="http://schemas.openxmlformats.org/officeDocument/2006/math" xmlns:a14="http://schemas.microsoft.com/office/drawing/2010/main"/>
+</file>
+
 <file path=ppt/charts/chart1.xml><?xml version="1.0" encoding="utf-8"?>
-<c:chartSpace xmlns:c="http://schemas.openxmlformats.org/drawingml/2006/chart" xmlns:a="http://schemas.openxmlformats.org/drawingml/2006/main" xmlns:r="http://schemas.openxmlformats.org/officeDocument/2006/relationships" xmlns:c16r2="http://schemas.microsoft.com/office/drawing/2015/06/chart">
+<c:chartSpace xmlns:c="http://schemas.openxmlformats.org/drawingml/2006/chart" xmlns:a="http://schemas.openxmlformats.org/drawingml/2006/main" xmlns:r="http://schemas.openxmlformats.org/officeDocument/2006/relationships">
   <c:date1904 val="1"/>
-  <c:lang val="en-US"/>
   <c:roundedCorners val="0"/>
-  <c:style val="2"/>
   <c:chart>
     <c:autoTitleDeleted val="1"/>
     <c:plotArea>
@@ -330,10 +332,10 @@
           <c:layoutTarget val="inner"/>
           <c:xMode val="edge"/>
           <c:yMode val="edge"/>
-          <c:x val="0.18723400000000001"/>
+          <c:x val="0.187234"/>
           <c:y val="0.139712"/>
-          <c:w val="0.80776599999999998"/>
-          <c:h val="0.65457399999999999"/>
+          <c:w val="0.807766"/>
+          <c:h val="0.654574"/>
         </c:manualLayout>
       </c:layout>
       <c:barChart>
@@ -365,6 +367,31 @@
             <a:effectLst/>
           </c:spPr>
           <c:invertIfNegative val="0"/>
+          <c:dLbls>
+            <c:numFmt formatCode="#,##0" sourceLinked="0"/>
+            <c:txPr>
+              <a:bodyPr/>
+              <a:lstStyle/>
+              <a:p>
+                <a:pPr>
+                  <a:defRPr b="0" i="0" strike="noStrike" sz="5000" u="none">
+                    <a:solidFill>
+                      <a:srgbClr val="FFFFFF"/>
+                    </a:solidFill>
+                    <a:latin typeface="Graphik"/>
+                  </a:defRPr>
+                </a:pPr>
+              </a:p>
+            </c:txPr>
+            <c:dLblPos val="inEnd"/>
+            <c:showLegendKey val="0"/>
+            <c:showVal val="0"/>
+            <c:showCatName val="0"/>
+            <c:showSerName val="0"/>
+            <c:showPercent val="0"/>
+            <c:showBubbleSize val="0"/>
+            <c:showLeaderLines val="0"/>
+          </c:dLbls>
           <c:cat>
             <c:strRef>
               <c:f>Sheet1!$B$1:$C$1</c:f>
@@ -383,22 +410,16 @@
             <c:numRef>
               <c:f>Sheet1!$B$2:$C$2</c:f>
               <c:numCache>
-                <c:formatCode>General</c:formatCode>
                 <c:ptCount val="2"/>
                 <c:pt idx="0">
-                  <c:v>1394.2</c:v>
+                  <c:v>1394.200000</c:v>
                 </c:pt>
                 <c:pt idx="1">
-                  <c:v>780</c:v>
+                  <c:v>780.000000</c:v>
                 </c:pt>
               </c:numCache>
             </c:numRef>
           </c:val>
-          <c:extLst>
-            <c:ext xmlns:c16="http://schemas.microsoft.com/office/drawing/2014/chart" uri="{C3380CC4-5D6E-409C-BE32-E72D297353CC}">
-              <c16:uniqueId val="{00000000-C59F-4243-A938-8F6CEF860909}"/>
-            </c:ext>
-          </c:extLst>
         </c:ser>
         <c:ser>
           <c:idx val="1"/>
@@ -425,6 +446,31 @@
             <a:effectLst/>
           </c:spPr>
           <c:invertIfNegative val="0"/>
+          <c:dLbls>
+            <c:numFmt formatCode="#,##0" sourceLinked="0"/>
+            <c:txPr>
+              <a:bodyPr/>
+              <a:lstStyle/>
+              <a:p>
+                <a:pPr>
+                  <a:defRPr b="0" i="0" strike="noStrike" sz="5000" u="none">
+                    <a:solidFill>
+                      <a:srgbClr val="FFFFFF"/>
+                    </a:solidFill>
+                    <a:latin typeface="Graphik"/>
+                  </a:defRPr>
+                </a:pPr>
+              </a:p>
+            </c:txPr>
+            <c:dLblPos val="inEnd"/>
+            <c:showLegendKey val="0"/>
+            <c:showVal val="0"/>
+            <c:showCatName val="0"/>
+            <c:showSerName val="0"/>
+            <c:showPercent val="0"/>
+            <c:showBubbleSize val="0"/>
+            <c:showLeaderLines val="0"/>
+          </c:dLbls>
           <c:cat>
             <c:strRef>
               <c:f>Sheet1!$B$1:$C$1</c:f>
@@ -443,31 +489,17 @@
             <c:numRef>
               <c:f>Sheet1!$B$3:$C$3</c:f>
               <c:numCache>
-                <c:formatCode>General</c:formatCode>
                 <c:ptCount val="2"/>
                 <c:pt idx="0">
-                  <c:v>2201.4</c:v>
+                  <c:v>2201.400000</c:v>
                 </c:pt>
                 <c:pt idx="1">
-                  <c:v>1246.9000000000001</c:v>
+                  <c:v>1246.900000</c:v>
                 </c:pt>
               </c:numCache>
             </c:numRef>
           </c:val>
-          <c:extLst>
-            <c:ext xmlns:c16="http://schemas.microsoft.com/office/drawing/2014/chart" uri="{C3380CC4-5D6E-409C-BE32-E72D297353CC}">
-              <c16:uniqueId val="{00000001-C59F-4243-A938-8F6CEF860909}"/>
-            </c:ext>
-          </c:extLst>
         </c:ser>
-        <c:dLbls>
-          <c:showLegendKey val="0"/>
-          <c:showVal val="0"/>
-          <c:showCatName val="0"/>
-          <c:showSerName val="0"/>
-          <c:showPercent val="0"/>
-          <c:showBubbleSize val="0"/>
-        </c:dLbls>
         <c:gapWidth val="40"/>
         <c:overlap val="-10"/>
         <c:axId val="2094734552"/>
@@ -487,7 +519,7 @@
               <a:lstStyle/>
               <a:p>
                 <a:pPr>
-                  <a:defRPr sz="3400" b="0" i="0" u="none" strike="noStrike">
+                  <a:defRPr b="0" i="0" strike="noStrike" sz="3400" u="none">
                     <a:solidFill>
                       <a:srgbClr val="000000"/>
                     </a:solidFill>
@@ -495,7 +527,7 @@
                   </a:defRPr>
                 </a:pPr>
                 <a:r>
-                  <a:rPr lang="en-US" sz="3400" b="0" i="0" u="none" strike="noStrike">
+                  <a:rPr b="0" i="0" strike="noStrike" sz="3400" u="none">
                     <a:solidFill>
                       <a:srgbClr val="000000"/>
                     </a:solidFill>
@@ -506,6 +538,7 @@
               </a:p>
             </c:rich>
           </c:tx>
+          <c:layout/>
           <c:overlay val="1"/>
         </c:title>
         <c:numFmt formatCode="General" sourceLinked="0"/>
@@ -526,21 +559,19 @@
           <a:lstStyle/>
           <a:p>
             <a:pPr>
-              <a:defRPr sz="3400" b="0" i="0" u="none" strike="noStrike">
+              <a:defRPr b="0" i="0" strike="noStrike" sz="3400" u="none">
                 <a:solidFill>
                   <a:srgbClr val="000000"/>
                 </a:solidFill>
                 <a:latin typeface="Graphik"/>
               </a:defRPr>
             </a:pPr>
-            <a:endParaRPr lang="en-US"/>
           </a:p>
         </c:txPr>
         <c:crossAx val="2094734553"/>
         <c:crosses val="autoZero"/>
         <c:auto val="1"/>
         <c:lblAlgn val="ctr"/>
-        <c:lblOffset val="100"/>
         <c:noMultiLvlLbl val="1"/>
       </c:catAx>
       <c:valAx>
@@ -568,7 +599,7 @@
               <a:lstStyle/>
               <a:p>
                 <a:pPr>
-                  <a:defRPr sz="3400" b="0" i="0" u="none" strike="noStrike">
+                  <a:defRPr b="0" i="0" strike="noStrike" sz="3400" u="none">
                     <a:solidFill>
                       <a:srgbClr val="000000"/>
                     </a:solidFill>
@@ -576,7 +607,7 @@
                   </a:defRPr>
                 </a:pPr>
                 <a:r>
-                  <a:rPr lang="en-US" sz="3400" b="0" i="0" u="none" strike="noStrike">
+                  <a:rPr b="0" i="0" strike="noStrike" sz="3400" u="none">
                     <a:solidFill>
                       <a:srgbClr val="000000"/>
                     </a:solidFill>
@@ -587,6 +618,7 @@
               </a:p>
             </c:rich>
           </c:tx>
+          <c:layout/>
           <c:overlay val="1"/>
         </c:title>
         <c:numFmt formatCode="General" sourceLinked="0"/>
@@ -605,14 +637,13 @@
           <a:lstStyle/>
           <a:p>
             <a:pPr>
-              <a:defRPr sz="3400" b="0" i="0" u="none" strike="noStrike">
+              <a:defRPr b="0" i="0" strike="noStrike" sz="3400" u="none">
                 <a:solidFill>
                   <a:srgbClr val="000000"/>
                 </a:solidFill>
                 <a:latin typeface="Graphik"/>
               </a:defRPr>
             </a:pPr>
-            <a:endParaRPr lang="en-US"/>
           </a:p>
         </c:txPr>
         <c:crossAx val="2094734552"/>
@@ -638,8 +669,8 @@
           <c:yMode val="edge"/>
           <c:x val="0.195857"/>
           <c:y val="0"/>
-          <c:w val="0.76510699999999998"/>
-          <c:h val="8.9845099999999997E-2"/>
+          <c:w val="0.765107"/>
+          <c:h val="0.0898451"/>
         </c:manualLayout>
       </c:layout>
       <c:overlay val="1"/>
@@ -656,20 +687,18 @@
         <a:lstStyle/>
         <a:p>
           <a:pPr>
-            <a:defRPr sz="3400" b="0" i="0" u="none" strike="noStrike">
+            <a:defRPr b="0" i="0" strike="noStrike" sz="3400" u="none">
               <a:solidFill>
                 <a:srgbClr val="000000"/>
               </a:solidFill>
               <a:latin typeface="Graphik"/>
             </a:defRPr>
           </a:pPr>
-          <a:endParaRPr lang="en-US"/>
         </a:p>
       </c:txPr>
     </c:legend>
     <c:plotVisOnly val="1"/>
     <c:dispBlanksAs val="gap"/>
-    <c:showDLblsOverMax val="1"/>
   </c:chart>
   <c:spPr>
     <a:noFill/>
@@ -685,11 +714,9 @@
 </file>
 
 <file path=ppt/charts/chart2.xml><?xml version="1.0" encoding="utf-8"?>
-<c:chartSpace xmlns:c="http://schemas.openxmlformats.org/drawingml/2006/chart" xmlns:a="http://schemas.openxmlformats.org/drawingml/2006/main" xmlns:r="http://schemas.openxmlformats.org/officeDocument/2006/relationships" xmlns:c16r2="http://schemas.microsoft.com/office/drawing/2015/06/chart">
+<c:chartSpace xmlns:c="http://schemas.openxmlformats.org/drawingml/2006/chart" xmlns:a="http://schemas.openxmlformats.org/drawingml/2006/main" xmlns:r="http://schemas.openxmlformats.org/officeDocument/2006/relationships">
   <c:date1904 val="1"/>
-  <c:lang val="en-US"/>
   <c:roundedCorners val="0"/>
-  <c:style val="2"/>
   <c:chart>
     <c:autoTitleDeleted val="1"/>
     <c:plotArea>
@@ -698,10 +725,10 @@
           <c:layoutTarget val="inner"/>
           <c:xMode val="edge"/>
           <c:yMode val="edge"/>
-          <c:x val="0.24122199999999999"/>
+          <c:x val="0.241222"/>
           <c:y val="0.119241"/>
-          <c:w val="0.75377799999999995"/>
-          <c:h val="0.67044700000000002"/>
+          <c:w val="0.753778"/>
+          <c:h val="0.670447"/>
         </c:manualLayout>
       </c:layout>
       <c:barChart>
@@ -733,6 +760,31 @@
             <a:effectLst/>
           </c:spPr>
           <c:invertIfNegative val="0"/>
+          <c:dLbls>
+            <c:numFmt formatCode="#,##0" sourceLinked="0"/>
+            <c:txPr>
+              <a:bodyPr/>
+              <a:lstStyle/>
+              <a:p>
+                <a:pPr>
+                  <a:defRPr b="0" i="0" strike="noStrike" sz="5000" u="none">
+                    <a:solidFill>
+                      <a:srgbClr val="FFFFFF"/>
+                    </a:solidFill>
+                    <a:latin typeface="Graphik"/>
+                  </a:defRPr>
+                </a:pPr>
+              </a:p>
+            </c:txPr>
+            <c:dLblPos val="inEnd"/>
+            <c:showLegendKey val="0"/>
+            <c:showVal val="0"/>
+            <c:showCatName val="0"/>
+            <c:showSerName val="0"/>
+            <c:showPercent val="0"/>
+            <c:showBubbleSize val="0"/>
+            <c:showLeaderLines val="0"/>
+          </c:dLbls>
           <c:cat>
             <c:strRef>
               <c:f>Sheet1!$B$1:$C$1</c:f>
@@ -751,22 +803,16 @@
             <c:numRef>
               <c:f>Sheet1!$B$2:$C$2</c:f>
               <c:numCache>
-                <c:formatCode>General</c:formatCode>
                 <c:ptCount val="2"/>
                 <c:pt idx="0">
-                  <c:v>857.3</c:v>
+                  <c:v>857.300000</c:v>
                 </c:pt>
                 <c:pt idx="1">
-                  <c:v>561.70000000000005</c:v>
+                  <c:v>561.700000</c:v>
                 </c:pt>
               </c:numCache>
             </c:numRef>
           </c:val>
-          <c:extLst>
-            <c:ext xmlns:c16="http://schemas.microsoft.com/office/drawing/2014/chart" uri="{C3380CC4-5D6E-409C-BE32-E72D297353CC}">
-              <c16:uniqueId val="{00000000-F3FE-BF41-B39C-20918F27C626}"/>
-            </c:ext>
-          </c:extLst>
         </c:ser>
         <c:ser>
           <c:idx val="1"/>
@@ -793,6 +839,31 @@
             <a:effectLst/>
           </c:spPr>
           <c:invertIfNegative val="0"/>
+          <c:dLbls>
+            <c:numFmt formatCode="#,##0" sourceLinked="0"/>
+            <c:txPr>
+              <a:bodyPr/>
+              <a:lstStyle/>
+              <a:p>
+                <a:pPr>
+                  <a:defRPr b="0" i="0" strike="noStrike" sz="5000" u="none">
+                    <a:solidFill>
+                      <a:srgbClr val="FFFFFF"/>
+                    </a:solidFill>
+                    <a:latin typeface="Graphik"/>
+                  </a:defRPr>
+                </a:pPr>
+              </a:p>
+            </c:txPr>
+            <c:dLblPos val="inEnd"/>
+            <c:showLegendKey val="0"/>
+            <c:showVal val="0"/>
+            <c:showCatName val="0"/>
+            <c:showSerName val="0"/>
+            <c:showPercent val="0"/>
+            <c:showBubbleSize val="0"/>
+            <c:showLeaderLines val="0"/>
+          </c:dLbls>
           <c:cat>
             <c:strRef>
               <c:f>Sheet1!$B$1:$C$1</c:f>
@@ -811,31 +882,17 @@
             <c:numRef>
               <c:f>Sheet1!$B$3:$C$3</c:f>
               <c:numCache>
-                <c:formatCode>General</c:formatCode>
                 <c:ptCount val="2"/>
                 <c:pt idx="0">
-                  <c:v>1313.7</c:v>
+                  <c:v>1313.700000</c:v>
                 </c:pt>
                 <c:pt idx="1">
-                  <c:v>938.3</c:v>
+                  <c:v>938.300000</c:v>
                 </c:pt>
               </c:numCache>
             </c:numRef>
           </c:val>
-          <c:extLst>
-            <c:ext xmlns:c16="http://schemas.microsoft.com/office/drawing/2014/chart" uri="{C3380CC4-5D6E-409C-BE32-E72D297353CC}">
-              <c16:uniqueId val="{00000001-F3FE-BF41-B39C-20918F27C626}"/>
-            </c:ext>
-          </c:extLst>
         </c:ser>
-        <c:dLbls>
-          <c:showLegendKey val="0"/>
-          <c:showVal val="0"/>
-          <c:showCatName val="0"/>
-          <c:showSerName val="0"/>
-          <c:showPercent val="0"/>
-          <c:showBubbleSize val="0"/>
-        </c:dLbls>
         <c:gapWidth val="40"/>
         <c:overlap val="-10"/>
         <c:axId val="2094734552"/>
@@ -855,7 +912,7 @@
               <a:lstStyle/>
               <a:p>
                 <a:pPr>
-                  <a:defRPr sz="3400" b="0" i="0" u="none" strike="noStrike">
+                  <a:defRPr b="0" i="0" strike="noStrike" sz="3400" u="none">
                     <a:solidFill>
                       <a:srgbClr val="000000"/>
                     </a:solidFill>
@@ -863,7 +920,7 @@
                   </a:defRPr>
                 </a:pPr>
                 <a:r>
-                  <a:rPr lang="en-US" sz="3400" b="0" i="0" u="none" strike="noStrike">
+                  <a:rPr b="0" i="0" strike="noStrike" sz="3400" u="none">
                     <a:solidFill>
                       <a:srgbClr val="000000"/>
                     </a:solidFill>
@@ -874,6 +931,7 @@
               </a:p>
             </c:rich>
           </c:tx>
+          <c:layout/>
           <c:overlay val="1"/>
         </c:title>
         <c:numFmt formatCode="General" sourceLinked="0"/>
@@ -894,21 +952,19 @@
           <a:lstStyle/>
           <a:p>
             <a:pPr>
-              <a:defRPr sz="3400" b="0" i="0" u="none" strike="noStrike">
+              <a:defRPr b="0" i="0" strike="noStrike" sz="3400" u="none">
                 <a:solidFill>
                   <a:srgbClr val="000000"/>
                 </a:solidFill>
                 <a:latin typeface="Graphik"/>
               </a:defRPr>
             </a:pPr>
-            <a:endParaRPr lang="en-US"/>
           </a:p>
         </c:txPr>
         <c:crossAx val="2094734553"/>
         <c:crosses val="autoZero"/>
         <c:auto val="1"/>
         <c:lblAlgn val="ctr"/>
-        <c:lblOffset val="100"/>
         <c:noMultiLvlLbl val="1"/>
       </c:catAx>
       <c:valAx>
@@ -936,7 +992,7 @@
               <a:lstStyle/>
               <a:p>
                 <a:pPr>
-                  <a:defRPr sz="3400" b="0" i="0" u="none" strike="noStrike">
+                  <a:defRPr b="0" i="0" strike="noStrike" sz="3400" u="none">
                     <a:solidFill>
                       <a:srgbClr val="000000"/>
                     </a:solidFill>
@@ -944,17 +1000,18 @@
                   </a:defRPr>
                 </a:pPr>
                 <a:r>
-                  <a:rPr lang="en-US" sz="3400" b="0" i="0" u="none" strike="noStrike">
+                  <a:rPr b="0" i="0" strike="noStrike" sz="3400" u="none">
                     <a:solidFill>
                       <a:srgbClr val="000000"/>
                     </a:solidFill>
                     <a:latin typeface="Graphik"/>
                   </a:rPr>
-                  <a:t>In Millions</a:t>
+                  <a:t>Number In Millions</a:t>
                 </a:r>
               </a:p>
             </c:rich>
           </c:tx>
+          <c:layout/>
           <c:overlay val="1"/>
         </c:title>
         <c:numFmt formatCode="General" sourceLinked="0"/>
@@ -973,14 +1030,13 @@
           <a:lstStyle/>
           <a:p>
             <a:pPr>
-              <a:defRPr sz="3400" b="0" i="0" u="none" strike="noStrike">
+              <a:defRPr b="0" i="0" strike="noStrike" sz="3400" u="none">
                 <a:solidFill>
                   <a:srgbClr val="000000"/>
                 </a:solidFill>
                 <a:latin typeface="Graphik"/>
               </a:defRPr>
             </a:pPr>
-            <a:endParaRPr lang="en-US"/>
           </a:p>
         </c:txPr>
         <c:crossAx val="2094734552"/>
@@ -1006,8 +1062,8 @@
           <c:yMode val="edge"/>
           <c:x val="0.235876"/>
           <c:y val="0"/>
-          <c:w val="0.72703099999999998"/>
-          <c:h val="9.1388200000000003E-2"/>
+          <c:w val="0.727031"/>
+          <c:h val="0.0913882"/>
         </c:manualLayout>
       </c:layout>
       <c:overlay val="1"/>
@@ -1024,20 +1080,18 @@
         <a:lstStyle/>
         <a:p>
           <a:pPr>
-            <a:defRPr sz="3400" b="0" i="0" u="none" strike="noStrike">
+            <a:defRPr b="0" i="0" strike="noStrike" sz="3400" u="none">
               <a:solidFill>
                 <a:srgbClr val="000000"/>
               </a:solidFill>
               <a:latin typeface="Graphik"/>
             </a:defRPr>
           </a:pPr>
-          <a:endParaRPr lang="en-US"/>
         </a:p>
       </c:txPr>
     </c:legend>
     <c:plotVisOnly val="1"/>
     <c:dispBlanksAs val="gap"/>
-    <c:showDLblsOverMax val="1"/>
   </c:chart>
   <c:spPr>
     <a:noFill/>
@@ -1053,11 +1107,9 @@
 </file>
 
 <file path=ppt/charts/chart3.xml><?xml version="1.0" encoding="utf-8"?>
-<c:chartSpace xmlns:c="http://schemas.openxmlformats.org/drawingml/2006/chart" xmlns:a="http://schemas.openxmlformats.org/drawingml/2006/main" xmlns:r="http://schemas.openxmlformats.org/officeDocument/2006/relationships" xmlns:c16r2="http://schemas.microsoft.com/office/drawing/2015/06/chart">
+<c:chartSpace xmlns:c="http://schemas.openxmlformats.org/drawingml/2006/chart" xmlns:a="http://schemas.openxmlformats.org/drawingml/2006/main" xmlns:r="http://schemas.openxmlformats.org/officeDocument/2006/relationships">
   <c:date1904 val="1"/>
-  <c:lang val="en-US"/>
   <c:roundedCorners val="0"/>
-  <c:style val="2"/>
   <c:chart>
     <c:autoTitleDeleted val="1"/>
     <c:plotArea>
@@ -1066,10 +1118,10 @@
           <c:layoutTarget val="inner"/>
           <c:xMode val="edge"/>
           <c:yMode val="edge"/>
-          <c:x val="0.17192299999999999"/>
-          <c:y val="0.18061199999999999"/>
-          <c:w val="0.82307699999999995"/>
-          <c:h val="0.62285999999999997"/>
+          <c:x val="0.171923"/>
+          <c:y val="0.180612"/>
+          <c:w val="0.823077"/>
+          <c:h val="0.62286"/>
         </c:manualLayout>
       </c:layout>
       <c:barChart>
@@ -1101,6 +1153,31 @@
             <a:effectLst/>
           </c:spPr>
           <c:invertIfNegative val="0"/>
+          <c:dLbls>
+            <c:numFmt formatCode="#,##0" sourceLinked="0"/>
+            <c:txPr>
+              <a:bodyPr/>
+              <a:lstStyle/>
+              <a:p>
+                <a:pPr>
+                  <a:defRPr b="0" i="0" strike="noStrike" sz="5000" u="none">
+                    <a:solidFill>
+                      <a:srgbClr val="FFFFFF"/>
+                    </a:solidFill>
+                    <a:latin typeface="Graphik"/>
+                  </a:defRPr>
+                </a:pPr>
+              </a:p>
+            </c:txPr>
+            <c:dLblPos val="inEnd"/>
+            <c:showLegendKey val="0"/>
+            <c:showVal val="0"/>
+            <c:showCatName val="0"/>
+            <c:showSerName val="0"/>
+            <c:showPercent val="0"/>
+            <c:showBubbleSize val="0"/>
+            <c:showLeaderLines val="0"/>
+          </c:dLbls>
           <c:cat>
             <c:strRef>
               <c:f>Sheet1!$B$1:$C$1</c:f>
@@ -1119,22 +1196,16 @@
             <c:numRef>
               <c:f>Sheet1!$B$2:$C$2</c:f>
               <c:numCache>
-                <c:formatCode>General</c:formatCode>
                 <c:ptCount val="2"/>
                 <c:pt idx="0">
-                  <c:v>276.39999999999998</c:v>
+                  <c:v>276.400000</c:v>
                 </c:pt>
                 <c:pt idx="1">
-                  <c:v>73.599999999999994</c:v>
+                  <c:v>73.600000</c:v>
                 </c:pt>
               </c:numCache>
             </c:numRef>
           </c:val>
-          <c:extLst>
-            <c:ext xmlns:c16="http://schemas.microsoft.com/office/drawing/2014/chart" uri="{C3380CC4-5D6E-409C-BE32-E72D297353CC}">
-              <c16:uniqueId val="{00000000-C7D8-BC47-9FA9-6A55A462A2D6}"/>
-            </c:ext>
-          </c:extLst>
         </c:ser>
         <c:ser>
           <c:idx val="1"/>
@@ -1161,6 +1232,31 @@
             <a:effectLst/>
           </c:spPr>
           <c:invertIfNegative val="0"/>
+          <c:dLbls>
+            <c:numFmt formatCode="#,##0" sourceLinked="0"/>
+            <c:txPr>
+              <a:bodyPr/>
+              <a:lstStyle/>
+              <a:p>
+                <a:pPr>
+                  <a:defRPr b="0" i="0" strike="noStrike" sz="5000" u="none">
+                    <a:solidFill>
+                      <a:srgbClr val="FFFFFF"/>
+                    </a:solidFill>
+                    <a:latin typeface="Graphik"/>
+                  </a:defRPr>
+                </a:pPr>
+              </a:p>
+            </c:txPr>
+            <c:dLblPos val="inEnd"/>
+            <c:showLegendKey val="0"/>
+            <c:showVal val="0"/>
+            <c:showCatName val="0"/>
+            <c:showSerName val="0"/>
+            <c:showPercent val="0"/>
+            <c:showBubbleSize val="0"/>
+            <c:showLeaderLines val="0"/>
+          </c:dLbls>
           <c:cat>
             <c:strRef>
               <c:f>Sheet1!$B$1:$C$1</c:f>
@@ -1179,31 +1275,17 @@
             <c:numRef>
               <c:f>Sheet1!$B$3:$C$3</c:f>
               <c:numCache>
-                <c:formatCode>General</c:formatCode>
                 <c:ptCount val="2"/>
                 <c:pt idx="0">
-                  <c:v>396.3</c:v>
+                  <c:v>396.300000</c:v>
                 </c:pt>
                 <c:pt idx="1">
-                  <c:v>69.400000000000006</c:v>
+                  <c:v>69.400000</c:v>
                 </c:pt>
               </c:numCache>
             </c:numRef>
           </c:val>
-          <c:extLst>
-            <c:ext xmlns:c16="http://schemas.microsoft.com/office/drawing/2014/chart" uri="{C3380CC4-5D6E-409C-BE32-E72D297353CC}">
-              <c16:uniqueId val="{00000001-C7D8-BC47-9FA9-6A55A462A2D6}"/>
-            </c:ext>
-          </c:extLst>
         </c:ser>
-        <c:dLbls>
-          <c:showLegendKey val="0"/>
-          <c:showVal val="0"/>
-          <c:showCatName val="0"/>
-          <c:showSerName val="0"/>
-          <c:showPercent val="0"/>
-          <c:showBubbleSize val="0"/>
-        </c:dLbls>
         <c:gapWidth val="40"/>
         <c:overlap val="-10"/>
         <c:axId val="2094734552"/>
@@ -1223,7 +1305,7 @@
               <a:lstStyle/>
               <a:p>
                 <a:pPr>
-                  <a:defRPr sz="3400" b="0" i="0" u="none" strike="noStrike">
+                  <a:defRPr b="0" i="0" strike="noStrike" sz="3400" u="none">
                     <a:solidFill>
                       <a:srgbClr val="000000"/>
                     </a:solidFill>
@@ -1231,7 +1313,7 @@
                   </a:defRPr>
                 </a:pPr>
                 <a:r>
-                  <a:rPr lang="en-US" sz="3400" b="0" i="0" u="none" strike="noStrike">
+                  <a:rPr b="0" i="0" strike="noStrike" sz="3400" u="none">
                     <a:solidFill>
                       <a:srgbClr val="000000"/>
                     </a:solidFill>
@@ -1242,6 +1324,7 @@
               </a:p>
             </c:rich>
           </c:tx>
+          <c:layout/>
           <c:overlay val="1"/>
         </c:title>
         <c:numFmt formatCode="General" sourceLinked="0"/>
@@ -1262,21 +1345,19 @@
           <a:lstStyle/>
           <a:p>
             <a:pPr>
-              <a:defRPr sz="3400" b="0" i="0" u="none" strike="noStrike">
+              <a:defRPr b="0" i="0" strike="noStrike" sz="3400" u="none">
                 <a:solidFill>
                   <a:srgbClr val="000000"/>
                 </a:solidFill>
                 <a:latin typeface="Graphik"/>
               </a:defRPr>
             </a:pPr>
-            <a:endParaRPr lang="en-US"/>
           </a:p>
         </c:txPr>
         <c:crossAx val="2094734553"/>
         <c:crosses val="autoZero"/>
         <c:auto val="1"/>
         <c:lblAlgn val="ctr"/>
-        <c:lblOffset val="100"/>
         <c:noMultiLvlLbl val="1"/>
       </c:catAx>
       <c:valAx>
@@ -1304,7 +1385,7 @@
               <a:lstStyle/>
               <a:p>
                 <a:pPr>
-                  <a:defRPr sz="3400" b="0" i="0" u="none" strike="noStrike">
+                  <a:defRPr b="0" i="0" strike="noStrike" sz="3400" u="none">
                     <a:solidFill>
                       <a:srgbClr val="000000"/>
                     </a:solidFill>
@@ -1312,17 +1393,18 @@
                   </a:defRPr>
                 </a:pPr>
                 <a:r>
-                  <a:rPr lang="en-US" sz="3400" b="0" i="0" u="none" strike="noStrike">
+                  <a:rPr b="0" i="0" strike="noStrike" sz="3400" u="none">
                     <a:solidFill>
                       <a:srgbClr val="000000"/>
                     </a:solidFill>
                     <a:latin typeface="Graphik"/>
                   </a:rPr>
-                  <a:t>In Millions</a:t>
+                  <a:t>Number In Millions</a:t>
                 </a:r>
               </a:p>
             </c:rich>
           </c:tx>
+          <c:layout/>
           <c:overlay val="1"/>
         </c:title>
         <c:numFmt formatCode="General" sourceLinked="0"/>
@@ -1341,14 +1423,13 @@
           <a:lstStyle/>
           <a:p>
             <a:pPr>
-              <a:defRPr sz="3400" b="0" i="0" u="none" strike="noStrike">
+              <a:defRPr b="0" i="0" strike="noStrike" sz="3400" u="none">
                 <a:solidFill>
                   <a:srgbClr val="000000"/>
                 </a:solidFill>
                 <a:latin typeface="Graphik"/>
               </a:defRPr>
             </a:pPr>
-            <a:endParaRPr lang="en-US"/>
           </a:p>
         </c:txPr>
         <c:crossAx val="2094734552"/>
@@ -1372,10 +1453,10 @@
         <c:manualLayout>
           <c:xMode val="edge"/>
           <c:yMode val="edge"/>
-          <c:x val="0.12034599999999999"/>
+          <c:x val="0.120346"/>
           <c:y val="0"/>
-          <c:w val="0.83695200000000003"/>
-          <c:h val="8.6762300000000001E-2"/>
+          <c:w val="0.836952"/>
+          <c:h val="0.0867623"/>
         </c:manualLayout>
       </c:layout>
       <c:overlay val="1"/>
@@ -1392,20 +1473,18 @@
         <a:lstStyle/>
         <a:p>
           <a:pPr>
-            <a:defRPr sz="3400" b="0" i="0" u="none" strike="noStrike">
+            <a:defRPr b="0" i="0" strike="noStrike" sz="3400" u="none">
               <a:solidFill>
                 <a:srgbClr val="000000"/>
               </a:solidFill>
               <a:latin typeface="Graphik"/>
             </a:defRPr>
           </a:pPr>
-          <a:endParaRPr lang="en-US"/>
         </a:p>
       </c:txPr>
     </c:legend>
     <c:plotVisOnly val="1"/>
     <c:dispBlanksAs val="gap"/>
-    <c:showDLblsOverMax val="1"/>
   </c:chart>
   <c:spPr>
     <a:noFill/>
@@ -1421,13 +1500,8 @@
 </file>
 
 <file path=ppt/notesMasters/notesMaster1.xml><?xml version="1.0" encoding="utf-8"?>
-<p:notesMaster xmlns:a="http://schemas.openxmlformats.org/drawingml/2006/main" xmlns:r="http://schemas.openxmlformats.org/officeDocument/2006/relationships" xmlns:p="http://schemas.openxmlformats.org/presentationml/2006/main">
+<p:notesMaster xmlns:a="http://schemas.openxmlformats.org/drawingml/2006/main" xmlns:r="http://schemas.openxmlformats.org/officeDocument/2006/relationships" xmlns:p="http://schemas.openxmlformats.org/presentationml/2006/main" xmlns:m="http://schemas.openxmlformats.org/officeDocument/2006/math" xmlns:a14="http://schemas.microsoft.com/office/drawing/2010/main">
   <p:cSld>
-    <p:bg>
-      <p:bgRef idx="1001">
-        <a:schemeClr val="bg1"/>
-      </p:bgRef>
-    </p:bg>
     <p:spTree>
       <p:nvGrpSpPr>
         <p:cNvPr id="1" name=""/>
@@ -1445,9 +1519,7 @@
       <p:sp>
         <p:nvSpPr>
           <p:cNvPr id="148" name="Shape 148"/>
-          <p:cNvSpPr>
-            <a:spLocks noGrp="1" noRot="1" noChangeAspect="1"/>
-          </p:cNvSpPr>
+          <p:cNvSpPr/>
           <p:nvPr>
             <p:ph type="sldImg"/>
           </p:nvPr>
@@ -1465,16 +1537,14 @@
           <a:bodyPr/>
           <a:lstStyle/>
           <a:p>
-            <a:endParaRPr/>
+            <a:pPr/>
           </a:p>
         </p:txBody>
       </p:sp>
       <p:sp>
         <p:nvSpPr>
           <p:cNvPr id="149" name="Shape 149"/>
-          <p:cNvSpPr>
-            <a:spLocks noGrp="1"/>
-          </p:cNvSpPr>
+          <p:cNvSpPr/>
           <p:nvPr>
             <p:ph type="body" sz="quarter" idx="1"/>
           </p:nvPr>
@@ -1492,7 +1562,7 @@
           <a:bodyPr/>
           <a:lstStyle/>
           <a:p>
-            <a:endParaRPr/>
+            <a:pPr/>
           </a:p>
         </p:txBody>
       </p:sp>
@@ -1604,7 +1674,7 @@
 </file>
 
 <file path=ppt/slideLayouts/slideLayout1.xml><?xml version="1.0" encoding="utf-8"?>
-<p:sldLayout xmlns:a="http://schemas.openxmlformats.org/drawingml/2006/main" xmlns:r="http://schemas.openxmlformats.org/officeDocument/2006/relationships" xmlns:p="http://schemas.openxmlformats.org/presentationml/2006/main" type="title">
+<p:sldLayout xmlns:a="http://schemas.openxmlformats.org/drawingml/2006/main" xmlns:r="http://schemas.openxmlformats.org/officeDocument/2006/relationships" xmlns:p="http://schemas.openxmlformats.org/presentationml/2006/main" xmlns:m="http://schemas.openxmlformats.org/officeDocument/2006/math" xmlns:a14="http://schemas.microsoft.com/office/drawing/2010/main" type="title" showMasterSp="1" showMasterPhAnim="1">
   <p:cSld name="Title">
     <p:spTree>
       <p:nvGrpSpPr>
@@ -1623,9 +1693,7 @@
       <p:sp>
         <p:nvSpPr>
           <p:cNvPr id="11" name="Author and Date"/>
-          <p:cNvSpPr txBox="1">
-            <a:spLocks noGrp="1"/>
-          </p:cNvSpPr>
+          <p:cNvSpPr txBox="1"/>
           <p:nvPr>
             <p:ph type="body" sz="quarter" idx="21" hasCustomPrompt="1"/>
           </p:nvPr>
@@ -1651,15 +1719,16 @@
               </a:spcBef>
               <a:buSzTx/>
               <a:buNone/>
-              <a:defRPr sz="3000" spc="-29">
-                <a:latin typeface="Graphik-Medium"/>
-                <a:ea typeface="Graphik-Medium"/>
-                <a:cs typeface="Graphik-Medium"/>
+              <a:defRPr spc="-29" sz="3000">
+                <a:latin typeface="Graphik Medium"/>
+                <a:ea typeface="Graphik Medium"/>
+                <a:cs typeface="Graphik Medium"/>
                 <a:sym typeface="Graphik Medium"/>
               </a:defRPr>
             </a:lvl1pPr>
           </a:lstStyle>
           <a:p>
+            <a:pPr/>
             <a:r>
               <a:t>Author and Date</a:t>
             </a:r>
@@ -1669,9 +1738,7 @@
       <p:sp>
         <p:nvSpPr>
           <p:cNvPr id="12" name="Presentation Title"/>
-          <p:cNvSpPr txBox="1">
-            <a:spLocks noGrp="1"/>
-          </p:cNvSpPr>
+          <p:cNvSpPr txBox="1"/>
           <p:nvPr>
             <p:ph type="title" hasCustomPrompt="1"/>
           </p:nvPr>
@@ -1689,10 +1756,11 @@
           <a:bodyPr anchor="b"/>
           <a:lstStyle>
             <a:lvl1pPr>
-              <a:defRPr sz="12800" spc="-128"/>
+              <a:defRPr spc="-128" sz="12800"/>
             </a:lvl1pPr>
           </a:lstStyle>
           <a:p>
+            <a:pPr/>
             <a:r>
               <a:t>Presentation Title</a:t>
             </a:r>
@@ -1702,9 +1770,7 @@
       <p:sp>
         <p:nvSpPr>
           <p:cNvPr id="13" name="Body Level One…"/>
-          <p:cNvSpPr txBox="1">
-            <a:spLocks noGrp="1"/>
-          </p:cNvSpPr>
+          <p:cNvSpPr txBox="1"/>
           <p:nvPr>
             <p:ph type="body" sz="quarter" idx="1" hasCustomPrompt="1"/>
           </p:nvPr>
@@ -1730,10 +1796,10 @@
               </a:spcBef>
               <a:buSzTx/>
               <a:buNone/>
-              <a:defRPr sz="6000" spc="-59">
-                <a:latin typeface="Graphik-SemiboldItalic"/>
-                <a:ea typeface="Graphik-SemiboldItalic"/>
-                <a:cs typeface="Graphik-SemiboldItalic"/>
+              <a:defRPr spc="-59" sz="6000">
+                <a:latin typeface="Graphik Semibold"/>
+                <a:ea typeface="Graphik Semibold"/>
+                <a:cs typeface="Graphik Semibold"/>
                 <a:sym typeface="Graphik Semibold"/>
               </a:defRPr>
             </a:lvl1pPr>
@@ -1746,10 +1812,10 @@
               </a:spcBef>
               <a:buSzTx/>
               <a:buNone/>
-              <a:defRPr sz="6000" spc="-59">
-                <a:latin typeface="Graphik-SemiboldItalic"/>
-                <a:ea typeface="Graphik-SemiboldItalic"/>
-                <a:cs typeface="Graphik-SemiboldItalic"/>
+              <a:defRPr spc="-59" sz="6000">
+                <a:latin typeface="Graphik Semibold"/>
+                <a:ea typeface="Graphik Semibold"/>
+                <a:cs typeface="Graphik Semibold"/>
                 <a:sym typeface="Graphik Semibold"/>
               </a:defRPr>
             </a:lvl2pPr>
@@ -1762,10 +1828,10 @@
               </a:spcBef>
               <a:buSzTx/>
               <a:buNone/>
-              <a:defRPr sz="6000" spc="-59">
-                <a:latin typeface="Graphik-SemiboldItalic"/>
-                <a:ea typeface="Graphik-SemiboldItalic"/>
-                <a:cs typeface="Graphik-SemiboldItalic"/>
+              <a:defRPr spc="-59" sz="6000">
+                <a:latin typeface="Graphik Semibold"/>
+                <a:ea typeface="Graphik Semibold"/>
+                <a:cs typeface="Graphik Semibold"/>
                 <a:sym typeface="Graphik Semibold"/>
               </a:defRPr>
             </a:lvl3pPr>
@@ -1778,10 +1844,10 @@
               </a:spcBef>
               <a:buSzTx/>
               <a:buNone/>
-              <a:defRPr sz="6000" spc="-59">
-                <a:latin typeface="Graphik-SemiboldItalic"/>
-                <a:ea typeface="Graphik-SemiboldItalic"/>
-                <a:cs typeface="Graphik-SemiboldItalic"/>
+              <a:defRPr spc="-59" sz="6000">
+                <a:latin typeface="Graphik Semibold"/>
+                <a:ea typeface="Graphik Semibold"/>
+                <a:cs typeface="Graphik Semibold"/>
                 <a:sym typeface="Graphik Semibold"/>
               </a:defRPr>
             </a:lvl4pPr>
@@ -1794,43 +1860,50 @@
               </a:spcBef>
               <a:buSzTx/>
               <a:buNone/>
-              <a:defRPr sz="6000" spc="-59">
-                <a:latin typeface="Graphik-SemiboldItalic"/>
-                <a:ea typeface="Graphik-SemiboldItalic"/>
-                <a:cs typeface="Graphik-SemiboldItalic"/>
+              <a:defRPr spc="-59" sz="6000">
+                <a:latin typeface="Graphik Semibold"/>
+                <a:ea typeface="Graphik Semibold"/>
+                <a:cs typeface="Graphik Semibold"/>
                 <a:sym typeface="Graphik Semibold"/>
               </a:defRPr>
             </a:lvl5pPr>
           </a:lstStyle>
           <a:p>
+            <a:pPr/>
             <a:r>
               <a:t>Presentation Subtitle</a:t>
             </a:r>
           </a:p>
           <a:p>
             <a:pPr lvl="1"/>
-            <a:endParaRPr/>
+            <a:r>
+              <a:t/>
+            </a:r>
           </a:p>
           <a:p>
             <a:pPr lvl="2"/>
-            <a:endParaRPr/>
+            <a:r>
+              <a:t/>
+            </a:r>
           </a:p>
           <a:p>
             <a:pPr lvl="3"/>
-            <a:endParaRPr/>
+            <a:r>
+              <a:t/>
+            </a:r>
           </a:p>
           <a:p>
             <a:pPr lvl="4"/>
-            <a:endParaRPr/>
+            <a:r>
+              <a:t/>
+            </a:r>
           </a:p>
         </p:txBody>
       </p:sp>
       <p:sp>
         <p:nvSpPr>
           <p:cNvPr id="14" name="Slide Number"/>
-          <p:cNvSpPr txBox="1">
-            <a:spLocks noGrp="1"/>
-          </p:cNvSpPr>
+          <p:cNvSpPr txBox="1"/>
           <p:nvPr>
             <p:ph type="sldNum" sz="quarter" idx="2"/>
           </p:nvPr>
@@ -1848,10 +1921,8 @@
           <a:bodyPr/>
           <a:lstStyle/>
           <a:p>
-            <a:fld id="{86CB4B4D-7CA3-9044-876B-883B54F8677D}" type="slidenum">
-              <a:t>‹#›</a:t>
-            </a:fld>
-            <a:endParaRPr/>
+            <a:pPr/>
+            <a:fld id="{86CB4B4D-7CA3-9044-876B-883B54F8677D}" type="slidenum"/>
           </a:p>
         </p:txBody>
       </p:sp>
@@ -1860,12 +1931,12 @@
   <p:clrMapOvr>
     <a:masterClrMapping/>
   </p:clrMapOvr>
-  <p:transition spd="med"/>
+  <p:transition xmlns:p14="http://schemas.microsoft.com/office/powerpoint/2010/main" spd="med" advClick="1"/>
 </p:sldLayout>
 </file>
 
 <file path=ppt/slideLayouts/slideLayout10.xml><?xml version="1.0" encoding="utf-8"?>
-<p:sldLayout xmlns:a="http://schemas.openxmlformats.org/drawingml/2006/main" xmlns:r="http://schemas.openxmlformats.org/officeDocument/2006/relationships" xmlns:p="http://schemas.openxmlformats.org/presentationml/2006/main" type="tx">
+<p:sldLayout xmlns:a="http://schemas.openxmlformats.org/drawingml/2006/main" xmlns:r="http://schemas.openxmlformats.org/officeDocument/2006/relationships" xmlns:p="http://schemas.openxmlformats.org/presentationml/2006/main" xmlns:m="http://schemas.openxmlformats.org/officeDocument/2006/math" xmlns:a14="http://schemas.microsoft.com/office/drawing/2010/main" type="tx" showMasterSp="1" showMasterPhAnim="1">
   <p:cSld name="Statement">
     <p:spTree>
       <p:nvGrpSpPr>
@@ -1884,9 +1955,7 @@
       <p:sp>
         <p:nvSpPr>
           <p:cNvPr id="98" name="Body Level One…"/>
-          <p:cNvSpPr txBox="1">
-            <a:spLocks noGrp="1"/>
-          </p:cNvSpPr>
+          <p:cNvSpPr txBox="1"/>
           <p:nvPr>
             <p:ph type="body" idx="1" hasCustomPrompt="1"/>
           </p:nvPr>
@@ -1985,34 +2054,41 @@
             </a:lvl5pPr>
           </a:lstStyle>
           <a:p>
+            <a:pPr/>
             <a:r>
               <a:t>Statement</a:t>
             </a:r>
           </a:p>
           <a:p>
             <a:pPr lvl="1"/>
-            <a:endParaRPr/>
+            <a:r>
+              <a:t/>
+            </a:r>
           </a:p>
           <a:p>
             <a:pPr lvl="2"/>
-            <a:endParaRPr/>
+            <a:r>
+              <a:t/>
+            </a:r>
           </a:p>
           <a:p>
             <a:pPr lvl="3"/>
-            <a:endParaRPr/>
+            <a:r>
+              <a:t/>
+            </a:r>
           </a:p>
           <a:p>
             <a:pPr lvl="4"/>
-            <a:endParaRPr/>
+            <a:r>
+              <a:t/>
+            </a:r>
           </a:p>
         </p:txBody>
       </p:sp>
       <p:sp>
         <p:nvSpPr>
           <p:cNvPr id="99" name="Slide Number"/>
-          <p:cNvSpPr txBox="1">
-            <a:spLocks noGrp="1"/>
-          </p:cNvSpPr>
+          <p:cNvSpPr txBox="1"/>
           <p:nvPr>
             <p:ph type="sldNum" sz="quarter" idx="2"/>
           </p:nvPr>
@@ -2026,10 +2102,8 @@
           <a:bodyPr/>
           <a:lstStyle/>
           <a:p>
-            <a:fld id="{86CB4B4D-7CA3-9044-876B-883B54F8677D}" type="slidenum">
-              <a:t>‹#›</a:t>
-            </a:fld>
-            <a:endParaRPr/>
+            <a:pPr/>
+            <a:fld id="{86CB4B4D-7CA3-9044-876B-883B54F8677D}" type="slidenum"/>
           </a:p>
         </p:txBody>
       </p:sp>
@@ -2038,12 +2112,12 @@
   <p:clrMapOvr>
     <a:masterClrMapping/>
   </p:clrMapOvr>
-  <p:transition spd="med"/>
+  <p:transition xmlns:p14="http://schemas.microsoft.com/office/powerpoint/2010/main" spd="med" advClick="1"/>
 </p:sldLayout>
 </file>
 
 <file path=ppt/slideLayouts/slideLayout11.xml><?xml version="1.0" encoding="utf-8"?>
-<p:sldLayout xmlns:a="http://schemas.openxmlformats.org/drawingml/2006/main" xmlns:r="http://schemas.openxmlformats.org/officeDocument/2006/relationships" xmlns:p="http://schemas.openxmlformats.org/presentationml/2006/main" type="tx">
+<p:sldLayout xmlns:a="http://schemas.openxmlformats.org/drawingml/2006/main" xmlns:r="http://schemas.openxmlformats.org/officeDocument/2006/relationships" xmlns:p="http://schemas.openxmlformats.org/presentationml/2006/main" xmlns:m="http://schemas.openxmlformats.org/officeDocument/2006/math" xmlns:a14="http://schemas.microsoft.com/office/drawing/2010/main" type="tx" showMasterSp="1" showMasterPhAnim="1">
   <p:cSld name="Big Fact">
     <p:spTree>
       <p:nvGrpSpPr>
@@ -2062,9 +2136,7 @@
       <p:sp>
         <p:nvSpPr>
           <p:cNvPr id="106" name="Fact information"/>
-          <p:cNvSpPr txBox="1">
-            <a:spLocks noGrp="1"/>
-          </p:cNvSpPr>
+          <p:cNvSpPr txBox="1"/>
           <p:nvPr>
             <p:ph type="body" sz="quarter" idx="21" hasCustomPrompt="1"/>
           </p:nvPr>
@@ -2091,14 +2163,15 @@
               <a:buSzTx/>
               <a:buNone/>
               <a:defRPr spc="-44">
-                <a:latin typeface="Graphik-SemiboldItalic"/>
-                <a:ea typeface="Graphik-SemiboldItalic"/>
-                <a:cs typeface="Graphik-SemiboldItalic"/>
+                <a:latin typeface="Graphik Semibold"/>
+                <a:ea typeface="Graphik Semibold"/>
+                <a:cs typeface="Graphik Semibold"/>
                 <a:sym typeface="Graphik Semibold"/>
               </a:defRPr>
             </a:lvl1pPr>
           </a:lstStyle>
           <a:p>
+            <a:pPr/>
             <a:r>
               <a:t>Fact information</a:t>
             </a:r>
@@ -2108,9 +2181,7 @@
       <p:sp>
         <p:nvSpPr>
           <p:cNvPr id="107" name="Body Level One…"/>
-          <p:cNvSpPr txBox="1">
-            <a:spLocks noGrp="1"/>
-          </p:cNvSpPr>
+          <p:cNvSpPr txBox="1"/>
           <p:nvPr>
             <p:ph type="body" sz="half" idx="1" hasCustomPrompt="1"/>
           </p:nvPr>
@@ -2209,34 +2280,41 @@
             </a:lvl5pPr>
           </a:lstStyle>
           <a:p>
+            <a:pPr/>
             <a:r>
               <a:t>100%</a:t>
             </a:r>
           </a:p>
           <a:p>
             <a:pPr lvl="1"/>
-            <a:endParaRPr/>
+            <a:r>
+              <a:t/>
+            </a:r>
           </a:p>
           <a:p>
             <a:pPr lvl="2"/>
-            <a:endParaRPr/>
+            <a:r>
+              <a:t/>
+            </a:r>
           </a:p>
           <a:p>
             <a:pPr lvl="3"/>
-            <a:endParaRPr/>
+            <a:r>
+              <a:t/>
+            </a:r>
           </a:p>
           <a:p>
             <a:pPr lvl="4"/>
-            <a:endParaRPr/>
+            <a:r>
+              <a:t/>
+            </a:r>
           </a:p>
         </p:txBody>
       </p:sp>
       <p:sp>
         <p:nvSpPr>
           <p:cNvPr id="108" name="Slide Number"/>
-          <p:cNvSpPr txBox="1">
-            <a:spLocks noGrp="1"/>
-          </p:cNvSpPr>
+          <p:cNvSpPr txBox="1"/>
           <p:nvPr>
             <p:ph type="sldNum" sz="quarter" idx="2"/>
           </p:nvPr>
@@ -2250,10 +2328,8 @@
           <a:bodyPr/>
           <a:lstStyle/>
           <a:p>
-            <a:fld id="{86CB4B4D-7CA3-9044-876B-883B54F8677D}" type="slidenum">
-              <a:t>‹#›</a:t>
-            </a:fld>
-            <a:endParaRPr/>
+            <a:pPr/>
+            <a:fld id="{86CB4B4D-7CA3-9044-876B-883B54F8677D}" type="slidenum"/>
           </a:p>
         </p:txBody>
       </p:sp>
@@ -2262,12 +2338,12 @@
   <p:clrMapOvr>
     <a:masterClrMapping/>
   </p:clrMapOvr>
-  <p:transition spd="med"/>
+  <p:transition xmlns:p14="http://schemas.microsoft.com/office/powerpoint/2010/main" spd="med" advClick="1"/>
 </p:sldLayout>
 </file>
 
 <file path=ppt/slideLayouts/slideLayout12.xml><?xml version="1.0" encoding="utf-8"?>
-<p:sldLayout xmlns:a="http://schemas.openxmlformats.org/drawingml/2006/main" xmlns:r="http://schemas.openxmlformats.org/officeDocument/2006/relationships" xmlns:p="http://schemas.openxmlformats.org/presentationml/2006/main" type="tx">
+<p:sldLayout xmlns:a="http://schemas.openxmlformats.org/drawingml/2006/main" xmlns:r="http://schemas.openxmlformats.org/officeDocument/2006/relationships" xmlns:p="http://schemas.openxmlformats.org/presentationml/2006/main" xmlns:m="http://schemas.openxmlformats.org/officeDocument/2006/math" xmlns:a14="http://schemas.microsoft.com/office/drawing/2010/main" type="tx" showMasterSp="1" showMasterPhAnim="1">
   <p:cSld name="Quote">
     <p:spTree>
       <p:nvGrpSpPr>
@@ -2286,9 +2362,7 @@
       <p:sp>
         <p:nvSpPr>
           <p:cNvPr id="115" name="Attribution"/>
-          <p:cNvSpPr txBox="1">
-            <a:spLocks noGrp="1"/>
-          </p:cNvSpPr>
+          <p:cNvSpPr txBox="1"/>
           <p:nvPr>
             <p:ph type="body" sz="quarter" idx="21" hasCustomPrompt="1"/>
           </p:nvPr>
@@ -2315,14 +2389,15 @@
               <a:buSzTx/>
               <a:buNone/>
               <a:defRPr spc="-44">
-                <a:latin typeface="Graphik-SemiboldItalic"/>
-                <a:ea typeface="Graphik-SemiboldItalic"/>
-                <a:cs typeface="Graphik-SemiboldItalic"/>
+                <a:latin typeface="Graphik Semibold"/>
+                <a:ea typeface="Graphik Semibold"/>
+                <a:cs typeface="Graphik Semibold"/>
                 <a:sym typeface="Graphik Semibold"/>
               </a:defRPr>
             </a:lvl1pPr>
           </a:lstStyle>
           <a:p>
+            <a:pPr/>
             <a:r>
               <a:t>Attribution</a:t>
             </a:r>
@@ -2332,9 +2407,7 @@
       <p:sp>
         <p:nvSpPr>
           <p:cNvPr id="116" name="Body Level One…"/>
-          <p:cNvSpPr txBox="1">
-            <a:spLocks noGrp="1"/>
-          </p:cNvSpPr>
+          <p:cNvSpPr txBox="1"/>
           <p:nvPr>
             <p:ph type="body" sz="half" idx="1" hasCustomPrompt="1"/>
           </p:nvPr>
@@ -2433,34 +2506,41 @@
             </a:lvl5pPr>
           </a:lstStyle>
           <a:p>
+            <a:pPr/>
             <a:r>
               <a:t>“Notable Quote”</a:t>
             </a:r>
           </a:p>
           <a:p>
             <a:pPr lvl="1"/>
-            <a:endParaRPr/>
+            <a:r>
+              <a:t/>
+            </a:r>
           </a:p>
           <a:p>
             <a:pPr lvl="2"/>
-            <a:endParaRPr/>
+            <a:r>
+              <a:t/>
+            </a:r>
           </a:p>
           <a:p>
             <a:pPr lvl="3"/>
-            <a:endParaRPr/>
+            <a:r>
+              <a:t/>
+            </a:r>
           </a:p>
           <a:p>
             <a:pPr lvl="4"/>
-            <a:endParaRPr/>
+            <a:r>
+              <a:t/>
+            </a:r>
           </a:p>
         </p:txBody>
       </p:sp>
       <p:sp>
         <p:nvSpPr>
           <p:cNvPr id="117" name="Slide Number"/>
-          <p:cNvSpPr txBox="1">
-            <a:spLocks noGrp="1"/>
-          </p:cNvSpPr>
+          <p:cNvSpPr txBox="1"/>
           <p:nvPr>
             <p:ph type="sldNum" sz="quarter" idx="2"/>
           </p:nvPr>
@@ -2478,10 +2558,8 @@
           <a:bodyPr/>
           <a:lstStyle/>
           <a:p>
-            <a:fld id="{86CB4B4D-7CA3-9044-876B-883B54F8677D}" type="slidenum">
-              <a:t>‹#›</a:t>
-            </a:fld>
-            <a:endParaRPr/>
+            <a:pPr/>
+            <a:fld id="{86CB4B4D-7CA3-9044-876B-883B54F8677D}" type="slidenum"/>
           </a:p>
         </p:txBody>
       </p:sp>
@@ -2490,12 +2568,12 @@
   <p:clrMapOvr>
     <a:masterClrMapping/>
   </p:clrMapOvr>
-  <p:transition spd="med"/>
+  <p:transition xmlns:p14="http://schemas.microsoft.com/office/powerpoint/2010/main" spd="med" advClick="1"/>
 </p:sldLayout>
 </file>
 
 <file path=ppt/slideLayouts/slideLayout13.xml><?xml version="1.0" encoding="utf-8"?>
-<p:sldLayout xmlns:a="http://schemas.openxmlformats.org/drawingml/2006/main" xmlns:r="http://schemas.openxmlformats.org/officeDocument/2006/relationships" xmlns:p="http://schemas.openxmlformats.org/presentationml/2006/main" type="tx">
+<p:sldLayout xmlns:a="http://schemas.openxmlformats.org/drawingml/2006/main" xmlns:r="http://schemas.openxmlformats.org/officeDocument/2006/relationships" xmlns:p="http://schemas.openxmlformats.org/presentationml/2006/main" xmlns:m="http://schemas.openxmlformats.org/officeDocument/2006/math" xmlns:a14="http://schemas.microsoft.com/office/drawing/2010/main" type="tx" showMasterSp="1" showMasterPhAnim="1">
   <p:cSld name="Photo - 3 Up">
     <p:spTree>
       <p:nvGrpSpPr>
@@ -2514,9 +2592,7 @@
       <p:sp>
         <p:nvSpPr>
           <p:cNvPr id="124" name="941297804_1296x1457.jpg"/>
-          <p:cNvSpPr>
-            <a:spLocks noGrp="1"/>
-          </p:cNvSpPr>
+          <p:cNvSpPr/>
           <p:nvPr>
             <p:ph type="pic" sz="quarter" idx="21"/>
           </p:nvPr>
@@ -2536,16 +2612,14 @@
           </a:bodyPr>
           <a:lstStyle/>
           <a:p>
-            <a:endParaRPr/>
+            <a:pPr/>
           </a:p>
         </p:txBody>
       </p:sp>
       <p:sp>
         <p:nvSpPr>
           <p:cNvPr id="125" name="915009552_2264x1509.jpg"/>
-          <p:cNvSpPr>
-            <a:spLocks noGrp="1"/>
-          </p:cNvSpPr>
+          <p:cNvSpPr/>
           <p:nvPr>
             <p:ph type="pic" sz="quarter" idx="22"/>
           </p:nvPr>
@@ -2565,16 +2639,14 @@
           </a:bodyPr>
           <a:lstStyle/>
           <a:p>
-            <a:endParaRPr/>
+            <a:pPr/>
           </a:p>
         </p:txBody>
       </p:sp>
       <p:sp>
         <p:nvSpPr>
           <p:cNvPr id="126" name="740519873_3318x2212.jpg"/>
-          <p:cNvSpPr>
-            <a:spLocks noGrp="1"/>
-          </p:cNvSpPr>
+          <p:cNvSpPr/>
           <p:nvPr>
             <p:ph type="pic" idx="23"/>
           </p:nvPr>
@@ -2594,16 +2666,14 @@
           </a:bodyPr>
           <a:lstStyle/>
           <a:p>
-            <a:endParaRPr/>
+            <a:pPr/>
           </a:p>
         </p:txBody>
       </p:sp>
       <p:sp>
         <p:nvSpPr>
           <p:cNvPr id="127" name="Slide Number"/>
-          <p:cNvSpPr txBox="1">
-            <a:spLocks noGrp="1"/>
-          </p:cNvSpPr>
+          <p:cNvSpPr txBox="1"/>
           <p:nvPr>
             <p:ph type="sldNum" sz="quarter" idx="2"/>
           </p:nvPr>
@@ -2621,10 +2691,8 @@
           <a:bodyPr/>
           <a:lstStyle/>
           <a:p>
-            <a:fld id="{86CB4B4D-7CA3-9044-876B-883B54F8677D}" type="slidenum">
-              <a:t>‹#›</a:t>
-            </a:fld>
-            <a:endParaRPr/>
+            <a:pPr/>
+            <a:fld id="{86CB4B4D-7CA3-9044-876B-883B54F8677D}" type="slidenum"/>
           </a:p>
         </p:txBody>
       </p:sp>
@@ -2633,12 +2701,12 @@
   <p:clrMapOvr>
     <a:masterClrMapping/>
   </p:clrMapOvr>
-  <p:transition spd="med"/>
+  <p:transition xmlns:p14="http://schemas.microsoft.com/office/powerpoint/2010/main" spd="med" advClick="1"/>
 </p:sldLayout>
 </file>
 
 <file path=ppt/slideLayouts/slideLayout14.xml><?xml version="1.0" encoding="utf-8"?>
-<p:sldLayout xmlns:a="http://schemas.openxmlformats.org/drawingml/2006/main" xmlns:r="http://schemas.openxmlformats.org/officeDocument/2006/relationships" xmlns:p="http://schemas.openxmlformats.org/presentationml/2006/main" type="tx">
+<p:sldLayout xmlns:a="http://schemas.openxmlformats.org/drawingml/2006/main" xmlns:r="http://schemas.openxmlformats.org/officeDocument/2006/relationships" xmlns:p="http://schemas.openxmlformats.org/presentationml/2006/main" xmlns:m="http://schemas.openxmlformats.org/officeDocument/2006/math" xmlns:a14="http://schemas.microsoft.com/office/drawing/2010/main" type="tx" showMasterSp="1" showMasterPhAnim="1">
   <p:cSld name="Photo">
     <p:spTree>
       <p:nvGrpSpPr>
@@ -2657,9 +2725,7 @@
       <p:sp>
         <p:nvSpPr>
           <p:cNvPr id="134" name="740519873_3318x2212.jpg"/>
-          <p:cNvSpPr>
-            <a:spLocks noGrp="1"/>
-          </p:cNvSpPr>
+          <p:cNvSpPr/>
           <p:nvPr>
             <p:ph type="pic" idx="21"/>
           </p:nvPr>
@@ -2679,16 +2745,14 @@
           </a:bodyPr>
           <a:lstStyle/>
           <a:p>
-            <a:endParaRPr/>
+            <a:pPr/>
           </a:p>
         </p:txBody>
       </p:sp>
       <p:sp>
         <p:nvSpPr>
           <p:cNvPr id="135" name="Slide Number"/>
-          <p:cNvSpPr txBox="1">
-            <a:spLocks noGrp="1"/>
-          </p:cNvSpPr>
+          <p:cNvSpPr txBox="1"/>
           <p:nvPr>
             <p:ph type="sldNum" sz="quarter" idx="2"/>
           </p:nvPr>
@@ -2706,10 +2770,8 @@
           <a:bodyPr/>
           <a:lstStyle/>
           <a:p>
-            <a:fld id="{86CB4B4D-7CA3-9044-876B-883B54F8677D}" type="slidenum">
-              <a:t>‹#›</a:t>
-            </a:fld>
-            <a:endParaRPr/>
+            <a:pPr/>
+            <a:fld id="{86CB4B4D-7CA3-9044-876B-883B54F8677D}" type="slidenum"/>
           </a:p>
         </p:txBody>
       </p:sp>
@@ -2718,12 +2780,12 @@
   <p:clrMapOvr>
     <a:masterClrMapping/>
   </p:clrMapOvr>
-  <p:transition spd="med"/>
+  <p:transition xmlns:p14="http://schemas.microsoft.com/office/powerpoint/2010/main" spd="med" advClick="1"/>
 </p:sldLayout>
 </file>
 
 <file path=ppt/slideLayouts/slideLayout15.xml><?xml version="1.0" encoding="utf-8"?>
-<p:sldLayout xmlns:a="http://schemas.openxmlformats.org/drawingml/2006/main" xmlns:r="http://schemas.openxmlformats.org/officeDocument/2006/relationships" xmlns:p="http://schemas.openxmlformats.org/presentationml/2006/main" type="tx">
+<p:sldLayout xmlns:a="http://schemas.openxmlformats.org/drawingml/2006/main" xmlns:r="http://schemas.openxmlformats.org/officeDocument/2006/relationships" xmlns:p="http://schemas.openxmlformats.org/presentationml/2006/main" xmlns:m="http://schemas.openxmlformats.org/officeDocument/2006/math" xmlns:a14="http://schemas.microsoft.com/office/drawing/2010/main" type="tx" showMasterSp="1" showMasterPhAnim="1">
   <p:cSld name="Blank">
     <p:spTree>
       <p:nvGrpSpPr>
@@ -2742,9 +2804,7 @@
       <p:sp>
         <p:nvSpPr>
           <p:cNvPr id="142" name="Slide Number"/>
-          <p:cNvSpPr txBox="1">
-            <a:spLocks noGrp="1"/>
-          </p:cNvSpPr>
+          <p:cNvSpPr txBox="1"/>
           <p:nvPr>
             <p:ph type="sldNum" sz="quarter" idx="2"/>
           </p:nvPr>
@@ -2762,10 +2822,8 @@
           <a:bodyPr/>
           <a:lstStyle/>
           <a:p>
-            <a:fld id="{86CB4B4D-7CA3-9044-876B-883B54F8677D}" type="slidenum">
-              <a:t>‹#›</a:t>
-            </a:fld>
-            <a:endParaRPr/>
+            <a:pPr/>
+            <a:fld id="{86CB4B4D-7CA3-9044-876B-883B54F8677D}" type="slidenum"/>
           </a:p>
         </p:txBody>
       </p:sp>
@@ -2774,12 +2832,12 @@
   <p:clrMapOvr>
     <a:masterClrMapping/>
   </p:clrMapOvr>
-  <p:transition spd="med"/>
+  <p:transition xmlns:p14="http://schemas.microsoft.com/office/powerpoint/2010/main" spd="med" advClick="1"/>
 </p:sldLayout>
 </file>
 
 <file path=ppt/slideLayouts/slideLayout2.xml><?xml version="1.0" encoding="utf-8"?>
-<p:sldLayout xmlns:a="http://schemas.openxmlformats.org/drawingml/2006/main" xmlns:r="http://schemas.openxmlformats.org/officeDocument/2006/relationships" xmlns:p="http://schemas.openxmlformats.org/presentationml/2006/main" type="tx">
+<p:sldLayout xmlns:a="http://schemas.openxmlformats.org/drawingml/2006/main" xmlns:r="http://schemas.openxmlformats.org/officeDocument/2006/relationships" xmlns:p="http://schemas.openxmlformats.org/presentationml/2006/main" xmlns:m="http://schemas.openxmlformats.org/officeDocument/2006/math" xmlns:a14="http://schemas.microsoft.com/office/drawing/2010/main" type="tx" showMasterSp="1" showMasterPhAnim="1">
   <p:cSld name="Title &amp; Photo">
     <p:spTree>
       <p:nvGrpSpPr>
@@ -2798,9 +2856,7 @@
       <p:sp>
         <p:nvSpPr>
           <p:cNvPr id="21" name="740519873_3318x2212.jpg"/>
-          <p:cNvSpPr>
-            <a:spLocks noGrp="1"/>
-          </p:cNvSpPr>
+          <p:cNvSpPr/>
           <p:nvPr>
             <p:ph type="pic" idx="21"/>
           </p:nvPr>
@@ -2820,16 +2876,14 @@
           </a:bodyPr>
           <a:lstStyle/>
           <a:p>
-            <a:endParaRPr/>
+            <a:pPr/>
           </a:p>
         </p:txBody>
       </p:sp>
       <p:sp>
         <p:nvSpPr>
           <p:cNvPr id="22" name="Presentation Title"/>
-          <p:cNvSpPr txBox="1">
-            <a:spLocks noGrp="1"/>
-          </p:cNvSpPr>
+          <p:cNvSpPr txBox="1"/>
           <p:nvPr>
             <p:ph type="title" hasCustomPrompt="1"/>
           </p:nvPr>
@@ -2847,7 +2901,7 @@
           <a:bodyPr anchor="b"/>
           <a:lstStyle>
             <a:lvl1pPr>
-              <a:defRPr sz="12800" spc="-128">
+              <a:defRPr spc="-128" sz="12800">
                 <a:solidFill>
                   <a:srgbClr val="FFFFFF"/>
                 </a:solidFill>
@@ -2855,6 +2909,7 @@
             </a:lvl1pPr>
           </a:lstStyle>
           <a:p>
+            <a:pPr/>
             <a:r>
               <a:t>Presentation Title</a:t>
             </a:r>
@@ -2864,9 +2919,7 @@
       <p:sp>
         <p:nvSpPr>
           <p:cNvPr id="23" name="Body Level One…"/>
-          <p:cNvSpPr txBox="1">
-            <a:spLocks noGrp="1"/>
-          </p:cNvSpPr>
+          <p:cNvSpPr txBox="1"/>
           <p:nvPr>
             <p:ph type="body" sz="quarter" idx="1" hasCustomPrompt="1"/>
           </p:nvPr>
@@ -2892,13 +2945,13 @@
               </a:spcBef>
               <a:buSzTx/>
               <a:buNone/>
-              <a:defRPr sz="6000" spc="-59">
+              <a:defRPr spc="-59" sz="6000">
                 <a:solidFill>
                   <a:srgbClr val="FFFFFF"/>
                 </a:solidFill>
-                <a:latin typeface="Graphik-SemiboldItalic"/>
-                <a:ea typeface="Graphik-SemiboldItalic"/>
-                <a:cs typeface="Graphik-SemiboldItalic"/>
+                <a:latin typeface="Graphik Semibold"/>
+                <a:ea typeface="Graphik Semibold"/>
+                <a:cs typeface="Graphik Semibold"/>
                 <a:sym typeface="Graphik Semibold"/>
               </a:defRPr>
             </a:lvl1pPr>
@@ -2911,13 +2964,13 @@
               </a:spcBef>
               <a:buSzTx/>
               <a:buNone/>
-              <a:defRPr sz="6000" spc="-59">
+              <a:defRPr spc="-59" sz="6000">
                 <a:solidFill>
                   <a:srgbClr val="FFFFFF"/>
                 </a:solidFill>
-                <a:latin typeface="Graphik-SemiboldItalic"/>
-                <a:ea typeface="Graphik-SemiboldItalic"/>
-                <a:cs typeface="Graphik-SemiboldItalic"/>
+                <a:latin typeface="Graphik Semibold"/>
+                <a:ea typeface="Graphik Semibold"/>
+                <a:cs typeface="Graphik Semibold"/>
                 <a:sym typeface="Graphik Semibold"/>
               </a:defRPr>
             </a:lvl2pPr>
@@ -2930,13 +2983,13 @@
               </a:spcBef>
               <a:buSzTx/>
               <a:buNone/>
-              <a:defRPr sz="6000" spc="-59">
+              <a:defRPr spc="-59" sz="6000">
                 <a:solidFill>
                   <a:srgbClr val="FFFFFF"/>
                 </a:solidFill>
-                <a:latin typeface="Graphik-SemiboldItalic"/>
-                <a:ea typeface="Graphik-SemiboldItalic"/>
-                <a:cs typeface="Graphik-SemiboldItalic"/>
+                <a:latin typeface="Graphik Semibold"/>
+                <a:ea typeface="Graphik Semibold"/>
+                <a:cs typeface="Graphik Semibold"/>
                 <a:sym typeface="Graphik Semibold"/>
               </a:defRPr>
             </a:lvl3pPr>
@@ -2949,13 +3002,13 @@
               </a:spcBef>
               <a:buSzTx/>
               <a:buNone/>
-              <a:defRPr sz="6000" spc="-59">
+              <a:defRPr spc="-59" sz="6000">
                 <a:solidFill>
                   <a:srgbClr val="FFFFFF"/>
                 </a:solidFill>
-                <a:latin typeface="Graphik-SemiboldItalic"/>
-                <a:ea typeface="Graphik-SemiboldItalic"/>
-                <a:cs typeface="Graphik-SemiboldItalic"/>
+                <a:latin typeface="Graphik Semibold"/>
+                <a:ea typeface="Graphik Semibold"/>
+                <a:cs typeface="Graphik Semibold"/>
                 <a:sym typeface="Graphik Semibold"/>
               </a:defRPr>
             </a:lvl4pPr>
@@ -2968,46 +3021,53 @@
               </a:spcBef>
               <a:buSzTx/>
               <a:buNone/>
-              <a:defRPr sz="6000" spc="-59">
+              <a:defRPr spc="-59" sz="6000">
                 <a:solidFill>
                   <a:srgbClr val="FFFFFF"/>
                 </a:solidFill>
-                <a:latin typeface="Graphik-SemiboldItalic"/>
-                <a:ea typeface="Graphik-SemiboldItalic"/>
-                <a:cs typeface="Graphik-SemiboldItalic"/>
+                <a:latin typeface="Graphik Semibold"/>
+                <a:ea typeface="Graphik Semibold"/>
+                <a:cs typeface="Graphik Semibold"/>
                 <a:sym typeface="Graphik Semibold"/>
               </a:defRPr>
             </a:lvl5pPr>
           </a:lstStyle>
           <a:p>
+            <a:pPr/>
             <a:r>
               <a:t>Presentation Subtitle</a:t>
             </a:r>
           </a:p>
           <a:p>
             <a:pPr lvl="1"/>
-            <a:endParaRPr/>
+            <a:r>
+              <a:t/>
+            </a:r>
           </a:p>
           <a:p>
             <a:pPr lvl="2"/>
-            <a:endParaRPr/>
+            <a:r>
+              <a:t/>
+            </a:r>
           </a:p>
           <a:p>
             <a:pPr lvl="3"/>
-            <a:endParaRPr/>
+            <a:r>
+              <a:t/>
+            </a:r>
           </a:p>
           <a:p>
             <a:pPr lvl="4"/>
-            <a:endParaRPr/>
+            <a:r>
+              <a:t/>
+            </a:r>
           </a:p>
         </p:txBody>
       </p:sp>
       <p:sp>
         <p:nvSpPr>
           <p:cNvPr id="24" name="Author and Date"/>
-          <p:cNvSpPr txBox="1">
-            <a:spLocks noGrp="1"/>
-          </p:cNvSpPr>
+          <p:cNvSpPr txBox="1"/>
           <p:nvPr>
             <p:ph type="body" sz="quarter" idx="22" hasCustomPrompt="1"/>
           </p:nvPr>
@@ -3033,18 +3093,19 @@
               </a:spcBef>
               <a:buSzTx/>
               <a:buNone/>
-              <a:defRPr sz="3000" spc="-29">
+              <a:defRPr spc="-29" sz="3000">
                 <a:solidFill>
                   <a:srgbClr val="FFFFFF"/>
                 </a:solidFill>
-                <a:latin typeface="Graphik-Medium"/>
-                <a:ea typeface="Graphik-Medium"/>
-                <a:cs typeface="Graphik-Medium"/>
+                <a:latin typeface="Graphik Medium"/>
+                <a:ea typeface="Graphik Medium"/>
+                <a:cs typeface="Graphik Medium"/>
                 <a:sym typeface="Graphik Medium"/>
               </a:defRPr>
             </a:lvl1pPr>
           </a:lstStyle>
           <a:p>
+            <a:pPr/>
             <a:r>
               <a:t>Author and Date</a:t>
             </a:r>
@@ -3054,9 +3115,7 @@
       <p:sp>
         <p:nvSpPr>
           <p:cNvPr id="25" name="Slide Number"/>
-          <p:cNvSpPr txBox="1">
-            <a:spLocks noGrp="1"/>
-          </p:cNvSpPr>
+          <p:cNvSpPr txBox="1"/>
           <p:nvPr>
             <p:ph type="sldNum" sz="quarter" idx="2"/>
           </p:nvPr>
@@ -3078,10 +3137,8 @@
             </a:lvl1pPr>
           </a:lstStyle>
           <a:p>
-            <a:fld id="{86CB4B4D-7CA3-9044-876B-883B54F8677D}" type="slidenum">
-              <a:t>‹#›</a:t>
-            </a:fld>
-            <a:endParaRPr/>
+            <a:pPr/>
+            <a:fld id="{86CB4B4D-7CA3-9044-876B-883B54F8677D}" type="slidenum"/>
           </a:p>
         </p:txBody>
       </p:sp>
@@ -3090,12 +3147,12 @@
   <p:clrMapOvr>
     <a:masterClrMapping/>
   </p:clrMapOvr>
-  <p:transition spd="med"/>
+  <p:transition xmlns:p14="http://schemas.microsoft.com/office/powerpoint/2010/main" spd="med" advClick="1"/>
 </p:sldLayout>
 </file>
 
 <file path=ppt/slideLayouts/slideLayout3.xml><?xml version="1.0" encoding="utf-8"?>
-<p:sldLayout xmlns:a="http://schemas.openxmlformats.org/drawingml/2006/main" xmlns:r="http://schemas.openxmlformats.org/officeDocument/2006/relationships" xmlns:p="http://schemas.openxmlformats.org/presentationml/2006/main" type="tx">
+<p:sldLayout xmlns:a="http://schemas.openxmlformats.org/drawingml/2006/main" xmlns:r="http://schemas.openxmlformats.org/officeDocument/2006/relationships" xmlns:p="http://schemas.openxmlformats.org/presentationml/2006/main" xmlns:m="http://schemas.openxmlformats.org/officeDocument/2006/math" xmlns:a14="http://schemas.microsoft.com/office/drawing/2010/main" type="tx" showMasterSp="1" showMasterPhAnim="1">
   <p:cSld name="Title &amp; Photo Alt">
     <p:spTree>
       <p:nvGrpSpPr>
@@ -3114,9 +3171,7 @@
       <p:sp>
         <p:nvSpPr>
           <p:cNvPr id="32" name="Slide Title"/>
-          <p:cNvSpPr txBox="1">
-            <a:spLocks noGrp="1"/>
-          </p:cNvSpPr>
+          <p:cNvSpPr txBox="1"/>
           <p:nvPr>
             <p:ph type="title" hasCustomPrompt="1"/>
           </p:nvPr>
@@ -3134,6 +3189,7 @@
           <a:bodyPr anchor="b"/>
           <a:lstStyle/>
           <a:p>
+            <a:pPr/>
             <a:r>
               <a:t>Slide Title</a:t>
             </a:r>
@@ -3143,9 +3199,7 @@
       <p:sp>
         <p:nvSpPr>
           <p:cNvPr id="33" name="Image"/>
-          <p:cNvSpPr>
-            <a:spLocks noGrp="1"/>
-          </p:cNvSpPr>
+          <p:cNvSpPr/>
           <p:nvPr>
             <p:ph type="pic" idx="21"/>
           </p:nvPr>
@@ -3165,16 +3219,14 @@
           </a:bodyPr>
           <a:lstStyle/>
           <a:p>
-            <a:endParaRPr/>
+            <a:pPr/>
           </a:p>
         </p:txBody>
       </p:sp>
       <p:sp>
         <p:nvSpPr>
           <p:cNvPr id="34" name="Body Level One…"/>
-          <p:cNvSpPr txBox="1">
-            <a:spLocks noGrp="1"/>
-          </p:cNvSpPr>
+          <p:cNvSpPr txBox="1"/>
           <p:nvPr>
             <p:ph type="body" sz="quarter" idx="1" hasCustomPrompt="1"/>
           </p:nvPr>
@@ -3201,9 +3253,9 @@
               <a:buSzTx/>
               <a:buNone/>
               <a:defRPr spc="-44">
-                <a:latin typeface="Graphik-SemiboldItalic"/>
-                <a:ea typeface="Graphik-SemiboldItalic"/>
-                <a:cs typeface="Graphik-SemiboldItalic"/>
+                <a:latin typeface="Graphik Semibold"/>
+                <a:ea typeface="Graphik Semibold"/>
+                <a:cs typeface="Graphik Semibold"/>
                 <a:sym typeface="Graphik Semibold"/>
               </a:defRPr>
             </a:lvl1pPr>
@@ -3217,9 +3269,9 @@
               <a:buSzTx/>
               <a:buNone/>
               <a:defRPr spc="-44">
-                <a:latin typeface="Graphik-SemiboldItalic"/>
-                <a:ea typeface="Graphik-SemiboldItalic"/>
-                <a:cs typeface="Graphik-SemiboldItalic"/>
+                <a:latin typeface="Graphik Semibold"/>
+                <a:ea typeface="Graphik Semibold"/>
+                <a:cs typeface="Graphik Semibold"/>
                 <a:sym typeface="Graphik Semibold"/>
               </a:defRPr>
             </a:lvl2pPr>
@@ -3233,9 +3285,9 @@
               <a:buSzTx/>
               <a:buNone/>
               <a:defRPr spc="-44">
-                <a:latin typeface="Graphik-SemiboldItalic"/>
-                <a:ea typeface="Graphik-SemiboldItalic"/>
-                <a:cs typeface="Graphik-SemiboldItalic"/>
+                <a:latin typeface="Graphik Semibold"/>
+                <a:ea typeface="Graphik Semibold"/>
+                <a:cs typeface="Graphik Semibold"/>
                 <a:sym typeface="Graphik Semibold"/>
               </a:defRPr>
             </a:lvl3pPr>
@@ -3249,9 +3301,9 @@
               <a:buSzTx/>
               <a:buNone/>
               <a:defRPr spc="-44">
-                <a:latin typeface="Graphik-SemiboldItalic"/>
-                <a:ea typeface="Graphik-SemiboldItalic"/>
-                <a:cs typeface="Graphik-SemiboldItalic"/>
+                <a:latin typeface="Graphik Semibold"/>
+                <a:ea typeface="Graphik Semibold"/>
+                <a:cs typeface="Graphik Semibold"/>
                 <a:sym typeface="Graphik Semibold"/>
               </a:defRPr>
             </a:lvl4pPr>
@@ -3265,42 +3317,49 @@
               <a:buSzTx/>
               <a:buNone/>
               <a:defRPr spc="-44">
-                <a:latin typeface="Graphik-SemiboldItalic"/>
-                <a:ea typeface="Graphik-SemiboldItalic"/>
-                <a:cs typeface="Graphik-SemiboldItalic"/>
+                <a:latin typeface="Graphik Semibold"/>
+                <a:ea typeface="Graphik Semibold"/>
+                <a:cs typeface="Graphik Semibold"/>
                 <a:sym typeface="Graphik Semibold"/>
               </a:defRPr>
             </a:lvl5pPr>
           </a:lstStyle>
           <a:p>
+            <a:pPr/>
             <a:r>
               <a:t>Slide Subtitle</a:t>
             </a:r>
           </a:p>
           <a:p>
             <a:pPr lvl="1"/>
-            <a:endParaRPr/>
+            <a:r>
+              <a:t/>
+            </a:r>
           </a:p>
           <a:p>
             <a:pPr lvl="2"/>
-            <a:endParaRPr/>
+            <a:r>
+              <a:t/>
+            </a:r>
           </a:p>
           <a:p>
             <a:pPr lvl="3"/>
-            <a:endParaRPr/>
+            <a:r>
+              <a:t/>
+            </a:r>
           </a:p>
           <a:p>
             <a:pPr lvl="4"/>
-            <a:endParaRPr/>
+            <a:r>
+              <a:t/>
+            </a:r>
           </a:p>
         </p:txBody>
       </p:sp>
       <p:sp>
         <p:nvSpPr>
           <p:cNvPr id="35" name="Slide Number"/>
-          <p:cNvSpPr txBox="1">
-            <a:spLocks noGrp="1"/>
-          </p:cNvSpPr>
+          <p:cNvSpPr txBox="1"/>
           <p:nvPr>
             <p:ph type="sldNum" sz="quarter" idx="2"/>
           </p:nvPr>
@@ -3314,10 +3373,8 @@
           <a:bodyPr/>
           <a:lstStyle/>
           <a:p>
-            <a:fld id="{86CB4B4D-7CA3-9044-876B-883B54F8677D}" type="slidenum">
-              <a:t>‹#›</a:t>
-            </a:fld>
-            <a:endParaRPr/>
+            <a:pPr/>
+            <a:fld id="{86CB4B4D-7CA3-9044-876B-883B54F8677D}" type="slidenum"/>
           </a:p>
         </p:txBody>
       </p:sp>
@@ -3326,12 +3383,12 @@
   <p:clrMapOvr>
     <a:masterClrMapping/>
   </p:clrMapOvr>
-  <p:transition spd="med"/>
+  <p:transition xmlns:p14="http://schemas.microsoft.com/office/powerpoint/2010/main" spd="med" advClick="1"/>
 </p:sldLayout>
 </file>
 
 <file path=ppt/slideLayouts/slideLayout4.xml><?xml version="1.0" encoding="utf-8"?>
-<p:sldLayout xmlns:a="http://schemas.openxmlformats.org/drawingml/2006/main" xmlns:r="http://schemas.openxmlformats.org/officeDocument/2006/relationships" xmlns:p="http://schemas.openxmlformats.org/presentationml/2006/main" type="tx">
+<p:sldLayout xmlns:a="http://schemas.openxmlformats.org/drawingml/2006/main" xmlns:r="http://schemas.openxmlformats.org/officeDocument/2006/relationships" xmlns:p="http://schemas.openxmlformats.org/presentationml/2006/main" xmlns:m="http://schemas.openxmlformats.org/officeDocument/2006/math" xmlns:a14="http://schemas.microsoft.com/office/drawing/2010/main" type="tx" showMasterSp="1" showMasterPhAnim="1">
   <p:cSld name="Title &amp; Bullets">
     <p:spTree>
       <p:nvGrpSpPr>
@@ -3350,9 +3407,7 @@
       <p:sp>
         <p:nvSpPr>
           <p:cNvPr id="42" name="Slide Title"/>
-          <p:cNvSpPr txBox="1">
-            <a:spLocks noGrp="1"/>
-          </p:cNvSpPr>
+          <p:cNvSpPr txBox="1"/>
           <p:nvPr>
             <p:ph type="title" hasCustomPrompt="1"/>
           </p:nvPr>
@@ -3366,6 +3421,7 @@
           <a:bodyPr/>
           <a:lstStyle/>
           <a:p>
+            <a:pPr/>
             <a:r>
               <a:t>Slide Title</a:t>
             </a:r>
@@ -3375,9 +3431,7 @@
       <p:sp>
         <p:nvSpPr>
           <p:cNvPr id="43" name="Body Level One…"/>
-          <p:cNvSpPr txBox="1">
-            <a:spLocks noGrp="1"/>
-          </p:cNvSpPr>
+          <p:cNvSpPr txBox="1"/>
           <p:nvPr>
             <p:ph type="body" idx="1" hasCustomPrompt="1"/>
           </p:nvPr>
@@ -3391,34 +3445,41 @@
           <a:bodyPr/>
           <a:lstStyle/>
           <a:p>
+            <a:pPr/>
             <a:r>
               <a:t>Slide bullet text</a:t>
             </a:r>
           </a:p>
           <a:p>
             <a:pPr lvl="1"/>
-            <a:endParaRPr/>
+            <a:r>
+              <a:t/>
+            </a:r>
           </a:p>
           <a:p>
             <a:pPr lvl="2"/>
-            <a:endParaRPr/>
+            <a:r>
+              <a:t/>
+            </a:r>
           </a:p>
           <a:p>
             <a:pPr lvl="3"/>
-            <a:endParaRPr/>
+            <a:r>
+              <a:t/>
+            </a:r>
           </a:p>
           <a:p>
             <a:pPr lvl="4"/>
-            <a:endParaRPr/>
+            <a:r>
+              <a:t/>
+            </a:r>
           </a:p>
         </p:txBody>
       </p:sp>
       <p:sp>
         <p:nvSpPr>
           <p:cNvPr id="44" name="Slide Subtitle"/>
-          <p:cNvSpPr txBox="1">
-            <a:spLocks noGrp="1"/>
-          </p:cNvSpPr>
+          <p:cNvSpPr txBox="1"/>
           <p:nvPr>
             <p:ph type="body" sz="quarter" idx="21" hasCustomPrompt="1"/>
           </p:nvPr>
@@ -3445,14 +3506,15 @@
               <a:buSzTx/>
               <a:buNone/>
               <a:defRPr spc="-44">
-                <a:latin typeface="Graphik-SemiboldItalic"/>
-                <a:ea typeface="Graphik-SemiboldItalic"/>
-                <a:cs typeface="Graphik-SemiboldItalic"/>
+                <a:latin typeface="Graphik Semibold"/>
+                <a:ea typeface="Graphik Semibold"/>
+                <a:cs typeface="Graphik Semibold"/>
                 <a:sym typeface="Graphik Semibold"/>
               </a:defRPr>
             </a:lvl1pPr>
           </a:lstStyle>
           <a:p>
+            <a:pPr/>
             <a:r>
               <a:t>Slide Subtitle</a:t>
             </a:r>
@@ -3462,9 +3524,7 @@
       <p:sp>
         <p:nvSpPr>
           <p:cNvPr id="45" name="Slide Number"/>
-          <p:cNvSpPr txBox="1">
-            <a:spLocks noGrp="1"/>
-          </p:cNvSpPr>
+          <p:cNvSpPr txBox="1"/>
           <p:nvPr>
             <p:ph type="sldNum" sz="quarter" idx="2"/>
           </p:nvPr>
@@ -3478,10 +3538,8 @@
           <a:bodyPr/>
           <a:lstStyle/>
           <a:p>
-            <a:fld id="{86CB4B4D-7CA3-9044-876B-883B54F8677D}" type="slidenum">
-              <a:t>‹#›</a:t>
-            </a:fld>
-            <a:endParaRPr/>
+            <a:pPr/>
+            <a:fld id="{86CB4B4D-7CA3-9044-876B-883B54F8677D}" type="slidenum"/>
           </a:p>
         </p:txBody>
       </p:sp>
@@ -3490,12 +3548,12 @@
   <p:clrMapOvr>
     <a:masterClrMapping/>
   </p:clrMapOvr>
-  <p:transition spd="med"/>
+  <p:transition xmlns:p14="http://schemas.microsoft.com/office/powerpoint/2010/main" spd="med" advClick="1"/>
 </p:sldLayout>
 </file>
 
 <file path=ppt/slideLayouts/slideLayout5.xml><?xml version="1.0" encoding="utf-8"?>
-<p:sldLayout xmlns:a="http://schemas.openxmlformats.org/drawingml/2006/main" xmlns:r="http://schemas.openxmlformats.org/officeDocument/2006/relationships" xmlns:p="http://schemas.openxmlformats.org/presentationml/2006/main" type="tx">
+<p:sldLayout xmlns:a="http://schemas.openxmlformats.org/drawingml/2006/main" xmlns:r="http://schemas.openxmlformats.org/officeDocument/2006/relationships" xmlns:p="http://schemas.openxmlformats.org/presentationml/2006/main" xmlns:m="http://schemas.openxmlformats.org/officeDocument/2006/math" xmlns:a14="http://schemas.microsoft.com/office/drawing/2010/main" type="tx" showMasterSp="1" showMasterPhAnim="1">
   <p:cSld name="Bullets">
     <p:spTree>
       <p:nvGrpSpPr>
@@ -3514,9 +3572,7 @@
       <p:sp>
         <p:nvSpPr>
           <p:cNvPr id="52" name="Body Level One…"/>
-          <p:cNvSpPr txBox="1">
-            <a:spLocks noGrp="1"/>
-          </p:cNvSpPr>
+          <p:cNvSpPr txBox="1"/>
           <p:nvPr>
             <p:ph type="body" idx="1" hasCustomPrompt="1"/>
           </p:nvPr>
@@ -3534,34 +3590,41 @@
           <a:bodyPr numCol="2" spcCol="2558384"/>
           <a:lstStyle/>
           <a:p>
+            <a:pPr/>
             <a:r>
               <a:t>Slide bullet text</a:t>
             </a:r>
           </a:p>
           <a:p>
             <a:pPr lvl="1"/>
-            <a:endParaRPr/>
+            <a:r>
+              <a:t/>
+            </a:r>
           </a:p>
           <a:p>
             <a:pPr lvl="2"/>
-            <a:endParaRPr/>
+            <a:r>
+              <a:t/>
+            </a:r>
           </a:p>
           <a:p>
             <a:pPr lvl="3"/>
-            <a:endParaRPr/>
+            <a:r>
+              <a:t/>
+            </a:r>
           </a:p>
           <a:p>
             <a:pPr lvl="4"/>
-            <a:endParaRPr/>
+            <a:r>
+              <a:t/>
+            </a:r>
           </a:p>
         </p:txBody>
       </p:sp>
       <p:sp>
         <p:nvSpPr>
           <p:cNvPr id="53" name="Slide Number"/>
-          <p:cNvSpPr txBox="1">
-            <a:spLocks noGrp="1"/>
-          </p:cNvSpPr>
+          <p:cNvSpPr txBox="1"/>
           <p:nvPr>
             <p:ph type="sldNum" sz="quarter" idx="2"/>
           </p:nvPr>
@@ -3579,10 +3642,8 @@
           <a:bodyPr/>
           <a:lstStyle/>
           <a:p>
-            <a:fld id="{86CB4B4D-7CA3-9044-876B-883B54F8677D}" type="slidenum">
-              <a:t>‹#›</a:t>
-            </a:fld>
-            <a:endParaRPr/>
+            <a:pPr/>
+            <a:fld id="{86CB4B4D-7CA3-9044-876B-883B54F8677D}" type="slidenum"/>
           </a:p>
         </p:txBody>
       </p:sp>
@@ -3591,12 +3652,12 @@
   <p:clrMapOvr>
     <a:masterClrMapping/>
   </p:clrMapOvr>
-  <p:transition spd="med"/>
+  <p:transition xmlns:p14="http://schemas.microsoft.com/office/powerpoint/2010/main" spd="med" advClick="1"/>
 </p:sldLayout>
 </file>
 
 <file path=ppt/slideLayouts/slideLayout6.xml><?xml version="1.0" encoding="utf-8"?>
-<p:sldLayout xmlns:a="http://schemas.openxmlformats.org/drawingml/2006/main" xmlns:r="http://schemas.openxmlformats.org/officeDocument/2006/relationships" xmlns:p="http://schemas.openxmlformats.org/presentationml/2006/main" type="tx">
+<p:sldLayout xmlns:a="http://schemas.openxmlformats.org/drawingml/2006/main" xmlns:r="http://schemas.openxmlformats.org/officeDocument/2006/relationships" xmlns:p="http://schemas.openxmlformats.org/presentationml/2006/main" xmlns:m="http://schemas.openxmlformats.org/officeDocument/2006/math" xmlns:a14="http://schemas.microsoft.com/office/drawing/2010/main" type="tx" showMasterSp="1" showMasterPhAnim="1">
   <p:cSld name="Title, Bullets &amp; Photo">
     <p:spTree>
       <p:nvGrpSpPr>
@@ -3615,9 +3676,7 @@
       <p:sp>
         <p:nvSpPr>
           <p:cNvPr id="60" name="Slide Title"/>
-          <p:cNvSpPr txBox="1">
-            <a:spLocks noGrp="1"/>
-          </p:cNvSpPr>
+          <p:cNvSpPr txBox="1"/>
           <p:nvPr>
             <p:ph type="title" hasCustomPrompt="1"/>
           </p:nvPr>
@@ -3635,6 +3694,7 @@
           <a:bodyPr/>
           <a:lstStyle/>
           <a:p>
+            <a:pPr/>
             <a:r>
               <a:t>Slide Title</a:t>
             </a:r>
@@ -3644,9 +3704,7 @@
       <p:sp>
         <p:nvSpPr>
           <p:cNvPr id="61" name="Image"/>
-          <p:cNvSpPr>
-            <a:spLocks noGrp="1"/>
-          </p:cNvSpPr>
+          <p:cNvSpPr/>
           <p:nvPr>
             <p:ph type="pic" idx="21"/>
           </p:nvPr>
@@ -3666,16 +3724,14 @@
           </a:bodyPr>
           <a:lstStyle/>
           <a:p>
-            <a:endParaRPr/>
+            <a:pPr/>
           </a:p>
         </p:txBody>
       </p:sp>
       <p:sp>
         <p:nvSpPr>
           <p:cNvPr id="62" name="Slide Subtitle"/>
-          <p:cNvSpPr txBox="1">
-            <a:spLocks noGrp="1"/>
-          </p:cNvSpPr>
+          <p:cNvSpPr txBox="1"/>
           <p:nvPr>
             <p:ph type="body" sz="quarter" idx="22" hasCustomPrompt="1"/>
           </p:nvPr>
@@ -3702,14 +3758,15 @@
               <a:buSzTx/>
               <a:buNone/>
               <a:defRPr spc="-44">
-                <a:latin typeface="Graphik-SemiboldItalic"/>
-                <a:ea typeface="Graphik-SemiboldItalic"/>
-                <a:cs typeface="Graphik-SemiboldItalic"/>
+                <a:latin typeface="Graphik Semibold"/>
+                <a:ea typeface="Graphik Semibold"/>
+                <a:cs typeface="Graphik Semibold"/>
                 <a:sym typeface="Graphik Semibold"/>
               </a:defRPr>
             </a:lvl1pPr>
           </a:lstStyle>
           <a:p>
+            <a:pPr/>
             <a:r>
               <a:t>Slide Subtitle</a:t>
             </a:r>
@@ -3719,9 +3776,7 @@
       <p:sp>
         <p:nvSpPr>
           <p:cNvPr id="63" name="Body Level One…"/>
-          <p:cNvSpPr txBox="1">
-            <a:spLocks noGrp="1"/>
-          </p:cNvSpPr>
+          <p:cNvSpPr txBox="1"/>
           <p:nvPr>
             <p:ph type="body" sz="half" idx="1" hasCustomPrompt="1"/>
           </p:nvPr>
@@ -3739,34 +3794,41 @@
           <a:bodyPr/>
           <a:lstStyle/>
           <a:p>
+            <a:pPr/>
             <a:r>
               <a:t>Slide bullet text</a:t>
             </a:r>
           </a:p>
           <a:p>
             <a:pPr lvl="1"/>
-            <a:endParaRPr/>
+            <a:r>
+              <a:t/>
+            </a:r>
           </a:p>
           <a:p>
             <a:pPr lvl="2"/>
-            <a:endParaRPr/>
+            <a:r>
+              <a:t/>
+            </a:r>
           </a:p>
           <a:p>
             <a:pPr lvl="3"/>
-            <a:endParaRPr/>
+            <a:r>
+              <a:t/>
+            </a:r>
           </a:p>
           <a:p>
             <a:pPr lvl="4"/>
-            <a:endParaRPr/>
+            <a:r>
+              <a:t/>
+            </a:r>
           </a:p>
         </p:txBody>
       </p:sp>
       <p:sp>
         <p:nvSpPr>
           <p:cNvPr id="64" name="Slide Number"/>
-          <p:cNvSpPr txBox="1">
-            <a:spLocks noGrp="1"/>
-          </p:cNvSpPr>
+          <p:cNvSpPr txBox="1"/>
           <p:nvPr>
             <p:ph type="sldNum" sz="quarter" idx="2"/>
           </p:nvPr>
@@ -3784,10 +3846,8 @@
           <a:bodyPr/>
           <a:lstStyle/>
           <a:p>
-            <a:fld id="{86CB4B4D-7CA3-9044-876B-883B54F8677D}" type="slidenum">
-              <a:t>‹#›</a:t>
-            </a:fld>
-            <a:endParaRPr/>
+            <a:pPr/>
+            <a:fld id="{86CB4B4D-7CA3-9044-876B-883B54F8677D}" type="slidenum"/>
           </a:p>
         </p:txBody>
       </p:sp>
@@ -3796,12 +3856,12 @@
   <p:clrMapOvr>
     <a:masterClrMapping/>
   </p:clrMapOvr>
-  <p:transition spd="med"/>
+  <p:transition xmlns:p14="http://schemas.microsoft.com/office/powerpoint/2010/main" spd="med" advClick="1"/>
 </p:sldLayout>
 </file>
 
 <file path=ppt/slideLayouts/slideLayout7.xml><?xml version="1.0" encoding="utf-8"?>
-<p:sldLayout xmlns:a="http://schemas.openxmlformats.org/drawingml/2006/main" xmlns:r="http://schemas.openxmlformats.org/officeDocument/2006/relationships" xmlns:p="http://schemas.openxmlformats.org/presentationml/2006/main" type="tx">
+<p:sldLayout xmlns:a="http://schemas.openxmlformats.org/drawingml/2006/main" xmlns:r="http://schemas.openxmlformats.org/officeDocument/2006/relationships" xmlns:p="http://schemas.openxmlformats.org/presentationml/2006/main" xmlns:m="http://schemas.openxmlformats.org/officeDocument/2006/math" xmlns:a14="http://schemas.microsoft.com/office/drawing/2010/main" type="tx" showMasterSp="1" showMasterPhAnim="1">
   <p:cSld name="Section">
     <p:spTree>
       <p:nvGrpSpPr>
@@ -3820,9 +3880,7 @@
       <p:sp>
         <p:nvSpPr>
           <p:cNvPr id="71" name="Section Title"/>
-          <p:cNvSpPr txBox="1">
-            <a:spLocks noGrp="1"/>
-          </p:cNvSpPr>
+          <p:cNvSpPr txBox="1"/>
           <p:nvPr>
             <p:ph type="title" hasCustomPrompt="1"/>
           </p:nvPr>
@@ -3840,10 +3898,11 @@
           <a:bodyPr anchor="ctr"/>
           <a:lstStyle>
             <a:lvl1pPr>
-              <a:defRPr sz="12800" spc="0"/>
+              <a:defRPr spc="0" sz="12800"/>
             </a:lvl1pPr>
           </a:lstStyle>
           <a:p>
+            <a:pPr/>
             <a:r>
               <a:t>Section Title</a:t>
             </a:r>
@@ -3853,9 +3912,7 @@
       <p:sp>
         <p:nvSpPr>
           <p:cNvPr id="72" name="Slide Number"/>
-          <p:cNvSpPr txBox="1">
-            <a:spLocks noGrp="1"/>
-          </p:cNvSpPr>
+          <p:cNvSpPr txBox="1"/>
           <p:nvPr>
             <p:ph type="sldNum" sz="quarter" idx="2"/>
           </p:nvPr>
@@ -3873,10 +3930,8 @@
           <a:bodyPr/>
           <a:lstStyle/>
           <a:p>
-            <a:fld id="{86CB4B4D-7CA3-9044-876B-883B54F8677D}" type="slidenum">
-              <a:t>‹#›</a:t>
-            </a:fld>
-            <a:endParaRPr/>
+            <a:pPr/>
+            <a:fld id="{86CB4B4D-7CA3-9044-876B-883B54F8677D}" type="slidenum"/>
           </a:p>
         </p:txBody>
       </p:sp>
@@ -3885,12 +3940,12 @@
   <p:clrMapOvr>
     <a:masterClrMapping/>
   </p:clrMapOvr>
-  <p:transition spd="med"/>
+  <p:transition xmlns:p14="http://schemas.microsoft.com/office/powerpoint/2010/main" spd="med" advClick="1"/>
 </p:sldLayout>
 </file>
 
 <file path=ppt/slideLayouts/slideLayout8.xml><?xml version="1.0" encoding="utf-8"?>
-<p:sldLayout xmlns:a="http://schemas.openxmlformats.org/drawingml/2006/main" xmlns:r="http://schemas.openxmlformats.org/officeDocument/2006/relationships" xmlns:p="http://schemas.openxmlformats.org/presentationml/2006/main" type="tx">
+<p:sldLayout xmlns:a="http://schemas.openxmlformats.org/drawingml/2006/main" xmlns:r="http://schemas.openxmlformats.org/officeDocument/2006/relationships" xmlns:p="http://schemas.openxmlformats.org/presentationml/2006/main" xmlns:m="http://schemas.openxmlformats.org/officeDocument/2006/math" xmlns:a14="http://schemas.microsoft.com/office/drawing/2010/main" type="tx" showMasterSp="1" showMasterPhAnim="1">
   <p:cSld name="Title Only">
     <p:spTree>
       <p:nvGrpSpPr>
@@ -3909,9 +3964,7 @@
       <p:sp>
         <p:nvSpPr>
           <p:cNvPr id="79" name="Slide Title"/>
-          <p:cNvSpPr txBox="1">
-            <a:spLocks noGrp="1"/>
-          </p:cNvSpPr>
+          <p:cNvSpPr txBox="1"/>
           <p:nvPr>
             <p:ph type="title" hasCustomPrompt="1"/>
           </p:nvPr>
@@ -3925,6 +3978,7 @@
           <a:bodyPr/>
           <a:lstStyle/>
           <a:p>
+            <a:pPr/>
             <a:r>
               <a:t>Slide Title</a:t>
             </a:r>
@@ -3934,9 +3988,7 @@
       <p:sp>
         <p:nvSpPr>
           <p:cNvPr id="80" name="Slide Subtitle"/>
-          <p:cNvSpPr txBox="1">
-            <a:spLocks noGrp="1"/>
-          </p:cNvSpPr>
+          <p:cNvSpPr txBox="1"/>
           <p:nvPr>
             <p:ph type="body" sz="quarter" idx="21" hasCustomPrompt="1"/>
           </p:nvPr>
@@ -3963,14 +4015,15 @@
               <a:buSzTx/>
               <a:buNone/>
               <a:defRPr spc="-44">
-                <a:latin typeface="Graphik-SemiboldItalic"/>
-                <a:ea typeface="Graphik-SemiboldItalic"/>
-                <a:cs typeface="Graphik-SemiboldItalic"/>
+                <a:latin typeface="Graphik Semibold"/>
+                <a:ea typeface="Graphik Semibold"/>
+                <a:cs typeface="Graphik Semibold"/>
                 <a:sym typeface="Graphik Semibold"/>
               </a:defRPr>
             </a:lvl1pPr>
           </a:lstStyle>
           <a:p>
+            <a:pPr/>
             <a:r>
               <a:t>Slide Subtitle</a:t>
             </a:r>
@@ -3980,9 +4033,7 @@
       <p:sp>
         <p:nvSpPr>
           <p:cNvPr id="81" name="Slide Number"/>
-          <p:cNvSpPr txBox="1">
-            <a:spLocks noGrp="1"/>
-          </p:cNvSpPr>
+          <p:cNvSpPr txBox="1"/>
           <p:nvPr>
             <p:ph type="sldNum" sz="quarter" idx="2"/>
           </p:nvPr>
@@ -4000,10 +4051,8 @@
           <a:bodyPr/>
           <a:lstStyle/>
           <a:p>
-            <a:fld id="{86CB4B4D-7CA3-9044-876B-883B54F8677D}" type="slidenum">
-              <a:t>‹#›</a:t>
-            </a:fld>
-            <a:endParaRPr/>
+            <a:pPr/>
+            <a:fld id="{86CB4B4D-7CA3-9044-876B-883B54F8677D}" type="slidenum"/>
           </a:p>
         </p:txBody>
       </p:sp>
@@ -4012,12 +4061,12 @@
   <p:clrMapOvr>
     <a:masterClrMapping/>
   </p:clrMapOvr>
-  <p:transition spd="med"/>
+  <p:transition xmlns:p14="http://schemas.microsoft.com/office/powerpoint/2010/main" spd="med" advClick="1"/>
 </p:sldLayout>
 </file>
 
 <file path=ppt/slideLayouts/slideLayout9.xml><?xml version="1.0" encoding="utf-8"?>
-<p:sldLayout xmlns:a="http://schemas.openxmlformats.org/drawingml/2006/main" xmlns:r="http://schemas.openxmlformats.org/officeDocument/2006/relationships" xmlns:p="http://schemas.openxmlformats.org/presentationml/2006/main" type="tx">
+<p:sldLayout xmlns:a="http://schemas.openxmlformats.org/drawingml/2006/main" xmlns:r="http://schemas.openxmlformats.org/officeDocument/2006/relationships" xmlns:p="http://schemas.openxmlformats.org/presentationml/2006/main" xmlns:m="http://schemas.openxmlformats.org/officeDocument/2006/math" xmlns:a14="http://schemas.microsoft.com/office/drawing/2010/main" type="tx" showMasterSp="1" showMasterPhAnim="1">
   <p:cSld name="Agenda">
     <p:spTree>
       <p:nvGrpSpPr>
@@ -4036,9 +4085,7 @@
       <p:sp>
         <p:nvSpPr>
           <p:cNvPr id="88" name="Agenda Title"/>
-          <p:cNvSpPr txBox="1">
-            <a:spLocks noGrp="1"/>
-          </p:cNvSpPr>
+          <p:cNvSpPr txBox="1"/>
           <p:nvPr>
             <p:ph type="title" hasCustomPrompt="1"/>
           </p:nvPr>
@@ -4052,6 +4099,7 @@
           <a:bodyPr/>
           <a:lstStyle/>
           <a:p>
+            <a:pPr/>
             <a:r>
               <a:t>Agenda Title</a:t>
             </a:r>
@@ -4061,9 +4109,7 @@
       <p:sp>
         <p:nvSpPr>
           <p:cNvPr id="89" name="Body Level One…"/>
-          <p:cNvSpPr txBox="1">
-            <a:spLocks noGrp="1"/>
-          </p:cNvSpPr>
+          <p:cNvSpPr txBox="1"/>
           <p:nvPr>
             <p:ph type="body" idx="1" hasCustomPrompt="1"/>
           </p:nvPr>
@@ -4086,7 +4132,7 @@
               </a:lnSpc>
               <a:buSzTx/>
               <a:buNone/>
-              <a:defRPr sz="6800" spc="-136">
+              <a:defRPr spc="-136" sz="6800">
                 <a:latin typeface="Canela Deck Regular"/>
                 <a:ea typeface="Canela Deck Regular"/>
                 <a:cs typeface="Canela Deck Regular"/>
@@ -4099,7 +4145,7 @@
               </a:lnSpc>
               <a:buSzTx/>
               <a:buNone/>
-              <a:defRPr sz="6800" spc="-136">
+              <a:defRPr spc="-136" sz="6800">
                 <a:latin typeface="Canela Deck Regular"/>
                 <a:ea typeface="Canela Deck Regular"/>
                 <a:cs typeface="Canela Deck Regular"/>
@@ -4112,7 +4158,7 @@
               </a:lnSpc>
               <a:buSzTx/>
               <a:buNone/>
-              <a:defRPr sz="6800" spc="-136">
+              <a:defRPr spc="-136" sz="6800">
                 <a:latin typeface="Canela Deck Regular"/>
                 <a:ea typeface="Canela Deck Regular"/>
                 <a:cs typeface="Canela Deck Regular"/>
@@ -4125,7 +4171,7 @@
               </a:lnSpc>
               <a:buSzTx/>
               <a:buNone/>
-              <a:defRPr sz="6800" spc="-136">
+              <a:defRPr spc="-136" sz="6800">
                 <a:latin typeface="Canela Deck Regular"/>
                 <a:ea typeface="Canela Deck Regular"/>
                 <a:cs typeface="Canela Deck Regular"/>
@@ -4138,7 +4184,7 @@
               </a:lnSpc>
               <a:buSzTx/>
               <a:buNone/>
-              <a:defRPr sz="6800" spc="-136">
+              <a:defRPr spc="-136" sz="6800">
                 <a:latin typeface="Canela Deck Regular"/>
                 <a:ea typeface="Canela Deck Regular"/>
                 <a:cs typeface="Canela Deck Regular"/>
@@ -4147,34 +4193,41 @@
             </a:lvl5pPr>
           </a:lstStyle>
           <a:p>
+            <a:pPr/>
             <a:r>
               <a:t>Agenda Topics</a:t>
             </a:r>
           </a:p>
           <a:p>
             <a:pPr lvl="1"/>
-            <a:endParaRPr/>
+            <a:r>
+              <a:t/>
+            </a:r>
           </a:p>
           <a:p>
             <a:pPr lvl="2"/>
-            <a:endParaRPr/>
+            <a:r>
+              <a:t/>
+            </a:r>
           </a:p>
           <a:p>
             <a:pPr lvl="3"/>
-            <a:endParaRPr/>
+            <a:r>
+              <a:t/>
+            </a:r>
           </a:p>
           <a:p>
             <a:pPr lvl="4"/>
-            <a:endParaRPr/>
+            <a:r>
+              <a:t/>
+            </a:r>
           </a:p>
         </p:txBody>
       </p:sp>
       <p:sp>
         <p:nvSpPr>
           <p:cNvPr id="90" name="Agenda Subtitle"/>
-          <p:cNvSpPr txBox="1">
-            <a:spLocks noGrp="1"/>
-          </p:cNvSpPr>
+          <p:cNvSpPr txBox="1"/>
           <p:nvPr>
             <p:ph type="body" sz="quarter" idx="21" hasCustomPrompt="1"/>
           </p:nvPr>
@@ -4201,14 +4254,15 @@
               <a:buSzTx/>
               <a:buNone/>
               <a:defRPr spc="-44">
-                <a:latin typeface="Graphik-SemiboldItalic"/>
-                <a:ea typeface="Graphik-SemiboldItalic"/>
-                <a:cs typeface="Graphik-SemiboldItalic"/>
+                <a:latin typeface="Graphik Semibold"/>
+                <a:ea typeface="Graphik Semibold"/>
+                <a:cs typeface="Graphik Semibold"/>
                 <a:sym typeface="Graphik Semibold"/>
               </a:defRPr>
             </a:lvl1pPr>
           </a:lstStyle>
           <a:p>
+            <a:pPr/>
             <a:r>
               <a:t>Agenda Subtitle</a:t>
             </a:r>
@@ -4218,9 +4272,7 @@
       <p:sp>
         <p:nvSpPr>
           <p:cNvPr id="91" name="Slide Number"/>
-          <p:cNvSpPr txBox="1">
-            <a:spLocks noGrp="1"/>
-          </p:cNvSpPr>
+          <p:cNvSpPr txBox="1"/>
           <p:nvPr>
             <p:ph type="sldNum" sz="quarter" idx="2"/>
           </p:nvPr>
@@ -4238,10 +4290,8 @@
           <a:bodyPr/>
           <a:lstStyle/>
           <a:p>
-            <a:fld id="{86CB4B4D-7CA3-9044-876B-883B54F8677D}" type="slidenum">
-              <a:t>‹#›</a:t>
-            </a:fld>
-            <a:endParaRPr/>
+            <a:pPr/>
+            <a:fld id="{86CB4B4D-7CA3-9044-876B-883B54F8677D}" type="slidenum"/>
           </a:p>
         </p:txBody>
       </p:sp>
@@ -4250,19 +4300,18 @@
   <p:clrMapOvr>
     <a:masterClrMapping/>
   </p:clrMapOvr>
-  <p:transition spd="med"/>
+  <p:transition xmlns:p14="http://schemas.microsoft.com/office/powerpoint/2010/main" spd="med" advClick="1"/>
 </p:sldLayout>
 </file>
 
 <file path=ppt/slideMasters/slideMaster1.xml><?xml version="1.0" encoding="utf-8"?>
-<p:sldMaster xmlns:a="http://schemas.openxmlformats.org/drawingml/2006/main" xmlns:r="http://schemas.openxmlformats.org/officeDocument/2006/relationships" xmlns:p="http://schemas.openxmlformats.org/presentationml/2006/main">
+<p:sldMaster xmlns:a="http://schemas.openxmlformats.org/drawingml/2006/main" xmlns:r="http://schemas.openxmlformats.org/officeDocument/2006/relationships" xmlns:p="http://schemas.openxmlformats.org/presentationml/2006/main" xmlns:m="http://schemas.openxmlformats.org/officeDocument/2006/math" xmlns:a14="http://schemas.microsoft.com/office/drawing/2010/main">
   <p:cSld>
     <p:bg>
       <p:bgPr>
         <a:solidFill>
           <a:srgbClr val="FFFFFF"/>
         </a:solidFill>
-        <a:effectLst/>
       </p:bgPr>
     </p:bg>
     <p:spTree>
@@ -4282,9 +4331,7 @@
       <p:sp>
         <p:nvSpPr>
           <p:cNvPr id="2" name="Slide Title"/>
-          <p:cNvSpPr txBox="1">
-            <a:spLocks noGrp="1"/>
-          </p:cNvSpPr>
+          <p:cNvSpPr txBox="1"/>
           <p:nvPr>
             <p:ph type="title" hasCustomPrompt="1"/>
           </p:nvPr>
@@ -4302,16 +4349,17 @@
           </a:ln>
           <a:extLst>
             <a:ext uri="{C572A759-6A51-4108-AA02-DFA0A04FC94B}">
-              <ma14:wrappingTextBoxFlag xmlns:ma14="http://schemas.microsoft.com/office/mac/drawingml/2011/main" xmlns:a14="http://schemas.microsoft.com/office/drawing/2010/main" xmlns:m="http://schemas.openxmlformats.org/officeDocument/2006/math" xmlns="" val="1"/>
+              <ma14:wrappingTextBoxFlag xmlns:ma14="http://schemas.microsoft.com/office/mac/drawingml/2011/main" val="1"/>
             </a:ext>
           </a:extLst>
         </p:spPr>
         <p:txBody>
           <a:bodyPr lIns="50800" tIns="50800" rIns="50800" bIns="50800">
-            <a:normAutofit/>
+            <a:normAutofit fontScale="100000" lnSpcReduction="0"/>
           </a:bodyPr>
           <a:lstStyle/>
           <a:p>
+            <a:pPr/>
             <a:r>
               <a:t>Slide Title</a:t>
             </a:r>
@@ -4321,9 +4369,7 @@
       <p:sp>
         <p:nvSpPr>
           <p:cNvPr id="3" name="Body Level One…"/>
-          <p:cNvSpPr txBox="1">
-            <a:spLocks noGrp="1"/>
-          </p:cNvSpPr>
+          <p:cNvSpPr txBox="1"/>
           <p:nvPr>
             <p:ph type="body" idx="1" hasCustomPrompt="1"/>
           </p:nvPr>
@@ -4341,44 +4387,51 @@
           </a:ln>
           <a:extLst>
             <a:ext uri="{C572A759-6A51-4108-AA02-DFA0A04FC94B}">
-              <ma14:wrappingTextBoxFlag xmlns:ma14="http://schemas.microsoft.com/office/mac/drawingml/2011/main" xmlns:a14="http://schemas.microsoft.com/office/drawing/2010/main" xmlns:m="http://schemas.openxmlformats.org/officeDocument/2006/math" xmlns="" val="1"/>
+              <ma14:wrappingTextBoxFlag xmlns:ma14="http://schemas.microsoft.com/office/mac/drawingml/2011/main" val="1"/>
             </a:ext>
           </a:extLst>
         </p:spPr>
         <p:txBody>
           <a:bodyPr lIns="50800" tIns="50800" rIns="50800" bIns="50800">
-            <a:normAutofit/>
+            <a:normAutofit fontScale="100000" lnSpcReduction="0"/>
           </a:bodyPr>
           <a:lstStyle/>
           <a:p>
+            <a:pPr/>
             <a:r>
               <a:t>Slide bullet text</a:t>
             </a:r>
           </a:p>
           <a:p>
             <a:pPr lvl="1"/>
-            <a:endParaRPr/>
+            <a:r>
+              <a:t/>
+            </a:r>
           </a:p>
           <a:p>
             <a:pPr lvl="2"/>
-            <a:endParaRPr/>
+            <a:r>
+              <a:t/>
+            </a:r>
           </a:p>
           <a:p>
             <a:pPr lvl="3"/>
-            <a:endParaRPr/>
+            <a:r>
+              <a:t/>
+            </a:r>
           </a:p>
           <a:p>
             <a:pPr lvl="4"/>
-            <a:endParaRPr/>
+            <a:r>
+              <a:t/>
+            </a:r>
           </a:p>
         </p:txBody>
       </p:sp>
       <p:sp>
         <p:nvSpPr>
           <p:cNvPr id="4" name="Slide Number"/>
-          <p:cNvSpPr txBox="1">
-            <a:spLocks noGrp="1"/>
-          </p:cNvSpPr>
+          <p:cNvSpPr txBox="1"/>
           <p:nvPr>
             <p:ph type="sldNum" sz="quarter" idx="2"/>
           </p:nvPr>
@@ -4416,10 +4469,8 @@
             </a:lvl1pPr>
           </a:lstStyle>
           <a:p>
-            <a:fld id="{86CB4B4D-7CA3-9044-876B-883B54F8677D}" type="slidenum">
-              <a:t>‹#›</a:t>
-            </a:fld>
-            <a:endParaRPr/>
+            <a:pPr/>
+            <a:fld id="{86CB4B4D-7CA3-9044-876B-883B54F8677D}" type="slidenum"/>
           </a:p>
         </p:txBody>
       </p:sp>
@@ -4427,23 +4478,23 @@
   </p:cSld>
   <p:clrMap bg1="lt1" tx1="dk1" bg2="lt2" tx2="dk2" accent1="accent1" accent2="accent2" accent3="accent3" accent4="accent4" accent5="accent5" accent6="accent6" hlink="hlink" folHlink="folHlink"/>
   <p:sldLayoutIdLst>
-    <p:sldLayoutId id="2147483649" r:id="rId1"/>
-    <p:sldLayoutId id="2147483650" r:id="rId2"/>
-    <p:sldLayoutId id="2147483651" r:id="rId3"/>
-    <p:sldLayoutId id="2147483652" r:id="rId4"/>
-    <p:sldLayoutId id="2147483653" r:id="rId5"/>
-    <p:sldLayoutId id="2147483654" r:id="rId6"/>
-    <p:sldLayoutId id="2147483655" r:id="rId7"/>
-    <p:sldLayoutId id="2147483656" r:id="rId8"/>
-    <p:sldLayoutId id="2147483657" r:id="rId9"/>
-    <p:sldLayoutId id="2147483658" r:id="rId10"/>
-    <p:sldLayoutId id="2147483659" r:id="rId11"/>
-    <p:sldLayoutId id="2147483660" r:id="rId12"/>
-    <p:sldLayoutId id="2147483661" r:id="rId13"/>
-    <p:sldLayoutId id="2147483662" r:id="rId14"/>
-    <p:sldLayoutId id="2147483663" r:id="rId15"/>
+    <p:sldLayoutId id="2147483649" r:id="rId2"/>
+    <p:sldLayoutId id="2147483650" r:id="rId3"/>
+    <p:sldLayoutId id="2147483651" r:id="rId4"/>
+    <p:sldLayoutId id="2147483652" r:id="rId5"/>
+    <p:sldLayoutId id="2147483653" r:id="rId6"/>
+    <p:sldLayoutId id="2147483654" r:id="rId7"/>
+    <p:sldLayoutId id="2147483655" r:id="rId8"/>
+    <p:sldLayoutId id="2147483656" r:id="rId9"/>
+    <p:sldLayoutId id="2147483657" r:id="rId10"/>
+    <p:sldLayoutId id="2147483658" r:id="rId11"/>
+    <p:sldLayoutId id="2147483659" r:id="rId12"/>
+    <p:sldLayoutId id="2147483660" r:id="rId13"/>
+    <p:sldLayoutId id="2147483661" r:id="rId14"/>
+    <p:sldLayoutId id="2147483662" r:id="rId15"/>
+    <p:sldLayoutId id="2147483663" r:id="rId16"/>
   </p:sldLayoutIdLst>
-  <p:transition spd="med"/>
+  <p:transition xmlns:p14="http://schemas.microsoft.com/office/powerpoint/2010/main" spd="med" advClick="1"/>
   <p:txStyles>
     <p:titleStyle>
       <a:lvl1pPr marL="0" marR="0" indent="0" algn="ctr" defTabSz="2438400" rtl="0" latinLnBrk="0">
@@ -4461,7 +4512,7 @@
         <a:buFontTx/>
         <a:buNone/>
         <a:tabLst/>
-        <a:defRPr sz="8400" b="0" i="0" u="none" strike="noStrike" cap="none" spc="-84" baseline="0">
+        <a:defRPr b="0" baseline="0" cap="none" i="0" spc="-84" strike="noStrike" sz="8400" u="none">
           <a:solidFill>
             <a:srgbClr val="000000"/>
           </a:solidFill>
@@ -4487,7 +4538,7 @@
         <a:buFontTx/>
         <a:buNone/>
         <a:tabLst/>
-        <a:defRPr sz="8400" b="0" i="0" u="none" strike="noStrike" cap="none" spc="-84" baseline="0">
+        <a:defRPr b="0" baseline="0" cap="none" i="0" spc="-84" strike="noStrike" sz="8400" u="none">
           <a:solidFill>
             <a:srgbClr val="000000"/>
           </a:solidFill>
@@ -4513,7 +4564,7 @@
         <a:buFontTx/>
         <a:buNone/>
         <a:tabLst/>
-        <a:defRPr sz="8400" b="0" i="0" u="none" strike="noStrike" cap="none" spc="-84" baseline="0">
+        <a:defRPr b="0" baseline="0" cap="none" i="0" spc="-84" strike="noStrike" sz="8400" u="none">
           <a:solidFill>
             <a:srgbClr val="000000"/>
           </a:solidFill>
@@ -4539,7 +4590,7 @@
         <a:buFontTx/>
         <a:buNone/>
         <a:tabLst/>
-        <a:defRPr sz="8400" b="0" i="0" u="none" strike="noStrike" cap="none" spc="-84" baseline="0">
+        <a:defRPr b="0" baseline="0" cap="none" i="0" spc="-84" strike="noStrike" sz="8400" u="none">
           <a:solidFill>
             <a:srgbClr val="000000"/>
           </a:solidFill>
@@ -4565,7 +4616,7 @@
         <a:buFontTx/>
         <a:buNone/>
         <a:tabLst/>
-        <a:defRPr sz="8400" b="0" i="0" u="none" strike="noStrike" cap="none" spc="-84" baseline="0">
+        <a:defRPr b="0" baseline="0" cap="none" i="0" spc="-84" strike="noStrike" sz="8400" u="none">
           <a:solidFill>
             <a:srgbClr val="000000"/>
           </a:solidFill>
@@ -4591,7 +4642,7 @@
         <a:buFontTx/>
         <a:buNone/>
         <a:tabLst/>
-        <a:defRPr sz="8400" b="0" i="0" u="none" strike="noStrike" cap="none" spc="-84" baseline="0">
+        <a:defRPr b="0" baseline="0" cap="none" i="0" spc="-84" strike="noStrike" sz="8400" u="none">
           <a:solidFill>
             <a:srgbClr val="000000"/>
           </a:solidFill>
@@ -4617,7 +4668,7 @@
         <a:buFontTx/>
         <a:buNone/>
         <a:tabLst/>
-        <a:defRPr sz="8400" b="0" i="0" u="none" strike="noStrike" cap="none" spc="-84" baseline="0">
+        <a:defRPr b="0" baseline="0" cap="none" i="0" spc="-84" strike="noStrike" sz="8400" u="none">
           <a:solidFill>
             <a:srgbClr val="000000"/>
           </a:solidFill>
@@ -4643,7 +4694,7 @@
         <a:buFontTx/>
         <a:buNone/>
         <a:tabLst/>
-        <a:defRPr sz="8400" b="0" i="0" u="none" strike="noStrike" cap="none" spc="-84" baseline="0">
+        <a:defRPr b="0" baseline="0" cap="none" i="0" spc="-84" strike="noStrike" sz="8400" u="none">
           <a:solidFill>
             <a:srgbClr val="000000"/>
           </a:solidFill>
@@ -4669,7 +4720,7 @@
         <a:buFontTx/>
         <a:buNone/>
         <a:tabLst/>
-        <a:defRPr sz="8400" b="0" i="0" u="none" strike="noStrike" cap="none" spc="-84" baseline="0">
+        <a:defRPr b="0" baseline="0" cap="none" i="0" spc="-84" strike="noStrike" sz="8400" u="none">
           <a:solidFill>
             <a:srgbClr val="000000"/>
           </a:solidFill>
@@ -4697,7 +4748,7 @@
         <a:buFontTx/>
         <a:buChar char="•"/>
         <a:tabLst/>
-        <a:defRPr sz="4400" b="0" i="0" u="none" strike="noStrike" cap="none" spc="0" baseline="0">
+        <a:defRPr b="0" baseline="0" cap="none" i="0" spc="0" strike="noStrike" sz="4400" u="none">
           <a:solidFill>
             <a:srgbClr val="000000"/>
           </a:solidFill>
@@ -4723,7 +4774,7 @@
         <a:buFontTx/>
         <a:buChar char="•"/>
         <a:tabLst/>
-        <a:defRPr sz="4400" b="0" i="0" u="none" strike="noStrike" cap="none" spc="0" baseline="0">
+        <a:defRPr b="0" baseline="0" cap="none" i="0" spc="0" strike="noStrike" sz="4400" u="none">
           <a:solidFill>
             <a:srgbClr val="000000"/>
           </a:solidFill>
@@ -4749,7 +4800,7 @@
         <a:buFontTx/>
         <a:buChar char="•"/>
         <a:tabLst/>
-        <a:defRPr sz="4400" b="0" i="0" u="none" strike="noStrike" cap="none" spc="0" baseline="0">
+        <a:defRPr b="0" baseline="0" cap="none" i="0" spc="0" strike="noStrike" sz="4400" u="none">
           <a:solidFill>
             <a:srgbClr val="000000"/>
           </a:solidFill>
@@ -4775,7 +4826,7 @@
         <a:buFontTx/>
         <a:buChar char="•"/>
         <a:tabLst/>
-        <a:defRPr sz="4400" b="0" i="0" u="none" strike="noStrike" cap="none" spc="0" baseline="0">
+        <a:defRPr b="0" baseline="0" cap="none" i="0" spc="0" strike="noStrike" sz="4400" u="none">
           <a:solidFill>
             <a:srgbClr val="000000"/>
           </a:solidFill>
@@ -4801,7 +4852,7 @@
         <a:buFontTx/>
         <a:buChar char="•"/>
         <a:tabLst/>
-        <a:defRPr sz="4400" b="0" i="0" u="none" strike="noStrike" cap="none" spc="0" baseline="0">
+        <a:defRPr b="0" baseline="0" cap="none" i="0" spc="0" strike="noStrike" sz="4400" u="none">
           <a:solidFill>
             <a:srgbClr val="000000"/>
           </a:solidFill>
@@ -4827,7 +4878,7 @@
         <a:buFontTx/>
         <a:buChar char="•"/>
         <a:tabLst/>
-        <a:defRPr sz="4400" b="0" i="0" u="none" strike="noStrike" cap="none" spc="0" baseline="0">
+        <a:defRPr b="0" baseline="0" cap="none" i="0" spc="0" strike="noStrike" sz="4400" u="none">
           <a:solidFill>
             <a:srgbClr val="000000"/>
           </a:solidFill>
@@ -4853,7 +4904,7 @@
         <a:buFontTx/>
         <a:buChar char="•"/>
         <a:tabLst/>
-        <a:defRPr sz="4400" b="0" i="0" u="none" strike="noStrike" cap="none" spc="0" baseline="0">
+        <a:defRPr b="0" baseline="0" cap="none" i="0" spc="0" strike="noStrike" sz="4400" u="none">
           <a:solidFill>
             <a:srgbClr val="000000"/>
           </a:solidFill>
@@ -4879,7 +4930,7 @@
         <a:buFontTx/>
         <a:buChar char="•"/>
         <a:tabLst/>
-        <a:defRPr sz="4400" b="0" i="0" u="none" strike="noStrike" cap="none" spc="0" baseline="0">
+        <a:defRPr b="0" baseline="0" cap="none" i="0" spc="0" strike="noStrike" sz="4400" u="none">
           <a:solidFill>
             <a:srgbClr val="000000"/>
           </a:solidFill>
@@ -4905,7 +4956,7 @@
         <a:buFontTx/>
         <a:buChar char="•"/>
         <a:tabLst/>
-        <a:defRPr sz="4400" b="0" i="0" u="none" strike="noStrike" cap="none" spc="0" baseline="0">
+        <a:defRPr b="0" baseline="0" cap="none" i="0" spc="0" strike="noStrike" sz="4400" u="none">
           <a:solidFill>
             <a:srgbClr val="000000"/>
           </a:solidFill>
@@ -4933,7 +4984,7 @@
         <a:buFontTx/>
         <a:buNone/>
         <a:tabLst/>
-        <a:defRPr sz="2000" b="0" i="0" u="none" strike="noStrike" cap="none" spc="0" baseline="0">
+        <a:defRPr b="0" baseline="0" cap="none" i="0" spc="0" strike="noStrike" sz="2000" u="none">
           <a:solidFill>
             <a:schemeClr val="tx1"/>
           </a:solidFill>
@@ -4959,7 +5010,7 @@
         <a:buFontTx/>
         <a:buNone/>
         <a:tabLst/>
-        <a:defRPr sz="2000" b="0" i="0" u="none" strike="noStrike" cap="none" spc="0" baseline="0">
+        <a:defRPr b="0" baseline="0" cap="none" i="0" spc="0" strike="noStrike" sz="2000" u="none">
           <a:solidFill>
             <a:schemeClr val="tx1"/>
           </a:solidFill>
@@ -4985,7 +5036,7 @@
         <a:buFontTx/>
         <a:buNone/>
         <a:tabLst/>
-        <a:defRPr sz="2000" b="0" i="0" u="none" strike="noStrike" cap="none" spc="0" baseline="0">
+        <a:defRPr b="0" baseline="0" cap="none" i="0" spc="0" strike="noStrike" sz="2000" u="none">
           <a:solidFill>
             <a:schemeClr val="tx1"/>
           </a:solidFill>
@@ -5011,7 +5062,7 @@
         <a:buFontTx/>
         <a:buNone/>
         <a:tabLst/>
-        <a:defRPr sz="2000" b="0" i="0" u="none" strike="noStrike" cap="none" spc="0" baseline="0">
+        <a:defRPr b="0" baseline="0" cap="none" i="0" spc="0" strike="noStrike" sz="2000" u="none">
           <a:solidFill>
             <a:schemeClr val="tx1"/>
           </a:solidFill>
@@ -5037,7 +5088,7 @@
         <a:buFontTx/>
         <a:buNone/>
         <a:tabLst/>
-        <a:defRPr sz="2000" b="0" i="0" u="none" strike="noStrike" cap="none" spc="0" baseline="0">
+        <a:defRPr b="0" baseline="0" cap="none" i="0" spc="0" strike="noStrike" sz="2000" u="none">
           <a:solidFill>
             <a:schemeClr val="tx1"/>
           </a:solidFill>
@@ -5063,7 +5114,7 @@
         <a:buFontTx/>
         <a:buNone/>
         <a:tabLst/>
-        <a:defRPr sz="2000" b="0" i="0" u="none" strike="noStrike" cap="none" spc="0" baseline="0">
+        <a:defRPr b="0" baseline="0" cap="none" i="0" spc="0" strike="noStrike" sz="2000" u="none">
           <a:solidFill>
             <a:schemeClr val="tx1"/>
           </a:solidFill>
@@ -5089,7 +5140,7 @@
         <a:buFontTx/>
         <a:buNone/>
         <a:tabLst/>
-        <a:defRPr sz="2000" b="0" i="0" u="none" strike="noStrike" cap="none" spc="0" baseline="0">
+        <a:defRPr b="0" baseline="0" cap="none" i="0" spc="0" strike="noStrike" sz="2000" u="none">
           <a:solidFill>
             <a:schemeClr val="tx1"/>
           </a:solidFill>
@@ -5115,7 +5166,7 @@
         <a:buFontTx/>
         <a:buNone/>
         <a:tabLst/>
-        <a:defRPr sz="2000" b="0" i="0" u="none" strike="noStrike" cap="none" spc="0" baseline="0">
+        <a:defRPr b="0" baseline="0" cap="none" i="0" spc="0" strike="noStrike" sz="2000" u="none">
           <a:solidFill>
             <a:schemeClr val="tx1"/>
           </a:solidFill>
@@ -5141,7 +5192,7 @@
         <a:buFontTx/>
         <a:buNone/>
         <a:tabLst/>
-        <a:defRPr sz="2000" b="0" i="0" u="none" strike="noStrike" cap="none" spc="0" baseline="0">
+        <a:defRPr b="0" baseline="0" cap="none" i="0" spc="0" strike="noStrike" sz="2000" u="none">
           <a:solidFill>
             <a:schemeClr val="tx1"/>
           </a:solidFill>
@@ -5158,7 +5209,7 @@
 </file>
 
 <file path=ppt/slides/slide1.xml><?xml version="1.0" encoding="utf-8"?>
-<p:sld xmlns:a="http://schemas.openxmlformats.org/drawingml/2006/main" xmlns:r="http://schemas.openxmlformats.org/officeDocument/2006/relationships" xmlns:p="http://schemas.openxmlformats.org/presentationml/2006/main">
+<p:sld xmlns:a="http://schemas.openxmlformats.org/drawingml/2006/main" xmlns:r="http://schemas.openxmlformats.org/officeDocument/2006/relationships" xmlns:p="http://schemas.openxmlformats.org/presentationml/2006/main" xmlns:m="http://schemas.openxmlformats.org/officeDocument/2006/math" xmlns:a14="http://schemas.microsoft.com/office/drawing/2010/main" showMasterSp="1" showMasterPhAnim="1">
   <p:cSld>
     <p:spTree>
       <p:nvGrpSpPr>
@@ -5177,9 +5228,7 @@
       <p:sp>
         <p:nvSpPr>
           <p:cNvPr id="151" name="AMC vs Cinemark"/>
-          <p:cNvSpPr txBox="1">
-            <a:spLocks noGrp="1"/>
-          </p:cNvSpPr>
+          <p:cNvSpPr txBox="1"/>
           <p:nvPr>
             <p:ph type="ctrTitle"/>
           </p:nvPr>
@@ -5193,6 +5242,7 @@
           <a:bodyPr/>
           <a:lstStyle/>
           <a:p>
+            <a:pPr/>
             <a:r>
               <a:t>AMC vs Cinemark</a:t>
             </a:r>
@@ -5202,9 +5252,7 @@
       <p:sp>
         <p:nvSpPr>
           <p:cNvPr id="152" name="By Jake Guerrero"/>
-          <p:cNvSpPr txBox="1">
-            <a:spLocks noGrp="1"/>
-          </p:cNvSpPr>
+          <p:cNvSpPr txBox="1"/>
           <p:nvPr>
             <p:ph type="subTitle" sz="quarter" idx="1"/>
           </p:nvPr>
@@ -5218,6 +5266,7 @@
           <a:bodyPr/>
           <a:lstStyle/>
           <a:p>
+            <a:pPr/>
             <a:r>
               <a:t>By Jake Guerrero</a:t>
             </a:r>
@@ -5229,12 +5278,12 @@
   <p:clrMapOvr>
     <a:masterClrMapping/>
   </p:clrMapOvr>
-  <p:transition spd="med"/>
+  <p:transition xmlns:p14="http://schemas.microsoft.com/office/powerpoint/2010/main" spd="med" advClick="1"/>
 </p:sld>
 </file>
 
 <file path=ppt/slides/slide2.xml><?xml version="1.0" encoding="utf-8"?>
-<p:sld xmlns:a="http://schemas.openxmlformats.org/drawingml/2006/main" xmlns:r="http://schemas.openxmlformats.org/officeDocument/2006/relationships" xmlns:p="http://schemas.openxmlformats.org/presentationml/2006/main">
+<p:sld xmlns:a="http://schemas.openxmlformats.org/drawingml/2006/main" xmlns:r="http://schemas.openxmlformats.org/officeDocument/2006/relationships" xmlns:p="http://schemas.openxmlformats.org/presentationml/2006/main" xmlns:m="http://schemas.openxmlformats.org/officeDocument/2006/math" xmlns:a14="http://schemas.microsoft.com/office/drawing/2010/main" showMasterSp="1" showMasterPhAnim="1">
   <p:cSld>
     <p:spTree>
       <p:nvGrpSpPr>
@@ -5253,9 +5302,7 @@
       <p:sp>
         <p:nvSpPr>
           <p:cNvPr id="154" name="Admissions"/>
-          <p:cNvSpPr txBox="1">
-            <a:spLocks noGrp="1"/>
-          </p:cNvSpPr>
+          <p:cNvSpPr txBox="1"/>
           <p:nvPr>
             <p:ph type="title"/>
           </p:nvPr>
@@ -5269,6 +5316,7 @@
           <a:bodyPr/>
           <a:lstStyle/>
           <a:p>
+            <a:pPr/>
             <a:r>
               <a:t>Admissions</a:t>
             </a:r>
@@ -5277,18 +5325,16 @@
       </p:sp>
       <p:sp>
         <p:nvSpPr>
-          <p:cNvPr id="155" name="Admissions for Amc for the physical year of 2021 were set in 1394.2 million us dollars while, in 2022, 2201.4 million. Cinemark had 780 million in the end of the 2021 physical year, ending with 1246.9 million the next year."/>
-          <p:cNvSpPr txBox="1">
-            <a:spLocks noGrp="1"/>
-          </p:cNvSpPr>
+          <p:cNvPr id="155" name="Admissions for AMC for the physical year of 2021 brought in 1394.2 million USD while, in 2022, brought in 2201.4 million USD. Cinemark brought in 780 million in the end of the 2021 physical year, brought in 1246.9 million USD the next year."/>
+          <p:cNvSpPr txBox="1"/>
           <p:nvPr>
             <p:ph type="body" sz="half" idx="1"/>
           </p:nvPr>
         </p:nvSpPr>
         <p:spPr>
           <a:xfrm>
-            <a:off x="13992447" y="4013200"/>
-            <a:ext cx="9175331" cy="8483600"/>
+            <a:off x="14090285" y="4013200"/>
+            <a:ext cx="9077493" cy="8483600"/>
           </a:xfrm>
           <a:prstGeom prst="rect">
             <a:avLst/>
@@ -5314,49 +5360,9 @@
             </a:lvl1pPr>
           </a:lstStyle>
           <a:p>
-            <a:r>
-              <a:rPr dirty="0"/>
-              <a:t>Admissions for </a:t>
-            </a:r>
-            <a:r>
-              <a:rPr lang="en-US" dirty="0"/>
-              <a:t>AMC</a:t>
-            </a:r>
-            <a:r>
-              <a:rPr dirty="0"/>
-              <a:t> for the physical year of 2021 were set in 1394.2 million </a:t>
-            </a:r>
-            <a:r>
-              <a:rPr lang="en-US" dirty="0"/>
-              <a:t>USD</a:t>
-            </a:r>
-            <a:r>
-              <a:rPr dirty="0"/>
-              <a:t> while, in 2022, 2201.4 million</a:t>
-            </a:r>
-            <a:r>
-              <a:rPr lang="en-US" dirty="0"/>
-              <a:t> USD</a:t>
-            </a:r>
-            <a:r>
-              <a:rPr dirty="0"/>
-              <a:t>. Cinemark had 780 million</a:t>
-            </a:r>
-            <a:r>
-              <a:rPr lang="en-US" dirty="0"/>
-              <a:t> USD</a:t>
-            </a:r>
-            <a:r>
-              <a:rPr dirty="0"/>
-              <a:t> in the end of the 2021 physical year, ending with 1246.9 million </a:t>
-            </a:r>
-            <a:r>
-              <a:rPr lang="en-US" dirty="0"/>
-              <a:t>USD </a:t>
-            </a:r>
-            <a:r>
-              <a:rPr dirty="0"/>
-              <a:t>the next year.</a:t>
+            <a:pPr/>
+            <a:r>
+              <a:t>Admissions for AMC for the physical year of 2021 brought in 1394.2 million USD while, in 2022, brought in 2201.4 million USD. Cinemark brought in 780 million in the end of the 2021 physical year, brought in 1246.9 million USD the next year.</a:t>
             </a:r>
           </a:p>
         </p:txBody>
@@ -5371,9 +5377,9 @@
           <a:off x="490594" y="3887608"/>
           <a:ext cx="12120602" cy="8550867"/>
         </p:xfrm>
-        <a:graphic>
+        <a:graphic xmlns:a="http://schemas.openxmlformats.org/drawingml/2006/main">
           <a:graphicData uri="http://schemas.openxmlformats.org/drawingml/2006/chart">
-            <c:chart xmlns:c="http://schemas.openxmlformats.org/drawingml/2006/chart" xmlns:r="http://schemas.openxmlformats.org/officeDocument/2006/relationships" r:id="rId2"/>
+            <c:chart xmlns:c="http://schemas.openxmlformats.org/drawingml/2006/chart" r:id="rId2"/>
           </a:graphicData>
         </a:graphic>
       </p:graphicFrame>
@@ -5382,12 +5388,12 @@
   <p:clrMapOvr>
     <a:masterClrMapping/>
   </p:clrMapOvr>
-  <p:transition spd="med"/>
+  <p:transition xmlns:p14="http://schemas.microsoft.com/office/powerpoint/2010/main" spd="med" advClick="1"/>
 </p:sld>
 </file>
 
 <file path=ppt/slides/slide3.xml><?xml version="1.0" encoding="utf-8"?>
-<p:sld xmlns:a="http://schemas.openxmlformats.org/drawingml/2006/main" xmlns:r="http://schemas.openxmlformats.org/officeDocument/2006/relationships" xmlns:p="http://schemas.openxmlformats.org/presentationml/2006/main">
+<p:sld xmlns:a="http://schemas.openxmlformats.org/drawingml/2006/main" xmlns:r="http://schemas.openxmlformats.org/officeDocument/2006/relationships" xmlns:p="http://schemas.openxmlformats.org/presentationml/2006/main" xmlns:m="http://schemas.openxmlformats.org/officeDocument/2006/math" xmlns:a14="http://schemas.microsoft.com/office/drawing/2010/main" showMasterSp="1" showMasterPhAnim="1">
   <p:cSld>
     <p:spTree>
       <p:nvGrpSpPr>
@@ -5406,9 +5412,7 @@
       <p:sp>
         <p:nvSpPr>
           <p:cNvPr id="158" name="Concessions"/>
-          <p:cNvSpPr txBox="1">
-            <a:spLocks noGrp="1"/>
-          </p:cNvSpPr>
+          <p:cNvSpPr txBox="1"/>
           <p:nvPr>
             <p:ph type="title"/>
           </p:nvPr>
@@ -5422,6 +5426,7 @@
           <a:bodyPr/>
           <a:lstStyle/>
           <a:p>
+            <a:pPr/>
             <a:r>
               <a:t>Concessions</a:t>
             </a:r>
@@ -5430,18 +5435,16 @@
       </p:sp>
       <p:sp>
         <p:nvSpPr>
-          <p:cNvPr id="159" name="When we looked into the concession stands of both theaters, we saw that AMC had 857.3 million in 2021, while in 2022, it increased to 1,313 million. In Cinemark theaters, they brought up 561.7 million in 2021 while the next year was 938.3 million."/>
-          <p:cNvSpPr txBox="1">
-            <a:spLocks noGrp="1"/>
-          </p:cNvSpPr>
+          <p:cNvPr id="159" name="When we looked into the concession stands of both theaters, we saw that AMC had 857.3 million USD in 2021, while in 2022, it increased to 1,313 million USD. In Cinemark theaters, they brought in 561.7 million USD in 2021 while the next year was 938.3 mil"/>
+          <p:cNvSpPr txBox="1"/>
           <p:nvPr>
             <p:ph type="body" sz="half" idx="1"/>
           </p:nvPr>
         </p:nvSpPr>
         <p:spPr>
           <a:xfrm>
-            <a:off x="12192000" y="4013200"/>
-            <a:ext cx="10975777" cy="8483600"/>
+            <a:off x="13139639" y="4013200"/>
+            <a:ext cx="10028138" cy="8483600"/>
           </a:xfrm>
           <a:prstGeom prst="rect">
             <a:avLst/>
@@ -5467,49 +5470,9 @@
             </a:lvl1pPr>
           </a:lstStyle>
           <a:p>
-            <a:r>
-              <a:rPr dirty="0"/>
-              <a:t>When we looked into the concession stands of both theaters, we saw that AMC had 857.3 million</a:t>
-            </a:r>
-            <a:r>
-              <a:rPr lang="en-US" dirty="0"/>
-              <a:t> USD</a:t>
-            </a:r>
-            <a:r>
-              <a:rPr dirty="0"/>
-              <a:t> in 2021, while in 2022, it increased to 1,313 million</a:t>
-            </a:r>
-            <a:r>
-              <a:rPr lang="en-US" dirty="0"/>
-              <a:t> USD</a:t>
-            </a:r>
-            <a:r>
-              <a:rPr dirty="0"/>
-              <a:t>. In Cinemark theaters, they brought </a:t>
-            </a:r>
-            <a:r>
-              <a:rPr lang="en-US" dirty="0"/>
-              <a:t>in</a:t>
-            </a:r>
-            <a:r>
-              <a:rPr dirty="0"/>
-              <a:t> 561.7 million</a:t>
-            </a:r>
-            <a:r>
-              <a:rPr lang="en-US" dirty="0"/>
-              <a:t> USD</a:t>
-            </a:r>
-            <a:r>
-              <a:rPr dirty="0"/>
-              <a:t> in 2021 while the next year was 938.3 million</a:t>
-            </a:r>
-            <a:r>
-              <a:rPr lang="en-US" dirty="0"/>
-              <a:t> USD</a:t>
-            </a:r>
-            <a:r>
-              <a:rPr dirty="0"/>
-              <a:t>.</a:t>
+            <a:pPr/>
+            <a:r>
+              <a:t>When we looked into the concession stands of both theaters, we saw that AMC had 857.3 million USD in 2021, while in 2022, it increased to 1,313 million USD. In Cinemark theaters, they brought in 561.7 million USD in 2021 while the next year was 938.3 million USD.</a:t>
             </a:r>
           </a:p>
         </p:txBody>
@@ -5518,21 +5481,15 @@
         <p:nvGraphicFramePr>
           <p:cNvPr id="160" name="2D Column Chart"/>
           <p:cNvGraphicFramePr/>
-          <p:nvPr>
-            <p:extLst>
-              <p:ext uri="{D42A27DB-BD31-4B8C-83A1-F6EECF244321}">
-                <p14:modId xmlns:p14="http://schemas.microsoft.com/office/powerpoint/2010/main" val="308989521"/>
-              </p:ext>
-            </p:extLst>
-          </p:nvPr>
+          <p:nvPr/>
         </p:nvGraphicFramePr>
         <p:xfrm>
-          <a:off x="835228" y="4589178"/>
+          <a:off x="2600233" y="4601740"/>
           <a:ext cx="9157297" cy="8352122"/>
         </p:xfrm>
-        <a:graphic>
+        <a:graphic xmlns:a="http://schemas.openxmlformats.org/drawingml/2006/main">
           <a:graphicData uri="http://schemas.openxmlformats.org/drawingml/2006/chart">
-            <c:chart xmlns:c="http://schemas.openxmlformats.org/drawingml/2006/chart" xmlns:r="http://schemas.openxmlformats.org/officeDocument/2006/relationships" r:id="rId2"/>
+            <c:chart xmlns:c="http://schemas.openxmlformats.org/drawingml/2006/chart" r:id="rId2"/>
           </a:graphicData>
         </a:graphic>
       </p:graphicFrame>
@@ -5541,12 +5498,12 @@
   <p:clrMapOvr>
     <a:masterClrMapping/>
   </p:clrMapOvr>
-  <p:transition spd="med"/>
+  <p:transition xmlns:p14="http://schemas.microsoft.com/office/powerpoint/2010/main" spd="med" advClick="1"/>
 </p:sld>
 </file>
 
 <file path=ppt/slides/slide4.xml><?xml version="1.0" encoding="utf-8"?>
-<p:sld xmlns:a="http://schemas.openxmlformats.org/drawingml/2006/main" xmlns:r="http://schemas.openxmlformats.org/officeDocument/2006/relationships" xmlns:p="http://schemas.openxmlformats.org/presentationml/2006/main">
+<p:sld xmlns:a="http://schemas.openxmlformats.org/drawingml/2006/main" xmlns:r="http://schemas.openxmlformats.org/officeDocument/2006/relationships" xmlns:p="http://schemas.openxmlformats.org/presentationml/2006/main" xmlns:m="http://schemas.openxmlformats.org/officeDocument/2006/math" xmlns:a14="http://schemas.microsoft.com/office/drawing/2010/main" showMasterSp="1" showMasterPhAnim="1">
   <p:cSld>
     <p:spTree>
       <p:nvGrpSpPr>
@@ -5565,9 +5522,7 @@
       <p:sp>
         <p:nvSpPr>
           <p:cNvPr id="162" name="Other"/>
-          <p:cNvSpPr txBox="1">
-            <a:spLocks noGrp="1"/>
-          </p:cNvSpPr>
+          <p:cNvSpPr txBox="1"/>
           <p:nvPr>
             <p:ph type="title"/>
           </p:nvPr>
@@ -5581,6 +5536,7 @@
           <a:bodyPr/>
           <a:lstStyle/>
           <a:p>
+            <a:pPr/>
             <a:r>
               <a:t>Other</a:t>
             </a:r>
@@ -5589,17 +5545,15 @@
       </p:sp>
       <p:sp>
         <p:nvSpPr>
-          <p:cNvPr id="163" name="This chart is more of the other things both companies use for their revenue. AMC brought 276.4 million US dollars in 2021 and brought 396.3 million US dollars the following year. Cinemark brought 73.6 million US dollars in 2021 while the company had 69.4"/>
-          <p:cNvSpPr txBox="1">
-            <a:spLocks noGrp="1"/>
-          </p:cNvSpPr>
+          <p:cNvPr id="163" name="This chart summarizes other revenue for both companies. AMC brought 276.4 million USD in 2021 and brought in 396.3 million USD the following year. Cinemark brought in 73.6 million USD in 2021 while the company had 69.4 million USD the following year."/>
+          <p:cNvSpPr txBox="1"/>
           <p:nvPr>
             <p:ph type="body" sz="half" idx="1"/>
           </p:nvPr>
         </p:nvSpPr>
         <p:spPr>
           <a:xfrm>
-            <a:off x="12822356" y="4013200"/>
+            <a:off x="12822356" y="4000500"/>
             <a:ext cx="10345421" cy="8483600"/>
           </a:xfrm>
           <a:prstGeom prst="rect">
@@ -5626,97 +5580,9 @@
             </a:lvl1pPr>
           </a:lstStyle>
           <a:p>
-            <a:r>
-              <a:rPr dirty="0"/>
-              <a:t>This chart </a:t>
-            </a:r>
-            <a:r>
-              <a:rPr lang="en-US" dirty="0"/>
-              <a:t>summarizes </a:t>
-            </a:r>
-            <a:r>
-              <a:rPr dirty="0"/>
-              <a:t>other </a:t>
-            </a:r>
-            <a:r>
-              <a:rPr lang="en-US" dirty="0"/>
-              <a:t>revenue for both</a:t>
-            </a:r>
-            <a:r>
-              <a:rPr dirty="0"/>
-              <a:t> companies. AMC brought</a:t>
-            </a:r>
-            <a:r>
-              <a:rPr lang="en-US" dirty="0"/>
-              <a:t> in</a:t>
-            </a:r>
-            <a:r>
-              <a:rPr dirty="0"/>
-              <a:t> 276.4 million US</a:t>
-            </a:r>
-            <a:r>
-              <a:rPr lang="en-US" dirty="0"/>
-              <a:t>D</a:t>
-            </a:r>
-            <a:r>
-              <a:rPr dirty="0"/>
-              <a:t> in 2021 and brought</a:t>
-            </a:r>
-            <a:r>
-              <a:rPr lang="en-US" dirty="0"/>
-              <a:t> in</a:t>
-            </a:r>
-            <a:r>
-              <a:rPr dirty="0"/>
-              <a:t> 396.3 million US</a:t>
-            </a:r>
-            <a:r>
-              <a:rPr lang="en-US" dirty="0"/>
-              <a:t>D </a:t>
-            </a:r>
-            <a:r>
-              <a:rPr dirty="0"/>
-              <a:t>the following year. Cinemark brought </a:t>
-            </a:r>
-            <a:r>
-              <a:rPr lang="en-US" dirty="0"/>
-              <a:t>in </a:t>
-            </a:r>
-            <a:r>
-              <a:rPr dirty="0"/>
-              <a:t>73.6 million US</a:t>
-            </a:r>
-            <a:r>
-              <a:rPr lang="en-US" dirty="0"/>
-              <a:t>D </a:t>
-            </a:r>
-            <a:r>
-              <a:rPr dirty="0"/>
-              <a:t>in 2021 </a:t>
-            </a:r>
-            <a:r>
-              <a:rPr lang="en-US" dirty="0"/>
-              <a:t>and</a:t>
-            </a:r>
-            <a:r>
-              <a:rPr dirty="0"/>
-              <a:t> </a:t>
-            </a:r>
-            <a:r>
-              <a:rPr lang="en-US" dirty="0"/>
-              <a:t>brought in</a:t>
-            </a:r>
-            <a:r>
-              <a:rPr dirty="0"/>
-              <a:t> 69.4 million US</a:t>
-            </a:r>
-            <a:r>
-              <a:rPr lang="en-US" dirty="0"/>
-              <a:t>D</a:t>
-            </a:r>
-            <a:r>
-              <a:rPr dirty="0"/>
-              <a:t> the following year.</a:t>
+            <a:pPr/>
+            <a:r>
+              <a:t>This chart summarizes other revenue for both companies. AMC brought 276.4 million USD in 2021 and brought in 396.3 million USD the following year. Cinemark brought in 73.6 million USD in 2021 while the company had 69.4 million USD the following year.</a:t>
             </a:r>
           </a:p>
         </p:txBody>
@@ -5731,23 +5597,167 @@
           <a:off x="-80822" y="3648519"/>
           <a:ext cx="11896497" cy="8977685"/>
         </p:xfrm>
-        <a:graphic>
+        <a:graphic xmlns:a="http://schemas.openxmlformats.org/drawingml/2006/main">
           <a:graphicData uri="http://schemas.openxmlformats.org/drawingml/2006/chart">
-            <c:chart xmlns:c="http://schemas.openxmlformats.org/drawingml/2006/chart" xmlns:r="http://schemas.openxmlformats.org/officeDocument/2006/relationships" r:id="rId2"/>
+            <c:chart xmlns:c="http://schemas.openxmlformats.org/drawingml/2006/chart" r:id="rId2"/>
           </a:graphicData>
         </a:graphic>
       </p:graphicFrame>
+      <p:sp>
+        <p:nvSpPr>
+          <p:cNvPr id="165" name="2021"/>
+          <p:cNvSpPr txBox="1"/>
+          <p:nvPr/>
+        </p:nvSpPr>
+        <p:spPr>
+          <a:xfrm>
+            <a:off x="2025466" y="4395773"/>
+            <a:ext cx="673914" cy="555753"/>
+          </a:xfrm>
+          <a:prstGeom prst="rect">
+            <a:avLst/>
+          </a:prstGeom>
+          <a:ln w="12700">
+            <a:miter lim="400000"/>
+          </a:ln>
+          <a:extLst>
+            <a:ext uri="{C572A759-6A51-4108-AA02-DFA0A04FC94B}">
+              <ma14:wrappingTextBoxFlag xmlns:ma14="http://schemas.microsoft.com/office/mac/drawingml/2011/main" val="1"/>
+            </a:ext>
+          </a:extLst>
+        </p:spPr>
+        <p:txBody>
+          <a:bodyPr wrap="none" lIns="50800" tIns="50800" rIns="50800" bIns="50800" anchor="ctr">
+            <a:spAutoFit/>
+          </a:bodyPr>
+          <a:lstStyle/>
+          <a:p>
+            <a:pPr/>
+            <a:r>
+              <a:t>2021</a:t>
+            </a:r>
+          </a:p>
+        </p:txBody>
+      </p:sp>
+      <p:sp>
+        <p:nvSpPr>
+          <p:cNvPr id="166" name="2021"/>
+          <p:cNvSpPr txBox="1"/>
+          <p:nvPr/>
+        </p:nvSpPr>
+        <p:spPr>
+          <a:xfrm>
+            <a:off x="4835418" y="4395773"/>
+            <a:ext cx="673914" cy="555753"/>
+          </a:xfrm>
+          <a:prstGeom prst="rect">
+            <a:avLst/>
+          </a:prstGeom>
+          <a:ln w="12700">
+            <a:miter lim="400000"/>
+          </a:ln>
+          <a:extLst>
+            <a:ext uri="{C572A759-6A51-4108-AA02-DFA0A04FC94B}">
+              <ma14:wrappingTextBoxFlag xmlns:ma14="http://schemas.microsoft.com/office/mac/drawingml/2011/main" val="1"/>
+            </a:ext>
+          </a:extLst>
+        </p:spPr>
+        <p:txBody>
+          <a:bodyPr wrap="none" lIns="50800" tIns="50800" rIns="50800" bIns="50800" anchor="ctr">
+            <a:spAutoFit/>
+          </a:bodyPr>
+          <a:lstStyle/>
+          <a:p>
+            <a:pPr/>
+            <a:r>
+              <a:t>2021</a:t>
+            </a:r>
+          </a:p>
+        </p:txBody>
+      </p:sp>
+      <p:sp>
+        <p:nvSpPr>
+          <p:cNvPr id="167" name="2022"/>
+          <p:cNvSpPr txBox="1"/>
+          <p:nvPr/>
+        </p:nvSpPr>
+        <p:spPr>
+          <a:xfrm>
+            <a:off x="3235867" y="4395773"/>
+            <a:ext cx="722377" cy="555753"/>
+          </a:xfrm>
+          <a:prstGeom prst="rect">
+            <a:avLst/>
+          </a:prstGeom>
+          <a:ln w="12700">
+            <a:miter lim="400000"/>
+          </a:ln>
+          <a:extLst>
+            <a:ext uri="{C572A759-6A51-4108-AA02-DFA0A04FC94B}">
+              <ma14:wrappingTextBoxFlag xmlns:ma14="http://schemas.microsoft.com/office/mac/drawingml/2011/main" val="1"/>
+            </a:ext>
+          </a:extLst>
+        </p:spPr>
+        <p:txBody>
+          <a:bodyPr wrap="none" lIns="50800" tIns="50800" rIns="50800" bIns="50800" anchor="ctr">
+            <a:spAutoFit/>
+          </a:bodyPr>
+          <a:lstStyle/>
+          <a:p>
+            <a:pPr/>
+            <a:r>
+              <a:t>2022</a:t>
+            </a:r>
+          </a:p>
+        </p:txBody>
+      </p:sp>
+      <p:sp>
+        <p:nvSpPr>
+          <p:cNvPr id="168" name="2022"/>
+          <p:cNvSpPr txBox="1"/>
+          <p:nvPr/>
+        </p:nvSpPr>
+        <p:spPr>
+          <a:xfrm>
+            <a:off x="5922099" y="4395773"/>
+            <a:ext cx="722377" cy="555753"/>
+          </a:xfrm>
+          <a:prstGeom prst="rect">
+            <a:avLst/>
+          </a:prstGeom>
+          <a:ln w="12700">
+            <a:miter lim="400000"/>
+          </a:ln>
+          <a:extLst>
+            <a:ext uri="{C572A759-6A51-4108-AA02-DFA0A04FC94B}">
+              <ma14:wrappingTextBoxFlag xmlns:ma14="http://schemas.microsoft.com/office/mac/drawingml/2011/main" val="1"/>
+            </a:ext>
+          </a:extLst>
+        </p:spPr>
+        <p:txBody>
+          <a:bodyPr wrap="none" lIns="50800" tIns="50800" rIns="50800" bIns="50800" anchor="ctr">
+            <a:spAutoFit/>
+          </a:bodyPr>
+          <a:lstStyle/>
+          <a:p>
+            <a:pPr/>
+            <a:r>
+              <a:t>2022</a:t>
+            </a:r>
+          </a:p>
+        </p:txBody>
+      </p:sp>
     </p:spTree>
   </p:cSld>
   <p:clrMapOvr>
     <a:masterClrMapping/>
   </p:clrMapOvr>
-  <p:transition spd="med"/>
+  <p:transition xmlns:p14="http://schemas.microsoft.com/office/powerpoint/2010/main" spd="med" advClick="1"/>
 </p:sld>
 </file>
 
 <file path=ppt/theme/theme1.xml><?xml version="1.0" encoding="utf-8"?>
-<a:theme xmlns:a="http://schemas.openxmlformats.org/drawingml/2006/main" name="23_ClassicWhite">
+<a:theme xmlns:a="http://schemas.openxmlformats.org/drawingml/2006/main" xmlns:r="http://schemas.openxmlformats.org/officeDocument/2006/relationships" name="23_ClassicWhite">
   <a:themeElements>
     <a:clrScheme name="23_ClassicWhite">
       <a:dk1>
@@ -5946,7 +5956,7 @@
         <a:effectLst/>
         <a:sp3d/>
       </a:spPr>
-      <a:bodyPr rot="0" spcFirstLastPara="1" vertOverflow="overflow" horzOverflow="overflow" vert="horz" wrap="square" lIns="50800" tIns="50800" rIns="50800" bIns="50800" numCol="1" spcCol="38100" rtlCol="0" anchor="ctr">
+      <a:bodyPr rot="0" spcFirstLastPara="1" vertOverflow="overflow" horzOverflow="overflow" vert="horz" wrap="square" lIns="50800" tIns="50800" rIns="50800" bIns="50800" numCol="1" spcCol="38100" rtlCol="0" anchor="ctr" upright="0">
         <a:spAutoFit/>
       </a:bodyPr>
       <a:lstStyle>
@@ -5965,7 +5975,7 @@
           <a:buFontTx/>
           <a:buNone/>
           <a:tabLst/>
-          <a:defRPr kumimoji="0" sz="3200" b="0" i="0" u="none" strike="noStrike" cap="none" spc="0" normalizeH="0" baseline="0">
+          <a:defRPr b="0" baseline="0" cap="none" i="0" spc="0" strike="noStrike" sz="3200" u="none" kumimoji="0" normalizeH="0">
             <a:ln>
               <a:noFill/>
             </a:ln>
@@ -5995,7 +6005,7 @@
           <a:buFontTx/>
           <a:buNone/>
           <a:tabLst/>
-          <a:defRPr kumimoji="0" sz="1800" b="0" i="0" u="none" strike="noStrike" cap="none" spc="0" normalizeH="0" baseline="0">
+          <a:defRPr b="0" baseline="0" cap="none" i="0" spc="0" strike="noStrike" sz="1800" u="none" kumimoji="0" normalizeH="0">
             <a:ln>
               <a:noFill/>
             </a:ln>
@@ -6021,7 +6031,7 @@
           <a:buFontTx/>
           <a:buNone/>
           <a:tabLst/>
-          <a:defRPr kumimoji="0" sz="1800" b="0" i="0" u="none" strike="noStrike" cap="none" spc="0" normalizeH="0" baseline="0">
+          <a:defRPr b="0" baseline="0" cap="none" i="0" spc="0" strike="noStrike" sz="1800" u="none" kumimoji="0" normalizeH="0">
             <a:ln>
               <a:noFill/>
             </a:ln>
@@ -6047,7 +6057,7 @@
           <a:buFontTx/>
           <a:buNone/>
           <a:tabLst/>
-          <a:defRPr kumimoji="0" sz="1800" b="0" i="0" u="none" strike="noStrike" cap="none" spc="0" normalizeH="0" baseline="0">
+          <a:defRPr b="0" baseline="0" cap="none" i="0" spc="0" strike="noStrike" sz="1800" u="none" kumimoji="0" normalizeH="0">
             <a:ln>
               <a:noFill/>
             </a:ln>
@@ -6073,7 +6083,7 @@
           <a:buFontTx/>
           <a:buNone/>
           <a:tabLst/>
-          <a:defRPr kumimoji="0" sz="1800" b="0" i="0" u="none" strike="noStrike" cap="none" spc="0" normalizeH="0" baseline="0">
+          <a:defRPr b="0" baseline="0" cap="none" i="0" spc="0" strike="noStrike" sz="1800" u="none" kumimoji="0" normalizeH="0">
             <a:ln>
               <a:noFill/>
             </a:ln>
@@ -6099,7 +6109,7 @@
           <a:buFontTx/>
           <a:buNone/>
           <a:tabLst/>
-          <a:defRPr kumimoji="0" sz="1800" b="0" i="0" u="none" strike="noStrike" cap="none" spc="0" normalizeH="0" baseline="0">
+          <a:defRPr b="0" baseline="0" cap="none" i="0" spc="0" strike="noStrike" sz="1800" u="none" kumimoji="0" normalizeH="0">
             <a:ln>
               <a:noFill/>
             </a:ln>
@@ -6125,7 +6135,7 @@
           <a:buFontTx/>
           <a:buNone/>
           <a:tabLst/>
-          <a:defRPr kumimoji="0" sz="1800" b="0" i="0" u="none" strike="noStrike" cap="none" spc="0" normalizeH="0" baseline="0">
+          <a:defRPr b="0" baseline="0" cap="none" i="0" spc="0" strike="noStrike" sz="1800" u="none" kumimoji="0" normalizeH="0">
             <a:ln>
               <a:noFill/>
             </a:ln>
@@ -6151,7 +6161,7 @@
           <a:buFontTx/>
           <a:buNone/>
           <a:tabLst/>
-          <a:defRPr kumimoji="0" sz="1800" b="0" i="0" u="none" strike="noStrike" cap="none" spc="0" normalizeH="0" baseline="0">
+          <a:defRPr b="0" baseline="0" cap="none" i="0" spc="0" strike="noStrike" sz="1800" u="none" kumimoji="0" normalizeH="0">
             <a:ln>
               <a:noFill/>
             </a:ln>
@@ -6177,7 +6187,7 @@
           <a:buFontTx/>
           <a:buNone/>
           <a:tabLst/>
-          <a:defRPr kumimoji="0" sz="1800" b="0" i="0" u="none" strike="noStrike" cap="none" spc="0" normalizeH="0" baseline="0">
+          <a:defRPr b="0" baseline="0" cap="none" i="0" spc="0" strike="noStrike" sz="1800" u="none" kumimoji="0" normalizeH="0">
             <a:ln>
               <a:noFill/>
             </a:ln>
@@ -6203,7 +6213,7 @@
           <a:buFontTx/>
           <a:buNone/>
           <a:tabLst/>
-          <a:defRPr kumimoji="0" sz="1800" b="0" i="0" u="none" strike="noStrike" cap="none" spc="0" normalizeH="0" baseline="0">
+          <a:defRPr b="0" baseline="0" cap="none" i="0" spc="0" strike="noStrike" sz="1800" u="none" kumimoji="0" normalizeH="0">
             <a:ln>
               <a:noFill/>
             </a:ln>
@@ -6216,15 +6226,9 @@
         </a:lvl9pPr>
       </a:lstStyle>
       <a:style>
-        <a:lnRef idx="0">
-          <a:scrgbClr r="0" g="0" b="0"/>
-        </a:lnRef>
-        <a:fillRef idx="0">
-          <a:scrgbClr r="0" g="0" b="0"/>
-        </a:fillRef>
-        <a:effectRef idx="0">
-          <a:scrgbClr r="0" g="0" b="0"/>
-        </a:effectRef>
+        <a:lnRef idx="0"/>
+        <a:fillRef idx="0"/>
+        <a:effectRef idx="0"/>
         <a:fontRef idx="none"/>
       </a:style>
     </a:spDef>
@@ -6241,7 +6245,7 @@
         <a:effectLst/>
         <a:sp3d/>
       </a:spPr>
-      <a:bodyPr rot="0" spcFirstLastPara="1" vertOverflow="overflow" horzOverflow="overflow" vert="horz" wrap="square" lIns="91439" tIns="45719" rIns="91439" bIns="45719" numCol="1" spcCol="38100" rtlCol="0" anchor="t">
+      <a:bodyPr rot="0" spcFirstLastPara="1" vertOverflow="overflow" horzOverflow="overflow" vert="horz" wrap="square" lIns="91439" tIns="45719" rIns="91439" bIns="45719" numCol="1" spcCol="38100" rtlCol="0" anchor="t" upright="0">
         <a:noAutofit/>
       </a:bodyPr>
       <a:lstStyle>
@@ -6260,7 +6264,7 @@
           <a:buFontTx/>
           <a:buNone/>
           <a:tabLst/>
-          <a:defRPr kumimoji="0" sz="1800" b="0" i="0" u="none" strike="noStrike" cap="none" spc="0" normalizeH="0" baseline="0">
+          <a:defRPr b="0" baseline="0" cap="none" i="0" spc="0" strike="noStrike" sz="1800" u="none" kumimoji="0" normalizeH="0">
             <a:ln>
               <a:noFill/>
             </a:ln>
@@ -6286,7 +6290,7 @@
           <a:buFontTx/>
           <a:buNone/>
           <a:tabLst/>
-          <a:defRPr kumimoji="0" sz="1800" b="0" i="0" u="none" strike="noStrike" cap="none" spc="0" normalizeH="0" baseline="0">
+          <a:defRPr b="0" baseline="0" cap="none" i="0" spc="0" strike="noStrike" sz="1800" u="none" kumimoji="0" normalizeH="0">
             <a:ln>
               <a:noFill/>
             </a:ln>
@@ -6312,7 +6316,7 @@
           <a:buFontTx/>
           <a:buNone/>
           <a:tabLst/>
-          <a:defRPr kumimoji="0" sz="1800" b="0" i="0" u="none" strike="noStrike" cap="none" spc="0" normalizeH="0" baseline="0">
+          <a:defRPr b="0" baseline="0" cap="none" i="0" spc="0" strike="noStrike" sz="1800" u="none" kumimoji="0" normalizeH="0">
             <a:ln>
               <a:noFill/>
             </a:ln>
@@ -6338,7 +6342,7 @@
           <a:buFontTx/>
           <a:buNone/>
           <a:tabLst/>
-          <a:defRPr kumimoji="0" sz="1800" b="0" i="0" u="none" strike="noStrike" cap="none" spc="0" normalizeH="0" baseline="0">
+          <a:defRPr b="0" baseline="0" cap="none" i="0" spc="0" strike="noStrike" sz="1800" u="none" kumimoji="0" normalizeH="0">
             <a:ln>
               <a:noFill/>
             </a:ln>
@@ -6364,7 +6368,7 @@
           <a:buFontTx/>
           <a:buNone/>
           <a:tabLst/>
-          <a:defRPr kumimoji="0" sz="1800" b="0" i="0" u="none" strike="noStrike" cap="none" spc="0" normalizeH="0" baseline="0">
+          <a:defRPr b="0" baseline="0" cap="none" i="0" spc="0" strike="noStrike" sz="1800" u="none" kumimoji="0" normalizeH="0">
             <a:ln>
               <a:noFill/>
             </a:ln>
@@ -6390,7 +6394,7 @@
           <a:buFontTx/>
           <a:buNone/>
           <a:tabLst/>
-          <a:defRPr kumimoji="0" sz="1800" b="0" i="0" u="none" strike="noStrike" cap="none" spc="0" normalizeH="0" baseline="0">
+          <a:defRPr b="0" baseline="0" cap="none" i="0" spc="0" strike="noStrike" sz="1800" u="none" kumimoji="0" normalizeH="0">
             <a:ln>
               <a:noFill/>
             </a:ln>
@@ -6416,7 +6420,7 @@
           <a:buFontTx/>
           <a:buNone/>
           <a:tabLst/>
-          <a:defRPr kumimoji="0" sz="1800" b="0" i="0" u="none" strike="noStrike" cap="none" spc="0" normalizeH="0" baseline="0">
+          <a:defRPr b="0" baseline="0" cap="none" i="0" spc="0" strike="noStrike" sz="1800" u="none" kumimoji="0" normalizeH="0">
             <a:ln>
               <a:noFill/>
             </a:ln>
@@ -6442,7 +6446,7 @@
           <a:buFontTx/>
           <a:buNone/>
           <a:tabLst/>
-          <a:defRPr kumimoji="0" sz="1800" b="0" i="0" u="none" strike="noStrike" cap="none" spc="0" normalizeH="0" baseline="0">
+          <a:defRPr b="0" baseline="0" cap="none" i="0" spc="0" strike="noStrike" sz="1800" u="none" kumimoji="0" normalizeH="0">
             <a:ln>
               <a:noFill/>
             </a:ln>
@@ -6468,7 +6472,7 @@
           <a:buFontTx/>
           <a:buNone/>
           <a:tabLst/>
-          <a:defRPr kumimoji="0" sz="1800" b="0" i="0" u="none" strike="noStrike" cap="none" spc="0" normalizeH="0" baseline="0">
+          <a:defRPr b="0" baseline="0" cap="none" i="0" spc="0" strike="noStrike" sz="1800" u="none" kumimoji="0" normalizeH="0">
             <a:ln>
               <a:noFill/>
             </a:ln>
@@ -6494,7 +6498,7 @@
           <a:buFontTx/>
           <a:buNone/>
           <a:tabLst/>
-          <a:defRPr kumimoji="0" sz="1800" b="0" i="0" u="none" strike="noStrike" cap="none" spc="0" normalizeH="0" baseline="0">
+          <a:defRPr b="0" baseline="0" cap="none" i="0" spc="0" strike="noStrike" sz="1800" u="none" kumimoji="0" normalizeH="0">
             <a:ln>
               <a:noFill/>
             </a:ln>
@@ -6507,15 +6511,9 @@
         </a:lvl9pPr>
       </a:lstStyle>
       <a:style>
-        <a:lnRef idx="0">
-          <a:scrgbClr r="0" g="0" b="0"/>
-        </a:lnRef>
-        <a:fillRef idx="0">
-          <a:scrgbClr r="0" g="0" b="0"/>
-        </a:fillRef>
-        <a:effectRef idx="0">
-          <a:scrgbClr r="0" g="0" b="0"/>
-        </a:effectRef>
+        <a:lnRef idx="0"/>
+        <a:fillRef idx="0"/>
+        <a:effectRef idx="0"/>
         <a:fontRef idx="none"/>
       </a:style>
     </a:lnDef>
@@ -6529,7 +6527,7 @@
         <a:effectLst/>
         <a:sp3d/>
       </a:spPr>
-      <a:bodyPr rot="0" spcFirstLastPara="1" vertOverflow="overflow" horzOverflow="overflow" vert="horz" wrap="square" lIns="50800" tIns="50800" rIns="50800" bIns="50800" numCol="1" spcCol="38100" rtlCol="0" anchor="ctr">
+      <a:bodyPr rot="0" spcFirstLastPara="1" vertOverflow="overflow" horzOverflow="overflow" vert="horz" wrap="square" lIns="50800" tIns="50800" rIns="50800" bIns="50800" numCol="1" spcCol="38100" rtlCol="0" anchor="ctr" upright="0">
         <a:spAutoFit/>
       </a:bodyPr>
       <a:lstStyle>
@@ -6548,7 +6546,7 @@
           <a:buFontTx/>
           <a:buNone/>
           <a:tabLst/>
-          <a:defRPr kumimoji="0" sz="2400" b="0" i="0" u="none" strike="noStrike" cap="none" spc="0" normalizeH="0" baseline="0">
+          <a:defRPr b="0" baseline="0" cap="none" i="0" spc="0" strike="noStrike" sz="2400" u="none" kumimoji="0" normalizeH="0">
             <a:ln>
               <a:noFill/>
             </a:ln>
@@ -6578,7 +6576,7 @@
           <a:buFontTx/>
           <a:buNone/>
           <a:tabLst/>
-          <a:defRPr kumimoji="0" sz="1800" b="0" i="0" u="none" strike="noStrike" cap="none" spc="0" normalizeH="0" baseline="0">
+          <a:defRPr b="0" baseline="0" cap="none" i="0" spc="0" strike="noStrike" sz="1800" u="none" kumimoji="0" normalizeH="0">
             <a:ln>
               <a:noFill/>
             </a:ln>
@@ -6604,7 +6602,7 @@
           <a:buFontTx/>
           <a:buNone/>
           <a:tabLst/>
-          <a:defRPr kumimoji="0" sz="1800" b="0" i="0" u="none" strike="noStrike" cap="none" spc="0" normalizeH="0" baseline="0">
+          <a:defRPr b="0" baseline="0" cap="none" i="0" spc="0" strike="noStrike" sz="1800" u="none" kumimoji="0" normalizeH="0">
             <a:ln>
               <a:noFill/>
             </a:ln>
@@ -6630,7 +6628,7 @@
           <a:buFontTx/>
           <a:buNone/>
           <a:tabLst/>
-          <a:defRPr kumimoji="0" sz="1800" b="0" i="0" u="none" strike="noStrike" cap="none" spc="0" normalizeH="0" baseline="0">
+          <a:defRPr b="0" baseline="0" cap="none" i="0" spc="0" strike="noStrike" sz="1800" u="none" kumimoji="0" normalizeH="0">
             <a:ln>
               <a:noFill/>
             </a:ln>
@@ -6656,7 +6654,7 @@
           <a:buFontTx/>
           <a:buNone/>
           <a:tabLst/>
-          <a:defRPr kumimoji="0" sz="1800" b="0" i="0" u="none" strike="noStrike" cap="none" spc="0" normalizeH="0" baseline="0">
+          <a:defRPr b="0" baseline="0" cap="none" i="0" spc="0" strike="noStrike" sz="1800" u="none" kumimoji="0" normalizeH="0">
             <a:ln>
               <a:noFill/>
             </a:ln>
@@ -6682,7 +6680,7 @@
           <a:buFontTx/>
           <a:buNone/>
           <a:tabLst/>
-          <a:defRPr kumimoji="0" sz="1800" b="0" i="0" u="none" strike="noStrike" cap="none" spc="0" normalizeH="0" baseline="0">
+          <a:defRPr b="0" baseline="0" cap="none" i="0" spc="0" strike="noStrike" sz="1800" u="none" kumimoji="0" normalizeH="0">
             <a:ln>
               <a:noFill/>
             </a:ln>
@@ -6708,7 +6706,7 @@
           <a:buFontTx/>
           <a:buNone/>
           <a:tabLst/>
-          <a:defRPr kumimoji="0" sz="1800" b="0" i="0" u="none" strike="noStrike" cap="none" spc="0" normalizeH="0" baseline="0">
+          <a:defRPr b="0" baseline="0" cap="none" i="0" spc="0" strike="noStrike" sz="1800" u="none" kumimoji="0" normalizeH="0">
             <a:ln>
               <a:noFill/>
             </a:ln>
@@ -6734,7 +6732,7 @@
           <a:buFontTx/>
           <a:buNone/>
           <a:tabLst/>
-          <a:defRPr kumimoji="0" sz="1800" b="0" i="0" u="none" strike="noStrike" cap="none" spc="0" normalizeH="0" baseline="0">
+          <a:defRPr b="0" baseline="0" cap="none" i="0" spc="0" strike="noStrike" sz="1800" u="none" kumimoji="0" normalizeH="0">
             <a:ln>
               <a:noFill/>
             </a:ln>
@@ -6760,7 +6758,7 @@
           <a:buFontTx/>
           <a:buNone/>
           <a:tabLst/>
-          <a:defRPr kumimoji="0" sz="1800" b="0" i="0" u="none" strike="noStrike" cap="none" spc="0" normalizeH="0" baseline="0">
+          <a:defRPr b="0" baseline="0" cap="none" i="0" spc="0" strike="noStrike" sz="1800" u="none" kumimoji="0" normalizeH="0">
             <a:ln>
               <a:noFill/>
             </a:ln>
@@ -6786,7 +6784,7 @@
           <a:buFontTx/>
           <a:buNone/>
           <a:tabLst/>
-          <a:defRPr kumimoji="0" sz="1800" b="0" i="0" u="none" strike="noStrike" cap="none" spc="0" normalizeH="0" baseline="0">
+          <a:defRPr b="0" baseline="0" cap="none" i="0" spc="0" strike="noStrike" sz="1800" u="none" kumimoji="0" normalizeH="0">
             <a:ln>
               <a:noFill/>
             </a:ln>
@@ -6799,25 +6797,18 @@
         </a:lvl9pPr>
       </a:lstStyle>
       <a:style>
-        <a:lnRef idx="0">
-          <a:scrgbClr r="0" g="0" b="0"/>
-        </a:lnRef>
-        <a:fillRef idx="0">
-          <a:scrgbClr r="0" g="0" b="0"/>
-        </a:fillRef>
-        <a:effectRef idx="0">
-          <a:scrgbClr r="0" g="0" b="0"/>
-        </a:effectRef>
+        <a:lnRef idx="0"/>
+        <a:fillRef idx="0"/>
+        <a:effectRef idx="0"/>
         <a:fontRef idx="none"/>
       </a:style>
     </a:txDef>
   </a:objectDefaults>
-  <a:extraClrSchemeLst/>
 </a:theme>
 </file>
 
 <file path=ppt/theme/theme2.xml><?xml version="1.0" encoding="utf-8"?>
-<a:theme xmlns:a="http://schemas.openxmlformats.org/drawingml/2006/main" name="23_ClassicWhite">
+<a:theme xmlns:a="http://schemas.openxmlformats.org/drawingml/2006/main" xmlns:r="http://schemas.openxmlformats.org/officeDocument/2006/relationships" name="23_ClassicWhite">
   <a:themeElements>
     <a:clrScheme name="23_ClassicWhite">
       <a:dk1>
@@ -7016,7 +7007,7 @@
         <a:effectLst/>
         <a:sp3d/>
       </a:spPr>
-      <a:bodyPr rot="0" spcFirstLastPara="1" vertOverflow="overflow" horzOverflow="overflow" vert="horz" wrap="square" lIns="50800" tIns="50800" rIns="50800" bIns="50800" numCol="1" spcCol="38100" rtlCol="0" anchor="ctr">
+      <a:bodyPr rot="0" spcFirstLastPara="1" vertOverflow="overflow" horzOverflow="overflow" vert="horz" wrap="square" lIns="50800" tIns="50800" rIns="50800" bIns="50800" numCol="1" spcCol="38100" rtlCol="0" anchor="ctr" upright="0">
         <a:spAutoFit/>
       </a:bodyPr>
       <a:lstStyle>
@@ -7035,7 +7026,7 @@
           <a:buFontTx/>
           <a:buNone/>
           <a:tabLst/>
-          <a:defRPr kumimoji="0" sz="3200" b="0" i="0" u="none" strike="noStrike" cap="none" spc="0" normalizeH="0" baseline="0">
+          <a:defRPr b="0" baseline="0" cap="none" i="0" spc="0" strike="noStrike" sz="3200" u="none" kumimoji="0" normalizeH="0">
             <a:ln>
               <a:noFill/>
             </a:ln>
@@ -7065,7 +7056,7 @@
           <a:buFontTx/>
           <a:buNone/>
           <a:tabLst/>
-          <a:defRPr kumimoji="0" sz="1800" b="0" i="0" u="none" strike="noStrike" cap="none" spc="0" normalizeH="0" baseline="0">
+          <a:defRPr b="0" baseline="0" cap="none" i="0" spc="0" strike="noStrike" sz="1800" u="none" kumimoji="0" normalizeH="0">
             <a:ln>
               <a:noFill/>
             </a:ln>
@@ -7091,7 +7082,7 @@
           <a:buFontTx/>
           <a:buNone/>
           <a:tabLst/>
-          <a:defRPr kumimoji="0" sz="1800" b="0" i="0" u="none" strike="noStrike" cap="none" spc="0" normalizeH="0" baseline="0">
+          <a:defRPr b="0" baseline="0" cap="none" i="0" spc="0" strike="noStrike" sz="1800" u="none" kumimoji="0" normalizeH="0">
             <a:ln>
               <a:noFill/>
             </a:ln>
@@ -7117,7 +7108,7 @@
           <a:buFontTx/>
           <a:buNone/>
           <a:tabLst/>
-          <a:defRPr kumimoji="0" sz="1800" b="0" i="0" u="none" strike="noStrike" cap="none" spc="0" normalizeH="0" baseline="0">
+          <a:defRPr b="0" baseline="0" cap="none" i="0" spc="0" strike="noStrike" sz="1800" u="none" kumimoji="0" normalizeH="0">
             <a:ln>
               <a:noFill/>
             </a:ln>
@@ -7143,7 +7134,7 @@
           <a:buFontTx/>
           <a:buNone/>
           <a:tabLst/>
-          <a:defRPr kumimoji="0" sz="1800" b="0" i="0" u="none" strike="noStrike" cap="none" spc="0" normalizeH="0" baseline="0">
+          <a:defRPr b="0" baseline="0" cap="none" i="0" spc="0" strike="noStrike" sz="1800" u="none" kumimoji="0" normalizeH="0">
             <a:ln>
               <a:noFill/>
             </a:ln>
@@ -7169,7 +7160,7 @@
           <a:buFontTx/>
           <a:buNone/>
           <a:tabLst/>
-          <a:defRPr kumimoji="0" sz="1800" b="0" i="0" u="none" strike="noStrike" cap="none" spc="0" normalizeH="0" baseline="0">
+          <a:defRPr b="0" baseline="0" cap="none" i="0" spc="0" strike="noStrike" sz="1800" u="none" kumimoji="0" normalizeH="0">
             <a:ln>
               <a:noFill/>
             </a:ln>
@@ -7195,7 +7186,7 @@
           <a:buFontTx/>
           <a:buNone/>
           <a:tabLst/>
-          <a:defRPr kumimoji="0" sz="1800" b="0" i="0" u="none" strike="noStrike" cap="none" spc="0" normalizeH="0" baseline="0">
+          <a:defRPr b="0" baseline="0" cap="none" i="0" spc="0" strike="noStrike" sz="1800" u="none" kumimoji="0" normalizeH="0">
             <a:ln>
               <a:noFill/>
             </a:ln>
@@ -7221,7 +7212,7 @@
           <a:buFontTx/>
           <a:buNone/>
           <a:tabLst/>
-          <a:defRPr kumimoji="0" sz="1800" b="0" i="0" u="none" strike="noStrike" cap="none" spc="0" normalizeH="0" baseline="0">
+          <a:defRPr b="0" baseline="0" cap="none" i="0" spc="0" strike="noStrike" sz="1800" u="none" kumimoji="0" normalizeH="0">
             <a:ln>
               <a:noFill/>
             </a:ln>
@@ -7247,7 +7238,7 @@
           <a:buFontTx/>
           <a:buNone/>
           <a:tabLst/>
-          <a:defRPr kumimoji="0" sz="1800" b="0" i="0" u="none" strike="noStrike" cap="none" spc="0" normalizeH="0" baseline="0">
+          <a:defRPr b="0" baseline="0" cap="none" i="0" spc="0" strike="noStrike" sz="1800" u="none" kumimoji="0" normalizeH="0">
             <a:ln>
               <a:noFill/>
             </a:ln>
@@ -7273,7 +7264,7 @@
           <a:buFontTx/>
           <a:buNone/>
           <a:tabLst/>
-          <a:defRPr kumimoji="0" sz="1800" b="0" i="0" u="none" strike="noStrike" cap="none" spc="0" normalizeH="0" baseline="0">
+          <a:defRPr b="0" baseline="0" cap="none" i="0" spc="0" strike="noStrike" sz="1800" u="none" kumimoji="0" normalizeH="0">
             <a:ln>
               <a:noFill/>
             </a:ln>
@@ -7286,15 +7277,9 @@
         </a:lvl9pPr>
       </a:lstStyle>
       <a:style>
-        <a:lnRef idx="0">
-          <a:scrgbClr r="0" g="0" b="0"/>
-        </a:lnRef>
-        <a:fillRef idx="0">
-          <a:scrgbClr r="0" g="0" b="0"/>
-        </a:fillRef>
-        <a:effectRef idx="0">
-          <a:scrgbClr r="0" g="0" b="0"/>
-        </a:effectRef>
+        <a:lnRef idx="0"/>
+        <a:fillRef idx="0"/>
+        <a:effectRef idx="0"/>
         <a:fontRef idx="none"/>
       </a:style>
     </a:spDef>
@@ -7311,7 +7296,7 @@
         <a:effectLst/>
         <a:sp3d/>
       </a:spPr>
-      <a:bodyPr rot="0" spcFirstLastPara="1" vertOverflow="overflow" horzOverflow="overflow" vert="horz" wrap="square" lIns="91439" tIns="45719" rIns="91439" bIns="45719" numCol="1" spcCol="38100" rtlCol="0" anchor="t">
+      <a:bodyPr rot="0" spcFirstLastPara="1" vertOverflow="overflow" horzOverflow="overflow" vert="horz" wrap="square" lIns="91439" tIns="45719" rIns="91439" bIns="45719" numCol="1" spcCol="38100" rtlCol="0" anchor="t" upright="0">
         <a:noAutofit/>
       </a:bodyPr>
       <a:lstStyle>
@@ -7330,7 +7315,7 @@
           <a:buFontTx/>
           <a:buNone/>
           <a:tabLst/>
-          <a:defRPr kumimoji="0" sz="1800" b="0" i="0" u="none" strike="noStrike" cap="none" spc="0" normalizeH="0" baseline="0">
+          <a:defRPr b="0" baseline="0" cap="none" i="0" spc="0" strike="noStrike" sz="1800" u="none" kumimoji="0" normalizeH="0">
             <a:ln>
               <a:noFill/>
             </a:ln>
@@ -7356,7 +7341,7 @@
           <a:buFontTx/>
           <a:buNone/>
           <a:tabLst/>
-          <a:defRPr kumimoji="0" sz="1800" b="0" i="0" u="none" strike="noStrike" cap="none" spc="0" normalizeH="0" baseline="0">
+          <a:defRPr b="0" baseline="0" cap="none" i="0" spc="0" strike="noStrike" sz="1800" u="none" kumimoji="0" normalizeH="0">
             <a:ln>
               <a:noFill/>
             </a:ln>
@@ -7382,7 +7367,7 @@
           <a:buFontTx/>
           <a:buNone/>
           <a:tabLst/>
-          <a:defRPr kumimoji="0" sz="1800" b="0" i="0" u="none" strike="noStrike" cap="none" spc="0" normalizeH="0" baseline="0">
+          <a:defRPr b="0" baseline="0" cap="none" i="0" spc="0" strike="noStrike" sz="1800" u="none" kumimoji="0" normalizeH="0">
             <a:ln>
               <a:noFill/>
             </a:ln>
@@ -7408,7 +7393,7 @@
           <a:buFontTx/>
           <a:buNone/>
           <a:tabLst/>
-          <a:defRPr kumimoji="0" sz="1800" b="0" i="0" u="none" strike="noStrike" cap="none" spc="0" normalizeH="0" baseline="0">
+          <a:defRPr b="0" baseline="0" cap="none" i="0" spc="0" strike="noStrike" sz="1800" u="none" kumimoji="0" normalizeH="0">
             <a:ln>
               <a:noFill/>
             </a:ln>
@@ -7434,7 +7419,7 @@
           <a:buFontTx/>
           <a:buNone/>
           <a:tabLst/>
-          <a:defRPr kumimoji="0" sz="1800" b="0" i="0" u="none" strike="noStrike" cap="none" spc="0" normalizeH="0" baseline="0">
+          <a:defRPr b="0" baseline="0" cap="none" i="0" spc="0" strike="noStrike" sz="1800" u="none" kumimoji="0" normalizeH="0">
             <a:ln>
               <a:noFill/>
             </a:ln>
@@ -7460,7 +7445,7 @@
           <a:buFontTx/>
           <a:buNone/>
           <a:tabLst/>
-          <a:defRPr kumimoji="0" sz="1800" b="0" i="0" u="none" strike="noStrike" cap="none" spc="0" normalizeH="0" baseline="0">
+          <a:defRPr b="0" baseline="0" cap="none" i="0" spc="0" strike="noStrike" sz="1800" u="none" kumimoji="0" normalizeH="0">
             <a:ln>
               <a:noFill/>
             </a:ln>
@@ -7486,7 +7471,7 @@
           <a:buFontTx/>
           <a:buNone/>
           <a:tabLst/>
-          <a:defRPr kumimoji="0" sz="1800" b="0" i="0" u="none" strike="noStrike" cap="none" spc="0" normalizeH="0" baseline="0">
+          <a:defRPr b="0" baseline="0" cap="none" i="0" spc="0" strike="noStrike" sz="1800" u="none" kumimoji="0" normalizeH="0">
             <a:ln>
               <a:noFill/>
             </a:ln>
@@ -7512,7 +7497,7 @@
           <a:buFontTx/>
           <a:buNone/>
           <a:tabLst/>
-          <a:defRPr kumimoji="0" sz="1800" b="0" i="0" u="none" strike="noStrike" cap="none" spc="0" normalizeH="0" baseline="0">
+          <a:defRPr b="0" baseline="0" cap="none" i="0" spc="0" strike="noStrike" sz="1800" u="none" kumimoji="0" normalizeH="0">
             <a:ln>
               <a:noFill/>
             </a:ln>
@@ -7538,7 +7523,7 @@
           <a:buFontTx/>
           <a:buNone/>
           <a:tabLst/>
-          <a:defRPr kumimoji="0" sz="1800" b="0" i="0" u="none" strike="noStrike" cap="none" spc="0" normalizeH="0" baseline="0">
+          <a:defRPr b="0" baseline="0" cap="none" i="0" spc="0" strike="noStrike" sz="1800" u="none" kumimoji="0" normalizeH="0">
             <a:ln>
               <a:noFill/>
             </a:ln>
@@ -7564,7 +7549,7 @@
           <a:buFontTx/>
           <a:buNone/>
           <a:tabLst/>
-          <a:defRPr kumimoji="0" sz="1800" b="0" i="0" u="none" strike="noStrike" cap="none" spc="0" normalizeH="0" baseline="0">
+          <a:defRPr b="0" baseline="0" cap="none" i="0" spc="0" strike="noStrike" sz="1800" u="none" kumimoji="0" normalizeH="0">
             <a:ln>
               <a:noFill/>
             </a:ln>
@@ -7577,15 +7562,9 @@
         </a:lvl9pPr>
       </a:lstStyle>
       <a:style>
-        <a:lnRef idx="0">
-          <a:scrgbClr r="0" g="0" b="0"/>
-        </a:lnRef>
-        <a:fillRef idx="0">
-          <a:scrgbClr r="0" g="0" b="0"/>
-        </a:fillRef>
-        <a:effectRef idx="0">
-          <a:scrgbClr r="0" g="0" b="0"/>
-        </a:effectRef>
+        <a:lnRef idx="0"/>
+        <a:fillRef idx="0"/>
+        <a:effectRef idx="0"/>
         <a:fontRef idx="none"/>
       </a:style>
     </a:lnDef>
@@ -7599,7 +7578,7 @@
         <a:effectLst/>
         <a:sp3d/>
       </a:spPr>
-      <a:bodyPr rot="0" spcFirstLastPara="1" vertOverflow="overflow" horzOverflow="overflow" vert="horz" wrap="square" lIns="50800" tIns="50800" rIns="50800" bIns="50800" numCol="1" spcCol="38100" rtlCol="0" anchor="ctr">
+      <a:bodyPr rot="0" spcFirstLastPara="1" vertOverflow="overflow" horzOverflow="overflow" vert="horz" wrap="square" lIns="50800" tIns="50800" rIns="50800" bIns="50800" numCol="1" spcCol="38100" rtlCol="0" anchor="ctr" upright="0">
         <a:spAutoFit/>
       </a:bodyPr>
       <a:lstStyle>
@@ -7618,7 +7597,7 @@
           <a:buFontTx/>
           <a:buNone/>
           <a:tabLst/>
-          <a:defRPr kumimoji="0" sz="2400" b="0" i="0" u="none" strike="noStrike" cap="none" spc="0" normalizeH="0" baseline="0">
+          <a:defRPr b="0" baseline="0" cap="none" i="0" spc="0" strike="noStrike" sz="2400" u="none" kumimoji="0" normalizeH="0">
             <a:ln>
               <a:noFill/>
             </a:ln>
@@ -7648,7 +7627,7 @@
           <a:buFontTx/>
           <a:buNone/>
           <a:tabLst/>
-          <a:defRPr kumimoji="0" sz="1800" b="0" i="0" u="none" strike="noStrike" cap="none" spc="0" normalizeH="0" baseline="0">
+          <a:defRPr b="0" baseline="0" cap="none" i="0" spc="0" strike="noStrike" sz="1800" u="none" kumimoji="0" normalizeH="0">
             <a:ln>
               <a:noFill/>
             </a:ln>
@@ -7674,7 +7653,7 @@
           <a:buFontTx/>
           <a:buNone/>
           <a:tabLst/>
-          <a:defRPr kumimoji="0" sz="1800" b="0" i="0" u="none" strike="noStrike" cap="none" spc="0" normalizeH="0" baseline="0">
+          <a:defRPr b="0" baseline="0" cap="none" i="0" spc="0" strike="noStrike" sz="1800" u="none" kumimoji="0" normalizeH="0">
             <a:ln>
               <a:noFill/>
             </a:ln>
@@ -7700,7 +7679,7 @@
           <a:buFontTx/>
           <a:buNone/>
           <a:tabLst/>
-          <a:defRPr kumimoji="0" sz="1800" b="0" i="0" u="none" strike="noStrike" cap="none" spc="0" normalizeH="0" baseline="0">
+          <a:defRPr b="0" baseline="0" cap="none" i="0" spc="0" strike="noStrike" sz="1800" u="none" kumimoji="0" normalizeH="0">
             <a:ln>
               <a:noFill/>
             </a:ln>
@@ -7726,7 +7705,7 @@
           <a:buFontTx/>
           <a:buNone/>
           <a:tabLst/>
-          <a:defRPr kumimoji="0" sz="1800" b="0" i="0" u="none" strike="noStrike" cap="none" spc="0" normalizeH="0" baseline="0">
+          <a:defRPr b="0" baseline="0" cap="none" i="0" spc="0" strike="noStrike" sz="1800" u="none" kumimoji="0" normalizeH="0">
             <a:ln>
               <a:noFill/>
             </a:ln>
@@ -7752,7 +7731,7 @@
           <a:buFontTx/>
           <a:buNone/>
           <a:tabLst/>
-          <a:defRPr kumimoji="0" sz="1800" b="0" i="0" u="none" strike="noStrike" cap="none" spc="0" normalizeH="0" baseline="0">
+          <a:defRPr b="0" baseline="0" cap="none" i="0" spc="0" strike="noStrike" sz="1800" u="none" kumimoji="0" normalizeH="0">
             <a:ln>
               <a:noFill/>
             </a:ln>
@@ -7778,7 +7757,7 @@
           <a:buFontTx/>
           <a:buNone/>
           <a:tabLst/>
-          <a:defRPr kumimoji="0" sz="1800" b="0" i="0" u="none" strike="noStrike" cap="none" spc="0" normalizeH="0" baseline="0">
+          <a:defRPr b="0" baseline="0" cap="none" i="0" spc="0" strike="noStrike" sz="1800" u="none" kumimoji="0" normalizeH="0">
             <a:ln>
               <a:noFill/>
             </a:ln>
@@ -7804,7 +7783,7 @@
           <a:buFontTx/>
           <a:buNone/>
           <a:tabLst/>
-          <a:defRPr kumimoji="0" sz="1800" b="0" i="0" u="none" strike="noStrike" cap="none" spc="0" normalizeH="0" baseline="0">
+          <a:defRPr b="0" baseline="0" cap="none" i="0" spc="0" strike="noStrike" sz="1800" u="none" kumimoji="0" normalizeH="0">
             <a:ln>
               <a:noFill/>
             </a:ln>
@@ -7830,7 +7809,7 @@
           <a:buFontTx/>
           <a:buNone/>
           <a:tabLst/>
-          <a:defRPr kumimoji="0" sz="1800" b="0" i="0" u="none" strike="noStrike" cap="none" spc="0" normalizeH="0" baseline="0">
+          <a:defRPr b="0" baseline="0" cap="none" i="0" spc="0" strike="noStrike" sz="1800" u="none" kumimoji="0" normalizeH="0">
             <a:ln>
               <a:noFill/>
             </a:ln>
@@ -7856,7 +7835,7 @@
           <a:buFontTx/>
           <a:buNone/>
           <a:tabLst/>
-          <a:defRPr kumimoji="0" sz="1800" b="0" i="0" u="none" strike="noStrike" cap="none" spc="0" normalizeH="0" baseline="0">
+          <a:defRPr b="0" baseline="0" cap="none" i="0" spc="0" strike="noStrike" sz="1800" u="none" kumimoji="0" normalizeH="0">
             <a:ln>
               <a:noFill/>
             </a:ln>
@@ -7869,19 +7848,12 @@
         </a:lvl9pPr>
       </a:lstStyle>
       <a:style>
-        <a:lnRef idx="0">
-          <a:scrgbClr r="0" g="0" b="0"/>
-        </a:lnRef>
-        <a:fillRef idx="0">
-          <a:scrgbClr r="0" g="0" b="0"/>
-        </a:fillRef>
-        <a:effectRef idx="0">
-          <a:scrgbClr r="0" g="0" b="0"/>
-        </a:effectRef>
+        <a:lnRef idx="0"/>
+        <a:fillRef idx="0"/>
+        <a:effectRef idx="0"/>
         <a:fontRef idx="none"/>
       </a:style>
     </a:txDef>
   </a:objectDefaults>
-  <a:extraClrSchemeLst/>
 </a:theme>
 </file>
--- a/Movies.pptx
+++ b/Movies.pptx
@@ -1,17 +1,17 @@
 
 <file path=ppt/presentation.xml><?xml version="1.0" encoding="utf-8"?>
-<p:presentation xmlns:a="http://schemas.openxmlformats.org/drawingml/2006/main" xmlns:r="http://schemas.openxmlformats.org/officeDocument/2006/relationships" xmlns:p="http://schemas.openxmlformats.org/presentationml/2006/main" xmlns:m="http://schemas.openxmlformats.org/officeDocument/2006/math" xmlns:a14="http://schemas.microsoft.com/office/drawing/2010/main">
+<p:presentation xmlns:a="http://schemas.openxmlformats.org/drawingml/2006/main" xmlns:r="http://schemas.openxmlformats.org/officeDocument/2006/relationships" xmlns:p="http://schemas.openxmlformats.org/presentationml/2006/main">
   <p:sldMasterIdLst>
-    <p:sldMasterId id="2147483648" r:id="rId5"/>
+    <p:sldMasterId id="2147483648" r:id="rId1"/>
   </p:sldMasterIdLst>
   <p:notesMasterIdLst>
-    <p:notesMasterId r:id="rId7"/>
+    <p:notesMasterId r:id="rId6"/>
   </p:notesMasterIdLst>
   <p:sldIdLst>
-    <p:sldId id="256" r:id="rId8"/>
-    <p:sldId id="257" r:id="rId9"/>
-    <p:sldId id="258" r:id="rId10"/>
-    <p:sldId id="259" r:id="rId11"/>
+    <p:sldId id="256" r:id="rId2"/>
+    <p:sldId id="257" r:id="rId3"/>
+    <p:sldId id="258" r:id="rId4"/>
+    <p:sldId id="259" r:id="rId5"/>
   </p:sldIdLst>
   <p:sldSz cx="24384000" cy="13716000"/>
   <p:notesSz cx="6858000" cy="9144000"/>
@@ -31,7 +31,7 @@
       <a:buFontTx/>
       <a:buNone/>
       <a:tabLst/>
-      <a:defRPr b="0" baseline="0" cap="none" i="0" spc="0" strike="noStrike" sz="1800" u="none" kumimoji="0" normalizeH="0">
+      <a:defRPr kumimoji="0" sz="1800" b="0" i="0" u="none" strike="noStrike" cap="none" spc="0" normalizeH="0" baseline="0">
         <a:ln>
           <a:noFill/>
         </a:ln>
@@ -57,7 +57,7 @@
       <a:buFontTx/>
       <a:buNone/>
       <a:tabLst/>
-      <a:defRPr b="0" baseline="0" cap="none" i="0" spc="0" strike="noStrike" sz="2400" u="none" kumimoji="0" normalizeH="0">
+      <a:defRPr kumimoji="0" sz="2400" b="0" i="0" u="none" strike="noStrike" cap="none" spc="0" normalizeH="0" baseline="0">
         <a:ln>
           <a:noFill/>
         </a:ln>
@@ -87,7 +87,7 @@
       <a:buFontTx/>
       <a:buNone/>
       <a:tabLst/>
-      <a:defRPr b="0" baseline="0" cap="none" i="0" spc="0" strike="noStrike" sz="2400" u="none" kumimoji="0" normalizeH="0">
+      <a:defRPr kumimoji="0" sz="2400" b="0" i="0" u="none" strike="noStrike" cap="none" spc="0" normalizeH="0" baseline="0">
         <a:ln>
           <a:noFill/>
         </a:ln>
@@ -117,7 +117,7 @@
       <a:buFontTx/>
       <a:buNone/>
       <a:tabLst/>
-      <a:defRPr b="0" baseline="0" cap="none" i="0" spc="0" strike="noStrike" sz="2400" u="none" kumimoji="0" normalizeH="0">
+      <a:defRPr kumimoji="0" sz="2400" b="0" i="0" u="none" strike="noStrike" cap="none" spc="0" normalizeH="0" baseline="0">
         <a:ln>
           <a:noFill/>
         </a:ln>
@@ -147,7 +147,7 @@
       <a:buFontTx/>
       <a:buNone/>
       <a:tabLst/>
-      <a:defRPr b="0" baseline="0" cap="none" i="0" spc="0" strike="noStrike" sz="2400" u="none" kumimoji="0" normalizeH="0">
+      <a:defRPr kumimoji="0" sz="2400" b="0" i="0" u="none" strike="noStrike" cap="none" spc="0" normalizeH="0" baseline="0">
         <a:ln>
           <a:noFill/>
         </a:ln>
@@ -177,7 +177,7 @@
       <a:buFontTx/>
       <a:buNone/>
       <a:tabLst/>
-      <a:defRPr b="0" baseline="0" cap="none" i="0" spc="0" strike="noStrike" sz="2400" u="none" kumimoji="0" normalizeH="0">
+      <a:defRPr kumimoji="0" sz="2400" b="0" i="0" u="none" strike="noStrike" cap="none" spc="0" normalizeH="0" baseline="0">
         <a:ln>
           <a:noFill/>
         </a:ln>
@@ -207,7 +207,7 @@
       <a:buFontTx/>
       <a:buNone/>
       <a:tabLst/>
-      <a:defRPr b="0" baseline="0" cap="none" i="0" spc="0" strike="noStrike" sz="2400" u="none" kumimoji="0" normalizeH="0">
+      <a:defRPr kumimoji="0" sz="2400" b="0" i="0" u="none" strike="noStrike" cap="none" spc="0" normalizeH="0" baseline="0">
         <a:ln>
           <a:noFill/>
         </a:ln>
@@ -237,7 +237,7 @@
       <a:buFontTx/>
       <a:buNone/>
       <a:tabLst/>
-      <a:defRPr b="0" baseline="0" cap="none" i="0" spc="0" strike="noStrike" sz="2400" u="none" kumimoji="0" normalizeH="0">
+      <a:defRPr kumimoji="0" sz="2400" b="0" i="0" u="none" strike="noStrike" cap="none" spc="0" normalizeH="0" baseline="0">
         <a:ln>
           <a:noFill/>
         </a:ln>
@@ -267,7 +267,7 @@
       <a:buFontTx/>
       <a:buNone/>
       <a:tabLst/>
-      <a:defRPr b="0" baseline="0" cap="none" i="0" spc="0" strike="noStrike" sz="2400" u="none" kumimoji="0" normalizeH="0">
+      <a:defRPr kumimoji="0" sz="2400" b="0" i="0" u="none" strike="noStrike" cap="none" spc="0" normalizeH="0" baseline="0">
         <a:ln>
           <a:noFill/>
         </a:ln>
@@ -297,7 +297,7 @@
       <a:buFontTx/>
       <a:buNone/>
       <a:tabLst/>
-      <a:defRPr b="0" baseline="0" cap="none" i="0" spc="0" strike="noStrike" sz="2400" u="none" kumimoji="0" normalizeH="0">
+      <a:defRPr kumimoji="0" sz="2400" b="0" i="0" u="none" strike="noStrike" cap="none" spc="0" normalizeH="0" baseline="0">
         <a:ln>
           <a:noFill/>
         </a:ln>
@@ -316,14 +316,12 @@
 </p:presentation>
 </file>
 
-<file path=ppt/commentAuthors.xml><?xml version="1.0" encoding="utf-8"?>
-<p:cmAuthorLst xmlns:a="http://schemas.openxmlformats.org/drawingml/2006/main" xmlns:r="http://schemas.openxmlformats.org/officeDocument/2006/relationships" xmlns:p="http://schemas.openxmlformats.org/presentationml/2006/main" xmlns:m="http://schemas.openxmlformats.org/officeDocument/2006/math" xmlns:a14="http://schemas.microsoft.com/office/drawing/2010/main"/>
-</file>
-
 <file path=ppt/charts/chart1.xml><?xml version="1.0" encoding="utf-8"?>
-<c:chartSpace xmlns:c="http://schemas.openxmlformats.org/drawingml/2006/chart" xmlns:a="http://schemas.openxmlformats.org/drawingml/2006/main" xmlns:r="http://schemas.openxmlformats.org/officeDocument/2006/relationships">
+<c:chartSpace xmlns:c="http://schemas.openxmlformats.org/drawingml/2006/chart" xmlns:a="http://schemas.openxmlformats.org/drawingml/2006/main" xmlns:r="http://schemas.openxmlformats.org/officeDocument/2006/relationships" xmlns:c16r2="http://schemas.microsoft.com/office/drawing/2015/06/chart">
   <c:date1904 val="1"/>
+  <c:lang val="en-US"/>
   <c:roundedCorners val="0"/>
+  <c:style val="2"/>
   <c:chart>
     <c:autoTitleDeleted val="1"/>
     <c:plotArea>
@@ -332,10 +330,10 @@
           <c:layoutTarget val="inner"/>
           <c:xMode val="edge"/>
           <c:yMode val="edge"/>
-          <c:x val="0.187234"/>
+          <c:x val="0.18723400000000001"/>
           <c:y val="0.139712"/>
-          <c:w val="0.807766"/>
-          <c:h val="0.654574"/>
+          <c:w val="0.80776599999999998"/>
+          <c:h val="0.65457399999999999"/>
         </c:manualLayout>
       </c:layout>
       <c:barChart>
@@ -367,31 +365,6 @@
             <a:effectLst/>
           </c:spPr>
           <c:invertIfNegative val="0"/>
-          <c:dLbls>
-            <c:numFmt formatCode="#,##0" sourceLinked="0"/>
-            <c:txPr>
-              <a:bodyPr/>
-              <a:lstStyle/>
-              <a:p>
-                <a:pPr>
-                  <a:defRPr b="0" i="0" strike="noStrike" sz="5000" u="none">
-                    <a:solidFill>
-                      <a:srgbClr val="FFFFFF"/>
-                    </a:solidFill>
-                    <a:latin typeface="Graphik"/>
-                  </a:defRPr>
-                </a:pPr>
-              </a:p>
-            </c:txPr>
-            <c:dLblPos val="inEnd"/>
-            <c:showLegendKey val="0"/>
-            <c:showVal val="0"/>
-            <c:showCatName val="0"/>
-            <c:showSerName val="0"/>
-            <c:showPercent val="0"/>
-            <c:showBubbleSize val="0"/>
-            <c:showLeaderLines val="0"/>
-          </c:dLbls>
           <c:cat>
             <c:strRef>
               <c:f>Sheet1!$B$1:$C$1</c:f>
@@ -410,16 +383,22 @@
             <c:numRef>
               <c:f>Sheet1!$B$2:$C$2</c:f>
               <c:numCache>
+                <c:formatCode>General</c:formatCode>
                 <c:ptCount val="2"/>
                 <c:pt idx="0">
-                  <c:v>1394.200000</c:v>
+                  <c:v>1394.2</c:v>
                 </c:pt>
                 <c:pt idx="1">
-                  <c:v>780.000000</c:v>
+                  <c:v>780</c:v>
                 </c:pt>
               </c:numCache>
             </c:numRef>
           </c:val>
+          <c:extLst>
+            <c:ext xmlns:c16="http://schemas.microsoft.com/office/drawing/2014/chart" uri="{C3380CC4-5D6E-409C-BE32-E72D297353CC}">
+              <c16:uniqueId val="{00000000-1890-E346-9076-3A18746B8CD5}"/>
+            </c:ext>
+          </c:extLst>
         </c:ser>
         <c:ser>
           <c:idx val="1"/>
@@ -446,31 +425,6 @@
             <a:effectLst/>
           </c:spPr>
           <c:invertIfNegative val="0"/>
-          <c:dLbls>
-            <c:numFmt formatCode="#,##0" sourceLinked="0"/>
-            <c:txPr>
-              <a:bodyPr/>
-              <a:lstStyle/>
-              <a:p>
-                <a:pPr>
-                  <a:defRPr b="0" i="0" strike="noStrike" sz="5000" u="none">
-                    <a:solidFill>
-                      <a:srgbClr val="FFFFFF"/>
-                    </a:solidFill>
-                    <a:latin typeface="Graphik"/>
-                  </a:defRPr>
-                </a:pPr>
-              </a:p>
-            </c:txPr>
-            <c:dLblPos val="inEnd"/>
-            <c:showLegendKey val="0"/>
-            <c:showVal val="0"/>
-            <c:showCatName val="0"/>
-            <c:showSerName val="0"/>
-            <c:showPercent val="0"/>
-            <c:showBubbleSize val="0"/>
-            <c:showLeaderLines val="0"/>
-          </c:dLbls>
           <c:cat>
             <c:strRef>
               <c:f>Sheet1!$B$1:$C$1</c:f>
@@ -489,17 +443,31 @@
             <c:numRef>
               <c:f>Sheet1!$B$3:$C$3</c:f>
               <c:numCache>
+                <c:formatCode>General</c:formatCode>
                 <c:ptCount val="2"/>
                 <c:pt idx="0">
-                  <c:v>2201.400000</c:v>
+                  <c:v>2201.4</c:v>
                 </c:pt>
                 <c:pt idx="1">
-                  <c:v>1246.900000</c:v>
+                  <c:v>1246.9000000000001</c:v>
                 </c:pt>
               </c:numCache>
             </c:numRef>
           </c:val>
+          <c:extLst>
+            <c:ext xmlns:c16="http://schemas.microsoft.com/office/drawing/2014/chart" uri="{C3380CC4-5D6E-409C-BE32-E72D297353CC}">
+              <c16:uniqueId val="{00000001-1890-E346-9076-3A18746B8CD5}"/>
+            </c:ext>
+          </c:extLst>
         </c:ser>
+        <c:dLbls>
+          <c:showLegendKey val="0"/>
+          <c:showVal val="0"/>
+          <c:showCatName val="0"/>
+          <c:showSerName val="0"/>
+          <c:showPercent val="0"/>
+          <c:showBubbleSize val="0"/>
+        </c:dLbls>
         <c:gapWidth val="40"/>
         <c:overlap val="-10"/>
         <c:axId val="2094734552"/>
@@ -519,7 +487,7 @@
               <a:lstStyle/>
               <a:p>
                 <a:pPr>
-                  <a:defRPr b="0" i="0" strike="noStrike" sz="3400" u="none">
+                  <a:defRPr sz="3400" b="0" i="0" u="none" strike="noStrike">
                     <a:solidFill>
                       <a:srgbClr val="000000"/>
                     </a:solidFill>
@@ -527,7 +495,7 @@
                   </a:defRPr>
                 </a:pPr>
                 <a:r>
-                  <a:rPr b="0" i="0" strike="noStrike" sz="3400" u="none">
+                  <a:rPr sz="3400" b="0" i="0" u="none" strike="noStrike">
                     <a:solidFill>
                       <a:srgbClr val="000000"/>
                     </a:solidFill>
@@ -538,7 +506,6 @@
               </a:p>
             </c:rich>
           </c:tx>
-          <c:layout/>
           <c:overlay val="1"/>
         </c:title>
         <c:numFmt formatCode="General" sourceLinked="0"/>
@@ -559,19 +526,21 @@
           <a:lstStyle/>
           <a:p>
             <a:pPr>
-              <a:defRPr b="0" i="0" strike="noStrike" sz="3400" u="none">
+              <a:defRPr sz="3400" b="0" i="0" u="none" strike="noStrike">
                 <a:solidFill>
                   <a:srgbClr val="000000"/>
                 </a:solidFill>
                 <a:latin typeface="Graphik"/>
               </a:defRPr>
             </a:pPr>
+            <a:endParaRPr lang="en-US"/>
           </a:p>
         </c:txPr>
         <c:crossAx val="2094734553"/>
         <c:crosses val="autoZero"/>
         <c:auto val="1"/>
         <c:lblAlgn val="ctr"/>
+        <c:lblOffset val="100"/>
         <c:noMultiLvlLbl val="1"/>
       </c:catAx>
       <c:valAx>
@@ -599,7 +568,7 @@
               <a:lstStyle/>
               <a:p>
                 <a:pPr>
-                  <a:defRPr b="0" i="0" strike="noStrike" sz="3400" u="none">
+                  <a:defRPr sz="3400" b="0" i="0" u="none" strike="noStrike">
                     <a:solidFill>
                       <a:srgbClr val="000000"/>
                     </a:solidFill>
@@ -607,7 +576,7 @@
                   </a:defRPr>
                 </a:pPr>
                 <a:r>
-                  <a:rPr b="0" i="0" strike="noStrike" sz="3400" u="none">
+                  <a:rPr sz="3400" b="0" i="0" u="none" strike="noStrike">
                     <a:solidFill>
                       <a:srgbClr val="000000"/>
                     </a:solidFill>
@@ -618,7 +587,6 @@
               </a:p>
             </c:rich>
           </c:tx>
-          <c:layout/>
           <c:overlay val="1"/>
         </c:title>
         <c:numFmt formatCode="General" sourceLinked="0"/>
@@ -637,13 +605,14 @@
           <a:lstStyle/>
           <a:p>
             <a:pPr>
-              <a:defRPr b="0" i="0" strike="noStrike" sz="3400" u="none">
+              <a:defRPr sz="3400" b="0" i="0" u="none" strike="noStrike">
                 <a:solidFill>
                   <a:srgbClr val="000000"/>
                 </a:solidFill>
                 <a:latin typeface="Graphik"/>
               </a:defRPr>
             </a:pPr>
+            <a:endParaRPr lang="en-US"/>
           </a:p>
         </c:txPr>
         <c:crossAx val="2094734552"/>
@@ -669,8 +638,8 @@
           <c:yMode val="edge"/>
           <c:x val="0.195857"/>
           <c:y val="0"/>
-          <c:w val="0.765107"/>
-          <c:h val="0.0898451"/>
+          <c:w val="0.76510699999999998"/>
+          <c:h val="8.9845099999999997E-2"/>
         </c:manualLayout>
       </c:layout>
       <c:overlay val="1"/>
@@ -687,18 +656,20 @@
         <a:lstStyle/>
         <a:p>
           <a:pPr>
-            <a:defRPr b="0" i="0" strike="noStrike" sz="3400" u="none">
+            <a:defRPr sz="3400" b="0" i="0" u="none" strike="noStrike">
               <a:solidFill>
                 <a:srgbClr val="000000"/>
               </a:solidFill>
               <a:latin typeface="Graphik"/>
             </a:defRPr>
           </a:pPr>
+          <a:endParaRPr lang="en-US"/>
         </a:p>
       </c:txPr>
     </c:legend>
     <c:plotVisOnly val="1"/>
     <c:dispBlanksAs val="gap"/>
+    <c:showDLblsOverMax val="1"/>
   </c:chart>
   <c:spPr>
     <a:noFill/>
@@ -714,9 +685,11 @@
 </file>
 
 <file path=ppt/charts/chart2.xml><?xml version="1.0" encoding="utf-8"?>
-<c:chartSpace xmlns:c="http://schemas.openxmlformats.org/drawingml/2006/chart" xmlns:a="http://schemas.openxmlformats.org/drawingml/2006/main" xmlns:r="http://schemas.openxmlformats.org/officeDocument/2006/relationships">
+<c:chartSpace xmlns:c="http://schemas.openxmlformats.org/drawingml/2006/chart" xmlns:a="http://schemas.openxmlformats.org/drawingml/2006/main" xmlns:r="http://schemas.openxmlformats.org/officeDocument/2006/relationships" xmlns:c16r2="http://schemas.microsoft.com/office/drawing/2015/06/chart">
   <c:date1904 val="1"/>
+  <c:lang val="en-US"/>
   <c:roundedCorners val="0"/>
+  <c:style val="2"/>
   <c:chart>
     <c:autoTitleDeleted val="1"/>
     <c:plotArea>
@@ -725,10 +698,10 @@
           <c:layoutTarget val="inner"/>
           <c:xMode val="edge"/>
           <c:yMode val="edge"/>
-          <c:x val="0.241222"/>
+          <c:x val="0.24122199999999999"/>
           <c:y val="0.119241"/>
-          <c:w val="0.753778"/>
-          <c:h val="0.670447"/>
+          <c:w val="0.75377799999999995"/>
+          <c:h val="0.67044700000000002"/>
         </c:manualLayout>
       </c:layout>
       <c:barChart>
@@ -760,31 +733,6 @@
             <a:effectLst/>
           </c:spPr>
           <c:invertIfNegative val="0"/>
-          <c:dLbls>
-            <c:numFmt formatCode="#,##0" sourceLinked="0"/>
-            <c:txPr>
-              <a:bodyPr/>
-              <a:lstStyle/>
-              <a:p>
-                <a:pPr>
-                  <a:defRPr b="0" i="0" strike="noStrike" sz="5000" u="none">
-                    <a:solidFill>
-                      <a:srgbClr val="FFFFFF"/>
-                    </a:solidFill>
-                    <a:latin typeface="Graphik"/>
-                  </a:defRPr>
-                </a:pPr>
-              </a:p>
-            </c:txPr>
-            <c:dLblPos val="inEnd"/>
-            <c:showLegendKey val="0"/>
-            <c:showVal val="0"/>
-            <c:showCatName val="0"/>
-            <c:showSerName val="0"/>
-            <c:showPercent val="0"/>
-            <c:showBubbleSize val="0"/>
-            <c:showLeaderLines val="0"/>
-          </c:dLbls>
           <c:cat>
             <c:strRef>
               <c:f>Sheet1!$B$1:$C$1</c:f>
@@ -803,16 +751,22 @@
             <c:numRef>
               <c:f>Sheet1!$B$2:$C$2</c:f>
               <c:numCache>
+                <c:formatCode>General</c:formatCode>
                 <c:ptCount val="2"/>
                 <c:pt idx="0">
-                  <c:v>857.300000</c:v>
+                  <c:v>857.3</c:v>
                 </c:pt>
                 <c:pt idx="1">
-                  <c:v>561.700000</c:v>
+                  <c:v>561.70000000000005</c:v>
                 </c:pt>
               </c:numCache>
             </c:numRef>
           </c:val>
+          <c:extLst>
+            <c:ext xmlns:c16="http://schemas.microsoft.com/office/drawing/2014/chart" uri="{C3380CC4-5D6E-409C-BE32-E72D297353CC}">
+              <c16:uniqueId val="{00000000-6A65-914C-AB11-368056E780C9}"/>
+            </c:ext>
+          </c:extLst>
         </c:ser>
         <c:ser>
           <c:idx val="1"/>
@@ -839,31 +793,6 @@
             <a:effectLst/>
           </c:spPr>
           <c:invertIfNegative val="0"/>
-          <c:dLbls>
-            <c:numFmt formatCode="#,##0" sourceLinked="0"/>
-            <c:txPr>
-              <a:bodyPr/>
-              <a:lstStyle/>
-              <a:p>
-                <a:pPr>
-                  <a:defRPr b="0" i="0" strike="noStrike" sz="5000" u="none">
-                    <a:solidFill>
-                      <a:srgbClr val="FFFFFF"/>
-                    </a:solidFill>
-                    <a:latin typeface="Graphik"/>
-                  </a:defRPr>
-                </a:pPr>
-              </a:p>
-            </c:txPr>
-            <c:dLblPos val="inEnd"/>
-            <c:showLegendKey val="0"/>
-            <c:showVal val="0"/>
-            <c:showCatName val="0"/>
-            <c:showSerName val="0"/>
-            <c:showPercent val="0"/>
-            <c:showBubbleSize val="0"/>
-            <c:showLeaderLines val="0"/>
-          </c:dLbls>
           <c:cat>
             <c:strRef>
               <c:f>Sheet1!$B$1:$C$1</c:f>
@@ -882,17 +811,31 @@
             <c:numRef>
               <c:f>Sheet1!$B$3:$C$3</c:f>
               <c:numCache>
+                <c:formatCode>General</c:formatCode>
                 <c:ptCount val="2"/>
                 <c:pt idx="0">
-                  <c:v>1313.700000</c:v>
+                  <c:v>1313.7</c:v>
                 </c:pt>
                 <c:pt idx="1">
-                  <c:v>938.300000</c:v>
+                  <c:v>938.3</c:v>
                 </c:pt>
               </c:numCache>
             </c:numRef>
           </c:val>
+          <c:extLst>
+            <c:ext xmlns:c16="http://schemas.microsoft.com/office/drawing/2014/chart" uri="{C3380CC4-5D6E-409C-BE32-E72D297353CC}">
+              <c16:uniqueId val="{00000001-6A65-914C-AB11-368056E780C9}"/>
+            </c:ext>
+          </c:extLst>
         </c:ser>
+        <c:dLbls>
+          <c:showLegendKey val="0"/>
+          <c:showVal val="0"/>
+          <c:showCatName val="0"/>
+          <c:showSerName val="0"/>
+          <c:showPercent val="0"/>
+          <c:showBubbleSize val="0"/>
+        </c:dLbls>
         <c:gapWidth val="40"/>
         <c:overlap val="-10"/>
         <c:axId val="2094734552"/>
@@ -912,7 +855,7 @@
               <a:lstStyle/>
               <a:p>
                 <a:pPr>
-                  <a:defRPr b="0" i="0" strike="noStrike" sz="3400" u="none">
+                  <a:defRPr sz="3400" b="0" i="0" u="none" strike="noStrike">
                     <a:solidFill>
                       <a:srgbClr val="000000"/>
                     </a:solidFill>
@@ -920,7 +863,7 @@
                   </a:defRPr>
                 </a:pPr>
                 <a:r>
-                  <a:rPr b="0" i="0" strike="noStrike" sz="3400" u="none">
+                  <a:rPr sz="3400" b="0" i="0" u="none" strike="noStrike">
                     <a:solidFill>
                       <a:srgbClr val="000000"/>
                     </a:solidFill>
@@ -931,7 +874,6 @@
               </a:p>
             </c:rich>
           </c:tx>
-          <c:layout/>
           <c:overlay val="1"/>
         </c:title>
         <c:numFmt formatCode="General" sourceLinked="0"/>
@@ -952,19 +894,21 @@
           <a:lstStyle/>
           <a:p>
             <a:pPr>
-              <a:defRPr b="0" i="0" strike="noStrike" sz="3400" u="none">
+              <a:defRPr sz="3400" b="0" i="0" u="none" strike="noStrike">
                 <a:solidFill>
                   <a:srgbClr val="000000"/>
                 </a:solidFill>
                 <a:latin typeface="Graphik"/>
               </a:defRPr>
             </a:pPr>
+            <a:endParaRPr lang="en-US"/>
           </a:p>
         </c:txPr>
         <c:crossAx val="2094734553"/>
         <c:crosses val="autoZero"/>
         <c:auto val="1"/>
         <c:lblAlgn val="ctr"/>
+        <c:lblOffset val="100"/>
         <c:noMultiLvlLbl val="1"/>
       </c:catAx>
       <c:valAx>
@@ -992,7 +936,7 @@
               <a:lstStyle/>
               <a:p>
                 <a:pPr>
-                  <a:defRPr b="0" i="0" strike="noStrike" sz="3400" u="none">
+                  <a:defRPr sz="3400" b="0" i="0" u="none" strike="noStrike">
                     <a:solidFill>
                       <a:srgbClr val="000000"/>
                     </a:solidFill>
@@ -1000,7 +944,7 @@
                   </a:defRPr>
                 </a:pPr>
                 <a:r>
-                  <a:rPr b="0" i="0" strike="noStrike" sz="3400" u="none">
+                  <a:rPr sz="3400" b="0" i="0" u="none" strike="noStrike">
                     <a:solidFill>
                       <a:srgbClr val="000000"/>
                     </a:solidFill>
@@ -1011,7 +955,6 @@
               </a:p>
             </c:rich>
           </c:tx>
-          <c:layout/>
           <c:overlay val="1"/>
         </c:title>
         <c:numFmt formatCode="General" sourceLinked="0"/>
@@ -1030,13 +973,14 @@
           <a:lstStyle/>
           <a:p>
             <a:pPr>
-              <a:defRPr b="0" i="0" strike="noStrike" sz="3400" u="none">
+              <a:defRPr sz="3400" b="0" i="0" u="none" strike="noStrike">
                 <a:solidFill>
                   <a:srgbClr val="000000"/>
                 </a:solidFill>
                 <a:latin typeface="Graphik"/>
               </a:defRPr>
             </a:pPr>
+            <a:endParaRPr lang="en-US"/>
           </a:p>
         </c:txPr>
         <c:crossAx val="2094734552"/>
@@ -1062,8 +1006,8 @@
           <c:yMode val="edge"/>
           <c:x val="0.235876"/>
           <c:y val="0"/>
-          <c:w val="0.727031"/>
-          <c:h val="0.0913882"/>
+          <c:w val="0.72703099999999998"/>
+          <c:h val="9.1388200000000003E-2"/>
         </c:manualLayout>
       </c:layout>
       <c:overlay val="1"/>
@@ -1080,18 +1024,20 @@
         <a:lstStyle/>
         <a:p>
           <a:pPr>
-            <a:defRPr b="0" i="0" strike="noStrike" sz="3400" u="none">
+            <a:defRPr sz="3400" b="0" i="0" u="none" strike="noStrike">
               <a:solidFill>
                 <a:srgbClr val="000000"/>
               </a:solidFill>
               <a:latin typeface="Graphik"/>
             </a:defRPr>
           </a:pPr>
+          <a:endParaRPr lang="en-US"/>
         </a:p>
       </c:txPr>
     </c:legend>
     <c:plotVisOnly val="1"/>
     <c:dispBlanksAs val="gap"/>
+    <c:showDLblsOverMax val="1"/>
   </c:chart>
   <c:spPr>
     <a:noFill/>
@@ -1107,9 +1053,11 @@
 </file>
 
 <file path=ppt/charts/chart3.xml><?xml version="1.0" encoding="utf-8"?>
-<c:chartSpace xmlns:c="http://schemas.openxmlformats.org/drawingml/2006/chart" xmlns:a="http://schemas.openxmlformats.org/drawingml/2006/main" xmlns:r="http://schemas.openxmlformats.org/officeDocument/2006/relationships">
+<c:chartSpace xmlns:c="http://schemas.openxmlformats.org/drawingml/2006/chart" xmlns:a="http://schemas.openxmlformats.org/drawingml/2006/main" xmlns:r="http://schemas.openxmlformats.org/officeDocument/2006/relationships" xmlns:c16r2="http://schemas.microsoft.com/office/drawing/2015/06/chart">
   <c:date1904 val="1"/>
+  <c:lang val="en-US"/>
   <c:roundedCorners val="0"/>
+  <c:style val="2"/>
   <c:chart>
     <c:autoTitleDeleted val="1"/>
     <c:plotArea>
@@ -1118,10 +1066,10 @@
           <c:layoutTarget val="inner"/>
           <c:xMode val="edge"/>
           <c:yMode val="edge"/>
-          <c:x val="0.171923"/>
-          <c:y val="0.180612"/>
-          <c:w val="0.823077"/>
-          <c:h val="0.62286"/>
+          <c:x val="0.17192299999999999"/>
+          <c:y val="0.18061199999999999"/>
+          <c:w val="0.82307699999999995"/>
+          <c:h val="0.62285999999999997"/>
         </c:manualLayout>
       </c:layout>
       <c:barChart>
@@ -1153,31 +1101,6 @@
             <a:effectLst/>
           </c:spPr>
           <c:invertIfNegative val="0"/>
-          <c:dLbls>
-            <c:numFmt formatCode="#,##0" sourceLinked="0"/>
-            <c:txPr>
-              <a:bodyPr/>
-              <a:lstStyle/>
-              <a:p>
-                <a:pPr>
-                  <a:defRPr b="0" i="0" strike="noStrike" sz="5000" u="none">
-                    <a:solidFill>
-                      <a:srgbClr val="FFFFFF"/>
-                    </a:solidFill>
-                    <a:latin typeface="Graphik"/>
-                  </a:defRPr>
-                </a:pPr>
-              </a:p>
-            </c:txPr>
-            <c:dLblPos val="inEnd"/>
-            <c:showLegendKey val="0"/>
-            <c:showVal val="0"/>
-            <c:showCatName val="0"/>
-            <c:showSerName val="0"/>
-            <c:showPercent val="0"/>
-            <c:showBubbleSize val="0"/>
-            <c:showLeaderLines val="0"/>
-          </c:dLbls>
           <c:cat>
             <c:strRef>
               <c:f>Sheet1!$B$1:$C$1</c:f>
@@ -1196,16 +1119,22 @@
             <c:numRef>
               <c:f>Sheet1!$B$2:$C$2</c:f>
               <c:numCache>
+                <c:formatCode>General</c:formatCode>
                 <c:ptCount val="2"/>
                 <c:pt idx="0">
-                  <c:v>276.400000</c:v>
+                  <c:v>276.39999999999998</c:v>
                 </c:pt>
                 <c:pt idx="1">
-                  <c:v>73.600000</c:v>
+                  <c:v>73.599999999999994</c:v>
                 </c:pt>
               </c:numCache>
             </c:numRef>
           </c:val>
+          <c:extLst>
+            <c:ext xmlns:c16="http://schemas.microsoft.com/office/drawing/2014/chart" uri="{C3380CC4-5D6E-409C-BE32-E72D297353CC}">
+              <c16:uniqueId val="{00000000-39BE-814C-ABD8-49DF0701E063}"/>
+            </c:ext>
+          </c:extLst>
         </c:ser>
         <c:ser>
           <c:idx val="1"/>
@@ -1232,31 +1161,6 @@
             <a:effectLst/>
           </c:spPr>
           <c:invertIfNegative val="0"/>
-          <c:dLbls>
-            <c:numFmt formatCode="#,##0" sourceLinked="0"/>
-            <c:txPr>
-              <a:bodyPr/>
-              <a:lstStyle/>
-              <a:p>
-                <a:pPr>
-                  <a:defRPr b="0" i="0" strike="noStrike" sz="5000" u="none">
-                    <a:solidFill>
-                      <a:srgbClr val="FFFFFF"/>
-                    </a:solidFill>
-                    <a:latin typeface="Graphik"/>
-                  </a:defRPr>
-                </a:pPr>
-              </a:p>
-            </c:txPr>
-            <c:dLblPos val="inEnd"/>
-            <c:showLegendKey val="0"/>
-            <c:showVal val="0"/>
-            <c:showCatName val="0"/>
-            <c:showSerName val="0"/>
-            <c:showPercent val="0"/>
-            <c:showBubbleSize val="0"/>
-            <c:showLeaderLines val="0"/>
-          </c:dLbls>
           <c:cat>
             <c:strRef>
               <c:f>Sheet1!$B$1:$C$1</c:f>
@@ -1275,17 +1179,31 @@
             <c:numRef>
               <c:f>Sheet1!$B$3:$C$3</c:f>
               <c:numCache>
+                <c:formatCode>General</c:formatCode>
                 <c:ptCount val="2"/>
                 <c:pt idx="0">
-                  <c:v>396.300000</c:v>
+                  <c:v>396.3</c:v>
                 </c:pt>
                 <c:pt idx="1">
-                  <c:v>69.400000</c:v>
+                  <c:v>69.400000000000006</c:v>
                 </c:pt>
               </c:numCache>
             </c:numRef>
           </c:val>
+          <c:extLst>
+            <c:ext xmlns:c16="http://schemas.microsoft.com/office/drawing/2014/chart" uri="{C3380CC4-5D6E-409C-BE32-E72D297353CC}">
+              <c16:uniqueId val="{00000001-39BE-814C-ABD8-49DF0701E063}"/>
+            </c:ext>
+          </c:extLst>
         </c:ser>
+        <c:dLbls>
+          <c:showLegendKey val="0"/>
+          <c:showVal val="0"/>
+          <c:showCatName val="0"/>
+          <c:showSerName val="0"/>
+          <c:showPercent val="0"/>
+          <c:showBubbleSize val="0"/>
+        </c:dLbls>
         <c:gapWidth val="40"/>
         <c:overlap val="-10"/>
         <c:axId val="2094734552"/>
@@ -1305,7 +1223,7 @@
               <a:lstStyle/>
               <a:p>
                 <a:pPr>
-                  <a:defRPr b="0" i="0" strike="noStrike" sz="3400" u="none">
+                  <a:defRPr sz="3400" b="0" i="0" u="none" strike="noStrike">
                     <a:solidFill>
                       <a:srgbClr val="000000"/>
                     </a:solidFill>
@@ -1313,7 +1231,7 @@
                   </a:defRPr>
                 </a:pPr>
                 <a:r>
-                  <a:rPr b="0" i="0" strike="noStrike" sz="3400" u="none">
+                  <a:rPr lang="en-US" sz="3400" b="0" i="0" u="none" strike="noStrike">
                     <a:solidFill>
                       <a:srgbClr val="000000"/>
                     </a:solidFill>
@@ -1324,7 +1242,6 @@
               </a:p>
             </c:rich>
           </c:tx>
-          <c:layout/>
           <c:overlay val="1"/>
         </c:title>
         <c:numFmt formatCode="General" sourceLinked="0"/>
@@ -1345,19 +1262,21 @@
           <a:lstStyle/>
           <a:p>
             <a:pPr>
-              <a:defRPr b="0" i="0" strike="noStrike" sz="3400" u="none">
+              <a:defRPr sz="3400" b="0" i="0" u="none" strike="noStrike">
                 <a:solidFill>
                   <a:srgbClr val="000000"/>
                 </a:solidFill>
                 <a:latin typeface="Graphik"/>
               </a:defRPr>
             </a:pPr>
+            <a:endParaRPr lang="en-US"/>
           </a:p>
         </c:txPr>
         <c:crossAx val="2094734553"/>
         <c:crosses val="autoZero"/>
         <c:auto val="1"/>
         <c:lblAlgn val="ctr"/>
+        <c:lblOffset val="100"/>
         <c:noMultiLvlLbl val="1"/>
       </c:catAx>
       <c:valAx>
@@ -1385,7 +1304,7 @@
               <a:lstStyle/>
               <a:p>
                 <a:pPr>
-                  <a:defRPr b="0" i="0" strike="noStrike" sz="3400" u="none">
+                  <a:defRPr sz="3400" b="0" i="0" u="none" strike="noStrike">
                     <a:solidFill>
                       <a:srgbClr val="000000"/>
                     </a:solidFill>
@@ -1393,7 +1312,7 @@
                   </a:defRPr>
                 </a:pPr>
                 <a:r>
-                  <a:rPr b="0" i="0" strike="noStrike" sz="3400" u="none">
+                  <a:rPr lang="en-US" sz="3400" b="0" i="0" u="none" strike="noStrike">
                     <a:solidFill>
                       <a:srgbClr val="000000"/>
                     </a:solidFill>
@@ -1404,7 +1323,6 @@
               </a:p>
             </c:rich>
           </c:tx>
-          <c:layout/>
           <c:overlay val="1"/>
         </c:title>
         <c:numFmt formatCode="General" sourceLinked="0"/>
@@ -1423,13 +1341,14 @@
           <a:lstStyle/>
           <a:p>
             <a:pPr>
-              <a:defRPr b="0" i="0" strike="noStrike" sz="3400" u="none">
+              <a:defRPr sz="3400" b="0" i="0" u="none" strike="noStrike">
                 <a:solidFill>
                   <a:srgbClr val="000000"/>
                 </a:solidFill>
                 <a:latin typeface="Graphik"/>
               </a:defRPr>
             </a:pPr>
+            <a:endParaRPr lang="en-US"/>
           </a:p>
         </c:txPr>
         <c:crossAx val="2094734552"/>
@@ -1453,10 +1372,10 @@
         <c:manualLayout>
           <c:xMode val="edge"/>
           <c:yMode val="edge"/>
-          <c:x val="0.120346"/>
+          <c:x val="0.12034599999999999"/>
           <c:y val="0"/>
-          <c:w val="0.836952"/>
-          <c:h val="0.0867623"/>
+          <c:w val="0.83695200000000003"/>
+          <c:h val="8.6762300000000001E-2"/>
         </c:manualLayout>
       </c:layout>
       <c:overlay val="1"/>
@@ -1473,18 +1392,20 @@
         <a:lstStyle/>
         <a:p>
           <a:pPr>
-            <a:defRPr b="0" i="0" strike="noStrike" sz="3400" u="none">
+            <a:defRPr sz="3400" b="0" i="0" u="none" strike="noStrike">
               <a:solidFill>
                 <a:srgbClr val="000000"/>
               </a:solidFill>
               <a:latin typeface="Graphik"/>
             </a:defRPr>
           </a:pPr>
+          <a:endParaRPr lang="en-US"/>
         </a:p>
       </c:txPr>
     </c:legend>
     <c:plotVisOnly val="1"/>
     <c:dispBlanksAs val="gap"/>
+    <c:showDLblsOverMax val="1"/>
   </c:chart>
   <c:spPr>
     <a:noFill/>
@@ -1500,8 +1421,13 @@
 </file>
 
 <file path=ppt/notesMasters/notesMaster1.xml><?xml version="1.0" encoding="utf-8"?>
-<p:notesMaster xmlns:a="http://schemas.openxmlformats.org/drawingml/2006/main" xmlns:r="http://schemas.openxmlformats.org/officeDocument/2006/relationships" xmlns:p="http://schemas.openxmlformats.org/presentationml/2006/main" xmlns:m="http://schemas.openxmlformats.org/officeDocument/2006/math" xmlns:a14="http://schemas.microsoft.com/office/drawing/2010/main">
+<p:notesMaster xmlns:a="http://schemas.openxmlformats.org/drawingml/2006/main" xmlns:r="http://schemas.openxmlformats.org/officeDocument/2006/relationships" xmlns:p="http://schemas.openxmlformats.org/presentationml/2006/main">
   <p:cSld>
+    <p:bg>
+      <p:bgRef idx="1001">
+        <a:schemeClr val="bg1"/>
+      </p:bgRef>
+    </p:bg>
     <p:spTree>
       <p:nvGrpSpPr>
         <p:cNvPr id="1" name=""/>
@@ -1519,7 +1445,9 @@
       <p:sp>
         <p:nvSpPr>
           <p:cNvPr id="148" name="Shape 148"/>
-          <p:cNvSpPr/>
+          <p:cNvSpPr>
+            <a:spLocks noGrp="1" noRot="1" noChangeAspect="1"/>
+          </p:cNvSpPr>
           <p:nvPr>
             <p:ph type="sldImg"/>
           </p:nvPr>
@@ -1537,14 +1465,16 @@
           <a:bodyPr/>
           <a:lstStyle/>
           <a:p>
-            <a:pPr/>
+            <a:endParaRPr/>
           </a:p>
         </p:txBody>
       </p:sp>
       <p:sp>
         <p:nvSpPr>
           <p:cNvPr id="149" name="Shape 149"/>
-          <p:cNvSpPr/>
+          <p:cNvSpPr>
+            <a:spLocks noGrp="1"/>
+          </p:cNvSpPr>
           <p:nvPr>
             <p:ph type="body" sz="quarter" idx="1"/>
           </p:nvPr>
@@ -1562,7 +1492,7 @@
           <a:bodyPr/>
           <a:lstStyle/>
           <a:p>
-            <a:pPr/>
+            <a:endParaRPr/>
           </a:p>
         </p:txBody>
       </p:sp>
@@ -1674,7 +1604,7 @@
 </file>
 
 <file path=ppt/slideLayouts/slideLayout1.xml><?xml version="1.0" encoding="utf-8"?>
-<p:sldLayout xmlns:a="http://schemas.openxmlformats.org/drawingml/2006/main" xmlns:r="http://schemas.openxmlformats.org/officeDocument/2006/relationships" xmlns:p="http://schemas.openxmlformats.org/presentationml/2006/main" xmlns:m="http://schemas.openxmlformats.org/officeDocument/2006/math" xmlns:a14="http://schemas.microsoft.com/office/drawing/2010/main" type="title" showMasterSp="1" showMasterPhAnim="1">
+<p:sldLayout xmlns:a="http://schemas.openxmlformats.org/drawingml/2006/main" xmlns:r="http://schemas.openxmlformats.org/officeDocument/2006/relationships" xmlns:p="http://schemas.openxmlformats.org/presentationml/2006/main" type="title">
   <p:cSld name="Title">
     <p:spTree>
       <p:nvGrpSpPr>
@@ -1693,7 +1623,9 @@
       <p:sp>
         <p:nvSpPr>
           <p:cNvPr id="11" name="Author and Date"/>
-          <p:cNvSpPr txBox="1"/>
+          <p:cNvSpPr txBox="1">
+            <a:spLocks noGrp="1"/>
+          </p:cNvSpPr>
           <p:nvPr>
             <p:ph type="body" sz="quarter" idx="21" hasCustomPrompt="1"/>
           </p:nvPr>
@@ -1719,16 +1651,15 @@
               </a:spcBef>
               <a:buSzTx/>
               <a:buNone/>
-              <a:defRPr spc="-29" sz="3000">
-                <a:latin typeface="Graphik Medium"/>
-                <a:ea typeface="Graphik Medium"/>
-                <a:cs typeface="Graphik Medium"/>
+              <a:defRPr sz="3000" spc="-29">
+                <a:latin typeface="Graphik-Medium"/>
+                <a:ea typeface="Graphik-Medium"/>
+                <a:cs typeface="Graphik-Medium"/>
                 <a:sym typeface="Graphik Medium"/>
               </a:defRPr>
             </a:lvl1pPr>
           </a:lstStyle>
           <a:p>
-            <a:pPr/>
             <a:r>
               <a:t>Author and Date</a:t>
             </a:r>
@@ -1738,7 +1669,9 @@
       <p:sp>
         <p:nvSpPr>
           <p:cNvPr id="12" name="Presentation Title"/>
-          <p:cNvSpPr txBox="1"/>
+          <p:cNvSpPr txBox="1">
+            <a:spLocks noGrp="1"/>
+          </p:cNvSpPr>
           <p:nvPr>
             <p:ph type="title" hasCustomPrompt="1"/>
           </p:nvPr>
@@ -1756,11 +1689,10 @@
           <a:bodyPr anchor="b"/>
           <a:lstStyle>
             <a:lvl1pPr>
-              <a:defRPr spc="-128" sz="12800"/>
+              <a:defRPr sz="12800" spc="-128"/>
             </a:lvl1pPr>
           </a:lstStyle>
           <a:p>
-            <a:pPr/>
             <a:r>
               <a:t>Presentation Title</a:t>
             </a:r>
@@ -1770,7 +1702,9 @@
       <p:sp>
         <p:nvSpPr>
           <p:cNvPr id="13" name="Body Level One…"/>
-          <p:cNvSpPr txBox="1"/>
+          <p:cNvSpPr txBox="1">
+            <a:spLocks noGrp="1"/>
+          </p:cNvSpPr>
           <p:nvPr>
             <p:ph type="body" sz="quarter" idx="1" hasCustomPrompt="1"/>
           </p:nvPr>
@@ -1796,10 +1730,10 @@
               </a:spcBef>
               <a:buSzTx/>
               <a:buNone/>
-              <a:defRPr spc="-59" sz="6000">
-                <a:latin typeface="Graphik Semibold"/>
-                <a:ea typeface="Graphik Semibold"/>
-                <a:cs typeface="Graphik Semibold"/>
+              <a:defRPr sz="6000" spc="-59">
+                <a:latin typeface="Graphik-SemiboldItalic"/>
+                <a:ea typeface="Graphik-SemiboldItalic"/>
+                <a:cs typeface="Graphik-SemiboldItalic"/>
                 <a:sym typeface="Graphik Semibold"/>
               </a:defRPr>
             </a:lvl1pPr>
@@ -1812,10 +1746,10 @@
               </a:spcBef>
               <a:buSzTx/>
               <a:buNone/>
-              <a:defRPr spc="-59" sz="6000">
-                <a:latin typeface="Graphik Semibold"/>
-                <a:ea typeface="Graphik Semibold"/>
-                <a:cs typeface="Graphik Semibold"/>
+              <a:defRPr sz="6000" spc="-59">
+                <a:latin typeface="Graphik-SemiboldItalic"/>
+                <a:ea typeface="Graphik-SemiboldItalic"/>
+                <a:cs typeface="Graphik-SemiboldItalic"/>
                 <a:sym typeface="Graphik Semibold"/>
               </a:defRPr>
             </a:lvl2pPr>
@@ -1828,10 +1762,10 @@
               </a:spcBef>
               <a:buSzTx/>
               <a:buNone/>
-              <a:defRPr spc="-59" sz="6000">
-                <a:latin typeface="Graphik Semibold"/>
-                <a:ea typeface="Graphik Semibold"/>
-                <a:cs typeface="Graphik Semibold"/>
+              <a:defRPr sz="6000" spc="-59">
+                <a:latin typeface="Graphik-SemiboldItalic"/>
+                <a:ea typeface="Graphik-SemiboldItalic"/>
+                <a:cs typeface="Graphik-SemiboldItalic"/>
                 <a:sym typeface="Graphik Semibold"/>
               </a:defRPr>
             </a:lvl3pPr>
@@ -1844,10 +1778,10 @@
               </a:spcBef>
               <a:buSzTx/>
               <a:buNone/>
-              <a:defRPr spc="-59" sz="6000">
-                <a:latin typeface="Graphik Semibold"/>
-                <a:ea typeface="Graphik Semibold"/>
-                <a:cs typeface="Graphik Semibold"/>
+              <a:defRPr sz="6000" spc="-59">
+                <a:latin typeface="Graphik-SemiboldItalic"/>
+                <a:ea typeface="Graphik-SemiboldItalic"/>
+                <a:cs typeface="Graphik-SemiboldItalic"/>
                 <a:sym typeface="Graphik Semibold"/>
               </a:defRPr>
             </a:lvl4pPr>
@@ -1860,50 +1794,43 @@
               </a:spcBef>
               <a:buSzTx/>
               <a:buNone/>
-              <a:defRPr spc="-59" sz="6000">
-                <a:latin typeface="Graphik Semibold"/>
-                <a:ea typeface="Graphik Semibold"/>
-                <a:cs typeface="Graphik Semibold"/>
+              <a:defRPr sz="6000" spc="-59">
+                <a:latin typeface="Graphik-SemiboldItalic"/>
+                <a:ea typeface="Graphik-SemiboldItalic"/>
+                <a:cs typeface="Graphik-SemiboldItalic"/>
                 <a:sym typeface="Graphik Semibold"/>
               </a:defRPr>
             </a:lvl5pPr>
           </a:lstStyle>
           <a:p>
-            <a:pPr/>
             <a:r>
               <a:t>Presentation Subtitle</a:t>
             </a:r>
           </a:p>
           <a:p>
             <a:pPr lvl="1"/>
-            <a:r>
-              <a:t/>
-            </a:r>
+            <a:endParaRPr/>
           </a:p>
           <a:p>
             <a:pPr lvl="2"/>
-            <a:r>
-              <a:t/>
-            </a:r>
+            <a:endParaRPr/>
           </a:p>
           <a:p>
             <a:pPr lvl="3"/>
-            <a:r>
-              <a:t/>
-            </a:r>
+            <a:endParaRPr/>
           </a:p>
           <a:p>
             <a:pPr lvl="4"/>
-            <a:r>
-              <a:t/>
-            </a:r>
+            <a:endParaRPr/>
           </a:p>
         </p:txBody>
       </p:sp>
       <p:sp>
         <p:nvSpPr>
           <p:cNvPr id="14" name="Slide Number"/>
-          <p:cNvSpPr txBox="1"/>
+          <p:cNvSpPr txBox="1">
+            <a:spLocks noGrp="1"/>
+          </p:cNvSpPr>
           <p:nvPr>
             <p:ph type="sldNum" sz="quarter" idx="2"/>
           </p:nvPr>
@@ -1921,8 +1848,10 @@
           <a:bodyPr/>
           <a:lstStyle/>
           <a:p>
-            <a:pPr/>
-            <a:fld id="{86CB4B4D-7CA3-9044-876B-883B54F8677D}" type="slidenum"/>
+            <a:fld id="{86CB4B4D-7CA3-9044-876B-883B54F8677D}" type="slidenum">
+              <a:t>‹#›</a:t>
+            </a:fld>
+            <a:endParaRPr/>
           </a:p>
         </p:txBody>
       </p:sp>
@@ -1931,12 +1860,12 @@
   <p:clrMapOvr>
     <a:masterClrMapping/>
   </p:clrMapOvr>
-  <p:transition xmlns:p14="http://schemas.microsoft.com/office/powerpoint/2010/main" spd="med" advClick="1"/>
+  <p:transition spd="med"/>
 </p:sldLayout>
 </file>
 
 <file path=ppt/slideLayouts/slideLayout10.xml><?xml version="1.0" encoding="utf-8"?>
-<p:sldLayout xmlns:a="http://schemas.openxmlformats.org/drawingml/2006/main" xmlns:r="http://schemas.openxmlformats.org/officeDocument/2006/relationships" xmlns:p="http://schemas.openxmlformats.org/presentationml/2006/main" xmlns:m="http://schemas.openxmlformats.org/officeDocument/2006/math" xmlns:a14="http://schemas.microsoft.com/office/drawing/2010/main" type="tx" showMasterSp="1" showMasterPhAnim="1">
+<p:sldLayout xmlns:a="http://schemas.openxmlformats.org/drawingml/2006/main" xmlns:r="http://schemas.openxmlformats.org/officeDocument/2006/relationships" xmlns:p="http://schemas.openxmlformats.org/presentationml/2006/main" type="tx">
   <p:cSld name="Statement">
     <p:spTree>
       <p:nvGrpSpPr>
@@ -1955,7 +1884,9 @@
       <p:sp>
         <p:nvSpPr>
           <p:cNvPr id="98" name="Body Level One…"/>
-          <p:cNvSpPr txBox="1"/>
+          <p:cNvSpPr txBox="1">
+            <a:spLocks noGrp="1"/>
+          </p:cNvSpPr>
           <p:nvPr>
             <p:ph type="body" idx="1" hasCustomPrompt="1"/>
           </p:nvPr>
@@ -2054,41 +1985,34 @@
             </a:lvl5pPr>
           </a:lstStyle>
           <a:p>
-            <a:pPr/>
             <a:r>
               <a:t>Statement</a:t>
             </a:r>
           </a:p>
           <a:p>
             <a:pPr lvl="1"/>
-            <a:r>
-              <a:t/>
-            </a:r>
+            <a:endParaRPr/>
           </a:p>
           <a:p>
             <a:pPr lvl="2"/>
-            <a:r>
-              <a:t/>
-            </a:r>
+            <a:endParaRPr/>
           </a:p>
           <a:p>
             <a:pPr lvl="3"/>
-            <a:r>
-              <a:t/>
-            </a:r>
+            <a:endParaRPr/>
           </a:p>
           <a:p>
             <a:pPr lvl="4"/>
-            <a:r>
-              <a:t/>
-            </a:r>
+            <a:endParaRPr/>
           </a:p>
         </p:txBody>
       </p:sp>
       <p:sp>
         <p:nvSpPr>
           <p:cNvPr id="99" name="Slide Number"/>
-          <p:cNvSpPr txBox="1"/>
+          <p:cNvSpPr txBox="1">
+            <a:spLocks noGrp="1"/>
+          </p:cNvSpPr>
           <p:nvPr>
             <p:ph type="sldNum" sz="quarter" idx="2"/>
           </p:nvPr>
@@ -2102,8 +2026,10 @@
           <a:bodyPr/>
           <a:lstStyle/>
           <a:p>
-            <a:pPr/>
-            <a:fld id="{86CB4B4D-7CA3-9044-876B-883B54F8677D}" type="slidenum"/>
+            <a:fld id="{86CB4B4D-7CA3-9044-876B-883B54F8677D}" type="slidenum">
+              <a:t>‹#›</a:t>
+            </a:fld>
+            <a:endParaRPr/>
           </a:p>
         </p:txBody>
       </p:sp>
@@ -2112,12 +2038,12 @@
   <p:clrMapOvr>
     <a:masterClrMapping/>
   </p:clrMapOvr>
-  <p:transition xmlns:p14="http://schemas.microsoft.com/office/powerpoint/2010/main" spd="med" advClick="1"/>
+  <p:transition spd="med"/>
 </p:sldLayout>
 </file>
 
 <file path=ppt/slideLayouts/slideLayout11.xml><?xml version="1.0" encoding="utf-8"?>
-<p:sldLayout xmlns:a="http://schemas.openxmlformats.org/drawingml/2006/main" xmlns:r="http://schemas.openxmlformats.org/officeDocument/2006/relationships" xmlns:p="http://schemas.openxmlformats.org/presentationml/2006/main" xmlns:m="http://schemas.openxmlformats.org/officeDocument/2006/math" xmlns:a14="http://schemas.microsoft.com/office/drawing/2010/main" type="tx" showMasterSp="1" showMasterPhAnim="1">
+<p:sldLayout xmlns:a="http://schemas.openxmlformats.org/drawingml/2006/main" xmlns:r="http://schemas.openxmlformats.org/officeDocument/2006/relationships" xmlns:p="http://schemas.openxmlformats.org/presentationml/2006/main" type="tx">
   <p:cSld name="Big Fact">
     <p:spTree>
       <p:nvGrpSpPr>
@@ -2136,7 +2062,9 @@
       <p:sp>
         <p:nvSpPr>
           <p:cNvPr id="106" name="Fact information"/>
-          <p:cNvSpPr txBox="1"/>
+          <p:cNvSpPr txBox="1">
+            <a:spLocks noGrp="1"/>
+          </p:cNvSpPr>
           <p:nvPr>
             <p:ph type="body" sz="quarter" idx="21" hasCustomPrompt="1"/>
           </p:nvPr>
@@ -2163,15 +2091,14 @@
               <a:buSzTx/>
               <a:buNone/>
               <a:defRPr spc="-44">
-                <a:latin typeface="Graphik Semibold"/>
-                <a:ea typeface="Graphik Semibold"/>
-                <a:cs typeface="Graphik Semibold"/>
+                <a:latin typeface="Graphik-SemiboldItalic"/>
+                <a:ea typeface="Graphik-SemiboldItalic"/>
+                <a:cs typeface="Graphik-SemiboldItalic"/>
                 <a:sym typeface="Graphik Semibold"/>
               </a:defRPr>
             </a:lvl1pPr>
           </a:lstStyle>
           <a:p>
-            <a:pPr/>
             <a:r>
               <a:t>Fact information</a:t>
             </a:r>
@@ -2181,7 +2108,9 @@
       <p:sp>
         <p:nvSpPr>
           <p:cNvPr id="107" name="Body Level One…"/>
-          <p:cNvSpPr txBox="1"/>
+          <p:cNvSpPr txBox="1">
+            <a:spLocks noGrp="1"/>
+          </p:cNvSpPr>
           <p:nvPr>
             <p:ph type="body" sz="half" idx="1" hasCustomPrompt="1"/>
           </p:nvPr>
@@ -2280,41 +2209,34 @@
             </a:lvl5pPr>
           </a:lstStyle>
           <a:p>
-            <a:pPr/>
             <a:r>
               <a:t>100%</a:t>
             </a:r>
           </a:p>
           <a:p>
             <a:pPr lvl="1"/>
-            <a:r>
-              <a:t/>
-            </a:r>
+            <a:endParaRPr/>
           </a:p>
           <a:p>
             <a:pPr lvl="2"/>
-            <a:r>
-              <a:t/>
-            </a:r>
+            <a:endParaRPr/>
           </a:p>
           <a:p>
             <a:pPr lvl="3"/>
-            <a:r>
-              <a:t/>
-            </a:r>
+            <a:endParaRPr/>
           </a:p>
           <a:p>
             <a:pPr lvl="4"/>
-            <a:r>
-              <a:t/>
-            </a:r>
+            <a:endParaRPr/>
           </a:p>
         </p:txBody>
       </p:sp>
       <p:sp>
         <p:nvSpPr>
           <p:cNvPr id="108" name="Slide Number"/>
-          <p:cNvSpPr txBox="1"/>
+          <p:cNvSpPr txBox="1">
+            <a:spLocks noGrp="1"/>
+          </p:cNvSpPr>
           <p:nvPr>
             <p:ph type="sldNum" sz="quarter" idx="2"/>
           </p:nvPr>
@@ -2328,8 +2250,10 @@
           <a:bodyPr/>
           <a:lstStyle/>
           <a:p>
-            <a:pPr/>
-            <a:fld id="{86CB4B4D-7CA3-9044-876B-883B54F8677D}" type="slidenum"/>
+            <a:fld id="{86CB4B4D-7CA3-9044-876B-883B54F8677D}" type="slidenum">
+              <a:t>‹#›</a:t>
+            </a:fld>
+            <a:endParaRPr/>
           </a:p>
         </p:txBody>
       </p:sp>
@@ -2338,12 +2262,12 @@
   <p:clrMapOvr>
     <a:masterClrMapping/>
   </p:clrMapOvr>
-  <p:transition xmlns:p14="http://schemas.microsoft.com/office/powerpoint/2010/main" spd="med" advClick="1"/>
+  <p:transition spd="med"/>
 </p:sldLayout>
 </file>
 
 <file path=ppt/slideLayouts/slideLayout12.xml><?xml version="1.0" encoding="utf-8"?>
-<p:sldLayout xmlns:a="http://schemas.openxmlformats.org/drawingml/2006/main" xmlns:r="http://schemas.openxmlformats.org/officeDocument/2006/relationships" xmlns:p="http://schemas.openxmlformats.org/presentationml/2006/main" xmlns:m="http://schemas.openxmlformats.org/officeDocument/2006/math" xmlns:a14="http://schemas.microsoft.com/office/drawing/2010/main" type="tx" showMasterSp="1" showMasterPhAnim="1">
+<p:sldLayout xmlns:a="http://schemas.openxmlformats.org/drawingml/2006/main" xmlns:r="http://schemas.openxmlformats.org/officeDocument/2006/relationships" xmlns:p="http://schemas.openxmlformats.org/presentationml/2006/main" type="tx">
   <p:cSld name="Quote">
     <p:spTree>
       <p:nvGrpSpPr>
@@ -2362,7 +2286,9 @@
       <p:sp>
         <p:nvSpPr>
           <p:cNvPr id="115" name="Attribution"/>
-          <p:cNvSpPr txBox="1"/>
+          <p:cNvSpPr txBox="1">
+            <a:spLocks noGrp="1"/>
+          </p:cNvSpPr>
           <p:nvPr>
             <p:ph type="body" sz="quarter" idx="21" hasCustomPrompt="1"/>
           </p:nvPr>
@@ -2389,15 +2315,14 @@
               <a:buSzTx/>
               <a:buNone/>
               <a:defRPr spc="-44">
-                <a:latin typeface="Graphik Semibold"/>
-                <a:ea typeface="Graphik Semibold"/>
-                <a:cs typeface="Graphik Semibold"/>
+                <a:latin typeface="Graphik-SemiboldItalic"/>
+                <a:ea typeface="Graphik-SemiboldItalic"/>
+                <a:cs typeface="Graphik-SemiboldItalic"/>
                 <a:sym typeface="Graphik Semibold"/>
               </a:defRPr>
             </a:lvl1pPr>
           </a:lstStyle>
           <a:p>
-            <a:pPr/>
             <a:r>
               <a:t>Attribution</a:t>
             </a:r>
@@ -2407,7 +2332,9 @@
       <p:sp>
         <p:nvSpPr>
           <p:cNvPr id="116" name="Body Level One…"/>
-          <p:cNvSpPr txBox="1"/>
+          <p:cNvSpPr txBox="1">
+            <a:spLocks noGrp="1"/>
+          </p:cNvSpPr>
           <p:nvPr>
             <p:ph type="body" sz="half" idx="1" hasCustomPrompt="1"/>
           </p:nvPr>
@@ -2506,41 +2433,34 @@
             </a:lvl5pPr>
           </a:lstStyle>
           <a:p>
-            <a:pPr/>
             <a:r>
               <a:t>“Notable Quote”</a:t>
             </a:r>
           </a:p>
           <a:p>
             <a:pPr lvl="1"/>
-            <a:r>
-              <a:t/>
-            </a:r>
+            <a:endParaRPr/>
           </a:p>
           <a:p>
             <a:pPr lvl="2"/>
-            <a:r>
-              <a:t/>
-            </a:r>
+            <a:endParaRPr/>
           </a:p>
           <a:p>
             <a:pPr lvl="3"/>
-            <a:r>
-              <a:t/>
-            </a:r>
+            <a:endParaRPr/>
           </a:p>
           <a:p>
             <a:pPr lvl="4"/>
-            <a:r>
-              <a:t/>
-            </a:r>
+            <a:endParaRPr/>
           </a:p>
         </p:txBody>
       </p:sp>
       <p:sp>
         <p:nvSpPr>
           <p:cNvPr id="117" name="Slide Number"/>
-          <p:cNvSpPr txBox="1"/>
+          <p:cNvSpPr txBox="1">
+            <a:spLocks noGrp="1"/>
+          </p:cNvSpPr>
           <p:nvPr>
             <p:ph type="sldNum" sz="quarter" idx="2"/>
           </p:nvPr>
@@ -2558,8 +2478,10 @@
           <a:bodyPr/>
           <a:lstStyle/>
           <a:p>
-            <a:pPr/>
-            <a:fld id="{86CB4B4D-7CA3-9044-876B-883B54F8677D}" type="slidenum"/>
+            <a:fld id="{86CB4B4D-7CA3-9044-876B-883B54F8677D}" type="slidenum">
+              <a:t>‹#›</a:t>
+            </a:fld>
+            <a:endParaRPr/>
           </a:p>
         </p:txBody>
       </p:sp>
@@ -2568,12 +2490,12 @@
   <p:clrMapOvr>
     <a:masterClrMapping/>
   </p:clrMapOvr>
-  <p:transition xmlns:p14="http://schemas.microsoft.com/office/powerpoint/2010/main" spd="med" advClick="1"/>
+  <p:transition spd="med"/>
 </p:sldLayout>
 </file>
 
 <file path=ppt/slideLayouts/slideLayout13.xml><?xml version="1.0" encoding="utf-8"?>
-<p:sldLayout xmlns:a="http://schemas.openxmlformats.org/drawingml/2006/main" xmlns:r="http://schemas.openxmlformats.org/officeDocument/2006/relationships" xmlns:p="http://schemas.openxmlformats.org/presentationml/2006/main" xmlns:m="http://schemas.openxmlformats.org/officeDocument/2006/math" xmlns:a14="http://schemas.microsoft.com/office/drawing/2010/main" type="tx" showMasterSp="1" showMasterPhAnim="1">
+<p:sldLayout xmlns:a="http://schemas.openxmlformats.org/drawingml/2006/main" xmlns:r="http://schemas.openxmlformats.org/officeDocument/2006/relationships" xmlns:p="http://schemas.openxmlformats.org/presentationml/2006/main" type="tx">
   <p:cSld name="Photo - 3 Up">
     <p:spTree>
       <p:nvGrpSpPr>
@@ -2592,7 +2514,9 @@
       <p:sp>
         <p:nvSpPr>
           <p:cNvPr id="124" name="941297804_1296x1457.jpg"/>
-          <p:cNvSpPr/>
+          <p:cNvSpPr>
+            <a:spLocks noGrp="1"/>
+          </p:cNvSpPr>
           <p:nvPr>
             <p:ph type="pic" sz="quarter" idx="21"/>
           </p:nvPr>
@@ -2612,14 +2536,16 @@
           </a:bodyPr>
           <a:lstStyle/>
           <a:p>
-            <a:pPr/>
+            <a:endParaRPr/>
           </a:p>
         </p:txBody>
       </p:sp>
       <p:sp>
         <p:nvSpPr>
           <p:cNvPr id="125" name="915009552_2264x1509.jpg"/>
-          <p:cNvSpPr/>
+          <p:cNvSpPr>
+            <a:spLocks noGrp="1"/>
+          </p:cNvSpPr>
           <p:nvPr>
             <p:ph type="pic" sz="quarter" idx="22"/>
           </p:nvPr>
@@ -2639,14 +2565,16 @@
           </a:bodyPr>
           <a:lstStyle/>
           <a:p>
-            <a:pPr/>
+            <a:endParaRPr/>
           </a:p>
         </p:txBody>
       </p:sp>
       <p:sp>
         <p:nvSpPr>
           <p:cNvPr id="126" name="740519873_3318x2212.jpg"/>
-          <p:cNvSpPr/>
+          <p:cNvSpPr>
+            <a:spLocks noGrp="1"/>
+          </p:cNvSpPr>
           <p:nvPr>
             <p:ph type="pic" idx="23"/>
           </p:nvPr>
@@ -2666,14 +2594,16 @@
           </a:bodyPr>
           <a:lstStyle/>
           <a:p>
-            <a:pPr/>
+            <a:endParaRPr/>
           </a:p>
         </p:txBody>
       </p:sp>
       <p:sp>
         <p:nvSpPr>
           <p:cNvPr id="127" name="Slide Number"/>
-          <p:cNvSpPr txBox="1"/>
+          <p:cNvSpPr txBox="1">
+            <a:spLocks noGrp="1"/>
+          </p:cNvSpPr>
           <p:nvPr>
             <p:ph type="sldNum" sz="quarter" idx="2"/>
           </p:nvPr>
@@ -2691,8 +2621,10 @@
           <a:bodyPr/>
           <a:lstStyle/>
           <a:p>
-            <a:pPr/>
-            <a:fld id="{86CB4B4D-7CA3-9044-876B-883B54F8677D}" type="slidenum"/>
+            <a:fld id="{86CB4B4D-7CA3-9044-876B-883B54F8677D}" type="slidenum">
+              <a:t>‹#›</a:t>
+            </a:fld>
+            <a:endParaRPr/>
           </a:p>
         </p:txBody>
       </p:sp>
@@ -2701,12 +2633,12 @@
   <p:clrMapOvr>
     <a:masterClrMapping/>
   </p:clrMapOvr>
-  <p:transition xmlns:p14="http://schemas.microsoft.com/office/powerpoint/2010/main" spd="med" advClick="1"/>
+  <p:transition spd="med"/>
 </p:sldLayout>
 </file>
 
 <file path=ppt/slideLayouts/slideLayout14.xml><?xml version="1.0" encoding="utf-8"?>
-<p:sldLayout xmlns:a="http://schemas.openxmlformats.org/drawingml/2006/main" xmlns:r="http://schemas.openxmlformats.org/officeDocument/2006/relationships" xmlns:p="http://schemas.openxmlformats.org/presentationml/2006/main" xmlns:m="http://schemas.openxmlformats.org/officeDocument/2006/math" xmlns:a14="http://schemas.microsoft.com/office/drawing/2010/main" type="tx" showMasterSp="1" showMasterPhAnim="1">
+<p:sldLayout xmlns:a="http://schemas.openxmlformats.org/drawingml/2006/main" xmlns:r="http://schemas.openxmlformats.org/officeDocument/2006/relationships" xmlns:p="http://schemas.openxmlformats.org/presentationml/2006/main" type="tx">
   <p:cSld name="Photo">
     <p:spTree>
       <p:nvGrpSpPr>
@@ -2725,7 +2657,9 @@
       <p:sp>
         <p:nvSpPr>
           <p:cNvPr id="134" name="740519873_3318x2212.jpg"/>
-          <p:cNvSpPr/>
+          <p:cNvSpPr>
+            <a:spLocks noGrp="1"/>
+          </p:cNvSpPr>
           <p:nvPr>
             <p:ph type="pic" idx="21"/>
           </p:nvPr>
@@ -2745,14 +2679,16 @@
           </a:bodyPr>
           <a:lstStyle/>
           <a:p>
-            <a:pPr/>
+            <a:endParaRPr/>
           </a:p>
         </p:txBody>
       </p:sp>
       <p:sp>
         <p:nvSpPr>
           <p:cNvPr id="135" name="Slide Number"/>
-          <p:cNvSpPr txBox="1"/>
+          <p:cNvSpPr txBox="1">
+            <a:spLocks noGrp="1"/>
+          </p:cNvSpPr>
           <p:nvPr>
             <p:ph type="sldNum" sz="quarter" idx="2"/>
           </p:nvPr>
@@ -2770,8 +2706,10 @@
           <a:bodyPr/>
           <a:lstStyle/>
           <a:p>
-            <a:pPr/>
-            <a:fld id="{86CB4B4D-7CA3-9044-876B-883B54F8677D}" type="slidenum"/>
+            <a:fld id="{86CB4B4D-7CA3-9044-876B-883B54F8677D}" type="slidenum">
+              <a:t>‹#›</a:t>
+            </a:fld>
+            <a:endParaRPr/>
           </a:p>
         </p:txBody>
       </p:sp>
@@ -2780,12 +2718,12 @@
   <p:clrMapOvr>
     <a:masterClrMapping/>
   </p:clrMapOvr>
-  <p:transition xmlns:p14="http://schemas.microsoft.com/office/powerpoint/2010/main" spd="med" advClick="1"/>
+  <p:transition spd="med"/>
 </p:sldLayout>
 </file>
 
 <file path=ppt/slideLayouts/slideLayout15.xml><?xml version="1.0" encoding="utf-8"?>
-<p:sldLayout xmlns:a="http://schemas.openxmlformats.org/drawingml/2006/main" xmlns:r="http://schemas.openxmlformats.org/officeDocument/2006/relationships" xmlns:p="http://schemas.openxmlformats.org/presentationml/2006/main" xmlns:m="http://schemas.openxmlformats.org/officeDocument/2006/math" xmlns:a14="http://schemas.microsoft.com/office/drawing/2010/main" type="tx" showMasterSp="1" showMasterPhAnim="1">
+<p:sldLayout xmlns:a="http://schemas.openxmlformats.org/drawingml/2006/main" xmlns:r="http://schemas.openxmlformats.org/officeDocument/2006/relationships" xmlns:p="http://schemas.openxmlformats.org/presentationml/2006/main" type="tx">
   <p:cSld name="Blank">
     <p:spTree>
       <p:nvGrpSpPr>
@@ -2804,7 +2742,9 @@
       <p:sp>
         <p:nvSpPr>
           <p:cNvPr id="142" name="Slide Number"/>
-          <p:cNvSpPr txBox="1"/>
+          <p:cNvSpPr txBox="1">
+            <a:spLocks noGrp="1"/>
+          </p:cNvSpPr>
           <p:nvPr>
             <p:ph type="sldNum" sz="quarter" idx="2"/>
           </p:nvPr>
@@ -2822,8 +2762,10 @@
           <a:bodyPr/>
           <a:lstStyle/>
           <a:p>
-            <a:pPr/>
-            <a:fld id="{86CB4B4D-7CA3-9044-876B-883B54F8677D}" type="slidenum"/>
+            <a:fld id="{86CB4B4D-7CA3-9044-876B-883B54F8677D}" type="slidenum">
+              <a:t>‹#›</a:t>
+            </a:fld>
+            <a:endParaRPr/>
           </a:p>
         </p:txBody>
       </p:sp>
@@ -2832,12 +2774,12 @@
   <p:clrMapOvr>
     <a:masterClrMapping/>
   </p:clrMapOvr>
-  <p:transition xmlns:p14="http://schemas.microsoft.com/office/powerpoint/2010/main" spd="med" advClick="1"/>
+  <p:transition spd="med"/>
 </p:sldLayout>
 </file>
 
 <file path=ppt/slideLayouts/slideLayout2.xml><?xml version="1.0" encoding="utf-8"?>
-<p:sldLayout xmlns:a="http://schemas.openxmlformats.org/drawingml/2006/main" xmlns:r="http://schemas.openxmlformats.org/officeDocument/2006/relationships" xmlns:p="http://schemas.openxmlformats.org/presentationml/2006/main" xmlns:m="http://schemas.openxmlformats.org/officeDocument/2006/math" xmlns:a14="http://schemas.microsoft.com/office/drawing/2010/main" type="tx" showMasterSp="1" showMasterPhAnim="1">
+<p:sldLayout xmlns:a="http://schemas.openxmlformats.org/drawingml/2006/main" xmlns:r="http://schemas.openxmlformats.org/officeDocument/2006/relationships" xmlns:p="http://schemas.openxmlformats.org/presentationml/2006/main" type="tx">
   <p:cSld name="Title &amp; Photo">
     <p:spTree>
       <p:nvGrpSpPr>
@@ -2856,7 +2798,9 @@
       <p:sp>
         <p:nvSpPr>
           <p:cNvPr id="21" name="740519873_3318x2212.jpg"/>
-          <p:cNvSpPr/>
+          <p:cNvSpPr>
+            <a:spLocks noGrp="1"/>
+          </p:cNvSpPr>
           <p:nvPr>
             <p:ph type="pic" idx="21"/>
           </p:nvPr>
@@ -2876,14 +2820,16 @@
           </a:bodyPr>
           <a:lstStyle/>
           <a:p>
-            <a:pPr/>
+            <a:endParaRPr/>
           </a:p>
         </p:txBody>
       </p:sp>
       <p:sp>
         <p:nvSpPr>
           <p:cNvPr id="22" name="Presentation Title"/>
-          <p:cNvSpPr txBox="1"/>
+          <p:cNvSpPr txBox="1">
+            <a:spLocks noGrp="1"/>
+          </p:cNvSpPr>
           <p:nvPr>
             <p:ph type="title" hasCustomPrompt="1"/>
           </p:nvPr>
@@ -2901,7 +2847,7 @@
           <a:bodyPr anchor="b"/>
           <a:lstStyle>
             <a:lvl1pPr>
-              <a:defRPr spc="-128" sz="12800">
+              <a:defRPr sz="12800" spc="-128">
                 <a:solidFill>
                   <a:srgbClr val="FFFFFF"/>
                 </a:solidFill>
@@ -2909,7 +2855,6 @@
             </a:lvl1pPr>
           </a:lstStyle>
           <a:p>
-            <a:pPr/>
             <a:r>
               <a:t>Presentation Title</a:t>
             </a:r>
@@ -2919,7 +2864,9 @@
       <p:sp>
         <p:nvSpPr>
           <p:cNvPr id="23" name="Body Level One…"/>
-          <p:cNvSpPr txBox="1"/>
+          <p:cNvSpPr txBox="1">
+            <a:spLocks noGrp="1"/>
+          </p:cNvSpPr>
           <p:nvPr>
             <p:ph type="body" sz="quarter" idx="1" hasCustomPrompt="1"/>
           </p:nvPr>
@@ -2945,13 +2892,13 @@
               </a:spcBef>
               <a:buSzTx/>
               <a:buNone/>
-              <a:defRPr spc="-59" sz="6000">
+              <a:defRPr sz="6000" spc="-59">
                 <a:solidFill>
                   <a:srgbClr val="FFFFFF"/>
                 </a:solidFill>
-                <a:latin typeface="Graphik Semibold"/>
-                <a:ea typeface="Graphik Semibold"/>
-                <a:cs typeface="Graphik Semibold"/>
+                <a:latin typeface="Graphik-SemiboldItalic"/>
+                <a:ea typeface="Graphik-SemiboldItalic"/>
+                <a:cs typeface="Graphik-SemiboldItalic"/>
                 <a:sym typeface="Graphik Semibold"/>
               </a:defRPr>
             </a:lvl1pPr>
@@ -2964,13 +2911,13 @@
               </a:spcBef>
               <a:buSzTx/>
               <a:buNone/>
-              <a:defRPr spc="-59" sz="6000">
+              <a:defRPr sz="6000" spc="-59">
                 <a:solidFill>
                   <a:srgbClr val="FFFFFF"/>
                 </a:solidFill>
-                <a:latin typeface="Graphik Semibold"/>
-                <a:ea typeface="Graphik Semibold"/>
-                <a:cs typeface="Graphik Semibold"/>
+                <a:latin typeface="Graphik-SemiboldItalic"/>
+                <a:ea typeface="Graphik-SemiboldItalic"/>
+                <a:cs typeface="Graphik-SemiboldItalic"/>
                 <a:sym typeface="Graphik Semibold"/>
               </a:defRPr>
             </a:lvl2pPr>
@@ -2983,13 +2930,13 @@
               </a:spcBef>
               <a:buSzTx/>
               <a:buNone/>
-              <a:defRPr spc="-59" sz="6000">
+              <a:defRPr sz="6000" spc="-59">
                 <a:solidFill>
                   <a:srgbClr val="FFFFFF"/>
                 </a:solidFill>
-                <a:latin typeface="Graphik Semibold"/>
-                <a:ea typeface="Graphik Semibold"/>
-                <a:cs typeface="Graphik Semibold"/>
+                <a:latin typeface="Graphik-SemiboldItalic"/>
+                <a:ea typeface="Graphik-SemiboldItalic"/>
+                <a:cs typeface="Graphik-SemiboldItalic"/>
                 <a:sym typeface="Graphik Semibold"/>
               </a:defRPr>
             </a:lvl3pPr>
@@ -3002,13 +2949,13 @@
               </a:spcBef>
               <a:buSzTx/>
               <a:buNone/>
-              <a:defRPr spc="-59" sz="6000">
+              <a:defRPr sz="6000" spc="-59">
                 <a:solidFill>
                   <a:srgbClr val="FFFFFF"/>
                 </a:solidFill>
-                <a:latin typeface="Graphik Semibold"/>
-                <a:ea typeface="Graphik Semibold"/>
-                <a:cs typeface="Graphik Semibold"/>
+                <a:latin typeface="Graphik-SemiboldItalic"/>
+                <a:ea typeface="Graphik-SemiboldItalic"/>
+                <a:cs typeface="Graphik-SemiboldItalic"/>
                 <a:sym typeface="Graphik Semibold"/>
               </a:defRPr>
             </a:lvl4pPr>
@@ -3021,53 +2968,46 @@
               </a:spcBef>
               <a:buSzTx/>
               <a:buNone/>
-              <a:defRPr spc="-59" sz="6000">
+              <a:defRPr sz="6000" spc="-59">
                 <a:solidFill>
                   <a:srgbClr val="FFFFFF"/>
                 </a:solidFill>
-                <a:latin typeface="Graphik Semibold"/>
-                <a:ea typeface="Graphik Semibold"/>
-                <a:cs typeface="Graphik Semibold"/>
+                <a:latin typeface="Graphik-SemiboldItalic"/>
+                <a:ea typeface="Graphik-SemiboldItalic"/>
+                <a:cs typeface="Graphik-SemiboldItalic"/>
                 <a:sym typeface="Graphik Semibold"/>
               </a:defRPr>
             </a:lvl5pPr>
           </a:lstStyle>
           <a:p>
-            <a:pPr/>
             <a:r>
               <a:t>Presentation Subtitle</a:t>
             </a:r>
           </a:p>
           <a:p>
             <a:pPr lvl="1"/>
-            <a:r>
-              <a:t/>
-            </a:r>
+            <a:endParaRPr/>
           </a:p>
           <a:p>
             <a:pPr lvl="2"/>
-            <a:r>
-              <a:t/>
-            </a:r>
+            <a:endParaRPr/>
           </a:p>
           <a:p>
             <a:pPr lvl="3"/>
-            <a:r>
-              <a:t/>
-            </a:r>
+            <a:endParaRPr/>
           </a:p>
           <a:p>
             <a:pPr lvl="4"/>
-            <a:r>
-              <a:t/>
-            </a:r>
+            <a:endParaRPr/>
           </a:p>
         </p:txBody>
       </p:sp>
       <p:sp>
         <p:nvSpPr>
           <p:cNvPr id="24" name="Author and Date"/>
-          <p:cNvSpPr txBox="1"/>
+          <p:cNvSpPr txBox="1">
+            <a:spLocks noGrp="1"/>
+          </p:cNvSpPr>
           <p:nvPr>
             <p:ph type="body" sz="quarter" idx="22" hasCustomPrompt="1"/>
           </p:nvPr>
@@ -3093,19 +3033,18 @@
               </a:spcBef>
               <a:buSzTx/>
               <a:buNone/>
-              <a:defRPr spc="-29" sz="3000">
+              <a:defRPr sz="3000" spc="-29">
                 <a:solidFill>
                   <a:srgbClr val="FFFFFF"/>
                 </a:solidFill>
-                <a:latin typeface="Graphik Medium"/>
-                <a:ea typeface="Graphik Medium"/>
-                <a:cs typeface="Graphik Medium"/>
+                <a:latin typeface="Graphik-Medium"/>
+                <a:ea typeface="Graphik-Medium"/>
+                <a:cs typeface="Graphik-Medium"/>
                 <a:sym typeface="Graphik Medium"/>
               </a:defRPr>
             </a:lvl1pPr>
           </a:lstStyle>
           <a:p>
-            <a:pPr/>
             <a:r>
               <a:t>Author and Date</a:t>
             </a:r>
@@ -3115,7 +3054,9 @@
       <p:sp>
         <p:nvSpPr>
           <p:cNvPr id="25" name="Slide Number"/>
-          <p:cNvSpPr txBox="1"/>
+          <p:cNvSpPr txBox="1">
+            <a:spLocks noGrp="1"/>
+          </p:cNvSpPr>
           <p:nvPr>
             <p:ph type="sldNum" sz="quarter" idx="2"/>
           </p:nvPr>
@@ -3137,8 +3078,10 @@
             </a:lvl1pPr>
           </a:lstStyle>
           <a:p>
-            <a:pPr/>
-            <a:fld id="{86CB4B4D-7CA3-9044-876B-883B54F8677D}" type="slidenum"/>
+            <a:fld id="{86CB4B4D-7CA3-9044-876B-883B54F8677D}" type="slidenum">
+              <a:t>‹#›</a:t>
+            </a:fld>
+            <a:endParaRPr/>
           </a:p>
         </p:txBody>
       </p:sp>
@@ -3147,12 +3090,12 @@
   <p:clrMapOvr>
     <a:masterClrMapping/>
   </p:clrMapOvr>
-  <p:transition xmlns:p14="http://schemas.microsoft.com/office/powerpoint/2010/main" spd="med" advClick="1"/>
+  <p:transition spd="med"/>
 </p:sldLayout>
 </file>
 
 <file path=ppt/slideLayouts/slideLayout3.xml><?xml version="1.0" encoding="utf-8"?>
-<p:sldLayout xmlns:a="http://schemas.openxmlformats.org/drawingml/2006/main" xmlns:r="http://schemas.openxmlformats.org/officeDocument/2006/relationships" xmlns:p="http://schemas.openxmlformats.org/presentationml/2006/main" xmlns:m="http://schemas.openxmlformats.org/officeDocument/2006/math" xmlns:a14="http://schemas.microsoft.com/office/drawing/2010/main" type="tx" showMasterSp="1" showMasterPhAnim="1">
+<p:sldLayout xmlns:a="http://schemas.openxmlformats.org/drawingml/2006/main" xmlns:r="http://schemas.openxmlformats.org/officeDocument/2006/relationships" xmlns:p="http://schemas.openxmlformats.org/presentationml/2006/main" type="tx">
   <p:cSld name="Title &amp; Photo Alt">
     <p:spTree>
       <p:nvGrpSpPr>
@@ -3171,7 +3114,9 @@
       <p:sp>
         <p:nvSpPr>
           <p:cNvPr id="32" name="Slide Title"/>
-          <p:cNvSpPr txBox="1"/>
+          <p:cNvSpPr txBox="1">
+            <a:spLocks noGrp="1"/>
+          </p:cNvSpPr>
           <p:nvPr>
             <p:ph type="title" hasCustomPrompt="1"/>
           </p:nvPr>
@@ -3189,7 +3134,6 @@
           <a:bodyPr anchor="b"/>
           <a:lstStyle/>
           <a:p>
-            <a:pPr/>
             <a:r>
               <a:t>Slide Title</a:t>
             </a:r>
@@ -3199,7 +3143,9 @@
       <p:sp>
         <p:nvSpPr>
           <p:cNvPr id="33" name="Image"/>
-          <p:cNvSpPr/>
+          <p:cNvSpPr>
+            <a:spLocks noGrp="1"/>
+          </p:cNvSpPr>
           <p:nvPr>
             <p:ph type="pic" idx="21"/>
           </p:nvPr>
@@ -3219,14 +3165,16 @@
           </a:bodyPr>
           <a:lstStyle/>
           <a:p>
-            <a:pPr/>
+            <a:endParaRPr/>
           </a:p>
         </p:txBody>
       </p:sp>
       <p:sp>
         <p:nvSpPr>
           <p:cNvPr id="34" name="Body Level One…"/>
-          <p:cNvSpPr txBox="1"/>
+          <p:cNvSpPr txBox="1">
+            <a:spLocks noGrp="1"/>
+          </p:cNvSpPr>
           <p:nvPr>
             <p:ph type="body" sz="quarter" idx="1" hasCustomPrompt="1"/>
           </p:nvPr>
@@ -3253,9 +3201,9 @@
               <a:buSzTx/>
               <a:buNone/>
               <a:defRPr spc="-44">
-                <a:latin typeface="Graphik Semibold"/>
-                <a:ea typeface="Graphik Semibold"/>
-                <a:cs typeface="Graphik Semibold"/>
+                <a:latin typeface="Graphik-SemiboldItalic"/>
+                <a:ea typeface="Graphik-SemiboldItalic"/>
+                <a:cs typeface="Graphik-SemiboldItalic"/>
                 <a:sym typeface="Graphik Semibold"/>
               </a:defRPr>
             </a:lvl1pPr>
@@ -3269,9 +3217,9 @@
               <a:buSzTx/>
               <a:buNone/>
               <a:defRPr spc="-44">
-                <a:latin typeface="Graphik Semibold"/>
-                <a:ea typeface="Graphik Semibold"/>
-                <a:cs typeface="Graphik Semibold"/>
+                <a:latin typeface="Graphik-SemiboldItalic"/>
+                <a:ea typeface="Graphik-SemiboldItalic"/>
+                <a:cs typeface="Graphik-SemiboldItalic"/>
                 <a:sym typeface="Graphik Semibold"/>
               </a:defRPr>
             </a:lvl2pPr>
@@ -3285,9 +3233,9 @@
               <a:buSzTx/>
               <a:buNone/>
               <a:defRPr spc="-44">
-                <a:latin typeface="Graphik Semibold"/>
-                <a:ea typeface="Graphik Semibold"/>
-                <a:cs typeface="Graphik Semibold"/>
+                <a:latin typeface="Graphik-SemiboldItalic"/>
+                <a:ea typeface="Graphik-SemiboldItalic"/>
+                <a:cs typeface="Graphik-SemiboldItalic"/>
                 <a:sym typeface="Graphik Semibold"/>
               </a:defRPr>
             </a:lvl3pPr>
@@ -3301,9 +3249,9 @@
               <a:buSzTx/>
               <a:buNone/>
               <a:defRPr spc="-44">
-                <a:latin typeface="Graphik Semibold"/>
-                <a:ea typeface="Graphik Semibold"/>
-                <a:cs typeface="Graphik Semibold"/>
+                <a:latin typeface="Graphik-SemiboldItalic"/>
+                <a:ea typeface="Graphik-SemiboldItalic"/>
+                <a:cs typeface="Graphik-SemiboldItalic"/>
                 <a:sym typeface="Graphik Semibold"/>
               </a:defRPr>
             </a:lvl4pPr>
@@ -3317,49 +3265,42 @@
               <a:buSzTx/>
               <a:buNone/>
               <a:defRPr spc="-44">
-                <a:latin typeface="Graphik Semibold"/>
-                <a:ea typeface="Graphik Semibold"/>
-                <a:cs typeface="Graphik Semibold"/>
+                <a:latin typeface="Graphik-SemiboldItalic"/>
+                <a:ea typeface="Graphik-SemiboldItalic"/>
+                <a:cs typeface="Graphik-SemiboldItalic"/>
                 <a:sym typeface="Graphik Semibold"/>
               </a:defRPr>
             </a:lvl5pPr>
           </a:lstStyle>
           <a:p>
-            <a:pPr/>
             <a:r>
               <a:t>Slide Subtitle</a:t>
             </a:r>
           </a:p>
           <a:p>
             <a:pPr lvl="1"/>
-            <a:r>
-              <a:t/>
-            </a:r>
+            <a:endParaRPr/>
           </a:p>
           <a:p>
             <a:pPr lvl="2"/>
-            <a:r>
-              <a:t/>
-            </a:r>
+            <a:endParaRPr/>
           </a:p>
           <a:p>
             <a:pPr lvl="3"/>
-            <a:r>
-              <a:t/>
-            </a:r>
+            <a:endParaRPr/>
           </a:p>
           <a:p>
             <a:pPr lvl="4"/>
-            <a:r>
-              <a:t/>
-            </a:r>
+            <a:endParaRPr/>
           </a:p>
         </p:txBody>
       </p:sp>
       <p:sp>
         <p:nvSpPr>
           <p:cNvPr id="35" name="Slide Number"/>
-          <p:cNvSpPr txBox="1"/>
+          <p:cNvSpPr txBox="1">
+            <a:spLocks noGrp="1"/>
+          </p:cNvSpPr>
           <p:nvPr>
             <p:ph type="sldNum" sz="quarter" idx="2"/>
           </p:nvPr>
@@ -3373,8 +3314,10 @@
           <a:bodyPr/>
           <a:lstStyle/>
           <a:p>
-            <a:pPr/>
-            <a:fld id="{86CB4B4D-7CA3-9044-876B-883B54F8677D}" type="slidenum"/>
+            <a:fld id="{86CB4B4D-7CA3-9044-876B-883B54F8677D}" type="slidenum">
+              <a:t>‹#›</a:t>
+            </a:fld>
+            <a:endParaRPr/>
           </a:p>
         </p:txBody>
       </p:sp>
@@ -3383,12 +3326,12 @@
   <p:clrMapOvr>
     <a:masterClrMapping/>
   </p:clrMapOvr>
-  <p:transition xmlns:p14="http://schemas.microsoft.com/office/powerpoint/2010/main" spd="med" advClick="1"/>
+  <p:transition spd="med"/>
 </p:sldLayout>
 </file>
 
 <file path=ppt/slideLayouts/slideLayout4.xml><?xml version="1.0" encoding="utf-8"?>
-<p:sldLayout xmlns:a="http://schemas.openxmlformats.org/drawingml/2006/main" xmlns:r="http://schemas.openxmlformats.org/officeDocument/2006/relationships" xmlns:p="http://schemas.openxmlformats.org/presentationml/2006/main" xmlns:m="http://schemas.openxmlformats.org/officeDocument/2006/math" xmlns:a14="http://schemas.microsoft.com/office/drawing/2010/main" type="tx" showMasterSp="1" showMasterPhAnim="1">
+<p:sldLayout xmlns:a="http://schemas.openxmlformats.org/drawingml/2006/main" xmlns:r="http://schemas.openxmlformats.org/officeDocument/2006/relationships" xmlns:p="http://schemas.openxmlformats.org/presentationml/2006/main" type="tx">
   <p:cSld name="Title &amp; Bullets">
     <p:spTree>
       <p:nvGrpSpPr>
@@ -3407,7 +3350,9 @@
       <p:sp>
         <p:nvSpPr>
           <p:cNvPr id="42" name="Slide Title"/>
-          <p:cNvSpPr txBox="1"/>
+          <p:cNvSpPr txBox="1">
+            <a:spLocks noGrp="1"/>
+          </p:cNvSpPr>
           <p:nvPr>
             <p:ph type="title" hasCustomPrompt="1"/>
           </p:nvPr>
@@ -3421,7 +3366,6 @@
           <a:bodyPr/>
           <a:lstStyle/>
           <a:p>
-            <a:pPr/>
             <a:r>
               <a:t>Slide Title</a:t>
             </a:r>
@@ -3431,7 +3375,9 @@
       <p:sp>
         <p:nvSpPr>
           <p:cNvPr id="43" name="Body Level One…"/>
-          <p:cNvSpPr txBox="1"/>
+          <p:cNvSpPr txBox="1">
+            <a:spLocks noGrp="1"/>
+          </p:cNvSpPr>
           <p:nvPr>
             <p:ph type="body" idx="1" hasCustomPrompt="1"/>
           </p:nvPr>
@@ -3445,41 +3391,34 @@
           <a:bodyPr/>
           <a:lstStyle/>
           <a:p>
-            <a:pPr/>
             <a:r>
               <a:t>Slide bullet text</a:t>
             </a:r>
           </a:p>
           <a:p>
             <a:pPr lvl="1"/>
-            <a:r>
-              <a:t/>
-            </a:r>
+            <a:endParaRPr/>
           </a:p>
           <a:p>
             <a:pPr lvl="2"/>
-            <a:r>
-              <a:t/>
-            </a:r>
+            <a:endParaRPr/>
           </a:p>
           <a:p>
             <a:pPr lvl="3"/>
-            <a:r>
-              <a:t/>
-            </a:r>
+            <a:endParaRPr/>
           </a:p>
           <a:p>
             <a:pPr lvl="4"/>
-            <a:r>
-              <a:t/>
-            </a:r>
+            <a:endParaRPr/>
           </a:p>
         </p:txBody>
       </p:sp>
       <p:sp>
         <p:nvSpPr>
           <p:cNvPr id="44" name="Slide Subtitle"/>
-          <p:cNvSpPr txBox="1"/>
+          <p:cNvSpPr txBox="1">
+            <a:spLocks noGrp="1"/>
+          </p:cNvSpPr>
           <p:nvPr>
             <p:ph type="body" sz="quarter" idx="21" hasCustomPrompt="1"/>
           </p:nvPr>
@@ -3506,15 +3445,14 @@
               <a:buSzTx/>
               <a:buNone/>
               <a:defRPr spc="-44">
-                <a:latin typeface="Graphik Semibold"/>
-                <a:ea typeface="Graphik Semibold"/>
-                <a:cs typeface="Graphik Semibold"/>
+                <a:latin typeface="Graphik-SemiboldItalic"/>
+                <a:ea typeface="Graphik-SemiboldItalic"/>
+                <a:cs typeface="Graphik-SemiboldItalic"/>
                 <a:sym typeface="Graphik Semibold"/>
               </a:defRPr>
             </a:lvl1pPr>
           </a:lstStyle>
           <a:p>
-            <a:pPr/>
             <a:r>
               <a:t>Slide Subtitle</a:t>
             </a:r>
@@ -3524,7 +3462,9 @@
       <p:sp>
         <p:nvSpPr>
           <p:cNvPr id="45" name="Slide Number"/>
-          <p:cNvSpPr txBox="1"/>
+          <p:cNvSpPr txBox="1">
+            <a:spLocks noGrp="1"/>
+          </p:cNvSpPr>
           <p:nvPr>
             <p:ph type="sldNum" sz="quarter" idx="2"/>
           </p:nvPr>
@@ -3538,8 +3478,10 @@
           <a:bodyPr/>
           <a:lstStyle/>
           <a:p>
-            <a:pPr/>
-            <a:fld id="{86CB4B4D-7CA3-9044-876B-883B54F8677D}" type="slidenum"/>
+            <a:fld id="{86CB4B4D-7CA3-9044-876B-883B54F8677D}" type="slidenum">
+              <a:t>‹#›</a:t>
+            </a:fld>
+            <a:endParaRPr/>
           </a:p>
         </p:txBody>
       </p:sp>
@@ -3548,12 +3490,12 @@
   <p:clrMapOvr>
     <a:masterClrMapping/>
   </p:clrMapOvr>
-  <p:transition xmlns:p14="http://schemas.microsoft.com/office/powerpoint/2010/main" spd="med" advClick="1"/>
+  <p:transition spd="med"/>
 </p:sldLayout>
 </file>
 
 <file path=ppt/slideLayouts/slideLayout5.xml><?xml version="1.0" encoding="utf-8"?>
-<p:sldLayout xmlns:a="http://schemas.openxmlformats.org/drawingml/2006/main" xmlns:r="http://schemas.openxmlformats.org/officeDocument/2006/relationships" xmlns:p="http://schemas.openxmlformats.org/presentationml/2006/main" xmlns:m="http://schemas.openxmlformats.org/officeDocument/2006/math" xmlns:a14="http://schemas.microsoft.com/office/drawing/2010/main" type="tx" showMasterSp="1" showMasterPhAnim="1">
+<p:sldLayout xmlns:a="http://schemas.openxmlformats.org/drawingml/2006/main" xmlns:r="http://schemas.openxmlformats.org/officeDocument/2006/relationships" xmlns:p="http://schemas.openxmlformats.org/presentationml/2006/main" type="tx">
   <p:cSld name="Bullets">
     <p:spTree>
       <p:nvGrpSpPr>
@@ -3572,7 +3514,9 @@
       <p:sp>
         <p:nvSpPr>
           <p:cNvPr id="52" name="Body Level One…"/>
-          <p:cNvSpPr txBox="1"/>
+          <p:cNvSpPr txBox="1">
+            <a:spLocks noGrp="1"/>
+          </p:cNvSpPr>
           <p:nvPr>
             <p:ph type="body" idx="1" hasCustomPrompt="1"/>
           </p:nvPr>
@@ -3590,41 +3534,34 @@
           <a:bodyPr numCol="2" spcCol="2558384"/>
           <a:lstStyle/>
           <a:p>
-            <a:pPr/>
             <a:r>
               <a:t>Slide bullet text</a:t>
             </a:r>
           </a:p>
           <a:p>
             <a:pPr lvl="1"/>
-            <a:r>
-              <a:t/>
-            </a:r>
+            <a:endParaRPr/>
           </a:p>
           <a:p>
             <a:pPr lvl="2"/>
-            <a:r>
-              <a:t/>
-            </a:r>
+            <a:endParaRPr/>
           </a:p>
           <a:p>
             <a:pPr lvl="3"/>
-            <a:r>
-              <a:t/>
-            </a:r>
+            <a:endParaRPr/>
           </a:p>
           <a:p>
             <a:pPr lvl="4"/>
-            <a:r>
-              <a:t/>
-            </a:r>
+            <a:endParaRPr/>
           </a:p>
         </p:txBody>
       </p:sp>
       <p:sp>
         <p:nvSpPr>
           <p:cNvPr id="53" name="Slide Number"/>
-          <p:cNvSpPr txBox="1"/>
+          <p:cNvSpPr txBox="1">
+            <a:spLocks noGrp="1"/>
+          </p:cNvSpPr>
           <p:nvPr>
             <p:ph type="sldNum" sz="quarter" idx="2"/>
           </p:nvPr>
@@ -3642,8 +3579,10 @@
           <a:bodyPr/>
           <a:lstStyle/>
           <a:p>
-            <a:pPr/>
-            <a:fld id="{86CB4B4D-7CA3-9044-876B-883B54F8677D}" type="slidenum"/>
+            <a:fld id="{86CB4B4D-7CA3-9044-876B-883B54F8677D}" type="slidenum">
+              <a:t>‹#›</a:t>
+            </a:fld>
+            <a:endParaRPr/>
           </a:p>
         </p:txBody>
       </p:sp>
@@ -3652,12 +3591,12 @@
   <p:clrMapOvr>
     <a:masterClrMapping/>
   </p:clrMapOvr>
-  <p:transition xmlns:p14="http://schemas.microsoft.com/office/powerpoint/2010/main" spd="med" advClick="1"/>
+  <p:transition spd="med"/>
 </p:sldLayout>
 </file>
 
 <file path=ppt/slideLayouts/slideLayout6.xml><?xml version="1.0" encoding="utf-8"?>
-<p:sldLayout xmlns:a="http://schemas.openxmlformats.org/drawingml/2006/main" xmlns:r="http://schemas.openxmlformats.org/officeDocument/2006/relationships" xmlns:p="http://schemas.openxmlformats.org/presentationml/2006/main" xmlns:m="http://schemas.openxmlformats.org/officeDocument/2006/math" xmlns:a14="http://schemas.microsoft.com/office/drawing/2010/main" type="tx" showMasterSp="1" showMasterPhAnim="1">
+<p:sldLayout xmlns:a="http://schemas.openxmlformats.org/drawingml/2006/main" xmlns:r="http://schemas.openxmlformats.org/officeDocument/2006/relationships" xmlns:p="http://schemas.openxmlformats.org/presentationml/2006/main" type="tx">
   <p:cSld name="Title, Bullets &amp; Photo">
     <p:spTree>
       <p:nvGrpSpPr>
@@ -3676,7 +3615,9 @@
       <p:sp>
         <p:nvSpPr>
           <p:cNvPr id="60" name="Slide Title"/>
-          <p:cNvSpPr txBox="1"/>
+          <p:cNvSpPr txBox="1">
+            <a:spLocks noGrp="1"/>
+          </p:cNvSpPr>
           <p:nvPr>
             <p:ph type="title" hasCustomPrompt="1"/>
           </p:nvPr>
@@ -3694,7 +3635,6 @@
           <a:bodyPr/>
           <a:lstStyle/>
           <a:p>
-            <a:pPr/>
             <a:r>
               <a:t>Slide Title</a:t>
             </a:r>
@@ -3704,7 +3644,9 @@
       <p:sp>
         <p:nvSpPr>
           <p:cNvPr id="61" name="Image"/>
-          <p:cNvSpPr/>
+          <p:cNvSpPr>
+            <a:spLocks noGrp="1"/>
+          </p:cNvSpPr>
           <p:nvPr>
             <p:ph type="pic" idx="21"/>
           </p:nvPr>
@@ -3724,14 +3666,16 @@
           </a:bodyPr>
           <a:lstStyle/>
           <a:p>
-            <a:pPr/>
+            <a:endParaRPr/>
           </a:p>
         </p:txBody>
       </p:sp>
       <p:sp>
         <p:nvSpPr>
           <p:cNvPr id="62" name="Slide Subtitle"/>
-          <p:cNvSpPr txBox="1"/>
+          <p:cNvSpPr txBox="1">
+            <a:spLocks noGrp="1"/>
+          </p:cNvSpPr>
           <p:nvPr>
             <p:ph type="body" sz="quarter" idx="22" hasCustomPrompt="1"/>
           </p:nvPr>
@@ -3758,15 +3702,14 @@
               <a:buSzTx/>
               <a:buNone/>
               <a:defRPr spc="-44">
-                <a:latin typeface="Graphik Semibold"/>
-                <a:ea typeface="Graphik Semibold"/>
-                <a:cs typeface="Graphik Semibold"/>
+                <a:latin typeface="Graphik-SemiboldItalic"/>
+                <a:ea typeface="Graphik-SemiboldItalic"/>
+                <a:cs typeface="Graphik-SemiboldItalic"/>
                 <a:sym typeface="Graphik Semibold"/>
               </a:defRPr>
             </a:lvl1pPr>
           </a:lstStyle>
           <a:p>
-            <a:pPr/>
             <a:r>
               <a:t>Slide Subtitle</a:t>
             </a:r>
@@ -3776,7 +3719,9 @@
       <p:sp>
         <p:nvSpPr>
           <p:cNvPr id="63" name="Body Level One…"/>
-          <p:cNvSpPr txBox="1"/>
+          <p:cNvSpPr txBox="1">
+            <a:spLocks noGrp="1"/>
+          </p:cNvSpPr>
           <p:nvPr>
             <p:ph type="body" sz="half" idx="1" hasCustomPrompt="1"/>
           </p:nvPr>
@@ -3794,41 +3739,34 @@
           <a:bodyPr/>
           <a:lstStyle/>
           <a:p>
-            <a:pPr/>
             <a:r>
               <a:t>Slide bullet text</a:t>
             </a:r>
           </a:p>
           <a:p>
             <a:pPr lvl="1"/>
-            <a:r>
-              <a:t/>
-            </a:r>
+            <a:endParaRPr/>
           </a:p>
           <a:p>
             <a:pPr lvl="2"/>
-            <a:r>
-              <a:t/>
-            </a:r>
+            <a:endParaRPr/>
           </a:p>
           <a:p>
             <a:pPr lvl="3"/>
-            <a:r>
-              <a:t/>
-            </a:r>
+            <a:endParaRPr/>
           </a:p>
           <a:p>
             <a:pPr lvl="4"/>
-            <a:r>
-              <a:t/>
-            </a:r>
+            <a:endParaRPr/>
           </a:p>
         </p:txBody>
       </p:sp>
       <p:sp>
         <p:nvSpPr>
           <p:cNvPr id="64" name="Slide Number"/>
-          <p:cNvSpPr txBox="1"/>
+          <p:cNvSpPr txBox="1">
+            <a:spLocks noGrp="1"/>
+          </p:cNvSpPr>
           <p:nvPr>
             <p:ph type="sldNum" sz="quarter" idx="2"/>
           </p:nvPr>
@@ -3846,8 +3784,10 @@
           <a:bodyPr/>
           <a:lstStyle/>
           <a:p>
-            <a:pPr/>
-            <a:fld id="{86CB4B4D-7CA3-9044-876B-883B54F8677D}" type="slidenum"/>
+            <a:fld id="{86CB4B4D-7CA3-9044-876B-883B54F8677D}" type="slidenum">
+              <a:t>‹#›</a:t>
+            </a:fld>
+            <a:endParaRPr/>
           </a:p>
         </p:txBody>
       </p:sp>
@@ -3856,12 +3796,12 @@
   <p:clrMapOvr>
     <a:masterClrMapping/>
   </p:clrMapOvr>
-  <p:transition xmlns:p14="http://schemas.microsoft.com/office/powerpoint/2010/main" spd="med" advClick="1"/>
+  <p:transition spd="med"/>
 </p:sldLayout>
 </file>
 
 <file path=ppt/slideLayouts/slideLayout7.xml><?xml version="1.0" encoding="utf-8"?>
-<p:sldLayout xmlns:a="http://schemas.openxmlformats.org/drawingml/2006/main" xmlns:r="http://schemas.openxmlformats.org/officeDocument/2006/relationships" xmlns:p="http://schemas.openxmlformats.org/presentationml/2006/main" xmlns:m="http://schemas.openxmlformats.org/officeDocument/2006/math" xmlns:a14="http://schemas.microsoft.com/office/drawing/2010/main" type="tx" showMasterSp="1" showMasterPhAnim="1">
+<p:sldLayout xmlns:a="http://schemas.openxmlformats.org/drawingml/2006/main" xmlns:r="http://schemas.openxmlformats.org/officeDocument/2006/relationships" xmlns:p="http://schemas.openxmlformats.org/presentationml/2006/main" type="tx">
   <p:cSld name="Section">
     <p:spTree>
       <p:nvGrpSpPr>
@@ -3880,7 +3820,9 @@
       <p:sp>
         <p:nvSpPr>
           <p:cNvPr id="71" name="Section Title"/>
-          <p:cNvSpPr txBox="1"/>
+          <p:cNvSpPr txBox="1">
+            <a:spLocks noGrp="1"/>
+          </p:cNvSpPr>
           <p:nvPr>
             <p:ph type="title" hasCustomPrompt="1"/>
           </p:nvPr>
@@ -3898,11 +3840,10 @@
           <a:bodyPr anchor="ctr"/>
           <a:lstStyle>
             <a:lvl1pPr>
-              <a:defRPr spc="0" sz="12800"/>
+              <a:defRPr sz="12800" spc="0"/>
             </a:lvl1pPr>
           </a:lstStyle>
           <a:p>
-            <a:pPr/>
             <a:r>
               <a:t>Section Title</a:t>
             </a:r>
@@ -3912,7 +3853,9 @@
       <p:sp>
         <p:nvSpPr>
           <p:cNvPr id="72" name="Slide Number"/>
-          <p:cNvSpPr txBox="1"/>
+          <p:cNvSpPr txBox="1">
+            <a:spLocks noGrp="1"/>
+          </p:cNvSpPr>
           <p:nvPr>
             <p:ph type="sldNum" sz="quarter" idx="2"/>
           </p:nvPr>
@@ -3930,8 +3873,10 @@
           <a:bodyPr/>
           <a:lstStyle/>
           <a:p>
-            <a:pPr/>
-            <a:fld id="{86CB4B4D-7CA3-9044-876B-883B54F8677D}" type="slidenum"/>
+            <a:fld id="{86CB4B4D-7CA3-9044-876B-883B54F8677D}" type="slidenum">
+              <a:t>‹#›</a:t>
+            </a:fld>
+            <a:endParaRPr/>
           </a:p>
         </p:txBody>
       </p:sp>
@@ -3940,12 +3885,12 @@
   <p:clrMapOvr>
     <a:masterClrMapping/>
   </p:clrMapOvr>
-  <p:transition xmlns:p14="http://schemas.microsoft.com/office/powerpoint/2010/main" spd="med" advClick="1"/>
+  <p:transition spd="med"/>
 </p:sldLayout>
 </file>
 
 <file path=ppt/slideLayouts/slideLayout8.xml><?xml version="1.0" encoding="utf-8"?>
-<p:sldLayout xmlns:a="http://schemas.openxmlformats.org/drawingml/2006/main" xmlns:r="http://schemas.openxmlformats.org/officeDocument/2006/relationships" xmlns:p="http://schemas.openxmlformats.org/presentationml/2006/main" xmlns:m="http://schemas.openxmlformats.org/officeDocument/2006/math" xmlns:a14="http://schemas.microsoft.com/office/drawing/2010/main" type="tx" showMasterSp="1" showMasterPhAnim="1">
+<p:sldLayout xmlns:a="http://schemas.openxmlformats.org/drawingml/2006/main" xmlns:r="http://schemas.openxmlformats.org/officeDocument/2006/relationships" xmlns:p="http://schemas.openxmlformats.org/presentationml/2006/main" type="tx">
   <p:cSld name="Title Only">
     <p:spTree>
       <p:nvGrpSpPr>
@@ -3964,7 +3909,9 @@
       <p:sp>
         <p:nvSpPr>
           <p:cNvPr id="79" name="Slide Title"/>
-          <p:cNvSpPr txBox="1"/>
+          <p:cNvSpPr txBox="1">
+            <a:spLocks noGrp="1"/>
+          </p:cNvSpPr>
           <p:nvPr>
             <p:ph type="title" hasCustomPrompt="1"/>
           </p:nvPr>
@@ -3978,7 +3925,6 @@
           <a:bodyPr/>
           <a:lstStyle/>
           <a:p>
-            <a:pPr/>
             <a:r>
               <a:t>Slide Title</a:t>
             </a:r>
@@ -3988,7 +3934,9 @@
       <p:sp>
         <p:nvSpPr>
           <p:cNvPr id="80" name="Slide Subtitle"/>
-          <p:cNvSpPr txBox="1"/>
+          <p:cNvSpPr txBox="1">
+            <a:spLocks noGrp="1"/>
+          </p:cNvSpPr>
           <p:nvPr>
             <p:ph type="body" sz="quarter" idx="21" hasCustomPrompt="1"/>
           </p:nvPr>
@@ -4015,15 +3963,14 @@
               <a:buSzTx/>
               <a:buNone/>
               <a:defRPr spc="-44">
-                <a:latin typeface="Graphik Semibold"/>
-                <a:ea typeface="Graphik Semibold"/>
-                <a:cs typeface="Graphik Semibold"/>
+                <a:latin typeface="Graphik-SemiboldItalic"/>
+                <a:ea typeface="Graphik-SemiboldItalic"/>
+                <a:cs typeface="Graphik-SemiboldItalic"/>
                 <a:sym typeface="Graphik Semibold"/>
               </a:defRPr>
             </a:lvl1pPr>
           </a:lstStyle>
           <a:p>
-            <a:pPr/>
             <a:r>
               <a:t>Slide Subtitle</a:t>
             </a:r>
@@ -4033,7 +3980,9 @@
       <p:sp>
         <p:nvSpPr>
           <p:cNvPr id="81" name="Slide Number"/>
-          <p:cNvSpPr txBox="1"/>
+          <p:cNvSpPr txBox="1">
+            <a:spLocks noGrp="1"/>
+          </p:cNvSpPr>
           <p:nvPr>
             <p:ph type="sldNum" sz="quarter" idx="2"/>
           </p:nvPr>
@@ -4051,8 +4000,10 @@
           <a:bodyPr/>
           <a:lstStyle/>
           <a:p>
-            <a:pPr/>
-            <a:fld id="{86CB4B4D-7CA3-9044-876B-883B54F8677D}" type="slidenum"/>
+            <a:fld id="{86CB4B4D-7CA3-9044-876B-883B54F8677D}" type="slidenum">
+              <a:t>‹#›</a:t>
+            </a:fld>
+            <a:endParaRPr/>
           </a:p>
         </p:txBody>
       </p:sp>
@@ -4061,12 +4012,12 @@
   <p:clrMapOvr>
     <a:masterClrMapping/>
   </p:clrMapOvr>
-  <p:transition xmlns:p14="http://schemas.microsoft.com/office/powerpoint/2010/main" spd="med" advClick="1"/>
+  <p:transition spd="med"/>
 </p:sldLayout>
 </file>
 
 <file path=ppt/slideLayouts/slideLayout9.xml><?xml version="1.0" encoding="utf-8"?>
-<p:sldLayout xmlns:a="http://schemas.openxmlformats.org/drawingml/2006/main" xmlns:r="http://schemas.openxmlformats.org/officeDocument/2006/relationships" xmlns:p="http://schemas.openxmlformats.org/presentationml/2006/main" xmlns:m="http://schemas.openxmlformats.org/officeDocument/2006/math" xmlns:a14="http://schemas.microsoft.com/office/drawing/2010/main" type="tx" showMasterSp="1" showMasterPhAnim="1">
+<p:sldLayout xmlns:a="http://schemas.openxmlformats.org/drawingml/2006/main" xmlns:r="http://schemas.openxmlformats.org/officeDocument/2006/relationships" xmlns:p="http://schemas.openxmlformats.org/presentationml/2006/main" type="tx">
   <p:cSld name="Agenda">
     <p:spTree>
       <p:nvGrpSpPr>
@@ -4085,7 +4036,9 @@
       <p:sp>
         <p:nvSpPr>
           <p:cNvPr id="88" name="Agenda Title"/>
-          <p:cNvSpPr txBox="1"/>
+          <p:cNvSpPr txBox="1">
+            <a:spLocks noGrp="1"/>
+          </p:cNvSpPr>
           <p:nvPr>
             <p:ph type="title" hasCustomPrompt="1"/>
           </p:nvPr>
@@ -4099,7 +4052,6 @@
           <a:bodyPr/>
           <a:lstStyle/>
           <a:p>
-            <a:pPr/>
             <a:r>
               <a:t>Agenda Title</a:t>
             </a:r>
@@ -4109,7 +4061,9 @@
       <p:sp>
         <p:nvSpPr>
           <p:cNvPr id="89" name="Body Level One…"/>
-          <p:cNvSpPr txBox="1"/>
+          <p:cNvSpPr txBox="1">
+            <a:spLocks noGrp="1"/>
+          </p:cNvSpPr>
           <p:nvPr>
             <p:ph type="body" idx="1" hasCustomPrompt="1"/>
           </p:nvPr>
@@ -4132,7 +4086,7 @@
               </a:lnSpc>
               <a:buSzTx/>
               <a:buNone/>
-              <a:defRPr spc="-136" sz="6800">
+              <a:defRPr sz="6800" spc="-136">
                 <a:latin typeface="Canela Deck Regular"/>
                 <a:ea typeface="Canela Deck Regular"/>
                 <a:cs typeface="Canela Deck Regular"/>
@@ -4145,7 +4099,7 @@
               </a:lnSpc>
               <a:buSzTx/>
               <a:buNone/>
-              <a:defRPr spc="-136" sz="6800">
+              <a:defRPr sz="6800" spc="-136">
                 <a:latin typeface="Canela Deck Regular"/>
                 <a:ea typeface="Canela Deck Regular"/>
                 <a:cs typeface="Canela Deck Regular"/>
@@ -4158,7 +4112,7 @@
               </a:lnSpc>
               <a:buSzTx/>
               <a:buNone/>
-              <a:defRPr spc="-136" sz="6800">
+              <a:defRPr sz="6800" spc="-136">
                 <a:latin typeface="Canela Deck Regular"/>
                 <a:ea typeface="Canela Deck Regular"/>
                 <a:cs typeface="Canela Deck Regular"/>
@@ -4171,7 +4125,7 @@
               </a:lnSpc>
               <a:buSzTx/>
               <a:buNone/>
-              <a:defRPr spc="-136" sz="6800">
+              <a:defRPr sz="6800" spc="-136">
                 <a:latin typeface="Canela Deck Regular"/>
                 <a:ea typeface="Canela Deck Regular"/>
                 <a:cs typeface="Canela Deck Regular"/>
@@ -4184,7 +4138,7 @@
               </a:lnSpc>
               <a:buSzTx/>
               <a:buNone/>
-              <a:defRPr spc="-136" sz="6800">
+              <a:defRPr sz="6800" spc="-136">
                 <a:latin typeface="Canela Deck Regular"/>
                 <a:ea typeface="Canela Deck Regular"/>
                 <a:cs typeface="Canela Deck Regular"/>
@@ -4193,41 +4147,34 @@
             </a:lvl5pPr>
           </a:lstStyle>
           <a:p>
-            <a:pPr/>
             <a:r>
               <a:t>Agenda Topics</a:t>
             </a:r>
           </a:p>
           <a:p>
             <a:pPr lvl="1"/>
-            <a:r>
-              <a:t/>
-            </a:r>
+            <a:endParaRPr/>
           </a:p>
           <a:p>
             <a:pPr lvl="2"/>
-            <a:r>
-              <a:t/>
-            </a:r>
+            <a:endParaRPr/>
           </a:p>
           <a:p>
             <a:pPr lvl="3"/>
-            <a:r>
-              <a:t/>
-            </a:r>
+            <a:endParaRPr/>
           </a:p>
           <a:p>
             <a:pPr lvl="4"/>
-            <a:r>
-              <a:t/>
-            </a:r>
+            <a:endParaRPr/>
           </a:p>
         </p:txBody>
       </p:sp>
       <p:sp>
         <p:nvSpPr>
           <p:cNvPr id="90" name="Agenda Subtitle"/>
-          <p:cNvSpPr txBox="1"/>
+          <p:cNvSpPr txBox="1">
+            <a:spLocks noGrp="1"/>
+          </p:cNvSpPr>
           <p:nvPr>
             <p:ph type="body" sz="quarter" idx="21" hasCustomPrompt="1"/>
           </p:nvPr>
@@ -4254,15 +4201,14 @@
               <a:buSzTx/>
               <a:buNone/>
               <a:defRPr spc="-44">
-                <a:latin typeface="Graphik Semibold"/>
-                <a:ea typeface="Graphik Semibold"/>
-                <a:cs typeface="Graphik Semibold"/>
+                <a:latin typeface="Graphik-SemiboldItalic"/>
+                <a:ea typeface="Graphik-SemiboldItalic"/>
+                <a:cs typeface="Graphik-SemiboldItalic"/>
                 <a:sym typeface="Graphik Semibold"/>
               </a:defRPr>
             </a:lvl1pPr>
           </a:lstStyle>
           <a:p>
-            <a:pPr/>
             <a:r>
               <a:t>Agenda Subtitle</a:t>
             </a:r>
@@ -4272,7 +4218,9 @@
       <p:sp>
         <p:nvSpPr>
           <p:cNvPr id="91" name="Slide Number"/>
-          <p:cNvSpPr txBox="1"/>
+          <p:cNvSpPr txBox="1">
+            <a:spLocks noGrp="1"/>
+          </p:cNvSpPr>
           <p:nvPr>
             <p:ph type="sldNum" sz="quarter" idx="2"/>
           </p:nvPr>
@@ -4290,8 +4238,10 @@
           <a:bodyPr/>
           <a:lstStyle/>
           <a:p>
-            <a:pPr/>
-            <a:fld id="{86CB4B4D-7CA3-9044-876B-883B54F8677D}" type="slidenum"/>
+            <a:fld id="{86CB4B4D-7CA3-9044-876B-883B54F8677D}" type="slidenum">
+              <a:t>‹#›</a:t>
+            </a:fld>
+            <a:endParaRPr/>
           </a:p>
         </p:txBody>
       </p:sp>
@@ -4300,18 +4250,19 @@
   <p:clrMapOvr>
     <a:masterClrMapping/>
   </p:clrMapOvr>
-  <p:transition xmlns:p14="http://schemas.microsoft.com/office/powerpoint/2010/main" spd="med" advClick="1"/>
+  <p:transition spd="med"/>
 </p:sldLayout>
 </file>
 
 <file path=ppt/slideMasters/slideMaster1.xml><?xml version="1.0" encoding="utf-8"?>
-<p:sldMaster xmlns:a="http://schemas.openxmlformats.org/drawingml/2006/main" xmlns:r="http://schemas.openxmlformats.org/officeDocument/2006/relationships" xmlns:p="http://schemas.openxmlformats.org/presentationml/2006/main" xmlns:m="http://schemas.openxmlformats.org/officeDocument/2006/math" xmlns:a14="http://schemas.microsoft.com/office/drawing/2010/main">
+<p:sldMaster xmlns:a="http://schemas.openxmlformats.org/drawingml/2006/main" xmlns:r="http://schemas.openxmlformats.org/officeDocument/2006/relationships" xmlns:p="http://schemas.openxmlformats.org/presentationml/2006/main">
   <p:cSld>
     <p:bg>
       <p:bgPr>
         <a:solidFill>
           <a:srgbClr val="FFFFFF"/>
         </a:solidFill>
+        <a:effectLst/>
       </p:bgPr>
     </p:bg>
     <p:spTree>
@@ -4331,7 +4282,9 @@
       <p:sp>
         <p:nvSpPr>
           <p:cNvPr id="2" name="Slide Title"/>
-          <p:cNvSpPr txBox="1"/>
+          <p:cNvSpPr txBox="1">
+            <a:spLocks noGrp="1"/>
+          </p:cNvSpPr>
           <p:nvPr>
             <p:ph type="title" hasCustomPrompt="1"/>
           </p:nvPr>
@@ -4349,17 +4302,16 @@
           </a:ln>
           <a:extLst>
             <a:ext uri="{C572A759-6A51-4108-AA02-DFA0A04FC94B}">
-              <ma14:wrappingTextBoxFlag xmlns:ma14="http://schemas.microsoft.com/office/mac/drawingml/2011/main" val="1"/>
+              <ma14:wrappingTextBoxFlag xmlns:ma14="http://schemas.microsoft.com/office/mac/drawingml/2011/main" xmlns:a14="http://schemas.microsoft.com/office/drawing/2010/main" xmlns:m="http://schemas.openxmlformats.org/officeDocument/2006/math" xmlns="" val="1"/>
             </a:ext>
           </a:extLst>
         </p:spPr>
         <p:txBody>
           <a:bodyPr lIns="50800" tIns="50800" rIns="50800" bIns="50800">
-            <a:normAutofit fontScale="100000" lnSpcReduction="0"/>
+            <a:normAutofit/>
           </a:bodyPr>
           <a:lstStyle/>
           <a:p>
-            <a:pPr/>
             <a:r>
               <a:t>Slide Title</a:t>
             </a:r>
@@ -4369,7 +4321,9 @@
       <p:sp>
         <p:nvSpPr>
           <p:cNvPr id="3" name="Body Level One…"/>
-          <p:cNvSpPr txBox="1"/>
+          <p:cNvSpPr txBox="1">
+            <a:spLocks noGrp="1"/>
+          </p:cNvSpPr>
           <p:nvPr>
             <p:ph type="body" idx="1" hasCustomPrompt="1"/>
           </p:nvPr>
@@ -4387,51 +4341,44 @@
           </a:ln>
           <a:extLst>
             <a:ext uri="{C572A759-6A51-4108-AA02-DFA0A04FC94B}">
-              <ma14:wrappingTextBoxFlag xmlns:ma14="http://schemas.microsoft.com/office/mac/drawingml/2011/main" val="1"/>
+              <ma14:wrappingTextBoxFlag xmlns:ma14="http://schemas.microsoft.com/office/mac/drawingml/2011/main" xmlns:a14="http://schemas.microsoft.com/office/drawing/2010/main" xmlns:m="http://schemas.openxmlformats.org/officeDocument/2006/math" xmlns="" val="1"/>
             </a:ext>
           </a:extLst>
         </p:spPr>
         <p:txBody>
           <a:bodyPr lIns="50800" tIns="50800" rIns="50800" bIns="50800">
-            <a:normAutofit fontScale="100000" lnSpcReduction="0"/>
+            <a:normAutofit/>
           </a:bodyPr>
           <a:lstStyle/>
           <a:p>
-            <a:pPr/>
             <a:r>
               <a:t>Slide bullet text</a:t>
             </a:r>
           </a:p>
           <a:p>
             <a:pPr lvl="1"/>
-            <a:r>
-              <a:t/>
-            </a:r>
+            <a:endParaRPr/>
           </a:p>
           <a:p>
             <a:pPr lvl="2"/>
-            <a:r>
-              <a:t/>
-            </a:r>
+            <a:endParaRPr/>
           </a:p>
           <a:p>
             <a:pPr lvl="3"/>
-            <a:r>
-              <a:t/>
-            </a:r>
+            <a:endParaRPr/>
           </a:p>
           <a:p>
             <a:pPr lvl="4"/>
-            <a:r>
-              <a:t/>
-            </a:r>
+            <a:endParaRPr/>
           </a:p>
         </p:txBody>
       </p:sp>
       <p:sp>
         <p:nvSpPr>
           <p:cNvPr id="4" name="Slide Number"/>
-          <p:cNvSpPr txBox="1"/>
+          <p:cNvSpPr txBox="1">
+            <a:spLocks noGrp="1"/>
+          </p:cNvSpPr>
           <p:nvPr>
             <p:ph type="sldNum" sz="quarter" idx="2"/>
           </p:nvPr>
@@ -4469,8 +4416,10 @@
             </a:lvl1pPr>
           </a:lstStyle>
           <a:p>
-            <a:pPr/>
-            <a:fld id="{86CB4B4D-7CA3-9044-876B-883B54F8677D}" type="slidenum"/>
+            <a:fld id="{86CB4B4D-7CA3-9044-876B-883B54F8677D}" type="slidenum">
+              <a:t>‹#›</a:t>
+            </a:fld>
+            <a:endParaRPr/>
           </a:p>
         </p:txBody>
       </p:sp>
@@ -4478,23 +4427,23 @@
   </p:cSld>
   <p:clrMap bg1="lt1" tx1="dk1" bg2="lt2" tx2="dk2" accent1="accent1" accent2="accent2" accent3="accent3" accent4="accent4" accent5="accent5" accent6="accent6" hlink="hlink" folHlink="folHlink"/>
   <p:sldLayoutIdLst>
-    <p:sldLayoutId id="2147483649" r:id="rId2"/>
-    <p:sldLayoutId id="2147483650" r:id="rId3"/>
-    <p:sldLayoutId id="2147483651" r:id="rId4"/>
-    <p:sldLayoutId id="2147483652" r:id="rId5"/>
-    <p:sldLayoutId id="2147483653" r:id="rId6"/>
-    <p:sldLayoutId id="2147483654" r:id="rId7"/>
-    <p:sldLayoutId id="2147483655" r:id="rId8"/>
-    <p:sldLayoutId id="2147483656" r:id="rId9"/>
-    <p:sldLayoutId id="2147483657" r:id="rId10"/>
-    <p:sldLayoutId id="2147483658" r:id="rId11"/>
-    <p:sldLayoutId id="2147483659" r:id="rId12"/>
-    <p:sldLayoutId id="2147483660" r:id="rId13"/>
-    <p:sldLayoutId id="2147483661" r:id="rId14"/>
-    <p:sldLayoutId id="2147483662" r:id="rId15"/>
-    <p:sldLayoutId id="2147483663" r:id="rId16"/>
+    <p:sldLayoutId id="2147483649" r:id="rId1"/>
+    <p:sldLayoutId id="2147483650" r:id="rId2"/>
+    <p:sldLayoutId id="2147483651" r:id="rId3"/>
+    <p:sldLayoutId id="2147483652" r:id="rId4"/>
+    <p:sldLayoutId id="2147483653" r:id="rId5"/>
+    <p:sldLayoutId id="2147483654" r:id="rId6"/>
+    <p:sldLayoutId id="2147483655" r:id="rId7"/>
+    <p:sldLayoutId id="2147483656" r:id="rId8"/>
+    <p:sldLayoutId id="2147483657" r:id="rId9"/>
+    <p:sldLayoutId id="2147483658" r:id="rId10"/>
+    <p:sldLayoutId id="2147483659" r:id="rId11"/>
+    <p:sldLayoutId id="2147483660" r:id="rId12"/>
+    <p:sldLayoutId id="2147483661" r:id="rId13"/>
+    <p:sldLayoutId id="2147483662" r:id="rId14"/>
+    <p:sldLayoutId id="2147483663" r:id="rId15"/>
   </p:sldLayoutIdLst>
-  <p:transition xmlns:p14="http://schemas.microsoft.com/office/powerpoint/2010/main" spd="med" advClick="1"/>
+  <p:transition spd="med"/>
   <p:txStyles>
     <p:titleStyle>
       <a:lvl1pPr marL="0" marR="0" indent="0" algn="ctr" defTabSz="2438400" rtl="0" latinLnBrk="0">
@@ -4512,7 +4461,7 @@
         <a:buFontTx/>
         <a:buNone/>
         <a:tabLst/>
-        <a:defRPr b="0" baseline="0" cap="none" i="0" spc="-84" strike="noStrike" sz="8400" u="none">
+        <a:defRPr sz="8400" b="0" i="0" u="none" strike="noStrike" cap="none" spc="-84" baseline="0">
           <a:solidFill>
             <a:srgbClr val="000000"/>
           </a:solidFill>
@@ -4538,7 +4487,7 @@
         <a:buFontTx/>
         <a:buNone/>
         <a:tabLst/>
-        <a:defRPr b="0" baseline="0" cap="none" i="0" spc="-84" strike="noStrike" sz="8400" u="none">
+        <a:defRPr sz="8400" b="0" i="0" u="none" strike="noStrike" cap="none" spc="-84" baseline="0">
           <a:solidFill>
             <a:srgbClr val="000000"/>
           </a:solidFill>
@@ -4564,7 +4513,7 @@
         <a:buFontTx/>
         <a:buNone/>
         <a:tabLst/>
-        <a:defRPr b="0" baseline="0" cap="none" i="0" spc="-84" strike="noStrike" sz="8400" u="none">
+        <a:defRPr sz="8400" b="0" i="0" u="none" strike="noStrike" cap="none" spc="-84" baseline="0">
           <a:solidFill>
             <a:srgbClr val="000000"/>
           </a:solidFill>
@@ -4590,7 +4539,7 @@
         <a:buFontTx/>
         <a:buNone/>
         <a:tabLst/>
-        <a:defRPr b="0" baseline="0" cap="none" i="0" spc="-84" strike="noStrike" sz="8400" u="none">
+        <a:defRPr sz="8400" b="0" i="0" u="none" strike="noStrike" cap="none" spc="-84" baseline="0">
           <a:solidFill>
             <a:srgbClr val="000000"/>
           </a:solidFill>
@@ -4616,7 +4565,7 @@
         <a:buFontTx/>
         <a:buNone/>
         <a:tabLst/>
-        <a:defRPr b="0" baseline="0" cap="none" i="0" spc="-84" strike="noStrike" sz="8400" u="none">
+        <a:defRPr sz="8400" b="0" i="0" u="none" strike="noStrike" cap="none" spc="-84" baseline="0">
           <a:solidFill>
             <a:srgbClr val="000000"/>
           </a:solidFill>
@@ -4642,7 +4591,7 @@
         <a:buFontTx/>
         <a:buNone/>
         <a:tabLst/>
-        <a:defRPr b="0" baseline="0" cap="none" i="0" spc="-84" strike="noStrike" sz="8400" u="none">
+        <a:defRPr sz="8400" b="0" i="0" u="none" strike="noStrike" cap="none" spc="-84" baseline="0">
           <a:solidFill>
             <a:srgbClr val="000000"/>
           </a:solidFill>
@@ -4668,7 +4617,7 @@
         <a:buFontTx/>
         <a:buNone/>
         <a:tabLst/>
-        <a:defRPr b="0" baseline="0" cap="none" i="0" spc="-84" strike="noStrike" sz="8400" u="none">
+        <a:defRPr sz="8400" b="0" i="0" u="none" strike="noStrike" cap="none" spc="-84" baseline="0">
           <a:solidFill>
             <a:srgbClr val="000000"/>
           </a:solidFill>
@@ -4694,7 +4643,7 @@
         <a:buFontTx/>
         <a:buNone/>
         <a:tabLst/>
-        <a:defRPr b="0" baseline="0" cap="none" i="0" spc="-84" strike="noStrike" sz="8400" u="none">
+        <a:defRPr sz="8400" b="0" i="0" u="none" strike="noStrike" cap="none" spc="-84" baseline="0">
           <a:solidFill>
             <a:srgbClr val="000000"/>
           </a:solidFill>
@@ -4720,7 +4669,7 @@
         <a:buFontTx/>
         <a:buNone/>
         <a:tabLst/>
-        <a:defRPr b="0" baseline="0" cap="none" i="0" spc="-84" strike="noStrike" sz="8400" u="none">
+        <a:defRPr sz="8400" b="0" i="0" u="none" strike="noStrike" cap="none" spc="-84" baseline="0">
           <a:solidFill>
             <a:srgbClr val="000000"/>
           </a:solidFill>
@@ -4748,7 +4697,7 @@
         <a:buFontTx/>
         <a:buChar char="•"/>
         <a:tabLst/>
-        <a:defRPr b="0" baseline="0" cap="none" i="0" spc="0" strike="noStrike" sz="4400" u="none">
+        <a:defRPr sz="4400" b="0" i="0" u="none" strike="noStrike" cap="none" spc="0" baseline="0">
           <a:solidFill>
             <a:srgbClr val="000000"/>
           </a:solidFill>
@@ -4774,7 +4723,7 @@
         <a:buFontTx/>
         <a:buChar char="•"/>
         <a:tabLst/>
-        <a:defRPr b="0" baseline="0" cap="none" i="0" spc="0" strike="noStrike" sz="4400" u="none">
+        <a:defRPr sz="4400" b="0" i="0" u="none" strike="noStrike" cap="none" spc="0" baseline="0">
           <a:solidFill>
             <a:srgbClr val="000000"/>
           </a:solidFill>
@@ -4800,7 +4749,7 @@
         <a:buFontTx/>
         <a:buChar char="•"/>
         <a:tabLst/>
-        <a:defRPr b="0" baseline="0" cap="none" i="0" spc="0" strike="noStrike" sz="4400" u="none">
+        <a:defRPr sz="4400" b="0" i="0" u="none" strike="noStrike" cap="none" spc="0" baseline="0">
           <a:solidFill>
             <a:srgbClr val="000000"/>
           </a:solidFill>
@@ -4826,7 +4775,7 @@
         <a:buFontTx/>
         <a:buChar char="•"/>
         <a:tabLst/>
-        <a:defRPr b="0" baseline="0" cap="none" i="0" spc="0" strike="noStrike" sz="4400" u="none">
+        <a:defRPr sz="4400" b="0" i="0" u="none" strike="noStrike" cap="none" spc="0" baseline="0">
           <a:solidFill>
             <a:srgbClr val="000000"/>
           </a:solidFill>
@@ -4852,7 +4801,7 @@
         <a:buFontTx/>
         <a:buChar char="•"/>
         <a:tabLst/>
-        <a:defRPr b="0" baseline="0" cap="none" i="0" spc="0" strike="noStrike" sz="4400" u="none">
+        <a:defRPr sz="4400" b="0" i="0" u="none" strike="noStrike" cap="none" spc="0" baseline="0">
           <a:solidFill>
             <a:srgbClr val="000000"/>
           </a:solidFill>
@@ -4878,7 +4827,7 @@
         <a:buFontTx/>
         <a:buChar char="•"/>
         <a:tabLst/>
-        <a:defRPr b="0" baseline="0" cap="none" i="0" spc="0" strike="noStrike" sz="4400" u="none">
+        <a:defRPr sz="4400" b="0" i="0" u="none" strike="noStrike" cap="none" spc="0" baseline="0">
           <a:solidFill>
             <a:srgbClr val="000000"/>
           </a:solidFill>
@@ -4904,7 +4853,7 @@
         <a:buFontTx/>
         <a:buChar char="•"/>
         <a:tabLst/>
-        <a:defRPr b="0" baseline="0" cap="none" i="0" spc="0" strike="noStrike" sz="4400" u="none">
+        <a:defRPr sz="4400" b="0" i="0" u="none" strike="noStrike" cap="none" spc="0" baseline="0">
           <a:solidFill>
             <a:srgbClr val="000000"/>
           </a:solidFill>
@@ -4930,7 +4879,7 @@
         <a:buFontTx/>
         <a:buChar char="•"/>
         <a:tabLst/>
-        <a:defRPr b="0" baseline="0" cap="none" i="0" spc="0" strike="noStrike" sz="4400" u="none">
+        <a:defRPr sz="4400" b="0" i="0" u="none" strike="noStrike" cap="none" spc="0" baseline="0">
           <a:solidFill>
             <a:srgbClr val="000000"/>
           </a:solidFill>
@@ -4956,7 +4905,7 @@
         <a:buFontTx/>
         <a:buChar char="•"/>
         <a:tabLst/>
-        <a:defRPr b="0" baseline="0" cap="none" i="0" spc="0" strike="noStrike" sz="4400" u="none">
+        <a:defRPr sz="4400" b="0" i="0" u="none" strike="noStrike" cap="none" spc="0" baseline="0">
           <a:solidFill>
             <a:srgbClr val="000000"/>
           </a:solidFill>
@@ -4984,7 +4933,7 @@
         <a:buFontTx/>
         <a:buNone/>
         <a:tabLst/>
-        <a:defRPr b="0" baseline="0" cap="none" i="0" spc="0" strike="noStrike" sz="2000" u="none">
+        <a:defRPr sz="2000" b="0" i="0" u="none" strike="noStrike" cap="none" spc="0" baseline="0">
           <a:solidFill>
             <a:schemeClr val="tx1"/>
           </a:solidFill>
@@ -5010,7 +4959,7 @@
         <a:buFontTx/>
         <a:buNone/>
         <a:tabLst/>
-        <a:defRPr b="0" baseline="0" cap="none" i="0" spc="0" strike="noStrike" sz="2000" u="none">
+        <a:defRPr sz="2000" b="0" i="0" u="none" strike="noStrike" cap="none" spc="0" baseline="0">
           <a:solidFill>
             <a:schemeClr val="tx1"/>
           </a:solidFill>
@@ -5036,7 +4985,7 @@
         <a:buFontTx/>
         <a:buNone/>
         <a:tabLst/>
-        <a:defRPr b="0" baseline="0" cap="none" i="0" spc="0" strike="noStrike" sz="2000" u="none">
+        <a:defRPr sz="2000" b="0" i="0" u="none" strike="noStrike" cap="none" spc="0" baseline="0">
           <a:solidFill>
             <a:schemeClr val="tx1"/>
           </a:solidFill>
@@ -5062,7 +5011,7 @@
         <a:buFontTx/>
         <a:buNone/>
         <a:tabLst/>
-        <a:defRPr b="0" baseline="0" cap="none" i="0" spc="0" strike="noStrike" sz="2000" u="none">
+        <a:defRPr sz="2000" b="0" i="0" u="none" strike="noStrike" cap="none" spc="0" baseline="0">
           <a:solidFill>
             <a:schemeClr val="tx1"/>
           </a:solidFill>
@@ -5088,7 +5037,7 @@
         <a:buFontTx/>
         <a:buNone/>
         <a:tabLst/>
-        <a:defRPr b="0" baseline="0" cap="none" i="0" spc="0" strike="noStrike" sz="2000" u="none">
+        <a:defRPr sz="2000" b="0" i="0" u="none" strike="noStrike" cap="none" spc="0" baseline="0">
           <a:solidFill>
             <a:schemeClr val="tx1"/>
           </a:solidFill>
@@ -5114,7 +5063,7 @@
         <a:buFontTx/>
         <a:buNone/>
         <a:tabLst/>
-        <a:defRPr b="0" baseline="0" cap="none" i="0" spc="0" strike="noStrike" sz="2000" u="none">
+        <a:defRPr sz="2000" b="0" i="0" u="none" strike="noStrike" cap="none" spc="0" baseline="0">
           <a:solidFill>
             <a:schemeClr val="tx1"/>
           </a:solidFill>
@@ -5140,7 +5089,7 @@
         <a:buFontTx/>
         <a:buNone/>
         <a:tabLst/>
-        <a:defRPr b="0" baseline="0" cap="none" i="0" spc="0" strike="noStrike" sz="2000" u="none">
+        <a:defRPr sz="2000" b="0" i="0" u="none" strike="noStrike" cap="none" spc="0" baseline="0">
           <a:solidFill>
             <a:schemeClr val="tx1"/>
           </a:solidFill>
@@ -5166,7 +5115,7 @@
         <a:buFontTx/>
         <a:buNone/>
         <a:tabLst/>
-        <a:defRPr b="0" baseline="0" cap="none" i="0" spc="0" strike="noStrike" sz="2000" u="none">
+        <a:defRPr sz="2000" b="0" i="0" u="none" strike="noStrike" cap="none" spc="0" baseline="0">
           <a:solidFill>
             <a:schemeClr val="tx1"/>
           </a:solidFill>
@@ -5192,7 +5141,7 @@
         <a:buFontTx/>
         <a:buNone/>
         <a:tabLst/>
-        <a:defRPr b="0" baseline="0" cap="none" i="0" spc="0" strike="noStrike" sz="2000" u="none">
+        <a:defRPr sz="2000" b="0" i="0" u="none" strike="noStrike" cap="none" spc="0" baseline="0">
           <a:solidFill>
             <a:schemeClr val="tx1"/>
           </a:solidFill>
@@ -5209,7 +5158,7 @@
 </file>
 
 <file path=ppt/slides/slide1.xml><?xml version="1.0" encoding="utf-8"?>
-<p:sld xmlns:a="http://schemas.openxmlformats.org/drawingml/2006/main" xmlns:r="http://schemas.openxmlformats.org/officeDocument/2006/relationships" xmlns:p="http://schemas.openxmlformats.org/presentationml/2006/main" xmlns:m="http://schemas.openxmlformats.org/officeDocument/2006/math" xmlns:a14="http://schemas.microsoft.com/office/drawing/2010/main" showMasterSp="1" showMasterPhAnim="1">
+<p:sld xmlns:a="http://schemas.openxmlformats.org/drawingml/2006/main" xmlns:r="http://schemas.openxmlformats.org/officeDocument/2006/relationships" xmlns:p="http://schemas.openxmlformats.org/presentationml/2006/main">
   <p:cSld>
     <p:spTree>
       <p:nvGrpSpPr>
@@ -5228,7 +5177,9 @@
       <p:sp>
         <p:nvSpPr>
           <p:cNvPr id="151" name="AMC vs Cinemark"/>
-          <p:cNvSpPr txBox="1"/>
+          <p:cNvSpPr txBox="1">
+            <a:spLocks noGrp="1"/>
+          </p:cNvSpPr>
           <p:nvPr>
             <p:ph type="ctrTitle"/>
           </p:nvPr>
@@ -5242,7 +5193,6 @@
           <a:bodyPr/>
           <a:lstStyle/>
           <a:p>
-            <a:pPr/>
             <a:r>
               <a:t>AMC vs Cinemark</a:t>
             </a:r>
@@ -5252,7 +5202,9 @@
       <p:sp>
         <p:nvSpPr>
           <p:cNvPr id="152" name="By Jake Guerrero"/>
-          <p:cNvSpPr txBox="1"/>
+          <p:cNvSpPr txBox="1">
+            <a:spLocks noGrp="1"/>
+          </p:cNvSpPr>
           <p:nvPr>
             <p:ph type="subTitle" sz="quarter" idx="1"/>
           </p:nvPr>
@@ -5266,7 +5218,6 @@
           <a:bodyPr/>
           <a:lstStyle/>
           <a:p>
-            <a:pPr/>
             <a:r>
               <a:t>By Jake Guerrero</a:t>
             </a:r>
@@ -5278,12 +5229,12 @@
   <p:clrMapOvr>
     <a:masterClrMapping/>
   </p:clrMapOvr>
-  <p:transition xmlns:p14="http://schemas.microsoft.com/office/powerpoint/2010/main" spd="med" advClick="1"/>
+  <p:transition spd="med"/>
 </p:sld>
 </file>
 
 <file path=ppt/slides/slide2.xml><?xml version="1.0" encoding="utf-8"?>
-<p:sld xmlns:a="http://schemas.openxmlformats.org/drawingml/2006/main" xmlns:r="http://schemas.openxmlformats.org/officeDocument/2006/relationships" xmlns:p="http://schemas.openxmlformats.org/presentationml/2006/main" xmlns:m="http://schemas.openxmlformats.org/officeDocument/2006/math" xmlns:a14="http://schemas.microsoft.com/office/drawing/2010/main" showMasterSp="1" showMasterPhAnim="1">
+<p:sld xmlns:a="http://schemas.openxmlformats.org/drawingml/2006/main" xmlns:r="http://schemas.openxmlformats.org/officeDocument/2006/relationships" xmlns:p="http://schemas.openxmlformats.org/presentationml/2006/main">
   <p:cSld>
     <p:spTree>
       <p:nvGrpSpPr>
@@ -5302,7 +5253,9 @@
       <p:sp>
         <p:nvSpPr>
           <p:cNvPr id="154" name="Admissions"/>
-          <p:cNvSpPr txBox="1"/>
+          <p:cNvSpPr txBox="1">
+            <a:spLocks noGrp="1"/>
+          </p:cNvSpPr>
           <p:nvPr>
             <p:ph type="title"/>
           </p:nvPr>
@@ -5316,7 +5269,6 @@
           <a:bodyPr/>
           <a:lstStyle/>
           <a:p>
-            <a:pPr/>
             <a:r>
               <a:t>Admissions</a:t>
             </a:r>
@@ -5326,7 +5278,9 @@
       <p:sp>
         <p:nvSpPr>
           <p:cNvPr id="155" name="Admissions for AMC for the physical year of 2021 brought in 1394.2 million USD while, in 2022, brought in 2201.4 million USD. Cinemark brought in 780 million in the end of the 2021 physical year, brought in 1246.9 million USD the next year."/>
-          <p:cNvSpPr txBox="1"/>
+          <p:cNvSpPr txBox="1">
+            <a:spLocks noGrp="1"/>
+          </p:cNvSpPr>
           <p:nvPr>
             <p:ph type="body" sz="half" idx="1"/>
           </p:nvPr>
@@ -5360,7 +5314,6 @@
             </a:lvl1pPr>
           </a:lstStyle>
           <a:p>
-            <a:pPr/>
             <a:r>
               <a:t>Admissions for AMC for the physical year of 2021 brought in 1394.2 million USD while, in 2022, brought in 2201.4 million USD. Cinemark brought in 780 million in the end of the 2021 physical year, brought in 1246.9 million USD the next year.</a:t>
             </a:r>
@@ -5377,9 +5330,9 @@
           <a:off x="490594" y="3887608"/>
           <a:ext cx="12120602" cy="8550867"/>
         </p:xfrm>
-        <a:graphic xmlns:a="http://schemas.openxmlformats.org/drawingml/2006/main">
+        <a:graphic>
           <a:graphicData uri="http://schemas.openxmlformats.org/drawingml/2006/chart">
-            <c:chart xmlns:c="http://schemas.openxmlformats.org/drawingml/2006/chart" r:id="rId2"/>
+            <c:chart xmlns:c="http://schemas.openxmlformats.org/drawingml/2006/chart" xmlns:r="http://schemas.openxmlformats.org/officeDocument/2006/relationships" r:id="rId2"/>
           </a:graphicData>
         </a:graphic>
       </p:graphicFrame>
@@ -5388,12 +5341,12 @@
   <p:clrMapOvr>
     <a:masterClrMapping/>
   </p:clrMapOvr>
-  <p:transition xmlns:p14="http://schemas.microsoft.com/office/powerpoint/2010/main" spd="med" advClick="1"/>
+  <p:transition spd="med"/>
 </p:sld>
 </file>
 
 <file path=ppt/slides/slide3.xml><?xml version="1.0" encoding="utf-8"?>
-<p:sld xmlns:a="http://schemas.openxmlformats.org/drawingml/2006/main" xmlns:r="http://schemas.openxmlformats.org/officeDocument/2006/relationships" xmlns:p="http://schemas.openxmlformats.org/presentationml/2006/main" xmlns:m="http://schemas.openxmlformats.org/officeDocument/2006/math" xmlns:a14="http://schemas.microsoft.com/office/drawing/2010/main" showMasterSp="1" showMasterPhAnim="1">
+<p:sld xmlns:a="http://schemas.openxmlformats.org/drawingml/2006/main" xmlns:r="http://schemas.openxmlformats.org/officeDocument/2006/relationships" xmlns:p="http://schemas.openxmlformats.org/presentationml/2006/main">
   <p:cSld>
     <p:spTree>
       <p:nvGrpSpPr>
@@ -5412,7 +5365,9 @@
       <p:sp>
         <p:nvSpPr>
           <p:cNvPr id="158" name="Concessions"/>
-          <p:cNvSpPr txBox="1"/>
+          <p:cNvSpPr txBox="1">
+            <a:spLocks noGrp="1"/>
+          </p:cNvSpPr>
           <p:nvPr>
             <p:ph type="title"/>
           </p:nvPr>
@@ -5426,7 +5381,6 @@
           <a:bodyPr/>
           <a:lstStyle/>
           <a:p>
-            <a:pPr/>
             <a:r>
               <a:t>Concessions</a:t>
             </a:r>
@@ -5436,7 +5390,9 @@
       <p:sp>
         <p:nvSpPr>
           <p:cNvPr id="159" name="When we looked into the concession stands of both theaters, we saw that AMC had 857.3 million USD in 2021, while in 2022, it increased to 1,313 million USD. In Cinemark theaters, they brought in 561.7 million USD in 2021 while the next year was 938.3 mil"/>
-          <p:cNvSpPr txBox="1"/>
+          <p:cNvSpPr txBox="1">
+            <a:spLocks noGrp="1"/>
+          </p:cNvSpPr>
           <p:nvPr>
             <p:ph type="body" sz="half" idx="1"/>
           </p:nvPr>
@@ -5470,7 +5426,6 @@
             </a:lvl1pPr>
           </a:lstStyle>
           <a:p>
-            <a:pPr/>
             <a:r>
               <a:t>When we looked into the concession stands of both theaters, we saw that AMC had 857.3 million USD in 2021, while in 2022, it increased to 1,313 million USD. In Cinemark theaters, they brought in 561.7 million USD in 2021 while the next year was 938.3 million USD.</a:t>
             </a:r>
@@ -5487,9 +5442,9 @@
           <a:off x="2600233" y="4601740"/>
           <a:ext cx="9157297" cy="8352122"/>
         </p:xfrm>
-        <a:graphic xmlns:a="http://schemas.openxmlformats.org/drawingml/2006/main">
+        <a:graphic>
           <a:graphicData uri="http://schemas.openxmlformats.org/drawingml/2006/chart">
-            <c:chart xmlns:c="http://schemas.openxmlformats.org/drawingml/2006/chart" r:id="rId2"/>
+            <c:chart xmlns:c="http://schemas.openxmlformats.org/drawingml/2006/chart" xmlns:r="http://schemas.openxmlformats.org/officeDocument/2006/relationships" r:id="rId2"/>
           </a:graphicData>
         </a:graphic>
       </p:graphicFrame>
@@ -5498,12 +5453,12 @@
   <p:clrMapOvr>
     <a:masterClrMapping/>
   </p:clrMapOvr>
-  <p:transition xmlns:p14="http://schemas.microsoft.com/office/powerpoint/2010/main" spd="med" advClick="1"/>
+  <p:transition spd="med"/>
 </p:sld>
 </file>
 
 <file path=ppt/slides/slide4.xml><?xml version="1.0" encoding="utf-8"?>
-<p:sld xmlns:a="http://schemas.openxmlformats.org/drawingml/2006/main" xmlns:r="http://schemas.openxmlformats.org/officeDocument/2006/relationships" xmlns:p="http://schemas.openxmlformats.org/presentationml/2006/main" xmlns:m="http://schemas.openxmlformats.org/officeDocument/2006/math" xmlns:a14="http://schemas.microsoft.com/office/drawing/2010/main" showMasterSp="1" showMasterPhAnim="1">
+<p:sld xmlns:a="http://schemas.openxmlformats.org/drawingml/2006/main" xmlns:r="http://schemas.openxmlformats.org/officeDocument/2006/relationships" xmlns:p="http://schemas.openxmlformats.org/presentationml/2006/main">
   <p:cSld>
     <p:spTree>
       <p:nvGrpSpPr>
@@ -5522,7 +5477,9 @@
       <p:sp>
         <p:nvSpPr>
           <p:cNvPr id="162" name="Other"/>
-          <p:cNvSpPr txBox="1"/>
+          <p:cNvSpPr txBox="1">
+            <a:spLocks noGrp="1"/>
+          </p:cNvSpPr>
           <p:nvPr>
             <p:ph type="title"/>
           </p:nvPr>
@@ -5536,7 +5493,6 @@
           <a:bodyPr/>
           <a:lstStyle/>
           <a:p>
-            <a:pPr/>
             <a:r>
               <a:t>Other</a:t>
             </a:r>
@@ -5546,7 +5502,9 @@
       <p:sp>
         <p:nvSpPr>
           <p:cNvPr id="163" name="This chart summarizes other revenue for both companies. AMC brought 276.4 million USD in 2021 and brought in 396.3 million USD the following year. Cinemark brought in 73.6 million USD in 2021 while the company had 69.4 million USD the following year."/>
-          <p:cNvSpPr txBox="1"/>
+          <p:cNvSpPr txBox="1">
+            <a:spLocks noGrp="1"/>
+          </p:cNvSpPr>
           <p:nvPr>
             <p:ph type="body" sz="half" idx="1"/>
           </p:nvPr>
@@ -5580,7 +5538,6 @@
             </a:lvl1pPr>
           </a:lstStyle>
           <a:p>
-            <a:pPr/>
             <a:r>
               <a:t>This chart summarizes other revenue for both companies. AMC brought 276.4 million USD in 2021 and brought in 396.3 million USD the following year. Cinemark brought in 73.6 million USD in 2021 while the company had 69.4 million USD the following year.</a:t>
             </a:r>
@@ -5597,167 +5554,23 @@
           <a:off x="-80822" y="3648519"/>
           <a:ext cx="11896497" cy="8977685"/>
         </p:xfrm>
-        <a:graphic xmlns:a="http://schemas.openxmlformats.org/drawingml/2006/main">
+        <a:graphic>
           <a:graphicData uri="http://schemas.openxmlformats.org/drawingml/2006/chart">
-            <c:chart xmlns:c="http://schemas.openxmlformats.org/drawingml/2006/chart" r:id="rId2"/>
+            <c:chart xmlns:c="http://schemas.openxmlformats.org/drawingml/2006/chart" xmlns:r="http://schemas.openxmlformats.org/officeDocument/2006/relationships" r:id="rId2"/>
           </a:graphicData>
         </a:graphic>
       </p:graphicFrame>
-      <p:sp>
-        <p:nvSpPr>
-          <p:cNvPr id="165" name="2021"/>
-          <p:cNvSpPr txBox="1"/>
-          <p:nvPr/>
-        </p:nvSpPr>
-        <p:spPr>
-          <a:xfrm>
-            <a:off x="2025466" y="4395773"/>
-            <a:ext cx="673914" cy="555753"/>
-          </a:xfrm>
-          <a:prstGeom prst="rect">
-            <a:avLst/>
-          </a:prstGeom>
-          <a:ln w="12700">
-            <a:miter lim="400000"/>
-          </a:ln>
-          <a:extLst>
-            <a:ext uri="{C572A759-6A51-4108-AA02-DFA0A04FC94B}">
-              <ma14:wrappingTextBoxFlag xmlns:ma14="http://schemas.microsoft.com/office/mac/drawingml/2011/main" val="1"/>
-            </a:ext>
-          </a:extLst>
-        </p:spPr>
-        <p:txBody>
-          <a:bodyPr wrap="none" lIns="50800" tIns="50800" rIns="50800" bIns="50800" anchor="ctr">
-            <a:spAutoFit/>
-          </a:bodyPr>
-          <a:lstStyle/>
-          <a:p>
-            <a:pPr/>
-            <a:r>
-              <a:t>2021</a:t>
-            </a:r>
-          </a:p>
-        </p:txBody>
-      </p:sp>
-      <p:sp>
-        <p:nvSpPr>
-          <p:cNvPr id="166" name="2021"/>
-          <p:cNvSpPr txBox="1"/>
-          <p:nvPr/>
-        </p:nvSpPr>
-        <p:spPr>
-          <a:xfrm>
-            <a:off x="4835418" y="4395773"/>
-            <a:ext cx="673914" cy="555753"/>
-          </a:xfrm>
-          <a:prstGeom prst="rect">
-            <a:avLst/>
-          </a:prstGeom>
-          <a:ln w="12700">
-            <a:miter lim="400000"/>
-          </a:ln>
-          <a:extLst>
-            <a:ext uri="{C572A759-6A51-4108-AA02-DFA0A04FC94B}">
-              <ma14:wrappingTextBoxFlag xmlns:ma14="http://schemas.microsoft.com/office/mac/drawingml/2011/main" val="1"/>
-            </a:ext>
-          </a:extLst>
-        </p:spPr>
-        <p:txBody>
-          <a:bodyPr wrap="none" lIns="50800" tIns="50800" rIns="50800" bIns="50800" anchor="ctr">
-            <a:spAutoFit/>
-          </a:bodyPr>
-          <a:lstStyle/>
-          <a:p>
-            <a:pPr/>
-            <a:r>
-              <a:t>2021</a:t>
-            </a:r>
-          </a:p>
-        </p:txBody>
-      </p:sp>
-      <p:sp>
-        <p:nvSpPr>
-          <p:cNvPr id="167" name="2022"/>
-          <p:cNvSpPr txBox="1"/>
-          <p:nvPr/>
-        </p:nvSpPr>
-        <p:spPr>
-          <a:xfrm>
-            <a:off x="3235867" y="4395773"/>
-            <a:ext cx="722377" cy="555753"/>
-          </a:xfrm>
-          <a:prstGeom prst="rect">
-            <a:avLst/>
-          </a:prstGeom>
-          <a:ln w="12700">
-            <a:miter lim="400000"/>
-          </a:ln>
-          <a:extLst>
-            <a:ext uri="{C572A759-6A51-4108-AA02-DFA0A04FC94B}">
-              <ma14:wrappingTextBoxFlag xmlns:ma14="http://schemas.microsoft.com/office/mac/drawingml/2011/main" val="1"/>
-            </a:ext>
-          </a:extLst>
-        </p:spPr>
-        <p:txBody>
-          <a:bodyPr wrap="none" lIns="50800" tIns="50800" rIns="50800" bIns="50800" anchor="ctr">
-            <a:spAutoFit/>
-          </a:bodyPr>
-          <a:lstStyle/>
-          <a:p>
-            <a:pPr/>
-            <a:r>
-              <a:t>2022</a:t>
-            </a:r>
-          </a:p>
-        </p:txBody>
-      </p:sp>
-      <p:sp>
-        <p:nvSpPr>
-          <p:cNvPr id="168" name="2022"/>
-          <p:cNvSpPr txBox="1"/>
-          <p:nvPr/>
-        </p:nvSpPr>
-        <p:spPr>
-          <a:xfrm>
-            <a:off x="5922099" y="4395773"/>
-            <a:ext cx="722377" cy="555753"/>
-          </a:xfrm>
-          <a:prstGeom prst="rect">
-            <a:avLst/>
-          </a:prstGeom>
-          <a:ln w="12700">
-            <a:miter lim="400000"/>
-          </a:ln>
-          <a:extLst>
-            <a:ext uri="{C572A759-6A51-4108-AA02-DFA0A04FC94B}">
-              <ma14:wrappingTextBoxFlag xmlns:ma14="http://schemas.microsoft.com/office/mac/drawingml/2011/main" val="1"/>
-            </a:ext>
-          </a:extLst>
-        </p:spPr>
-        <p:txBody>
-          <a:bodyPr wrap="none" lIns="50800" tIns="50800" rIns="50800" bIns="50800" anchor="ctr">
-            <a:spAutoFit/>
-          </a:bodyPr>
-          <a:lstStyle/>
-          <a:p>
-            <a:pPr/>
-            <a:r>
-              <a:t>2022</a:t>
-            </a:r>
-          </a:p>
-        </p:txBody>
-      </p:sp>
     </p:spTree>
   </p:cSld>
   <p:clrMapOvr>
     <a:masterClrMapping/>
   </p:clrMapOvr>
-  <p:transition xmlns:p14="http://schemas.microsoft.com/office/powerpoint/2010/main" spd="med" advClick="1"/>
+  <p:transition spd="med"/>
 </p:sld>
 </file>
 
 <file path=ppt/theme/theme1.xml><?xml version="1.0" encoding="utf-8"?>
-<a:theme xmlns:a="http://schemas.openxmlformats.org/drawingml/2006/main" xmlns:r="http://schemas.openxmlformats.org/officeDocument/2006/relationships" name="23_ClassicWhite">
+<a:theme xmlns:a="http://schemas.openxmlformats.org/drawingml/2006/main" name="23_ClassicWhite">
   <a:themeElements>
     <a:clrScheme name="23_ClassicWhite">
       <a:dk1>
@@ -5956,7 +5769,7 @@
         <a:effectLst/>
         <a:sp3d/>
       </a:spPr>
-      <a:bodyPr rot="0" spcFirstLastPara="1" vertOverflow="overflow" horzOverflow="overflow" vert="horz" wrap="square" lIns="50800" tIns="50800" rIns="50800" bIns="50800" numCol="1" spcCol="38100" rtlCol="0" anchor="ctr" upright="0">
+      <a:bodyPr rot="0" spcFirstLastPara="1" vertOverflow="overflow" horzOverflow="overflow" vert="horz" wrap="square" lIns="50800" tIns="50800" rIns="50800" bIns="50800" numCol="1" spcCol="38100" rtlCol="0" anchor="ctr">
         <a:spAutoFit/>
       </a:bodyPr>
       <a:lstStyle>
@@ -5975,7 +5788,7 @@
           <a:buFontTx/>
           <a:buNone/>
           <a:tabLst/>
-          <a:defRPr b="0" baseline="0" cap="none" i="0" spc="0" strike="noStrike" sz="3200" u="none" kumimoji="0" normalizeH="0">
+          <a:defRPr kumimoji="0" sz="3200" b="0" i="0" u="none" strike="noStrike" cap="none" spc="0" normalizeH="0" baseline="0">
             <a:ln>
               <a:noFill/>
             </a:ln>
@@ -6005,7 +5818,7 @@
           <a:buFontTx/>
           <a:buNone/>
           <a:tabLst/>
-          <a:defRPr b="0" baseline="0" cap="none" i="0" spc="0" strike="noStrike" sz="1800" u="none" kumimoji="0" normalizeH="0">
+          <a:defRPr kumimoji="0" sz="1800" b="0" i="0" u="none" strike="noStrike" cap="none" spc="0" normalizeH="0" baseline="0">
             <a:ln>
               <a:noFill/>
             </a:ln>
@@ -6031,7 +5844,7 @@
           <a:buFontTx/>
           <a:buNone/>
           <a:tabLst/>
-          <a:defRPr b="0" baseline="0" cap="none" i="0" spc="0" strike="noStrike" sz="1800" u="none" kumimoji="0" normalizeH="0">
+          <a:defRPr kumimoji="0" sz="1800" b="0" i="0" u="none" strike="noStrike" cap="none" spc="0" normalizeH="0" baseline="0">
             <a:ln>
               <a:noFill/>
             </a:ln>
@@ -6057,7 +5870,7 @@
           <a:buFontTx/>
           <a:buNone/>
           <a:tabLst/>
-          <a:defRPr b="0" baseline="0" cap="none" i="0" spc="0" strike="noStrike" sz="1800" u="none" kumimoji="0" normalizeH="0">
+          <a:defRPr kumimoji="0" sz="1800" b="0" i="0" u="none" strike="noStrike" cap="none" spc="0" normalizeH="0" baseline="0">
             <a:ln>
               <a:noFill/>
             </a:ln>
@@ -6083,7 +5896,7 @@
           <a:buFontTx/>
           <a:buNone/>
           <a:tabLst/>
-          <a:defRPr b="0" baseline="0" cap="none" i="0" spc="0" strike="noStrike" sz="1800" u="none" kumimoji="0" normalizeH="0">
+          <a:defRPr kumimoji="0" sz="1800" b="0" i="0" u="none" strike="noStrike" cap="none" spc="0" normalizeH="0" baseline="0">
             <a:ln>
               <a:noFill/>
             </a:ln>
@@ -6109,7 +5922,7 @@
           <a:buFontTx/>
           <a:buNone/>
           <a:tabLst/>
-          <a:defRPr b="0" baseline="0" cap="none" i="0" spc="0" strike="noStrike" sz="1800" u="none" kumimoji="0" normalizeH="0">
+          <a:defRPr kumimoji="0" sz="1800" b="0" i="0" u="none" strike="noStrike" cap="none" spc="0" normalizeH="0" baseline="0">
             <a:ln>
               <a:noFill/>
             </a:ln>
@@ -6135,7 +5948,7 @@
           <a:buFontTx/>
           <a:buNone/>
           <a:tabLst/>
-          <a:defRPr b="0" baseline="0" cap="none" i="0" spc="0" strike="noStrike" sz="1800" u="none" kumimoji="0" normalizeH="0">
+          <a:defRPr kumimoji="0" sz="1800" b="0" i="0" u="none" strike="noStrike" cap="none" spc="0" normalizeH="0" baseline="0">
             <a:ln>
               <a:noFill/>
             </a:ln>
@@ -6161,7 +5974,7 @@
           <a:buFontTx/>
           <a:buNone/>
           <a:tabLst/>
-          <a:defRPr b="0" baseline="0" cap="none" i="0" spc="0" strike="noStrike" sz="1800" u="none" kumimoji="0" normalizeH="0">
+          <a:defRPr kumimoji="0" sz="1800" b="0" i="0" u="none" strike="noStrike" cap="none" spc="0" normalizeH="0" baseline="0">
             <a:ln>
               <a:noFill/>
             </a:ln>
@@ -6187,7 +6000,7 @@
           <a:buFontTx/>
           <a:buNone/>
           <a:tabLst/>
-          <a:defRPr b="0" baseline="0" cap="none" i="0" spc="0" strike="noStrike" sz="1800" u="none" kumimoji="0" normalizeH="0">
+          <a:defRPr kumimoji="0" sz="1800" b="0" i="0" u="none" strike="noStrike" cap="none" spc="0" normalizeH="0" baseline="0">
             <a:ln>
               <a:noFill/>
             </a:ln>
@@ -6213,7 +6026,7 @@
           <a:buFontTx/>
           <a:buNone/>
           <a:tabLst/>
-          <a:defRPr b="0" baseline="0" cap="none" i="0" spc="0" strike="noStrike" sz="1800" u="none" kumimoji="0" normalizeH="0">
+          <a:defRPr kumimoji="0" sz="1800" b="0" i="0" u="none" strike="noStrike" cap="none" spc="0" normalizeH="0" baseline="0">
             <a:ln>
               <a:noFill/>
             </a:ln>
@@ -6226,9 +6039,15 @@
         </a:lvl9pPr>
       </a:lstStyle>
       <a:style>
-        <a:lnRef idx="0"/>
-        <a:fillRef idx="0"/>
-        <a:effectRef idx="0"/>
+        <a:lnRef idx="0">
+          <a:scrgbClr r="0" g="0" b="0"/>
+        </a:lnRef>
+        <a:fillRef idx="0">
+          <a:scrgbClr r="0" g="0" b="0"/>
+        </a:fillRef>
+        <a:effectRef idx="0">
+          <a:scrgbClr r="0" g="0" b="0"/>
+        </a:effectRef>
         <a:fontRef idx="none"/>
       </a:style>
     </a:spDef>
@@ -6245,7 +6064,7 @@
         <a:effectLst/>
         <a:sp3d/>
       </a:spPr>
-      <a:bodyPr rot="0" spcFirstLastPara="1" vertOverflow="overflow" horzOverflow="overflow" vert="horz" wrap="square" lIns="91439" tIns="45719" rIns="91439" bIns="45719" numCol="1" spcCol="38100" rtlCol="0" anchor="t" upright="0">
+      <a:bodyPr rot="0" spcFirstLastPara="1" vertOverflow="overflow" horzOverflow="overflow" vert="horz" wrap="square" lIns="91439" tIns="45719" rIns="91439" bIns="45719" numCol="1" spcCol="38100" rtlCol="0" anchor="t">
         <a:noAutofit/>
       </a:bodyPr>
       <a:lstStyle>
@@ -6264,7 +6083,7 @@
           <a:buFontTx/>
           <a:buNone/>
           <a:tabLst/>
-          <a:defRPr b="0" baseline="0" cap="none" i="0" spc="0" strike="noStrike" sz="1800" u="none" kumimoji="0" normalizeH="0">
+          <a:defRPr kumimoji="0" sz="1800" b="0" i="0" u="none" strike="noStrike" cap="none" spc="0" normalizeH="0" baseline="0">
             <a:ln>
               <a:noFill/>
             </a:ln>
@@ -6290,7 +6109,7 @@
           <a:buFontTx/>
           <a:buNone/>
           <a:tabLst/>
-          <a:defRPr b="0" baseline="0" cap="none" i="0" spc="0" strike="noStrike" sz="1800" u="none" kumimoji="0" normalizeH="0">
+          <a:defRPr kumimoji="0" sz="1800" b="0" i="0" u="none" strike="noStrike" cap="none" spc="0" normalizeH="0" baseline="0">
             <a:ln>
               <a:noFill/>
             </a:ln>
@@ -6316,7 +6135,7 @@
           <a:buFontTx/>
           <a:buNone/>
           <a:tabLst/>
-          <a:defRPr b="0" baseline="0" cap="none" i="0" spc="0" strike="noStrike" sz="1800" u="none" kumimoji="0" normalizeH="0">
+          <a:defRPr kumimoji="0" sz="1800" b="0" i="0" u="none" strike="noStrike" cap="none" spc="0" normalizeH="0" baseline="0">
             <a:ln>
               <a:noFill/>
             </a:ln>
@@ -6342,7 +6161,7 @@
           <a:buFontTx/>
           <a:buNone/>
           <a:tabLst/>
-          <a:defRPr b="0" baseline="0" cap="none" i="0" spc="0" strike="noStrike" sz="1800" u="none" kumimoji="0" normalizeH="0">
+          <a:defRPr kumimoji="0" sz="1800" b="0" i="0" u="none" strike="noStrike" cap="none" spc="0" normalizeH="0" baseline="0">
             <a:ln>
               <a:noFill/>
             </a:ln>
@@ -6368,7 +6187,7 @@
           <a:buFontTx/>
           <a:buNone/>
           <a:tabLst/>
-          <a:defRPr b="0" baseline="0" cap="none" i="0" spc="0" strike="noStrike" sz="1800" u="none" kumimoji="0" normalizeH="0">
+          <a:defRPr kumimoji="0" sz="1800" b="0" i="0" u="none" strike="noStrike" cap="none" spc="0" normalizeH="0" baseline="0">
             <a:ln>
               <a:noFill/>
             </a:ln>
@@ -6394,7 +6213,7 @@
           <a:buFontTx/>
           <a:buNone/>
           <a:tabLst/>
-          <a:defRPr b="0" baseline="0" cap="none" i="0" spc="0" strike="noStrike" sz="1800" u="none" kumimoji="0" normalizeH="0">
+          <a:defRPr kumimoji="0" sz="1800" b="0" i="0" u="none" strike="noStrike" cap="none" spc="0" normalizeH="0" baseline="0">
             <a:ln>
               <a:noFill/>
             </a:ln>
@@ -6420,7 +6239,7 @@
           <a:buFontTx/>
           <a:buNone/>
           <a:tabLst/>
-          <a:defRPr b="0" baseline="0" cap="none" i="0" spc="0" strike="noStrike" sz="1800" u="none" kumimoji="0" normalizeH="0">
+          <a:defRPr kumimoji="0" sz="1800" b="0" i="0" u="none" strike="noStrike" cap="none" spc="0" normalizeH="0" baseline="0">
             <a:ln>
               <a:noFill/>
             </a:ln>
@@ -6446,7 +6265,7 @@
           <a:buFontTx/>
           <a:buNone/>
           <a:tabLst/>
-          <a:defRPr b="0" baseline="0" cap="none" i="0" spc="0" strike="noStrike" sz="1800" u="none" kumimoji="0" normalizeH="0">
+          <a:defRPr kumimoji="0" sz="1800" b="0" i="0" u="none" strike="noStrike" cap="none" spc="0" normalizeH="0" baseline="0">
             <a:ln>
               <a:noFill/>
             </a:ln>
@@ -6472,7 +6291,7 @@
           <a:buFontTx/>
           <a:buNone/>
           <a:tabLst/>
-          <a:defRPr b="0" baseline="0" cap="none" i="0" spc="0" strike="noStrike" sz="1800" u="none" kumimoji="0" normalizeH="0">
+          <a:defRPr kumimoji="0" sz="1800" b="0" i="0" u="none" strike="noStrike" cap="none" spc="0" normalizeH="0" baseline="0">
             <a:ln>
               <a:noFill/>
             </a:ln>
@@ -6498,7 +6317,7 @@
           <a:buFontTx/>
           <a:buNone/>
           <a:tabLst/>
-          <a:defRPr b="0" baseline="0" cap="none" i="0" spc="0" strike="noStrike" sz="1800" u="none" kumimoji="0" normalizeH="0">
+          <a:defRPr kumimoji="0" sz="1800" b="0" i="0" u="none" strike="noStrike" cap="none" spc="0" normalizeH="0" baseline="0">
             <a:ln>
               <a:noFill/>
             </a:ln>
@@ -6511,9 +6330,15 @@
         </a:lvl9pPr>
       </a:lstStyle>
       <a:style>
-        <a:lnRef idx="0"/>
-        <a:fillRef idx="0"/>
-        <a:effectRef idx="0"/>
+        <a:lnRef idx="0">
+          <a:scrgbClr r="0" g="0" b="0"/>
+        </a:lnRef>
+        <a:fillRef idx="0">
+          <a:scrgbClr r="0" g="0" b="0"/>
+        </a:fillRef>
+        <a:effectRef idx="0">
+          <a:scrgbClr r="0" g="0" b="0"/>
+        </a:effectRef>
         <a:fontRef idx="none"/>
       </a:style>
     </a:lnDef>
@@ -6527,7 +6352,7 @@
         <a:effectLst/>
         <a:sp3d/>
       </a:spPr>
-      <a:bodyPr rot="0" spcFirstLastPara="1" vertOverflow="overflow" horzOverflow="overflow" vert="horz" wrap="square" lIns="50800" tIns="50800" rIns="50800" bIns="50800" numCol="1" spcCol="38100" rtlCol="0" anchor="ctr" upright="0">
+      <a:bodyPr rot="0" spcFirstLastPara="1" vertOverflow="overflow" horzOverflow="overflow" vert="horz" wrap="square" lIns="50800" tIns="50800" rIns="50800" bIns="50800" numCol="1" spcCol="38100" rtlCol="0" anchor="ctr">
         <a:spAutoFit/>
       </a:bodyPr>
       <a:lstStyle>
@@ -6546,7 +6371,7 @@
           <a:buFontTx/>
           <a:buNone/>
           <a:tabLst/>
-          <a:defRPr b="0" baseline="0" cap="none" i="0" spc="0" strike="noStrike" sz="2400" u="none" kumimoji="0" normalizeH="0">
+          <a:defRPr kumimoji="0" sz="2400" b="0" i="0" u="none" strike="noStrike" cap="none" spc="0" normalizeH="0" baseline="0">
             <a:ln>
               <a:noFill/>
             </a:ln>
@@ -6576,7 +6401,7 @@
           <a:buFontTx/>
           <a:buNone/>
           <a:tabLst/>
-          <a:defRPr b="0" baseline="0" cap="none" i="0" spc="0" strike="noStrike" sz="1800" u="none" kumimoji="0" normalizeH="0">
+          <a:defRPr kumimoji="0" sz="1800" b="0" i="0" u="none" strike="noStrike" cap="none" spc="0" normalizeH="0" baseline="0">
             <a:ln>
               <a:noFill/>
             </a:ln>
@@ -6602,7 +6427,7 @@
           <a:buFontTx/>
           <a:buNone/>
           <a:tabLst/>
-          <a:defRPr b="0" baseline="0" cap="none" i="0" spc="0" strike="noStrike" sz="1800" u="none" kumimoji="0" normalizeH="0">
+          <a:defRPr kumimoji="0" sz="1800" b="0" i="0" u="none" strike="noStrike" cap="none" spc="0" normalizeH="0" baseline="0">
             <a:ln>
               <a:noFill/>
             </a:ln>
@@ -6628,7 +6453,7 @@
           <a:buFontTx/>
           <a:buNone/>
           <a:tabLst/>
-          <a:defRPr b="0" baseline="0" cap="none" i="0" spc="0" strike="noStrike" sz="1800" u="none" kumimoji="0" normalizeH="0">
+          <a:defRPr kumimoji="0" sz="1800" b="0" i="0" u="none" strike="noStrike" cap="none" spc="0" normalizeH="0" baseline="0">
             <a:ln>
               <a:noFill/>
             </a:ln>
@@ -6654,7 +6479,7 @@
           <a:buFontTx/>
           <a:buNone/>
           <a:tabLst/>
-          <a:defRPr b="0" baseline="0" cap="none" i="0" spc="0" strike="noStrike" sz="1800" u="none" kumimoji="0" normalizeH="0">
+          <a:defRPr kumimoji="0" sz="1800" b="0" i="0" u="none" strike="noStrike" cap="none" spc="0" normalizeH="0" baseline="0">
             <a:ln>
               <a:noFill/>
             </a:ln>
@@ -6680,7 +6505,7 @@
           <a:buFontTx/>
           <a:buNone/>
           <a:tabLst/>
-          <a:defRPr b="0" baseline="0" cap="none" i="0" spc="0" strike="noStrike" sz="1800" u="none" kumimoji="0" normalizeH="0">
+          <a:defRPr kumimoji="0" sz="1800" b="0" i="0" u="none" strike="noStrike" cap="none" spc="0" normalizeH="0" baseline="0">
             <a:ln>
               <a:noFill/>
             </a:ln>
@@ -6706,7 +6531,7 @@
           <a:buFontTx/>
           <a:buNone/>
           <a:tabLst/>
-          <a:defRPr b="0" baseline="0" cap="none" i="0" spc="0" strike="noStrike" sz="1800" u="none" kumimoji="0" normalizeH="0">
+          <a:defRPr kumimoji="0" sz="1800" b="0" i="0" u="none" strike="noStrike" cap="none" spc="0" normalizeH="0" baseline="0">
             <a:ln>
               <a:noFill/>
             </a:ln>
@@ -6732,7 +6557,7 @@
           <a:buFontTx/>
           <a:buNone/>
           <a:tabLst/>
-          <a:defRPr b="0" baseline="0" cap="none" i="0" spc="0" strike="noStrike" sz="1800" u="none" kumimoji="0" normalizeH="0">
+          <a:defRPr kumimoji="0" sz="1800" b="0" i="0" u="none" strike="noStrike" cap="none" spc="0" normalizeH="0" baseline="0">
             <a:ln>
               <a:noFill/>
             </a:ln>
@@ -6758,7 +6583,7 @@
           <a:buFontTx/>
           <a:buNone/>
           <a:tabLst/>
-          <a:defRPr b="0" baseline="0" cap="none" i="0" spc="0" strike="noStrike" sz="1800" u="none" kumimoji="0" normalizeH="0">
+          <a:defRPr kumimoji="0" sz="1800" b="0" i="0" u="none" strike="noStrike" cap="none" spc="0" normalizeH="0" baseline="0">
             <a:ln>
               <a:noFill/>
             </a:ln>
@@ -6784,7 +6609,7 @@
           <a:buFontTx/>
           <a:buNone/>
           <a:tabLst/>
-          <a:defRPr b="0" baseline="0" cap="none" i="0" spc="0" strike="noStrike" sz="1800" u="none" kumimoji="0" normalizeH="0">
+          <a:defRPr kumimoji="0" sz="1800" b="0" i="0" u="none" strike="noStrike" cap="none" spc="0" normalizeH="0" baseline="0">
             <a:ln>
               <a:noFill/>
             </a:ln>
@@ -6797,18 +6622,25 @@
         </a:lvl9pPr>
       </a:lstStyle>
       <a:style>
-        <a:lnRef idx="0"/>
-        <a:fillRef idx="0"/>
-        <a:effectRef idx="0"/>
+        <a:lnRef idx="0">
+          <a:scrgbClr r="0" g="0" b="0"/>
+        </a:lnRef>
+        <a:fillRef idx="0">
+          <a:scrgbClr r="0" g="0" b="0"/>
+        </a:fillRef>
+        <a:effectRef idx="0">
+          <a:scrgbClr r="0" g="0" b="0"/>
+        </a:effectRef>
         <a:fontRef idx="none"/>
       </a:style>
     </a:txDef>
   </a:objectDefaults>
+  <a:extraClrSchemeLst/>
 </a:theme>
 </file>
 
 <file path=ppt/theme/theme2.xml><?xml version="1.0" encoding="utf-8"?>
-<a:theme xmlns:a="http://schemas.openxmlformats.org/drawingml/2006/main" xmlns:r="http://schemas.openxmlformats.org/officeDocument/2006/relationships" name="23_ClassicWhite">
+<a:theme xmlns:a="http://schemas.openxmlformats.org/drawingml/2006/main" name="23_ClassicWhite">
   <a:themeElements>
     <a:clrScheme name="23_ClassicWhite">
       <a:dk1>
@@ -7007,7 +6839,7 @@
         <a:effectLst/>
         <a:sp3d/>
       </a:spPr>
-      <a:bodyPr rot="0" spcFirstLastPara="1" vertOverflow="overflow" horzOverflow="overflow" vert="horz" wrap="square" lIns="50800" tIns="50800" rIns="50800" bIns="50800" numCol="1" spcCol="38100" rtlCol="0" anchor="ctr" upright="0">
+      <a:bodyPr rot="0" spcFirstLastPara="1" vertOverflow="overflow" horzOverflow="overflow" vert="horz" wrap="square" lIns="50800" tIns="50800" rIns="50800" bIns="50800" numCol="1" spcCol="38100" rtlCol="0" anchor="ctr">
         <a:spAutoFit/>
       </a:bodyPr>
       <a:lstStyle>
@@ -7026,7 +6858,7 @@
           <a:buFontTx/>
           <a:buNone/>
           <a:tabLst/>
-          <a:defRPr b="0" baseline="0" cap="none" i="0" spc="0" strike="noStrike" sz="3200" u="none" kumimoji="0" normalizeH="0">
+          <a:defRPr kumimoji="0" sz="3200" b="0" i="0" u="none" strike="noStrike" cap="none" spc="0" normalizeH="0" baseline="0">
             <a:ln>
               <a:noFill/>
             </a:ln>
@@ -7056,7 +6888,7 @@
           <a:buFontTx/>
           <a:buNone/>
           <a:tabLst/>
-          <a:defRPr b="0" baseline="0" cap="none" i="0" spc="0" strike="noStrike" sz="1800" u="none" kumimoji="0" normalizeH="0">
+          <a:defRPr kumimoji="0" sz="1800" b="0" i="0" u="none" strike="noStrike" cap="none" spc="0" normalizeH="0" baseline="0">
             <a:ln>
               <a:noFill/>
             </a:ln>
@@ -7082,7 +6914,7 @@
           <a:buFontTx/>
           <a:buNone/>
           <a:tabLst/>
-          <a:defRPr b="0" baseline="0" cap="none" i="0" spc="0" strike="noStrike" sz="1800" u="none" kumimoji="0" normalizeH="0">
+          <a:defRPr kumimoji="0" sz="1800" b="0" i="0" u="none" strike="noStrike" cap="none" spc="0" normalizeH="0" baseline="0">
             <a:ln>
               <a:noFill/>
             </a:ln>
@@ -7108,7 +6940,7 @@
           <a:buFontTx/>
           <a:buNone/>
           <a:tabLst/>
-          <a:defRPr b="0" baseline="0" cap="none" i="0" spc="0" strike="noStrike" sz="1800" u="none" kumimoji="0" normalizeH="0">
+          <a:defRPr kumimoji="0" sz="1800" b="0" i="0" u="none" strike="noStrike" cap="none" spc="0" normalizeH="0" baseline="0">
             <a:ln>
               <a:noFill/>
             </a:ln>
@@ -7134,7 +6966,7 @@
           <a:buFontTx/>
           <a:buNone/>
           <a:tabLst/>
-          <a:defRPr b="0" baseline="0" cap="none" i="0" spc="0" strike="noStrike" sz="1800" u="none" kumimoji="0" normalizeH="0">
+          <a:defRPr kumimoji="0" sz="1800" b="0" i="0" u="none" strike="noStrike" cap="none" spc="0" normalizeH="0" baseline="0">
             <a:ln>
               <a:noFill/>
             </a:ln>
@@ -7160,7 +6992,7 @@
           <a:buFontTx/>
           <a:buNone/>
           <a:tabLst/>
-          <a:defRPr b="0" baseline="0" cap="none" i="0" spc="0" strike="noStrike" sz="1800" u="none" kumimoji="0" normalizeH="0">
+          <a:defRPr kumimoji="0" sz="1800" b="0" i="0" u="none" strike="noStrike" cap="none" spc="0" normalizeH="0" baseline="0">
             <a:ln>
               <a:noFill/>
             </a:ln>
@@ -7186,7 +7018,7 @@
           <a:buFontTx/>
           <a:buNone/>
           <a:tabLst/>
-          <a:defRPr b="0" baseline="0" cap="none" i="0" spc="0" strike="noStrike" sz="1800" u="none" kumimoji="0" normalizeH="0">
+          <a:defRPr kumimoji="0" sz="1800" b="0" i="0" u="none" strike="noStrike" cap="none" spc="0" normalizeH="0" baseline="0">
             <a:ln>
               <a:noFill/>
             </a:ln>
@@ -7212,7 +7044,7 @@
           <a:buFontTx/>
           <a:buNone/>
           <a:tabLst/>
-          <a:defRPr b="0" baseline="0" cap="none" i="0" spc="0" strike="noStrike" sz="1800" u="none" kumimoji="0" normalizeH="0">
+          <a:defRPr kumimoji="0" sz="1800" b="0" i="0" u="none" strike="noStrike" cap="none" spc="0" normalizeH="0" baseline="0">
             <a:ln>
               <a:noFill/>
             </a:ln>
@@ -7238,7 +7070,7 @@
           <a:buFontTx/>
           <a:buNone/>
           <a:tabLst/>
-          <a:defRPr b="0" baseline="0" cap="none" i="0" spc="0" strike="noStrike" sz="1800" u="none" kumimoji="0" normalizeH="0">
+          <a:defRPr kumimoji="0" sz="1800" b="0" i="0" u="none" strike="noStrike" cap="none" spc="0" normalizeH="0" baseline="0">
             <a:ln>
               <a:noFill/>
             </a:ln>
@@ -7264,7 +7096,7 @@
           <a:buFontTx/>
           <a:buNone/>
           <a:tabLst/>
-          <a:defRPr b="0" baseline="0" cap="none" i="0" spc="0" strike="noStrike" sz="1800" u="none" kumimoji="0" normalizeH="0">
+          <a:defRPr kumimoji="0" sz="1800" b="0" i="0" u="none" strike="noStrike" cap="none" spc="0" normalizeH="0" baseline="0">
             <a:ln>
               <a:noFill/>
             </a:ln>
@@ -7277,9 +7109,15 @@
         </a:lvl9pPr>
       </a:lstStyle>
       <a:style>
-        <a:lnRef idx="0"/>
-        <a:fillRef idx="0"/>
-        <a:effectRef idx="0"/>
+        <a:lnRef idx="0">
+          <a:scrgbClr r="0" g="0" b="0"/>
+        </a:lnRef>
+        <a:fillRef idx="0">
+          <a:scrgbClr r="0" g="0" b="0"/>
+        </a:fillRef>
+        <a:effectRef idx="0">
+          <a:scrgbClr r="0" g="0" b="0"/>
+        </a:effectRef>
         <a:fontRef idx="none"/>
       </a:style>
     </a:spDef>
@@ -7296,7 +7134,7 @@
         <a:effectLst/>
         <a:sp3d/>
       </a:spPr>
-      <a:bodyPr rot="0" spcFirstLastPara="1" vertOverflow="overflow" horzOverflow="overflow" vert="horz" wrap="square" lIns="91439" tIns="45719" rIns="91439" bIns="45719" numCol="1" spcCol="38100" rtlCol="0" anchor="t" upright="0">
+      <a:bodyPr rot="0" spcFirstLastPara="1" vertOverflow="overflow" horzOverflow="overflow" vert="horz" wrap="square" lIns="91439" tIns="45719" rIns="91439" bIns="45719" numCol="1" spcCol="38100" rtlCol="0" anchor="t">
         <a:noAutofit/>
       </a:bodyPr>
       <a:lstStyle>
@@ -7315,7 +7153,7 @@
           <a:buFontTx/>
           <a:buNone/>
           <a:tabLst/>
-          <a:defRPr b="0" baseline="0" cap="none" i="0" spc="0" strike="noStrike" sz="1800" u="none" kumimoji="0" normalizeH="0">
+          <a:defRPr kumimoji="0" sz="1800" b="0" i="0" u="none" strike="noStrike" cap="none" spc="0" normalizeH="0" baseline="0">
             <a:ln>
               <a:noFill/>
             </a:ln>
@@ -7341,7 +7179,7 @@
           <a:buFontTx/>
           <a:buNone/>
           <a:tabLst/>
-          <a:defRPr b="0" baseline="0" cap="none" i="0" spc="0" strike="noStrike" sz="1800" u="none" kumimoji="0" normalizeH="0">
+          <a:defRPr kumimoji="0" sz="1800" b="0" i="0" u="none" strike="noStrike" cap="none" spc="0" normalizeH="0" baseline="0">
             <a:ln>
               <a:noFill/>
             </a:ln>
@@ -7367,7 +7205,7 @@
           <a:buFontTx/>
           <a:buNone/>
           <a:tabLst/>
-          <a:defRPr b="0" baseline="0" cap="none" i="0" spc="0" strike="noStrike" sz="1800" u="none" kumimoji="0" normalizeH="0">
+          <a:defRPr kumimoji="0" sz="1800" b="0" i="0" u="none" strike="noStrike" cap="none" spc="0" normalizeH="0" baseline="0">
             <a:ln>
               <a:noFill/>
             </a:ln>
@@ -7393,7 +7231,7 @@
           <a:buFontTx/>
           <a:buNone/>
           <a:tabLst/>
-          <a:defRPr b="0" baseline="0" cap="none" i="0" spc="0" strike="noStrike" sz="1800" u="none" kumimoji="0" normalizeH="0">
+          <a:defRPr kumimoji="0" sz="1800" b="0" i="0" u="none" strike="noStrike" cap="none" spc="0" normalizeH="0" baseline="0">
             <a:ln>
               <a:noFill/>
             </a:ln>
@@ -7419,7 +7257,7 @@
           <a:buFontTx/>
           <a:buNone/>
           <a:tabLst/>
-          <a:defRPr b="0" baseline="0" cap="none" i="0" spc="0" strike="noStrike" sz="1800" u="none" kumimoji="0" normalizeH="0">
+          <a:defRPr kumimoji="0" sz="1800" b="0" i="0" u="none" strike="noStrike" cap="none" spc="0" normalizeH="0" baseline="0">
             <a:ln>
               <a:noFill/>
             </a:ln>
@@ -7445,7 +7283,7 @@
           <a:buFontTx/>
           <a:buNone/>
           <a:tabLst/>
-          <a:defRPr b="0" baseline="0" cap="none" i="0" spc="0" strike="noStrike" sz="1800" u="none" kumimoji="0" normalizeH="0">
+          <a:defRPr kumimoji="0" sz="1800" b="0" i="0" u="none" strike="noStrike" cap="none" spc="0" normalizeH="0" baseline="0">
             <a:ln>
               <a:noFill/>
             </a:ln>
@@ -7471,7 +7309,7 @@
           <a:buFontTx/>
           <a:buNone/>
           <a:tabLst/>
-          <a:defRPr b="0" baseline="0" cap="none" i="0" spc="0" strike="noStrike" sz="1800" u="none" kumimoji="0" normalizeH="0">
+          <a:defRPr kumimoji="0" sz="1800" b="0" i="0" u="none" strike="noStrike" cap="none" spc="0" normalizeH="0" baseline="0">
             <a:ln>
               <a:noFill/>
             </a:ln>
@@ -7497,7 +7335,7 @@
           <a:buFontTx/>
           <a:buNone/>
           <a:tabLst/>
-          <a:defRPr b="0" baseline="0" cap="none" i="0" spc="0" strike="noStrike" sz="1800" u="none" kumimoji="0" normalizeH="0">
+          <a:defRPr kumimoji="0" sz="1800" b="0" i="0" u="none" strike="noStrike" cap="none" spc="0" normalizeH="0" baseline="0">
             <a:ln>
               <a:noFill/>
             </a:ln>
@@ -7523,7 +7361,7 @@
           <a:buFontTx/>
           <a:buNone/>
           <a:tabLst/>
-          <a:defRPr b="0" baseline="0" cap="none" i="0" spc="0" strike="noStrike" sz="1800" u="none" kumimoji="0" normalizeH="0">
+          <a:defRPr kumimoji="0" sz="1800" b="0" i="0" u="none" strike="noStrike" cap="none" spc="0" normalizeH="0" baseline="0">
             <a:ln>
               <a:noFill/>
             </a:ln>
@@ -7549,7 +7387,7 @@
           <a:buFontTx/>
           <a:buNone/>
           <a:tabLst/>
-          <a:defRPr b="0" baseline="0" cap="none" i="0" spc="0" strike="noStrike" sz="1800" u="none" kumimoji="0" normalizeH="0">
+          <a:defRPr kumimoji="0" sz="1800" b="0" i="0" u="none" strike="noStrike" cap="none" spc="0" normalizeH="0" baseline="0">
             <a:ln>
               <a:noFill/>
             </a:ln>
@@ -7562,9 +7400,15 @@
         </a:lvl9pPr>
       </a:lstStyle>
       <a:style>
-        <a:lnRef idx="0"/>
-        <a:fillRef idx="0"/>
-        <a:effectRef idx="0"/>
+        <a:lnRef idx="0">
+          <a:scrgbClr r="0" g="0" b="0"/>
+        </a:lnRef>
+        <a:fillRef idx="0">
+          <a:scrgbClr r="0" g="0" b="0"/>
+        </a:fillRef>
+        <a:effectRef idx="0">
+          <a:scrgbClr r="0" g="0" b="0"/>
+        </a:effectRef>
         <a:fontRef idx="none"/>
       </a:style>
     </a:lnDef>
@@ -7578,7 +7422,7 @@
         <a:effectLst/>
         <a:sp3d/>
       </a:spPr>
-      <a:bodyPr rot="0" spcFirstLastPara="1" vertOverflow="overflow" horzOverflow="overflow" vert="horz" wrap="square" lIns="50800" tIns="50800" rIns="50800" bIns="50800" numCol="1" spcCol="38100" rtlCol="0" anchor="ctr" upright="0">
+      <a:bodyPr rot="0" spcFirstLastPara="1" vertOverflow="overflow" horzOverflow="overflow" vert="horz" wrap="square" lIns="50800" tIns="50800" rIns="50800" bIns="50800" numCol="1" spcCol="38100" rtlCol="0" anchor="ctr">
         <a:spAutoFit/>
       </a:bodyPr>
       <a:lstStyle>
@@ -7597,7 +7441,7 @@
           <a:buFontTx/>
           <a:buNone/>
           <a:tabLst/>
-          <a:defRPr b="0" baseline="0" cap="none" i="0" spc="0" strike="noStrike" sz="2400" u="none" kumimoji="0" normalizeH="0">
+          <a:defRPr kumimoji="0" sz="2400" b="0" i="0" u="none" strike="noStrike" cap="none" spc="0" normalizeH="0" baseline="0">
             <a:ln>
               <a:noFill/>
             </a:ln>
@@ -7627,7 +7471,7 @@
           <a:buFontTx/>
           <a:buNone/>
           <a:tabLst/>
-          <a:defRPr b="0" baseline="0" cap="none" i="0" spc="0" strike="noStrike" sz="1800" u="none" kumimoji="0" normalizeH="0">
+          <a:defRPr kumimoji="0" sz="1800" b="0" i="0" u="none" strike="noStrike" cap="none" spc="0" normalizeH="0" baseline="0">
             <a:ln>
               <a:noFill/>
             </a:ln>
@@ -7653,7 +7497,7 @@
           <a:buFontTx/>
           <a:buNone/>
           <a:tabLst/>
-          <a:defRPr b="0" baseline="0" cap="none" i="0" spc="0" strike="noStrike" sz="1800" u="none" kumimoji="0" normalizeH="0">
+          <a:defRPr kumimoji="0" sz="1800" b="0" i="0" u="none" strike="noStrike" cap="none" spc="0" normalizeH="0" baseline="0">
             <a:ln>
               <a:noFill/>
             </a:ln>
@@ -7679,7 +7523,7 @@
           <a:buFontTx/>
           <a:buNone/>
           <a:tabLst/>
-          <a:defRPr b="0" baseline="0" cap="none" i="0" spc="0" strike="noStrike" sz="1800" u="none" kumimoji="0" normalizeH="0">
+          <a:defRPr kumimoji="0" sz="1800" b="0" i="0" u="none" strike="noStrike" cap="none" spc="0" normalizeH="0" baseline="0">
             <a:ln>
               <a:noFill/>
             </a:ln>
@@ -7705,7 +7549,7 @@
           <a:buFontTx/>
           <a:buNone/>
           <a:tabLst/>
-          <a:defRPr b="0" baseline="0" cap="none" i="0" spc="0" strike="noStrike" sz="1800" u="none" kumimoji="0" normalizeH="0">
+          <a:defRPr kumimoji="0" sz="1800" b="0" i="0" u="none" strike="noStrike" cap="none" spc="0" normalizeH="0" baseline="0">
             <a:ln>
               <a:noFill/>
             </a:ln>
@@ -7731,7 +7575,7 @@
           <a:buFontTx/>
           <a:buNone/>
           <a:tabLst/>
-          <a:defRPr b="0" baseline="0" cap="none" i="0" spc="0" strike="noStrike" sz="1800" u="none" kumimoji="0" normalizeH="0">
+          <a:defRPr kumimoji="0" sz="1800" b="0" i="0" u="none" strike="noStrike" cap="none" spc="0" normalizeH="0" baseline="0">
             <a:ln>
               <a:noFill/>
             </a:ln>
@@ -7757,7 +7601,7 @@
           <a:buFontTx/>
           <a:buNone/>
           <a:tabLst/>
-          <a:defRPr b="0" baseline="0" cap="none" i="0" spc="0" strike="noStrike" sz="1800" u="none" kumimoji="0" normalizeH="0">
+          <a:defRPr kumimoji="0" sz="1800" b="0" i="0" u="none" strike="noStrike" cap="none" spc="0" normalizeH="0" baseline="0">
             <a:ln>
               <a:noFill/>
             </a:ln>
@@ -7783,7 +7627,7 @@
           <a:buFontTx/>
           <a:buNone/>
           <a:tabLst/>
-          <a:defRPr b="0" baseline="0" cap="none" i="0" spc="0" strike="noStrike" sz="1800" u="none" kumimoji="0" normalizeH="0">
+          <a:defRPr kumimoji="0" sz="1800" b="0" i="0" u="none" strike="noStrike" cap="none" spc="0" normalizeH="0" baseline="0">
             <a:ln>
               <a:noFill/>
             </a:ln>
@@ -7809,7 +7653,7 @@
           <a:buFontTx/>
           <a:buNone/>
           <a:tabLst/>
-          <a:defRPr b="0" baseline="0" cap="none" i="0" spc="0" strike="noStrike" sz="1800" u="none" kumimoji="0" normalizeH="0">
+          <a:defRPr kumimoji="0" sz="1800" b="0" i="0" u="none" strike="noStrike" cap="none" spc="0" normalizeH="0" baseline="0">
             <a:ln>
               <a:noFill/>
             </a:ln>
@@ -7835,7 +7679,7 @@
           <a:buFontTx/>
           <a:buNone/>
           <a:tabLst/>
-          <a:defRPr b="0" baseline="0" cap="none" i="0" spc="0" strike="noStrike" sz="1800" u="none" kumimoji="0" normalizeH="0">
+          <a:defRPr kumimoji="0" sz="1800" b="0" i="0" u="none" strike="noStrike" cap="none" spc="0" normalizeH="0" baseline="0">
             <a:ln>
               <a:noFill/>
             </a:ln>
@@ -7848,12 +7692,19 @@
         </a:lvl9pPr>
       </a:lstStyle>
       <a:style>
-        <a:lnRef idx="0"/>
-        <a:fillRef idx="0"/>
-        <a:effectRef idx="0"/>
+        <a:lnRef idx="0">
+          <a:scrgbClr r="0" g="0" b="0"/>
+        </a:lnRef>
+        <a:fillRef idx="0">
+          <a:scrgbClr r="0" g="0" b="0"/>
+        </a:fillRef>
+        <a:effectRef idx="0">
+          <a:scrgbClr r="0" g="0" b="0"/>
+        </a:effectRef>
         <a:fontRef idx="none"/>
       </a:style>
     </a:txDef>
   </a:objectDefaults>
+  <a:extraClrSchemeLst/>
 </a:theme>
 </file>